--- a/Cours/images/Sources_schemes.pptx
+++ b/Cours/images/Sources_schemes.pptx
@@ -6,7 +6,11 @@
   </p:sldMasterIdLst>
   <p:sldIdLst>
     <p:sldId id="256" r:id="rId2"/>
-    <p:sldId id="257" r:id="rId3"/>
+    <p:sldId id="258" r:id="rId3"/>
+    <p:sldId id="257" r:id="rId4"/>
+    <p:sldId id="259" r:id="rId5"/>
+    <p:sldId id="260" r:id="rId6"/>
+    <p:sldId id="261" r:id="rId7"/>
   </p:sldIdLst>
   <p:sldSz cx="12192000" cy="6858000"/>
   <p:notesSz cx="6858000" cy="9144000"/>
@@ -3511,12 +3515,4282 @@
           <a:chExt cx="0" cy="0"/>
         </a:xfrm>
       </p:grpSpPr>
+      <p:grpSp>
+        <p:nvGrpSpPr>
+          <p:cNvPr id="27" name="Groupe 26">
+            <a:extLst>
+              <a:ext uri="{FF2B5EF4-FFF2-40B4-BE49-F238E27FC236}">
+                <a16:creationId xmlns:a16="http://schemas.microsoft.com/office/drawing/2014/main" id="{DBB4B067-998B-E7DA-D42B-69F500099C40}"/>
+              </a:ext>
+            </a:extLst>
+          </p:cNvPr>
+          <p:cNvGrpSpPr/>
+          <p:nvPr/>
+        </p:nvGrpSpPr>
+        <p:grpSpPr>
+          <a:xfrm>
+            <a:off x="4250542" y="1112764"/>
+            <a:ext cx="3764746" cy="3051695"/>
+            <a:chOff x="4250542" y="1112764"/>
+            <a:chExt cx="3764746" cy="3051695"/>
+          </a:xfrm>
+        </p:grpSpPr>
+        <p:sp>
+          <p:nvSpPr>
+            <p:cNvPr id="4" name="ZoneTexte 3">
+              <a:extLst>
+                <a:ext uri="{FF2B5EF4-FFF2-40B4-BE49-F238E27FC236}">
+                  <a16:creationId xmlns:a16="http://schemas.microsoft.com/office/drawing/2014/main" id="{A78E6058-EF46-FCE7-33AD-6A6B801087F8}"/>
+                </a:ext>
+              </a:extLst>
+            </p:cNvPr>
+            <p:cNvSpPr txBox="1"/>
+            <p:nvPr/>
+          </p:nvSpPr>
+          <p:spPr>
+            <a:xfrm>
+              <a:off x="5339959" y="1112764"/>
+              <a:ext cx="1585913" cy="369332"/>
+            </a:xfrm>
+            <a:prstGeom prst="rect">
+              <a:avLst/>
+            </a:prstGeom>
+            <a:solidFill>
+              <a:schemeClr val="tx2">
+                <a:lumMod val="10000"/>
+                <a:lumOff val="90000"/>
+              </a:schemeClr>
+            </a:solidFill>
+            <a:ln w="25400">
+              <a:solidFill>
+                <a:schemeClr val="accent1"/>
+              </a:solidFill>
+            </a:ln>
+          </p:spPr>
+          <p:txBody>
+            <a:bodyPr wrap="square" rtlCol="0">
+              <a:spAutoFit/>
+            </a:bodyPr>
+            <a:lstStyle/>
+            <a:p>
+              <a:pPr algn="ctr"/>
+              <a:r>
+                <a:rPr lang="fr-FR" dirty="0"/>
+                <a:t>Seurat Object</a:t>
+              </a:r>
+            </a:p>
+          </p:txBody>
+        </p:sp>
+        <p:sp>
+          <p:nvSpPr>
+            <p:cNvPr id="5" name="ZoneTexte 4">
+              <a:extLst>
+                <a:ext uri="{FF2B5EF4-FFF2-40B4-BE49-F238E27FC236}">
+                  <a16:creationId xmlns:a16="http://schemas.microsoft.com/office/drawing/2014/main" id="{0246B847-FFC6-68E3-AB2F-D887D2CA0B2A}"/>
+                </a:ext>
+              </a:extLst>
+            </p:cNvPr>
+            <p:cNvSpPr txBox="1"/>
+            <p:nvPr/>
+          </p:nvSpPr>
+          <p:spPr>
+            <a:xfrm>
+              <a:off x="5418540" y="1935248"/>
+              <a:ext cx="1428750" cy="369332"/>
+            </a:xfrm>
+            <a:prstGeom prst="rect">
+              <a:avLst/>
+            </a:prstGeom>
+            <a:solidFill>
+              <a:schemeClr val="accent2">
+                <a:lumMod val="20000"/>
+                <a:lumOff val="80000"/>
+              </a:schemeClr>
+            </a:solidFill>
+            <a:ln w="25400">
+              <a:solidFill>
+                <a:schemeClr val="accent1"/>
+              </a:solidFill>
+            </a:ln>
+          </p:spPr>
+          <p:txBody>
+            <a:bodyPr wrap="square" rtlCol="0">
+              <a:spAutoFit/>
+            </a:bodyPr>
+            <a:lstStyle/>
+            <a:p>
+              <a:pPr algn="ctr"/>
+              <a:r>
+                <a:rPr lang="fr-FR" dirty="0" err="1"/>
+                <a:t>assays</a:t>
+              </a:r>
+              <a:endParaRPr lang="fr-FR" dirty="0"/>
+            </a:p>
+          </p:txBody>
+        </p:sp>
+        <p:cxnSp>
+          <p:nvCxnSpPr>
+            <p:cNvPr id="7" name="Connecteur en angle 6">
+              <a:extLst>
+                <a:ext uri="{FF2B5EF4-FFF2-40B4-BE49-F238E27FC236}">
+                  <a16:creationId xmlns:a16="http://schemas.microsoft.com/office/drawing/2014/main" id="{D2FCDFE7-9FB9-391F-09A4-F042913244F2}"/>
+                </a:ext>
+              </a:extLst>
+            </p:cNvPr>
+            <p:cNvCxnSpPr>
+              <a:stCxn id="4" idx="2"/>
+              <a:endCxn id="5" idx="0"/>
+            </p:cNvCxnSpPr>
+            <p:nvPr/>
+          </p:nvCxnSpPr>
+          <p:spPr>
+            <a:xfrm rot="5400000">
+              <a:off x="5906340" y="1708672"/>
+              <a:ext cx="453152" cy="1"/>
+            </a:xfrm>
+            <a:prstGeom prst="bentConnector3">
+              <a:avLst/>
+            </a:prstGeom>
+            <a:ln>
+              <a:tailEnd type="triangle"/>
+            </a:ln>
+          </p:spPr>
+          <p:style>
+            <a:lnRef idx="2">
+              <a:schemeClr val="accent1"/>
+            </a:lnRef>
+            <a:fillRef idx="0">
+              <a:schemeClr val="accent1"/>
+            </a:fillRef>
+            <a:effectRef idx="1">
+              <a:schemeClr val="accent1"/>
+            </a:effectRef>
+            <a:fontRef idx="minor">
+              <a:schemeClr val="tx1"/>
+            </a:fontRef>
+          </p:style>
+        </p:cxnSp>
+        <mc:AlternateContent xmlns:mc="http://schemas.openxmlformats.org/markup-compatibility/2006">
+          <mc:Choice xmlns:a14="http://schemas.microsoft.com/office/drawing/2010/main" Requires="a14">
+            <p:sp>
+              <p:nvSpPr>
+                <p:cNvPr id="9" name="ZoneTexte 8">
+                  <a:extLst>
+                    <a:ext uri="{FF2B5EF4-FFF2-40B4-BE49-F238E27FC236}">
+                      <a16:creationId xmlns:a16="http://schemas.microsoft.com/office/drawing/2014/main" id="{42CBDAD0-C52E-BDFF-CF9B-6DBEEB43604C}"/>
+                    </a:ext>
+                  </a:extLst>
+                </p:cNvPr>
+                <p:cNvSpPr txBox="1"/>
+                <p:nvPr/>
+              </p:nvSpPr>
+              <p:spPr>
+                <a:xfrm>
+                  <a:off x="5360187" y="1482171"/>
+                  <a:ext cx="1243017" cy="369332"/>
+                </a:xfrm>
+                <a:prstGeom prst="rect">
+                  <a:avLst/>
+                </a:prstGeom>
+                <a:noFill/>
+              </p:spPr>
+              <p:txBody>
+                <a:bodyPr wrap="square" rtlCol="0">
+                  <a:spAutoFit/>
+                </a:bodyPr>
+                <a:lstStyle/>
+                <a:p>
+                  <a14:m>
+                    <m:oMathPara xmlns:m="http://schemas.openxmlformats.org/officeDocument/2006/math">
+                      <m:oMathParaPr>
+                        <m:jc m:val="centerGroup"/>
+                      </m:oMathParaPr>
+                      <m:oMath xmlns:m="http://schemas.openxmlformats.org/officeDocument/2006/math">
+                        <m:r>
+                          <a:rPr lang="fr-FR" b="0" i="1" smtClean="0">
+                            <a:latin typeface="Cambria Math" panose="02040503050406030204" pitchFamily="18" charset="0"/>
+                          </a:rPr>
+                          <m:t>@</m:t>
+                        </m:r>
+                      </m:oMath>
+                    </m:oMathPara>
+                  </a14:m>
+                  <a:endParaRPr lang="fr-FR" dirty="0"/>
+                </a:p>
+              </p:txBody>
+            </p:sp>
+          </mc:Choice>
+          <mc:Fallback>
+            <p:sp>
+              <p:nvSpPr>
+                <p:cNvPr id="9" name="ZoneTexte 8">
+                  <a:extLst>
+                    <a:ext uri="{FF2B5EF4-FFF2-40B4-BE49-F238E27FC236}">
+                      <a16:creationId xmlns:a16="http://schemas.microsoft.com/office/drawing/2014/main" id="{42CBDAD0-C52E-BDFF-CF9B-6DBEEB43604C}"/>
+                    </a:ext>
+                  </a:extLst>
+                </p:cNvPr>
+                <p:cNvSpPr txBox="1">
+                  <a:spLocks noRot="1" noChangeAspect="1" noMove="1" noResize="1" noEditPoints="1" noAdjustHandles="1" noChangeArrowheads="1" noChangeShapeType="1" noTextEdit="1"/>
+                </p:cNvSpPr>
+                <p:nvPr/>
+              </p:nvSpPr>
+              <p:spPr>
+                <a:xfrm>
+                  <a:off x="5360187" y="1482171"/>
+                  <a:ext cx="1243017" cy="369332"/>
+                </a:xfrm>
+                <a:prstGeom prst="rect">
+                  <a:avLst/>
+                </a:prstGeom>
+                <a:blipFill>
+                  <a:blip r:embed="rId2"/>
+                  <a:stretch>
+                    <a:fillRect/>
+                  </a:stretch>
+                </a:blipFill>
+              </p:spPr>
+              <p:txBody>
+                <a:bodyPr/>
+                <a:lstStyle/>
+                <a:p>
+                  <a:r>
+                    <a:rPr lang="fr-FR">
+                      <a:noFill/>
+                    </a:rPr>
+                    <a:t> </a:t>
+                  </a:r>
+                </a:p>
+              </p:txBody>
+            </p:sp>
+          </mc:Fallback>
+        </mc:AlternateContent>
+        <p:sp>
+          <p:nvSpPr>
+            <p:cNvPr id="10" name="ZoneTexte 9">
+              <a:extLst>
+                <a:ext uri="{FF2B5EF4-FFF2-40B4-BE49-F238E27FC236}">
+                  <a16:creationId xmlns:a16="http://schemas.microsoft.com/office/drawing/2014/main" id="{7A02EF96-24F1-E380-F820-5735BFE5EB6E}"/>
+                </a:ext>
+              </a:extLst>
+            </p:cNvPr>
+            <p:cNvSpPr txBox="1"/>
+            <p:nvPr/>
+          </p:nvSpPr>
+          <p:spPr>
+            <a:xfrm>
+              <a:off x="5418540" y="2712847"/>
+              <a:ext cx="1428750" cy="369332"/>
+            </a:xfrm>
+            <a:prstGeom prst="rect">
+              <a:avLst/>
+            </a:prstGeom>
+            <a:solidFill>
+              <a:schemeClr val="accent3">
+                <a:lumMod val="20000"/>
+                <a:lumOff val="80000"/>
+              </a:schemeClr>
+            </a:solidFill>
+            <a:ln w="25400">
+              <a:solidFill>
+                <a:schemeClr val="accent1"/>
+              </a:solidFill>
+            </a:ln>
+          </p:spPr>
+          <p:txBody>
+            <a:bodyPr wrap="square" rtlCol="0">
+              <a:spAutoFit/>
+            </a:bodyPr>
+            <a:lstStyle/>
+            <a:p>
+              <a:pPr algn="ctr"/>
+              <a:r>
+                <a:rPr lang="fr-FR" dirty="0"/>
+                <a:t>RNA</a:t>
+              </a:r>
+            </a:p>
+          </p:txBody>
+        </p:sp>
+        <p:cxnSp>
+          <p:nvCxnSpPr>
+            <p:cNvPr id="11" name="Connecteur droit avec flèche 10">
+              <a:extLst>
+                <a:ext uri="{FF2B5EF4-FFF2-40B4-BE49-F238E27FC236}">
+                  <a16:creationId xmlns:a16="http://schemas.microsoft.com/office/drawing/2014/main" id="{01DC4841-7F2A-9CBA-212B-2D4811A6742D}"/>
+                </a:ext>
+              </a:extLst>
+            </p:cNvPr>
+            <p:cNvCxnSpPr>
+              <a:stCxn id="5" idx="2"/>
+              <a:endCxn id="10" idx="0"/>
+            </p:cNvCxnSpPr>
+            <p:nvPr/>
+          </p:nvCxnSpPr>
+          <p:spPr>
+            <a:xfrm>
+              <a:off x="6132915" y="2304580"/>
+              <a:ext cx="0" cy="408267"/>
+            </a:xfrm>
+            <a:prstGeom prst="straightConnector1">
+              <a:avLst/>
+            </a:prstGeom>
+            <a:ln>
+              <a:tailEnd type="triangle"/>
+            </a:ln>
+          </p:spPr>
+          <p:style>
+            <a:lnRef idx="2">
+              <a:schemeClr val="accent1"/>
+            </a:lnRef>
+            <a:fillRef idx="0">
+              <a:schemeClr val="accent1"/>
+            </a:fillRef>
+            <a:effectRef idx="1">
+              <a:schemeClr val="accent1"/>
+            </a:effectRef>
+            <a:fontRef idx="minor">
+              <a:schemeClr val="tx1"/>
+            </a:fontRef>
+          </p:style>
+        </p:cxnSp>
+        <p:sp>
+          <p:nvSpPr>
+            <p:cNvPr id="12" name="ZoneTexte 11">
+              <a:extLst>
+                <a:ext uri="{FF2B5EF4-FFF2-40B4-BE49-F238E27FC236}">
+                  <a16:creationId xmlns:a16="http://schemas.microsoft.com/office/drawing/2014/main" id="{E2FB667A-756C-B522-AA67-7D1B8666B64E}"/>
+                </a:ext>
+              </a:extLst>
+            </p:cNvPr>
+            <p:cNvSpPr txBox="1"/>
+            <p:nvPr/>
+          </p:nvSpPr>
+          <p:spPr>
+            <a:xfrm>
+              <a:off x="5829317" y="2364060"/>
+              <a:ext cx="585787" cy="369332"/>
+            </a:xfrm>
+            <a:prstGeom prst="rect">
+              <a:avLst/>
+            </a:prstGeom>
+            <a:noFill/>
+          </p:spPr>
+          <p:txBody>
+            <a:bodyPr wrap="square" rtlCol="0">
+              <a:spAutoFit/>
+            </a:bodyPr>
+            <a:lstStyle/>
+            <a:p>
+              <a:r>
+                <a:rPr lang="fr-FR" dirty="0"/>
+                <a:t>$</a:t>
+              </a:r>
+            </a:p>
+          </p:txBody>
+        </p:sp>
+        <p:sp>
+          <p:nvSpPr>
+            <p:cNvPr id="13" name="ZoneTexte 12">
+              <a:extLst>
+                <a:ext uri="{FF2B5EF4-FFF2-40B4-BE49-F238E27FC236}">
+                  <a16:creationId xmlns:a16="http://schemas.microsoft.com/office/drawing/2014/main" id="{1C362E2B-6A39-E4A3-561B-CFBD21C9FE4C}"/>
+                </a:ext>
+              </a:extLst>
+            </p:cNvPr>
+            <p:cNvSpPr txBox="1"/>
+            <p:nvPr/>
+          </p:nvSpPr>
+          <p:spPr>
+            <a:xfrm>
+              <a:off x="4250542" y="3518128"/>
+              <a:ext cx="3764746" cy="646331"/>
+            </a:xfrm>
+            <a:prstGeom prst="rect">
+              <a:avLst/>
+            </a:prstGeom>
+            <a:solidFill>
+              <a:schemeClr val="accent3">
+                <a:lumMod val="20000"/>
+                <a:lumOff val="80000"/>
+              </a:schemeClr>
+            </a:solidFill>
+            <a:ln w="25400">
+              <a:solidFill>
+                <a:schemeClr val="accent1"/>
+              </a:solidFill>
+            </a:ln>
+          </p:spPr>
+          <p:txBody>
+            <a:bodyPr wrap="square" rtlCol="0">
+              <a:spAutoFit/>
+            </a:bodyPr>
+            <a:lstStyle/>
+            <a:p>
+              <a:pPr marL="285750" indent="-285750">
+                <a:buFont typeface="Arial" panose="020B0604020202020204" pitchFamily="34" charset="0"/>
+                <a:buChar char="•"/>
+              </a:pPr>
+              <a:r>
+                <a:rPr lang="fr-FR" dirty="0" err="1"/>
+                <a:t>counts</a:t>
+              </a:r>
+              <a:endParaRPr lang="fr-FR" dirty="0"/>
+            </a:p>
+            <a:p>
+              <a:r>
+                <a:rPr lang="fr-FR" dirty="0"/>
+                <a:t>(matrice des comptages bruts G x C)</a:t>
+              </a:r>
+            </a:p>
+          </p:txBody>
+        </p:sp>
+        <p:cxnSp>
+          <p:nvCxnSpPr>
+            <p:cNvPr id="14" name="Connecteur droit avec flèche 13">
+              <a:extLst>
+                <a:ext uri="{FF2B5EF4-FFF2-40B4-BE49-F238E27FC236}">
+                  <a16:creationId xmlns:a16="http://schemas.microsoft.com/office/drawing/2014/main" id="{6CD8150E-024F-AD0B-75C0-797DBB90D26A}"/>
+                </a:ext>
+              </a:extLst>
+            </p:cNvPr>
+            <p:cNvCxnSpPr>
+              <a:cxnSpLocks/>
+              <a:stCxn id="10" idx="2"/>
+              <a:endCxn id="13" idx="0"/>
+            </p:cNvCxnSpPr>
+            <p:nvPr/>
+          </p:nvCxnSpPr>
+          <p:spPr>
+            <a:xfrm>
+              <a:off x="6132915" y="3082179"/>
+              <a:ext cx="0" cy="435949"/>
+            </a:xfrm>
+            <a:prstGeom prst="straightConnector1">
+              <a:avLst/>
+            </a:prstGeom>
+            <a:ln>
+              <a:tailEnd type="triangle"/>
+            </a:ln>
+          </p:spPr>
+          <p:style>
+            <a:lnRef idx="2">
+              <a:schemeClr val="accent1"/>
+            </a:lnRef>
+            <a:fillRef idx="0">
+              <a:schemeClr val="accent1"/>
+            </a:fillRef>
+            <a:effectRef idx="1">
+              <a:schemeClr val="accent1"/>
+            </a:effectRef>
+            <a:fontRef idx="minor">
+              <a:schemeClr val="tx1"/>
+            </a:fontRef>
+          </p:style>
+        </p:cxnSp>
+        <p:sp>
+          <p:nvSpPr>
+            <p:cNvPr id="15" name="ZoneTexte 14">
+              <a:extLst>
+                <a:ext uri="{FF2B5EF4-FFF2-40B4-BE49-F238E27FC236}">
+                  <a16:creationId xmlns:a16="http://schemas.microsoft.com/office/drawing/2014/main" id="{4322D96C-1B5F-5F37-ACF2-25ADDC9D96CA}"/>
+                </a:ext>
+              </a:extLst>
+            </p:cNvPr>
+            <p:cNvSpPr txBox="1"/>
+            <p:nvPr/>
+          </p:nvSpPr>
+          <p:spPr>
+            <a:xfrm>
+              <a:off x="5843606" y="3144063"/>
+              <a:ext cx="585787" cy="369332"/>
+            </a:xfrm>
+            <a:prstGeom prst="rect">
+              <a:avLst/>
+            </a:prstGeom>
+            <a:noFill/>
+          </p:spPr>
+          <p:txBody>
+            <a:bodyPr wrap="square" rtlCol="0">
+              <a:spAutoFit/>
+            </a:bodyPr>
+            <a:lstStyle/>
+            <a:p>
+              <a:r>
+                <a:rPr lang="fr-FR" dirty="0"/>
+                <a:t>$</a:t>
+              </a:r>
+            </a:p>
+          </p:txBody>
+        </p:sp>
+      </p:grpSp>
+    </p:spTree>
+    <p:extLst>
+      <p:ext uri="{BB962C8B-B14F-4D97-AF65-F5344CB8AC3E}">
+        <p14:creationId xmlns:p14="http://schemas.microsoft.com/office/powerpoint/2010/main" val="2184479566"/>
+      </p:ext>
+    </p:extLst>
+  </p:cSld>
+  <p:clrMapOvr>
+    <a:masterClrMapping/>
+  </p:clrMapOvr>
+</p:sld>
+</file>
+
+<file path=ppt/slides/slide3.xml><?xml version="1.0" encoding="utf-8"?>
+<p:sld xmlns:a="http://schemas.openxmlformats.org/drawingml/2006/main" xmlns:r="http://schemas.openxmlformats.org/officeDocument/2006/relationships" xmlns:p="http://schemas.openxmlformats.org/presentationml/2006/main">
+  <p:cSld>
+    <p:spTree>
+      <p:nvGrpSpPr>
+        <p:cNvPr id="1" name=""/>
+        <p:cNvGrpSpPr/>
+        <p:nvPr/>
+      </p:nvGrpSpPr>
+      <p:grpSpPr>
+        <a:xfrm>
+          <a:off x="0" y="0"/>
+          <a:ext cx="0" cy="0"/>
+          <a:chOff x="0" y="0"/>
+          <a:chExt cx="0" cy="0"/>
+        </a:xfrm>
+      </p:grpSpPr>
+      <p:grpSp>
+        <p:nvGrpSpPr>
+          <p:cNvPr id="35" name="Groupe 34">
+            <a:extLst>
+              <a:ext uri="{FF2B5EF4-FFF2-40B4-BE49-F238E27FC236}">
+                <a16:creationId xmlns:a16="http://schemas.microsoft.com/office/drawing/2014/main" id="{0743A78F-8B7B-4D78-F05C-1B75A4984AA9}"/>
+              </a:ext>
+            </a:extLst>
+          </p:cNvPr>
+          <p:cNvGrpSpPr/>
+          <p:nvPr/>
+        </p:nvGrpSpPr>
+        <p:grpSpPr>
+          <a:xfrm>
+            <a:off x="171441" y="328612"/>
+            <a:ext cx="5800715" cy="4732872"/>
+            <a:chOff x="3214695" y="328612"/>
+            <a:chExt cx="5800715" cy="4732872"/>
+          </a:xfrm>
+        </p:grpSpPr>
+        <p:sp>
+          <p:nvSpPr>
+            <p:cNvPr id="4" name="ZoneTexte 3">
+              <a:extLst>
+                <a:ext uri="{FF2B5EF4-FFF2-40B4-BE49-F238E27FC236}">
+                  <a16:creationId xmlns:a16="http://schemas.microsoft.com/office/drawing/2014/main" id="{F79BB919-D8BB-5EBE-DF86-0E563FE53660}"/>
+                </a:ext>
+              </a:extLst>
+            </p:cNvPr>
+            <p:cNvSpPr txBox="1"/>
+            <p:nvPr/>
+          </p:nvSpPr>
+          <p:spPr>
+            <a:xfrm>
+              <a:off x="5600711" y="328612"/>
+              <a:ext cx="1585913" cy="369332"/>
+            </a:xfrm>
+            <a:prstGeom prst="rect">
+              <a:avLst/>
+            </a:prstGeom>
+            <a:solidFill>
+              <a:schemeClr val="tx2">
+                <a:lumMod val="10000"/>
+                <a:lumOff val="90000"/>
+              </a:schemeClr>
+            </a:solidFill>
+            <a:ln w="25400">
+              <a:solidFill>
+                <a:schemeClr val="accent1"/>
+              </a:solidFill>
+            </a:ln>
+          </p:spPr>
+          <p:txBody>
+            <a:bodyPr wrap="square" rtlCol="0">
+              <a:spAutoFit/>
+            </a:bodyPr>
+            <a:lstStyle/>
+            <a:p>
+              <a:pPr algn="ctr"/>
+              <a:r>
+                <a:rPr lang="fr-FR" dirty="0"/>
+                <a:t>Seurat Object</a:t>
+              </a:r>
+            </a:p>
+          </p:txBody>
+        </p:sp>
+        <p:sp>
+          <p:nvSpPr>
+            <p:cNvPr id="5" name="ZoneTexte 4">
+              <a:extLst>
+                <a:ext uri="{FF2B5EF4-FFF2-40B4-BE49-F238E27FC236}">
+                  <a16:creationId xmlns:a16="http://schemas.microsoft.com/office/drawing/2014/main" id="{828847D5-8679-F264-6600-54FDFE716614}"/>
+                </a:ext>
+              </a:extLst>
+            </p:cNvPr>
+            <p:cNvSpPr txBox="1"/>
+            <p:nvPr/>
+          </p:nvSpPr>
+          <p:spPr>
+            <a:xfrm>
+              <a:off x="4643445" y="1885950"/>
+              <a:ext cx="1428750" cy="369332"/>
+            </a:xfrm>
+            <a:prstGeom prst="rect">
+              <a:avLst/>
+            </a:prstGeom>
+            <a:solidFill>
+              <a:schemeClr val="accent2">
+                <a:lumMod val="20000"/>
+                <a:lumOff val="80000"/>
+              </a:schemeClr>
+            </a:solidFill>
+            <a:ln w="25400">
+              <a:solidFill>
+                <a:schemeClr val="accent1"/>
+              </a:solidFill>
+            </a:ln>
+          </p:spPr>
+          <p:txBody>
+            <a:bodyPr wrap="square" rtlCol="0">
+              <a:spAutoFit/>
+            </a:bodyPr>
+            <a:lstStyle/>
+            <a:p>
+              <a:pPr algn="ctr"/>
+              <a:r>
+                <a:rPr lang="fr-FR" dirty="0" err="1"/>
+                <a:t>assays</a:t>
+              </a:r>
+              <a:endParaRPr lang="fr-FR" dirty="0"/>
+            </a:p>
+          </p:txBody>
+        </p:sp>
+        <p:sp>
+          <p:nvSpPr>
+            <p:cNvPr id="6" name="ZoneTexte 5">
+              <a:extLst>
+                <a:ext uri="{FF2B5EF4-FFF2-40B4-BE49-F238E27FC236}">
+                  <a16:creationId xmlns:a16="http://schemas.microsoft.com/office/drawing/2014/main" id="{70E38B2C-67BD-8E45-E46A-5F49125AD593}"/>
+                </a:ext>
+              </a:extLst>
+            </p:cNvPr>
+            <p:cNvSpPr txBox="1"/>
+            <p:nvPr/>
+          </p:nvSpPr>
+          <p:spPr>
+            <a:xfrm>
+              <a:off x="6486527" y="1885950"/>
+              <a:ext cx="2528883" cy="646331"/>
+            </a:xfrm>
+            <a:prstGeom prst="rect">
+              <a:avLst/>
+            </a:prstGeom>
+            <a:solidFill>
+              <a:schemeClr val="accent2">
+                <a:lumMod val="20000"/>
+                <a:lumOff val="80000"/>
+              </a:schemeClr>
+            </a:solidFill>
+            <a:ln w="25400">
+              <a:solidFill>
+                <a:schemeClr val="accent1"/>
+              </a:solidFill>
+            </a:ln>
+          </p:spPr>
+          <p:txBody>
+            <a:bodyPr wrap="square" rtlCol="0">
+              <a:spAutoFit/>
+            </a:bodyPr>
+            <a:lstStyle/>
+            <a:p>
+              <a:pPr algn="ctr"/>
+              <a:r>
+                <a:rPr lang="fr-FR" dirty="0" err="1"/>
+                <a:t>meta.data</a:t>
+              </a:r>
+              <a:endParaRPr lang="fr-FR" dirty="0"/>
+            </a:p>
+            <a:p>
+              <a:pPr algn="ctr"/>
+              <a:r>
+                <a:rPr lang="fr-FR" dirty="0"/>
+                <a:t>(info sur les cellules)</a:t>
+              </a:r>
+            </a:p>
+          </p:txBody>
+        </p:sp>
+        <p:cxnSp>
+          <p:nvCxnSpPr>
+            <p:cNvPr id="8" name="Connecteur en angle 7">
+              <a:extLst>
+                <a:ext uri="{FF2B5EF4-FFF2-40B4-BE49-F238E27FC236}">
+                  <a16:creationId xmlns:a16="http://schemas.microsoft.com/office/drawing/2014/main" id="{1AE62355-D603-81FD-5EBB-98C419A85A1D}"/>
+                </a:ext>
+              </a:extLst>
+            </p:cNvPr>
+            <p:cNvCxnSpPr>
+              <a:stCxn id="4" idx="2"/>
+              <a:endCxn id="5" idx="0"/>
+            </p:cNvCxnSpPr>
+            <p:nvPr/>
+          </p:nvCxnSpPr>
+          <p:spPr>
+            <a:xfrm rot="5400000">
+              <a:off x="5281741" y="774023"/>
+              <a:ext cx="1188006" cy="1035848"/>
+            </a:xfrm>
+            <a:prstGeom prst="bentConnector3">
+              <a:avLst/>
+            </a:prstGeom>
+            <a:ln>
+              <a:tailEnd type="triangle"/>
+            </a:ln>
+          </p:spPr>
+          <p:style>
+            <a:lnRef idx="2">
+              <a:schemeClr val="accent1"/>
+            </a:lnRef>
+            <a:fillRef idx="0">
+              <a:schemeClr val="accent1"/>
+            </a:fillRef>
+            <a:effectRef idx="1">
+              <a:schemeClr val="accent1"/>
+            </a:effectRef>
+            <a:fontRef idx="minor">
+              <a:schemeClr val="tx1"/>
+            </a:fontRef>
+          </p:style>
+        </p:cxnSp>
+        <p:cxnSp>
+          <p:nvCxnSpPr>
+            <p:cNvPr id="9" name="Connecteur en angle 8">
+              <a:extLst>
+                <a:ext uri="{FF2B5EF4-FFF2-40B4-BE49-F238E27FC236}">
+                  <a16:creationId xmlns:a16="http://schemas.microsoft.com/office/drawing/2014/main" id="{6C7077E8-80F5-9692-BD5C-2B6EA29F0A5D}"/>
+                </a:ext>
+              </a:extLst>
+            </p:cNvPr>
+            <p:cNvCxnSpPr>
+              <a:cxnSpLocks/>
+              <a:endCxn id="6" idx="0"/>
+            </p:cNvCxnSpPr>
+            <p:nvPr/>
+          </p:nvCxnSpPr>
+          <p:spPr>
+            <a:xfrm>
+              <a:off x="6150776" y="1291947"/>
+              <a:ext cx="1600193" cy="594003"/>
+            </a:xfrm>
+            <a:prstGeom prst="bentConnector2">
+              <a:avLst/>
+            </a:prstGeom>
+            <a:ln>
+              <a:tailEnd type="triangle"/>
+            </a:ln>
+          </p:spPr>
+          <p:style>
+            <a:lnRef idx="2">
+              <a:schemeClr val="accent1"/>
+            </a:lnRef>
+            <a:fillRef idx="0">
+              <a:schemeClr val="accent1"/>
+            </a:fillRef>
+            <a:effectRef idx="1">
+              <a:schemeClr val="accent1"/>
+            </a:effectRef>
+            <a:fontRef idx="minor">
+              <a:schemeClr val="tx1"/>
+            </a:fontRef>
+          </p:style>
+        </p:cxnSp>
+        <mc:AlternateContent xmlns:mc="http://schemas.openxmlformats.org/markup-compatibility/2006">
+          <mc:Choice xmlns:a14="http://schemas.microsoft.com/office/drawing/2010/main" Requires="a14">
+            <p:sp>
+              <p:nvSpPr>
+                <p:cNvPr id="17" name="ZoneTexte 16">
+                  <a:extLst>
+                    <a:ext uri="{FF2B5EF4-FFF2-40B4-BE49-F238E27FC236}">
+                      <a16:creationId xmlns:a16="http://schemas.microsoft.com/office/drawing/2014/main" id="{FB230332-F7EC-63B9-1D2C-83524810FC70}"/>
+                    </a:ext>
+                  </a:extLst>
+                </p:cNvPr>
+                <p:cNvSpPr txBox="1"/>
+                <p:nvPr/>
+              </p:nvSpPr>
+              <p:spPr>
+                <a:xfrm>
+                  <a:off x="5357820" y="823495"/>
+                  <a:ext cx="1243017" cy="369332"/>
+                </a:xfrm>
+                <a:prstGeom prst="rect">
+                  <a:avLst/>
+                </a:prstGeom>
+                <a:noFill/>
+              </p:spPr>
+              <p:txBody>
+                <a:bodyPr wrap="square" rtlCol="0">
+                  <a:spAutoFit/>
+                </a:bodyPr>
+                <a:lstStyle/>
+                <a:p>
+                  <a14:m>
+                    <m:oMathPara xmlns:m="http://schemas.openxmlformats.org/officeDocument/2006/math">
+                      <m:oMathParaPr>
+                        <m:jc m:val="centerGroup"/>
+                      </m:oMathParaPr>
+                      <m:oMath xmlns:m="http://schemas.openxmlformats.org/officeDocument/2006/math">
+                        <m:r>
+                          <a:rPr lang="fr-FR" b="0" i="1" smtClean="0">
+                            <a:latin typeface="Cambria Math" panose="02040503050406030204" pitchFamily="18" charset="0"/>
+                          </a:rPr>
+                          <m:t>@</m:t>
+                        </m:r>
+                      </m:oMath>
+                    </m:oMathPara>
+                  </a14:m>
+                  <a:endParaRPr lang="fr-FR" dirty="0"/>
+                </a:p>
+              </p:txBody>
+            </p:sp>
+          </mc:Choice>
+          <mc:Fallback>
+            <p:sp>
+              <p:nvSpPr>
+                <p:cNvPr id="17" name="ZoneTexte 16">
+                  <a:extLst>
+                    <a:ext uri="{FF2B5EF4-FFF2-40B4-BE49-F238E27FC236}">
+                      <a16:creationId xmlns:a16="http://schemas.microsoft.com/office/drawing/2014/main" id="{FB230332-F7EC-63B9-1D2C-83524810FC70}"/>
+                    </a:ext>
+                  </a:extLst>
+                </p:cNvPr>
+                <p:cNvSpPr txBox="1">
+                  <a:spLocks noRot="1" noChangeAspect="1" noMove="1" noResize="1" noEditPoints="1" noAdjustHandles="1" noChangeArrowheads="1" noChangeShapeType="1" noTextEdit="1"/>
+                </p:cNvSpPr>
+                <p:nvPr/>
+              </p:nvSpPr>
+              <p:spPr>
+                <a:xfrm>
+                  <a:off x="5357820" y="823495"/>
+                  <a:ext cx="1243017" cy="369332"/>
+                </a:xfrm>
+                <a:prstGeom prst="rect">
+                  <a:avLst/>
+                </a:prstGeom>
+                <a:blipFill>
+                  <a:blip r:embed="rId2"/>
+                  <a:stretch>
+                    <a:fillRect/>
+                  </a:stretch>
+                </a:blipFill>
+              </p:spPr>
+              <p:txBody>
+                <a:bodyPr/>
+                <a:lstStyle/>
+                <a:p>
+                  <a:r>
+                    <a:rPr lang="fr-FR">
+                      <a:noFill/>
+                    </a:rPr>
+                    <a:t> </a:t>
+                  </a:r>
+                </a:p>
+              </p:txBody>
+            </p:sp>
+          </mc:Fallback>
+        </mc:AlternateContent>
+        <p:sp>
+          <p:nvSpPr>
+            <p:cNvPr id="18" name="ZoneTexte 17">
+              <a:extLst>
+                <a:ext uri="{FF2B5EF4-FFF2-40B4-BE49-F238E27FC236}">
+                  <a16:creationId xmlns:a16="http://schemas.microsoft.com/office/drawing/2014/main" id="{8FF776CF-8F67-2AC1-5902-333B5F1EE09C}"/>
+                </a:ext>
+              </a:extLst>
+            </p:cNvPr>
+            <p:cNvSpPr txBox="1"/>
+            <p:nvPr/>
+          </p:nvSpPr>
+          <p:spPr>
+            <a:xfrm>
+              <a:off x="4643445" y="2799463"/>
+              <a:ext cx="1428750" cy="369332"/>
+            </a:xfrm>
+            <a:prstGeom prst="rect">
+              <a:avLst/>
+            </a:prstGeom>
+            <a:solidFill>
+              <a:schemeClr val="accent3">
+                <a:lumMod val="20000"/>
+                <a:lumOff val="80000"/>
+              </a:schemeClr>
+            </a:solidFill>
+            <a:ln w="25400">
+              <a:solidFill>
+                <a:schemeClr val="accent1"/>
+              </a:solidFill>
+            </a:ln>
+          </p:spPr>
+          <p:txBody>
+            <a:bodyPr wrap="square" rtlCol="0">
+              <a:spAutoFit/>
+            </a:bodyPr>
+            <a:lstStyle/>
+            <a:p>
+              <a:pPr algn="ctr"/>
+              <a:r>
+                <a:rPr lang="fr-FR" dirty="0"/>
+                <a:t>RNA</a:t>
+              </a:r>
+            </a:p>
+          </p:txBody>
+        </p:sp>
+        <p:cxnSp>
+          <p:nvCxnSpPr>
+            <p:cNvPr id="20" name="Connecteur droit avec flèche 19">
+              <a:extLst>
+                <a:ext uri="{FF2B5EF4-FFF2-40B4-BE49-F238E27FC236}">
+                  <a16:creationId xmlns:a16="http://schemas.microsoft.com/office/drawing/2014/main" id="{83C2D158-51D3-6DC1-1600-5730D02D3328}"/>
+                </a:ext>
+              </a:extLst>
+            </p:cNvPr>
+            <p:cNvCxnSpPr>
+              <a:stCxn id="5" idx="2"/>
+              <a:endCxn id="18" idx="0"/>
+            </p:cNvCxnSpPr>
+            <p:nvPr/>
+          </p:nvCxnSpPr>
+          <p:spPr>
+            <a:xfrm>
+              <a:off x="5357820" y="2255282"/>
+              <a:ext cx="0" cy="544181"/>
+            </a:xfrm>
+            <a:prstGeom prst="straightConnector1">
+              <a:avLst/>
+            </a:prstGeom>
+            <a:ln>
+              <a:tailEnd type="triangle"/>
+            </a:ln>
+          </p:spPr>
+          <p:style>
+            <a:lnRef idx="2">
+              <a:schemeClr val="accent1"/>
+            </a:lnRef>
+            <a:fillRef idx="0">
+              <a:schemeClr val="accent1"/>
+            </a:fillRef>
+            <a:effectRef idx="1">
+              <a:schemeClr val="accent1"/>
+            </a:effectRef>
+            <a:fontRef idx="minor">
+              <a:schemeClr val="tx1"/>
+            </a:fontRef>
+          </p:style>
+        </p:cxnSp>
+        <p:sp>
+          <p:nvSpPr>
+            <p:cNvPr id="21" name="ZoneTexte 20">
+              <a:extLst>
+                <a:ext uri="{FF2B5EF4-FFF2-40B4-BE49-F238E27FC236}">
+                  <a16:creationId xmlns:a16="http://schemas.microsoft.com/office/drawing/2014/main" id="{F2822A44-C8B0-22C7-18ED-CF2B777D87DB}"/>
+                </a:ext>
+              </a:extLst>
+            </p:cNvPr>
+            <p:cNvSpPr txBox="1"/>
+            <p:nvPr/>
+          </p:nvSpPr>
+          <p:spPr>
+            <a:xfrm>
+              <a:off x="4972058" y="2349850"/>
+              <a:ext cx="585787" cy="369332"/>
+            </a:xfrm>
+            <a:prstGeom prst="rect">
+              <a:avLst/>
+            </a:prstGeom>
+            <a:noFill/>
+          </p:spPr>
+          <p:txBody>
+            <a:bodyPr wrap="square" rtlCol="0">
+              <a:spAutoFit/>
+            </a:bodyPr>
+            <a:lstStyle/>
+            <a:p>
+              <a:r>
+                <a:rPr lang="fr-FR" dirty="0"/>
+                <a:t>$</a:t>
+              </a:r>
+            </a:p>
+          </p:txBody>
+        </p:sp>
+        <p:sp>
+          <p:nvSpPr>
+            <p:cNvPr id="22" name="ZoneTexte 21">
+              <a:extLst>
+                <a:ext uri="{FF2B5EF4-FFF2-40B4-BE49-F238E27FC236}">
+                  <a16:creationId xmlns:a16="http://schemas.microsoft.com/office/drawing/2014/main" id="{F4A9B489-95A0-53BD-E517-1D3720323004}"/>
+                </a:ext>
+              </a:extLst>
+            </p:cNvPr>
+            <p:cNvSpPr txBox="1"/>
+            <p:nvPr/>
+          </p:nvSpPr>
+          <p:spPr>
+            <a:xfrm>
+              <a:off x="3214695" y="4415153"/>
+              <a:ext cx="4286250" cy="646331"/>
+            </a:xfrm>
+            <a:prstGeom prst="rect">
+              <a:avLst/>
+            </a:prstGeom>
+            <a:solidFill>
+              <a:schemeClr val="accent3">
+                <a:lumMod val="20000"/>
+                <a:lumOff val="80000"/>
+              </a:schemeClr>
+            </a:solidFill>
+            <a:ln w="25400">
+              <a:solidFill>
+                <a:schemeClr val="accent1"/>
+              </a:solidFill>
+            </a:ln>
+          </p:spPr>
+          <p:txBody>
+            <a:bodyPr wrap="square" rtlCol="0">
+              <a:spAutoFit/>
+            </a:bodyPr>
+            <a:lstStyle/>
+            <a:p>
+              <a:pPr marL="285750" indent="-285750">
+                <a:buFont typeface="Arial" panose="020B0604020202020204" pitchFamily="34" charset="0"/>
+                <a:buChar char="•"/>
+              </a:pPr>
+              <a:r>
+                <a:rPr lang="fr-FR" dirty="0" err="1"/>
+                <a:t>counts</a:t>
+              </a:r>
+              <a:endParaRPr lang="fr-FR" dirty="0"/>
+            </a:p>
+            <a:p>
+              <a:r>
+                <a:rPr lang="fr-FR" dirty="0"/>
+                <a:t>(matrice des comptages bruts G x C)</a:t>
+              </a:r>
+            </a:p>
+          </p:txBody>
+        </p:sp>
+        <p:cxnSp>
+          <p:nvCxnSpPr>
+            <p:cNvPr id="24" name="Connecteur droit avec flèche 23">
+              <a:extLst>
+                <a:ext uri="{FF2B5EF4-FFF2-40B4-BE49-F238E27FC236}">
+                  <a16:creationId xmlns:a16="http://schemas.microsoft.com/office/drawing/2014/main" id="{41BD1867-4FBA-279E-AC01-F5866B7261BE}"/>
+                </a:ext>
+              </a:extLst>
+            </p:cNvPr>
+            <p:cNvCxnSpPr>
+              <a:cxnSpLocks/>
+              <a:stCxn id="18" idx="2"/>
+              <a:endCxn id="22" idx="0"/>
+            </p:cNvCxnSpPr>
+            <p:nvPr/>
+          </p:nvCxnSpPr>
+          <p:spPr>
+            <a:xfrm>
+              <a:off x="5357820" y="3168795"/>
+              <a:ext cx="0" cy="1246358"/>
+            </a:xfrm>
+            <a:prstGeom prst="straightConnector1">
+              <a:avLst/>
+            </a:prstGeom>
+            <a:ln>
+              <a:tailEnd type="triangle"/>
+            </a:ln>
+          </p:spPr>
+          <p:style>
+            <a:lnRef idx="2">
+              <a:schemeClr val="accent1"/>
+            </a:lnRef>
+            <a:fillRef idx="0">
+              <a:schemeClr val="accent1"/>
+            </a:fillRef>
+            <a:effectRef idx="1">
+              <a:schemeClr val="accent1"/>
+            </a:effectRef>
+            <a:fontRef idx="minor">
+              <a:schemeClr val="tx1"/>
+            </a:fontRef>
+          </p:style>
+        </p:cxnSp>
+        <p:sp>
+          <p:nvSpPr>
+            <p:cNvPr id="25" name="ZoneTexte 24">
+              <a:extLst>
+                <a:ext uri="{FF2B5EF4-FFF2-40B4-BE49-F238E27FC236}">
+                  <a16:creationId xmlns:a16="http://schemas.microsoft.com/office/drawing/2014/main" id="{6884C62C-ECF4-FC5E-DA77-1E1E94208615}"/>
+                </a:ext>
+              </a:extLst>
+            </p:cNvPr>
+            <p:cNvSpPr txBox="1"/>
+            <p:nvPr/>
+          </p:nvSpPr>
+          <p:spPr>
+            <a:xfrm>
+              <a:off x="4981578" y="3602391"/>
+              <a:ext cx="585787" cy="369332"/>
+            </a:xfrm>
+            <a:prstGeom prst="rect">
+              <a:avLst/>
+            </a:prstGeom>
+            <a:noFill/>
+          </p:spPr>
+          <p:txBody>
+            <a:bodyPr wrap="square" rtlCol="0">
+              <a:spAutoFit/>
+            </a:bodyPr>
+            <a:lstStyle/>
+            <a:p>
+              <a:r>
+                <a:rPr lang="fr-FR" dirty="0"/>
+                <a:t>$</a:t>
+              </a:r>
+            </a:p>
+          </p:txBody>
+        </p:sp>
+        <p:sp>
+          <p:nvSpPr>
+            <p:cNvPr id="26" name="ZoneTexte 25">
+              <a:extLst>
+                <a:ext uri="{FF2B5EF4-FFF2-40B4-BE49-F238E27FC236}">
+                  <a16:creationId xmlns:a16="http://schemas.microsoft.com/office/drawing/2014/main" id="{ECEDB93D-59D6-79CA-BE73-069B296B9DD0}"/>
+                </a:ext>
+              </a:extLst>
+            </p:cNvPr>
+            <p:cNvSpPr txBox="1"/>
+            <p:nvPr/>
+          </p:nvSpPr>
+          <p:spPr>
+            <a:xfrm>
+              <a:off x="6665124" y="3173635"/>
+              <a:ext cx="2171701" cy="923330"/>
+            </a:xfrm>
+            <a:prstGeom prst="rect">
+              <a:avLst/>
+            </a:prstGeom>
+            <a:solidFill>
+              <a:schemeClr val="accent3">
+                <a:lumMod val="20000"/>
+                <a:lumOff val="80000"/>
+              </a:schemeClr>
+            </a:solidFill>
+            <a:ln w="25400">
+              <a:solidFill>
+                <a:schemeClr val="accent1"/>
+              </a:solidFill>
+            </a:ln>
+          </p:spPr>
+          <p:txBody>
+            <a:bodyPr wrap="square" rtlCol="0">
+              <a:spAutoFit/>
+            </a:bodyPr>
+            <a:lstStyle/>
+            <a:p>
+              <a:pPr marL="285750" indent="-285750">
+                <a:buFont typeface="Arial" panose="020B0604020202020204" pitchFamily="34" charset="0"/>
+                <a:buChar char="•"/>
+              </a:pPr>
+              <a:r>
+                <a:rPr lang="fr-FR" dirty="0" err="1"/>
+                <a:t>orig.ident</a:t>
+              </a:r>
+              <a:endParaRPr lang="fr-FR" dirty="0"/>
+            </a:p>
+            <a:p>
+              <a:pPr marL="285750" indent="-285750">
+                <a:buFont typeface="Arial" panose="020B0604020202020204" pitchFamily="34" charset="0"/>
+                <a:buChar char="•"/>
+              </a:pPr>
+              <a:r>
+                <a:rPr lang="fr-FR" dirty="0" err="1"/>
+                <a:t>nCount_RNA</a:t>
+              </a:r>
+              <a:endParaRPr lang="fr-FR" dirty="0"/>
+            </a:p>
+            <a:p>
+              <a:pPr marL="285750" indent="-285750">
+                <a:buFont typeface="Arial" panose="020B0604020202020204" pitchFamily="34" charset="0"/>
+                <a:buChar char="•"/>
+              </a:pPr>
+              <a:r>
+                <a:rPr lang="fr-FR" dirty="0" err="1"/>
+                <a:t>nFeatures_RNA</a:t>
+              </a:r>
+              <a:endParaRPr lang="fr-FR" dirty="0"/>
+            </a:p>
+          </p:txBody>
+        </p:sp>
+        <p:cxnSp>
+          <p:nvCxnSpPr>
+            <p:cNvPr id="30" name="Connecteur droit avec flèche 29">
+              <a:extLst>
+                <a:ext uri="{FF2B5EF4-FFF2-40B4-BE49-F238E27FC236}">
+                  <a16:creationId xmlns:a16="http://schemas.microsoft.com/office/drawing/2014/main" id="{C116F2C1-B038-3B68-F25E-78C9A87DC35C}"/>
+                </a:ext>
+              </a:extLst>
+            </p:cNvPr>
+            <p:cNvCxnSpPr>
+              <a:stCxn id="6" idx="2"/>
+              <a:endCxn id="26" idx="0"/>
+            </p:cNvCxnSpPr>
+            <p:nvPr/>
+          </p:nvCxnSpPr>
+          <p:spPr>
+            <a:xfrm>
+              <a:off x="7750969" y="2532281"/>
+              <a:ext cx="6" cy="641354"/>
+            </a:xfrm>
+            <a:prstGeom prst="straightConnector1">
+              <a:avLst/>
+            </a:prstGeom>
+            <a:ln>
+              <a:tailEnd type="triangle"/>
+            </a:ln>
+          </p:spPr>
+          <p:style>
+            <a:lnRef idx="2">
+              <a:schemeClr val="accent1"/>
+            </a:lnRef>
+            <a:fillRef idx="0">
+              <a:schemeClr val="accent1"/>
+            </a:fillRef>
+            <a:effectRef idx="1">
+              <a:schemeClr val="accent1"/>
+            </a:effectRef>
+            <a:fontRef idx="minor">
+              <a:schemeClr val="tx1"/>
+            </a:fontRef>
+          </p:style>
+        </p:cxnSp>
+        <p:sp>
+          <p:nvSpPr>
+            <p:cNvPr id="31" name="ZoneTexte 30">
+              <a:extLst>
+                <a:ext uri="{FF2B5EF4-FFF2-40B4-BE49-F238E27FC236}">
+                  <a16:creationId xmlns:a16="http://schemas.microsoft.com/office/drawing/2014/main" id="{B35F34D9-752D-7BD7-90E0-B60B1B7CA0D2}"/>
+                </a:ext>
+              </a:extLst>
+            </p:cNvPr>
+            <p:cNvSpPr txBox="1"/>
+            <p:nvPr/>
+          </p:nvSpPr>
+          <p:spPr>
+            <a:xfrm>
+              <a:off x="7353316" y="2673706"/>
+              <a:ext cx="585787" cy="369332"/>
+            </a:xfrm>
+            <a:prstGeom prst="rect">
+              <a:avLst/>
+            </a:prstGeom>
+            <a:noFill/>
+          </p:spPr>
+          <p:txBody>
+            <a:bodyPr wrap="square" rtlCol="0">
+              <a:spAutoFit/>
+            </a:bodyPr>
+            <a:lstStyle/>
+            <a:p>
+              <a:r>
+                <a:rPr lang="fr-FR" dirty="0"/>
+                <a:t>$</a:t>
+              </a:r>
+            </a:p>
+          </p:txBody>
+        </p:sp>
+      </p:grpSp>
+      <p:cxnSp>
+        <p:nvCxnSpPr>
+          <p:cNvPr id="37" name="Connecteur droit 36">
+            <a:extLst>
+              <a:ext uri="{FF2B5EF4-FFF2-40B4-BE49-F238E27FC236}">
+                <a16:creationId xmlns:a16="http://schemas.microsoft.com/office/drawing/2014/main" id="{D80A4255-CC25-076A-CE2C-C7F67AFBCCDE}"/>
+              </a:ext>
+            </a:extLst>
+          </p:cNvPr>
+          <p:cNvCxnSpPr/>
+          <p:nvPr/>
+        </p:nvCxnSpPr>
+        <p:spPr>
+          <a:xfrm>
+            <a:off x="6096000" y="128588"/>
+            <a:ext cx="0" cy="6600825"/>
+          </a:xfrm>
+          <a:prstGeom prst="line">
+            <a:avLst/>
+          </a:prstGeom>
+        </p:spPr>
+        <p:style>
+          <a:lnRef idx="2">
+            <a:schemeClr val="accent1"/>
+          </a:lnRef>
+          <a:fillRef idx="0">
+            <a:schemeClr val="accent1"/>
+          </a:fillRef>
+          <a:effectRef idx="1">
+            <a:schemeClr val="accent1"/>
+          </a:effectRef>
+          <a:fontRef idx="minor">
+            <a:schemeClr val="tx1"/>
+          </a:fontRef>
+        </p:style>
+      </p:cxnSp>
+      <p:grpSp>
+        <p:nvGrpSpPr>
+          <p:cNvPr id="72" name="Groupe 71">
+            <a:extLst>
+              <a:ext uri="{FF2B5EF4-FFF2-40B4-BE49-F238E27FC236}">
+                <a16:creationId xmlns:a16="http://schemas.microsoft.com/office/drawing/2014/main" id="{D1528B56-D1DA-4E9A-2EFB-6693AED9800A}"/>
+              </a:ext>
+            </a:extLst>
+          </p:cNvPr>
+          <p:cNvGrpSpPr/>
+          <p:nvPr/>
+        </p:nvGrpSpPr>
+        <p:grpSpPr>
+          <a:xfrm>
+            <a:off x="6267458" y="481012"/>
+            <a:ext cx="5800715" cy="5647277"/>
+            <a:chOff x="6267458" y="481012"/>
+            <a:chExt cx="5800715" cy="5647277"/>
+          </a:xfrm>
+        </p:grpSpPr>
+        <p:sp>
+          <p:nvSpPr>
+            <p:cNvPr id="39" name="ZoneTexte 38">
+              <a:extLst>
+                <a:ext uri="{FF2B5EF4-FFF2-40B4-BE49-F238E27FC236}">
+                  <a16:creationId xmlns:a16="http://schemas.microsoft.com/office/drawing/2014/main" id="{34F9ECFF-F88A-DC65-B807-B9F0E6CF5443}"/>
+                </a:ext>
+              </a:extLst>
+            </p:cNvPr>
+            <p:cNvSpPr txBox="1"/>
+            <p:nvPr/>
+          </p:nvSpPr>
+          <p:spPr>
+            <a:xfrm>
+              <a:off x="8653474" y="481012"/>
+              <a:ext cx="1585913" cy="369332"/>
+            </a:xfrm>
+            <a:prstGeom prst="rect">
+              <a:avLst/>
+            </a:prstGeom>
+            <a:solidFill>
+              <a:schemeClr val="tx2">
+                <a:lumMod val="10000"/>
+                <a:lumOff val="90000"/>
+              </a:schemeClr>
+            </a:solidFill>
+            <a:ln w="25400">
+              <a:solidFill>
+                <a:schemeClr val="accent1"/>
+              </a:solidFill>
+            </a:ln>
+          </p:spPr>
+          <p:txBody>
+            <a:bodyPr wrap="square" rtlCol="0">
+              <a:spAutoFit/>
+            </a:bodyPr>
+            <a:lstStyle/>
+            <a:p>
+              <a:pPr algn="ctr"/>
+              <a:r>
+                <a:rPr lang="fr-FR" dirty="0"/>
+                <a:t>Seurat Object</a:t>
+              </a:r>
+            </a:p>
+          </p:txBody>
+        </p:sp>
+        <p:sp>
+          <p:nvSpPr>
+            <p:cNvPr id="40" name="ZoneTexte 39">
+              <a:extLst>
+                <a:ext uri="{FF2B5EF4-FFF2-40B4-BE49-F238E27FC236}">
+                  <a16:creationId xmlns:a16="http://schemas.microsoft.com/office/drawing/2014/main" id="{36A747A0-F37F-6520-2F27-AD43E3FCD1F6}"/>
+                </a:ext>
+              </a:extLst>
+            </p:cNvPr>
+            <p:cNvSpPr txBox="1"/>
+            <p:nvPr/>
+          </p:nvSpPr>
+          <p:spPr>
+            <a:xfrm>
+              <a:off x="7696208" y="2038350"/>
+              <a:ext cx="1428750" cy="369332"/>
+            </a:xfrm>
+            <a:prstGeom prst="rect">
+              <a:avLst/>
+            </a:prstGeom>
+            <a:solidFill>
+              <a:schemeClr val="accent2">
+                <a:lumMod val="20000"/>
+                <a:lumOff val="80000"/>
+              </a:schemeClr>
+            </a:solidFill>
+            <a:ln w="25400">
+              <a:solidFill>
+                <a:schemeClr val="accent1"/>
+              </a:solidFill>
+            </a:ln>
+          </p:spPr>
+          <p:txBody>
+            <a:bodyPr wrap="square" rtlCol="0">
+              <a:spAutoFit/>
+            </a:bodyPr>
+            <a:lstStyle/>
+            <a:p>
+              <a:pPr algn="ctr"/>
+              <a:r>
+                <a:rPr lang="fr-FR" dirty="0" err="1"/>
+                <a:t>assays</a:t>
+              </a:r>
+              <a:endParaRPr lang="fr-FR" dirty="0"/>
+            </a:p>
+          </p:txBody>
+        </p:sp>
+        <p:sp>
+          <p:nvSpPr>
+            <p:cNvPr id="41" name="ZoneTexte 40">
+              <a:extLst>
+                <a:ext uri="{FF2B5EF4-FFF2-40B4-BE49-F238E27FC236}">
+                  <a16:creationId xmlns:a16="http://schemas.microsoft.com/office/drawing/2014/main" id="{55D9FEF4-1D38-E91B-1410-79860E092AAA}"/>
+                </a:ext>
+              </a:extLst>
+            </p:cNvPr>
+            <p:cNvSpPr txBox="1"/>
+            <p:nvPr/>
+          </p:nvSpPr>
+          <p:spPr>
+            <a:xfrm>
+              <a:off x="9539290" y="2038350"/>
+              <a:ext cx="2528883" cy="646331"/>
+            </a:xfrm>
+            <a:prstGeom prst="rect">
+              <a:avLst/>
+            </a:prstGeom>
+            <a:solidFill>
+              <a:schemeClr val="accent2">
+                <a:lumMod val="20000"/>
+                <a:lumOff val="80000"/>
+              </a:schemeClr>
+            </a:solidFill>
+            <a:ln w="25400">
+              <a:solidFill>
+                <a:schemeClr val="accent1"/>
+              </a:solidFill>
+            </a:ln>
+          </p:spPr>
+          <p:txBody>
+            <a:bodyPr wrap="square" rtlCol="0">
+              <a:spAutoFit/>
+            </a:bodyPr>
+            <a:lstStyle/>
+            <a:p>
+              <a:pPr algn="ctr"/>
+              <a:r>
+                <a:rPr lang="fr-FR" dirty="0" err="1"/>
+                <a:t>meta.data</a:t>
+              </a:r>
+              <a:endParaRPr lang="fr-FR" dirty="0"/>
+            </a:p>
+            <a:p>
+              <a:pPr algn="ctr"/>
+              <a:r>
+                <a:rPr lang="fr-FR" dirty="0"/>
+                <a:t>(info sur les cellules)</a:t>
+              </a:r>
+            </a:p>
+          </p:txBody>
+        </p:sp>
+        <p:cxnSp>
+          <p:nvCxnSpPr>
+            <p:cNvPr id="42" name="Connecteur en angle 41">
+              <a:extLst>
+                <a:ext uri="{FF2B5EF4-FFF2-40B4-BE49-F238E27FC236}">
+                  <a16:creationId xmlns:a16="http://schemas.microsoft.com/office/drawing/2014/main" id="{F0C39E96-4408-0CD3-8526-5CCDE82FBE7A}"/>
+                </a:ext>
+              </a:extLst>
+            </p:cNvPr>
+            <p:cNvCxnSpPr>
+              <a:stCxn id="39" idx="2"/>
+              <a:endCxn id="40" idx="0"/>
+            </p:cNvCxnSpPr>
+            <p:nvPr/>
+          </p:nvCxnSpPr>
+          <p:spPr>
+            <a:xfrm rot="5400000">
+              <a:off x="8334504" y="926423"/>
+              <a:ext cx="1188006" cy="1035848"/>
+            </a:xfrm>
+            <a:prstGeom prst="bentConnector3">
+              <a:avLst/>
+            </a:prstGeom>
+            <a:ln>
+              <a:tailEnd type="triangle"/>
+            </a:ln>
+          </p:spPr>
+          <p:style>
+            <a:lnRef idx="2">
+              <a:schemeClr val="accent1"/>
+            </a:lnRef>
+            <a:fillRef idx="0">
+              <a:schemeClr val="accent1"/>
+            </a:fillRef>
+            <a:effectRef idx="1">
+              <a:schemeClr val="accent1"/>
+            </a:effectRef>
+            <a:fontRef idx="minor">
+              <a:schemeClr val="tx1"/>
+            </a:fontRef>
+          </p:style>
+        </p:cxnSp>
+        <p:cxnSp>
+          <p:nvCxnSpPr>
+            <p:cNvPr id="43" name="Connecteur en angle 42">
+              <a:extLst>
+                <a:ext uri="{FF2B5EF4-FFF2-40B4-BE49-F238E27FC236}">
+                  <a16:creationId xmlns:a16="http://schemas.microsoft.com/office/drawing/2014/main" id="{50A4FB1F-386F-7C88-2164-2A4241D09A7E}"/>
+                </a:ext>
+              </a:extLst>
+            </p:cNvPr>
+            <p:cNvCxnSpPr>
+              <a:cxnSpLocks/>
+              <a:endCxn id="41" idx="0"/>
+            </p:cNvCxnSpPr>
+            <p:nvPr/>
+          </p:nvCxnSpPr>
+          <p:spPr>
+            <a:xfrm>
+              <a:off x="9203539" y="1444347"/>
+              <a:ext cx="1600193" cy="594003"/>
+            </a:xfrm>
+            <a:prstGeom prst="bentConnector2">
+              <a:avLst/>
+            </a:prstGeom>
+            <a:ln>
+              <a:tailEnd type="triangle"/>
+            </a:ln>
+          </p:spPr>
+          <p:style>
+            <a:lnRef idx="2">
+              <a:schemeClr val="accent1"/>
+            </a:lnRef>
+            <a:fillRef idx="0">
+              <a:schemeClr val="accent1"/>
+            </a:fillRef>
+            <a:effectRef idx="1">
+              <a:schemeClr val="accent1"/>
+            </a:effectRef>
+            <a:fontRef idx="minor">
+              <a:schemeClr val="tx1"/>
+            </a:fontRef>
+          </p:style>
+        </p:cxnSp>
+        <mc:AlternateContent xmlns:mc="http://schemas.openxmlformats.org/markup-compatibility/2006">
+          <mc:Choice xmlns:a14="http://schemas.microsoft.com/office/drawing/2010/main" Requires="a14">
+            <p:sp>
+              <p:nvSpPr>
+                <p:cNvPr id="44" name="ZoneTexte 43">
+                  <a:extLst>
+                    <a:ext uri="{FF2B5EF4-FFF2-40B4-BE49-F238E27FC236}">
+                      <a16:creationId xmlns:a16="http://schemas.microsoft.com/office/drawing/2014/main" id="{D04458C8-7C24-3DB3-E62C-1407AF8F891C}"/>
+                    </a:ext>
+                  </a:extLst>
+                </p:cNvPr>
+                <p:cNvSpPr txBox="1"/>
+                <p:nvPr/>
+              </p:nvSpPr>
+              <p:spPr>
+                <a:xfrm>
+                  <a:off x="8410583" y="975895"/>
+                  <a:ext cx="1243017" cy="369332"/>
+                </a:xfrm>
+                <a:prstGeom prst="rect">
+                  <a:avLst/>
+                </a:prstGeom>
+                <a:noFill/>
+              </p:spPr>
+              <p:txBody>
+                <a:bodyPr wrap="square" rtlCol="0">
+                  <a:spAutoFit/>
+                </a:bodyPr>
+                <a:lstStyle/>
+                <a:p>
+                  <a14:m>
+                    <m:oMathPara xmlns:m="http://schemas.openxmlformats.org/officeDocument/2006/math">
+                      <m:oMathParaPr>
+                        <m:jc m:val="centerGroup"/>
+                      </m:oMathParaPr>
+                      <m:oMath xmlns:m="http://schemas.openxmlformats.org/officeDocument/2006/math">
+                        <m:r>
+                          <a:rPr lang="fr-FR" b="0" i="1" smtClean="0">
+                            <a:latin typeface="Cambria Math" panose="02040503050406030204" pitchFamily="18" charset="0"/>
+                          </a:rPr>
+                          <m:t>@</m:t>
+                        </m:r>
+                      </m:oMath>
+                    </m:oMathPara>
+                  </a14:m>
+                  <a:endParaRPr lang="fr-FR" dirty="0"/>
+                </a:p>
+              </p:txBody>
+            </p:sp>
+          </mc:Choice>
+          <mc:Fallback>
+            <p:sp>
+              <p:nvSpPr>
+                <p:cNvPr id="44" name="ZoneTexte 43">
+                  <a:extLst>
+                    <a:ext uri="{FF2B5EF4-FFF2-40B4-BE49-F238E27FC236}">
+                      <a16:creationId xmlns:a16="http://schemas.microsoft.com/office/drawing/2014/main" id="{D04458C8-7C24-3DB3-E62C-1407AF8F891C}"/>
+                    </a:ext>
+                  </a:extLst>
+                </p:cNvPr>
+                <p:cNvSpPr txBox="1">
+                  <a:spLocks noRot="1" noChangeAspect="1" noMove="1" noResize="1" noEditPoints="1" noAdjustHandles="1" noChangeArrowheads="1" noChangeShapeType="1" noTextEdit="1"/>
+                </p:cNvSpPr>
+                <p:nvPr/>
+              </p:nvSpPr>
+              <p:spPr>
+                <a:xfrm>
+                  <a:off x="8410583" y="975895"/>
+                  <a:ext cx="1243017" cy="369332"/>
+                </a:xfrm>
+                <a:prstGeom prst="rect">
+                  <a:avLst/>
+                </a:prstGeom>
+                <a:blipFill>
+                  <a:blip r:embed="rId2"/>
+                  <a:stretch>
+                    <a:fillRect/>
+                  </a:stretch>
+                </a:blipFill>
+              </p:spPr>
+              <p:txBody>
+                <a:bodyPr/>
+                <a:lstStyle/>
+                <a:p>
+                  <a:r>
+                    <a:rPr lang="fr-FR">
+                      <a:noFill/>
+                    </a:rPr>
+                    <a:t> </a:t>
+                  </a:r>
+                </a:p>
+              </p:txBody>
+            </p:sp>
+          </mc:Fallback>
+        </mc:AlternateContent>
+        <p:sp>
+          <p:nvSpPr>
+            <p:cNvPr id="45" name="ZoneTexte 44">
+              <a:extLst>
+                <a:ext uri="{FF2B5EF4-FFF2-40B4-BE49-F238E27FC236}">
+                  <a16:creationId xmlns:a16="http://schemas.microsoft.com/office/drawing/2014/main" id="{A303DE50-079F-CCBD-8FD7-28B2F7F76754}"/>
+                </a:ext>
+              </a:extLst>
+            </p:cNvPr>
+            <p:cNvSpPr txBox="1"/>
+            <p:nvPr/>
+          </p:nvSpPr>
+          <p:spPr>
+            <a:xfrm>
+              <a:off x="7696208" y="2951863"/>
+              <a:ext cx="1428750" cy="369332"/>
+            </a:xfrm>
+            <a:prstGeom prst="rect">
+              <a:avLst/>
+            </a:prstGeom>
+            <a:solidFill>
+              <a:schemeClr val="accent3">
+                <a:lumMod val="20000"/>
+                <a:lumOff val="80000"/>
+              </a:schemeClr>
+            </a:solidFill>
+            <a:ln w="25400">
+              <a:solidFill>
+                <a:schemeClr val="accent1"/>
+              </a:solidFill>
+            </a:ln>
+          </p:spPr>
+          <p:txBody>
+            <a:bodyPr wrap="square" rtlCol="0">
+              <a:spAutoFit/>
+            </a:bodyPr>
+            <a:lstStyle/>
+            <a:p>
+              <a:pPr algn="ctr"/>
+              <a:r>
+                <a:rPr lang="fr-FR" dirty="0"/>
+                <a:t>RNA</a:t>
+              </a:r>
+            </a:p>
+          </p:txBody>
+        </p:sp>
+        <p:cxnSp>
+          <p:nvCxnSpPr>
+            <p:cNvPr id="46" name="Connecteur droit avec flèche 45">
+              <a:extLst>
+                <a:ext uri="{FF2B5EF4-FFF2-40B4-BE49-F238E27FC236}">
+                  <a16:creationId xmlns:a16="http://schemas.microsoft.com/office/drawing/2014/main" id="{38FFF792-FECC-8C6A-E992-F36F70CDEC08}"/>
+                </a:ext>
+              </a:extLst>
+            </p:cNvPr>
+            <p:cNvCxnSpPr>
+              <a:stCxn id="40" idx="2"/>
+              <a:endCxn id="45" idx="0"/>
+            </p:cNvCxnSpPr>
+            <p:nvPr/>
+          </p:nvCxnSpPr>
+          <p:spPr>
+            <a:xfrm>
+              <a:off x="8410583" y="2407682"/>
+              <a:ext cx="0" cy="544181"/>
+            </a:xfrm>
+            <a:prstGeom prst="straightConnector1">
+              <a:avLst/>
+            </a:prstGeom>
+            <a:ln>
+              <a:tailEnd type="triangle"/>
+            </a:ln>
+          </p:spPr>
+          <p:style>
+            <a:lnRef idx="2">
+              <a:schemeClr val="accent1"/>
+            </a:lnRef>
+            <a:fillRef idx="0">
+              <a:schemeClr val="accent1"/>
+            </a:fillRef>
+            <a:effectRef idx="1">
+              <a:schemeClr val="accent1"/>
+            </a:effectRef>
+            <a:fontRef idx="minor">
+              <a:schemeClr val="tx1"/>
+            </a:fontRef>
+          </p:style>
+        </p:cxnSp>
+        <p:sp>
+          <p:nvSpPr>
+            <p:cNvPr id="47" name="ZoneTexte 46">
+              <a:extLst>
+                <a:ext uri="{FF2B5EF4-FFF2-40B4-BE49-F238E27FC236}">
+                  <a16:creationId xmlns:a16="http://schemas.microsoft.com/office/drawing/2014/main" id="{10B7B800-1D5D-D583-C036-05382665C1C1}"/>
+                </a:ext>
+              </a:extLst>
+            </p:cNvPr>
+            <p:cNvSpPr txBox="1"/>
+            <p:nvPr/>
+          </p:nvSpPr>
+          <p:spPr>
+            <a:xfrm>
+              <a:off x="8024821" y="2502250"/>
+              <a:ext cx="585787" cy="369332"/>
+            </a:xfrm>
+            <a:prstGeom prst="rect">
+              <a:avLst/>
+            </a:prstGeom>
+            <a:noFill/>
+          </p:spPr>
+          <p:txBody>
+            <a:bodyPr wrap="square" rtlCol="0">
+              <a:spAutoFit/>
+            </a:bodyPr>
+            <a:lstStyle/>
+            <a:p>
+              <a:r>
+                <a:rPr lang="fr-FR" dirty="0"/>
+                <a:t>$</a:t>
+              </a:r>
+            </a:p>
+          </p:txBody>
+        </p:sp>
+        <p:sp>
+          <p:nvSpPr>
+            <p:cNvPr id="48" name="ZoneTexte 47">
+              <a:extLst>
+                <a:ext uri="{FF2B5EF4-FFF2-40B4-BE49-F238E27FC236}">
+                  <a16:creationId xmlns:a16="http://schemas.microsoft.com/office/drawing/2014/main" id="{F1A6C1F4-0514-3A08-8CD1-C6C406BED654}"/>
+                </a:ext>
+              </a:extLst>
+            </p:cNvPr>
+            <p:cNvSpPr txBox="1"/>
+            <p:nvPr/>
+          </p:nvSpPr>
+          <p:spPr>
+            <a:xfrm>
+              <a:off x="6267458" y="5481958"/>
+              <a:ext cx="4286250" cy="646331"/>
+            </a:xfrm>
+            <a:prstGeom prst="rect">
+              <a:avLst/>
+            </a:prstGeom>
+            <a:solidFill>
+              <a:schemeClr val="accent3">
+                <a:lumMod val="20000"/>
+                <a:lumOff val="80000"/>
+              </a:schemeClr>
+            </a:solidFill>
+            <a:ln w="25400">
+              <a:solidFill>
+                <a:schemeClr val="accent1"/>
+              </a:solidFill>
+            </a:ln>
+          </p:spPr>
+          <p:txBody>
+            <a:bodyPr wrap="square" rtlCol="0">
+              <a:spAutoFit/>
+            </a:bodyPr>
+            <a:lstStyle/>
+            <a:p>
+              <a:pPr marL="285750" indent="-285750">
+                <a:buFont typeface="Arial" panose="020B0604020202020204" pitchFamily="34" charset="0"/>
+                <a:buChar char="•"/>
+              </a:pPr>
+              <a:r>
+                <a:rPr lang="fr-FR" dirty="0" err="1"/>
+                <a:t>counts</a:t>
+              </a:r>
+              <a:endParaRPr lang="fr-FR" dirty="0"/>
+            </a:p>
+            <a:p>
+              <a:r>
+                <a:rPr lang="fr-FR" dirty="0"/>
+                <a:t>(matrice des comptages bruts G x C)</a:t>
+              </a:r>
+            </a:p>
+          </p:txBody>
+        </p:sp>
+        <p:cxnSp>
+          <p:nvCxnSpPr>
+            <p:cNvPr id="49" name="Connecteur droit avec flèche 48">
+              <a:extLst>
+                <a:ext uri="{FF2B5EF4-FFF2-40B4-BE49-F238E27FC236}">
+                  <a16:creationId xmlns:a16="http://schemas.microsoft.com/office/drawing/2014/main" id="{03C74A1F-2B2B-0ED9-2653-B8E125CF8ED9}"/>
+                </a:ext>
+              </a:extLst>
+            </p:cNvPr>
+            <p:cNvCxnSpPr>
+              <a:cxnSpLocks/>
+              <a:stCxn id="45" idx="2"/>
+              <a:endCxn id="48" idx="0"/>
+            </p:cNvCxnSpPr>
+            <p:nvPr/>
+          </p:nvCxnSpPr>
+          <p:spPr>
+            <a:xfrm>
+              <a:off x="8410583" y="3321195"/>
+              <a:ext cx="0" cy="2160763"/>
+            </a:xfrm>
+            <a:prstGeom prst="straightConnector1">
+              <a:avLst/>
+            </a:prstGeom>
+            <a:ln>
+              <a:tailEnd type="triangle"/>
+            </a:ln>
+          </p:spPr>
+          <p:style>
+            <a:lnRef idx="2">
+              <a:schemeClr val="accent1"/>
+            </a:lnRef>
+            <a:fillRef idx="0">
+              <a:schemeClr val="accent1"/>
+            </a:fillRef>
+            <a:effectRef idx="1">
+              <a:schemeClr val="accent1"/>
+            </a:effectRef>
+            <a:fontRef idx="minor">
+              <a:schemeClr val="tx1"/>
+            </a:fontRef>
+          </p:style>
+        </p:cxnSp>
+        <p:sp>
+          <p:nvSpPr>
+            <p:cNvPr id="50" name="ZoneTexte 49">
+              <a:extLst>
+                <a:ext uri="{FF2B5EF4-FFF2-40B4-BE49-F238E27FC236}">
+                  <a16:creationId xmlns:a16="http://schemas.microsoft.com/office/drawing/2014/main" id="{F7DEC5A9-04BC-5CEE-BE3F-C7D6E332D586}"/>
+                </a:ext>
+              </a:extLst>
+            </p:cNvPr>
+            <p:cNvSpPr txBox="1"/>
+            <p:nvPr/>
+          </p:nvSpPr>
+          <p:spPr>
+            <a:xfrm>
+              <a:off x="8034341" y="4283430"/>
+              <a:ext cx="585787" cy="369332"/>
+            </a:xfrm>
+            <a:prstGeom prst="rect">
+              <a:avLst/>
+            </a:prstGeom>
+            <a:noFill/>
+          </p:spPr>
+          <p:txBody>
+            <a:bodyPr wrap="square" rtlCol="0">
+              <a:spAutoFit/>
+            </a:bodyPr>
+            <a:lstStyle/>
+            <a:p>
+              <a:r>
+                <a:rPr lang="fr-FR" dirty="0"/>
+                <a:t>$</a:t>
+              </a:r>
+            </a:p>
+          </p:txBody>
+        </p:sp>
+        <p:sp>
+          <p:nvSpPr>
+            <p:cNvPr id="51" name="ZoneTexte 50">
+              <a:extLst>
+                <a:ext uri="{FF2B5EF4-FFF2-40B4-BE49-F238E27FC236}">
+                  <a16:creationId xmlns:a16="http://schemas.microsoft.com/office/drawing/2014/main" id="{C4B4DEA5-3630-5FD3-06E5-F512F075BC52}"/>
+                </a:ext>
+              </a:extLst>
+            </p:cNvPr>
+            <p:cNvSpPr txBox="1"/>
+            <p:nvPr/>
+          </p:nvSpPr>
+          <p:spPr>
+            <a:xfrm>
+              <a:off x="9575004" y="3343358"/>
+              <a:ext cx="2443157" cy="1477328"/>
+            </a:xfrm>
+            <a:prstGeom prst="rect">
+              <a:avLst/>
+            </a:prstGeom>
+            <a:solidFill>
+              <a:schemeClr val="accent3">
+                <a:lumMod val="20000"/>
+                <a:lumOff val="80000"/>
+              </a:schemeClr>
+            </a:solidFill>
+            <a:ln w="25400">
+              <a:solidFill>
+                <a:schemeClr val="accent1"/>
+              </a:solidFill>
+            </a:ln>
+          </p:spPr>
+          <p:txBody>
+            <a:bodyPr wrap="square" rtlCol="0">
+              <a:spAutoFit/>
+            </a:bodyPr>
+            <a:lstStyle/>
+            <a:p>
+              <a:pPr marL="285750" indent="-285750">
+                <a:buFont typeface="Arial" panose="020B0604020202020204" pitchFamily="34" charset="0"/>
+                <a:buChar char="•"/>
+              </a:pPr>
+              <a:r>
+                <a:rPr lang="fr-FR" dirty="0" err="1"/>
+                <a:t>orig.ident</a:t>
+              </a:r>
+              <a:endParaRPr lang="fr-FR" dirty="0"/>
+            </a:p>
+            <a:p>
+              <a:pPr marL="285750" indent="-285750">
+                <a:buFont typeface="Arial" panose="020B0604020202020204" pitchFamily="34" charset="0"/>
+                <a:buChar char="•"/>
+              </a:pPr>
+              <a:r>
+                <a:rPr lang="fr-FR" dirty="0" err="1"/>
+                <a:t>nCount_RNA</a:t>
+              </a:r>
+              <a:endParaRPr lang="fr-FR" dirty="0"/>
+            </a:p>
+            <a:p>
+              <a:pPr marL="285750" indent="-285750">
+                <a:buFont typeface="Arial" panose="020B0604020202020204" pitchFamily="34" charset="0"/>
+                <a:buChar char="•"/>
+              </a:pPr>
+              <a:r>
+                <a:rPr lang="fr-FR" dirty="0" err="1"/>
+                <a:t>nFeatures_RNA</a:t>
+              </a:r>
+              <a:endParaRPr lang="fr-FR" dirty="0"/>
+            </a:p>
+            <a:p>
+              <a:pPr marL="285750" indent="-285750">
+                <a:buFont typeface="Arial" panose="020B0604020202020204" pitchFamily="34" charset="0"/>
+                <a:buChar char="•"/>
+              </a:pPr>
+              <a:r>
+                <a:rPr lang="fr-FR" dirty="0"/>
+                <a:t>log10GenesPerUMI</a:t>
+              </a:r>
+            </a:p>
+            <a:p>
+              <a:pPr marL="285750" indent="-285750">
+                <a:buFont typeface="Arial" panose="020B0604020202020204" pitchFamily="34" charset="0"/>
+                <a:buChar char="•"/>
+              </a:pPr>
+              <a:r>
+                <a:rPr lang="fr-FR" dirty="0" err="1"/>
+                <a:t>percent.mt</a:t>
+              </a:r>
+              <a:endParaRPr lang="fr-FR" dirty="0"/>
+            </a:p>
+          </p:txBody>
+        </p:sp>
+        <p:cxnSp>
+          <p:nvCxnSpPr>
+            <p:cNvPr id="52" name="Connecteur droit avec flèche 51">
+              <a:extLst>
+                <a:ext uri="{FF2B5EF4-FFF2-40B4-BE49-F238E27FC236}">
+                  <a16:creationId xmlns:a16="http://schemas.microsoft.com/office/drawing/2014/main" id="{B0A9B644-635D-E856-8991-5FFCCF9A3400}"/>
+                </a:ext>
+              </a:extLst>
+            </p:cNvPr>
+            <p:cNvCxnSpPr>
+              <a:cxnSpLocks/>
+              <a:stCxn id="41" idx="2"/>
+              <a:endCxn id="51" idx="0"/>
+            </p:cNvCxnSpPr>
+            <p:nvPr/>
+          </p:nvCxnSpPr>
+          <p:spPr>
+            <a:xfrm flipH="1">
+              <a:off x="10796583" y="2684681"/>
+              <a:ext cx="7149" cy="658677"/>
+            </a:xfrm>
+            <a:prstGeom prst="straightConnector1">
+              <a:avLst/>
+            </a:prstGeom>
+            <a:ln>
+              <a:tailEnd type="triangle"/>
+            </a:ln>
+          </p:spPr>
+          <p:style>
+            <a:lnRef idx="2">
+              <a:schemeClr val="accent1"/>
+            </a:lnRef>
+            <a:fillRef idx="0">
+              <a:schemeClr val="accent1"/>
+            </a:fillRef>
+            <a:effectRef idx="1">
+              <a:schemeClr val="accent1"/>
+            </a:effectRef>
+            <a:fontRef idx="minor">
+              <a:schemeClr val="tx1"/>
+            </a:fontRef>
+          </p:style>
+        </p:cxnSp>
+        <p:sp>
+          <p:nvSpPr>
+            <p:cNvPr id="53" name="ZoneTexte 52">
+              <a:extLst>
+                <a:ext uri="{FF2B5EF4-FFF2-40B4-BE49-F238E27FC236}">
+                  <a16:creationId xmlns:a16="http://schemas.microsoft.com/office/drawing/2014/main" id="{4C5854D0-FE27-A2D1-513F-D54B305F5C55}"/>
+                </a:ext>
+              </a:extLst>
+            </p:cNvPr>
+            <p:cNvSpPr txBox="1"/>
+            <p:nvPr/>
+          </p:nvSpPr>
+          <p:spPr>
+            <a:xfrm>
+              <a:off x="10406079" y="2826106"/>
+              <a:ext cx="585787" cy="369332"/>
+            </a:xfrm>
+            <a:prstGeom prst="rect">
+              <a:avLst/>
+            </a:prstGeom>
+            <a:noFill/>
+          </p:spPr>
+          <p:txBody>
+            <a:bodyPr wrap="square" rtlCol="0">
+              <a:spAutoFit/>
+            </a:bodyPr>
+            <a:lstStyle/>
+            <a:p>
+              <a:r>
+                <a:rPr lang="fr-FR" dirty="0"/>
+                <a:t>$</a:t>
+              </a:r>
+            </a:p>
+          </p:txBody>
+        </p:sp>
+      </p:grpSp>
+    </p:spTree>
+    <p:extLst>
+      <p:ext uri="{BB962C8B-B14F-4D97-AF65-F5344CB8AC3E}">
+        <p14:creationId xmlns:p14="http://schemas.microsoft.com/office/powerpoint/2010/main" val="13586911"/>
+      </p:ext>
+    </p:extLst>
+  </p:cSld>
+  <p:clrMapOvr>
+    <a:masterClrMapping/>
+  </p:clrMapOvr>
+</p:sld>
+</file>
+
+<file path=ppt/slides/slide4.xml><?xml version="1.0" encoding="utf-8"?>
+<p:sld xmlns:a="http://schemas.openxmlformats.org/drawingml/2006/main" xmlns:r="http://schemas.openxmlformats.org/officeDocument/2006/relationships" xmlns:p="http://schemas.openxmlformats.org/presentationml/2006/main">
+  <p:cSld>
+    <p:spTree>
+      <p:nvGrpSpPr>
+        <p:cNvPr id="1" name=""/>
+        <p:cNvGrpSpPr/>
+        <p:nvPr/>
+      </p:nvGrpSpPr>
+      <p:grpSpPr>
+        <a:xfrm>
+          <a:off x="0" y="0"/>
+          <a:ext cx="0" cy="0"/>
+          <a:chOff x="0" y="0"/>
+          <a:chExt cx="0" cy="0"/>
+        </a:xfrm>
+      </p:grpSpPr>
+      <p:grpSp>
+        <p:nvGrpSpPr>
+          <p:cNvPr id="36" name="Groupe 35">
+            <a:extLst>
+              <a:ext uri="{FF2B5EF4-FFF2-40B4-BE49-F238E27FC236}">
+                <a16:creationId xmlns:a16="http://schemas.microsoft.com/office/drawing/2014/main" id="{DBFDB37C-820D-1CD9-7689-11E16217C4CE}"/>
+              </a:ext>
+            </a:extLst>
+          </p:cNvPr>
+          <p:cNvGrpSpPr/>
+          <p:nvPr/>
+        </p:nvGrpSpPr>
+        <p:grpSpPr>
+          <a:xfrm>
+            <a:off x="350055" y="605361"/>
+            <a:ext cx="9936933" cy="5647278"/>
+            <a:chOff x="350055" y="605361"/>
+            <a:chExt cx="9936933" cy="5647278"/>
+          </a:xfrm>
+        </p:grpSpPr>
+        <p:sp>
+          <p:nvSpPr>
+            <p:cNvPr id="5" name="ZoneTexte 4">
+              <a:extLst>
+                <a:ext uri="{FF2B5EF4-FFF2-40B4-BE49-F238E27FC236}">
+                  <a16:creationId xmlns:a16="http://schemas.microsoft.com/office/drawing/2014/main" id="{8496609B-7648-59A0-0563-34478BA827B0}"/>
+                </a:ext>
+              </a:extLst>
+            </p:cNvPr>
+            <p:cNvSpPr txBox="1"/>
+            <p:nvPr/>
+          </p:nvSpPr>
+          <p:spPr>
+            <a:xfrm>
+              <a:off x="3081349" y="605361"/>
+              <a:ext cx="1585913" cy="369332"/>
+            </a:xfrm>
+            <a:prstGeom prst="rect">
+              <a:avLst/>
+            </a:prstGeom>
+            <a:solidFill>
+              <a:schemeClr val="tx2">
+                <a:lumMod val="10000"/>
+                <a:lumOff val="90000"/>
+              </a:schemeClr>
+            </a:solidFill>
+            <a:ln w="25400">
+              <a:solidFill>
+                <a:schemeClr val="accent1"/>
+              </a:solidFill>
+            </a:ln>
+          </p:spPr>
+          <p:txBody>
+            <a:bodyPr wrap="square" rtlCol="0">
+              <a:spAutoFit/>
+            </a:bodyPr>
+            <a:lstStyle/>
+            <a:p>
+              <a:pPr algn="ctr"/>
+              <a:r>
+                <a:rPr lang="fr-FR" dirty="0"/>
+                <a:t>Seurat Object</a:t>
+              </a:r>
+            </a:p>
+          </p:txBody>
+        </p:sp>
+        <p:sp>
+          <p:nvSpPr>
+            <p:cNvPr id="6" name="ZoneTexte 5">
+              <a:extLst>
+                <a:ext uri="{FF2B5EF4-FFF2-40B4-BE49-F238E27FC236}">
+                  <a16:creationId xmlns:a16="http://schemas.microsoft.com/office/drawing/2014/main" id="{4F5FD11C-FE4F-1D45-E3E7-740852451C35}"/>
+                </a:ext>
+              </a:extLst>
+            </p:cNvPr>
+            <p:cNvSpPr txBox="1"/>
+            <p:nvPr/>
+          </p:nvSpPr>
+          <p:spPr>
+            <a:xfrm>
+              <a:off x="2124083" y="2162699"/>
+              <a:ext cx="1428750" cy="369332"/>
+            </a:xfrm>
+            <a:prstGeom prst="rect">
+              <a:avLst/>
+            </a:prstGeom>
+            <a:solidFill>
+              <a:schemeClr val="accent2">
+                <a:lumMod val="20000"/>
+                <a:lumOff val="80000"/>
+              </a:schemeClr>
+            </a:solidFill>
+            <a:ln w="25400">
+              <a:solidFill>
+                <a:schemeClr val="accent1"/>
+              </a:solidFill>
+            </a:ln>
+          </p:spPr>
+          <p:txBody>
+            <a:bodyPr wrap="square" rtlCol="0">
+              <a:spAutoFit/>
+            </a:bodyPr>
+            <a:lstStyle/>
+            <a:p>
+              <a:pPr algn="ctr"/>
+              <a:r>
+                <a:rPr lang="fr-FR" dirty="0" err="1"/>
+                <a:t>assays</a:t>
+              </a:r>
+              <a:endParaRPr lang="fr-FR" dirty="0"/>
+            </a:p>
+          </p:txBody>
+        </p:sp>
+        <p:sp>
+          <p:nvSpPr>
+            <p:cNvPr id="7" name="ZoneTexte 6">
+              <a:extLst>
+                <a:ext uri="{FF2B5EF4-FFF2-40B4-BE49-F238E27FC236}">
+                  <a16:creationId xmlns:a16="http://schemas.microsoft.com/office/drawing/2014/main" id="{971E60E0-F033-3D9E-0524-4C023C8B3679}"/>
+                </a:ext>
+              </a:extLst>
+            </p:cNvPr>
+            <p:cNvSpPr txBox="1"/>
+            <p:nvPr/>
+          </p:nvSpPr>
+          <p:spPr>
+            <a:xfrm>
+              <a:off x="3967165" y="2162699"/>
+              <a:ext cx="2528883" cy="646331"/>
+            </a:xfrm>
+            <a:prstGeom prst="rect">
+              <a:avLst/>
+            </a:prstGeom>
+            <a:solidFill>
+              <a:schemeClr val="accent2">
+                <a:lumMod val="20000"/>
+                <a:lumOff val="80000"/>
+              </a:schemeClr>
+            </a:solidFill>
+            <a:ln w="25400">
+              <a:solidFill>
+                <a:schemeClr val="accent1"/>
+              </a:solidFill>
+            </a:ln>
+          </p:spPr>
+          <p:txBody>
+            <a:bodyPr wrap="square" rtlCol="0">
+              <a:spAutoFit/>
+            </a:bodyPr>
+            <a:lstStyle/>
+            <a:p>
+              <a:pPr algn="ctr"/>
+              <a:r>
+                <a:rPr lang="fr-FR" dirty="0" err="1"/>
+                <a:t>meta.data</a:t>
+              </a:r>
+              <a:endParaRPr lang="fr-FR" dirty="0"/>
+            </a:p>
+            <a:p>
+              <a:pPr algn="ctr"/>
+              <a:r>
+                <a:rPr lang="fr-FR" dirty="0"/>
+                <a:t>(info sur les cellules)</a:t>
+              </a:r>
+            </a:p>
+          </p:txBody>
+        </p:sp>
+        <p:cxnSp>
+          <p:nvCxnSpPr>
+            <p:cNvPr id="8" name="Connecteur en angle 7">
+              <a:extLst>
+                <a:ext uri="{FF2B5EF4-FFF2-40B4-BE49-F238E27FC236}">
+                  <a16:creationId xmlns:a16="http://schemas.microsoft.com/office/drawing/2014/main" id="{2107EC9A-E169-1F6C-634D-0A9180196828}"/>
+                </a:ext>
+              </a:extLst>
+            </p:cNvPr>
+            <p:cNvCxnSpPr>
+              <a:stCxn id="5" idx="2"/>
+              <a:endCxn id="6" idx="0"/>
+            </p:cNvCxnSpPr>
+            <p:nvPr/>
+          </p:nvCxnSpPr>
+          <p:spPr>
+            <a:xfrm rot="5400000">
+              <a:off x="2762379" y="1050772"/>
+              <a:ext cx="1188006" cy="1035848"/>
+            </a:xfrm>
+            <a:prstGeom prst="bentConnector3">
+              <a:avLst/>
+            </a:prstGeom>
+            <a:ln>
+              <a:tailEnd type="triangle"/>
+            </a:ln>
+          </p:spPr>
+          <p:style>
+            <a:lnRef idx="2">
+              <a:schemeClr val="accent1"/>
+            </a:lnRef>
+            <a:fillRef idx="0">
+              <a:schemeClr val="accent1"/>
+            </a:fillRef>
+            <a:effectRef idx="1">
+              <a:schemeClr val="accent1"/>
+            </a:effectRef>
+            <a:fontRef idx="minor">
+              <a:schemeClr val="tx1"/>
+            </a:fontRef>
+          </p:style>
+        </p:cxnSp>
+        <p:cxnSp>
+          <p:nvCxnSpPr>
+            <p:cNvPr id="9" name="Connecteur en angle 8">
+              <a:extLst>
+                <a:ext uri="{FF2B5EF4-FFF2-40B4-BE49-F238E27FC236}">
+                  <a16:creationId xmlns:a16="http://schemas.microsoft.com/office/drawing/2014/main" id="{89D270E8-37A3-4D2F-C7A8-CA58366115BD}"/>
+                </a:ext>
+              </a:extLst>
+            </p:cNvPr>
+            <p:cNvCxnSpPr>
+              <a:cxnSpLocks/>
+              <a:endCxn id="7" idx="0"/>
+            </p:cNvCxnSpPr>
+            <p:nvPr/>
+          </p:nvCxnSpPr>
+          <p:spPr>
+            <a:xfrm>
+              <a:off x="3631414" y="1568696"/>
+              <a:ext cx="1600193" cy="594003"/>
+            </a:xfrm>
+            <a:prstGeom prst="bentConnector2">
+              <a:avLst/>
+            </a:prstGeom>
+            <a:ln>
+              <a:tailEnd type="triangle"/>
+            </a:ln>
+          </p:spPr>
+          <p:style>
+            <a:lnRef idx="2">
+              <a:schemeClr val="accent1"/>
+            </a:lnRef>
+            <a:fillRef idx="0">
+              <a:schemeClr val="accent1"/>
+            </a:fillRef>
+            <a:effectRef idx="1">
+              <a:schemeClr val="accent1"/>
+            </a:effectRef>
+            <a:fontRef idx="minor">
+              <a:schemeClr val="tx1"/>
+            </a:fontRef>
+          </p:style>
+        </p:cxnSp>
+        <mc:AlternateContent xmlns:mc="http://schemas.openxmlformats.org/markup-compatibility/2006">
+          <mc:Choice xmlns:a14="http://schemas.microsoft.com/office/drawing/2010/main" Requires="a14">
+            <p:sp>
+              <p:nvSpPr>
+                <p:cNvPr id="10" name="ZoneTexte 9">
+                  <a:extLst>
+                    <a:ext uri="{FF2B5EF4-FFF2-40B4-BE49-F238E27FC236}">
+                      <a16:creationId xmlns:a16="http://schemas.microsoft.com/office/drawing/2014/main" id="{8C867EE0-B0CF-B926-F893-56AAB38368DC}"/>
+                    </a:ext>
+                  </a:extLst>
+                </p:cNvPr>
+                <p:cNvSpPr txBox="1"/>
+                <p:nvPr/>
+              </p:nvSpPr>
+              <p:spPr>
+                <a:xfrm>
+                  <a:off x="3495689" y="1086965"/>
+                  <a:ext cx="1243017" cy="369332"/>
+                </a:xfrm>
+                <a:prstGeom prst="rect">
+                  <a:avLst/>
+                </a:prstGeom>
+                <a:noFill/>
+              </p:spPr>
+              <p:txBody>
+                <a:bodyPr wrap="square" rtlCol="0">
+                  <a:spAutoFit/>
+                </a:bodyPr>
+                <a:lstStyle/>
+                <a:p>
+                  <a14:m>
+                    <m:oMathPara xmlns:m="http://schemas.openxmlformats.org/officeDocument/2006/math">
+                      <m:oMathParaPr>
+                        <m:jc m:val="centerGroup"/>
+                      </m:oMathParaPr>
+                      <m:oMath xmlns:m="http://schemas.openxmlformats.org/officeDocument/2006/math">
+                        <m:r>
+                          <a:rPr lang="fr-FR" b="0" i="1" smtClean="0">
+                            <a:latin typeface="Cambria Math" panose="02040503050406030204" pitchFamily="18" charset="0"/>
+                          </a:rPr>
+                          <m:t>@</m:t>
+                        </m:r>
+                      </m:oMath>
+                    </m:oMathPara>
+                  </a14:m>
+                  <a:endParaRPr lang="fr-FR" dirty="0"/>
+                </a:p>
+              </p:txBody>
+            </p:sp>
+          </mc:Choice>
+          <mc:Fallback>
+            <p:sp>
+              <p:nvSpPr>
+                <p:cNvPr id="10" name="ZoneTexte 9">
+                  <a:extLst>
+                    <a:ext uri="{FF2B5EF4-FFF2-40B4-BE49-F238E27FC236}">
+                      <a16:creationId xmlns:a16="http://schemas.microsoft.com/office/drawing/2014/main" id="{8C867EE0-B0CF-B926-F893-56AAB38368DC}"/>
+                    </a:ext>
+                  </a:extLst>
+                </p:cNvPr>
+                <p:cNvSpPr txBox="1">
+                  <a:spLocks noRot="1" noChangeAspect="1" noMove="1" noResize="1" noEditPoints="1" noAdjustHandles="1" noChangeArrowheads="1" noChangeShapeType="1" noTextEdit="1"/>
+                </p:cNvSpPr>
+                <p:nvPr/>
+              </p:nvSpPr>
+              <p:spPr>
+                <a:xfrm>
+                  <a:off x="3495689" y="1086965"/>
+                  <a:ext cx="1243017" cy="369332"/>
+                </a:xfrm>
+                <a:prstGeom prst="rect">
+                  <a:avLst/>
+                </a:prstGeom>
+                <a:blipFill>
+                  <a:blip r:embed="rId2"/>
+                  <a:stretch>
+                    <a:fillRect/>
+                  </a:stretch>
+                </a:blipFill>
+              </p:spPr>
+              <p:txBody>
+                <a:bodyPr/>
+                <a:lstStyle/>
+                <a:p>
+                  <a:r>
+                    <a:rPr lang="fr-FR">
+                      <a:noFill/>
+                    </a:rPr>
+                    <a:t> </a:t>
+                  </a:r>
+                </a:p>
+              </p:txBody>
+            </p:sp>
+          </mc:Fallback>
+        </mc:AlternateContent>
+        <p:sp>
+          <p:nvSpPr>
+            <p:cNvPr id="11" name="ZoneTexte 10">
+              <a:extLst>
+                <a:ext uri="{FF2B5EF4-FFF2-40B4-BE49-F238E27FC236}">
+                  <a16:creationId xmlns:a16="http://schemas.microsoft.com/office/drawing/2014/main" id="{6DA63A6E-9278-D500-3883-3DBA086DBF2F}"/>
+                </a:ext>
+              </a:extLst>
+            </p:cNvPr>
+            <p:cNvSpPr txBox="1"/>
+            <p:nvPr/>
+          </p:nvSpPr>
+          <p:spPr>
+            <a:xfrm>
+              <a:off x="2124083" y="3076212"/>
+              <a:ext cx="1428750" cy="369332"/>
+            </a:xfrm>
+            <a:prstGeom prst="rect">
+              <a:avLst/>
+            </a:prstGeom>
+            <a:solidFill>
+              <a:schemeClr val="accent3">
+                <a:lumMod val="20000"/>
+                <a:lumOff val="80000"/>
+              </a:schemeClr>
+            </a:solidFill>
+            <a:ln w="25400">
+              <a:solidFill>
+                <a:schemeClr val="accent1"/>
+              </a:solidFill>
+            </a:ln>
+          </p:spPr>
+          <p:txBody>
+            <a:bodyPr wrap="square" rtlCol="0">
+              <a:spAutoFit/>
+            </a:bodyPr>
+            <a:lstStyle/>
+            <a:p>
+              <a:pPr algn="ctr"/>
+              <a:r>
+                <a:rPr lang="fr-FR" dirty="0"/>
+                <a:t>RNA</a:t>
+              </a:r>
+            </a:p>
+          </p:txBody>
+        </p:sp>
+        <p:cxnSp>
+          <p:nvCxnSpPr>
+            <p:cNvPr id="12" name="Connecteur droit avec flèche 11">
+              <a:extLst>
+                <a:ext uri="{FF2B5EF4-FFF2-40B4-BE49-F238E27FC236}">
+                  <a16:creationId xmlns:a16="http://schemas.microsoft.com/office/drawing/2014/main" id="{46F43D40-B83C-107B-B777-BBCF5E0E7D1A}"/>
+                </a:ext>
+              </a:extLst>
+            </p:cNvPr>
+            <p:cNvCxnSpPr>
+              <a:stCxn id="6" idx="2"/>
+              <a:endCxn id="11" idx="0"/>
+            </p:cNvCxnSpPr>
+            <p:nvPr/>
+          </p:nvCxnSpPr>
+          <p:spPr>
+            <a:xfrm>
+              <a:off x="2838458" y="2532031"/>
+              <a:ext cx="0" cy="544181"/>
+            </a:xfrm>
+            <a:prstGeom prst="straightConnector1">
+              <a:avLst/>
+            </a:prstGeom>
+            <a:ln>
+              <a:tailEnd type="triangle"/>
+            </a:ln>
+          </p:spPr>
+          <p:style>
+            <a:lnRef idx="2">
+              <a:schemeClr val="accent1"/>
+            </a:lnRef>
+            <a:fillRef idx="0">
+              <a:schemeClr val="accent1"/>
+            </a:fillRef>
+            <a:effectRef idx="1">
+              <a:schemeClr val="accent1"/>
+            </a:effectRef>
+            <a:fontRef idx="minor">
+              <a:schemeClr val="tx1"/>
+            </a:fontRef>
+          </p:style>
+        </p:cxnSp>
+        <p:sp>
+          <p:nvSpPr>
+            <p:cNvPr id="13" name="ZoneTexte 12">
+              <a:extLst>
+                <a:ext uri="{FF2B5EF4-FFF2-40B4-BE49-F238E27FC236}">
+                  <a16:creationId xmlns:a16="http://schemas.microsoft.com/office/drawing/2014/main" id="{C8B52027-9E97-A41C-3172-AE58BDB68F92}"/>
+                </a:ext>
+              </a:extLst>
+            </p:cNvPr>
+            <p:cNvSpPr txBox="1"/>
+            <p:nvPr/>
+          </p:nvSpPr>
+          <p:spPr>
+            <a:xfrm>
+              <a:off x="2452696" y="2626599"/>
+              <a:ext cx="585787" cy="369332"/>
+            </a:xfrm>
+            <a:prstGeom prst="rect">
+              <a:avLst/>
+            </a:prstGeom>
+            <a:noFill/>
+          </p:spPr>
+          <p:txBody>
+            <a:bodyPr wrap="square" rtlCol="0">
+              <a:spAutoFit/>
+            </a:bodyPr>
+            <a:lstStyle/>
+            <a:p>
+              <a:r>
+                <a:rPr lang="fr-FR" dirty="0"/>
+                <a:t>$</a:t>
+              </a:r>
+            </a:p>
+          </p:txBody>
+        </p:sp>
+        <p:sp>
+          <p:nvSpPr>
+            <p:cNvPr id="14" name="ZoneTexte 13">
+              <a:extLst>
+                <a:ext uri="{FF2B5EF4-FFF2-40B4-BE49-F238E27FC236}">
+                  <a16:creationId xmlns:a16="http://schemas.microsoft.com/office/drawing/2014/main" id="{B021419A-CD76-3EB3-CD77-6FEF8887B8D2}"/>
+                </a:ext>
+              </a:extLst>
+            </p:cNvPr>
+            <p:cNvSpPr txBox="1"/>
+            <p:nvPr/>
+          </p:nvSpPr>
+          <p:spPr>
+            <a:xfrm>
+              <a:off x="350055" y="5052310"/>
+              <a:ext cx="4976805" cy="1200329"/>
+            </a:xfrm>
+            <a:prstGeom prst="rect">
+              <a:avLst/>
+            </a:prstGeom>
+            <a:solidFill>
+              <a:schemeClr val="accent3">
+                <a:lumMod val="20000"/>
+                <a:lumOff val="80000"/>
+              </a:schemeClr>
+            </a:solidFill>
+            <a:ln w="25400">
+              <a:solidFill>
+                <a:schemeClr val="accent1"/>
+              </a:solidFill>
+            </a:ln>
+          </p:spPr>
+          <p:txBody>
+            <a:bodyPr wrap="square" rtlCol="0">
+              <a:spAutoFit/>
+            </a:bodyPr>
+            <a:lstStyle/>
+            <a:p>
+              <a:pPr marL="285750" indent="-285750">
+                <a:buFont typeface="Arial" panose="020B0604020202020204" pitchFamily="34" charset="0"/>
+                <a:buChar char="•"/>
+              </a:pPr>
+              <a:r>
+                <a:rPr lang="fr-FR" dirty="0" err="1"/>
+                <a:t>counts</a:t>
+              </a:r>
+              <a:endParaRPr lang="fr-FR" dirty="0"/>
+            </a:p>
+            <a:p>
+              <a:r>
+                <a:rPr lang="fr-FR" dirty="0"/>
+                <a:t>(matrice des comptages bruts G x C)</a:t>
+              </a:r>
+            </a:p>
+            <a:p>
+              <a:pPr marL="285750" indent="-285750">
+                <a:buFont typeface="Arial" panose="020B0604020202020204" pitchFamily="34" charset="0"/>
+                <a:buChar char="•"/>
+              </a:pPr>
+              <a:r>
+                <a:rPr lang="fr-FR" dirty="0">
+                  <a:solidFill>
+                    <a:srgbClr val="FF0000"/>
+                  </a:solidFill>
+                </a:rPr>
+                <a:t>data</a:t>
+              </a:r>
+            </a:p>
+            <a:p>
+              <a:r>
+                <a:rPr lang="fr-FR" dirty="0">
+                  <a:solidFill>
+                    <a:srgbClr val="FF0000"/>
+                  </a:solidFill>
+                </a:rPr>
+                <a:t>(matrices des comptages normalisés </a:t>
+              </a:r>
+              <a:r>
+                <a:rPr lang="fr-FR" dirty="0" err="1">
+                  <a:solidFill>
+                    <a:srgbClr val="FF0000"/>
+                  </a:solidFill>
+                </a:rPr>
+                <a:t>GxC</a:t>
+              </a:r>
+              <a:r>
+                <a:rPr lang="fr-FR" dirty="0">
+                  <a:solidFill>
+                    <a:srgbClr val="FF0000"/>
+                  </a:solidFill>
+                </a:rPr>
+                <a:t>)</a:t>
+              </a:r>
+            </a:p>
+          </p:txBody>
+        </p:sp>
+        <p:cxnSp>
+          <p:nvCxnSpPr>
+            <p:cNvPr id="15" name="Connecteur droit avec flèche 14">
+              <a:extLst>
+                <a:ext uri="{FF2B5EF4-FFF2-40B4-BE49-F238E27FC236}">
+                  <a16:creationId xmlns:a16="http://schemas.microsoft.com/office/drawing/2014/main" id="{3C69E316-717F-1CAD-250C-836BA86C0BF9}"/>
+                </a:ext>
+              </a:extLst>
+            </p:cNvPr>
+            <p:cNvCxnSpPr>
+              <a:cxnSpLocks/>
+              <a:stCxn id="11" idx="2"/>
+              <a:endCxn id="14" idx="0"/>
+            </p:cNvCxnSpPr>
+            <p:nvPr/>
+          </p:nvCxnSpPr>
+          <p:spPr>
+            <a:xfrm>
+              <a:off x="2838458" y="3445544"/>
+              <a:ext cx="0" cy="1606766"/>
+            </a:xfrm>
+            <a:prstGeom prst="straightConnector1">
+              <a:avLst/>
+            </a:prstGeom>
+            <a:ln>
+              <a:tailEnd type="triangle"/>
+            </a:ln>
+          </p:spPr>
+          <p:style>
+            <a:lnRef idx="2">
+              <a:schemeClr val="accent1"/>
+            </a:lnRef>
+            <a:fillRef idx="0">
+              <a:schemeClr val="accent1"/>
+            </a:fillRef>
+            <a:effectRef idx="1">
+              <a:schemeClr val="accent1"/>
+            </a:effectRef>
+            <a:fontRef idx="minor">
+              <a:schemeClr val="tx1"/>
+            </a:fontRef>
+          </p:style>
+        </p:cxnSp>
+        <p:sp>
+          <p:nvSpPr>
+            <p:cNvPr id="16" name="ZoneTexte 15">
+              <a:extLst>
+                <a:ext uri="{FF2B5EF4-FFF2-40B4-BE49-F238E27FC236}">
+                  <a16:creationId xmlns:a16="http://schemas.microsoft.com/office/drawing/2014/main" id="{AF23E4AF-0CA4-C57B-F701-B0E83FEB14A2}"/>
+                </a:ext>
+              </a:extLst>
+            </p:cNvPr>
+            <p:cNvSpPr txBox="1"/>
+            <p:nvPr/>
+          </p:nvSpPr>
+          <p:spPr>
+            <a:xfrm>
+              <a:off x="2462216" y="4093451"/>
+              <a:ext cx="585787" cy="369332"/>
+            </a:xfrm>
+            <a:prstGeom prst="rect">
+              <a:avLst/>
+            </a:prstGeom>
+            <a:noFill/>
+          </p:spPr>
+          <p:txBody>
+            <a:bodyPr wrap="square" rtlCol="0">
+              <a:spAutoFit/>
+            </a:bodyPr>
+            <a:lstStyle/>
+            <a:p>
+              <a:r>
+                <a:rPr lang="fr-FR" dirty="0"/>
+                <a:t>$</a:t>
+              </a:r>
+            </a:p>
+          </p:txBody>
+        </p:sp>
+        <p:sp>
+          <p:nvSpPr>
+            <p:cNvPr id="17" name="ZoneTexte 16">
+              <a:extLst>
+                <a:ext uri="{FF2B5EF4-FFF2-40B4-BE49-F238E27FC236}">
+                  <a16:creationId xmlns:a16="http://schemas.microsoft.com/office/drawing/2014/main" id="{77AA1BCF-8EA1-077B-DF71-7528BB778452}"/>
+                </a:ext>
+              </a:extLst>
+            </p:cNvPr>
+            <p:cNvSpPr txBox="1"/>
+            <p:nvPr/>
+          </p:nvSpPr>
+          <p:spPr>
+            <a:xfrm>
+              <a:off x="4002879" y="3467707"/>
+              <a:ext cx="2443157" cy="1477328"/>
+            </a:xfrm>
+            <a:prstGeom prst="rect">
+              <a:avLst/>
+            </a:prstGeom>
+            <a:solidFill>
+              <a:schemeClr val="accent3">
+                <a:lumMod val="20000"/>
+                <a:lumOff val="80000"/>
+              </a:schemeClr>
+            </a:solidFill>
+            <a:ln w="25400">
+              <a:solidFill>
+                <a:schemeClr val="accent1"/>
+              </a:solidFill>
+            </a:ln>
+          </p:spPr>
+          <p:txBody>
+            <a:bodyPr wrap="square" rtlCol="0">
+              <a:spAutoFit/>
+            </a:bodyPr>
+            <a:lstStyle/>
+            <a:p>
+              <a:pPr marL="285750" indent="-285750">
+                <a:buFont typeface="Arial" panose="020B0604020202020204" pitchFamily="34" charset="0"/>
+                <a:buChar char="•"/>
+              </a:pPr>
+              <a:r>
+                <a:rPr lang="fr-FR" dirty="0" err="1"/>
+                <a:t>orig.ident</a:t>
+              </a:r>
+              <a:endParaRPr lang="fr-FR" dirty="0"/>
+            </a:p>
+            <a:p>
+              <a:pPr marL="285750" indent="-285750">
+                <a:buFont typeface="Arial" panose="020B0604020202020204" pitchFamily="34" charset="0"/>
+                <a:buChar char="•"/>
+              </a:pPr>
+              <a:r>
+                <a:rPr lang="fr-FR" dirty="0" err="1"/>
+                <a:t>nCount_RNA</a:t>
+              </a:r>
+              <a:endParaRPr lang="fr-FR" dirty="0"/>
+            </a:p>
+            <a:p>
+              <a:pPr marL="285750" indent="-285750">
+                <a:buFont typeface="Arial" panose="020B0604020202020204" pitchFamily="34" charset="0"/>
+                <a:buChar char="•"/>
+              </a:pPr>
+              <a:r>
+                <a:rPr lang="fr-FR" dirty="0" err="1"/>
+                <a:t>nFeatures_RNA</a:t>
+              </a:r>
+              <a:endParaRPr lang="fr-FR" dirty="0"/>
+            </a:p>
+            <a:p>
+              <a:pPr marL="285750" indent="-285750">
+                <a:buFont typeface="Arial" panose="020B0604020202020204" pitchFamily="34" charset="0"/>
+                <a:buChar char="•"/>
+              </a:pPr>
+              <a:r>
+                <a:rPr lang="fr-FR" dirty="0"/>
+                <a:t>log10GenesPerUMI</a:t>
+              </a:r>
+            </a:p>
+            <a:p>
+              <a:pPr marL="285750" indent="-285750">
+                <a:buFont typeface="Arial" panose="020B0604020202020204" pitchFamily="34" charset="0"/>
+                <a:buChar char="•"/>
+              </a:pPr>
+              <a:r>
+                <a:rPr lang="fr-FR" dirty="0" err="1"/>
+                <a:t>percent.mt</a:t>
+              </a:r>
+              <a:endParaRPr lang="fr-FR" dirty="0"/>
+            </a:p>
+          </p:txBody>
+        </p:sp>
+        <p:cxnSp>
+          <p:nvCxnSpPr>
+            <p:cNvPr id="18" name="Connecteur droit avec flèche 17">
+              <a:extLst>
+                <a:ext uri="{FF2B5EF4-FFF2-40B4-BE49-F238E27FC236}">
+                  <a16:creationId xmlns:a16="http://schemas.microsoft.com/office/drawing/2014/main" id="{13A44DA6-8854-FC24-CE4A-E9663C843AFD}"/>
+                </a:ext>
+              </a:extLst>
+            </p:cNvPr>
+            <p:cNvCxnSpPr>
+              <a:cxnSpLocks/>
+              <a:stCxn id="7" idx="2"/>
+              <a:endCxn id="17" idx="0"/>
+            </p:cNvCxnSpPr>
+            <p:nvPr/>
+          </p:nvCxnSpPr>
+          <p:spPr>
+            <a:xfrm flipH="1">
+              <a:off x="5224458" y="2809030"/>
+              <a:ext cx="7149" cy="658677"/>
+            </a:xfrm>
+            <a:prstGeom prst="straightConnector1">
+              <a:avLst/>
+            </a:prstGeom>
+            <a:ln>
+              <a:tailEnd type="triangle"/>
+            </a:ln>
+          </p:spPr>
+          <p:style>
+            <a:lnRef idx="2">
+              <a:schemeClr val="accent1"/>
+            </a:lnRef>
+            <a:fillRef idx="0">
+              <a:schemeClr val="accent1"/>
+            </a:fillRef>
+            <a:effectRef idx="1">
+              <a:schemeClr val="accent1"/>
+            </a:effectRef>
+            <a:fontRef idx="minor">
+              <a:schemeClr val="tx1"/>
+            </a:fontRef>
+          </p:style>
+        </p:cxnSp>
+        <p:sp>
+          <p:nvSpPr>
+            <p:cNvPr id="19" name="ZoneTexte 18">
+              <a:extLst>
+                <a:ext uri="{FF2B5EF4-FFF2-40B4-BE49-F238E27FC236}">
+                  <a16:creationId xmlns:a16="http://schemas.microsoft.com/office/drawing/2014/main" id="{0181A97D-3563-085E-A755-8CD4E922AEC2}"/>
+                </a:ext>
+              </a:extLst>
+            </p:cNvPr>
+            <p:cNvSpPr txBox="1"/>
+            <p:nvPr/>
+          </p:nvSpPr>
+          <p:spPr>
+            <a:xfrm>
+              <a:off x="4833954" y="2950455"/>
+              <a:ext cx="585787" cy="369332"/>
+            </a:xfrm>
+            <a:prstGeom prst="rect">
+              <a:avLst/>
+            </a:prstGeom>
+            <a:noFill/>
+          </p:spPr>
+          <p:txBody>
+            <a:bodyPr wrap="square" rtlCol="0">
+              <a:spAutoFit/>
+            </a:bodyPr>
+            <a:lstStyle/>
+            <a:p>
+              <a:r>
+                <a:rPr lang="fr-FR" dirty="0"/>
+                <a:t>$</a:t>
+              </a:r>
+            </a:p>
+          </p:txBody>
+        </p:sp>
+        <p:sp>
+          <p:nvSpPr>
+            <p:cNvPr id="23" name="ZoneTexte 22">
+              <a:extLst>
+                <a:ext uri="{FF2B5EF4-FFF2-40B4-BE49-F238E27FC236}">
+                  <a16:creationId xmlns:a16="http://schemas.microsoft.com/office/drawing/2014/main" id="{33F21507-FB8B-AB90-BE1F-2C730A4F9FC9}"/>
+                </a:ext>
+              </a:extLst>
+            </p:cNvPr>
+            <p:cNvSpPr txBox="1"/>
+            <p:nvPr/>
+          </p:nvSpPr>
+          <p:spPr>
+            <a:xfrm>
+              <a:off x="7385443" y="2157789"/>
+              <a:ext cx="2528883" cy="369332"/>
+            </a:xfrm>
+            <a:prstGeom prst="rect">
+              <a:avLst/>
+            </a:prstGeom>
+            <a:solidFill>
+              <a:schemeClr val="accent2">
+                <a:lumMod val="20000"/>
+                <a:lumOff val="80000"/>
+              </a:schemeClr>
+            </a:solidFill>
+            <a:ln w="25400">
+              <a:solidFill>
+                <a:schemeClr val="accent1"/>
+              </a:solidFill>
+            </a:ln>
+          </p:spPr>
+          <p:txBody>
+            <a:bodyPr wrap="square" rtlCol="0">
+              <a:spAutoFit/>
+            </a:bodyPr>
+            <a:lstStyle/>
+            <a:p>
+              <a:pPr algn="ctr"/>
+              <a:r>
+                <a:rPr lang="fr-FR" dirty="0" err="1"/>
+                <a:t>commands</a:t>
+              </a:r>
+              <a:endParaRPr lang="fr-FR" dirty="0"/>
+            </a:p>
+          </p:txBody>
+        </p:sp>
+        <p:cxnSp>
+          <p:nvCxnSpPr>
+            <p:cNvPr id="25" name="Connecteur en angle 24">
+              <a:extLst>
+                <a:ext uri="{FF2B5EF4-FFF2-40B4-BE49-F238E27FC236}">
+                  <a16:creationId xmlns:a16="http://schemas.microsoft.com/office/drawing/2014/main" id="{D6644513-E16F-1F30-6633-744BE1B7E544}"/>
+                </a:ext>
+              </a:extLst>
+            </p:cNvPr>
+            <p:cNvCxnSpPr>
+              <a:cxnSpLocks/>
+              <a:stCxn id="5" idx="2"/>
+              <a:endCxn id="23" idx="0"/>
+            </p:cNvCxnSpPr>
+            <p:nvPr/>
+          </p:nvCxnSpPr>
+          <p:spPr>
+            <a:xfrm rot="16200000" flipH="1">
+              <a:off x="5670547" y="-821549"/>
+              <a:ext cx="1183096" cy="4775579"/>
+            </a:xfrm>
+            <a:prstGeom prst="bentConnector3">
+              <a:avLst/>
+            </a:prstGeom>
+            <a:ln>
+              <a:tailEnd type="triangle"/>
+            </a:ln>
+          </p:spPr>
+          <p:style>
+            <a:lnRef idx="2">
+              <a:schemeClr val="accent1"/>
+            </a:lnRef>
+            <a:fillRef idx="0">
+              <a:schemeClr val="accent1"/>
+            </a:fillRef>
+            <a:effectRef idx="1">
+              <a:schemeClr val="accent1"/>
+            </a:effectRef>
+            <a:fontRef idx="minor">
+              <a:schemeClr val="tx1"/>
+            </a:fontRef>
+          </p:style>
+        </p:cxnSp>
+        <p:sp>
+          <p:nvSpPr>
+            <p:cNvPr id="27" name="ZoneTexte 26">
+              <a:extLst>
+                <a:ext uri="{FF2B5EF4-FFF2-40B4-BE49-F238E27FC236}">
+                  <a16:creationId xmlns:a16="http://schemas.microsoft.com/office/drawing/2014/main" id="{705FC50B-ADF4-02B4-4D03-E85183211353}"/>
+                </a:ext>
+              </a:extLst>
+            </p:cNvPr>
+            <p:cNvSpPr txBox="1"/>
+            <p:nvPr/>
+          </p:nvSpPr>
+          <p:spPr>
+            <a:xfrm>
+              <a:off x="7012783" y="3177185"/>
+              <a:ext cx="3274205" cy="369332"/>
+            </a:xfrm>
+            <a:prstGeom prst="rect">
+              <a:avLst/>
+            </a:prstGeom>
+            <a:solidFill>
+              <a:schemeClr val="accent3">
+                <a:lumMod val="20000"/>
+                <a:lumOff val="80000"/>
+              </a:schemeClr>
+            </a:solidFill>
+            <a:ln w="25400">
+              <a:solidFill>
+                <a:schemeClr val="accent1"/>
+              </a:solidFill>
+            </a:ln>
+          </p:spPr>
+          <p:txBody>
+            <a:bodyPr wrap="square" rtlCol="0">
+              <a:spAutoFit/>
+            </a:bodyPr>
+            <a:lstStyle/>
+            <a:p>
+              <a:pPr marL="285750" indent="-285750">
+                <a:buFont typeface="Arial" panose="020B0604020202020204" pitchFamily="34" charset="0"/>
+                <a:buChar char="•"/>
+              </a:pPr>
+              <a:r>
+                <a:rPr lang="fr-FR" dirty="0" err="1">
+                  <a:solidFill>
+                    <a:srgbClr val="FF0000"/>
+                  </a:solidFill>
+                </a:rPr>
+                <a:t>NormalizeData.RNA</a:t>
+              </a:r>
+              <a:r>
+                <a:rPr lang="fr-FR" dirty="0">
+                  <a:solidFill>
+                    <a:srgbClr val="FF0000"/>
+                  </a:solidFill>
+                </a:rPr>
+                <a:t>$ ……</a:t>
+              </a:r>
+            </a:p>
+          </p:txBody>
+        </p:sp>
+        <p:cxnSp>
+          <p:nvCxnSpPr>
+            <p:cNvPr id="28" name="Connecteur droit avec flèche 27">
+              <a:extLst>
+                <a:ext uri="{FF2B5EF4-FFF2-40B4-BE49-F238E27FC236}">
+                  <a16:creationId xmlns:a16="http://schemas.microsoft.com/office/drawing/2014/main" id="{2DC85B8D-70AC-A200-6709-47C6092087B9}"/>
+                </a:ext>
+              </a:extLst>
+            </p:cNvPr>
+            <p:cNvCxnSpPr>
+              <a:cxnSpLocks/>
+              <a:stCxn id="23" idx="2"/>
+              <a:endCxn id="27" idx="0"/>
+            </p:cNvCxnSpPr>
+            <p:nvPr/>
+          </p:nvCxnSpPr>
+          <p:spPr>
+            <a:xfrm>
+              <a:off x="8649885" y="2527121"/>
+              <a:ext cx="1" cy="650064"/>
+            </a:xfrm>
+            <a:prstGeom prst="straightConnector1">
+              <a:avLst/>
+            </a:prstGeom>
+            <a:ln>
+              <a:tailEnd type="triangle"/>
+            </a:ln>
+          </p:spPr>
+          <p:style>
+            <a:lnRef idx="2">
+              <a:schemeClr val="accent1"/>
+            </a:lnRef>
+            <a:fillRef idx="0">
+              <a:schemeClr val="accent1"/>
+            </a:fillRef>
+            <a:effectRef idx="1">
+              <a:schemeClr val="accent1"/>
+            </a:effectRef>
+            <a:fontRef idx="minor">
+              <a:schemeClr val="tx1"/>
+            </a:fontRef>
+          </p:style>
+        </p:cxnSp>
+        <p:sp>
+          <p:nvSpPr>
+            <p:cNvPr id="29" name="ZoneTexte 28">
+              <a:extLst>
+                <a:ext uri="{FF2B5EF4-FFF2-40B4-BE49-F238E27FC236}">
+                  <a16:creationId xmlns:a16="http://schemas.microsoft.com/office/drawing/2014/main" id="{7210AE4E-D01C-6A4D-E1BC-F151C573A204}"/>
+                </a:ext>
+              </a:extLst>
+            </p:cNvPr>
+            <p:cNvSpPr txBox="1"/>
+            <p:nvPr/>
+          </p:nvSpPr>
+          <p:spPr>
+            <a:xfrm>
+              <a:off x="8286777" y="2659933"/>
+              <a:ext cx="585787" cy="369332"/>
+            </a:xfrm>
+            <a:prstGeom prst="rect">
+              <a:avLst/>
+            </a:prstGeom>
+            <a:noFill/>
+          </p:spPr>
+          <p:txBody>
+            <a:bodyPr wrap="square" rtlCol="0">
+              <a:spAutoFit/>
+            </a:bodyPr>
+            <a:lstStyle/>
+            <a:p>
+              <a:r>
+                <a:rPr lang="fr-FR" dirty="0"/>
+                <a:t>$</a:t>
+              </a:r>
+            </a:p>
+          </p:txBody>
+        </p:sp>
+      </p:grpSp>
+    </p:spTree>
+    <p:extLst>
+      <p:ext uri="{BB962C8B-B14F-4D97-AF65-F5344CB8AC3E}">
+        <p14:creationId xmlns:p14="http://schemas.microsoft.com/office/powerpoint/2010/main" val="4204728485"/>
+      </p:ext>
+    </p:extLst>
+  </p:cSld>
+  <p:clrMapOvr>
+    <a:masterClrMapping/>
+  </p:clrMapOvr>
+</p:sld>
+</file>
+
+<file path=ppt/slides/slide5.xml><?xml version="1.0" encoding="utf-8"?>
+<p:sld xmlns:a="http://schemas.openxmlformats.org/drawingml/2006/main" xmlns:r="http://schemas.openxmlformats.org/officeDocument/2006/relationships" xmlns:p="http://schemas.openxmlformats.org/presentationml/2006/main">
+  <p:cSld>
+    <p:spTree>
+      <p:nvGrpSpPr>
+        <p:cNvPr id="1" name=""/>
+        <p:cNvGrpSpPr/>
+        <p:nvPr/>
+      </p:nvGrpSpPr>
+      <p:grpSpPr>
+        <a:xfrm>
+          <a:off x="0" y="0"/>
+          <a:ext cx="0" cy="0"/>
+          <a:chOff x="0" y="0"/>
+          <a:chExt cx="0" cy="0"/>
+        </a:xfrm>
+      </p:grpSpPr>
+      <p:grpSp>
+        <p:nvGrpSpPr>
+          <p:cNvPr id="28" name="Groupe 27">
+            <a:extLst>
+              <a:ext uri="{FF2B5EF4-FFF2-40B4-BE49-F238E27FC236}">
+                <a16:creationId xmlns:a16="http://schemas.microsoft.com/office/drawing/2014/main" id="{F2334DA7-C38F-7F55-A007-9C182CF7EF17}"/>
+              </a:ext>
+            </a:extLst>
+          </p:cNvPr>
+          <p:cNvGrpSpPr/>
+          <p:nvPr/>
+        </p:nvGrpSpPr>
+        <p:grpSpPr>
+          <a:xfrm>
+            <a:off x="350055" y="605361"/>
+            <a:ext cx="10244111" cy="5647278"/>
+            <a:chOff x="350055" y="605361"/>
+            <a:chExt cx="10244111" cy="5647278"/>
+          </a:xfrm>
+        </p:grpSpPr>
+        <p:sp>
+          <p:nvSpPr>
+            <p:cNvPr id="5" name="ZoneTexte 4">
+              <a:extLst>
+                <a:ext uri="{FF2B5EF4-FFF2-40B4-BE49-F238E27FC236}">
+                  <a16:creationId xmlns:a16="http://schemas.microsoft.com/office/drawing/2014/main" id="{D1FF9C85-EAA9-1B70-5416-17770F9D1FED}"/>
+                </a:ext>
+              </a:extLst>
+            </p:cNvPr>
+            <p:cNvSpPr txBox="1"/>
+            <p:nvPr/>
+          </p:nvSpPr>
+          <p:spPr>
+            <a:xfrm>
+              <a:off x="3081349" y="605361"/>
+              <a:ext cx="1585913" cy="369332"/>
+            </a:xfrm>
+            <a:prstGeom prst="rect">
+              <a:avLst/>
+            </a:prstGeom>
+            <a:solidFill>
+              <a:schemeClr val="tx2">
+                <a:lumMod val="10000"/>
+                <a:lumOff val="90000"/>
+              </a:schemeClr>
+            </a:solidFill>
+            <a:ln w="25400">
+              <a:solidFill>
+                <a:schemeClr val="accent1"/>
+              </a:solidFill>
+            </a:ln>
+          </p:spPr>
+          <p:txBody>
+            <a:bodyPr wrap="square" rtlCol="0">
+              <a:spAutoFit/>
+            </a:bodyPr>
+            <a:lstStyle/>
+            <a:p>
+              <a:pPr algn="ctr"/>
+              <a:r>
+                <a:rPr lang="fr-FR" dirty="0"/>
+                <a:t>Seurat Object</a:t>
+              </a:r>
+            </a:p>
+          </p:txBody>
+        </p:sp>
+        <p:sp>
+          <p:nvSpPr>
+            <p:cNvPr id="6" name="ZoneTexte 5">
+              <a:extLst>
+                <a:ext uri="{FF2B5EF4-FFF2-40B4-BE49-F238E27FC236}">
+                  <a16:creationId xmlns:a16="http://schemas.microsoft.com/office/drawing/2014/main" id="{208D8943-2223-7E23-CC65-95CA9DB805C2}"/>
+                </a:ext>
+              </a:extLst>
+            </p:cNvPr>
+            <p:cNvSpPr txBox="1"/>
+            <p:nvPr/>
+          </p:nvSpPr>
+          <p:spPr>
+            <a:xfrm>
+              <a:off x="2124083" y="2162699"/>
+              <a:ext cx="1428750" cy="369332"/>
+            </a:xfrm>
+            <a:prstGeom prst="rect">
+              <a:avLst/>
+            </a:prstGeom>
+            <a:solidFill>
+              <a:schemeClr val="accent2">
+                <a:lumMod val="20000"/>
+                <a:lumOff val="80000"/>
+              </a:schemeClr>
+            </a:solidFill>
+            <a:ln w="25400">
+              <a:solidFill>
+                <a:schemeClr val="accent1"/>
+              </a:solidFill>
+            </a:ln>
+          </p:spPr>
+          <p:txBody>
+            <a:bodyPr wrap="square" rtlCol="0">
+              <a:spAutoFit/>
+            </a:bodyPr>
+            <a:lstStyle/>
+            <a:p>
+              <a:pPr algn="ctr"/>
+              <a:r>
+                <a:rPr lang="fr-FR" dirty="0" err="1"/>
+                <a:t>assays</a:t>
+              </a:r>
+              <a:endParaRPr lang="fr-FR" dirty="0"/>
+            </a:p>
+          </p:txBody>
+        </p:sp>
+        <p:sp>
+          <p:nvSpPr>
+            <p:cNvPr id="7" name="ZoneTexte 6">
+              <a:extLst>
+                <a:ext uri="{FF2B5EF4-FFF2-40B4-BE49-F238E27FC236}">
+                  <a16:creationId xmlns:a16="http://schemas.microsoft.com/office/drawing/2014/main" id="{392EAA86-048B-BDF9-8C6B-6351FB7833EA}"/>
+                </a:ext>
+              </a:extLst>
+            </p:cNvPr>
+            <p:cNvSpPr txBox="1"/>
+            <p:nvPr/>
+          </p:nvSpPr>
+          <p:spPr>
+            <a:xfrm>
+              <a:off x="3967165" y="2162699"/>
+              <a:ext cx="2528883" cy="646331"/>
+            </a:xfrm>
+            <a:prstGeom prst="rect">
+              <a:avLst/>
+            </a:prstGeom>
+            <a:solidFill>
+              <a:schemeClr val="accent2">
+                <a:lumMod val="20000"/>
+                <a:lumOff val="80000"/>
+              </a:schemeClr>
+            </a:solidFill>
+            <a:ln w="25400">
+              <a:solidFill>
+                <a:schemeClr val="accent1"/>
+              </a:solidFill>
+            </a:ln>
+          </p:spPr>
+          <p:txBody>
+            <a:bodyPr wrap="square" rtlCol="0">
+              <a:spAutoFit/>
+            </a:bodyPr>
+            <a:lstStyle/>
+            <a:p>
+              <a:pPr algn="ctr"/>
+              <a:r>
+                <a:rPr lang="fr-FR" dirty="0" err="1"/>
+                <a:t>meta.data</a:t>
+              </a:r>
+              <a:endParaRPr lang="fr-FR" dirty="0"/>
+            </a:p>
+            <a:p>
+              <a:pPr algn="ctr"/>
+              <a:r>
+                <a:rPr lang="fr-FR" dirty="0"/>
+                <a:t>(info sur les cellules)</a:t>
+              </a:r>
+            </a:p>
+          </p:txBody>
+        </p:sp>
+        <p:cxnSp>
+          <p:nvCxnSpPr>
+            <p:cNvPr id="8" name="Connecteur en angle 7">
+              <a:extLst>
+                <a:ext uri="{FF2B5EF4-FFF2-40B4-BE49-F238E27FC236}">
+                  <a16:creationId xmlns:a16="http://schemas.microsoft.com/office/drawing/2014/main" id="{3CE41CE1-CD8B-5B2A-B2D5-CBA44FA87A5E}"/>
+                </a:ext>
+              </a:extLst>
+            </p:cNvPr>
+            <p:cNvCxnSpPr>
+              <a:stCxn id="5" idx="2"/>
+              <a:endCxn id="6" idx="0"/>
+            </p:cNvCxnSpPr>
+            <p:nvPr/>
+          </p:nvCxnSpPr>
+          <p:spPr>
+            <a:xfrm rot="5400000">
+              <a:off x="2762379" y="1050772"/>
+              <a:ext cx="1188006" cy="1035848"/>
+            </a:xfrm>
+            <a:prstGeom prst="bentConnector3">
+              <a:avLst/>
+            </a:prstGeom>
+            <a:ln>
+              <a:tailEnd type="triangle"/>
+            </a:ln>
+          </p:spPr>
+          <p:style>
+            <a:lnRef idx="2">
+              <a:schemeClr val="accent1"/>
+            </a:lnRef>
+            <a:fillRef idx="0">
+              <a:schemeClr val="accent1"/>
+            </a:fillRef>
+            <a:effectRef idx="1">
+              <a:schemeClr val="accent1"/>
+            </a:effectRef>
+            <a:fontRef idx="minor">
+              <a:schemeClr val="tx1"/>
+            </a:fontRef>
+          </p:style>
+        </p:cxnSp>
+        <p:cxnSp>
+          <p:nvCxnSpPr>
+            <p:cNvPr id="9" name="Connecteur en angle 8">
+              <a:extLst>
+                <a:ext uri="{FF2B5EF4-FFF2-40B4-BE49-F238E27FC236}">
+                  <a16:creationId xmlns:a16="http://schemas.microsoft.com/office/drawing/2014/main" id="{8ADC8BE0-1AE3-CE0F-DADD-1486AC571D0C}"/>
+                </a:ext>
+              </a:extLst>
+            </p:cNvPr>
+            <p:cNvCxnSpPr>
+              <a:cxnSpLocks/>
+              <a:endCxn id="7" idx="0"/>
+            </p:cNvCxnSpPr>
+            <p:nvPr/>
+          </p:nvCxnSpPr>
+          <p:spPr>
+            <a:xfrm>
+              <a:off x="3631414" y="1568696"/>
+              <a:ext cx="1600193" cy="594003"/>
+            </a:xfrm>
+            <a:prstGeom prst="bentConnector2">
+              <a:avLst/>
+            </a:prstGeom>
+            <a:ln>
+              <a:tailEnd type="triangle"/>
+            </a:ln>
+          </p:spPr>
+          <p:style>
+            <a:lnRef idx="2">
+              <a:schemeClr val="accent1"/>
+            </a:lnRef>
+            <a:fillRef idx="0">
+              <a:schemeClr val="accent1"/>
+            </a:fillRef>
+            <a:effectRef idx="1">
+              <a:schemeClr val="accent1"/>
+            </a:effectRef>
+            <a:fontRef idx="minor">
+              <a:schemeClr val="tx1"/>
+            </a:fontRef>
+          </p:style>
+        </p:cxnSp>
+        <mc:AlternateContent xmlns:mc="http://schemas.openxmlformats.org/markup-compatibility/2006">
+          <mc:Choice xmlns:a14="http://schemas.microsoft.com/office/drawing/2010/main" Requires="a14">
+            <p:sp>
+              <p:nvSpPr>
+                <p:cNvPr id="10" name="ZoneTexte 9">
+                  <a:extLst>
+                    <a:ext uri="{FF2B5EF4-FFF2-40B4-BE49-F238E27FC236}">
+                      <a16:creationId xmlns:a16="http://schemas.microsoft.com/office/drawing/2014/main" id="{D30331FB-CBFE-8CF4-0B04-97084ADBFC32}"/>
+                    </a:ext>
+                  </a:extLst>
+                </p:cNvPr>
+                <p:cNvSpPr txBox="1"/>
+                <p:nvPr/>
+              </p:nvSpPr>
+              <p:spPr>
+                <a:xfrm>
+                  <a:off x="3495689" y="1086965"/>
+                  <a:ext cx="1243017" cy="369332"/>
+                </a:xfrm>
+                <a:prstGeom prst="rect">
+                  <a:avLst/>
+                </a:prstGeom>
+                <a:noFill/>
+              </p:spPr>
+              <p:txBody>
+                <a:bodyPr wrap="square" rtlCol="0">
+                  <a:spAutoFit/>
+                </a:bodyPr>
+                <a:lstStyle/>
+                <a:p>
+                  <a14:m>
+                    <m:oMathPara xmlns:m="http://schemas.openxmlformats.org/officeDocument/2006/math">
+                      <m:oMathParaPr>
+                        <m:jc m:val="centerGroup"/>
+                      </m:oMathParaPr>
+                      <m:oMath xmlns:m="http://schemas.openxmlformats.org/officeDocument/2006/math">
+                        <m:r>
+                          <a:rPr lang="fr-FR" b="0" i="1" smtClean="0">
+                            <a:latin typeface="Cambria Math" panose="02040503050406030204" pitchFamily="18" charset="0"/>
+                          </a:rPr>
+                          <m:t>@</m:t>
+                        </m:r>
+                      </m:oMath>
+                    </m:oMathPara>
+                  </a14:m>
+                  <a:endParaRPr lang="fr-FR" dirty="0"/>
+                </a:p>
+              </p:txBody>
+            </p:sp>
+          </mc:Choice>
+          <mc:Fallback>
+            <p:sp>
+              <p:nvSpPr>
+                <p:cNvPr id="10" name="ZoneTexte 9">
+                  <a:extLst>
+                    <a:ext uri="{FF2B5EF4-FFF2-40B4-BE49-F238E27FC236}">
+                      <a16:creationId xmlns:a16="http://schemas.microsoft.com/office/drawing/2014/main" id="{D30331FB-CBFE-8CF4-0B04-97084ADBFC32}"/>
+                    </a:ext>
+                  </a:extLst>
+                </p:cNvPr>
+                <p:cNvSpPr txBox="1">
+                  <a:spLocks noRot="1" noChangeAspect="1" noMove="1" noResize="1" noEditPoints="1" noAdjustHandles="1" noChangeArrowheads="1" noChangeShapeType="1" noTextEdit="1"/>
+                </p:cNvSpPr>
+                <p:nvPr/>
+              </p:nvSpPr>
+              <p:spPr>
+                <a:xfrm>
+                  <a:off x="3495689" y="1086965"/>
+                  <a:ext cx="1243017" cy="369332"/>
+                </a:xfrm>
+                <a:prstGeom prst="rect">
+                  <a:avLst/>
+                </a:prstGeom>
+                <a:blipFill>
+                  <a:blip r:embed="rId2"/>
+                  <a:stretch>
+                    <a:fillRect/>
+                  </a:stretch>
+                </a:blipFill>
+              </p:spPr>
+              <p:txBody>
+                <a:bodyPr/>
+                <a:lstStyle/>
+                <a:p>
+                  <a:r>
+                    <a:rPr lang="fr-FR">
+                      <a:noFill/>
+                    </a:rPr>
+                    <a:t> </a:t>
+                  </a:r>
+                </a:p>
+              </p:txBody>
+            </p:sp>
+          </mc:Fallback>
+        </mc:AlternateContent>
+        <p:sp>
+          <p:nvSpPr>
+            <p:cNvPr id="11" name="ZoneTexte 10">
+              <a:extLst>
+                <a:ext uri="{FF2B5EF4-FFF2-40B4-BE49-F238E27FC236}">
+                  <a16:creationId xmlns:a16="http://schemas.microsoft.com/office/drawing/2014/main" id="{E86AC761-67D4-30CC-18E3-35C2D1D033F1}"/>
+                </a:ext>
+              </a:extLst>
+            </p:cNvPr>
+            <p:cNvSpPr txBox="1"/>
+            <p:nvPr/>
+          </p:nvSpPr>
+          <p:spPr>
+            <a:xfrm>
+              <a:off x="2124083" y="3076212"/>
+              <a:ext cx="1428750" cy="369332"/>
+            </a:xfrm>
+            <a:prstGeom prst="rect">
+              <a:avLst/>
+            </a:prstGeom>
+            <a:solidFill>
+              <a:schemeClr val="accent3">
+                <a:lumMod val="20000"/>
+                <a:lumOff val="80000"/>
+              </a:schemeClr>
+            </a:solidFill>
+            <a:ln w="25400">
+              <a:solidFill>
+                <a:schemeClr val="accent1"/>
+              </a:solidFill>
+            </a:ln>
+          </p:spPr>
+          <p:txBody>
+            <a:bodyPr wrap="square" rtlCol="0">
+              <a:spAutoFit/>
+            </a:bodyPr>
+            <a:lstStyle/>
+            <a:p>
+              <a:pPr algn="ctr"/>
+              <a:r>
+                <a:rPr lang="fr-FR" dirty="0"/>
+                <a:t>RNA</a:t>
+              </a:r>
+            </a:p>
+          </p:txBody>
+        </p:sp>
+        <p:cxnSp>
+          <p:nvCxnSpPr>
+            <p:cNvPr id="12" name="Connecteur droit avec flèche 11">
+              <a:extLst>
+                <a:ext uri="{FF2B5EF4-FFF2-40B4-BE49-F238E27FC236}">
+                  <a16:creationId xmlns:a16="http://schemas.microsoft.com/office/drawing/2014/main" id="{FD8D279F-BA04-0E71-8F9A-E23A60704F87}"/>
+                </a:ext>
+              </a:extLst>
+            </p:cNvPr>
+            <p:cNvCxnSpPr>
+              <a:stCxn id="6" idx="2"/>
+              <a:endCxn id="11" idx="0"/>
+            </p:cNvCxnSpPr>
+            <p:nvPr/>
+          </p:nvCxnSpPr>
+          <p:spPr>
+            <a:xfrm>
+              <a:off x="2838458" y="2532031"/>
+              <a:ext cx="0" cy="544181"/>
+            </a:xfrm>
+            <a:prstGeom prst="straightConnector1">
+              <a:avLst/>
+            </a:prstGeom>
+            <a:ln>
+              <a:tailEnd type="triangle"/>
+            </a:ln>
+          </p:spPr>
+          <p:style>
+            <a:lnRef idx="2">
+              <a:schemeClr val="accent1"/>
+            </a:lnRef>
+            <a:fillRef idx="0">
+              <a:schemeClr val="accent1"/>
+            </a:fillRef>
+            <a:effectRef idx="1">
+              <a:schemeClr val="accent1"/>
+            </a:effectRef>
+            <a:fontRef idx="minor">
+              <a:schemeClr val="tx1"/>
+            </a:fontRef>
+          </p:style>
+        </p:cxnSp>
+        <p:sp>
+          <p:nvSpPr>
+            <p:cNvPr id="13" name="ZoneTexte 12">
+              <a:extLst>
+                <a:ext uri="{FF2B5EF4-FFF2-40B4-BE49-F238E27FC236}">
+                  <a16:creationId xmlns:a16="http://schemas.microsoft.com/office/drawing/2014/main" id="{6D0ED11A-633D-31AB-46F8-76473FBA95B3}"/>
+                </a:ext>
+              </a:extLst>
+            </p:cNvPr>
+            <p:cNvSpPr txBox="1"/>
+            <p:nvPr/>
+          </p:nvSpPr>
+          <p:spPr>
+            <a:xfrm>
+              <a:off x="2452696" y="2626599"/>
+              <a:ext cx="585787" cy="369332"/>
+            </a:xfrm>
+            <a:prstGeom prst="rect">
+              <a:avLst/>
+            </a:prstGeom>
+            <a:noFill/>
+          </p:spPr>
+          <p:txBody>
+            <a:bodyPr wrap="square" rtlCol="0">
+              <a:spAutoFit/>
+            </a:bodyPr>
+            <a:lstStyle/>
+            <a:p>
+              <a:r>
+                <a:rPr lang="fr-FR" dirty="0"/>
+                <a:t>$</a:t>
+              </a:r>
+            </a:p>
+          </p:txBody>
+        </p:sp>
+        <p:sp>
+          <p:nvSpPr>
+            <p:cNvPr id="14" name="ZoneTexte 13">
+              <a:extLst>
+                <a:ext uri="{FF2B5EF4-FFF2-40B4-BE49-F238E27FC236}">
+                  <a16:creationId xmlns:a16="http://schemas.microsoft.com/office/drawing/2014/main" id="{934563DC-0E25-C1D5-3F5D-282259B3D81F}"/>
+                </a:ext>
+              </a:extLst>
+            </p:cNvPr>
+            <p:cNvSpPr txBox="1"/>
+            <p:nvPr/>
+          </p:nvSpPr>
+          <p:spPr>
+            <a:xfrm>
+              <a:off x="350055" y="5052310"/>
+              <a:ext cx="4976805" cy="1200329"/>
+            </a:xfrm>
+            <a:prstGeom prst="rect">
+              <a:avLst/>
+            </a:prstGeom>
+            <a:solidFill>
+              <a:schemeClr val="accent3">
+                <a:lumMod val="20000"/>
+                <a:lumOff val="80000"/>
+              </a:schemeClr>
+            </a:solidFill>
+            <a:ln w="25400">
+              <a:solidFill>
+                <a:schemeClr val="accent1"/>
+              </a:solidFill>
+            </a:ln>
+          </p:spPr>
+          <p:txBody>
+            <a:bodyPr wrap="square" rtlCol="0">
+              <a:spAutoFit/>
+            </a:bodyPr>
+            <a:lstStyle/>
+            <a:p>
+              <a:pPr marL="285750" indent="-285750">
+                <a:buFont typeface="Arial" panose="020B0604020202020204" pitchFamily="34" charset="0"/>
+                <a:buChar char="•"/>
+              </a:pPr>
+              <a:r>
+                <a:rPr lang="fr-FR" dirty="0" err="1"/>
+                <a:t>counts</a:t>
+              </a:r>
+              <a:endParaRPr lang="fr-FR" dirty="0"/>
+            </a:p>
+            <a:p>
+              <a:r>
+                <a:rPr lang="fr-FR" dirty="0"/>
+                <a:t>(matrice des comptages bruts G x C)</a:t>
+              </a:r>
+            </a:p>
+            <a:p>
+              <a:pPr marL="285750" indent="-285750">
+                <a:buFont typeface="Arial" panose="020B0604020202020204" pitchFamily="34" charset="0"/>
+                <a:buChar char="•"/>
+              </a:pPr>
+              <a:r>
+                <a:rPr lang="fr-FR" dirty="0"/>
+                <a:t>data</a:t>
+              </a:r>
+            </a:p>
+            <a:p>
+              <a:r>
+                <a:rPr lang="fr-FR" dirty="0"/>
+                <a:t>(matrices des comptages normalisés </a:t>
+              </a:r>
+              <a:r>
+                <a:rPr lang="fr-FR" dirty="0" err="1"/>
+                <a:t>GxC</a:t>
+              </a:r>
+              <a:r>
+                <a:rPr lang="fr-FR" dirty="0"/>
+                <a:t>)</a:t>
+              </a:r>
+            </a:p>
+          </p:txBody>
+        </p:sp>
+        <p:cxnSp>
+          <p:nvCxnSpPr>
+            <p:cNvPr id="15" name="Connecteur droit avec flèche 14">
+              <a:extLst>
+                <a:ext uri="{FF2B5EF4-FFF2-40B4-BE49-F238E27FC236}">
+                  <a16:creationId xmlns:a16="http://schemas.microsoft.com/office/drawing/2014/main" id="{D68B6A01-BB31-FB38-9A00-5E8E400A4EEF}"/>
+                </a:ext>
+              </a:extLst>
+            </p:cNvPr>
+            <p:cNvCxnSpPr>
+              <a:cxnSpLocks/>
+              <a:stCxn id="11" idx="2"/>
+              <a:endCxn id="14" idx="0"/>
+            </p:cNvCxnSpPr>
+            <p:nvPr/>
+          </p:nvCxnSpPr>
+          <p:spPr>
+            <a:xfrm>
+              <a:off x="2838458" y="3445544"/>
+              <a:ext cx="0" cy="1606766"/>
+            </a:xfrm>
+            <a:prstGeom prst="straightConnector1">
+              <a:avLst/>
+            </a:prstGeom>
+            <a:ln>
+              <a:tailEnd type="triangle"/>
+            </a:ln>
+          </p:spPr>
+          <p:style>
+            <a:lnRef idx="2">
+              <a:schemeClr val="accent1"/>
+            </a:lnRef>
+            <a:fillRef idx="0">
+              <a:schemeClr val="accent1"/>
+            </a:fillRef>
+            <a:effectRef idx="1">
+              <a:schemeClr val="accent1"/>
+            </a:effectRef>
+            <a:fontRef idx="minor">
+              <a:schemeClr val="tx1"/>
+            </a:fontRef>
+          </p:style>
+        </p:cxnSp>
+        <p:sp>
+          <p:nvSpPr>
+            <p:cNvPr id="16" name="ZoneTexte 15">
+              <a:extLst>
+                <a:ext uri="{FF2B5EF4-FFF2-40B4-BE49-F238E27FC236}">
+                  <a16:creationId xmlns:a16="http://schemas.microsoft.com/office/drawing/2014/main" id="{3452D22B-3CF7-9547-F818-8BD1DADBEA19}"/>
+                </a:ext>
+              </a:extLst>
+            </p:cNvPr>
+            <p:cNvSpPr txBox="1"/>
+            <p:nvPr/>
+          </p:nvSpPr>
+          <p:spPr>
+            <a:xfrm>
+              <a:off x="2462216" y="4093451"/>
+              <a:ext cx="585787" cy="369332"/>
+            </a:xfrm>
+            <a:prstGeom prst="rect">
+              <a:avLst/>
+            </a:prstGeom>
+            <a:noFill/>
+          </p:spPr>
+          <p:txBody>
+            <a:bodyPr wrap="square" rtlCol="0">
+              <a:spAutoFit/>
+            </a:bodyPr>
+            <a:lstStyle/>
+            <a:p>
+              <a:r>
+                <a:rPr lang="fr-FR" dirty="0"/>
+                <a:t>$</a:t>
+              </a:r>
+            </a:p>
+          </p:txBody>
+        </p:sp>
+        <p:sp>
+          <p:nvSpPr>
+            <p:cNvPr id="17" name="ZoneTexte 16">
+              <a:extLst>
+                <a:ext uri="{FF2B5EF4-FFF2-40B4-BE49-F238E27FC236}">
+                  <a16:creationId xmlns:a16="http://schemas.microsoft.com/office/drawing/2014/main" id="{E5CFA8CD-04F5-FAD8-B9D0-4A917EE6C1D0}"/>
+                </a:ext>
+              </a:extLst>
+            </p:cNvPr>
+            <p:cNvSpPr txBox="1"/>
+            <p:nvPr/>
+          </p:nvSpPr>
+          <p:spPr>
+            <a:xfrm>
+              <a:off x="4002879" y="3467707"/>
+              <a:ext cx="2443157" cy="1477328"/>
+            </a:xfrm>
+            <a:prstGeom prst="rect">
+              <a:avLst/>
+            </a:prstGeom>
+            <a:solidFill>
+              <a:schemeClr val="accent3">
+                <a:lumMod val="20000"/>
+                <a:lumOff val="80000"/>
+              </a:schemeClr>
+            </a:solidFill>
+            <a:ln w="25400">
+              <a:solidFill>
+                <a:schemeClr val="accent1"/>
+              </a:solidFill>
+            </a:ln>
+          </p:spPr>
+          <p:txBody>
+            <a:bodyPr wrap="square" rtlCol="0">
+              <a:spAutoFit/>
+            </a:bodyPr>
+            <a:lstStyle/>
+            <a:p>
+              <a:pPr marL="285750" indent="-285750">
+                <a:buFont typeface="Arial" panose="020B0604020202020204" pitchFamily="34" charset="0"/>
+                <a:buChar char="•"/>
+              </a:pPr>
+              <a:r>
+                <a:rPr lang="fr-FR" dirty="0" err="1"/>
+                <a:t>orig.ident</a:t>
+              </a:r>
+              <a:endParaRPr lang="fr-FR" dirty="0"/>
+            </a:p>
+            <a:p>
+              <a:pPr marL="285750" indent="-285750">
+                <a:buFont typeface="Arial" panose="020B0604020202020204" pitchFamily="34" charset="0"/>
+                <a:buChar char="•"/>
+              </a:pPr>
+              <a:r>
+                <a:rPr lang="fr-FR" dirty="0" err="1"/>
+                <a:t>nCount_RNA</a:t>
+              </a:r>
+              <a:endParaRPr lang="fr-FR" dirty="0"/>
+            </a:p>
+            <a:p>
+              <a:pPr marL="285750" indent="-285750">
+                <a:buFont typeface="Arial" panose="020B0604020202020204" pitchFamily="34" charset="0"/>
+                <a:buChar char="•"/>
+              </a:pPr>
+              <a:r>
+                <a:rPr lang="fr-FR" dirty="0" err="1"/>
+                <a:t>nFeatures_RNA</a:t>
+              </a:r>
+              <a:endParaRPr lang="fr-FR" dirty="0"/>
+            </a:p>
+            <a:p>
+              <a:pPr marL="285750" indent="-285750">
+                <a:buFont typeface="Arial" panose="020B0604020202020204" pitchFamily="34" charset="0"/>
+                <a:buChar char="•"/>
+              </a:pPr>
+              <a:r>
+                <a:rPr lang="fr-FR" dirty="0"/>
+                <a:t>log10GenesPerUMI</a:t>
+              </a:r>
+            </a:p>
+            <a:p>
+              <a:pPr marL="285750" indent="-285750">
+                <a:buFont typeface="Arial" panose="020B0604020202020204" pitchFamily="34" charset="0"/>
+                <a:buChar char="•"/>
+              </a:pPr>
+              <a:r>
+                <a:rPr lang="fr-FR" dirty="0" err="1"/>
+                <a:t>percent.mt</a:t>
+              </a:r>
+              <a:endParaRPr lang="fr-FR" dirty="0"/>
+            </a:p>
+          </p:txBody>
+        </p:sp>
+        <p:cxnSp>
+          <p:nvCxnSpPr>
+            <p:cNvPr id="18" name="Connecteur droit avec flèche 17">
+              <a:extLst>
+                <a:ext uri="{FF2B5EF4-FFF2-40B4-BE49-F238E27FC236}">
+                  <a16:creationId xmlns:a16="http://schemas.microsoft.com/office/drawing/2014/main" id="{63FBE9D0-1DA9-45EA-1F5F-9EC08334D9EB}"/>
+                </a:ext>
+              </a:extLst>
+            </p:cNvPr>
+            <p:cNvCxnSpPr>
+              <a:cxnSpLocks/>
+              <a:stCxn id="7" idx="2"/>
+              <a:endCxn id="17" idx="0"/>
+            </p:cNvCxnSpPr>
+            <p:nvPr/>
+          </p:nvCxnSpPr>
+          <p:spPr>
+            <a:xfrm flipH="1">
+              <a:off x="5224458" y="2809030"/>
+              <a:ext cx="7149" cy="658677"/>
+            </a:xfrm>
+            <a:prstGeom prst="straightConnector1">
+              <a:avLst/>
+            </a:prstGeom>
+            <a:ln>
+              <a:tailEnd type="triangle"/>
+            </a:ln>
+          </p:spPr>
+          <p:style>
+            <a:lnRef idx="2">
+              <a:schemeClr val="accent1"/>
+            </a:lnRef>
+            <a:fillRef idx="0">
+              <a:schemeClr val="accent1"/>
+            </a:fillRef>
+            <a:effectRef idx="1">
+              <a:schemeClr val="accent1"/>
+            </a:effectRef>
+            <a:fontRef idx="minor">
+              <a:schemeClr val="tx1"/>
+            </a:fontRef>
+          </p:style>
+        </p:cxnSp>
+        <p:sp>
+          <p:nvSpPr>
+            <p:cNvPr id="19" name="ZoneTexte 18">
+              <a:extLst>
+                <a:ext uri="{FF2B5EF4-FFF2-40B4-BE49-F238E27FC236}">
+                  <a16:creationId xmlns:a16="http://schemas.microsoft.com/office/drawing/2014/main" id="{E905C8CF-20EC-0066-39E9-869900A74480}"/>
+                </a:ext>
+              </a:extLst>
+            </p:cNvPr>
+            <p:cNvSpPr txBox="1"/>
+            <p:nvPr/>
+          </p:nvSpPr>
+          <p:spPr>
+            <a:xfrm>
+              <a:off x="4833954" y="2950455"/>
+              <a:ext cx="585787" cy="369332"/>
+            </a:xfrm>
+            <a:prstGeom prst="rect">
+              <a:avLst/>
+            </a:prstGeom>
+            <a:noFill/>
+          </p:spPr>
+          <p:txBody>
+            <a:bodyPr wrap="square" rtlCol="0">
+              <a:spAutoFit/>
+            </a:bodyPr>
+            <a:lstStyle/>
+            <a:p>
+              <a:r>
+                <a:rPr lang="fr-FR" dirty="0"/>
+                <a:t>$</a:t>
+              </a:r>
+            </a:p>
+          </p:txBody>
+        </p:sp>
+        <p:sp>
+          <p:nvSpPr>
+            <p:cNvPr id="20" name="ZoneTexte 19">
+              <a:extLst>
+                <a:ext uri="{FF2B5EF4-FFF2-40B4-BE49-F238E27FC236}">
+                  <a16:creationId xmlns:a16="http://schemas.microsoft.com/office/drawing/2014/main" id="{CAA54842-11DD-F8B8-0F7B-2572714ED173}"/>
+                </a:ext>
+              </a:extLst>
+            </p:cNvPr>
+            <p:cNvSpPr txBox="1"/>
+            <p:nvPr/>
+          </p:nvSpPr>
+          <p:spPr>
+            <a:xfrm>
+              <a:off x="7539034" y="2157788"/>
+              <a:ext cx="2528883" cy="369332"/>
+            </a:xfrm>
+            <a:prstGeom prst="rect">
+              <a:avLst/>
+            </a:prstGeom>
+            <a:solidFill>
+              <a:schemeClr val="accent2">
+                <a:lumMod val="20000"/>
+                <a:lumOff val="80000"/>
+              </a:schemeClr>
+            </a:solidFill>
+            <a:ln w="25400">
+              <a:solidFill>
+                <a:schemeClr val="accent1"/>
+              </a:solidFill>
+            </a:ln>
+          </p:spPr>
+          <p:txBody>
+            <a:bodyPr wrap="square" rtlCol="0">
+              <a:spAutoFit/>
+            </a:bodyPr>
+            <a:lstStyle/>
+            <a:p>
+              <a:pPr algn="ctr"/>
+              <a:r>
+                <a:rPr lang="fr-FR" dirty="0" err="1"/>
+                <a:t>commands</a:t>
+              </a:r>
+              <a:endParaRPr lang="fr-FR" dirty="0"/>
+            </a:p>
+          </p:txBody>
+        </p:sp>
+        <p:cxnSp>
+          <p:nvCxnSpPr>
+            <p:cNvPr id="21" name="Connecteur en angle 20">
+              <a:extLst>
+                <a:ext uri="{FF2B5EF4-FFF2-40B4-BE49-F238E27FC236}">
+                  <a16:creationId xmlns:a16="http://schemas.microsoft.com/office/drawing/2014/main" id="{58940B44-5584-22DA-8AE6-B605DF075F77}"/>
+                </a:ext>
+              </a:extLst>
+            </p:cNvPr>
+            <p:cNvCxnSpPr>
+              <a:cxnSpLocks/>
+              <a:stCxn id="5" idx="2"/>
+              <a:endCxn id="20" idx="0"/>
+            </p:cNvCxnSpPr>
+            <p:nvPr/>
+          </p:nvCxnSpPr>
+          <p:spPr>
+            <a:xfrm rot="16200000" flipH="1">
+              <a:off x="5747344" y="-898345"/>
+              <a:ext cx="1183095" cy="4929170"/>
+            </a:xfrm>
+            <a:prstGeom prst="bentConnector3">
+              <a:avLst/>
+            </a:prstGeom>
+            <a:ln>
+              <a:tailEnd type="triangle"/>
+            </a:ln>
+          </p:spPr>
+          <p:style>
+            <a:lnRef idx="2">
+              <a:schemeClr val="accent1"/>
+            </a:lnRef>
+            <a:fillRef idx="0">
+              <a:schemeClr val="accent1"/>
+            </a:fillRef>
+            <a:effectRef idx="1">
+              <a:schemeClr val="accent1"/>
+            </a:effectRef>
+            <a:fontRef idx="minor">
+              <a:schemeClr val="tx1"/>
+            </a:fontRef>
+          </p:style>
+        </p:cxnSp>
+        <p:sp>
+          <p:nvSpPr>
+            <p:cNvPr id="22" name="ZoneTexte 21">
+              <a:extLst>
+                <a:ext uri="{FF2B5EF4-FFF2-40B4-BE49-F238E27FC236}">
+                  <a16:creationId xmlns:a16="http://schemas.microsoft.com/office/drawing/2014/main" id="{BB15AB41-A97F-4936-6B9C-53B7D8B536FD}"/>
+                </a:ext>
+              </a:extLst>
+            </p:cNvPr>
+            <p:cNvSpPr txBox="1"/>
+            <p:nvPr/>
+          </p:nvSpPr>
+          <p:spPr>
+            <a:xfrm>
+              <a:off x="7012783" y="3177185"/>
+              <a:ext cx="3581383" cy="646331"/>
+            </a:xfrm>
+            <a:prstGeom prst="rect">
+              <a:avLst/>
+            </a:prstGeom>
+            <a:solidFill>
+              <a:schemeClr val="accent3">
+                <a:lumMod val="20000"/>
+                <a:lumOff val="80000"/>
+              </a:schemeClr>
+            </a:solidFill>
+            <a:ln w="25400">
+              <a:solidFill>
+                <a:schemeClr val="accent1"/>
+              </a:solidFill>
+            </a:ln>
+          </p:spPr>
+          <p:txBody>
+            <a:bodyPr wrap="square" rtlCol="0">
+              <a:spAutoFit/>
+            </a:bodyPr>
+            <a:lstStyle/>
+            <a:p>
+              <a:pPr marL="285750" indent="-285750">
+                <a:buFont typeface="Arial" panose="020B0604020202020204" pitchFamily="34" charset="0"/>
+                <a:buChar char="•"/>
+              </a:pPr>
+              <a:r>
+                <a:rPr lang="fr-FR" dirty="0" err="1"/>
+                <a:t>NormalizeData.RNA</a:t>
+              </a:r>
+              <a:r>
+                <a:rPr lang="fr-FR" dirty="0"/>
+                <a:t>$ ……</a:t>
+              </a:r>
+            </a:p>
+            <a:p>
+              <a:pPr marL="285750" indent="-285750">
+                <a:buFont typeface="Arial" panose="020B0604020202020204" pitchFamily="34" charset="0"/>
+                <a:buChar char="•"/>
+              </a:pPr>
+              <a:r>
+                <a:rPr lang="fr-FR" dirty="0" err="1"/>
+                <a:t>FindVariableFeatures.RNA</a:t>
+              </a:r>
+              <a:r>
+                <a:rPr lang="fr-FR" dirty="0"/>
+                <a:t>$...</a:t>
+              </a:r>
+            </a:p>
+          </p:txBody>
+        </p:sp>
+        <p:cxnSp>
+          <p:nvCxnSpPr>
+            <p:cNvPr id="23" name="Connecteur droit avec flèche 22">
+              <a:extLst>
+                <a:ext uri="{FF2B5EF4-FFF2-40B4-BE49-F238E27FC236}">
+                  <a16:creationId xmlns:a16="http://schemas.microsoft.com/office/drawing/2014/main" id="{017D97F6-6719-2BEC-5FC1-F0793F142E1F}"/>
+                </a:ext>
+              </a:extLst>
+            </p:cNvPr>
+            <p:cNvCxnSpPr>
+              <a:cxnSpLocks/>
+              <a:stCxn id="20" idx="2"/>
+              <a:endCxn id="22" idx="0"/>
+            </p:cNvCxnSpPr>
+            <p:nvPr/>
+          </p:nvCxnSpPr>
+          <p:spPr>
+            <a:xfrm flipH="1">
+              <a:off x="8803475" y="2527120"/>
+              <a:ext cx="1" cy="650065"/>
+            </a:xfrm>
+            <a:prstGeom prst="straightConnector1">
+              <a:avLst/>
+            </a:prstGeom>
+            <a:ln>
+              <a:tailEnd type="triangle"/>
+            </a:ln>
+          </p:spPr>
+          <p:style>
+            <a:lnRef idx="2">
+              <a:schemeClr val="accent1"/>
+            </a:lnRef>
+            <a:fillRef idx="0">
+              <a:schemeClr val="accent1"/>
+            </a:fillRef>
+            <a:effectRef idx="1">
+              <a:schemeClr val="accent1"/>
+            </a:effectRef>
+            <a:fontRef idx="minor">
+              <a:schemeClr val="tx1"/>
+            </a:fontRef>
+          </p:style>
+        </p:cxnSp>
+        <p:sp>
+          <p:nvSpPr>
+            <p:cNvPr id="24" name="ZoneTexte 23">
+              <a:extLst>
+                <a:ext uri="{FF2B5EF4-FFF2-40B4-BE49-F238E27FC236}">
+                  <a16:creationId xmlns:a16="http://schemas.microsoft.com/office/drawing/2014/main" id="{A48C4945-061A-0453-0318-382EB9B5F359}"/>
+                </a:ext>
+              </a:extLst>
+            </p:cNvPr>
+            <p:cNvSpPr txBox="1"/>
+            <p:nvPr/>
+          </p:nvSpPr>
+          <p:spPr>
+            <a:xfrm>
+              <a:off x="8286777" y="2659933"/>
+              <a:ext cx="585787" cy="369332"/>
+            </a:xfrm>
+            <a:prstGeom prst="rect">
+              <a:avLst/>
+            </a:prstGeom>
+            <a:noFill/>
+          </p:spPr>
+          <p:txBody>
+            <a:bodyPr wrap="square" rtlCol="0">
+              <a:spAutoFit/>
+            </a:bodyPr>
+            <a:lstStyle/>
+            <a:p>
+              <a:r>
+                <a:rPr lang="fr-FR" dirty="0"/>
+                <a:t>$</a:t>
+              </a:r>
+            </a:p>
+          </p:txBody>
+        </p:sp>
+      </p:grpSp>
+    </p:spTree>
+    <p:extLst>
+      <p:ext uri="{BB962C8B-B14F-4D97-AF65-F5344CB8AC3E}">
+        <p14:creationId xmlns:p14="http://schemas.microsoft.com/office/powerpoint/2010/main" val="2788894130"/>
+      </p:ext>
+    </p:extLst>
+  </p:cSld>
+  <p:clrMapOvr>
+    <a:masterClrMapping/>
+  </p:clrMapOvr>
+</p:sld>
+</file>
+
+<file path=ppt/slides/slide6.xml><?xml version="1.0" encoding="utf-8"?>
+<p:sld xmlns:a="http://schemas.openxmlformats.org/drawingml/2006/main" xmlns:r="http://schemas.openxmlformats.org/officeDocument/2006/relationships" xmlns:p="http://schemas.openxmlformats.org/presentationml/2006/main">
+  <p:cSld>
+    <p:spTree>
+      <p:nvGrpSpPr>
+        <p:cNvPr id="1" name=""/>
+        <p:cNvGrpSpPr/>
+        <p:nvPr/>
+      </p:nvGrpSpPr>
+      <p:grpSpPr>
+        <a:xfrm>
+          <a:off x="0" y="0"/>
+          <a:ext cx="0" cy="0"/>
+          <a:chOff x="0" y="0"/>
+          <a:chExt cx="0" cy="0"/>
+        </a:xfrm>
+      </p:grpSpPr>
       <p:sp>
         <p:nvSpPr>
-          <p:cNvPr id="4" name="ZoneTexte 3">
+          <p:cNvPr id="5" name="ZoneTexte 4">
             <a:extLst>
               <a:ext uri="{FF2B5EF4-FFF2-40B4-BE49-F238E27FC236}">
-                <a16:creationId xmlns:a16="http://schemas.microsoft.com/office/drawing/2014/main" id="{F79BB919-D8BB-5EBE-DF86-0E563FE53660}"/>
+                <a16:creationId xmlns:a16="http://schemas.microsoft.com/office/drawing/2014/main" id="{6B48A999-834F-2480-B952-84DBFE0C8B38}"/>
               </a:ext>
             </a:extLst>
           </p:cNvPr>
@@ -3525,7 +7799,7 @@
         </p:nvSpPr>
         <p:spPr>
           <a:xfrm>
-            <a:off x="5357820" y="328612"/>
+            <a:off x="4338649" y="291036"/>
             <a:ext cx="1585913" cy="369332"/>
           </a:xfrm>
           <a:prstGeom prst="rect">
@@ -3559,10 +7833,10 @@
       </p:sp>
       <p:sp>
         <p:nvSpPr>
-          <p:cNvPr id="5" name="ZoneTexte 4">
+          <p:cNvPr id="6" name="ZoneTexte 5">
             <a:extLst>
               <a:ext uri="{FF2B5EF4-FFF2-40B4-BE49-F238E27FC236}">
-                <a16:creationId xmlns:a16="http://schemas.microsoft.com/office/drawing/2014/main" id="{828847D5-8679-F264-6600-54FDFE716614}"/>
+                <a16:creationId xmlns:a16="http://schemas.microsoft.com/office/drawing/2014/main" id="{6FD60896-9BD1-6693-6562-5269EDAC4D8B}"/>
               </a:ext>
             </a:extLst>
           </p:cNvPr>
@@ -3571,7 +7845,7 @@
         </p:nvSpPr>
         <p:spPr>
           <a:xfrm>
-            <a:off x="4643445" y="1885950"/>
+            <a:off x="3381383" y="1848374"/>
             <a:ext cx="1428750" cy="369332"/>
           </a:xfrm>
           <a:prstGeom prst="rect">
@@ -3598,7 +7872,7 @@
             <a:pPr algn="ctr"/>
             <a:r>
               <a:rPr lang="fr-FR" dirty="0" err="1"/>
-              <a:t>Assays</a:t>
+              <a:t>assays</a:t>
             </a:r>
             <a:endParaRPr lang="fr-FR" dirty="0"/>
           </a:p>
@@ -3606,10 +7880,10 @@
       </p:sp>
       <p:sp>
         <p:nvSpPr>
-          <p:cNvPr id="6" name="ZoneTexte 5">
+          <p:cNvPr id="7" name="ZoneTexte 6">
             <a:extLst>
               <a:ext uri="{FF2B5EF4-FFF2-40B4-BE49-F238E27FC236}">
-                <a16:creationId xmlns:a16="http://schemas.microsoft.com/office/drawing/2014/main" id="{70E38B2C-67BD-8E45-E46A-5F49125AD593}"/>
+                <a16:creationId xmlns:a16="http://schemas.microsoft.com/office/drawing/2014/main" id="{69A5FEC5-E44C-8EA3-5FEF-B26D4C722358}"/>
               </a:ext>
             </a:extLst>
           </p:cNvPr>
@@ -3618,7 +7892,7 @@
         </p:nvSpPr>
         <p:spPr>
           <a:xfrm>
-            <a:off x="6486527" y="1885950"/>
+            <a:off x="5224465" y="1848374"/>
             <a:ext cx="2528883" cy="646331"/>
           </a:xfrm>
           <a:prstGeom prst="rect">
@@ -3644,9 +7918,10 @@
           <a:p>
             <a:pPr algn="ctr"/>
             <a:r>
-              <a:rPr lang="fr-FR" dirty="0"/>
-              <a:t>Meta-data</a:t>
+              <a:rPr lang="fr-FR" dirty="0" err="1"/>
+              <a:t>meta.data</a:t>
             </a:r>
+            <a:endParaRPr lang="fr-FR" dirty="0"/>
           </a:p>
           <a:p>
             <a:pPr algn="ctr"/>
@@ -3662,20 +7937,20 @@
           <p:cNvPr id="8" name="Connecteur en angle 7">
             <a:extLst>
               <a:ext uri="{FF2B5EF4-FFF2-40B4-BE49-F238E27FC236}">
-                <a16:creationId xmlns:a16="http://schemas.microsoft.com/office/drawing/2014/main" id="{1AE62355-D603-81FD-5EBB-98C419A85A1D}"/>
+                <a16:creationId xmlns:a16="http://schemas.microsoft.com/office/drawing/2014/main" id="{5AB62D49-6253-C6A7-B42C-F971177C9521}"/>
               </a:ext>
             </a:extLst>
           </p:cNvPr>
           <p:cNvCxnSpPr>
-            <a:stCxn id="4" idx="2"/>
-            <a:endCxn id="5" idx="0"/>
+            <a:stCxn id="5" idx="2"/>
+            <a:endCxn id="6" idx="0"/>
           </p:cNvCxnSpPr>
           <p:nvPr/>
         </p:nvCxnSpPr>
         <p:spPr>
           <a:xfrm rot="5400000">
-            <a:off x="5160296" y="895469"/>
-            <a:ext cx="1188006" cy="792957"/>
+            <a:off x="4019679" y="736447"/>
+            <a:ext cx="1188006" cy="1035848"/>
           </a:xfrm>
           <a:prstGeom prst="bentConnector3">
             <a:avLst/>
@@ -3704,19 +7979,19 @@
           <p:cNvPr id="9" name="Connecteur en angle 8">
             <a:extLst>
               <a:ext uri="{FF2B5EF4-FFF2-40B4-BE49-F238E27FC236}">
-                <a16:creationId xmlns:a16="http://schemas.microsoft.com/office/drawing/2014/main" id="{6C7077E8-80F5-9692-BD5C-2B6EA29F0A5D}"/>
+                <a16:creationId xmlns:a16="http://schemas.microsoft.com/office/drawing/2014/main" id="{6A062B4B-E7A1-22A6-D726-E7D46AC3789F}"/>
               </a:ext>
             </a:extLst>
           </p:cNvPr>
           <p:cNvCxnSpPr>
             <a:cxnSpLocks/>
-            <a:endCxn id="6" idx="0"/>
+            <a:endCxn id="7" idx="0"/>
           </p:cNvCxnSpPr>
           <p:nvPr/>
         </p:nvCxnSpPr>
         <p:spPr>
           <a:xfrm>
-            <a:off x="6150776" y="1291947"/>
+            <a:off x="4888714" y="1254371"/>
             <a:ext cx="1600193" cy="594003"/>
           </a:xfrm>
           <a:prstGeom prst="bentConnector2">
@@ -3745,10 +8020,10 @@
         <mc:Choice xmlns:a14="http://schemas.microsoft.com/office/drawing/2010/main" Requires="a14">
           <p:sp>
             <p:nvSpPr>
-              <p:cNvPr id="17" name="ZoneTexte 16">
+              <p:cNvPr id="10" name="ZoneTexte 9">
                 <a:extLst>
                   <a:ext uri="{FF2B5EF4-FFF2-40B4-BE49-F238E27FC236}">
-                    <a16:creationId xmlns:a16="http://schemas.microsoft.com/office/drawing/2014/main" id="{FB230332-F7EC-63B9-1D2C-83524810FC70}"/>
+                    <a16:creationId xmlns:a16="http://schemas.microsoft.com/office/drawing/2014/main" id="{EC9B55ED-0475-0801-8559-F35300CD3CDD}"/>
                   </a:ext>
                 </a:extLst>
               </p:cNvPr>
@@ -3757,7 +8032,7 @@
             </p:nvSpPr>
             <p:spPr>
               <a:xfrm>
-                <a:off x="5357820" y="823495"/>
+                <a:off x="4752989" y="772640"/>
                 <a:ext cx="1243017" cy="369332"/>
               </a:xfrm>
               <a:prstGeom prst="rect">
@@ -3794,10 +8069,10 @@
         <mc:Fallback>
           <p:sp>
             <p:nvSpPr>
-              <p:cNvPr id="17" name="ZoneTexte 16">
+              <p:cNvPr id="10" name="ZoneTexte 9">
                 <a:extLst>
                   <a:ext uri="{FF2B5EF4-FFF2-40B4-BE49-F238E27FC236}">
-                    <a16:creationId xmlns:a16="http://schemas.microsoft.com/office/drawing/2014/main" id="{FB230332-F7EC-63B9-1D2C-83524810FC70}"/>
+                    <a16:creationId xmlns:a16="http://schemas.microsoft.com/office/drawing/2014/main" id="{EC9B55ED-0475-0801-8559-F35300CD3CDD}"/>
                   </a:ext>
                 </a:extLst>
               </p:cNvPr>
@@ -3808,7 +8083,7 @@
             </p:nvSpPr>
             <p:spPr>
               <a:xfrm>
-                <a:off x="5357820" y="823495"/>
+                <a:off x="4752989" y="772640"/>
                 <a:ext cx="1243017" cy="369332"/>
               </a:xfrm>
               <a:prstGeom prst="rect">
@@ -3838,10 +8113,10 @@
       </mc:AlternateContent>
       <p:sp>
         <p:nvSpPr>
-          <p:cNvPr id="18" name="ZoneTexte 17">
+          <p:cNvPr id="11" name="ZoneTexte 10">
             <a:extLst>
               <a:ext uri="{FF2B5EF4-FFF2-40B4-BE49-F238E27FC236}">
-                <a16:creationId xmlns:a16="http://schemas.microsoft.com/office/drawing/2014/main" id="{8FF776CF-8F67-2AC1-5902-333B5F1EE09C}"/>
+                <a16:creationId xmlns:a16="http://schemas.microsoft.com/office/drawing/2014/main" id="{1E2125CE-79C6-C873-A75D-7CFF0B3AA33F}"/>
               </a:ext>
             </a:extLst>
           </p:cNvPr>
@@ -3850,7 +8125,7 @@
         </p:nvSpPr>
         <p:spPr>
           <a:xfrm>
-            <a:off x="4643445" y="2799463"/>
+            <a:off x="3381383" y="2761887"/>
             <a:ext cx="1428750" cy="369332"/>
           </a:xfrm>
           <a:prstGeom prst="rect">
@@ -3884,22 +8159,22 @@
       </p:sp>
       <p:cxnSp>
         <p:nvCxnSpPr>
-          <p:cNvPr id="20" name="Connecteur droit avec flèche 19">
+          <p:cNvPr id="12" name="Connecteur droit avec flèche 11">
             <a:extLst>
               <a:ext uri="{FF2B5EF4-FFF2-40B4-BE49-F238E27FC236}">
-                <a16:creationId xmlns:a16="http://schemas.microsoft.com/office/drawing/2014/main" id="{83C2D158-51D3-6DC1-1600-5730D02D3328}"/>
+                <a16:creationId xmlns:a16="http://schemas.microsoft.com/office/drawing/2014/main" id="{BC55CFA3-D562-FFA9-F324-E82190FC749C}"/>
               </a:ext>
             </a:extLst>
           </p:cNvPr>
           <p:cNvCxnSpPr>
-            <a:stCxn id="5" idx="2"/>
-            <a:endCxn id="18" idx="0"/>
+            <a:stCxn id="6" idx="2"/>
+            <a:endCxn id="11" idx="0"/>
           </p:cNvCxnSpPr>
           <p:nvPr/>
         </p:nvCxnSpPr>
         <p:spPr>
           <a:xfrm>
-            <a:off x="5357820" y="2255282"/>
+            <a:off x="4095758" y="2217706"/>
             <a:ext cx="0" cy="544181"/>
           </a:xfrm>
           <a:prstGeom prst="straightConnector1">
@@ -3926,10 +8201,10 @@
       </p:cxnSp>
       <p:sp>
         <p:nvSpPr>
-          <p:cNvPr id="21" name="ZoneTexte 20">
+          <p:cNvPr id="13" name="ZoneTexte 12">
             <a:extLst>
               <a:ext uri="{FF2B5EF4-FFF2-40B4-BE49-F238E27FC236}">
-                <a16:creationId xmlns:a16="http://schemas.microsoft.com/office/drawing/2014/main" id="{F2822A44-C8B0-22C7-18ED-CF2B777D87DB}"/>
+                <a16:creationId xmlns:a16="http://schemas.microsoft.com/office/drawing/2014/main" id="{4522749C-B869-97C0-4184-8179F3ECE275}"/>
               </a:ext>
             </a:extLst>
           </p:cNvPr>
@@ -3938,7 +8213,7 @@
         </p:nvSpPr>
         <p:spPr>
           <a:xfrm>
-            <a:off x="4972058" y="2349850"/>
+            <a:off x="3709996" y="2312274"/>
             <a:ext cx="585787" cy="369332"/>
           </a:xfrm>
           <a:prstGeom prst="rect">
@@ -3961,10 +8236,10 @@
       </p:sp>
       <p:sp>
         <p:nvSpPr>
-          <p:cNvPr id="22" name="ZoneTexte 21">
+          <p:cNvPr id="14" name="ZoneTexte 13">
             <a:extLst>
               <a:ext uri="{FF2B5EF4-FFF2-40B4-BE49-F238E27FC236}">
-                <a16:creationId xmlns:a16="http://schemas.microsoft.com/office/drawing/2014/main" id="{F4A9B489-95A0-53BD-E517-1D3720323004}"/>
+                <a16:creationId xmlns:a16="http://schemas.microsoft.com/office/drawing/2014/main" id="{9288674F-1C04-4C61-0486-47B50C016C3B}"/>
               </a:ext>
             </a:extLst>
           </p:cNvPr>
@@ -3973,8 +8248,8 @@
         </p:nvSpPr>
         <p:spPr>
           <a:xfrm>
-            <a:off x="3214695" y="4415153"/>
-            <a:ext cx="4286250" cy="646331"/>
+            <a:off x="1607355" y="4737985"/>
+            <a:ext cx="4976805" cy="1754326"/>
           </a:xfrm>
           <a:prstGeom prst="rect">
             <a:avLst/>
@@ -4013,28 +8288,77 @@
               <a:t>(matrice des comptages bruts G x C)</a:t>
             </a:r>
           </a:p>
+          <a:p>
+            <a:pPr marL="285750" indent="-285750">
+              <a:buFont typeface="Arial" panose="020B0604020202020204" pitchFamily="34" charset="0"/>
+              <a:buChar char="•"/>
+            </a:pPr>
+            <a:r>
+              <a:rPr lang="fr-FR" dirty="0"/>
+              <a:t>data</a:t>
+            </a:r>
+          </a:p>
+          <a:p>
+            <a:r>
+              <a:rPr lang="fr-FR" dirty="0"/>
+              <a:t>(matrice des comptages normalisés </a:t>
+            </a:r>
+            <a:r>
+              <a:rPr lang="fr-FR" dirty="0" err="1"/>
+              <a:t>GxC</a:t>
+            </a:r>
+            <a:r>
+              <a:rPr lang="fr-FR" dirty="0"/>
+              <a:t>)</a:t>
+            </a:r>
+          </a:p>
+          <a:p>
+            <a:pPr marL="285750" indent="-285750">
+              <a:buFont typeface="Arial" panose="020B0604020202020204" pitchFamily="34" charset="0"/>
+              <a:buChar char="•"/>
+            </a:pPr>
+            <a:r>
+              <a:rPr lang="fr-FR" dirty="0" err="1"/>
+              <a:t>scale.data</a:t>
+            </a:r>
+            <a:endParaRPr lang="fr-FR" dirty="0"/>
+          </a:p>
+          <a:p>
+            <a:r>
+              <a:rPr lang="fr-FR" dirty="0"/>
+              <a:t>(matrice des données centrées-réduites </a:t>
+            </a:r>
+            <a:r>
+              <a:rPr lang="fr-FR" dirty="0" err="1"/>
+              <a:t>JxC</a:t>
+            </a:r>
+            <a:r>
+              <a:rPr lang="fr-FR" dirty="0"/>
+              <a:t>)</a:t>
+            </a:r>
+          </a:p>
         </p:txBody>
       </p:sp>
       <p:cxnSp>
         <p:nvCxnSpPr>
-          <p:cNvPr id="24" name="Connecteur droit avec flèche 23">
+          <p:cNvPr id="15" name="Connecteur droit avec flèche 14">
             <a:extLst>
               <a:ext uri="{FF2B5EF4-FFF2-40B4-BE49-F238E27FC236}">
-                <a16:creationId xmlns:a16="http://schemas.microsoft.com/office/drawing/2014/main" id="{41BD1867-4FBA-279E-AC01-F5866B7261BE}"/>
+                <a16:creationId xmlns:a16="http://schemas.microsoft.com/office/drawing/2014/main" id="{ACEFA829-2C8A-EF66-8777-1FBDAD017C3D}"/>
               </a:ext>
             </a:extLst>
           </p:cNvPr>
           <p:cNvCxnSpPr>
             <a:cxnSpLocks/>
-            <a:stCxn id="18" idx="2"/>
-            <a:endCxn id="22" idx="0"/>
+            <a:stCxn id="11" idx="2"/>
+            <a:endCxn id="14" idx="0"/>
           </p:cNvCxnSpPr>
           <p:nvPr/>
         </p:nvCxnSpPr>
         <p:spPr>
           <a:xfrm>
-            <a:off x="5357820" y="3168795"/>
-            <a:ext cx="0" cy="1246358"/>
+            <a:off x="4095758" y="3131219"/>
+            <a:ext cx="0" cy="1606766"/>
           </a:xfrm>
           <a:prstGeom prst="straightConnector1">
             <a:avLst/>
@@ -4060,10 +8384,10 @@
       </p:cxnSp>
       <p:sp>
         <p:nvSpPr>
-          <p:cNvPr id="25" name="ZoneTexte 24">
+          <p:cNvPr id="16" name="ZoneTexte 15">
             <a:extLst>
               <a:ext uri="{FF2B5EF4-FFF2-40B4-BE49-F238E27FC236}">
-                <a16:creationId xmlns:a16="http://schemas.microsoft.com/office/drawing/2014/main" id="{6884C62C-ECF4-FC5E-DA77-1E1E94208615}"/>
+                <a16:creationId xmlns:a16="http://schemas.microsoft.com/office/drawing/2014/main" id="{09F0133C-7928-4D63-5138-FFB9C4DBC344}"/>
               </a:ext>
             </a:extLst>
           </p:cNvPr>
@@ -4072,7 +8396,7 @@
         </p:nvSpPr>
         <p:spPr>
           <a:xfrm>
-            <a:off x="4981578" y="3602391"/>
+            <a:off x="3719516" y="3779126"/>
             <a:ext cx="585787" cy="369332"/>
           </a:xfrm>
           <a:prstGeom prst="rect">
@@ -4095,10 +8419,10 @@
       </p:sp>
       <p:sp>
         <p:nvSpPr>
-          <p:cNvPr id="26" name="ZoneTexte 25">
+          <p:cNvPr id="17" name="ZoneTexte 16">
             <a:extLst>
               <a:ext uri="{FF2B5EF4-FFF2-40B4-BE49-F238E27FC236}">
-                <a16:creationId xmlns:a16="http://schemas.microsoft.com/office/drawing/2014/main" id="{ECEDB93D-59D6-79CA-BE73-069B296B9DD0}"/>
+                <a16:creationId xmlns:a16="http://schemas.microsoft.com/office/drawing/2014/main" id="{86BD6B84-0231-8462-0667-241939B1C4E1}"/>
               </a:ext>
             </a:extLst>
           </p:cNvPr>
@@ -4107,8 +8431,8 @@
         </p:nvSpPr>
         <p:spPr>
           <a:xfrm>
-            <a:off x="6665124" y="3173635"/>
-            <a:ext cx="2171701" cy="923330"/>
+            <a:off x="5260179" y="3153382"/>
+            <a:ext cx="2443157" cy="1477328"/>
           </a:xfrm>
           <a:prstGeom prst="rect">
             <a:avLst/>
@@ -4137,7 +8461,7 @@
             </a:pPr>
             <a:r>
               <a:rPr lang="fr-FR" dirty="0" err="1"/>
-              <a:t>Orig.ident</a:t>
+              <a:t>orig.ident</a:t>
             </a:r>
             <a:endParaRPr lang="fr-FR" dirty="0"/>
           </a:p>
@@ -4159,7 +8483,28 @@
             </a:pPr>
             <a:r>
               <a:rPr lang="fr-FR" dirty="0" err="1"/>
-              <a:t>nFeatiures_RNA</a:t>
+              <a:t>nFeatures_RNA</a:t>
+            </a:r>
+            <a:endParaRPr lang="fr-FR" dirty="0"/>
+          </a:p>
+          <a:p>
+            <a:pPr marL="285750" indent="-285750">
+              <a:buFont typeface="Arial" panose="020B0604020202020204" pitchFamily="34" charset="0"/>
+              <a:buChar char="•"/>
+            </a:pPr>
+            <a:r>
+              <a:rPr lang="fr-FR" dirty="0"/>
+              <a:t>log10GenesPerUMI</a:t>
+            </a:r>
+          </a:p>
+          <a:p>
+            <a:pPr marL="285750" indent="-285750">
+              <a:buFont typeface="Arial" panose="020B0604020202020204" pitchFamily="34" charset="0"/>
+              <a:buChar char="•"/>
+            </a:pPr>
+            <a:r>
+              <a:rPr lang="fr-FR" dirty="0" err="1"/>
+              <a:t>percent.mt</a:t>
             </a:r>
             <a:endParaRPr lang="fr-FR" dirty="0"/>
           </a:p>
@@ -4167,23 +8512,24 @@
       </p:sp>
       <p:cxnSp>
         <p:nvCxnSpPr>
-          <p:cNvPr id="30" name="Connecteur droit avec flèche 29">
+          <p:cNvPr id="18" name="Connecteur droit avec flèche 17">
             <a:extLst>
               <a:ext uri="{FF2B5EF4-FFF2-40B4-BE49-F238E27FC236}">
-                <a16:creationId xmlns:a16="http://schemas.microsoft.com/office/drawing/2014/main" id="{C116F2C1-B038-3B68-F25E-78C9A87DC35C}"/>
+                <a16:creationId xmlns:a16="http://schemas.microsoft.com/office/drawing/2014/main" id="{E2DA0992-6D21-C8CB-A39C-1C0EB4B888AF}"/>
               </a:ext>
             </a:extLst>
           </p:cNvPr>
           <p:cNvCxnSpPr>
-            <a:stCxn id="6" idx="2"/>
-            <a:endCxn id="26" idx="0"/>
+            <a:cxnSpLocks/>
+            <a:stCxn id="7" idx="2"/>
+            <a:endCxn id="17" idx="0"/>
           </p:cNvCxnSpPr>
           <p:nvPr/>
         </p:nvCxnSpPr>
         <p:spPr>
-          <a:xfrm>
-            <a:off x="7750969" y="2532281"/>
-            <a:ext cx="6" cy="641354"/>
+          <a:xfrm flipH="1">
+            <a:off x="6481758" y="2494705"/>
+            <a:ext cx="7149" cy="658677"/>
           </a:xfrm>
           <a:prstGeom prst="straightConnector1">
             <a:avLst/>
@@ -4209,10 +8555,10 @@
       </p:cxnSp>
       <p:sp>
         <p:nvSpPr>
-          <p:cNvPr id="31" name="ZoneTexte 30">
+          <p:cNvPr id="19" name="ZoneTexte 18">
             <a:extLst>
               <a:ext uri="{FF2B5EF4-FFF2-40B4-BE49-F238E27FC236}">
-                <a16:creationId xmlns:a16="http://schemas.microsoft.com/office/drawing/2014/main" id="{B35F34D9-752D-7BD7-90E0-B60B1B7CA0D2}"/>
+                <a16:creationId xmlns:a16="http://schemas.microsoft.com/office/drawing/2014/main" id="{995969A9-8946-CA34-06B7-4F92B1649D10}"/>
               </a:ext>
             </a:extLst>
           </p:cNvPr>
@@ -4221,7 +8567,7 @@
         </p:nvSpPr>
         <p:spPr>
           <a:xfrm>
-            <a:off x="7353316" y="2673706"/>
+            <a:off x="6091254" y="2636130"/>
             <a:ext cx="585787" cy="369332"/>
           </a:xfrm>
           <a:prstGeom prst="rect">
@@ -4242,10 +8588,245 @@
           </a:p>
         </p:txBody>
       </p:sp>
+      <p:sp>
+        <p:nvSpPr>
+          <p:cNvPr id="20" name="ZoneTexte 19">
+            <a:extLst>
+              <a:ext uri="{FF2B5EF4-FFF2-40B4-BE49-F238E27FC236}">
+                <a16:creationId xmlns:a16="http://schemas.microsoft.com/office/drawing/2014/main" id="{CEDE2D00-DF32-23A5-D037-58FAAC65263C}"/>
+              </a:ext>
+            </a:extLst>
+          </p:cNvPr>
+          <p:cNvSpPr txBox="1"/>
+          <p:nvPr/>
+        </p:nvSpPr>
+        <p:spPr>
+          <a:xfrm>
+            <a:off x="8796334" y="1843463"/>
+            <a:ext cx="2528883" cy="369332"/>
+          </a:xfrm>
+          <a:prstGeom prst="rect">
+            <a:avLst/>
+          </a:prstGeom>
+          <a:solidFill>
+            <a:schemeClr val="accent2">
+              <a:lumMod val="20000"/>
+              <a:lumOff val="80000"/>
+            </a:schemeClr>
+          </a:solidFill>
+          <a:ln w="25400">
+            <a:solidFill>
+              <a:schemeClr val="accent1"/>
+            </a:solidFill>
+          </a:ln>
+        </p:spPr>
+        <p:txBody>
+          <a:bodyPr wrap="square" rtlCol="0">
+            <a:spAutoFit/>
+          </a:bodyPr>
+          <a:lstStyle/>
+          <a:p>
+            <a:pPr algn="ctr"/>
+            <a:r>
+              <a:rPr lang="fr-FR" dirty="0" err="1"/>
+              <a:t>commands</a:t>
+            </a:r>
+            <a:endParaRPr lang="fr-FR" dirty="0"/>
+          </a:p>
+        </p:txBody>
+      </p:sp>
+      <p:cxnSp>
+        <p:nvCxnSpPr>
+          <p:cNvPr id="21" name="Connecteur en angle 20">
+            <a:extLst>
+              <a:ext uri="{FF2B5EF4-FFF2-40B4-BE49-F238E27FC236}">
+                <a16:creationId xmlns:a16="http://schemas.microsoft.com/office/drawing/2014/main" id="{94B1A517-6CBB-AC1B-4C7F-CD63D5BA3F0E}"/>
+              </a:ext>
+            </a:extLst>
+          </p:cNvPr>
+          <p:cNvCxnSpPr>
+            <a:cxnSpLocks/>
+            <a:stCxn id="5" idx="2"/>
+            <a:endCxn id="20" idx="0"/>
+          </p:cNvCxnSpPr>
+          <p:nvPr/>
+        </p:nvCxnSpPr>
+        <p:spPr>
+          <a:xfrm rot="16200000" flipH="1">
+            <a:off x="7004644" y="-1212670"/>
+            <a:ext cx="1183095" cy="4929170"/>
+          </a:xfrm>
+          <a:prstGeom prst="bentConnector3">
+            <a:avLst/>
+          </a:prstGeom>
+          <a:ln>
+            <a:tailEnd type="triangle"/>
+          </a:ln>
+        </p:spPr>
+        <p:style>
+          <a:lnRef idx="2">
+            <a:schemeClr val="accent1"/>
+          </a:lnRef>
+          <a:fillRef idx="0">
+            <a:schemeClr val="accent1"/>
+          </a:fillRef>
+          <a:effectRef idx="1">
+            <a:schemeClr val="accent1"/>
+          </a:effectRef>
+          <a:fontRef idx="minor">
+            <a:schemeClr val="tx1"/>
+          </a:fontRef>
+        </p:style>
+      </p:cxnSp>
+      <p:sp>
+        <p:nvSpPr>
+          <p:cNvPr id="22" name="ZoneTexte 21">
+            <a:extLst>
+              <a:ext uri="{FF2B5EF4-FFF2-40B4-BE49-F238E27FC236}">
+                <a16:creationId xmlns:a16="http://schemas.microsoft.com/office/drawing/2014/main" id="{4923F9E4-7D6E-CDB9-F767-C3C67511F979}"/>
+              </a:ext>
+            </a:extLst>
+          </p:cNvPr>
+          <p:cNvSpPr txBox="1"/>
+          <p:nvPr/>
+        </p:nvSpPr>
+        <p:spPr>
+          <a:xfrm>
+            <a:off x="8270083" y="2862860"/>
+            <a:ext cx="3581383" cy="646331"/>
+          </a:xfrm>
+          <a:prstGeom prst="rect">
+            <a:avLst/>
+          </a:prstGeom>
+          <a:solidFill>
+            <a:schemeClr val="accent3">
+              <a:lumMod val="20000"/>
+              <a:lumOff val="80000"/>
+            </a:schemeClr>
+          </a:solidFill>
+          <a:ln w="25400">
+            <a:solidFill>
+              <a:schemeClr val="accent1"/>
+            </a:solidFill>
+          </a:ln>
+        </p:spPr>
+        <p:txBody>
+          <a:bodyPr wrap="square" rtlCol="0">
+            <a:spAutoFit/>
+          </a:bodyPr>
+          <a:lstStyle/>
+          <a:p>
+            <a:pPr marL="285750" indent="-285750">
+              <a:buFont typeface="Arial" panose="020B0604020202020204" pitchFamily="34" charset="0"/>
+              <a:buChar char="•"/>
+            </a:pPr>
+            <a:r>
+              <a:rPr lang="fr-FR" dirty="0" err="1"/>
+              <a:t>NormalizeData.RNA</a:t>
+            </a:r>
+            <a:r>
+              <a:rPr lang="fr-FR" dirty="0"/>
+              <a:t>$ ……</a:t>
+            </a:r>
+          </a:p>
+          <a:p>
+            <a:pPr marL="285750" indent="-285750">
+              <a:buFont typeface="Arial" panose="020B0604020202020204" pitchFamily="34" charset="0"/>
+              <a:buChar char="•"/>
+            </a:pPr>
+            <a:r>
+              <a:rPr lang="fr-FR" dirty="0" err="1"/>
+              <a:t>FindVariableFeatures.RNA</a:t>
+            </a:r>
+            <a:r>
+              <a:rPr lang="fr-FR" dirty="0"/>
+              <a:t>$...</a:t>
+            </a:r>
+          </a:p>
+        </p:txBody>
+      </p:sp>
+      <p:cxnSp>
+        <p:nvCxnSpPr>
+          <p:cNvPr id="23" name="Connecteur droit avec flèche 22">
+            <a:extLst>
+              <a:ext uri="{FF2B5EF4-FFF2-40B4-BE49-F238E27FC236}">
+                <a16:creationId xmlns:a16="http://schemas.microsoft.com/office/drawing/2014/main" id="{1BDF930D-63D6-07D0-EEEA-10F56465F57C}"/>
+              </a:ext>
+            </a:extLst>
+          </p:cNvPr>
+          <p:cNvCxnSpPr>
+            <a:cxnSpLocks/>
+            <a:stCxn id="20" idx="2"/>
+            <a:endCxn id="22" idx="0"/>
+          </p:cNvCxnSpPr>
+          <p:nvPr/>
+        </p:nvCxnSpPr>
+        <p:spPr>
+          <a:xfrm flipH="1">
+            <a:off x="10060775" y="2212795"/>
+            <a:ext cx="1" cy="650065"/>
+          </a:xfrm>
+          <a:prstGeom prst="straightConnector1">
+            <a:avLst/>
+          </a:prstGeom>
+          <a:ln>
+            <a:tailEnd type="triangle"/>
+          </a:ln>
+        </p:spPr>
+        <p:style>
+          <a:lnRef idx="2">
+            <a:schemeClr val="accent1"/>
+          </a:lnRef>
+          <a:fillRef idx="0">
+            <a:schemeClr val="accent1"/>
+          </a:fillRef>
+          <a:effectRef idx="1">
+            <a:schemeClr val="accent1"/>
+          </a:effectRef>
+          <a:fontRef idx="minor">
+            <a:schemeClr val="tx1"/>
+          </a:fontRef>
+        </p:style>
+      </p:cxnSp>
+      <p:sp>
+        <p:nvSpPr>
+          <p:cNvPr id="24" name="ZoneTexte 23">
+            <a:extLst>
+              <a:ext uri="{FF2B5EF4-FFF2-40B4-BE49-F238E27FC236}">
+                <a16:creationId xmlns:a16="http://schemas.microsoft.com/office/drawing/2014/main" id="{62B74C2B-5610-5851-C592-0193CB1228D8}"/>
+              </a:ext>
+            </a:extLst>
+          </p:cNvPr>
+          <p:cNvSpPr txBox="1"/>
+          <p:nvPr/>
+        </p:nvSpPr>
+        <p:spPr>
+          <a:xfrm>
+            <a:off x="9544077" y="2345608"/>
+            <a:ext cx="585787" cy="369332"/>
+          </a:xfrm>
+          <a:prstGeom prst="rect">
+            <a:avLst/>
+          </a:prstGeom>
+          <a:noFill/>
+        </p:spPr>
+        <p:txBody>
+          <a:bodyPr wrap="square" rtlCol="0">
+            <a:spAutoFit/>
+          </a:bodyPr>
+          <a:lstStyle/>
+          <a:p>
+            <a:r>
+              <a:rPr lang="fr-FR" dirty="0"/>
+              <a:t>$</a:t>
+            </a:r>
+          </a:p>
+        </p:txBody>
+      </p:sp>
     </p:spTree>
     <p:extLst>
       <p:ext uri="{BB962C8B-B14F-4D97-AF65-F5344CB8AC3E}">
-        <p14:creationId xmlns:p14="http://schemas.microsoft.com/office/powerpoint/2010/main" val="13586911"/>
+        <p14:creationId xmlns:p14="http://schemas.microsoft.com/office/powerpoint/2010/main" val="55505770"/>
       </p:ext>
     </p:extLst>
   </p:cSld>

--- a/Cours/images/Sources_schemes.pptx
+++ b/Cours/images/Sources_schemes.pptx
@@ -11,6 +11,9 @@
     <p:sldId id="259" r:id="rId5"/>
     <p:sldId id="260" r:id="rId6"/>
     <p:sldId id="261" r:id="rId7"/>
+    <p:sldId id="262" r:id="rId8"/>
+    <p:sldId id="263" r:id="rId9"/>
+    <p:sldId id="264" r:id="rId10"/>
   </p:sldIdLst>
   <p:sldSz cx="12192000" cy="6858000"/>
   <p:notesSz cx="6858000" cy="9144000"/>
@@ -6191,7 +6194,7 @@
                     <a:srgbClr val="FF0000"/>
                   </a:solidFill>
                 </a:rPr>
-                <a:t>(matrices des comptages normalisés </a:t>
+                <a:t>(matrice des comptages normalisés </a:t>
               </a:r>
               <a:r>
                 <a:rPr lang="fr-FR" dirty="0" err="1">
@@ -7257,7 +7260,7 @@
             <a:p>
               <a:r>
                 <a:rPr lang="fr-FR" dirty="0"/>
-                <a:t>(matrices des comptages normalisés </a:t>
+                <a:t>(matrice des comptages normalisés </a:t>
               </a:r>
               <a:r>
                 <a:rPr lang="fr-FR" dirty="0" err="1"/>
@@ -7785,1048 +7788,5518 @@
           <a:chExt cx="0" cy="0"/>
         </a:xfrm>
       </p:grpSpPr>
-      <p:sp>
-        <p:nvSpPr>
-          <p:cNvPr id="5" name="ZoneTexte 4">
+      <p:grpSp>
+        <p:nvGrpSpPr>
+          <p:cNvPr id="25" name="Groupe 24">
             <a:extLst>
               <a:ext uri="{FF2B5EF4-FFF2-40B4-BE49-F238E27FC236}">
-                <a16:creationId xmlns:a16="http://schemas.microsoft.com/office/drawing/2014/main" id="{6B48A999-834F-2480-B952-84DBFE0C8B38}"/>
+                <a16:creationId xmlns:a16="http://schemas.microsoft.com/office/drawing/2014/main" id="{776432B8-139B-587F-6775-BB63BA0D41BE}"/>
               </a:ext>
             </a:extLst>
           </p:cNvPr>
-          <p:cNvSpPr txBox="1"/>
+          <p:cNvGrpSpPr/>
           <p:nvPr/>
-        </p:nvSpPr>
-        <p:spPr>
+        </p:nvGrpSpPr>
+        <p:grpSpPr>
           <a:xfrm>
-            <a:off x="4338649" y="291036"/>
-            <a:ext cx="1585913" cy="369332"/>
+            <a:off x="1607355" y="291036"/>
+            <a:ext cx="10244111" cy="6201275"/>
+            <a:chOff x="1607355" y="291036"/>
+            <a:chExt cx="10244111" cy="6201275"/>
           </a:xfrm>
-          <a:prstGeom prst="rect">
-            <a:avLst/>
-          </a:prstGeom>
-          <a:solidFill>
-            <a:schemeClr val="tx2">
-              <a:lumMod val="10000"/>
-              <a:lumOff val="90000"/>
-            </a:schemeClr>
-          </a:solidFill>
-          <a:ln w="25400">
+        </p:grpSpPr>
+        <p:sp>
+          <p:nvSpPr>
+            <p:cNvPr id="5" name="ZoneTexte 4">
+              <a:extLst>
+                <a:ext uri="{FF2B5EF4-FFF2-40B4-BE49-F238E27FC236}">
+                  <a16:creationId xmlns:a16="http://schemas.microsoft.com/office/drawing/2014/main" id="{6B48A999-834F-2480-B952-84DBFE0C8B38}"/>
+                </a:ext>
+              </a:extLst>
+            </p:cNvPr>
+            <p:cNvSpPr txBox="1"/>
+            <p:nvPr/>
+          </p:nvSpPr>
+          <p:spPr>
+            <a:xfrm>
+              <a:off x="4338649" y="291036"/>
+              <a:ext cx="1585913" cy="369332"/>
+            </a:xfrm>
+            <a:prstGeom prst="rect">
+              <a:avLst/>
+            </a:prstGeom>
             <a:solidFill>
-              <a:schemeClr val="accent1"/>
+              <a:schemeClr val="tx2">
+                <a:lumMod val="10000"/>
+                <a:lumOff val="90000"/>
+              </a:schemeClr>
             </a:solidFill>
-          </a:ln>
-        </p:spPr>
-        <p:txBody>
-          <a:bodyPr wrap="square" rtlCol="0">
-            <a:spAutoFit/>
-          </a:bodyPr>
-          <a:lstStyle/>
-          <a:p>
-            <a:pPr algn="ctr"/>
-            <a:r>
-              <a:rPr lang="fr-FR" dirty="0"/>
-              <a:t>Seurat Object</a:t>
-            </a:r>
-          </a:p>
-        </p:txBody>
-      </p:sp>
-      <p:sp>
-        <p:nvSpPr>
-          <p:cNvPr id="6" name="ZoneTexte 5">
-            <a:extLst>
-              <a:ext uri="{FF2B5EF4-FFF2-40B4-BE49-F238E27FC236}">
-                <a16:creationId xmlns:a16="http://schemas.microsoft.com/office/drawing/2014/main" id="{6FD60896-9BD1-6693-6562-5269EDAC4D8B}"/>
-              </a:ext>
-            </a:extLst>
-          </p:cNvPr>
-          <p:cNvSpPr txBox="1"/>
-          <p:nvPr/>
-        </p:nvSpPr>
-        <p:spPr>
-          <a:xfrm>
-            <a:off x="3381383" y="1848374"/>
-            <a:ext cx="1428750" cy="369332"/>
-          </a:xfrm>
-          <a:prstGeom prst="rect">
-            <a:avLst/>
-          </a:prstGeom>
-          <a:solidFill>
-            <a:schemeClr val="accent2">
-              <a:lumMod val="20000"/>
-              <a:lumOff val="80000"/>
-            </a:schemeClr>
-          </a:solidFill>
-          <a:ln w="25400">
+            <a:ln w="25400">
+              <a:solidFill>
+                <a:schemeClr val="accent1"/>
+              </a:solidFill>
+            </a:ln>
+          </p:spPr>
+          <p:txBody>
+            <a:bodyPr wrap="square" rtlCol="0">
+              <a:spAutoFit/>
+            </a:bodyPr>
+            <a:lstStyle/>
+            <a:p>
+              <a:pPr algn="ctr"/>
+              <a:r>
+                <a:rPr lang="fr-FR" dirty="0"/>
+                <a:t>Seurat Object</a:t>
+              </a:r>
+            </a:p>
+          </p:txBody>
+        </p:sp>
+        <p:sp>
+          <p:nvSpPr>
+            <p:cNvPr id="6" name="ZoneTexte 5">
+              <a:extLst>
+                <a:ext uri="{FF2B5EF4-FFF2-40B4-BE49-F238E27FC236}">
+                  <a16:creationId xmlns:a16="http://schemas.microsoft.com/office/drawing/2014/main" id="{6FD60896-9BD1-6693-6562-5269EDAC4D8B}"/>
+                </a:ext>
+              </a:extLst>
+            </p:cNvPr>
+            <p:cNvSpPr txBox="1"/>
+            <p:nvPr/>
+          </p:nvSpPr>
+          <p:spPr>
+            <a:xfrm>
+              <a:off x="3381383" y="1848374"/>
+              <a:ext cx="1428750" cy="369332"/>
+            </a:xfrm>
+            <a:prstGeom prst="rect">
+              <a:avLst/>
+            </a:prstGeom>
             <a:solidFill>
-              <a:schemeClr val="accent1"/>
+              <a:schemeClr val="accent2">
+                <a:lumMod val="20000"/>
+                <a:lumOff val="80000"/>
+              </a:schemeClr>
             </a:solidFill>
-          </a:ln>
-        </p:spPr>
-        <p:txBody>
-          <a:bodyPr wrap="square" rtlCol="0">
-            <a:spAutoFit/>
-          </a:bodyPr>
-          <a:lstStyle/>
-          <a:p>
-            <a:pPr algn="ctr"/>
-            <a:r>
-              <a:rPr lang="fr-FR" dirty="0" err="1"/>
-              <a:t>assays</a:t>
-            </a:r>
-            <a:endParaRPr lang="fr-FR" dirty="0"/>
-          </a:p>
-        </p:txBody>
-      </p:sp>
-      <p:sp>
-        <p:nvSpPr>
-          <p:cNvPr id="7" name="ZoneTexte 6">
-            <a:extLst>
-              <a:ext uri="{FF2B5EF4-FFF2-40B4-BE49-F238E27FC236}">
-                <a16:creationId xmlns:a16="http://schemas.microsoft.com/office/drawing/2014/main" id="{69A5FEC5-E44C-8EA3-5FEF-B26D4C722358}"/>
-              </a:ext>
-            </a:extLst>
-          </p:cNvPr>
-          <p:cNvSpPr txBox="1"/>
-          <p:nvPr/>
-        </p:nvSpPr>
-        <p:spPr>
-          <a:xfrm>
-            <a:off x="5224465" y="1848374"/>
-            <a:ext cx="2528883" cy="646331"/>
-          </a:xfrm>
-          <a:prstGeom prst="rect">
-            <a:avLst/>
-          </a:prstGeom>
-          <a:solidFill>
-            <a:schemeClr val="accent2">
-              <a:lumMod val="20000"/>
-              <a:lumOff val="80000"/>
-            </a:schemeClr>
-          </a:solidFill>
-          <a:ln w="25400">
+            <a:ln w="25400">
+              <a:solidFill>
+                <a:schemeClr val="accent1"/>
+              </a:solidFill>
+            </a:ln>
+          </p:spPr>
+          <p:txBody>
+            <a:bodyPr wrap="square" rtlCol="0">
+              <a:spAutoFit/>
+            </a:bodyPr>
+            <a:lstStyle/>
+            <a:p>
+              <a:pPr algn="ctr"/>
+              <a:r>
+                <a:rPr lang="fr-FR" dirty="0" err="1"/>
+                <a:t>assays</a:t>
+              </a:r>
+              <a:endParaRPr lang="fr-FR" dirty="0"/>
+            </a:p>
+          </p:txBody>
+        </p:sp>
+        <p:sp>
+          <p:nvSpPr>
+            <p:cNvPr id="7" name="ZoneTexte 6">
+              <a:extLst>
+                <a:ext uri="{FF2B5EF4-FFF2-40B4-BE49-F238E27FC236}">
+                  <a16:creationId xmlns:a16="http://schemas.microsoft.com/office/drawing/2014/main" id="{69A5FEC5-E44C-8EA3-5FEF-B26D4C722358}"/>
+                </a:ext>
+              </a:extLst>
+            </p:cNvPr>
+            <p:cNvSpPr txBox="1"/>
+            <p:nvPr/>
+          </p:nvSpPr>
+          <p:spPr>
+            <a:xfrm>
+              <a:off x="5224465" y="1848374"/>
+              <a:ext cx="2528883" cy="646331"/>
+            </a:xfrm>
+            <a:prstGeom prst="rect">
+              <a:avLst/>
+            </a:prstGeom>
             <a:solidFill>
-              <a:schemeClr val="accent1"/>
+              <a:schemeClr val="accent2">
+                <a:lumMod val="20000"/>
+                <a:lumOff val="80000"/>
+              </a:schemeClr>
             </a:solidFill>
-          </a:ln>
-        </p:spPr>
-        <p:txBody>
-          <a:bodyPr wrap="square" rtlCol="0">
-            <a:spAutoFit/>
-          </a:bodyPr>
-          <a:lstStyle/>
-          <a:p>
-            <a:pPr algn="ctr"/>
-            <a:r>
-              <a:rPr lang="fr-FR" dirty="0" err="1"/>
-              <a:t>meta.data</a:t>
-            </a:r>
-            <a:endParaRPr lang="fr-FR" dirty="0"/>
-          </a:p>
-          <a:p>
-            <a:pPr algn="ctr"/>
-            <a:r>
-              <a:rPr lang="fr-FR" dirty="0"/>
-              <a:t>(info sur les cellules)</a:t>
-            </a:r>
-          </a:p>
-        </p:txBody>
-      </p:sp>
-      <p:cxnSp>
-        <p:nvCxnSpPr>
-          <p:cNvPr id="8" name="Connecteur en angle 7">
-            <a:extLst>
-              <a:ext uri="{FF2B5EF4-FFF2-40B4-BE49-F238E27FC236}">
-                <a16:creationId xmlns:a16="http://schemas.microsoft.com/office/drawing/2014/main" id="{5AB62D49-6253-C6A7-B42C-F971177C9521}"/>
-              </a:ext>
-            </a:extLst>
-          </p:cNvPr>
-          <p:cNvCxnSpPr>
-            <a:stCxn id="5" idx="2"/>
-            <a:endCxn id="6" idx="0"/>
-          </p:cNvCxnSpPr>
-          <p:nvPr/>
-        </p:nvCxnSpPr>
-        <p:spPr>
-          <a:xfrm rot="5400000">
-            <a:off x="4019679" y="736447"/>
-            <a:ext cx="1188006" cy="1035848"/>
-          </a:xfrm>
-          <a:prstGeom prst="bentConnector3">
-            <a:avLst/>
-          </a:prstGeom>
-          <a:ln>
-            <a:tailEnd type="triangle"/>
-          </a:ln>
-        </p:spPr>
-        <p:style>
-          <a:lnRef idx="2">
-            <a:schemeClr val="accent1"/>
-          </a:lnRef>
-          <a:fillRef idx="0">
-            <a:schemeClr val="accent1"/>
-          </a:fillRef>
-          <a:effectRef idx="1">
-            <a:schemeClr val="accent1"/>
-          </a:effectRef>
-          <a:fontRef idx="minor">
-            <a:schemeClr val="tx1"/>
-          </a:fontRef>
-        </p:style>
-      </p:cxnSp>
-      <p:cxnSp>
-        <p:nvCxnSpPr>
-          <p:cNvPr id="9" name="Connecteur en angle 8">
-            <a:extLst>
-              <a:ext uri="{FF2B5EF4-FFF2-40B4-BE49-F238E27FC236}">
-                <a16:creationId xmlns:a16="http://schemas.microsoft.com/office/drawing/2014/main" id="{6A062B4B-E7A1-22A6-D726-E7D46AC3789F}"/>
-              </a:ext>
-            </a:extLst>
-          </p:cNvPr>
-          <p:cNvCxnSpPr>
-            <a:cxnSpLocks/>
-            <a:endCxn id="7" idx="0"/>
-          </p:cNvCxnSpPr>
-          <p:nvPr/>
-        </p:nvCxnSpPr>
-        <p:spPr>
-          <a:xfrm>
-            <a:off x="4888714" y="1254371"/>
-            <a:ext cx="1600193" cy="594003"/>
-          </a:xfrm>
-          <a:prstGeom prst="bentConnector2">
-            <a:avLst/>
-          </a:prstGeom>
-          <a:ln>
-            <a:tailEnd type="triangle"/>
-          </a:ln>
-        </p:spPr>
-        <p:style>
-          <a:lnRef idx="2">
-            <a:schemeClr val="accent1"/>
-          </a:lnRef>
-          <a:fillRef idx="0">
-            <a:schemeClr val="accent1"/>
-          </a:fillRef>
-          <a:effectRef idx="1">
-            <a:schemeClr val="accent1"/>
-          </a:effectRef>
-          <a:fontRef idx="minor">
-            <a:schemeClr val="tx1"/>
-          </a:fontRef>
-        </p:style>
-      </p:cxnSp>
-      <mc:AlternateContent xmlns:mc="http://schemas.openxmlformats.org/markup-compatibility/2006">
-        <mc:Choice xmlns:a14="http://schemas.microsoft.com/office/drawing/2010/main" Requires="a14">
-          <p:sp>
-            <p:nvSpPr>
-              <p:cNvPr id="10" name="ZoneTexte 9">
-                <a:extLst>
-                  <a:ext uri="{FF2B5EF4-FFF2-40B4-BE49-F238E27FC236}">
-                    <a16:creationId xmlns:a16="http://schemas.microsoft.com/office/drawing/2014/main" id="{EC9B55ED-0475-0801-8559-F35300CD3CDD}"/>
-                  </a:ext>
-                </a:extLst>
-              </p:cNvPr>
-              <p:cNvSpPr txBox="1"/>
-              <p:nvPr/>
-            </p:nvSpPr>
-            <p:spPr>
-              <a:xfrm>
-                <a:off x="4752989" y="772640"/>
-                <a:ext cx="1243017" cy="369332"/>
-              </a:xfrm>
-              <a:prstGeom prst="rect">
-                <a:avLst/>
-              </a:prstGeom>
-              <a:noFill/>
-            </p:spPr>
-            <p:txBody>
-              <a:bodyPr wrap="square" rtlCol="0">
-                <a:spAutoFit/>
-              </a:bodyPr>
-              <a:lstStyle/>
-              <a:p>
-                <a14:m>
-                  <m:oMathPara xmlns:m="http://schemas.openxmlformats.org/officeDocument/2006/math">
-                    <m:oMathParaPr>
-                      <m:jc m:val="centerGroup"/>
-                    </m:oMathParaPr>
-                    <m:oMath xmlns:m="http://schemas.openxmlformats.org/officeDocument/2006/math">
-                      <m:r>
-                        <a:rPr lang="fr-FR" b="0" i="1" smtClean="0">
-                          <a:latin typeface="Cambria Math" panose="02040503050406030204" pitchFamily="18" charset="0"/>
-                        </a:rPr>
-                        <m:t>@</m:t>
-                      </m:r>
-                    </m:oMath>
-                  </m:oMathPara>
-                </a14:m>
-                <a:endParaRPr lang="fr-FR" dirty="0"/>
-              </a:p>
-            </p:txBody>
-          </p:sp>
-        </mc:Choice>
-        <mc:Fallback>
-          <p:sp>
-            <p:nvSpPr>
-              <p:cNvPr id="10" name="ZoneTexte 9">
-                <a:extLst>
-                  <a:ext uri="{FF2B5EF4-FFF2-40B4-BE49-F238E27FC236}">
-                    <a16:creationId xmlns:a16="http://schemas.microsoft.com/office/drawing/2014/main" id="{EC9B55ED-0475-0801-8559-F35300CD3CDD}"/>
-                  </a:ext>
-                </a:extLst>
-              </p:cNvPr>
-              <p:cNvSpPr txBox="1">
-                <a:spLocks noRot="1" noChangeAspect="1" noMove="1" noResize="1" noEditPoints="1" noAdjustHandles="1" noChangeArrowheads="1" noChangeShapeType="1" noTextEdit="1"/>
-              </p:cNvSpPr>
-              <p:nvPr/>
-            </p:nvSpPr>
-            <p:spPr>
-              <a:xfrm>
-                <a:off x="4752989" y="772640"/>
-                <a:ext cx="1243017" cy="369332"/>
-              </a:xfrm>
-              <a:prstGeom prst="rect">
-                <a:avLst/>
-              </a:prstGeom>
-              <a:blipFill>
-                <a:blip r:embed="rId2"/>
-                <a:stretch>
-                  <a:fillRect/>
-                </a:stretch>
-              </a:blipFill>
-            </p:spPr>
-            <p:txBody>
-              <a:bodyPr/>
-              <a:lstStyle/>
-              <a:p>
-                <a:r>
-                  <a:rPr lang="fr-FR">
-                    <a:noFill/>
-                  </a:rPr>
-                  <a:t> </a:t>
-                </a:r>
-              </a:p>
-            </p:txBody>
-          </p:sp>
-        </mc:Fallback>
-      </mc:AlternateContent>
-      <p:sp>
-        <p:nvSpPr>
-          <p:cNvPr id="11" name="ZoneTexte 10">
-            <a:extLst>
-              <a:ext uri="{FF2B5EF4-FFF2-40B4-BE49-F238E27FC236}">
-                <a16:creationId xmlns:a16="http://schemas.microsoft.com/office/drawing/2014/main" id="{1E2125CE-79C6-C873-A75D-7CFF0B3AA33F}"/>
-              </a:ext>
-            </a:extLst>
-          </p:cNvPr>
-          <p:cNvSpPr txBox="1"/>
-          <p:nvPr/>
-        </p:nvSpPr>
-        <p:spPr>
-          <a:xfrm>
-            <a:off x="3381383" y="2761887"/>
-            <a:ext cx="1428750" cy="369332"/>
-          </a:xfrm>
-          <a:prstGeom prst="rect">
-            <a:avLst/>
-          </a:prstGeom>
-          <a:solidFill>
-            <a:schemeClr val="accent3">
-              <a:lumMod val="20000"/>
-              <a:lumOff val="80000"/>
-            </a:schemeClr>
-          </a:solidFill>
-          <a:ln w="25400">
+            <a:ln w="25400">
+              <a:solidFill>
+                <a:schemeClr val="accent1"/>
+              </a:solidFill>
+            </a:ln>
+          </p:spPr>
+          <p:txBody>
+            <a:bodyPr wrap="square" rtlCol="0">
+              <a:spAutoFit/>
+            </a:bodyPr>
+            <a:lstStyle/>
+            <a:p>
+              <a:pPr algn="ctr"/>
+              <a:r>
+                <a:rPr lang="fr-FR" dirty="0" err="1"/>
+                <a:t>meta.data</a:t>
+              </a:r>
+              <a:endParaRPr lang="fr-FR" dirty="0"/>
+            </a:p>
+            <a:p>
+              <a:pPr algn="ctr"/>
+              <a:r>
+                <a:rPr lang="fr-FR" dirty="0"/>
+                <a:t>(info sur les cellules)</a:t>
+              </a:r>
+            </a:p>
+          </p:txBody>
+        </p:sp>
+        <p:cxnSp>
+          <p:nvCxnSpPr>
+            <p:cNvPr id="8" name="Connecteur en angle 7">
+              <a:extLst>
+                <a:ext uri="{FF2B5EF4-FFF2-40B4-BE49-F238E27FC236}">
+                  <a16:creationId xmlns:a16="http://schemas.microsoft.com/office/drawing/2014/main" id="{5AB62D49-6253-C6A7-B42C-F971177C9521}"/>
+                </a:ext>
+              </a:extLst>
+            </p:cNvPr>
+            <p:cNvCxnSpPr>
+              <a:stCxn id="5" idx="2"/>
+              <a:endCxn id="6" idx="0"/>
+            </p:cNvCxnSpPr>
+            <p:nvPr/>
+          </p:nvCxnSpPr>
+          <p:spPr>
+            <a:xfrm rot="5400000">
+              <a:off x="4019679" y="736447"/>
+              <a:ext cx="1188006" cy="1035848"/>
+            </a:xfrm>
+            <a:prstGeom prst="bentConnector3">
+              <a:avLst/>
+            </a:prstGeom>
+            <a:ln>
+              <a:tailEnd type="triangle"/>
+            </a:ln>
+          </p:spPr>
+          <p:style>
+            <a:lnRef idx="2">
+              <a:schemeClr val="accent1"/>
+            </a:lnRef>
+            <a:fillRef idx="0">
+              <a:schemeClr val="accent1"/>
+            </a:fillRef>
+            <a:effectRef idx="1">
+              <a:schemeClr val="accent1"/>
+            </a:effectRef>
+            <a:fontRef idx="minor">
+              <a:schemeClr val="tx1"/>
+            </a:fontRef>
+          </p:style>
+        </p:cxnSp>
+        <p:cxnSp>
+          <p:nvCxnSpPr>
+            <p:cNvPr id="9" name="Connecteur en angle 8">
+              <a:extLst>
+                <a:ext uri="{FF2B5EF4-FFF2-40B4-BE49-F238E27FC236}">
+                  <a16:creationId xmlns:a16="http://schemas.microsoft.com/office/drawing/2014/main" id="{6A062B4B-E7A1-22A6-D726-E7D46AC3789F}"/>
+                </a:ext>
+              </a:extLst>
+            </p:cNvPr>
+            <p:cNvCxnSpPr>
+              <a:cxnSpLocks/>
+              <a:endCxn id="7" idx="0"/>
+            </p:cNvCxnSpPr>
+            <p:nvPr/>
+          </p:nvCxnSpPr>
+          <p:spPr>
+            <a:xfrm>
+              <a:off x="4888714" y="1254371"/>
+              <a:ext cx="1600193" cy="594003"/>
+            </a:xfrm>
+            <a:prstGeom prst="bentConnector2">
+              <a:avLst/>
+            </a:prstGeom>
+            <a:ln>
+              <a:tailEnd type="triangle"/>
+            </a:ln>
+          </p:spPr>
+          <p:style>
+            <a:lnRef idx="2">
+              <a:schemeClr val="accent1"/>
+            </a:lnRef>
+            <a:fillRef idx="0">
+              <a:schemeClr val="accent1"/>
+            </a:fillRef>
+            <a:effectRef idx="1">
+              <a:schemeClr val="accent1"/>
+            </a:effectRef>
+            <a:fontRef idx="minor">
+              <a:schemeClr val="tx1"/>
+            </a:fontRef>
+          </p:style>
+        </p:cxnSp>
+        <mc:AlternateContent xmlns:mc="http://schemas.openxmlformats.org/markup-compatibility/2006">
+          <mc:Choice xmlns:a14="http://schemas.microsoft.com/office/drawing/2010/main" Requires="a14">
+            <p:sp>
+              <p:nvSpPr>
+                <p:cNvPr id="10" name="ZoneTexte 9">
+                  <a:extLst>
+                    <a:ext uri="{FF2B5EF4-FFF2-40B4-BE49-F238E27FC236}">
+                      <a16:creationId xmlns:a16="http://schemas.microsoft.com/office/drawing/2014/main" id="{EC9B55ED-0475-0801-8559-F35300CD3CDD}"/>
+                    </a:ext>
+                  </a:extLst>
+                </p:cNvPr>
+                <p:cNvSpPr txBox="1"/>
+                <p:nvPr/>
+              </p:nvSpPr>
+              <p:spPr>
+                <a:xfrm>
+                  <a:off x="4752989" y="772640"/>
+                  <a:ext cx="1243017" cy="369332"/>
+                </a:xfrm>
+                <a:prstGeom prst="rect">
+                  <a:avLst/>
+                </a:prstGeom>
+                <a:noFill/>
+              </p:spPr>
+              <p:txBody>
+                <a:bodyPr wrap="square" rtlCol="0">
+                  <a:spAutoFit/>
+                </a:bodyPr>
+                <a:lstStyle/>
+                <a:p>
+                  <a14:m>
+                    <m:oMathPara xmlns:m="http://schemas.openxmlformats.org/officeDocument/2006/math">
+                      <m:oMathParaPr>
+                        <m:jc m:val="centerGroup"/>
+                      </m:oMathParaPr>
+                      <m:oMath xmlns:m="http://schemas.openxmlformats.org/officeDocument/2006/math">
+                        <m:r>
+                          <a:rPr lang="fr-FR" b="0" i="1" smtClean="0">
+                            <a:latin typeface="Cambria Math" panose="02040503050406030204" pitchFamily="18" charset="0"/>
+                          </a:rPr>
+                          <m:t>@</m:t>
+                        </m:r>
+                      </m:oMath>
+                    </m:oMathPara>
+                  </a14:m>
+                  <a:endParaRPr lang="fr-FR" dirty="0"/>
+                </a:p>
+              </p:txBody>
+            </p:sp>
+          </mc:Choice>
+          <mc:Fallback>
+            <p:sp>
+              <p:nvSpPr>
+                <p:cNvPr id="10" name="ZoneTexte 9">
+                  <a:extLst>
+                    <a:ext uri="{FF2B5EF4-FFF2-40B4-BE49-F238E27FC236}">
+                      <a16:creationId xmlns:a16="http://schemas.microsoft.com/office/drawing/2014/main" id="{EC9B55ED-0475-0801-8559-F35300CD3CDD}"/>
+                    </a:ext>
+                  </a:extLst>
+                </p:cNvPr>
+                <p:cNvSpPr txBox="1">
+                  <a:spLocks noRot="1" noChangeAspect="1" noMove="1" noResize="1" noEditPoints="1" noAdjustHandles="1" noChangeArrowheads="1" noChangeShapeType="1" noTextEdit="1"/>
+                </p:cNvSpPr>
+                <p:nvPr/>
+              </p:nvSpPr>
+              <p:spPr>
+                <a:xfrm>
+                  <a:off x="4752989" y="772640"/>
+                  <a:ext cx="1243017" cy="369332"/>
+                </a:xfrm>
+                <a:prstGeom prst="rect">
+                  <a:avLst/>
+                </a:prstGeom>
+                <a:blipFill>
+                  <a:blip r:embed="rId2"/>
+                  <a:stretch>
+                    <a:fillRect/>
+                  </a:stretch>
+                </a:blipFill>
+              </p:spPr>
+              <p:txBody>
+                <a:bodyPr/>
+                <a:lstStyle/>
+                <a:p>
+                  <a:r>
+                    <a:rPr lang="fr-FR">
+                      <a:noFill/>
+                    </a:rPr>
+                    <a:t> </a:t>
+                  </a:r>
+                </a:p>
+              </p:txBody>
+            </p:sp>
+          </mc:Fallback>
+        </mc:AlternateContent>
+        <p:sp>
+          <p:nvSpPr>
+            <p:cNvPr id="11" name="ZoneTexte 10">
+              <a:extLst>
+                <a:ext uri="{FF2B5EF4-FFF2-40B4-BE49-F238E27FC236}">
+                  <a16:creationId xmlns:a16="http://schemas.microsoft.com/office/drawing/2014/main" id="{1E2125CE-79C6-C873-A75D-7CFF0B3AA33F}"/>
+                </a:ext>
+              </a:extLst>
+            </p:cNvPr>
+            <p:cNvSpPr txBox="1"/>
+            <p:nvPr/>
+          </p:nvSpPr>
+          <p:spPr>
+            <a:xfrm>
+              <a:off x="3381383" y="2761887"/>
+              <a:ext cx="1428750" cy="369332"/>
+            </a:xfrm>
+            <a:prstGeom prst="rect">
+              <a:avLst/>
+            </a:prstGeom>
             <a:solidFill>
-              <a:schemeClr val="accent1"/>
+              <a:schemeClr val="accent3">
+                <a:lumMod val="20000"/>
+                <a:lumOff val="80000"/>
+              </a:schemeClr>
             </a:solidFill>
-          </a:ln>
-        </p:spPr>
-        <p:txBody>
-          <a:bodyPr wrap="square" rtlCol="0">
-            <a:spAutoFit/>
-          </a:bodyPr>
-          <a:lstStyle/>
-          <a:p>
-            <a:pPr algn="ctr"/>
-            <a:r>
-              <a:rPr lang="fr-FR" dirty="0"/>
-              <a:t>RNA</a:t>
-            </a:r>
-          </a:p>
-        </p:txBody>
-      </p:sp>
-      <p:cxnSp>
-        <p:nvCxnSpPr>
-          <p:cNvPr id="12" name="Connecteur droit avec flèche 11">
-            <a:extLst>
-              <a:ext uri="{FF2B5EF4-FFF2-40B4-BE49-F238E27FC236}">
-                <a16:creationId xmlns:a16="http://schemas.microsoft.com/office/drawing/2014/main" id="{BC55CFA3-D562-FFA9-F324-E82190FC749C}"/>
-              </a:ext>
-            </a:extLst>
-          </p:cNvPr>
-          <p:cNvCxnSpPr>
-            <a:stCxn id="6" idx="2"/>
-            <a:endCxn id="11" idx="0"/>
-          </p:cNvCxnSpPr>
-          <p:nvPr/>
-        </p:nvCxnSpPr>
-        <p:spPr>
-          <a:xfrm>
-            <a:off x="4095758" y="2217706"/>
-            <a:ext cx="0" cy="544181"/>
-          </a:xfrm>
-          <a:prstGeom prst="straightConnector1">
-            <a:avLst/>
-          </a:prstGeom>
-          <a:ln>
-            <a:tailEnd type="triangle"/>
-          </a:ln>
-        </p:spPr>
-        <p:style>
-          <a:lnRef idx="2">
-            <a:schemeClr val="accent1"/>
-          </a:lnRef>
-          <a:fillRef idx="0">
-            <a:schemeClr val="accent1"/>
-          </a:fillRef>
-          <a:effectRef idx="1">
-            <a:schemeClr val="accent1"/>
-          </a:effectRef>
-          <a:fontRef idx="minor">
-            <a:schemeClr val="tx1"/>
-          </a:fontRef>
-        </p:style>
-      </p:cxnSp>
-      <p:sp>
-        <p:nvSpPr>
-          <p:cNvPr id="13" name="ZoneTexte 12">
-            <a:extLst>
-              <a:ext uri="{FF2B5EF4-FFF2-40B4-BE49-F238E27FC236}">
-                <a16:creationId xmlns:a16="http://schemas.microsoft.com/office/drawing/2014/main" id="{4522749C-B869-97C0-4184-8179F3ECE275}"/>
-              </a:ext>
-            </a:extLst>
-          </p:cNvPr>
-          <p:cNvSpPr txBox="1"/>
-          <p:nvPr/>
-        </p:nvSpPr>
-        <p:spPr>
-          <a:xfrm>
-            <a:off x="3709996" y="2312274"/>
-            <a:ext cx="585787" cy="369332"/>
-          </a:xfrm>
-          <a:prstGeom prst="rect">
-            <a:avLst/>
-          </a:prstGeom>
-          <a:noFill/>
-        </p:spPr>
-        <p:txBody>
-          <a:bodyPr wrap="square" rtlCol="0">
-            <a:spAutoFit/>
-          </a:bodyPr>
-          <a:lstStyle/>
-          <a:p>
-            <a:r>
-              <a:rPr lang="fr-FR" dirty="0"/>
-              <a:t>$</a:t>
-            </a:r>
-          </a:p>
-        </p:txBody>
-      </p:sp>
-      <p:sp>
-        <p:nvSpPr>
-          <p:cNvPr id="14" name="ZoneTexte 13">
-            <a:extLst>
-              <a:ext uri="{FF2B5EF4-FFF2-40B4-BE49-F238E27FC236}">
-                <a16:creationId xmlns:a16="http://schemas.microsoft.com/office/drawing/2014/main" id="{9288674F-1C04-4C61-0486-47B50C016C3B}"/>
-              </a:ext>
-            </a:extLst>
-          </p:cNvPr>
-          <p:cNvSpPr txBox="1"/>
-          <p:nvPr/>
-        </p:nvSpPr>
-        <p:spPr>
-          <a:xfrm>
-            <a:off x="1607355" y="4737985"/>
-            <a:ext cx="4976805" cy="1754326"/>
-          </a:xfrm>
-          <a:prstGeom prst="rect">
-            <a:avLst/>
-          </a:prstGeom>
-          <a:solidFill>
-            <a:schemeClr val="accent3">
-              <a:lumMod val="20000"/>
-              <a:lumOff val="80000"/>
-            </a:schemeClr>
-          </a:solidFill>
-          <a:ln w="25400">
+            <a:ln w="25400">
+              <a:solidFill>
+                <a:schemeClr val="accent1"/>
+              </a:solidFill>
+            </a:ln>
+          </p:spPr>
+          <p:txBody>
+            <a:bodyPr wrap="square" rtlCol="0">
+              <a:spAutoFit/>
+            </a:bodyPr>
+            <a:lstStyle/>
+            <a:p>
+              <a:pPr algn="ctr"/>
+              <a:r>
+                <a:rPr lang="fr-FR" dirty="0"/>
+                <a:t>RNA</a:t>
+              </a:r>
+            </a:p>
+          </p:txBody>
+        </p:sp>
+        <p:cxnSp>
+          <p:nvCxnSpPr>
+            <p:cNvPr id="12" name="Connecteur droit avec flèche 11">
+              <a:extLst>
+                <a:ext uri="{FF2B5EF4-FFF2-40B4-BE49-F238E27FC236}">
+                  <a16:creationId xmlns:a16="http://schemas.microsoft.com/office/drawing/2014/main" id="{BC55CFA3-D562-FFA9-F324-E82190FC749C}"/>
+                </a:ext>
+              </a:extLst>
+            </p:cNvPr>
+            <p:cNvCxnSpPr>
+              <a:stCxn id="6" idx="2"/>
+              <a:endCxn id="11" idx="0"/>
+            </p:cNvCxnSpPr>
+            <p:nvPr/>
+          </p:nvCxnSpPr>
+          <p:spPr>
+            <a:xfrm>
+              <a:off x="4095758" y="2217706"/>
+              <a:ext cx="0" cy="544181"/>
+            </a:xfrm>
+            <a:prstGeom prst="straightConnector1">
+              <a:avLst/>
+            </a:prstGeom>
+            <a:ln>
+              <a:tailEnd type="triangle"/>
+            </a:ln>
+          </p:spPr>
+          <p:style>
+            <a:lnRef idx="2">
+              <a:schemeClr val="accent1"/>
+            </a:lnRef>
+            <a:fillRef idx="0">
+              <a:schemeClr val="accent1"/>
+            </a:fillRef>
+            <a:effectRef idx="1">
+              <a:schemeClr val="accent1"/>
+            </a:effectRef>
+            <a:fontRef idx="minor">
+              <a:schemeClr val="tx1"/>
+            </a:fontRef>
+          </p:style>
+        </p:cxnSp>
+        <p:sp>
+          <p:nvSpPr>
+            <p:cNvPr id="13" name="ZoneTexte 12">
+              <a:extLst>
+                <a:ext uri="{FF2B5EF4-FFF2-40B4-BE49-F238E27FC236}">
+                  <a16:creationId xmlns:a16="http://schemas.microsoft.com/office/drawing/2014/main" id="{4522749C-B869-97C0-4184-8179F3ECE275}"/>
+                </a:ext>
+              </a:extLst>
+            </p:cNvPr>
+            <p:cNvSpPr txBox="1"/>
+            <p:nvPr/>
+          </p:nvSpPr>
+          <p:spPr>
+            <a:xfrm>
+              <a:off x="3709996" y="2312274"/>
+              <a:ext cx="585787" cy="369332"/>
+            </a:xfrm>
+            <a:prstGeom prst="rect">
+              <a:avLst/>
+            </a:prstGeom>
+            <a:noFill/>
+          </p:spPr>
+          <p:txBody>
+            <a:bodyPr wrap="square" rtlCol="0">
+              <a:spAutoFit/>
+            </a:bodyPr>
+            <a:lstStyle/>
+            <a:p>
+              <a:r>
+                <a:rPr lang="fr-FR" dirty="0"/>
+                <a:t>$</a:t>
+              </a:r>
+            </a:p>
+          </p:txBody>
+        </p:sp>
+        <p:sp>
+          <p:nvSpPr>
+            <p:cNvPr id="14" name="ZoneTexte 13">
+              <a:extLst>
+                <a:ext uri="{FF2B5EF4-FFF2-40B4-BE49-F238E27FC236}">
+                  <a16:creationId xmlns:a16="http://schemas.microsoft.com/office/drawing/2014/main" id="{9288674F-1C04-4C61-0486-47B50C016C3B}"/>
+                </a:ext>
+              </a:extLst>
+            </p:cNvPr>
+            <p:cNvSpPr txBox="1"/>
+            <p:nvPr/>
+          </p:nvSpPr>
+          <p:spPr>
+            <a:xfrm>
+              <a:off x="1607355" y="4737985"/>
+              <a:ext cx="4976805" cy="1754326"/>
+            </a:xfrm>
+            <a:prstGeom prst="rect">
+              <a:avLst/>
+            </a:prstGeom>
             <a:solidFill>
-              <a:schemeClr val="accent1"/>
+              <a:schemeClr val="accent3">
+                <a:lumMod val="20000"/>
+                <a:lumOff val="80000"/>
+              </a:schemeClr>
             </a:solidFill>
-          </a:ln>
-        </p:spPr>
-        <p:txBody>
-          <a:bodyPr wrap="square" rtlCol="0">
-            <a:spAutoFit/>
-          </a:bodyPr>
-          <a:lstStyle/>
-          <a:p>
-            <a:pPr marL="285750" indent="-285750">
-              <a:buFont typeface="Arial" panose="020B0604020202020204" pitchFamily="34" charset="0"/>
-              <a:buChar char="•"/>
-            </a:pPr>
-            <a:r>
-              <a:rPr lang="fr-FR" dirty="0" err="1"/>
-              <a:t>counts</a:t>
-            </a:r>
-            <a:endParaRPr lang="fr-FR" dirty="0"/>
-          </a:p>
-          <a:p>
-            <a:r>
-              <a:rPr lang="fr-FR" dirty="0"/>
-              <a:t>(matrice des comptages bruts G x C)</a:t>
-            </a:r>
-          </a:p>
-          <a:p>
-            <a:pPr marL="285750" indent="-285750">
-              <a:buFont typeface="Arial" panose="020B0604020202020204" pitchFamily="34" charset="0"/>
-              <a:buChar char="•"/>
-            </a:pPr>
-            <a:r>
-              <a:rPr lang="fr-FR" dirty="0"/>
-              <a:t>data</a:t>
-            </a:r>
-          </a:p>
-          <a:p>
-            <a:r>
-              <a:rPr lang="fr-FR" dirty="0"/>
-              <a:t>(matrice des comptages normalisés </a:t>
-            </a:r>
-            <a:r>
-              <a:rPr lang="fr-FR" dirty="0" err="1"/>
-              <a:t>GxC</a:t>
-            </a:r>
-            <a:r>
-              <a:rPr lang="fr-FR" dirty="0"/>
-              <a:t>)</a:t>
-            </a:r>
-          </a:p>
-          <a:p>
-            <a:pPr marL="285750" indent="-285750">
-              <a:buFont typeface="Arial" panose="020B0604020202020204" pitchFamily="34" charset="0"/>
-              <a:buChar char="•"/>
-            </a:pPr>
-            <a:r>
-              <a:rPr lang="fr-FR" dirty="0" err="1"/>
-              <a:t>scale.data</a:t>
-            </a:r>
-            <a:endParaRPr lang="fr-FR" dirty="0"/>
-          </a:p>
-          <a:p>
-            <a:r>
-              <a:rPr lang="fr-FR" dirty="0"/>
-              <a:t>(matrice des données centrées-réduites </a:t>
-            </a:r>
-            <a:r>
-              <a:rPr lang="fr-FR" dirty="0" err="1"/>
-              <a:t>JxC</a:t>
-            </a:r>
-            <a:r>
-              <a:rPr lang="fr-FR" dirty="0"/>
-              <a:t>)</a:t>
-            </a:r>
-          </a:p>
-        </p:txBody>
-      </p:sp>
-      <p:cxnSp>
-        <p:nvCxnSpPr>
-          <p:cNvPr id="15" name="Connecteur droit avec flèche 14">
-            <a:extLst>
-              <a:ext uri="{FF2B5EF4-FFF2-40B4-BE49-F238E27FC236}">
-                <a16:creationId xmlns:a16="http://schemas.microsoft.com/office/drawing/2014/main" id="{ACEFA829-2C8A-EF66-8777-1FBDAD017C3D}"/>
-              </a:ext>
-            </a:extLst>
-          </p:cNvPr>
-          <p:cNvCxnSpPr>
-            <a:cxnSpLocks/>
-            <a:stCxn id="11" idx="2"/>
-            <a:endCxn id="14" idx="0"/>
-          </p:cNvCxnSpPr>
-          <p:nvPr/>
-        </p:nvCxnSpPr>
-        <p:spPr>
-          <a:xfrm>
-            <a:off x="4095758" y="3131219"/>
-            <a:ext cx="0" cy="1606766"/>
-          </a:xfrm>
-          <a:prstGeom prst="straightConnector1">
-            <a:avLst/>
-          </a:prstGeom>
-          <a:ln>
-            <a:tailEnd type="triangle"/>
-          </a:ln>
-        </p:spPr>
-        <p:style>
-          <a:lnRef idx="2">
-            <a:schemeClr val="accent1"/>
-          </a:lnRef>
-          <a:fillRef idx="0">
-            <a:schemeClr val="accent1"/>
-          </a:fillRef>
-          <a:effectRef idx="1">
-            <a:schemeClr val="accent1"/>
-          </a:effectRef>
-          <a:fontRef idx="minor">
-            <a:schemeClr val="tx1"/>
-          </a:fontRef>
-        </p:style>
-      </p:cxnSp>
-      <p:sp>
-        <p:nvSpPr>
-          <p:cNvPr id="16" name="ZoneTexte 15">
-            <a:extLst>
-              <a:ext uri="{FF2B5EF4-FFF2-40B4-BE49-F238E27FC236}">
-                <a16:creationId xmlns:a16="http://schemas.microsoft.com/office/drawing/2014/main" id="{09F0133C-7928-4D63-5138-FFB9C4DBC344}"/>
-              </a:ext>
-            </a:extLst>
-          </p:cNvPr>
-          <p:cNvSpPr txBox="1"/>
-          <p:nvPr/>
-        </p:nvSpPr>
-        <p:spPr>
-          <a:xfrm>
-            <a:off x="3719516" y="3779126"/>
-            <a:ext cx="585787" cy="369332"/>
-          </a:xfrm>
-          <a:prstGeom prst="rect">
-            <a:avLst/>
-          </a:prstGeom>
-          <a:noFill/>
-        </p:spPr>
-        <p:txBody>
-          <a:bodyPr wrap="square" rtlCol="0">
-            <a:spAutoFit/>
-          </a:bodyPr>
-          <a:lstStyle/>
-          <a:p>
-            <a:r>
-              <a:rPr lang="fr-FR" dirty="0"/>
-              <a:t>$</a:t>
-            </a:r>
-          </a:p>
-        </p:txBody>
-      </p:sp>
-      <p:sp>
-        <p:nvSpPr>
-          <p:cNvPr id="17" name="ZoneTexte 16">
-            <a:extLst>
-              <a:ext uri="{FF2B5EF4-FFF2-40B4-BE49-F238E27FC236}">
-                <a16:creationId xmlns:a16="http://schemas.microsoft.com/office/drawing/2014/main" id="{86BD6B84-0231-8462-0667-241939B1C4E1}"/>
-              </a:ext>
-            </a:extLst>
-          </p:cNvPr>
-          <p:cNvSpPr txBox="1"/>
-          <p:nvPr/>
-        </p:nvSpPr>
-        <p:spPr>
-          <a:xfrm>
-            <a:off x="5260179" y="3153382"/>
-            <a:ext cx="2443157" cy="1477328"/>
-          </a:xfrm>
-          <a:prstGeom prst="rect">
-            <a:avLst/>
-          </a:prstGeom>
-          <a:solidFill>
-            <a:schemeClr val="accent3">
-              <a:lumMod val="20000"/>
-              <a:lumOff val="80000"/>
-            </a:schemeClr>
-          </a:solidFill>
-          <a:ln w="25400">
+            <a:ln w="25400">
+              <a:solidFill>
+                <a:schemeClr val="accent1"/>
+              </a:solidFill>
+            </a:ln>
+          </p:spPr>
+          <p:txBody>
+            <a:bodyPr wrap="square" rtlCol="0">
+              <a:spAutoFit/>
+            </a:bodyPr>
+            <a:lstStyle/>
+            <a:p>
+              <a:pPr marL="285750" indent="-285750">
+                <a:buFont typeface="Arial" panose="020B0604020202020204" pitchFamily="34" charset="0"/>
+                <a:buChar char="•"/>
+              </a:pPr>
+              <a:r>
+                <a:rPr lang="fr-FR" dirty="0" err="1"/>
+                <a:t>counts</a:t>
+              </a:r>
+              <a:endParaRPr lang="fr-FR" dirty="0"/>
+            </a:p>
+            <a:p>
+              <a:r>
+                <a:rPr lang="fr-FR" dirty="0"/>
+                <a:t>(matrice des comptages bruts G x C)</a:t>
+              </a:r>
+            </a:p>
+            <a:p>
+              <a:pPr marL="285750" indent="-285750">
+                <a:buFont typeface="Arial" panose="020B0604020202020204" pitchFamily="34" charset="0"/>
+                <a:buChar char="•"/>
+              </a:pPr>
+              <a:r>
+                <a:rPr lang="fr-FR" dirty="0"/>
+                <a:t>data</a:t>
+              </a:r>
+            </a:p>
+            <a:p>
+              <a:r>
+                <a:rPr lang="fr-FR" dirty="0"/>
+                <a:t>(matrice des comptages normalisés </a:t>
+              </a:r>
+              <a:r>
+                <a:rPr lang="fr-FR" dirty="0" err="1"/>
+                <a:t>GxC</a:t>
+              </a:r>
+              <a:r>
+                <a:rPr lang="fr-FR" dirty="0"/>
+                <a:t>)</a:t>
+              </a:r>
+            </a:p>
+            <a:p>
+              <a:pPr marL="285750" indent="-285750">
+                <a:buFont typeface="Arial" panose="020B0604020202020204" pitchFamily="34" charset="0"/>
+                <a:buChar char="•"/>
+              </a:pPr>
+              <a:r>
+                <a:rPr lang="fr-FR" dirty="0" err="1"/>
+                <a:t>scale.data</a:t>
+              </a:r>
+              <a:endParaRPr lang="fr-FR" dirty="0"/>
+            </a:p>
+            <a:p>
+              <a:r>
+                <a:rPr lang="fr-FR" dirty="0"/>
+                <a:t>(matrice des données centrées-réduites </a:t>
+              </a:r>
+              <a:r>
+                <a:rPr lang="fr-FR" dirty="0" err="1"/>
+                <a:t>JxC</a:t>
+              </a:r>
+              <a:r>
+                <a:rPr lang="fr-FR" dirty="0"/>
+                <a:t>)</a:t>
+              </a:r>
+            </a:p>
+          </p:txBody>
+        </p:sp>
+        <p:cxnSp>
+          <p:nvCxnSpPr>
+            <p:cNvPr id="15" name="Connecteur droit avec flèche 14">
+              <a:extLst>
+                <a:ext uri="{FF2B5EF4-FFF2-40B4-BE49-F238E27FC236}">
+                  <a16:creationId xmlns:a16="http://schemas.microsoft.com/office/drawing/2014/main" id="{ACEFA829-2C8A-EF66-8777-1FBDAD017C3D}"/>
+                </a:ext>
+              </a:extLst>
+            </p:cNvPr>
+            <p:cNvCxnSpPr>
+              <a:cxnSpLocks/>
+              <a:stCxn id="11" idx="2"/>
+              <a:endCxn id="14" idx="0"/>
+            </p:cNvCxnSpPr>
+            <p:nvPr/>
+          </p:nvCxnSpPr>
+          <p:spPr>
+            <a:xfrm>
+              <a:off x="4095758" y="3131219"/>
+              <a:ext cx="0" cy="1606766"/>
+            </a:xfrm>
+            <a:prstGeom prst="straightConnector1">
+              <a:avLst/>
+            </a:prstGeom>
+            <a:ln>
+              <a:tailEnd type="triangle"/>
+            </a:ln>
+          </p:spPr>
+          <p:style>
+            <a:lnRef idx="2">
+              <a:schemeClr val="accent1"/>
+            </a:lnRef>
+            <a:fillRef idx="0">
+              <a:schemeClr val="accent1"/>
+            </a:fillRef>
+            <a:effectRef idx="1">
+              <a:schemeClr val="accent1"/>
+            </a:effectRef>
+            <a:fontRef idx="minor">
+              <a:schemeClr val="tx1"/>
+            </a:fontRef>
+          </p:style>
+        </p:cxnSp>
+        <p:sp>
+          <p:nvSpPr>
+            <p:cNvPr id="16" name="ZoneTexte 15">
+              <a:extLst>
+                <a:ext uri="{FF2B5EF4-FFF2-40B4-BE49-F238E27FC236}">
+                  <a16:creationId xmlns:a16="http://schemas.microsoft.com/office/drawing/2014/main" id="{09F0133C-7928-4D63-5138-FFB9C4DBC344}"/>
+                </a:ext>
+              </a:extLst>
+            </p:cNvPr>
+            <p:cNvSpPr txBox="1"/>
+            <p:nvPr/>
+          </p:nvSpPr>
+          <p:spPr>
+            <a:xfrm>
+              <a:off x="3719516" y="3779126"/>
+              <a:ext cx="585787" cy="369332"/>
+            </a:xfrm>
+            <a:prstGeom prst="rect">
+              <a:avLst/>
+            </a:prstGeom>
+            <a:noFill/>
+          </p:spPr>
+          <p:txBody>
+            <a:bodyPr wrap="square" rtlCol="0">
+              <a:spAutoFit/>
+            </a:bodyPr>
+            <a:lstStyle/>
+            <a:p>
+              <a:r>
+                <a:rPr lang="fr-FR" dirty="0"/>
+                <a:t>$</a:t>
+              </a:r>
+            </a:p>
+          </p:txBody>
+        </p:sp>
+        <p:sp>
+          <p:nvSpPr>
+            <p:cNvPr id="17" name="ZoneTexte 16">
+              <a:extLst>
+                <a:ext uri="{FF2B5EF4-FFF2-40B4-BE49-F238E27FC236}">
+                  <a16:creationId xmlns:a16="http://schemas.microsoft.com/office/drawing/2014/main" id="{86BD6B84-0231-8462-0667-241939B1C4E1}"/>
+                </a:ext>
+              </a:extLst>
+            </p:cNvPr>
+            <p:cNvSpPr txBox="1"/>
+            <p:nvPr/>
+          </p:nvSpPr>
+          <p:spPr>
+            <a:xfrm>
+              <a:off x="5260179" y="3153382"/>
+              <a:ext cx="2443157" cy="1477328"/>
+            </a:xfrm>
+            <a:prstGeom prst="rect">
+              <a:avLst/>
+            </a:prstGeom>
             <a:solidFill>
-              <a:schemeClr val="accent1"/>
+              <a:schemeClr val="accent3">
+                <a:lumMod val="20000"/>
+                <a:lumOff val="80000"/>
+              </a:schemeClr>
             </a:solidFill>
-          </a:ln>
-        </p:spPr>
-        <p:txBody>
-          <a:bodyPr wrap="square" rtlCol="0">
-            <a:spAutoFit/>
-          </a:bodyPr>
-          <a:lstStyle/>
-          <a:p>
-            <a:pPr marL="285750" indent="-285750">
-              <a:buFont typeface="Arial" panose="020B0604020202020204" pitchFamily="34" charset="0"/>
-              <a:buChar char="•"/>
-            </a:pPr>
-            <a:r>
-              <a:rPr lang="fr-FR" dirty="0" err="1"/>
-              <a:t>orig.ident</a:t>
-            </a:r>
-            <a:endParaRPr lang="fr-FR" dirty="0"/>
-          </a:p>
-          <a:p>
-            <a:pPr marL="285750" indent="-285750">
-              <a:buFont typeface="Arial" panose="020B0604020202020204" pitchFamily="34" charset="0"/>
-              <a:buChar char="•"/>
-            </a:pPr>
-            <a:r>
-              <a:rPr lang="fr-FR" dirty="0" err="1"/>
-              <a:t>nCount_RNA</a:t>
-            </a:r>
-            <a:endParaRPr lang="fr-FR" dirty="0"/>
-          </a:p>
-          <a:p>
-            <a:pPr marL="285750" indent="-285750">
-              <a:buFont typeface="Arial" panose="020B0604020202020204" pitchFamily="34" charset="0"/>
-              <a:buChar char="•"/>
-            </a:pPr>
-            <a:r>
-              <a:rPr lang="fr-FR" dirty="0" err="1"/>
-              <a:t>nFeatures_RNA</a:t>
-            </a:r>
-            <a:endParaRPr lang="fr-FR" dirty="0"/>
-          </a:p>
-          <a:p>
-            <a:pPr marL="285750" indent="-285750">
-              <a:buFont typeface="Arial" panose="020B0604020202020204" pitchFamily="34" charset="0"/>
-              <a:buChar char="•"/>
-            </a:pPr>
-            <a:r>
-              <a:rPr lang="fr-FR" dirty="0"/>
-              <a:t>log10GenesPerUMI</a:t>
-            </a:r>
-          </a:p>
-          <a:p>
-            <a:pPr marL="285750" indent="-285750">
-              <a:buFont typeface="Arial" panose="020B0604020202020204" pitchFamily="34" charset="0"/>
-              <a:buChar char="•"/>
-            </a:pPr>
-            <a:r>
-              <a:rPr lang="fr-FR" dirty="0" err="1"/>
-              <a:t>percent.mt</a:t>
-            </a:r>
-            <a:endParaRPr lang="fr-FR" dirty="0"/>
-          </a:p>
-        </p:txBody>
-      </p:sp>
-      <p:cxnSp>
-        <p:nvCxnSpPr>
-          <p:cNvPr id="18" name="Connecteur droit avec flèche 17">
-            <a:extLst>
-              <a:ext uri="{FF2B5EF4-FFF2-40B4-BE49-F238E27FC236}">
-                <a16:creationId xmlns:a16="http://schemas.microsoft.com/office/drawing/2014/main" id="{E2DA0992-6D21-C8CB-A39C-1C0EB4B888AF}"/>
-              </a:ext>
-            </a:extLst>
-          </p:cNvPr>
-          <p:cNvCxnSpPr>
-            <a:cxnSpLocks/>
-            <a:stCxn id="7" idx="2"/>
-            <a:endCxn id="17" idx="0"/>
-          </p:cNvCxnSpPr>
-          <p:nvPr/>
-        </p:nvCxnSpPr>
-        <p:spPr>
-          <a:xfrm flipH="1">
-            <a:off x="6481758" y="2494705"/>
-            <a:ext cx="7149" cy="658677"/>
-          </a:xfrm>
-          <a:prstGeom prst="straightConnector1">
-            <a:avLst/>
-          </a:prstGeom>
-          <a:ln>
-            <a:tailEnd type="triangle"/>
-          </a:ln>
-        </p:spPr>
-        <p:style>
-          <a:lnRef idx="2">
-            <a:schemeClr val="accent1"/>
-          </a:lnRef>
-          <a:fillRef idx="0">
-            <a:schemeClr val="accent1"/>
-          </a:fillRef>
-          <a:effectRef idx="1">
-            <a:schemeClr val="accent1"/>
-          </a:effectRef>
-          <a:fontRef idx="minor">
-            <a:schemeClr val="tx1"/>
-          </a:fontRef>
-        </p:style>
-      </p:cxnSp>
-      <p:sp>
-        <p:nvSpPr>
-          <p:cNvPr id="19" name="ZoneTexte 18">
-            <a:extLst>
-              <a:ext uri="{FF2B5EF4-FFF2-40B4-BE49-F238E27FC236}">
-                <a16:creationId xmlns:a16="http://schemas.microsoft.com/office/drawing/2014/main" id="{995969A9-8946-CA34-06B7-4F92B1649D10}"/>
-              </a:ext>
-            </a:extLst>
-          </p:cNvPr>
-          <p:cNvSpPr txBox="1"/>
-          <p:nvPr/>
-        </p:nvSpPr>
-        <p:spPr>
-          <a:xfrm>
-            <a:off x="6091254" y="2636130"/>
-            <a:ext cx="585787" cy="369332"/>
-          </a:xfrm>
-          <a:prstGeom prst="rect">
-            <a:avLst/>
-          </a:prstGeom>
-          <a:noFill/>
-        </p:spPr>
-        <p:txBody>
-          <a:bodyPr wrap="square" rtlCol="0">
-            <a:spAutoFit/>
-          </a:bodyPr>
-          <a:lstStyle/>
-          <a:p>
-            <a:r>
-              <a:rPr lang="fr-FR" dirty="0"/>
-              <a:t>$</a:t>
-            </a:r>
-          </a:p>
-        </p:txBody>
-      </p:sp>
-      <p:sp>
-        <p:nvSpPr>
-          <p:cNvPr id="20" name="ZoneTexte 19">
-            <a:extLst>
-              <a:ext uri="{FF2B5EF4-FFF2-40B4-BE49-F238E27FC236}">
-                <a16:creationId xmlns:a16="http://schemas.microsoft.com/office/drawing/2014/main" id="{CEDE2D00-DF32-23A5-D037-58FAAC65263C}"/>
-              </a:ext>
-            </a:extLst>
-          </p:cNvPr>
-          <p:cNvSpPr txBox="1"/>
-          <p:nvPr/>
-        </p:nvSpPr>
-        <p:spPr>
-          <a:xfrm>
-            <a:off x="8796334" y="1843463"/>
-            <a:ext cx="2528883" cy="369332"/>
-          </a:xfrm>
-          <a:prstGeom prst="rect">
-            <a:avLst/>
-          </a:prstGeom>
-          <a:solidFill>
-            <a:schemeClr val="accent2">
-              <a:lumMod val="20000"/>
-              <a:lumOff val="80000"/>
-            </a:schemeClr>
-          </a:solidFill>
-          <a:ln w="25400">
+            <a:ln w="25400">
+              <a:solidFill>
+                <a:schemeClr val="accent1"/>
+              </a:solidFill>
+            </a:ln>
+          </p:spPr>
+          <p:txBody>
+            <a:bodyPr wrap="square" rtlCol="0">
+              <a:spAutoFit/>
+            </a:bodyPr>
+            <a:lstStyle/>
+            <a:p>
+              <a:pPr marL="285750" indent="-285750">
+                <a:buFont typeface="Arial" panose="020B0604020202020204" pitchFamily="34" charset="0"/>
+                <a:buChar char="•"/>
+              </a:pPr>
+              <a:r>
+                <a:rPr lang="fr-FR" dirty="0" err="1"/>
+                <a:t>orig.ident</a:t>
+              </a:r>
+              <a:endParaRPr lang="fr-FR" dirty="0"/>
+            </a:p>
+            <a:p>
+              <a:pPr marL="285750" indent="-285750">
+                <a:buFont typeface="Arial" panose="020B0604020202020204" pitchFamily="34" charset="0"/>
+                <a:buChar char="•"/>
+              </a:pPr>
+              <a:r>
+                <a:rPr lang="fr-FR" dirty="0" err="1"/>
+                <a:t>nCount_RNA</a:t>
+              </a:r>
+              <a:endParaRPr lang="fr-FR" dirty="0"/>
+            </a:p>
+            <a:p>
+              <a:pPr marL="285750" indent="-285750">
+                <a:buFont typeface="Arial" panose="020B0604020202020204" pitchFamily="34" charset="0"/>
+                <a:buChar char="•"/>
+              </a:pPr>
+              <a:r>
+                <a:rPr lang="fr-FR" dirty="0" err="1"/>
+                <a:t>nFeatures_RNA</a:t>
+              </a:r>
+              <a:endParaRPr lang="fr-FR" dirty="0"/>
+            </a:p>
+            <a:p>
+              <a:pPr marL="285750" indent="-285750">
+                <a:buFont typeface="Arial" panose="020B0604020202020204" pitchFamily="34" charset="0"/>
+                <a:buChar char="•"/>
+              </a:pPr>
+              <a:r>
+                <a:rPr lang="fr-FR" dirty="0"/>
+                <a:t>log10GenesPerUMI</a:t>
+              </a:r>
+            </a:p>
+            <a:p>
+              <a:pPr marL="285750" indent="-285750">
+                <a:buFont typeface="Arial" panose="020B0604020202020204" pitchFamily="34" charset="0"/>
+                <a:buChar char="•"/>
+              </a:pPr>
+              <a:r>
+                <a:rPr lang="fr-FR" dirty="0" err="1"/>
+                <a:t>percent.mt</a:t>
+              </a:r>
+              <a:endParaRPr lang="fr-FR" dirty="0"/>
+            </a:p>
+          </p:txBody>
+        </p:sp>
+        <p:cxnSp>
+          <p:nvCxnSpPr>
+            <p:cNvPr id="18" name="Connecteur droit avec flèche 17">
+              <a:extLst>
+                <a:ext uri="{FF2B5EF4-FFF2-40B4-BE49-F238E27FC236}">
+                  <a16:creationId xmlns:a16="http://schemas.microsoft.com/office/drawing/2014/main" id="{E2DA0992-6D21-C8CB-A39C-1C0EB4B888AF}"/>
+                </a:ext>
+              </a:extLst>
+            </p:cNvPr>
+            <p:cNvCxnSpPr>
+              <a:cxnSpLocks/>
+              <a:stCxn id="7" idx="2"/>
+              <a:endCxn id="17" idx="0"/>
+            </p:cNvCxnSpPr>
+            <p:nvPr/>
+          </p:nvCxnSpPr>
+          <p:spPr>
+            <a:xfrm flipH="1">
+              <a:off x="6481758" y="2494705"/>
+              <a:ext cx="7149" cy="658677"/>
+            </a:xfrm>
+            <a:prstGeom prst="straightConnector1">
+              <a:avLst/>
+            </a:prstGeom>
+            <a:ln>
+              <a:tailEnd type="triangle"/>
+            </a:ln>
+          </p:spPr>
+          <p:style>
+            <a:lnRef idx="2">
+              <a:schemeClr val="accent1"/>
+            </a:lnRef>
+            <a:fillRef idx="0">
+              <a:schemeClr val="accent1"/>
+            </a:fillRef>
+            <a:effectRef idx="1">
+              <a:schemeClr val="accent1"/>
+            </a:effectRef>
+            <a:fontRef idx="minor">
+              <a:schemeClr val="tx1"/>
+            </a:fontRef>
+          </p:style>
+        </p:cxnSp>
+        <p:sp>
+          <p:nvSpPr>
+            <p:cNvPr id="19" name="ZoneTexte 18">
+              <a:extLst>
+                <a:ext uri="{FF2B5EF4-FFF2-40B4-BE49-F238E27FC236}">
+                  <a16:creationId xmlns:a16="http://schemas.microsoft.com/office/drawing/2014/main" id="{995969A9-8946-CA34-06B7-4F92B1649D10}"/>
+                </a:ext>
+              </a:extLst>
+            </p:cNvPr>
+            <p:cNvSpPr txBox="1"/>
+            <p:nvPr/>
+          </p:nvSpPr>
+          <p:spPr>
+            <a:xfrm>
+              <a:off x="6091254" y="2636130"/>
+              <a:ext cx="585787" cy="369332"/>
+            </a:xfrm>
+            <a:prstGeom prst="rect">
+              <a:avLst/>
+            </a:prstGeom>
+            <a:noFill/>
+          </p:spPr>
+          <p:txBody>
+            <a:bodyPr wrap="square" rtlCol="0">
+              <a:spAutoFit/>
+            </a:bodyPr>
+            <a:lstStyle/>
+            <a:p>
+              <a:r>
+                <a:rPr lang="fr-FR" dirty="0"/>
+                <a:t>$</a:t>
+              </a:r>
+            </a:p>
+          </p:txBody>
+        </p:sp>
+        <p:sp>
+          <p:nvSpPr>
+            <p:cNvPr id="20" name="ZoneTexte 19">
+              <a:extLst>
+                <a:ext uri="{FF2B5EF4-FFF2-40B4-BE49-F238E27FC236}">
+                  <a16:creationId xmlns:a16="http://schemas.microsoft.com/office/drawing/2014/main" id="{CEDE2D00-DF32-23A5-D037-58FAAC65263C}"/>
+                </a:ext>
+              </a:extLst>
+            </p:cNvPr>
+            <p:cNvSpPr txBox="1"/>
+            <p:nvPr/>
+          </p:nvSpPr>
+          <p:spPr>
+            <a:xfrm>
+              <a:off x="8796334" y="1843463"/>
+              <a:ext cx="2528883" cy="369332"/>
+            </a:xfrm>
+            <a:prstGeom prst="rect">
+              <a:avLst/>
+            </a:prstGeom>
             <a:solidFill>
-              <a:schemeClr val="accent1"/>
+              <a:schemeClr val="accent2">
+                <a:lumMod val="20000"/>
+                <a:lumOff val="80000"/>
+              </a:schemeClr>
             </a:solidFill>
-          </a:ln>
-        </p:spPr>
-        <p:txBody>
-          <a:bodyPr wrap="square" rtlCol="0">
-            <a:spAutoFit/>
-          </a:bodyPr>
-          <a:lstStyle/>
-          <a:p>
-            <a:pPr algn="ctr"/>
-            <a:r>
-              <a:rPr lang="fr-FR" dirty="0" err="1"/>
-              <a:t>commands</a:t>
-            </a:r>
-            <a:endParaRPr lang="fr-FR" dirty="0"/>
-          </a:p>
-        </p:txBody>
-      </p:sp>
-      <p:cxnSp>
-        <p:nvCxnSpPr>
-          <p:cNvPr id="21" name="Connecteur en angle 20">
-            <a:extLst>
-              <a:ext uri="{FF2B5EF4-FFF2-40B4-BE49-F238E27FC236}">
-                <a16:creationId xmlns:a16="http://schemas.microsoft.com/office/drawing/2014/main" id="{94B1A517-6CBB-AC1B-4C7F-CD63D5BA3F0E}"/>
-              </a:ext>
-            </a:extLst>
-          </p:cNvPr>
-          <p:cNvCxnSpPr>
-            <a:cxnSpLocks/>
-            <a:stCxn id="5" idx="2"/>
-            <a:endCxn id="20" idx="0"/>
-          </p:cNvCxnSpPr>
-          <p:nvPr/>
-        </p:nvCxnSpPr>
-        <p:spPr>
-          <a:xfrm rot="16200000" flipH="1">
-            <a:off x="7004644" y="-1212670"/>
-            <a:ext cx="1183095" cy="4929170"/>
-          </a:xfrm>
-          <a:prstGeom prst="bentConnector3">
-            <a:avLst/>
-          </a:prstGeom>
-          <a:ln>
-            <a:tailEnd type="triangle"/>
-          </a:ln>
-        </p:spPr>
-        <p:style>
-          <a:lnRef idx="2">
-            <a:schemeClr val="accent1"/>
-          </a:lnRef>
-          <a:fillRef idx="0">
-            <a:schemeClr val="accent1"/>
-          </a:fillRef>
-          <a:effectRef idx="1">
-            <a:schemeClr val="accent1"/>
-          </a:effectRef>
-          <a:fontRef idx="minor">
-            <a:schemeClr val="tx1"/>
-          </a:fontRef>
-        </p:style>
-      </p:cxnSp>
-      <p:sp>
-        <p:nvSpPr>
-          <p:cNvPr id="22" name="ZoneTexte 21">
-            <a:extLst>
-              <a:ext uri="{FF2B5EF4-FFF2-40B4-BE49-F238E27FC236}">
-                <a16:creationId xmlns:a16="http://schemas.microsoft.com/office/drawing/2014/main" id="{4923F9E4-7D6E-CDB9-F767-C3C67511F979}"/>
-              </a:ext>
-            </a:extLst>
-          </p:cNvPr>
-          <p:cNvSpPr txBox="1"/>
-          <p:nvPr/>
-        </p:nvSpPr>
-        <p:spPr>
-          <a:xfrm>
-            <a:off x="8270083" y="2862860"/>
-            <a:ext cx="3581383" cy="646331"/>
-          </a:xfrm>
-          <a:prstGeom prst="rect">
-            <a:avLst/>
-          </a:prstGeom>
-          <a:solidFill>
-            <a:schemeClr val="accent3">
-              <a:lumMod val="20000"/>
-              <a:lumOff val="80000"/>
-            </a:schemeClr>
-          </a:solidFill>
-          <a:ln w="25400">
+            <a:ln w="25400">
+              <a:solidFill>
+                <a:schemeClr val="accent1"/>
+              </a:solidFill>
+            </a:ln>
+          </p:spPr>
+          <p:txBody>
+            <a:bodyPr wrap="square" rtlCol="0">
+              <a:spAutoFit/>
+            </a:bodyPr>
+            <a:lstStyle/>
+            <a:p>
+              <a:pPr algn="ctr"/>
+              <a:r>
+                <a:rPr lang="fr-FR" dirty="0" err="1"/>
+                <a:t>commands</a:t>
+              </a:r>
+              <a:endParaRPr lang="fr-FR" dirty="0"/>
+            </a:p>
+          </p:txBody>
+        </p:sp>
+        <p:cxnSp>
+          <p:nvCxnSpPr>
+            <p:cNvPr id="21" name="Connecteur en angle 20">
+              <a:extLst>
+                <a:ext uri="{FF2B5EF4-FFF2-40B4-BE49-F238E27FC236}">
+                  <a16:creationId xmlns:a16="http://schemas.microsoft.com/office/drawing/2014/main" id="{94B1A517-6CBB-AC1B-4C7F-CD63D5BA3F0E}"/>
+                </a:ext>
+              </a:extLst>
+            </p:cNvPr>
+            <p:cNvCxnSpPr>
+              <a:cxnSpLocks/>
+              <a:stCxn id="5" idx="2"/>
+              <a:endCxn id="20" idx="0"/>
+            </p:cNvCxnSpPr>
+            <p:nvPr/>
+          </p:nvCxnSpPr>
+          <p:spPr>
+            <a:xfrm rot="16200000" flipH="1">
+              <a:off x="7004644" y="-1212670"/>
+              <a:ext cx="1183095" cy="4929170"/>
+            </a:xfrm>
+            <a:prstGeom prst="bentConnector3">
+              <a:avLst/>
+            </a:prstGeom>
+            <a:ln>
+              <a:tailEnd type="triangle"/>
+            </a:ln>
+          </p:spPr>
+          <p:style>
+            <a:lnRef idx="2">
+              <a:schemeClr val="accent1"/>
+            </a:lnRef>
+            <a:fillRef idx="0">
+              <a:schemeClr val="accent1"/>
+            </a:fillRef>
+            <a:effectRef idx="1">
+              <a:schemeClr val="accent1"/>
+            </a:effectRef>
+            <a:fontRef idx="minor">
+              <a:schemeClr val="tx1"/>
+            </a:fontRef>
+          </p:style>
+        </p:cxnSp>
+        <p:sp>
+          <p:nvSpPr>
+            <p:cNvPr id="22" name="ZoneTexte 21">
+              <a:extLst>
+                <a:ext uri="{FF2B5EF4-FFF2-40B4-BE49-F238E27FC236}">
+                  <a16:creationId xmlns:a16="http://schemas.microsoft.com/office/drawing/2014/main" id="{4923F9E4-7D6E-CDB9-F767-C3C67511F979}"/>
+                </a:ext>
+              </a:extLst>
+            </p:cNvPr>
+            <p:cNvSpPr txBox="1"/>
+            <p:nvPr/>
+          </p:nvSpPr>
+          <p:spPr>
+            <a:xfrm>
+              <a:off x="8270083" y="2862860"/>
+              <a:ext cx="3581383" cy="646331"/>
+            </a:xfrm>
+            <a:prstGeom prst="rect">
+              <a:avLst/>
+            </a:prstGeom>
             <a:solidFill>
-              <a:schemeClr val="accent1"/>
+              <a:schemeClr val="accent3">
+                <a:lumMod val="20000"/>
+                <a:lumOff val="80000"/>
+              </a:schemeClr>
             </a:solidFill>
-          </a:ln>
-        </p:spPr>
-        <p:txBody>
-          <a:bodyPr wrap="square" rtlCol="0">
-            <a:spAutoFit/>
-          </a:bodyPr>
-          <a:lstStyle/>
-          <a:p>
-            <a:pPr marL="285750" indent="-285750">
-              <a:buFont typeface="Arial" panose="020B0604020202020204" pitchFamily="34" charset="0"/>
-              <a:buChar char="•"/>
-            </a:pPr>
-            <a:r>
-              <a:rPr lang="fr-FR" dirty="0" err="1"/>
-              <a:t>NormalizeData.RNA</a:t>
-            </a:r>
-            <a:r>
-              <a:rPr lang="fr-FR" dirty="0"/>
-              <a:t>$ ……</a:t>
-            </a:r>
-          </a:p>
-          <a:p>
-            <a:pPr marL="285750" indent="-285750">
-              <a:buFont typeface="Arial" panose="020B0604020202020204" pitchFamily="34" charset="0"/>
-              <a:buChar char="•"/>
-            </a:pPr>
-            <a:r>
-              <a:rPr lang="fr-FR" dirty="0" err="1"/>
-              <a:t>FindVariableFeatures.RNA</a:t>
-            </a:r>
-            <a:r>
-              <a:rPr lang="fr-FR" dirty="0"/>
-              <a:t>$...</a:t>
-            </a:r>
-          </a:p>
-        </p:txBody>
-      </p:sp>
-      <p:cxnSp>
-        <p:nvCxnSpPr>
-          <p:cNvPr id="23" name="Connecteur droit avec flèche 22">
-            <a:extLst>
-              <a:ext uri="{FF2B5EF4-FFF2-40B4-BE49-F238E27FC236}">
-                <a16:creationId xmlns:a16="http://schemas.microsoft.com/office/drawing/2014/main" id="{1BDF930D-63D6-07D0-EEEA-10F56465F57C}"/>
-              </a:ext>
-            </a:extLst>
-          </p:cNvPr>
-          <p:cNvCxnSpPr>
-            <a:cxnSpLocks/>
-            <a:stCxn id="20" idx="2"/>
-            <a:endCxn id="22" idx="0"/>
-          </p:cNvCxnSpPr>
-          <p:nvPr/>
-        </p:nvCxnSpPr>
-        <p:spPr>
-          <a:xfrm flipH="1">
-            <a:off x="10060775" y="2212795"/>
-            <a:ext cx="1" cy="650065"/>
-          </a:xfrm>
-          <a:prstGeom prst="straightConnector1">
-            <a:avLst/>
-          </a:prstGeom>
-          <a:ln>
-            <a:tailEnd type="triangle"/>
-          </a:ln>
-        </p:spPr>
-        <p:style>
-          <a:lnRef idx="2">
-            <a:schemeClr val="accent1"/>
-          </a:lnRef>
-          <a:fillRef idx="0">
-            <a:schemeClr val="accent1"/>
-          </a:fillRef>
-          <a:effectRef idx="1">
-            <a:schemeClr val="accent1"/>
-          </a:effectRef>
-          <a:fontRef idx="minor">
-            <a:schemeClr val="tx1"/>
-          </a:fontRef>
-        </p:style>
-      </p:cxnSp>
-      <p:sp>
-        <p:nvSpPr>
-          <p:cNvPr id="24" name="ZoneTexte 23">
-            <a:extLst>
-              <a:ext uri="{FF2B5EF4-FFF2-40B4-BE49-F238E27FC236}">
-                <a16:creationId xmlns:a16="http://schemas.microsoft.com/office/drawing/2014/main" id="{62B74C2B-5610-5851-C592-0193CB1228D8}"/>
-              </a:ext>
-            </a:extLst>
-          </p:cNvPr>
-          <p:cNvSpPr txBox="1"/>
-          <p:nvPr/>
-        </p:nvSpPr>
-        <p:spPr>
-          <a:xfrm>
-            <a:off x="9544077" y="2345608"/>
-            <a:ext cx="585787" cy="369332"/>
-          </a:xfrm>
-          <a:prstGeom prst="rect">
-            <a:avLst/>
-          </a:prstGeom>
-          <a:noFill/>
-        </p:spPr>
-        <p:txBody>
-          <a:bodyPr wrap="square" rtlCol="0">
-            <a:spAutoFit/>
-          </a:bodyPr>
-          <a:lstStyle/>
-          <a:p>
-            <a:r>
-              <a:rPr lang="fr-FR" dirty="0"/>
-              <a:t>$</a:t>
-            </a:r>
-          </a:p>
-        </p:txBody>
-      </p:sp>
+            <a:ln w="25400">
+              <a:solidFill>
+                <a:schemeClr val="accent1"/>
+              </a:solidFill>
+            </a:ln>
+          </p:spPr>
+          <p:txBody>
+            <a:bodyPr wrap="square" rtlCol="0">
+              <a:spAutoFit/>
+            </a:bodyPr>
+            <a:lstStyle/>
+            <a:p>
+              <a:pPr marL="285750" indent="-285750">
+                <a:buFont typeface="Arial" panose="020B0604020202020204" pitchFamily="34" charset="0"/>
+                <a:buChar char="•"/>
+              </a:pPr>
+              <a:r>
+                <a:rPr lang="fr-FR" dirty="0" err="1"/>
+                <a:t>NormalizeData.RNA</a:t>
+              </a:r>
+              <a:r>
+                <a:rPr lang="fr-FR" dirty="0"/>
+                <a:t>$ ……</a:t>
+              </a:r>
+            </a:p>
+            <a:p>
+              <a:pPr marL="285750" indent="-285750">
+                <a:buFont typeface="Arial" panose="020B0604020202020204" pitchFamily="34" charset="0"/>
+                <a:buChar char="•"/>
+              </a:pPr>
+              <a:r>
+                <a:rPr lang="fr-FR" dirty="0" err="1"/>
+                <a:t>FindVariableFeatures.RNA</a:t>
+              </a:r>
+              <a:r>
+                <a:rPr lang="fr-FR" dirty="0"/>
+                <a:t>$...</a:t>
+              </a:r>
+            </a:p>
+          </p:txBody>
+        </p:sp>
+        <p:cxnSp>
+          <p:nvCxnSpPr>
+            <p:cNvPr id="23" name="Connecteur droit avec flèche 22">
+              <a:extLst>
+                <a:ext uri="{FF2B5EF4-FFF2-40B4-BE49-F238E27FC236}">
+                  <a16:creationId xmlns:a16="http://schemas.microsoft.com/office/drawing/2014/main" id="{1BDF930D-63D6-07D0-EEEA-10F56465F57C}"/>
+                </a:ext>
+              </a:extLst>
+            </p:cNvPr>
+            <p:cNvCxnSpPr>
+              <a:cxnSpLocks/>
+              <a:stCxn id="20" idx="2"/>
+              <a:endCxn id="22" idx="0"/>
+            </p:cNvCxnSpPr>
+            <p:nvPr/>
+          </p:nvCxnSpPr>
+          <p:spPr>
+            <a:xfrm flipH="1">
+              <a:off x="10060775" y="2212795"/>
+              <a:ext cx="1" cy="650065"/>
+            </a:xfrm>
+            <a:prstGeom prst="straightConnector1">
+              <a:avLst/>
+            </a:prstGeom>
+            <a:ln>
+              <a:tailEnd type="triangle"/>
+            </a:ln>
+          </p:spPr>
+          <p:style>
+            <a:lnRef idx="2">
+              <a:schemeClr val="accent1"/>
+            </a:lnRef>
+            <a:fillRef idx="0">
+              <a:schemeClr val="accent1"/>
+            </a:fillRef>
+            <a:effectRef idx="1">
+              <a:schemeClr val="accent1"/>
+            </a:effectRef>
+            <a:fontRef idx="minor">
+              <a:schemeClr val="tx1"/>
+            </a:fontRef>
+          </p:style>
+        </p:cxnSp>
+        <p:sp>
+          <p:nvSpPr>
+            <p:cNvPr id="24" name="ZoneTexte 23">
+              <a:extLst>
+                <a:ext uri="{FF2B5EF4-FFF2-40B4-BE49-F238E27FC236}">
+                  <a16:creationId xmlns:a16="http://schemas.microsoft.com/office/drawing/2014/main" id="{62B74C2B-5610-5851-C592-0193CB1228D8}"/>
+                </a:ext>
+              </a:extLst>
+            </p:cNvPr>
+            <p:cNvSpPr txBox="1"/>
+            <p:nvPr/>
+          </p:nvSpPr>
+          <p:spPr>
+            <a:xfrm>
+              <a:off x="9544077" y="2345608"/>
+              <a:ext cx="585787" cy="369332"/>
+            </a:xfrm>
+            <a:prstGeom prst="rect">
+              <a:avLst/>
+            </a:prstGeom>
+            <a:noFill/>
+          </p:spPr>
+          <p:txBody>
+            <a:bodyPr wrap="square" rtlCol="0">
+              <a:spAutoFit/>
+            </a:bodyPr>
+            <a:lstStyle/>
+            <a:p>
+              <a:r>
+                <a:rPr lang="fr-FR" dirty="0"/>
+                <a:t>$</a:t>
+              </a:r>
+            </a:p>
+          </p:txBody>
+        </p:sp>
+      </p:grpSp>
     </p:spTree>
     <p:extLst>
       <p:ext uri="{BB962C8B-B14F-4D97-AF65-F5344CB8AC3E}">
         <p14:creationId xmlns:p14="http://schemas.microsoft.com/office/powerpoint/2010/main" val="55505770"/>
+      </p:ext>
+    </p:extLst>
+  </p:cSld>
+  <p:clrMapOvr>
+    <a:masterClrMapping/>
+  </p:clrMapOvr>
+</p:sld>
+</file>
+
+<file path=ppt/slides/slide7.xml><?xml version="1.0" encoding="utf-8"?>
+<p:sld xmlns:a="http://schemas.openxmlformats.org/drawingml/2006/main" xmlns:r="http://schemas.openxmlformats.org/officeDocument/2006/relationships" xmlns:p="http://schemas.openxmlformats.org/presentationml/2006/main">
+  <p:cSld>
+    <p:spTree>
+      <p:nvGrpSpPr>
+        <p:cNvPr id="1" name=""/>
+        <p:cNvGrpSpPr/>
+        <p:nvPr/>
+      </p:nvGrpSpPr>
+      <p:grpSpPr>
+        <a:xfrm>
+          <a:off x="0" y="0"/>
+          <a:ext cx="0" cy="0"/>
+          <a:chOff x="0" y="0"/>
+          <a:chExt cx="0" cy="0"/>
+        </a:xfrm>
+      </p:grpSpPr>
+      <p:grpSp>
+        <p:nvGrpSpPr>
+          <p:cNvPr id="37" name="Groupe 36">
+            <a:extLst>
+              <a:ext uri="{FF2B5EF4-FFF2-40B4-BE49-F238E27FC236}">
+                <a16:creationId xmlns:a16="http://schemas.microsoft.com/office/drawing/2014/main" id="{AC194D59-EA8E-116E-3761-D28446C9C811}"/>
+              </a:ext>
+            </a:extLst>
+          </p:cNvPr>
+          <p:cNvGrpSpPr/>
+          <p:nvPr/>
+        </p:nvGrpSpPr>
+        <p:grpSpPr>
+          <a:xfrm>
+            <a:off x="221467" y="328362"/>
+            <a:ext cx="11694270" cy="6201275"/>
+            <a:chOff x="221467" y="328362"/>
+            <a:chExt cx="11694270" cy="6201275"/>
+          </a:xfrm>
+        </p:grpSpPr>
+        <p:sp>
+          <p:nvSpPr>
+            <p:cNvPr id="5" name="ZoneTexte 4">
+              <a:extLst>
+                <a:ext uri="{FF2B5EF4-FFF2-40B4-BE49-F238E27FC236}">
+                  <a16:creationId xmlns:a16="http://schemas.microsoft.com/office/drawing/2014/main" id="{CBAB8C23-F167-6362-B577-0CB0DBAB8B6C}"/>
+                </a:ext>
+              </a:extLst>
+            </p:cNvPr>
+            <p:cNvSpPr txBox="1"/>
+            <p:nvPr/>
+          </p:nvSpPr>
+          <p:spPr>
+            <a:xfrm>
+              <a:off x="2952761" y="328362"/>
+              <a:ext cx="1585913" cy="369332"/>
+            </a:xfrm>
+            <a:prstGeom prst="rect">
+              <a:avLst/>
+            </a:prstGeom>
+            <a:solidFill>
+              <a:schemeClr val="tx2">
+                <a:lumMod val="10000"/>
+                <a:lumOff val="90000"/>
+              </a:schemeClr>
+            </a:solidFill>
+            <a:ln w="25400">
+              <a:solidFill>
+                <a:schemeClr val="accent1"/>
+              </a:solidFill>
+            </a:ln>
+          </p:spPr>
+          <p:txBody>
+            <a:bodyPr wrap="square" rtlCol="0">
+              <a:spAutoFit/>
+            </a:bodyPr>
+            <a:lstStyle/>
+            <a:p>
+              <a:pPr algn="ctr"/>
+              <a:r>
+                <a:rPr lang="fr-FR" dirty="0"/>
+                <a:t>Seurat Object</a:t>
+              </a:r>
+            </a:p>
+          </p:txBody>
+        </p:sp>
+        <p:sp>
+          <p:nvSpPr>
+            <p:cNvPr id="6" name="ZoneTexte 5">
+              <a:extLst>
+                <a:ext uri="{FF2B5EF4-FFF2-40B4-BE49-F238E27FC236}">
+                  <a16:creationId xmlns:a16="http://schemas.microsoft.com/office/drawing/2014/main" id="{B4751E88-EC13-F6B9-D07B-AA04903D22DC}"/>
+                </a:ext>
+              </a:extLst>
+            </p:cNvPr>
+            <p:cNvSpPr txBox="1"/>
+            <p:nvPr/>
+          </p:nvSpPr>
+          <p:spPr>
+            <a:xfrm>
+              <a:off x="1995495" y="1885700"/>
+              <a:ext cx="1428750" cy="369332"/>
+            </a:xfrm>
+            <a:prstGeom prst="rect">
+              <a:avLst/>
+            </a:prstGeom>
+            <a:solidFill>
+              <a:schemeClr val="accent2">
+                <a:lumMod val="20000"/>
+                <a:lumOff val="80000"/>
+              </a:schemeClr>
+            </a:solidFill>
+            <a:ln w="25400">
+              <a:solidFill>
+                <a:schemeClr val="accent1"/>
+              </a:solidFill>
+            </a:ln>
+          </p:spPr>
+          <p:txBody>
+            <a:bodyPr wrap="square" rtlCol="0">
+              <a:spAutoFit/>
+            </a:bodyPr>
+            <a:lstStyle/>
+            <a:p>
+              <a:pPr algn="ctr"/>
+              <a:r>
+                <a:rPr lang="fr-FR" dirty="0" err="1"/>
+                <a:t>assays</a:t>
+              </a:r>
+              <a:endParaRPr lang="fr-FR" dirty="0"/>
+            </a:p>
+          </p:txBody>
+        </p:sp>
+        <p:sp>
+          <p:nvSpPr>
+            <p:cNvPr id="7" name="ZoneTexte 6">
+              <a:extLst>
+                <a:ext uri="{FF2B5EF4-FFF2-40B4-BE49-F238E27FC236}">
+                  <a16:creationId xmlns:a16="http://schemas.microsoft.com/office/drawing/2014/main" id="{B26BE564-324A-8FC6-127B-CCDAC4C4833A}"/>
+                </a:ext>
+              </a:extLst>
+            </p:cNvPr>
+            <p:cNvSpPr txBox="1"/>
+            <p:nvPr/>
+          </p:nvSpPr>
+          <p:spPr>
+            <a:xfrm>
+              <a:off x="3838577" y="1885700"/>
+              <a:ext cx="2528883" cy="646331"/>
+            </a:xfrm>
+            <a:prstGeom prst="rect">
+              <a:avLst/>
+            </a:prstGeom>
+            <a:solidFill>
+              <a:schemeClr val="accent2">
+                <a:lumMod val="20000"/>
+                <a:lumOff val="80000"/>
+              </a:schemeClr>
+            </a:solidFill>
+            <a:ln w="25400">
+              <a:solidFill>
+                <a:schemeClr val="accent1"/>
+              </a:solidFill>
+            </a:ln>
+          </p:spPr>
+          <p:txBody>
+            <a:bodyPr wrap="square" rtlCol="0">
+              <a:spAutoFit/>
+            </a:bodyPr>
+            <a:lstStyle/>
+            <a:p>
+              <a:pPr algn="ctr"/>
+              <a:r>
+                <a:rPr lang="fr-FR" dirty="0" err="1"/>
+                <a:t>meta.data</a:t>
+              </a:r>
+              <a:endParaRPr lang="fr-FR" dirty="0"/>
+            </a:p>
+            <a:p>
+              <a:pPr algn="ctr"/>
+              <a:r>
+                <a:rPr lang="fr-FR" dirty="0"/>
+                <a:t>(info sur les cellules)</a:t>
+              </a:r>
+            </a:p>
+          </p:txBody>
+        </p:sp>
+        <p:cxnSp>
+          <p:nvCxnSpPr>
+            <p:cNvPr id="8" name="Connecteur en angle 7">
+              <a:extLst>
+                <a:ext uri="{FF2B5EF4-FFF2-40B4-BE49-F238E27FC236}">
+                  <a16:creationId xmlns:a16="http://schemas.microsoft.com/office/drawing/2014/main" id="{F2ABA623-B9C3-9E56-1F6E-213A5BD53B3F}"/>
+                </a:ext>
+              </a:extLst>
+            </p:cNvPr>
+            <p:cNvCxnSpPr>
+              <a:stCxn id="5" idx="2"/>
+              <a:endCxn id="6" idx="0"/>
+            </p:cNvCxnSpPr>
+            <p:nvPr/>
+          </p:nvCxnSpPr>
+          <p:spPr>
+            <a:xfrm rot="5400000">
+              <a:off x="2633791" y="773773"/>
+              <a:ext cx="1188006" cy="1035848"/>
+            </a:xfrm>
+            <a:prstGeom prst="bentConnector3">
+              <a:avLst/>
+            </a:prstGeom>
+            <a:ln>
+              <a:tailEnd type="triangle"/>
+            </a:ln>
+          </p:spPr>
+          <p:style>
+            <a:lnRef idx="2">
+              <a:schemeClr val="accent1"/>
+            </a:lnRef>
+            <a:fillRef idx="0">
+              <a:schemeClr val="accent1"/>
+            </a:fillRef>
+            <a:effectRef idx="1">
+              <a:schemeClr val="accent1"/>
+            </a:effectRef>
+            <a:fontRef idx="minor">
+              <a:schemeClr val="tx1"/>
+            </a:fontRef>
+          </p:style>
+        </p:cxnSp>
+        <p:cxnSp>
+          <p:nvCxnSpPr>
+            <p:cNvPr id="9" name="Connecteur en angle 8">
+              <a:extLst>
+                <a:ext uri="{FF2B5EF4-FFF2-40B4-BE49-F238E27FC236}">
+                  <a16:creationId xmlns:a16="http://schemas.microsoft.com/office/drawing/2014/main" id="{EE3C033D-F456-67F3-659D-DDD1DF89BB1B}"/>
+                </a:ext>
+              </a:extLst>
+            </p:cNvPr>
+            <p:cNvCxnSpPr>
+              <a:cxnSpLocks/>
+              <a:endCxn id="7" idx="0"/>
+            </p:cNvCxnSpPr>
+            <p:nvPr/>
+          </p:nvCxnSpPr>
+          <p:spPr>
+            <a:xfrm>
+              <a:off x="3502826" y="1291697"/>
+              <a:ext cx="1600193" cy="594003"/>
+            </a:xfrm>
+            <a:prstGeom prst="bentConnector2">
+              <a:avLst/>
+            </a:prstGeom>
+            <a:ln>
+              <a:tailEnd type="triangle"/>
+            </a:ln>
+          </p:spPr>
+          <p:style>
+            <a:lnRef idx="2">
+              <a:schemeClr val="accent1"/>
+            </a:lnRef>
+            <a:fillRef idx="0">
+              <a:schemeClr val="accent1"/>
+            </a:fillRef>
+            <a:effectRef idx="1">
+              <a:schemeClr val="accent1"/>
+            </a:effectRef>
+            <a:fontRef idx="minor">
+              <a:schemeClr val="tx1"/>
+            </a:fontRef>
+          </p:style>
+        </p:cxnSp>
+        <mc:AlternateContent xmlns:mc="http://schemas.openxmlformats.org/markup-compatibility/2006">
+          <mc:Choice xmlns:a14="http://schemas.microsoft.com/office/drawing/2010/main" Requires="a14">
+            <p:sp>
+              <p:nvSpPr>
+                <p:cNvPr id="10" name="ZoneTexte 9">
+                  <a:extLst>
+                    <a:ext uri="{FF2B5EF4-FFF2-40B4-BE49-F238E27FC236}">
+                      <a16:creationId xmlns:a16="http://schemas.microsoft.com/office/drawing/2014/main" id="{059F2EBA-1D31-4686-7371-EC86870CACAA}"/>
+                    </a:ext>
+                  </a:extLst>
+                </p:cNvPr>
+                <p:cNvSpPr txBox="1"/>
+                <p:nvPr/>
+              </p:nvSpPr>
+              <p:spPr>
+                <a:xfrm>
+                  <a:off x="3367101" y="809966"/>
+                  <a:ext cx="1243017" cy="369332"/>
+                </a:xfrm>
+                <a:prstGeom prst="rect">
+                  <a:avLst/>
+                </a:prstGeom>
+                <a:noFill/>
+              </p:spPr>
+              <p:txBody>
+                <a:bodyPr wrap="square" rtlCol="0">
+                  <a:spAutoFit/>
+                </a:bodyPr>
+                <a:lstStyle/>
+                <a:p>
+                  <a14:m>
+                    <m:oMathPara xmlns:m="http://schemas.openxmlformats.org/officeDocument/2006/math">
+                      <m:oMathParaPr>
+                        <m:jc m:val="centerGroup"/>
+                      </m:oMathParaPr>
+                      <m:oMath xmlns:m="http://schemas.openxmlformats.org/officeDocument/2006/math">
+                        <m:r>
+                          <a:rPr lang="fr-FR" b="0" i="1" smtClean="0">
+                            <a:latin typeface="Cambria Math" panose="02040503050406030204" pitchFamily="18" charset="0"/>
+                          </a:rPr>
+                          <m:t>@</m:t>
+                        </m:r>
+                      </m:oMath>
+                    </m:oMathPara>
+                  </a14:m>
+                  <a:endParaRPr lang="fr-FR" dirty="0"/>
+                </a:p>
+              </p:txBody>
+            </p:sp>
+          </mc:Choice>
+          <mc:Fallback>
+            <p:sp>
+              <p:nvSpPr>
+                <p:cNvPr id="10" name="ZoneTexte 9">
+                  <a:extLst>
+                    <a:ext uri="{FF2B5EF4-FFF2-40B4-BE49-F238E27FC236}">
+                      <a16:creationId xmlns:a16="http://schemas.microsoft.com/office/drawing/2014/main" id="{059F2EBA-1D31-4686-7371-EC86870CACAA}"/>
+                    </a:ext>
+                  </a:extLst>
+                </p:cNvPr>
+                <p:cNvSpPr txBox="1">
+                  <a:spLocks noRot="1" noChangeAspect="1" noMove="1" noResize="1" noEditPoints="1" noAdjustHandles="1" noChangeArrowheads="1" noChangeShapeType="1" noTextEdit="1"/>
+                </p:cNvSpPr>
+                <p:nvPr/>
+              </p:nvSpPr>
+              <p:spPr>
+                <a:xfrm>
+                  <a:off x="3367101" y="809966"/>
+                  <a:ext cx="1243017" cy="369332"/>
+                </a:xfrm>
+                <a:prstGeom prst="rect">
+                  <a:avLst/>
+                </a:prstGeom>
+                <a:blipFill>
+                  <a:blip r:embed="rId2"/>
+                  <a:stretch>
+                    <a:fillRect/>
+                  </a:stretch>
+                </a:blipFill>
+              </p:spPr>
+              <p:txBody>
+                <a:bodyPr/>
+                <a:lstStyle/>
+                <a:p>
+                  <a:r>
+                    <a:rPr lang="fr-FR">
+                      <a:noFill/>
+                    </a:rPr>
+                    <a:t> </a:t>
+                  </a:r>
+                </a:p>
+              </p:txBody>
+            </p:sp>
+          </mc:Fallback>
+        </mc:AlternateContent>
+        <p:sp>
+          <p:nvSpPr>
+            <p:cNvPr id="11" name="ZoneTexte 10">
+              <a:extLst>
+                <a:ext uri="{FF2B5EF4-FFF2-40B4-BE49-F238E27FC236}">
+                  <a16:creationId xmlns:a16="http://schemas.microsoft.com/office/drawing/2014/main" id="{634AE843-F3B2-FF56-A7E2-AB95527DA5B6}"/>
+                </a:ext>
+              </a:extLst>
+            </p:cNvPr>
+            <p:cNvSpPr txBox="1"/>
+            <p:nvPr/>
+          </p:nvSpPr>
+          <p:spPr>
+            <a:xfrm>
+              <a:off x="1995495" y="2799213"/>
+              <a:ext cx="1428750" cy="369332"/>
+            </a:xfrm>
+            <a:prstGeom prst="rect">
+              <a:avLst/>
+            </a:prstGeom>
+            <a:solidFill>
+              <a:schemeClr val="accent3">
+                <a:lumMod val="20000"/>
+                <a:lumOff val="80000"/>
+              </a:schemeClr>
+            </a:solidFill>
+            <a:ln w="25400">
+              <a:solidFill>
+                <a:schemeClr val="accent1"/>
+              </a:solidFill>
+            </a:ln>
+          </p:spPr>
+          <p:txBody>
+            <a:bodyPr wrap="square" rtlCol="0">
+              <a:spAutoFit/>
+            </a:bodyPr>
+            <a:lstStyle/>
+            <a:p>
+              <a:pPr algn="ctr"/>
+              <a:r>
+                <a:rPr lang="fr-FR" dirty="0"/>
+                <a:t>RNA</a:t>
+              </a:r>
+            </a:p>
+          </p:txBody>
+        </p:sp>
+        <p:cxnSp>
+          <p:nvCxnSpPr>
+            <p:cNvPr id="12" name="Connecteur droit avec flèche 11">
+              <a:extLst>
+                <a:ext uri="{FF2B5EF4-FFF2-40B4-BE49-F238E27FC236}">
+                  <a16:creationId xmlns:a16="http://schemas.microsoft.com/office/drawing/2014/main" id="{B8D414A3-F390-2D08-E523-1042F960A2E5}"/>
+                </a:ext>
+              </a:extLst>
+            </p:cNvPr>
+            <p:cNvCxnSpPr>
+              <a:stCxn id="6" idx="2"/>
+              <a:endCxn id="11" idx="0"/>
+            </p:cNvCxnSpPr>
+            <p:nvPr/>
+          </p:nvCxnSpPr>
+          <p:spPr>
+            <a:xfrm>
+              <a:off x="2709870" y="2255032"/>
+              <a:ext cx="0" cy="544181"/>
+            </a:xfrm>
+            <a:prstGeom prst="straightConnector1">
+              <a:avLst/>
+            </a:prstGeom>
+            <a:ln>
+              <a:tailEnd type="triangle"/>
+            </a:ln>
+          </p:spPr>
+          <p:style>
+            <a:lnRef idx="2">
+              <a:schemeClr val="accent1"/>
+            </a:lnRef>
+            <a:fillRef idx="0">
+              <a:schemeClr val="accent1"/>
+            </a:fillRef>
+            <a:effectRef idx="1">
+              <a:schemeClr val="accent1"/>
+            </a:effectRef>
+            <a:fontRef idx="minor">
+              <a:schemeClr val="tx1"/>
+            </a:fontRef>
+          </p:style>
+        </p:cxnSp>
+        <p:sp>
+          <p:nvSpPr>
+            <p:cNvPr id="13" name="ZoneTexte 12">
+              <a:extLst>
+                <a:ext uri="{FF2B5EF4-FFF2-40B4-BE49-F238E27FC236}">
+                  <a16:creationId xmlns:a16="http://schemas.microsoft.com/office/drawing/2014/main" id="{D092D8BC-3E92-C142-40C2-EB4A191C2222}"/>
+                </a:ext>
+              </a:extLst>
+            </p:cNvPr>
+            <p:cNvSpPr txBox="1"/>
+            <p:nvPr/>
+          </p:nvSpPr>
+          <p:spPr>
+            <a:xfrm>
+              <a:off x="2324108" y="2349600"/>
+              <a:ext cx="585787" cy="369332"/>
+            </a:xfrm>
+            <a:prstGeom prst="rect">
+              <a:avLst/>
+            </a:prstGeom>
+            <a:noFill/>
+          </p:spPr>
+          <p:txBody>
+            <a:bodyPr wrap="square" rtlCol="0">
+              <a:spAutoFit/>
+            </a:bodyPr>
+            <a:lstStyle/>
+            <a:p>
+              <a:r>
+                <a:rPr lang="fr-FR" dirty="0"/>
+                <a:t>$</a:t>
+              </a:r>
+            </a:p>
+          </p:txBody>
+        </p:sp>
+        <p:sp>
+          <p:nvSpPr>
+            <p:cNvPr id="14" name="ZoneTexte 13">
+              <a:extLst>
+                <a:ext uri="{FF2B5EF4-FFF2-40B4-BE49-F238E27FC236}">
+                  <a16:creationId xmlns:a16="http://schemas.microsoft.com/office/drawing/2014/main" id="{FFA6E5B6-65BB-6C33-7AEB-20C7600BFC8F}"/>
+                </a:ext>
+              </a:extLst>
+            </p:cNvPr>
+            <p:cNvSpPr txBox="1"/>
+            <p:nvPr/>
+          </p:nvSpPr>
+          <p:spPr>
+            <a:xfrm>
+              <a:off x="221467" y="4775311"/>
+              <a:ext cx="4976805" cy="1754326"/>
+            </a:xfrm>
+            <a:prstGeom prst="rect">
+              <a:avLst/>
+            </a:prstGeom>
+            <a:solidFill>
+              <a:schemeClr val="accent3">
+                <a:lumMod val="20000"/>
+                <a:lumOff val="80000"/>
+              </a:schemeClr>
+            </a:solidFill>
+            <a:ln w="25400">
+              <a:solidFill>
+                <a:schemeClr val="accent1"/>
+              </a:solidFill>
+            </a:ln>
+          </p:spPr>
+          <p:txBody>
+            <a:bodyPr wrap="square" rtlCol="0">
+              <a:spAutoFit/>
+            </a:bodyPr>
+            <a:lstStyle/>
+            <a:p>
+              <a:pPr marL="285750" indent="-285750">
+                <a:buFont typeface="Arial" panose="020B0604020202020204" pitchFamily="34" charset="0"/>
+                <a:buChar char="•"/>
+              </a:pPr>
+              <a:r>
+                <a:rPr lang="fr-FR" dirty="0" err="1"/>
+                <a:t>counts</a:t>
+              </a:r>
+              <a:endParaRPr lang="fr-FR" dirty="0"/>
+            </a:p>
+            <a:p>
+              <a:r>
+                <a:rPr lang="fr-FR" dirty="0"/>
+                <a:t>(matrice des comptages bruts G x C)</a:t>
+              </a:r>
+            </a:p>
+            <a:p>
+              <a:pPr marL="285750" indent="-285750">
+                <a:buFont typeface="Arial" panose="020B0604020202020204" pitchFamily="34" charset="0"/>
+                <a:buChar char="•"/>
+              </a:pPr>
+              <a:r>
+                <a:rPr lang="fr-FR" dirty="0"/>
+                <a:t>data</a:t>
+              </a:r>
+            </a:p>
+            <a:p>
+              <a:r>
+                <a:rPr lang="fr-FR" dirty="0"/>
+                <a:t>(matrice des comptages normalisés </a:t>
+              </a:r>
+              <a:r>
+                <a:rPr lang="fr-FR" dirty="0" err="1"/>
+                <a:t>GxC</a:t>
+              </a:r>
+              <a:r>
+                <a:rPr lang="fr-FR" dirty="0"/>
+                <a:t>)</a:t>
+              </a:r>
+            </a:p>
+            <a:p>
+              <a:pPr marL="285750" indent="-285750">
+                <a:buFont typeface="Arial" panose="020B0604020202020204" pitchFamily="34" charset="0"/>
+                <a:buChar char="•"/>
+              </a:pPr>
+              <a:r>
+                <a:rPr lang="fr-FR" dirty="0" err="1"/>
+                <a:t>scale.data</a:t>
+              </a:r>
+              <a:endParaRPr lang="fr-FR" dirty="0"/>
+            </a:p>
+            <a:p>
+              <a:r>
+                <a:rPr lang="fr-FR" dirty="0"/>
+                <a:t>(matrice des données centrées-réduites </a:t>
+              </a:r>
+              <a:r>
+                <a:rPr lang="fr-FR" dirty="0" err="1"/>
+                <a:t>JxC</a:t>
+              </a:r>
+              <a:r>
+                <a:rPr lang="fr-FR" dirty="0"/>
+                <a:t>)</a:t>
+              </a:r>
+            </a:p>
+          </p:txBody>
+        </p:sp>
+        <p:cxnSp>
+          <p:nvCxnSpPr>
+            <p:cNvPr id="15" name="Connecteur droit avec flèche 14">
+              <a:extLst>
+                <a:ext uri="{FF2B5EF4-FFF2-40B4-BE49-F238E27FC236}">
+                  <a16:creationId xmlns:a16="http://schemas.microsoft.com/office/drawing/2014/main" id="{5F0E663A-65D2-F96A-7D10-1AD4619DF6FD}"/>
+                </a:ext>
+              </a:extLst>
+            </p:cNvPr>
+            <p:cNvCxnSpPr>
+              <a:cxnSpLocks/>
+              <a:stCxn id="11" idx="2"/>
+              <a:endCxn id="14" idx="0"/>
+            </p:cNvCxnSpPr>
+            <p:nvPr/>
+          </p:nvCxnSpPr>
+          <p:spPr>
+            <a:xfrm>
+              <a:off x="2709870" y="3168545"/>
+              <a:ext cx="0" cy="1606766"/>
+            </a:xfrm>
+            <a:prstGeom prst="straightConnector1">
+              <a:avLst/>
+            </a:prstGeom>
+            <a:ln>
+              <a:tailEnd type="triangle"/>
+            </a:ln>
+          </p:spPr>
+          <p:style>
+            <a:lnRef idx="2">
+              <a:schemeClr val="accent1"/>
+            </a:lnRef>
+            <a:fillRef idx="0">
+              <a:schemeClr val="accent1"/>
+            </a:fillRef>
+            <a:effectRef idx="1">
+              <a:schemeClr val="accent1"/>
+            </a:effectRef>
+            <a:fontRef idx="minor">
+              <a:schemeClr val="tx1"/>
+            </a:fontRef>
+          </p:style>
+        </p:cxnSp>
+        <p:sp>
+          <p:nvSpPr>
+            <p:cNvPr id="16" name="ZoneTexte 15">
+              <a:extLst>
+                <a:ext uri="{FF2B5EF4-FFF2-40B4-BE49-F238E27FC236}">
+                  <a16:creationId xmlns:a16="http://schemas.microsoft.com/office/drawing/2014/main" id="{38B5B945-4B95-E41A-BB0A-39D3812615B6}"/>
+                </a:ext>
+              </a:extLst>
+            </p:cNvPr>
+            <p:cNvSpPr txBox="1"/>
+            <p:nvPr/>
+          </p:nvSpPr>
+          <p:spPr>
+            <a:xfrm>
+              <a:off x="2333628" y="3816452"/>
+              <a:ext cx="585787" cy="369332"/>
+            </a:xfrm>
+            <a:prstGeom prst="rect">
+              <a:avLst/>
+            </a:prstGeom>
+            <a:noFill/>
+          </p:spPr>
+          <p:txBody>
+            <a:bodyPr wrap="square" rtlCol="0">
+              <a:spAutoFit/>
+            </a:bodyPr>
+            <a:lstStyle/>
+            <a:p>
+              <a:r>
+                <a:rPr lang="fr-FR" dirty="0"/>
+                <a:t>$</a:t>
+              </a:r>
+            </a:p>
+          </p:txBody>
+        </p:sp>
+        <p:sp>
+          <p:nvSpPr>
+            <p:cNvPr id="17" name="ZoneTexte 16">
+              <a:extLst>
+                <a:ext uri="{FF2B5EF4-FFF2-40B4-BE49-F238E27FC236}">
+                  <a16:creationId xmlns:a16="http://schemas.microsoft.com/office/drawing/2014/main" id="{FAF9E17C-B1DD-736F-1FD2-E43132E6B853}"/>
+                </a:ext>
+              </a:extLst>
+            </p:cNvPr>
+            <p:cNvSpPr txBox="1"/>
+            <p:nvPr/>
+          </p:nvSpPr>
+          <p:spPr>
+            <a:xfrm>
+              <a:off x="3874291" y="3190708"/>
+              <a:ext cx="2443157" cy="1477328"/>
+            </a:xfrm>
+            <a:prstGeom prst="rect">
+              <a:avLst/>
+            </a:prstGeom>
+            <a:solidFill>
+              <a:schemeClr val="accent3">
+                <a:lumMod val="20000"/>
+                <a:lumOff val="80000"/>
+              </a:schemeClr>
+            </a:solidFill>
+            <a:ln w="25400">
+              <a:solidFill>
+                <a:schemeClr val="accent1"/>
+              </a:solidFill>
+            </a:ln>
+          </p:spPr>
+          <p:txBody>
+            <a:bodyPr wrap="square" rtlCol="0">
+              <a:spAutoFit/>
+            </a:bodyPr>
+            <a:lstStyle/>
+            <a:p>
+              <a:pPr marL="285750" indent="-285750">
+                <a:buFont typeface="Arial" panose="020B0604020202020204" pitchFamily="34" charset="0"/>
+                <a:buChar char="•"/>
+              </a:pPr>
+              <a:r>
+                <a:rPr lang="fr-FR" dirty="0" err="1"/>
+                <a:t>orig.ident</a:t>
+              </a:r>
+              <a:endParaRPr lang="fr-FR" dirty="0"/>
+            </a:p>
+            <a:p>
+              <a:pPr marL="285750" indent="-285750">
+                <a:buFont typeface="Arial" panose="020B0604020202020204" pitchFamily="34" charset="0"/>
+                <a:buChar char="•"/>
+              </a:pPr>
+              <a:r>
+                <a:rPr lang="fr-FR" dirty="0" err="1"/>
+                <a:t>nCount_RNA</a:t>
+              </a:r>
+              <a:endParaRPr lang="fr-FR" dirty="0"/>
+            </a:p>
+            <a:p>
+              <a:pPr marL="285750" indent="-285750">
+                <a:buFont typeface="Arial" panose="020B0604020202020204" pitchFamily="34" charset="0"/>
+                <a:buChar char="•"/>
+              </a:pPr>
+              <a:r>
+                <a:rPr lang="fr-FR" dirty="0" err="1"/>
+                <a:t>nFeatures_RNA</a:t>
+              </a:r>
+              <a:endParaRPr lang="fr-FR" dirty="0"/>
+            </a:p>
+            <a:p>
+              <a:pPr marL="285750" indent="-285750">
+                <a:buFont typeface="Arial" panose="020B0604020202020204" pitchFamily="34" charset="0"/>
+                <a:buChar char="•"/>
+              </a:pPr>
+              <a:r>
+                <a:rPr lang="fr-FR" dirty="0"/>
+                <a:t>log10GenesPerUMI</a:t>
+              </a:r>
+            </a:p>
+            <a:p>
+              <a:pPr marL="285750" indent="-285750">
+                <a:buFont typeface="Arial" panose="020B0604020202020204" pitchFamily="34" charset="0"/>
+                <a:buChar char="•"/>
+              </a:pPr>
+              <a:r>
+                <a:rPr lang="fr-FR" dirty="0" err="1"/>
+                <a:t>percent.mt</a:t>
+              </a:r>
+              <a:endParaRPr lang="fr-FR" dirty="0"/>
+            </a:p>
+          </p:txBody>
+        </p:sp>
+        <p:cxnSp>
+          <p:nvCxnSpPr>
+            <p:cNvPr id="18" name="Connecteur droit avec flèche 17">
+              <a:extLst>
+                <a:ext uri="{FF2B5EF4-FFF2-40B4-BE49-F238E27FC236}">
+                  <a16:creationId xmlns:a16="http://schemas.microsoft.com/office/drawing/2014/main" id="{CCE09C40-949D-1ECA-9DD0-4E7555B00475}"/>
+                </a:ext>
+              </a:extLst>
+            </p:cNvPr>
+            <p:cNvCxnSpPr>
+              <a:cxnSpLocks/>
+              <a:stCxn id="7" idx="2"/>
+              <a:endCxn id="17" idx="0"/>
+            </p:cNvCxnSpPr>
+            <p:nvPr/>
+          </p:nvCxnSpPr>
+          <p:spPr>
+            <a:xfrm flipH="1">
+              <a:off x="5095870" y="2532031"/>
+              <a:ext cx="7149" cy="658677"/>
+            </a:xfrm>
+            <a:prstGeom prst="straightConnector1">
+              <a:avLst/>
+            </a:prstGeom>
+            <a:ln>
+              <a:tailEnd type="triangle"/>
+            </a:ln>
+          </p:spPr>
+          <p:style>
+            <a:lnRef idx="2">
+              <a:schemeClr val="accent1"/>
+            </a:lnRef>
+            <a:fillRef idx="0">
+              <a:schemeClr val="accent1"/>
+            </a:fillRef>
+            <a:effectRef idx="1">
+              <a:schemeClr val="accent1"/>
+            </a:effectRef>
+            <a:fontRef idx="minor">
+              <a:schemeClr val="tx1"/>
+            </a:fontRef>
+          </p:style>
+        </p:cxnSp>
+        <p:sp>
+          <p:nvSpPr>
+            <p:cNvPr id="19" name="ZoneTexte 18">
+              <a:extLst>
+                <a:ext uri="{FF2B5EF4-FFF2-40B4-BE49-F238E27FC236}">
+                  <a16:creationId xmlns:a16="http://schemas.microsoft.com/office/drawing/2014/main" id="{A0E5C442-9631-4FC0-602A-011B87D3DBA7}"/>
+                </a:ext>
+              </a:extLst>
+            </p:cNvPr>
+            <p:cNvSpPr txBox="1"/>
+            <p:nvPr/>
+          </p:nvSpPr>
+          <p:spPr>
+            <a:xfrm>
+              <a:off x="4705366" y="2673456"/>
+              <a:ext cx="585787" cy="369332"/>
+            </a:xfrm>
+            <a:prstGeom prst="rect">
+              <a:avLst/>
+            </a:prstGeom>
+            <a:noFill/>
+          </p:spPr>
+          <p:txBody>
+            <a:bodyPr wrap="square" rtlCol="0">
+              <a:spAutoFit/>
+            </a:bodyPr>
+            <a:lstStyle/>
+            <a:p>
+              <a:r>
+                <a:rPr lang="fr-FR" dirty="0"/>
+                <a:t>$</a:t>
+              </a:r>
+            </a:p>
+          </p:txBody>
+        </p:sp>
+        <p:sp>
+          <p:nvSpPr>
+            <p:cNvPr id="20" name="ZoneTexte 19">
+              <a:extLst>
+                <a:ext uri="{FF2B5EF4-FFF2-40B4-BE49-F238E27FC236}">
+                  <a16:creationId xmlns:a16="http://schemas.microsoft.com/office/drawing/2014/main" id="{B03B429F-65AC-1B1F-5B22-21CC945CE202}"/>
+                </a:ext>
+              </a:extLst>
+            </p:cNvPr>
+            <p:cNvSpPr txBox="1"/>
+            <p:nvPr/>
+          </p:nvSpPr>
+          <p:spPr>
+            <a:xfrm>
+              <a:off x="10179881" y="1880789"/>
+              <a:ext cx="1345371" cy="369332"/>
+            </a:xfrm>
+            <a:prstGeom prst="rect">
+              <a:avLst/>
+            </a:prstGeom>
+            <a:solidFill>
+              <a:schemeClr val="accent2">
+                <a:lumMod val="20000"/>
+                <a:lumOff val="80000"/>
+              </a:schemeClr>
+            </a:solidFill>
+            <a:ln w="25400">
+              <a:solidFill>
+                <a:schemeClr val="accent1"/>
+              </a:solidFill>
+            </a:ln>
+          </p:spPr>
+          <p:txBody>
+            <a:bodyPr wrap="square" rtlCol="0">
+              <a:spAutoFit/>
+            </a:bodyPr>
+            <a:lstStyle/>
+            <a:p>
+              <a:pPr algn="ctr"/>
+              <a:r>
+                <a:rPr lang="fr-FR" dirty="0" err="1"/>
+                <a:t>commands</a:t>
+              </a:r>
+              <a:endParaRPr lang="fr-FR" dirty="0"/>
+            </a:p>
+          </p:txBody>
+        </p:sp>
+        <p:cxnSp>
+          <p:nvCxnSpPr>
+            <p:cNvPr id="21" name="Connecteur en angle 20">
+              <a:extLst>
+                <a:ext uri="{FF2B5EF4-FFF2-40B4-BE49-F238E27FC236}">
+                  <a16:creationId xmlns:a16="http://schemas.microsoft.com/office/drawing/2014/main" id="{31561F34-2F18-CAA1-6847-A8E1E670F3B0}"/>
+                </a:ext>
+              </a:extLst>
+            </p:cNvPr>
+            <p:cNvCxnSpPr>
+              <a:cxnSpLocks/>
+              <a:stCxn id="5" idx="2"/>
+              <a:endCxn id="20" idx="0"/>
+            </p:cNvCxnSpPr>
+            <p:nvPr/>
+          </p:nvCxnSpPr>
+          <p:spPr>
+            <a:xfrm rot="16200000" flipH="1">
+              <a:off x="6707595" y="-2264184"/>
+              <a:ext cx="1183095" cy="7106849"/>
+            </a:xfrm>
+            <a:prstGeom prst="bentConnector3">
+              <a:avLst/>
+            </a:prstGeom>
+            <a:ln>
+              <a:tailEnd type="triangle"/>
+            </a:ln>
+          </p:spPr>
+          <p:style>
+            <a:lnRef idx="2">
+              <a:schemeClr val="accent1"/>
+            </a:lnRef>
+            <a:fillRef idx="0">
+              <a:schemeClr val="accent1"/>
+            </a:fillRef>
+            <a:effectRef idx="1">
+              <a:schemeClr val="accent1"/>
+            </a:effectRef>
+            <a:fontRef idx="minor">
+              <a:schemeClr val="tx1"/>
+            </a:fontRef>
+          </p:style>
+        </p:cxnSp>
+        <p:sp>
+          <p:nvSpPr>
+            <p:cNvPr id="22" name="ZoneTexte 21">
+              <a:extLst>
+                <a:ext uri="{FF2B5EF4-FFF2-40B4-BE49-F238E27FC236}">
+                  <a16:creationId xmlns:a16="http://schemas.microsoft.com/office/drawing/2014/main" id="{69E850AD-E2FF-CA04-2E8F-68EA89049F66}"/>
+                </a:ext>
+              </a:extLst>
+            </p:cNvPr>
+            <p:cNvSpPr txBox="1"/>
+            <p:nvPr/>
+          </p:nvSpPr>
+          <p:spPr>
+            <a:xfrm>
+              <a:off x="9770285" y="2900186"/>
+              <a:ext cx="2145452" cy="861774"/>
+            </a:xfrm>
+            <a:prstGeom prst="rect">
+              <a:avLst/>
+            </a:prstGeom>
+            <a:solidFill>
+              <a:schemeClr val="accent3">
+                <a:lumMod val="20000"/>
+                <a:lumOff val="80000"/>
+              </a:schemeClr>
+            </a:solidFill>
+            <a:ln w="25400">
+              <a:solidFill>
+                <a:schemeClr val="accent1"/>
+              </a:solidFill>
+            </a:ln>
+          </p:spPr>
+          <p:txBody>
+            <a:bodyPr wrap="square" rtlCol="0">
+              <a:spAutoFit/>
+            </a:bodyPr>
+            <a:lstStyle/>
+            <a:p>
+              <a:pPr marL="285750" indent="-285750">
+                <a:buFont typeface="Arial" panose="020B0604020202020204" pitchFamily="34" charset="0"/>
+                <a:buChar char="•"/>
+              </a:pPr>
+              <a:r>
+                <a:rPr lang="fr-FR" sz="1000" dirty="0" err="1"/>
+                <a:t>NormalizeData.RNA</a:t>
+              </a:r>
+              <a:r>
+                <a:rPr lang="fr-FR" sz="1000" dirty="0"/>
+                <a:t>$ ……</a:t>
+              </a:r>
+            </a:p>
+            <a:p>
+              <a:pPr marL="285750" indent="-285750">
+                <a:buFont typeface="Arial" panose="020B0604020202020204" pitchFamily="34" charset="0"/>
+                <a:buChar char="•"/>
+              </a:pPr>
+              <a:r>
+                <a:rPr lang="fr-FR" sz="1000" dirty="0" err="1"/>
+                <a:t>FindVariableFeatures.RNA</a:t>
+              </a:r>
+              <a:r>
+                <a:rPr lang="fr-FR" sz="1000" dirty="0"/>
+                <a:t>$...</a:t>
+              </a:r>
+            </a:p>
+            <a:p>
+              <a:pPr marL="285750" indent="-285750">
+                <a:buFont typeface="Arial" panose="020B0604020202020204" pitchFamily="34" charset="0"/>
+                <a:buChar char="•"/>
+              </a:pPr>
+              <a:r>
+                <a:rPr lang="fr-FR" sz="1000" dirty="0" err="1"/>
+                <a:t>ScaleData.RNA</a:t>
+              </a:r>
+              <a:r>
+                <a:rPr lang="fr-FR" sz="1000" dirty="0"/>
+                <a:t>$......</a:t>
+              </a:r>
+            </a:p>
+            <a:p>
+              <a:pPr marL="285750" indent="-285750">
+                <a:buFont typeface="Arial" panose="020B0604020202020204" pitchFamily="34" charset="0"/>
+                <a:buChar char="•"/>
+              </a:pPr>
+              <a:r>
+                <a:rPr lang="fr-FR" sz="1000" dirty="0" err="1"/>
+                <a:t>RunPCA.RNA</a:t>
+              </a:r>
+              <a:r>
+                <a:rPr lang="fr-FR" sz="1000" dirty="0"/>
+                <a:t>$.......</a:t>
+              </a:r>
+            </a:p>
+            <a:p>
+              <a:pPr marL="285750" indent="-285750">
+                <a:buFont typeface="Arial" panose="020B0604020202020204" pitchFamily="34" charset="0"/>
+                <a:buChar char="•"/>
+              </a:pPr>
+              <a:endParaRPr lang="fr-FR" sz="1000" dirty="0"/>
+            </a:p>
+          </p:txBody>
+        </p:sp>
+        <p:cxnSp>
+          <p:nvCxnSpPr>
+            <p:cNvPr id="23" name="Connecteur droit avec flèche 22">
+              <a:extLst>
+                <a:ext uri="{FF2B5EF4-FFF2-40B4-BE49-F238E27FC236}">
+                  <a16:creationId xmlns:a16="http://schemas.microsoft.com/office/drawing/2014/main" id="{FEC0942E-5B12-4A3F-00E5-55DB285BDC65}"/>
+                </a:ext>
+              </a:extLst>
+            </p:cNvPr>
+            <p:cNvCxnSpPr>
+              <a:cxnSpLocks/>
+              <a:stCxn id="20" idx="2"/>
+              <a:endCxn id="22" idx="0"/>
+            </p:cNvCxnSpPr>
+            <p:nvPr/>
+          </p:nvCxnSpPr>
+          <p:spPr>
+            <a:xfrm flipH="1">
+              <a:off x="10843011" y="2250121"/>
+              <a:ext cx="9556" cy="650065"/>
+            </a:xfrm>
+            <a:prstGeom prst="straightConnector1">
+              <a:avLst/>
+            </a:prstGeom>
+            <a:ln>
+              <a:tailEnd type="triangle"/>
+            </a:ln>
+          </p:spPr>
+          <p:style>
+            <a:lnRef idx="2">
+              <a:schemeClr val="accent1"/>
+            </a:lnRef>
+            <a:fillRef idx="0">
+              <a:schemeClr val="accent1"/>
+            </a:fillRef>
+            <a:effectRef idx="1">
+              <a:schemeClr val="accent1"/>
+            </a:effectRef>
+            <a:fontRef idx="minor">
+              <a:schemeClr val="tx1"/>
+            </a:fontRef>
+          </p:style>
+        </p:cxnSp>
+        <p:sp>
+          <p:nvSpPr>
+            <p:cNvPr id="24" name="ZoneTexte 23">
+              <a:extLst>
+                <a:ext uri="{FF2B5EF4-FFF2-40B4-BE49-F238E27FC236}">
+                  <a16:creationId xmlns:a16="http://schemas.microsoft.com/office/drawing/2014/main" id="{12B31C5D-D7BA-7773-378B-349CBF7E7E75}"/>
+                </a:ext>
+              </a:extLst>
+            </p:cNvPr>
+            <p:cNvSpPr txBox="1"/>
+            <p:nvPr/>
+          </p:nvSpPr>
+          <p:spPr>
+            <a:xfrm>
+              <a:off x="10535829" y="2360809"/>
+              <a:ext cx="585787" cy="369332"/>
+            </a:xfrm>
+            <a:prstGeom prst="rect">
+              <a:avLst/>
+            </a:prstGeom>
+            <a:noFill/>
+          </p:spPr>
+          <p:txBody>
+            <a:bodyPr wrap="square" rtlCol="0">
+              <a:spAutoFit/>
+            </a:bodyPr>
+            <a:lstStyle/>
+            <a:p>
+              <a:r>
+                <a:rPr lang="fr-FR" dirty="0"/>
+                <a:t>$</a:t>
+              </a:r>
+            </a:p>
+          </p:txBody>
+        </p:sp>
+        <p:sp>
+          <p:nvSpPr>
+            <p:cNvPr id="28" name="ZoneTexte 27">
+              <a:extLst>
+                <a:ext uri="{FF2B5EF4-FFF2-40B4-BE49-F238E27FC236}">
+                  <a16:creationId xmlns:a16="http://schemas.microsoft.com/office/drawing/2014/main" id="{4B78F36C-E8CD-1800-F898-CDCDE973E750}"/>
+                </a:ext>
+              </a:extLst>
+            </p:cNvPr>
+            <p:cNvSpPr txBox="1"/>
+            <p:nvPr/>
+          </p:nvSpPr>
+          <p:spPr>
+            <a:xfrm>
+              <a:off x="7219971" y="1880933"/>
+              <a:ext cx="1428750" cy="369332"/>
+            </a:xfrm>
+            <a:prstGeom prst="rect">
+              <a:avLst/>
+            </a:prstGeom>
+            <a:solidFill>
+              <a:schemeClr val="accent2">
+                <a:lumMod val="20000"/>
+                <a:lumOff val="80000"/>
+              </a:schemeClr>
+            </a:solidFill>
+            <a:ln w="25400">
+              <a:solidFill>
+                <a:schemeClr val="accent1"/>
+              </a:solidFill>
+            </a:ln>
+          </p:spPr>
+          <p:txBody>
+            <a:bodyPr wrap="square" rtlCol="0">
+              <a:spAutoFit/>
+            </a:bodyPr>
+            <a:lstStyle/>
+            <a:p>
+              <a:pPr algn="ctr"/>
+              <a:r>
+                <a:rPr lang="fr-FR" dirty="0" err="1"/>
+                <a:t>reductions</a:t>
+              </a:r>
+              <a:endParaRPr lang="fr-FR" dirty="0"/>
+            </a:p>
+          </p:txBody>
+        </p:sp>
+        <p:cxnSp>
+          <p:nvCxnSpPr>
+            <p:cNvPr id="30" name="Connecteur droit avec flèche 29">
+              <a:extLst>
+                <a:ext uri="{FF2B5EF4-FFF2-40B4-BE49-F238E27FC236}">
+                  <a16:creationId xmlns:a16="http://schemas.microsoft.com/office/drawing/2014/main" id="{55A6637C-1E7F-D87C-5889-3AAAA9C40B5A}"/>
+                </a:ext>
+              </a:extLst>
+            </p:cNvPr>
+            <p:cNvCxnSpPr>
+              <a:cxnSpLocks/>
+              <a:endCxn id="28" idx="0"/>
+            </p:cNvCxnSpPr>
+            <p:nvPr/>
+          </p:nvCxnSpPr>
+          <p:spPr>
+            <a:xfrm>
+              <a:off x="7934346" y="1286930"/>
+              <a:ext cx="0" cy="594003"/>
+            </a:xfrm>
+            <a:prstGeom prst="straightConnector1">
+              <a:avLst/>
+            </a:prstGeom>
+            <a:ln>
+              <a:tailEnd type="triangle"/>
+            </a:ln>
+          </p:spPr>
+          <p:style>
+            <a:lnRef idx="2">
+              <a:schemeClr val="accent1"/>
+            </a:lnRef>
+            <a:fillRef idx="0">
+              <a:schemeClr val="accent1"/>
+            </a:fillRef>
+            <a:effectRef idx="1">
+              <a:schemeClr val="accent1"/>
+            </a:effectRef>
+            <a:fontRef idx="minor">
+              <a:schemeClr val="tx1"/>
+            </a:fontRef>
+          </p:style>
+        </p:cxnSp>
+        <p:sp>
+          <p:nvSpPr>
+            <p:cNvPr id="32" name="ZoneTexte 31">
+              <a:extLst>
+                <a:ext uri="{FF2B5EF4-FFF2-40B4-BE49-F238E27FC236}">
+                  <a16:creationId xmlns:a16="http://schemas.microsoft.com/office/drawing/2014/main" id="{01B321BD-4331-3DF7-831A-D9F98D10E350}"/>
+                </a:ext>
+              </a:extLst>
+            </p:cNvPr>
+            <p:cNvSpPr txBox="1"/>
+            <p:nvPr/>
+          </p:nvSpPr>
+          <p:spPr>
+            <a:xfrm>
+              <a:off x="6727033" y="2900190"/>
+              <a:ext cx="2719352" cy="1754326"/>
+            </a:xfrm>
+            <a:prstGeom prst="rect">
+              <a:avLst/>
+            </a:prstGeom>
+            <a:solidFill>
+              <a:schemeClr val="accent3">
+                <a:lumMod val="20000"/>
+                <a:lumOff val="80000"/>
+              </a:schemeClr>
+            </a:solidFill>
+            <a:ln w="25400">
+              <a:solidFill>
+                <a:schemeClr val="accent1"/>
+              </a:solidFill>
+            </a:ln>
+          </p:spPr>
+          <p:txBody>
+            <a:bodyPr wrap="square" rtlCol="0">
+              <a:spAutoFit/>
+            </a:bodyPr>
+            <a:lstStyle/>
+            <a:p>
+              <a:pPr marL="285750" indent="-285750">
+                <a:buFont typeface="Arial" panose="020B0604020202020204" pitchFamily="34" charset="0"/>
+                <a:buChar char="•"/>
+              </a:pPr>
+              <a:r>
+                <a:rPr lang="fr-FR" dirty="0" err="1">
+                  <a:solidFill>
+                    <a:srgbClr val="FF0000"/>
+                  </a:solidFill>
+                </a:rPr>
+                <a:t>pca</a:t>
+              </a:r>
+              <a:endParaRPr lang="fr-FR" dirty="0">
+                <a:solidFill>
+                  <a:srgbClr val="FF0000"/>
+                </a:solidFill>
+              </a:endParaRPr>
+            </a:p>
+            <a:p>
+              <a:pPr lvl="1"/>
+              <a:r>
+                <a:rPr lang="fr-FR" dirty="0">
+                  <a:solidFill>
+                    <a:srgbClr val="FF0000"/>
+                  </a:solidFill>
+                </a:rPr>
+                <a:t>$</a:t>
+              </a:r>
+              <a:r>
+                <a:rPr lang="fr-FR" dirty="0" err="1">
+                  <a:solidFill>
+                    <a:srgbClr val="FF0000"/>
+                  </a:solidFill>
+                </a:rPr>
+                <a:t>PC_k</a:t>
+              </a:r>
+              <a:endParaRPr lang="fr-FR" dirty="0">
+                <a:solidFill>
+                  <a:srgbClr val="FF0000"/>
+                </a:solidFill>
+              </a:endParaRPr>
+            </a:p>
+            <a:p>
+              <a:pPr lvl="1"/>
+              <a:r>
+                <a:rPr lang="fr-FR" dirty="0">
+                  <a:solidFill>
+                    <a:srgbClr val="FF0000"/>
+                  </a:solidFill>
+                </a:rPr>
+                <a:t>@</a:t>
+              </a:r>
+              <a:r>
+                <a:rPr lang="fr-FR" dirty="0" err="1">
+                  <a:solidFill>
+                    <a:srgbClr val="FF0000"/>
+                  </a:solidFill>
+                </a:rPr>
+                <a:t>cell.embeddings</a:t>
+              </a:r>
+              <a:endParaRPr lang="fr-FR" dirty="0">
+                <a:solidFill>
+                  <a:srgbClr val="FF0000"/>
+                </a:solidFill>
+              </a:endParaRPr>
+            </a:p>
+            <a:p>
+              <a:pPr lvl="1"/>
+              <a:r>
+                <a:rPr lang="fr-FR" dirty="0">
+                  <a:solidFill>
+                    <a:srgbClr val="FF0000"/>
+                  </a:solidFill>
+                </a:rPr>
+                <a:t>@</a:t>
+              </a:r>
+              <a:r>
+                <a:rPr lang="fr-FR" dirty="0" err="1">
+                  <a:solidFill>
+                    <a:srgbClr val="FF0000"/>
+                  </a:solidFill>
+                </a:rPr>
+                <a:t>feature.loadings</a:t>
+              </a:r>
+              <a:endParaRPr lang="fr-FR" dirty="0">
+                <a:solidFill>
+                  <a:srgbClr val="FF0000"/>
+                </a:solidFill>
+              </a:endParaRPr>
+            </a:p>
+            <a:p>
+              <a:pPr lvl="1"/>
+              <a:r>
+                <a:rPr lang="fr-FR" dirty="0">
+                  <a:solidFill>
+                    <a:srgbClr val="FF0000"/>
+                  </a:solidFill>
+                </a:rPr>
+                <a:t>@</a:t>
+              </a:r>
+              <a:r>
+                <a:rPr lang="fr-FR" dirty="0" err="1">
+                  <a:solidFill>
+                    <a:srgbClr val="FF0000"/>
+                  </a:solidFill>
+                </a:rPr>
+                <a:t>stdev</a:t>
+              </a:r>
+              <a:endParaRPr lang="fr-FR" dirty="0">
+                <a:solidFill>
+                  <a:srgbClr val="FF0000"/>
+                </a:solidFill>
+              </a:endParaRPr>
+            </a:p>
+            <a:p>
+              <a:pPr lvl="1"/>
+              <a:endParaRPr lang="fr-FR" dirty="0"/>
+            </a:p>
+          </p:txBody>
+        </p:sp>
+        <p:cxnSp>
+          <p:nvCxnSpPr>
+            <p:cNvPr id="33" name="Connecteur droit avec flèche 32">
+              <a:extLst>
+                <a:ext uri="{FF2B5EF4-FFF2-40B4-BE49-F238E27FC236}">
+                  <a16:creationId xmlns:a16="http://schemas.microsoft.com/office/drawing/2014/main" id="{AE99C916-54A6-E121-AEEC-07552FA14B7C}"/>
+                </a:ext>
+              </a:extLst>
+            </p:cNvPr>
+            <p:cNvCxnSpPr>
+              <a:cxnSpLocks/>
+            </p:cNvCxnSpPr>
+            <p:nvPr/>
+          </p:nvCxnSpPr>
+          <p:spPr>
+            <a:xfrm flipH="1">
+              <a:off x="7948612" y="2241513"/>
+              <a:ext cx="7149" cy="658677"/>
+            </a:xfrm>
+            <a:prstGeom prst="straightConnector1">
+              <a:avLst/>
+            </a:prstGeom>
+            <a:ln>
+              <a:tailEnd type="triangle"/>
+            </a:ln>
+          </p:spPr>
+          <p:style>
+            <a:lnRef idx="2">
+              <a:schemeClr val="accent1"/>
+            </a:lnRef>
+            <a:fillRef idx="0">
+              <a:schemeClr val="accent1"/>
+            </a:fillRef>
+            <a:effectRef idx="1">
+              <a:schemeClr val="accent1"/>
+            </a:effectRef>
+            <a:fontRef idx="minor">
+              <a:schemeClr val="tx1"/>
+            </a:fontRef>
+          </p:style>
+        </p:cxnSp>
+        <p:sp>
+          <p:nvSpPr>
+            <p:cNvPr id="34" name="ZoneTexte 33">
+              <a:extLst>
+                <a:ext uri="{FF2B5EF4-FFF2-40B4-BE49-F238E27FC236}">
+                  <a16:creationId xmlns:a16="http://schemas.microsoft.com/office/drawing/2014/main" id="{471EAE2C-7ACE-E44D-74D6-21C7BD5580FC}"/>
+                </a:ext>
+              </a:extLst>
+            </p:cNvPr>
+            <p:cNvSpPr txBox="1"/>
+            <p:nvPr/>
+          </p:nvSpPr>
+          <p:spPr>
+            <a:xfrm>
+              <a:off x="7629548" y="2354362"/>
+              <a:ext cx="585787" cy="369332"/>
+            </a:xfrm>
+            <a:prstGeom prst="rect">
+              <a:avLst/>
+            </a:prstGeom>
+            <a:noFill/>
+          </p:spPr>
+          <p:txBody>
+            <a:bodyPr wrap="square" rtlCol="0">
+              <a:spAutoFit/>
+            </a:bodyPr>
+            <a:lstStyle/>
+            <a:p>
+              <a:r>
+                <a:rPr lang="fr-FR" dirty="0"/>
+                <a:t>$</a:t>
+              </a:r>
+            </a:p>
+          </p:txBody>
+        </p:sp>
+      </p:grpSp>
+    </p:spTree>
+    <p:extLst>
+      <p:ext uri="{BB962C8B-B14F-4D97-AF65-F5344CB8AC3E}">
+        <p14:creationId xmlns:p14="http://schemas.microsoft.com/office/powerpoint/2010/main" val="2378122747"/>
+      </p:ext>
+    </p:extLst>
+  </p:cSld>
+  <p:clrMapOvr>
+    <a:masterClrMapping/>
+  </p:clrMapOvr>
+</p:sld>
+</file>
+
+<file path=ppt/slides/slide8.xml><?xml version="1.0" encoding="utf-8"?>
+<p:sld xmlns:a="http://schemas.openxmlformats.org/drawingml/2006/main" xmlns:r="http://schemas.openxmlformats.org/officeDocument/2006/relationships" xmlns:p="http://schemas.openxmlformats.org/presentationml/2006/main">
+  <p:cSld>
+    <p:spTree>
+      <p:nvGrpSpPr>
+        <p:cNvPr id="1" name=""/>
+        <p:cNvGrpSpPr/>
+        <p:nvPr/>
+      </p:nvGrpSpPr>
+      <p:grpSpPr>
+        <a:xfrm>
+          <a:off x="0" y="0"/>
+          <a:ext cx="0" cy="0"/>
+          <a:chOff x="0" y="0"/>
+          <a:chExt cx="0" cy="0"/>
+        </a:xfrm>
+      </p:grpSpPr>
+      <p:grpSp>
+        <p:nvGrpSpPr>
+          <p:cNvPr id="30" name="Groupe 29">
+            <a:extLst>
+              <a:ext uri="{FF2B5EF4-FFF2-40B4-BE49-F238E27FC236}">
+                <a16:creationId xmlns:a16="http://schemas.microsoft.com/office/drawing/2014/main" id="{4F06AAD7-A009-18AF-DE01-3EAF11ABD323}"/>
+              </a:ext>
+            </a:extLst>
+          </p:cNvPr>
+          <p:cNvGrpSpPr/>
+          <p:nvPr/>
+        </p:nvGrpSpPr>
+        <p:grpSpPr>
+          <a:xfrm>
+            <a:off x="221467" y="328362"/>
+            <a:ext cx="11694270" cy="6201275"/>
+            <a:chOff x="221467" y="328362"/>
+            <a:chExt cx="11694270" cy="6201275"/>
+          </a:xfrm>
+        </p:grpSpPr>
+        <p:sp>
+          <p:nvSpPr>
+            <p:cNvPr id="5" name="ZoneTexte 4">
+              <a:extLst>
+                <a:ext uri="{FF2B5EF4-FFF2-40B4-BE49-F238E27FC236}">
+                  <a16:creationId xmlns:a16="http://schemas.microsoft.com/office/drawing/2014/main" id="{637936A5-8EBA-792A-F5A9-7EFBA210A159}"/>
+                </a:ext>
+              </a:extLst>
+            </p:cNvPr>
+            <p:cNvSpPr txBox="1"/>
+            <p:nvPr/>
+          </p:nvSpPr>
+          <p:spPr>
+            <a:xfrm>
+              <a:off x="2952761" y="328362"/>
+              <a:ext cx="1585913" cy="369332"/>
+            </a:xfrm>
+            <a:prstGeom prst="rect">
+              <a:avLst/>
+            </a:prstGeom>
+            <a:solidFill>
+              <a:schemeClr val="tx2">
+                <a:lumMod val="10000"/>
+                <a:lumOff val="90000"/>
+              </a:schemeClr>
+            </a:solidFill>
+            <a:ln w="25400">
+              <a:solidFill>
+                <a:schemeClr val="accent1"/>
+              </a:solidFill>
+            </a:ln>
+          </p:spPr>
+          <p:txBody>
+            <a:bodyPr wrap="square" rtlCol="0">
+              <a:spAutoFit/>
+            </a:bodyPr>
+            <a:lstStyle/>
+            <a:p>
+              <a:pPr algn="ctr"/>
+              <a:r>
+                <a:rPr lang="fr-FR" dirty="0"/>
+                <a:t>Seurat Object</a:t>
+              </a:r>
+            </a:p>
+          </p:txBody>
+        </p:sp>
+        <p:sp>
+          <p:nvSpPr>
+            <p:cNvPr id="6" name="ZoneTexte 5">
+              <a:extLst>
+                <a:ext uri="{FF2B5EF4-FFF2-40B4-BE49-F238E27FC236}">
+                  <a16:creationId xmlns:a16="http://schemas.microsoft.com/office/drawing/2014/main" id="{14E39F87-D084-085F-FE49-3FCB3832D043}"/>
+                </a:ext>
+              </a:extLst>
+            </p:cNvPr>
+            <p:cNvSpPr txBox="1"/>
+            <p:nvPr/>
+          </p:nvSpPr>
+          <p:spPr>
+            <a:xfrm>
+              <a:off x="1995495" y="1885700"/>
+              <a:ext cx="1428750" cy="369332"/>
+            </a:xfrm>
+            <a:prstGeom prst="rect">
+              <a:avLst/>
+            </a:prstGeom>
+            <a:solidFill>
+              <a:schemeClr val="accent2">
+                <a:lumMod val="20000"/>
+                <a:lumOff val="80000"/>
+              </a:schemeClr>
+            </a:solidFill>
+            <a:ln w="25400">
+              <a:solidFill>
+                <a:schemeClr val="accent1"/>
+              </a:solidFill>
+            </a:ln>
+          </p:spPr>
+          <p:txBody>
+            <a:bodyPr wrap="square" rtlCol="0">
+              <a:spAutoFit/>
+            </a:bodyPr>
+            <a:lstStyle/>
+            <a:p>
+              <a:pPr algn="ctr"/>
+              <a:r>
+                <a:rPr lang="fr-FR" dirty="0" err="1"/>
+                <a:t>assays</a:t>
+              </a:r>
+              <a:endParaRPr lang="fr-FR" dirty="0"/>
+            </a:p>
+          </p:txBody>
+        </p:sp>
+        <p:sp>
+          <p:nvSpPr>
+            <p:cNvPr id="7" name="ZoneTexte 6">
+              <a:extLst>
+                <a:ext uri="{FF2B5EF4-FFF2-40B4-BE49-F238E27FC236}">
+                  <a16:creationId xmlns:a16="http://schemas.microsoft.com/office/drawing/2014/main" id="{D55D2B44-AF4F-797F-091F-86D5F4E3D961}"/>
+                </a:ext>
+              </a:extLst>
+            </p:cNvPr>
+            <p:cNvSpPr txBox="1"/>
+            <p:nvPr/>
+          </p:nvSpPr>
+          <p:spPr>
+            <a:xfrm>
+              <a:off x="3838577" y="1885700"/>
+              <a:ext cx="2528883" cy="646331"/>
+            </a:xfrm>
+            <a:prstGeom prst="rect">
+              <a:avLst/>
+            </a:prstGeom>
+            <a:solidFill>
+              <a:schemeClr val="accent2">
+                <a:lumMod val="20000"/>
+                <a:lumOff val="80000"/>
+              </a:schemeClr>
+            </a:solidFill>
+            <a:ln w="25400">
+              <a:solidFill>
+                <a:schemeClr val="accent1"/>
+              </a:solidFill>
+            </a:ln>
+          </p:spPr>
+          <p:txBody>
+            <a:bodyPr wrap="square" rtlCol="0">
+              <a:spAutoFit/>
+            </a:bodyPr>
+            <a:lstStyle/>
+            <a:p>
+              <a:pPr algn="ctr"/>
+              <a:r>
+                <a:rPr lang="fr-FR" dirty="0" err="1"/>
+                <a:t>meta.data</a:t>
+              </a:r>
+              <a:endParaRPr lang="fr-FR" dirty="0"/>
+            </a:p>
+            <a:p>
+              <a:pPr algn="ctr"/>
+              <a:r>
+                <a:rPr lang="fr-FR" dirty="0"/>
+                <a:t>(info sur les cellules)</a:t>
+              </a:r>
+            </a:p>
+          </p:txBody>
+        </p:sp>
+        <p:cxnSp>
+          <p:nvCxnSpPr>
+            <p:cNvPr id="8" name="Connecteur en angle 7">
+              <a:extLst>
+                <a:ext uri="{FF2B5EF4-FFF2-40B4-BE49-F238E27FC236}">
+                  <a16:creationId xmlns:a16="http://schemas.microsoft.com/office/drawing/2014/main" id="{D33F2110-F4E7-67FF-CAA1-B751338FEB7C}"/>
+                </a:ext>
+              </a:extLst>
+            </p:cNvPr>
+            <p:cNvCxnSpPr>
+              <a:stCxn id="5" idx="2"/>
+              <a:endCxn id="6" idx="0"/>
+            </p:cNvCxnSpPr>
+            <p:nvPr/>
+          </p:nvCxnSpPr>
+          <p:spPr>
+            <a:xfrm rot="5400000">
+              <a:off x="2633791" y="773773"/>
+              <a:ext cx="1188006" cy="1035848"/>
+            </a:xfrm>
+            <a:prstGeom prst="bentConnector3">
+              <a:avLst/>
+            </a:prstGeom>
+            <a:ln>
+              <a:tailEnd type="triangle"/>
+            </a:ln>
+          </p:spPr>
+          <p:style>
+            <a:lnRef idx="2">
+              <a:schemeClr val="accent1"/>
+            </a:lnRef>
+            <a:fillRef idx="0">
+              <a:schemeClr val="accent1"/>
+            </a:fillRef>
+            <a:effectRef idx="1">
+              <a:schemeClr val="accent1"/>
+            </a:effectRef>
+            <a:fontRef idx="minor">
+              <a:schemeClr val="tx1"/>
+            </a:fontRef>
+          </p:style>
+        </p:cxnSp>
+        <p:cxnSp>
+          <p:nvCxnSpPr>
+            <p:cNvPr id="9" name="Connecteur en angle 8">
+              <a:extLst>
+                <a:ext uri="{FF2B5EF4-FFF2-40B4-BE49-F238E27FC236}">
+                  <a16:creationId xmlns:a16="http://schemas.microsoft.com/office/drawing/2014/main" id="{49D97E0C-69CA-45B5-4828-982834E06625}"/>
+                </a:ext>
+              </a:extLst>
+            </p:cNvPr>
+            <p:cNvCxnSpPr>
+              <a:cxnSpLocks/>
+              <a:endCxn id="7" idx="0"/>
+            </p:cNvCxnSpPr>
+            <p:nvPr/>
+          </p:nvCxnSpPr>
+          <p:spPr>
+            <a:xfrm>
+              <a:off x="3502826" y="1291697"/>
+              <a:ext cx="1600193" cy="594003"/>
+            </a:xfrm>
+            <a:prstGeom prst="bentConnector2">
+              <a:avLst/>
+            </a:prstGeom>
+            <a:ln>
+              <a:tailEnd type="triangle"/>
+            </a:ln>
+          </p:spPr>
+          <p:style>
+            <a:lnRef idx="2">
+              <a:schemeClr val="accent1"/>
+            </a:lnRef>
+            <a:fillRef idx="0">
+              <a:schemeClr val="accent1"/>
+            </a:fillRef>
+            <a:effectRef idx="1">
+              <a:schemeClr val="accent1"/>
+            </a:effectRef>
+            <a:fontRef idx="minor">
+              <a:schemeClr val="tx1"/>
+            </a:fontRef>
+          </p:style>
+        </p:cxnSp>
+        <mc:AlternateContent xmlns:mc="http://schemas.openxmlformats.org/markup-compatibility/2006">
+          <mc:Choice xmlns:a14="http://schemas.microsoft.com/office/drawing/2010/main" Requires="a14">
+            <p:sp>
+              <p:nvSpPr>
+                <p:cNvPr id="10" name="ZoneTexte 9">
+                  <a:extLst>
+                    <a:ext uri="{FF2B5EF4-FFF2-40B4-BE49-F238E27FC236}">
+                      <a16:creationId xmlns:a16="http://schemas.microsoft.com/office/drawing/2014/main" id="{C81A3685-DE6E-DBDD-E00D-3D7BC019CEA4}"/>
+                    </a:ext>
+                  </a:extLst>
+                </p:cNvPr>
+                <p:cNvSpPr txBox="1"/>
+                <p:nvPr/>
+              </p:nvSpPr>
+              <p:spPr>
+                <a:xfrm>
+                  <a:off x="3367101" y="809966"/>
+                  <a:ext cx="1243017" cy="369332"/>
+                </a:xfrm>
+                <a:prstGeom prst="rect">
+                  <a:avLst/>
+                </a:prstGeom>
+                <a:noFill/>
+              </p:spPr>
+              <p:txBody>
+                <a:bodyPr wrap="square" rtlCol="0">
+                  <a:spAutoFit/>
+                </a:bodyPr>
+                <a:lstStyle/>
+                <a:p>
+                  <a14:m>
+                    <m:oMathPara xmlns:m="http://schemas.openxmlformats.org/officeDocument/2006/math">
+                      <m:oMathParaPr>
+                        <m:jc m:val="centerGroup"/>
+                      </m:oMathParaPr>
+                      <m:oMath xmlns:m="http://schemas.openxmlformats.org/officeDocument/2006/math">
+                        <m:r>
+                          <a:rPr lang="fr-FR" b="0" i="1" smtClean="0">
+                            <a:latin typeface="Cambria Math" panose="02040503050406030204" pitchFamily="18" charset="0"/>
+                          </a:rPr>
+                          <m:t>@</m:t>
+                        </m:r>
+                      </m:oMath>
+                    </m:oMathPara>
+                  </a14:m>
+                  <a:endParaRPr lang="fr-FR" dirty="0"/>
+                </a:p>
+              </p:txBody>
+            </p:sp>
+          </mc:Choice>
+          <mc:Fallback>
+            <p:sp>
+              <p:nvSpPr>
+                <p:cNvPr id="10" name="ZoneTexte 9">
+                  <a:extLst>
+                    <a:ext uri="{FF2B5EF4-FFF2-40B4-BE49-F238E27FC236}">
+                      <a16:creationId xmlns:a16="http://schemas.microsoft.com/office/drawing/2014/main" id="{C81A3685-DE6E-DBDD-E00D-3D7BC019CEA4}"/>
+                    </a:ext>
+                  </a:extLst>
+                </p:cNvPr>
+                <p:cNvSpPr txBox="1">
+                  <a:spLocks noRot="1" noChangeAspect="1" noMove="1" noResize="1" noEditPoints="1" noAdjustHandles="1" noChangeArrowheads="1" noChangeShapeType="1" noTextEdit="1"/>
+                </p:cNvSpPr>
+                <p:nvPr/>
+              </p:nvSpPr>
+              <p:spPr>
+                <a:xfrm>
+                  <a:off x="3367101" y="809966"/>
+                  <a:ext cx="1243017" cy="369332"/>
+                </a:xfrm>
+                <a:prstGeom prst="rect">
+                  <a:avLst/>
+                </a:prstGeom>
+                <a:blipFill>
+                  <a:blip r:embed="rId2"/>
+                  <a:stretch>
+                    <a:fillRect/>
+                  </a:stretch>
+                </a:blipFill>
+              </p:spPr>
+              <p:txBody>
+                <a:bodyPr/>
+                <a:lstStyle/>
+                <a:p>
+                  <a:r>
+                    <a:rPr lang="fr-FR">
+                      <a:noFill/>
+                    </a:rPr>
+                    <a:t> </a:t>
+                  </a:r>
+                </a:p>
+              </p:txBody>
+            </p:sp>
+          </mc:Fallback>
+        </mc:AlternateContent>
+        <p:sp>
+          <p:nvSpPr>
+            <p:cNvPr id="11" name="ZoneTexte 10">
+              <a:extLst>
+                <a:ext uri="{FF2B5EF4-FFF2-40B4-BE49-F238E27FC236}">
+                  <a16:creationId xmlns:a16="http://schemas.microsoft.com/office/drawing/2014/main" id="{25C64C13-79D5-7C91-AE14-E5D8238E8EB8}"/>
+                </a:ext>
+              </a:extLst>
+            </p:cNvPr>
+            <p:cNvSpPr txBox="1"/>
+            <p:nvPr/>
+          </p:nvSpPr>
+          <p:spPr>
+            <a:xfrm>
+              <a:off x="1995495" y="2799213"/>
+              <a:ext cx="1428750" cy="369332"/>
+            </a:xfrm>
+            <a:prstGeom prst="rect">
+              <a:avLst/>
+            </a:prstGeom>
+            <a:solidFill>
+              <a:schemeClr val="accent3">
+                <a:lumMod val="20000"/>
+                <a:lumOff val="80000"/>
+              </a:schemeClr>
+            </a:solidFill>
+            <a:ln w="25400">
+              <a:solidFill>
+                <a:schemeClr val="accent1"/>
+              </a:solidFill>
+            </a:ln>
+          </p:spPr>
+          <p:txBody>
+            <a:bodyPr wrap="square" rtlCol="0">
+              <a:spAutoFit/>
+            </a:bodyPr>
+            <a:lstStyle/>
+            <a:p>
+              <a:pPr algn="ctr"/>
+              <a:r>
+                <a:rPr lang="fr-FR" dirty="0"/>
+                <a:t>RNA</a:t>
+              </a:r>
+            </a:p>
+          </p:txBody>
+        </p:sp>
+        <p:cxnSp>
+          <p:nvCxnSpPr>
+            <p:cNvPr id="12" name="Connecteur droit avec flèche 11">
+              <a:extLst>
+                <a:ext uri="{FF2B5EF4-FFF2-40B4-BE49-F238E27FC236}">
+                  <a16:creationId xmlns:a16="http://schemas.microsoft.com/office/drawing/2014/main" id="{213D34BE-60C1-AE9B-C5FA-2B8690829DBE}"/>
+                </a:ext>
+              </a:extLst>
+            </p:cNvPr>
+            <p:cNvCxnSpPr>
+              <a:stCxn id="6" idx="2"/>
+              <a:endCxn id="11" idx="0"/>
+            </p:cNvCxnSpPr>
+            <p:nvPr/>
+          </p:nvCxnSpPr>
+          <p:spPr>
+            <a:xfrm>
+              <a:off x="2709870" y="2255032"/>
+              <a:ext cx="0" cy="544181"/>
+            </a:xfrm>
+            <a:prstGeom prst="straightConnector1">
+              <a:avLst/>
+            </a:prstGeom>
+            <a:ln>
+              <a:tailEnd type="triangle"/>
+            </a:ln>
+          </p:spPr>
+          <p:style>
+            <a:lnRef idx="2">
+              <a:schemeClr val="accent1"/>
+            </a:lnRef>
+            <a:fillRef idx="0">
+              <a:schemeClr val="accent1"/>
+            </a:fillRef>
+            <a:effectRef idx="1">
+              <a:schemeClr val="accent1"/>
+            </a:effectRef>
+            <a:fontRef idx="minor">
+              <a:schemeClr val="tx1"/>
+            </a:fontRef>
+          </p:style>
+        </p:cxnSp>
+        <p:sp>
+          <p:nvSpPr>
+            <p:cNvPr id="13" name="ZoneTexte 12">
+              <a:extLst>
+                <a:ext uri="{FF2B5EF4-FFF2-40B4-BE49-F238E27FC236}">
+                  <a16:creationId xmlns:a16="http://schemas.microsoft.com/office/drawing/2014/main" id="{3E2DEBEC-1F8A-F79D-F275-16837593FBD1}"/>
+                </a:ext>
+              </a:extLst>
+            </p:cNvPr>
+            <p:cNvSpPr txBox="1"/>
+            <p:nvPr/>
+          </p:nvSpPr>
+          <p:spPr>
+            <a:xfrm>
+              <a:off x="2324108" y="2349600"/>
+              <a:ext cx="585787" cy="369332"/>
+            </a:xfrm>
+            <a:prstGeom prst="rect">
+              <a:avLst/>
+            </a:prstGeom>
+            <a:noFill/>
+          </p:spPr>
+          <p:txBody>
+            <a:bodyPr wrap="square" rtlCol="0">
+              <a:spAutoFit/>
+            </a:bodyPr>
+            <a:lstStyle/>
+            <a:p>
+              <a:r>
+                <a:rPr lang="fr-FR" dirty="0"/>
+                <a:t>$</a:t>
+              </a:r>
+            </a:p>
+          </p:txBody>
+        </p:sp>
+        <p:sp>
+          <p:nvSpPr>
+            <p:cNvPr id="14" name="ZoneTexte 13">
+              <a:extLst>
+                <a:ext uri="{FF2B5EF4-FFF2-40B4-BE49-F238E27FC236}">
+                  <a16:creationId xmlns:a16="http://schemas.microsoft.com/office/drawing/2014/main" id="{B4C5695D-D573-99EE-729E-FDFE30AB1931}"/>
+                </a:ext>
+              </a:extLst>
+            </p:cNvPr>
+            <p:cNvSpPr txBox="1"/>
+            <p:nvPr/>
+          </p:nvSpPr>
+          <p:spPr>
+            <a:xfrm>
+              <a:off x="221467" y="4775311"/>
+              <a:ext cx="4976805" cy="1754326"/>
+            </a:xfrm>
+            <a:prstGeom prst="rect">
+              <a:avLst/>
+            </a:prstGeom>
+            <a:solidFill>
+              <a:schemeClr val="accent3">
+                <a:lumMod val="20000"/>
+                <a:lumOff val="80000"/>
+              </a:schemeClr>
+            </a:solidFill>
+            <a:ln w="25400">
+              <a:solidFill>
+                <a:schemeClr val="accent1"/>
+              </a:solidFill>
+            </a:ln>
+          </p:spPr>
+          <p:txBody>
+            <a:bodyPr wrap="square" rtlCol="0">
+              <a:spAutoFit/>
+            </a:bodyPr>
+            <a:lstStyle/>
+            <a:p>
+              <a:pPr marL="285750" indent="-285750">
+                <a:buFont typeface="Arial" panose="020B0604020202020204" pitchFamily="34" charset="0"/>
+                <a:buChar char="•"/>
+              </a:pPr>
+              <a:r>
+                <a:rPr lang="fr-FR" dirty="0" err="1"/>
+                <a:t>counts</a:t>
+              </a:r>
+              <a:endParaRPr lang="fr-FR" dirty="0"/>
+            </a:p>
+            <a:p>
+              <a:r>
+                <a:rPr lang="fr-FR" dirty="0"/>
+                <a:t>(matrice des comptages bruts G x C)</a:t>
+              </a:r>
+            </a:p>
+            <a:p>
+              <a:pPr marL="285750" indent="-285750">
+                <a:buFont typeface="Arial" panose="020B0604020202020204" pitchFamily="34" charset="0"/>
+                <a:buChar char="•"/>
+              </a:pPr>
+              <a:r>
+                <a:rPr lang="fr-FR" dirty="0"/>
+                <a:t>data</a:t>
+              </a:r>
+            </a:p>
+            <a:p>
+              <a:r>
+                <a:rPr lang="fr-FR" dirty="0"/>
+                <a:t>(matrice des comptages normalisés </a:t>
+              </a:r>
+              <a:r>
+                <a:rPr lang="fr-FR" dirty="0" err="1"/>
+                <a:t>GxC</a:t>
+              </a:r>
+              <a:r>
+                <a:rPr lang="fr-FR" dirty="0"/>
+                <a:t>)</a:t>
+              </a:r>
+            </a:p>
+            <a:p>
+              <a:pPr marL="285750" indent="-285750">
+                <a:buFont typeface="Arial" panose="020B0604020202020204" pitchFamily="34" charset="0"/>
+                <a:buChar char="•"/>
+              </a:pPr>
+              <a:r>
+                <a:rPr lang="fr-FR" dirty="0" err="1"/>
+                <a:t>scale.data</a:t>
+              </a:r>
+              <a:endParaRPr lang="fr-FR" dirty="0"/>
+            </a:p>
+            <a:p>
+              <a:r>
+                <a:rPr lang="fr-FR" dirty="0"/>
+                <a:t>(matrice des données centrées-réduites </a:t>
+              </a:r>
+              <a:r>
+                <a:rPr lang="fr-FR" dirty="0" err="1"/>
+                <a:t>JxC</a:t>
+              </a:r>
+              <a:r>
+                <a:rPr lang="fr-FR" dirty="0"/>
+                <a:t>)</a:t>
+              </a:r>
+            </a:p>
+          </p:txBody>
+        </p:sp>
+        <p:cxnSp>
+          <p:nvCxnSpPr>
+            <p:cNvPr id="15" name="Connecteur droit avec flèche 14">
+              <a:extLst>
+                <a:ext uri="{FF2B5EF4-FFF2-40B4-BE49-F238E27FC236}">
+                  <a16:creationId xmlns:a16="http://schemas.microsoft.com/office/drawing/2014/main" id="{967D6D0B-0F29-53B9-5DBF-E09D53367503}"/>
+                </a:ext>
+              </a:extLst>
+            </p:cNvPr>
+            <p:cNvCxnSpPr>
+              <a:cxnSpLocks/>
+              <a:stCxn id="11" idx="2"/>
+              <a:endCxn id="14" idx="0"/>
+            </p:cNvCxnSpPr>
+            <p:nvPr/>
+          </p:nvCxnSpPr>
+          <p:spPr>
+            <a:xfrm>
+              <a:off x="2709870" y="3168545"/>
+              <a:ext cx="0" cy="1606766"/>
+            </a:xfrm>
+            <a:prstGeom prst="straightConnector1">
+              <a:avLst/>
+            </a:prstGeom>
+            <a:ln>
+              <a:tailEnd type="triangle"/>
+            </a:ln>
+          </p:spPr>
+          <p:style>
+            <a:lnRef idx="2">
+              <a:schemeClr val="accent1"/>
+            </a:lnRef>
+            <a:fillRef idx="0">
+              <a:schemeClr val="accent1"/>
+            </a:fillRef>
+            <a:effectRef idx="1">
+              <a:schemeClr val="accent1"/>
+            </a:effectRef>
+            <a:fontRef idx="minor">
+              <a:schemeClr val="tx1"/>
+            </a:fontRef>
+          </p:style>
+        </p:cxnSp>
+        <p:sp>
+          <p:nvSpPr>
+            <p:cNvPr id="16" name="ZoneTexte 15">
+              <a:extLst>
+                <a:ext uri="{FF2B5EF4-FFF2-40B4-BE49-F238E27FC236}">
+                  <a16:creationId xmlns:a16="http://schemas.microsoft.com/office/drawing/2014/main" id="{631E4042-5FA4-F2F4-F15C-997E422E257D}"/>
+                </a:ext>
+              </a:extLst>
+            </p:cNvPr>
+            <p:cNvSpPr txBox="1"/>
+            <p:nvPr/>
+          </p:nvSpPr>
+          <p:spPr>
+            <a:xfrm>
+              <a:off x="2333628" y="3816452"/>
+              <a:ext cx="585787" cy="369332"/>
+            </a:xfrm>
+            <a:prstGeom prst="rect">
+              <a:avLst/>
+            </a:prstGeom>
+            <a:noFill/>
+          </p:spPr>
+          <p:txBody>
+            <a:bodyPr wrap="square" rtlCol="0">
+              <a:spAutoFit/>
+            </a:bodyPr>
+            <a:lstStyle/>
+            <a:p>
+              <a:r>
+                <a:rPr lang="fr-FR" dirty="0"/>
+                <a:t>$</a:t>
+              </a:r>
+            </a:p>
+          </p:txBody>
+        </p:sp>
+        <p:sp>
+          <p:nvSpPr>
+            <p:cNvPr id="17" name="ZoneTexte 16">
+              <a:extLst>
+                <a:ext uri="{FF2B5EF4-FFF2-40B4-BE49-F238E27FC236}">
+                  <a16:creationId xmlns:a16="http://schemas.microsoft.com/office/drawing/2014/main" id="{A438DC84-94AA-1C34-16B7-3EC0F92C28AC}"/>
+                </a:ext>
+              </a:extLst>
+            </p:cNvPr>
+            <p:cNvSpPr txBox="1"/>
+            <p:nvPr/>
+          </p:nvSpPr>
+          <p:spPr>
+            <a:xfrm>
+              <a:off x="3874291" y="3190708"/>
+              <a:ext cx="2443157" cy="1477328"/>
+            </a:xfrm>
+            <a:prstGeom prst="rect">
+              <a:avLst/>
+            </a:prstGeom>
+            <a:solidFill>
+              <a:schemeClr val="accent3">
+                <a:lumMod val="20000"/>
+                <a:lumOff val="80000"/>
+              </a:schemeClr>
+            </a:solidFill>
+            <a:ln w="25400">
+              <a:solidFill>
+                <a:schemeClr val="accent1"/>
+              </a:solidFill>
+            </a:ln>
+          </p:spPr>
+          <p:txBody>
+            <a:bodyPr wrap="square" rtlCol="0">
+              <a:spAutoFit/>
+            </a:bodyPr>
+            <a:lstStyle/>
+            <a:p>
+              <a:pPr marL="285750" indent="-285750">
+                <a:buFont typeface="Arial" panose="020B0604020202020204" pitchFamily="34" charset="0"/>
+                <a:buChar char="•"/>
+              </a:pPr>
+              <a:r>
+                <a:rPr lang="fr-FR" dirty="0" err="1"/>
+                <a:t>orig.ident</a:t>
+              </a:r>
+              <a:endParaRPr lang="fr-FR" dirty="0"/>
+            </a:p>
+            <a:p>
+              <a:pPr marL="285750" indent="-285750">
+                <a:buFont typeface="Arial" panose="020B0604020202020204" pitchFamily="34" charset="0"/>
+                <a:buChar char="•"/>
+              </a:pPr>
+              <a:r>
+                <a:rPr lang="fr-FR" dirty="0" err="1"/>
+                <a:t>nCount_RNA</a:t>
+              </a:r>
+              <a:endParaRPr lang="fr-FR" dirty="0"/>
+            </a:p>
+            <a:p>
+              <a:pPr marL="285750" indent="-285750">
+                <a:buFont typeface="Arial" panose="020B0604020202020204" pitchFamily="34" charset="0"/>
+                <a:buChar char="•"/>
+              </a:pPr>
+              <a:r>
+                <a:rPr lang="fr-FR" dirty="0" err="1"/>
+                <a:t>nFeatures_RNA</a:t>
+              </a:r>
+              <a:endParaRPr lang="fr-FR" dirty="0"/>
+            </a:p>
+            <a:p>
+              <a:pPr marL="285750" indent="-285750">
+                <a:buFont typeface="Arial" panose="020B0604020202020204" pitchFamily="34" charset="0"/>
+                <a:buChar char="•"/>
+              </a:pPr>
+              <a:r>
+                <a:rPr lang="fr-FR" dirty="0"/>
+                <a:t>log10GenesPerUMI</a:t>
+              </a:r>
+            </a:p>
+            <a:p>
+              <a:pPr marL="285750" indent="-285750">
+                <a:buFont typeface="Arial" panose="020B0604020202020204" pitchFamily="34" charset="0"/>
+                <a:buChar char="•"/>
+              </a:pPr>
+              <a:r>
+                <a:rPr lang="fr-FR" dirty="0" err="1"/>
+                <a:t>percent.mt</a:t>
+              </a:r>
+              <a:endParaRPr lang="fr-FR" dirty="0"/>
+            </a:p>
+          </p:txBody>
+        </p:sp>
+        <p:cxnSp>
+          <p:nvCxnSpPr>
+            <p:cNvPr id="18" name="Connecteur droit avec flèche 17">
+              <a:extLst>
+                <a:ext uri="{FF2B5EF4-FFF2-40B4-BE49-F238E27FC236}">
+                  <a16:creationId xmlns:a16="http://schemas.microsoft.com/office/drawing/2014/main" id="{E02C6166-3019-98FE-B2E2-C75B7DCA14A2}"/>
+                </a:ext>
+              </a:extLst>
+            </p:cNvPr>
+            <p:cNvCxnSpPr>
+              <a:cxnSpLocks/>
+              <a:stCxn id="7" idx="2"/>
+              <a:endCxn id="17" idx="0"/>
+            </p:cNvCxnSpPr>
+            <p:nvPr/>
+          </p:nvCxnSpPr>
+          <p:spPr>
+            <a:xfrm flipH="1">
+              <a:off x="5095870" y="2532031"/>
+              <a:ext cx="7149" cy="658677"/>
+            </a:xfrm>
+            <a:prstGeom prst="straightConnector1">
+              <a:avLst/>
+            </a:prstGeom>
+            <a:ln>
+              <a:tailEnd type="triangle"/>
+            </a:ln>
+          </p:spPr>
+          <p:style>
+            <a:lnRef idx="2">
+              <a:schemeClr val="accent1"/>
+            </a:lnRef>
+            <a:fillRef idx="0">
+              <a:schemeClr val="accent1"/>
+            </a:fillRef>
+            <a:effectRef idx="1">
+              <a:schemeClr val="accent1"/>
+            </a:effectRef>
+            <a:fontRef idx="minor">
+              <a:schemeClr val="tx1"/>
+            </a:fontRef>
+          </p:style>
+        </p:cxnSp>
+        <p:sp>
+          <p:nvSpPr>
+            <p:cNvPr id="19" name="ZoneTexte 18">
+              <a:extLst>
+                <a:ext uri="{FF2B5EF4-FFF2-40B4-BE49-F238E27FC236}">
+                  <a16:creationId xmlns:a16="http://schemas.microsoft.com/office/drawing/2014/main" id="{9ED8AB31-FEF0-4EE7-3EE4-8819B38FDF92}"/>
+                </a:ext>
+              </a:extLst>
+            </p:cNvPr>
+            <p:cNvSpPr txBox="1"/>
+            <p:nvPr/>
+          </p:nvSpPr>
+          <p:spPr>
+            <a:xfrm>
+              <a:off x="4705366" y="2673456"/>
+              <a:ext cx="585787" cy="369332"/>
+            </a:xfrm>
+            <a:prstGeom prst="rect">
+              <a:avLst/>
+            </a:prstGeom>
+            <a:noFill/>
+          </p:spPr>
+          <p:txBody>
+            <a:bodyPr wrap="square" rtlCol="0">
+              <a:spAutoFit/>
+            </a:bodyPr>
+            <a:lstStyle/>
+            <a:p>
+              <a:r>
+                <a:rPr lang="fr-FR" dirty="0"/>
+                <a:t>$</a:t>
+              </a:r>
+            </a:p>
+          </p:txBody>
+        </p:sp>
+        <p:sp>
+          <p:nvSpPr>
+            <p:cNvPr id="20" name="ZoneTexte 19">
+              <a:extLst>
+                <a:ext uri="{FF2B5EF4-FFF2-40B4-BE49-F238E27FC236}">
+                  <a16:creationId xmlns:a16="http://schemas.microsoft.com/office/drawing/2014/main" id="{FEAD863A-5BBD-E555-A279-4D10E37C5AA4}"/>
+                </a:ext>
+              </a:extLst>
+            </p:cNvPr>
+            <p:cNvSpPr txBox="1"/>
+            <p:nvPr/>
+          </p:nvSpPr>
+          <p:spPr>
+            <a:xfrm>
+              <a:off x="10179881" y="1880789"/>
+              <a:ext cx="1345371" cy="369332"/>
+            </a:xfrm>
+            <a:prstGeom prst="rect">
+              <a:avLst/>
+            </a:prstGeom>
+            <a:solidFill>
+              <a:schemeClr val="accent2">
+                <a:lumMod val="20000"/>
+                <a:lumOff val="80000"/>
+              </a:schemeClr>
+            </a:solidFill>
+            <a:ln w="25400">
+              <a:solidFill>
+                <a:schemeClr val="accent1"/>
+              </a:solidFill>
+            </a:ln>
+          </p:spPr>
+          <p:txBody>
+            <a:bodyPr wrap="square" rtlCol="0">
+              <a:spAutoFit/>
+            </a:bodyPr>
+            <a:lstStyle/>
+            <a:p>
+              <a:pPr algn="ctr"/>
+              <a:r>
+                <a:rPr lang="fr-FR" dirty="0" err="1"/>
+                <a:t>commands</a:t>
+              </a:r>
+              <a:endParaRPr lang="fr-FR" dirty="0"/>
+            </a:p>
+          </p:txBody>
+        </p:sp>
+        <p:cxnSp>
+          <p:nvCxnSpPr>
+            <p:cNvPr id="21" name="Connecteur en angle 20">
+              <a:extLst>
+                <a:ext uri="{FF2B5EF4-FFF2-40B4-BE49-F238E27FC236}">
+                  <a16:creationId xmlns:a16="http://schemas.microsoft.com/office/drawing/2014/main" id="{75D971E5-F00F-FA64-5897-205247EEE5C5}"/>
+                </a:ext>
+              </a:extLst>
+            </p:cNvPr>
+            <p:cNvCxnSpPr>
+              <a:cxnSpLocks/>
+              <a:stCxn id="5" idx="2"/>
+              <a:endCxn id="20" idx="0"/>
+            </p:cNvCxnSpPr>
+            <p:nvPr/>
+          </p:nvCxnSpPr>
+          <p:spPr>
+            <a:xfrm rot="16200000" flipH="1">
+              <a:off x="6707595" y="-2264184"/>
+              <a:ext cx="1183095" cy="7106849"/>
+            </a:xfrm>
+            <a:prstGeom prst="bentConnector3">
+              <a:avLst/>
+            </a:prstGeom>
+            <a:ln>
+              <a:tailEnd type="triangle"/>
+            </a:ln>
+          </p:spPr>
+          <p:style>
+            <a:lnRef idx="2">
+              <a:schemeClr val="accent1"/>
+            </a:lnRef>
+            <a:fillRef idx="0">
+              <a:schemeClr val="accent1"/>
+            </a:fillRef>
+            <a:effectRef idx="1">
+              <a:schemeClr val="accent1"/>
+            </a:effectRef>
+            <a:fontRef idx="minor">
+              <a:schemeClr val="tx1"/>
+            </a:fontRef>
+          </p:style>
+        </p:cxnSp>
+        <p:sp>
+          <p:nvSpPr>
+            <p:cNvPr id="22" name="ZoneTexte 21">
+              <a:extLst>
+                <a:ext uri="{FF2B5EF4-FFF2-40B4-BE49-F238E27FC236}">
+                  <a16:creationId xmlns:a16="http://schemas.microsoft.com/office/drawing/2014/main" id="{A465F422-F22B-A15B-7F0B-56E147ADD994}"/>
+                </a:ext>
+              </a:extLst>
+            </p:cNvPr>
+            <p:cNvSpPr txBox="1"/>
+            <p:nvPr/>
+          </p:nvSpPr>
+          <p:spPr>
+            <a:xfrm>
+              <a:off x="9770285" y="2900186"/>
+              <a:ext cx="2145452" cy="1169551"/>
+            </a:xfrm>
+            <a:prstGeom prst="rect">
+              <a:avLst/>
+            </a:prstGeom>
+            <a:solidFill>
+              <a:schemeClr val="accent3">
+                <a:lumMod val="20000"/>
+                <a:lumOff val="80000"/>
+              </a:schemeClr>
+            </a:solidFill>
+            <a:ln w="25400">
+              <a:solidFill>
+                <a:schemeClr val="accent1"/>
+              </a:solidFill>
+            </a:ln>
+          </p:spPr>
+          <p:txBody>
+            <a:bodyPr wrap="square" rtlCol="0">
+              <a:spAutoFit/>
+            </a:bodyPr>
+            <a:lstStyle/>
+            <a:p>
+              <a:pPr marL="285750" indent="-285750">
+                <a:buFont typeface="Arial" panose="020B0604020202020204" pitchFamily="34" charset="0"/>
+                <a:buChar char="•"/>
+              </a:pPr>
+              <a:r>
+                <a:rPr lang="fr-FR" sz="1000" dirty="0" err="1"/>
+                <a:t>NormalizeData.RNA</a:t>
+              </a:r>
+              <a:r>
+                <a:rPr lang="fr-FR" sz="1000" dirty="0"/>
+                <a:t>$ ……</a:t>
+              </a:r>
+            </a:p>
+            <a:p>
+              <a:pPr marL="285750" indent="-285750">
+                <a:buFont typeface="Arial" panose="020B0604020202020204" pitchFamily="34" charset="0"/>
+                <a:buChar char="•"/>
+              </a:pPr>
+              <a:r>
+                <a:rPr lang="fr-FR" sz="1000" dirty="0" err="1"/>
+                <a:t>FindVariableFeatures.RNA</a:t>
+              </a:r>
+              <a:r>
+                <a:rPr lang="fr-FR" sz="1000" dirty="0"/>
+                <a:t>$...</a:t>
+              </a:r>
+            </a:p>
+            <a:p>
+              <a:pPr marL="285750" indent="-285750">
+                <a:buFont typeface="Arial" panose="020B0604020202020204" pitchFamily="34" charset="0"/>
+                <a:buChar char="•"/>
+              </a:pPr>
+              <a:r>
+                <a:rPr lang="fr-FR" sz="1000" dirty="0" err="1"/>
+                <a:t>ScaleData.RNA</a:t>
+              </a:r>
+              <a:r>
+                <a:rPr lang="fr-FR" sz="1000" dirty="0"/>
+                <a:t>$......</a:t>
+              </a:r>
+            </a:p>
+            <a:p>
+              <a:pPr marL="285750" indent="-285750">
+                <a:buFont typeface="Arial" panose="020B0604020202020204" pitchFamily="34" charset="0"/>
+                <a:buChar char="•"/>
+              </a:pPr>
+              <a:r>
+                <a:rPr lang="fr-FR" sz="1000" dirty="0" err="1"/>
+                <a:t>RunPCA.RNA</a:t>
+              </a:r>
+              <a:r>
+                <a:rPr lang="fr-FR" sz="1000" dirty="0"/>
+                <a:t>$.......</a:t>
+              </a:r>
+            </a:p>
+            <a:p>
+              <a:pPr marL="285750" indent="-285750">
+                <a:buFont typeface="Arial" panose="020B0604020202020204" pitchFamily="34" charset="0"/>
+                <a:buChar char="•"/>
+              </a:pPr>
+              <a:r>
+                <a:rPr lang="fr-FR" sz="1000" dirty="0" err="1"/>
+                <a:t>FindNeighbors.RNA.pca</a:t>
+              </a:r>
+              <a:r>
+                <a:rPr lang="fr-FR" sz="1000" dirty="0"/>
+                <a:t>$.....</a:t>
+              </a:r>
+            </a:p>
+            <a:p>
+              <a:pPr marL="285750" indent="-285750">
+                <a:buFont typeface="Arial" panose="020B0604020202020204" pitchFamily="34" charset="0"/>
+                <a:buChar char="•"/>
+              </a:pPr>
+              <a:r>
+                <a:rPr lang="fr-FR" sz="1000" dirty="0" err="1"/>
+                <a:t>RunTSNE</a:t>
+              </a:r>
+              <a:r>
+                <a:rPr lang="fr-FR" sz="1000" dirty="0"/>
+                <a:t>$.....</a:t>
+              </a:r>
+            </a:p>
+            <a:p>
+              <a:pPr marL="285750" indent="-285750">
+                <a:buFont typeface="Arial" panose="020B0604020202020204" pitchFamily="34" charset="0"/>
+                <a:buChar char="•"/>
+              </a:pPr>
+              <a:endParaRPr lang="fr-FR" sz="1000" dirty="0"/>
+            </a:p>
+          </p:txBody>
+        </p:sp>
+        <p:cxnSp>
+          <p:nvCxnSpPr>
+            <p:cNvPr id="23" name="Connecteur droit avec flèche 22">
+              <a:extLst>
+                <a:ext uri="{FF2B5EF4-FFF2-40B4-BE49-F238E27FC236}">
+                  <a16:creationId xmlns:a16="http://schemas.microsoft.com/office/drawing/2014/main" id="{D761CD5F-5AA0-0370-A888-C167D7688DCD}"/>
+                </a:ext>
+              </a:extLst>
+            </p:cNvPr>
+            <p:cNvCxnSpPr>
+              <a:cxnSpLocks/>
+              <a:stCxn id="20" idx="2"/>
+              <a:endCxn id="22" idx="0"/>
+            </p:cNvCxnSpPr>
+            <p:nvPr/>
+          </p:nvCxnSpPr>
+          <p:spPr>
+            <a:xfrm flipH="1">
+              <a:off x="10843011" y="2250121"/>
+              <a:ext cx="9556" cy="650065"/>
+            </a:xfrm>
+            <a:prstGeom prst="straightConnector1">
+              <a:avLst/>
+            </a:prstGeom>
+            <a:ln>
+              <a:tailEnd type="triangle"/>
+            </a:ln>
+          </p:spPr>
+          <p:style>
+            <a:lnRef idx="2">
+              <a:schemeClr val="accent1"/>
+            </a:lnRef>
+            <a:fillRef idx="0">
+              <a:schemeClr val="accent1"/>
+            </a:fillRef>
+            <a:effectRef idx="1">
+              <a:schemeClr val="accent1"/>
+            </a:effectRef>
+            <a:fontRef idx="minor">
+              <a:schemeClr val="tx1"/>
+            </a:fontRef>
+          </p:style>
+        </p:cxnSp>
+        <p:sp>
+          <p:nvSpPr>
+            <p:cNvPr id="24" name="ZoneTexte 23">
+              <a:extLst>
+                <a:ext uri="{FF2B5EF4-FFF2-40B4-BE49-F238E27FC236}">
+                  <a16:creationId xmlns:a16="http://schemas.microsoft.com/office/drawing/2014/main" id="{C0F750E7-122B-F1A9-A08D-CC83A635749C}"/>
+                </a:ext>
+              </a:extLst>
+            </p:cNvPr>
+            <p:cNvSpPr txBox="1"/>
+            <p:nvPr/>
+          </p:nvSpPr>
+          <p:spPr>
+            <a:xfrm>
+              <a:off x="10535829" y="2360809"/>
+              <a:ext cx="585787" cy="369332"/>
+            </a:xfrm>
+            <a:prstGeom prst="rect">
+              <a:avLst/>
+            </a:prstGeom>
+            <a:noFill/>
+          </p:spPr>
+          <p:txBody>
+            <a:bodyPr wrap="square" rtlCol="0">
+              <a:spAutoFit/>
+            </a:bodyPr>
+            <a:lstStyle/>
+            <a:p>
+              <a:r>
+                <a:rPr lang="fr-FR" dirty="0"/>
+                <a:t>$</a:t>
+              </a:r>
+            </a:p>
+          </p:txBody>
+        </p:sp>
+        <p:sp>
+          <p:nvSpPr>
+            <p:cNvPr id="25" name="ZoneTexte 24">
+              <a:extLst>
+                <a:ext uri="{FF2B5EF4-FFF2-40B4-BE49-F238E27FC236}">
+                  <a16:creationId xmlns:a16="http://schemas.microsoft.com/office/drawing/2014/main" id="{C7128CC4-55EC-6D9E-0672-1B2AAC6AF882}"/>
+                </a:ext>
+              </a:extLst>
+            </p:cNvPr>
+            <p:cNvSpPr txBox="1"/>
+            <p:nvPr/>
+          </p:nvSpPr>
+          <p:spPr>
+            <a:xfrm>
+              <a:off x="7219971" y="1880933"/>
+              <a:ext cx="1428750" cy="369332"/>
+            </a:xfrm>
+            <a:prstGeom prst="rect">
+              <a:avLst/>
+            </a:prstGeom>
+            <a:solidFill>
+              <a:schemeClr val="accent2">
+                <a:lumMod val="20000"/>
+                <a:lumOff val="80000"/>
+              </a:schemeClr>
+            </a:solidFill>
+            <a:ln w="25400">
+              <a:solidFill>
+                <a:schemeClr val="accent1"/>
+              </a:solidFill>
+            </a:ln>
+          </p:spPr>
+          <p:txBody>
+            <a:bodyPr wrap="square" rtlCol="0">
+              <a:spAutoFit/>
+            </a:bodyPr>
+            <a:lstStyle/>
+            <a:p>
+              <a:pPr algn="ctr"/>
+              <a:r>
+                <a:rPr lang="fr-FR" dirty="0" err="1"/>
+                <a:t>reductions</a:t>
+              </a:r>
+              <a:endParaRPr lang="fr-FR" dirty="0"/>
+            </a:p>
+          </p:txBody>
+        </p:sp>
+        <p:cxnSp>
+          <p:nvCxnSpPr>
+            <p:cNvPr id="26" name="Connecteur droit avec flèche 25">
+              <a:extLst>
+                <a:ext uri="{FF2B5EF4-FFF2-40B4-BE49-F238E27FC236}">
+                  <a16:creationId xmlns:a16="http://schemas.microsoft.com/office/drawing/2014/main" id="{7349D262-1084-2220-DD7A-E55F07B1BB7B}"/>
+                </a:ext>
+              </a:extLst>
+            </p:cNvPr>
+            <p:cNvCxnSpPr>
+              <a:cxnSpLocks/>
+              <a:endCxn id="25" idx="0"/>
+            </p:cNvCxnSpPr>
+            <p:nvPr/>
+          </p:nvCxnSpPr>
+          <p:spPr>
+            <a:xfrm>
+              <a:off x="7934346" y="1286930"/>
+              <a:ext cx="0" cy="594003"/>
+            </a:xfrm>
+            <a:prstGeom prst="straightConnector1">
+              <a:avLst/>
+            </a:prstGeom>
+            <a:ln>
+              <a:tailEnd type="triangle"/>
+            </a:ln>
+          </p:spPr>
+          <p:style>
+            <a:lnRef idx="2">
+              <a:schemeClr val="accent1"/>
+            </a:lnRef>
+            <a:fillRef idx="0">
+              <a:schemeClr val="accent1"/>
+            </a:fillRef>
+            <a:effectRef idx="1">
+              <a:schemeClr val="accent1"/>
+            </a:effectRef>
+            <a:fontRef idx="minor">
+              <a:schemeClr val="tx1"/>
+            </a:fontRef>
+          </p:style>
+        </p:cxnSp>
+        <p:sp>
+          <p:nvSpPr>
+            <p:cNvPr id="27" name="ZoneTexte 26">
+              <a:extLst>
+                <a:ext uri="{FF2B5EF4-FFF2-40B4-BE49-F238E27FC236}">
+                  <a16:creationId xmlns:a16="http://schemas.microsoft.com/office/drawing/2014/main" id="{14BB3C07-95FD-0494-6696-6796F68A1DBE}"/>
+                </a:ext>
+              </a:extLst>
+            </p:cNvPr>
+            <p:cNvSpPr txBox="1"/>
+            <p:nvPr/>
+          </p:nvSpPr>
+          <p:spPr>
+            <a:xfrm>
+              <a:off x="6727033" y="2900190"/>
+              <a:ext cx="2719352" cy="2862322"/>
+            </a:xfrm>
+            <a:prstGeom prst="rect">
+              <a:avLst/>
+            </a:prstGeom>
+            <a:solidFill>
+              <a:schemeClr val="accent3">
+                <a:lumMod val="20000"/>
+                <a:lumOff val="80000"/>
+              </a:schemeClr>
+            </a:solidFill>
+            <a:ln w="25400">
+              <a:solidFill>
+                <a:schemeClr val="accent1"/>
+              </a:solidFill>
+            </a:ln>
+          </p:spPr>
+          <p:txBody>
+            <a:bodyPr wrap="square" rtlCol="0">
+              <a:spAutoFit/>
+            </a:bodyPr>
+            <a:lstStyle/>
+            <a:p>
+              <a:pPr marL="285750" indent="-285750">
+                <a:buFont typeface="Arial" panose="020B0604020202020204" pitchFamily="34" charset="0"/>
+                <a:buChar char="•"/>
+              </a:pPr>
+              <a:r>
+                <a:rPr lang="fr-FR" dirty="0" err="1"/>
+                <a:t>pca</a:t>
+              </a:r>
+              <a:endParaRPr lang="fr-FR" dirty="0"/>
+            </a:p>
+            <a:p>
+              <a:pPr lvl="1"/>
+              <a:r>
+                <a:rPr lang="fr-FR" dirty="0"/>
+                <a:t>$</a:t>
+              </a:r>
+              <a:r>
+                <a:rPr lang="fr-FR" dirty="0" err="1"/>
+                <a:t>PC_k</a:t>
+              </a:r>
+              <a:endParaRPr lang="fr-FR" dirty="0"/>
+            </a:p>
+            <a:p>
+              <a:pPr lvl="1"/>
+              <a:r>
+                <a:rPr lang="fr-FR" dirty="0"/>
+                <a:t>@</a:t>
+              </a:r>
+              <a:r>
+                <a:rPr lang="fr-FR" dirty="0" err="1"/>
+                <a:t>cell.embeddings</a:t>
+              </a:r>
+              <a:endParaRPr lang="fr-FR" dirty="0"/>
+            </a:p>
+            <a:p>
+              <a:pPr lvl="1"/>
+              <a:r>
+                <a:rPr lang="fr-FR" dirty="0"/>
+                <a:t>@</a:t>
+              </a:r>
+              <a:r>
+                <a:rPr lang="fr-FR" dirty="0" err="1"/>
+                <a:t>feature.loadings</a:t>
+              </a:r>
+              <a:endParaRPr lang="fr-FR" dirty="0"/>
+            </a:p>
+            <a:p>
+              <a:pPr lvl="1"/>
+              <a:r>
+                <a:rPr lang="fr-FR" dirty="0"/>
+                <a:t>@</a:t>
+              </a:r>
+              <a:r>
+                <a:rPr lang="fr-FR" dirty="0" err="1"/>
+                <a:t>stdev</a:t>
+              </a:r>
+              <a:endParaRPr lang="fr-FR" dirty="0"/>
+            </a:p>
+            <a:p>
+              <a:pPr marL="285750" indent="-285750">
+                <a:buFont typeface="Arial" panose="020B0604020202020204" pitchFamily="34" charset="0"/>
+                <a:buChar char="•"/>
+              </a:pPr>
+              <a:r>
+                <a:rPr lang="fr-FR" dirty="0" err="1">
+                  <a:solidFill>
+                    <a:srgbClr val="FF0000"/>
+                  </a:solidFill>
+                </a:rPr>
+                <a:t>tsne</a:t>
+              </a:r>
+              <a:endParaRPr lang="fr-FR" dirty="0">
+                <a:solidFill>
+                  <a:srgbClr val="FF0000"/>
+                </a:solidFill>
+              </a:endParaRPr>
+            </a:p>
+            <a:p>
+              <a:pPr lvl="1"/>
+              <a:r>
+                <a:rPr lang="fr-FR" dirty="0">
+                  <a:solidFill>
+                    <a:srgbClr val="FF0000"/>
+                  </a:solidFill>
+                </a:rPr>
+                <a:t>$tSNE_1 ou tSNE_2</a:t>
+              </a:r>
+            </a:p>
+            <a:p>
+              <a:pPr lvl="1"/>
+              <a:r>
+                <a:rPr lang="fr-FR" dirty="0">
+                  <a:solidFill>
+                    <a:srgbClr val="FF0000"/>
+                  </a:solidFill>
+                </a:rPr>
+                <a:t>@</a:t>
+              </a:r>
+              <a:r>
+                <a:rPr lang="fr-FR" dirty="0" err="1">
+                  <a:solidFill>
+                    <a:srgbClr val="FF0000"/>
+                  </a:solidFill>
+                </a:rPr>
+                <a:t>cell.embeddings</a:t>
+              </a:r>
+              <a:endParaRPr lang="fr-FR" dirty="0">
+                <a:solidFill>
+                  <a:srgbClr val="FF0000"/>
+                </a:solidFill>
+              </a:endParaRPr>
+            </a:p>
+            <a:p>
+              <a:pPr marL="285750" indent="-285750">
+                <a:buFont typeface="Arial" panose="020B0604020202020204" pitchFamily="34" charset="0"/>
+                <a:buChar char="•"/>
+              </a:pPr>
+              <a:endParaRPr lang="fr-FR" dirty="0">
+                <a:solidFill>
+                  <a:srgbClr val="FF0000"/>
+                </a:solidFill>
+              </a:endParaRPr>
+            </a:p>
+            <a:p>
+              <a:pPr lvl="1"/>
+              <a:endParaRPr lang="fr-FR" dirty="0"/>
+            </a:p>
+          </p:txBody>
+        </p:sp>
+        <p:cxnSp>
+          <p:nvCxnSpPr>
+            <p:cNvPr id="28" name="Connecteur droit avec flèche 27">
+              <a:extLst>
+                <a:ext uri="{FF2B5EF4-FFF2-40B4-BE49-F238E27FC236}">
+                  <a16:creationId xmlns:a16="http://schemas.microsoft.com/office/drawing/2014/main" id="{C727C945-5BE1-08A7-B1F8-DBF8D368F2CB}"/>
+                </a:ext>
+              </a:extLst>
+            </p:cNvPr>
+            <p:cNvCxnSpPr>
+              <a:cxnSpLocks/>
+            </p:cNvCxnSpPr>
+            <p:nvPr/>
+          </p:nvCxnSpPr>
+          <p:spPr>
+            <a:xfrm flipH="1">
+              <a:off x="7948612" y="2241513"/>
+              <a:ext cx="7149" cy="658677"/>
+            </a:xfrm>
+            <a:prstGeom prst="straightConnector1">
+              <a:avLst/>
+            </a:prstGeom>
+            <a:ln>
+              <a:tailEnd type="triangle"/>
+            </a:ln>
+          </p:spPr>
+          <p:style>
+            <a:lnRef idx="2">
+              <a:schemeClr val="accent1"/>
+            </a:lnRef>
+            <a:fillRef idx="0">
+              <a:schemeClr val="accent1"/>
+            </a:fillRef>
+            <a:effectRef idx="1">
+              <a:schemeClr val="accent1"/>
+            </a:effectRef>
+            <a:fontRef idx="minor">
+              <a:schemeClr val="tx1"/>
+            </a:fontRef>
+          </p:style>
+        </p:cxnSp>
+        <p:sp>
+          <p:nvSpPr>
+            <p:cNvPr id="29" name="ZoneTexte 28">
+              <a:extLst>
+                <a:ext uri="{FF2B5EF4-FFF2-40B4-BE49-F238E27FC236}">
+                  <a16:creationId xmlns:a16="http://schemas.microsoft.com/office/drawing/2014/main" id="{D776629D-E4A6-E293-0DD5-64ACBAF207E5}"/>
+                </a:ext>
+              </a:extLst>
+            </p:cNvPr>
+            <p:cNvSpPr txBox="1"/>
+            <p:nvPr/>
+          </p:nvSpPr>
+          <p:spPr>
+            <a:xfrm>
+              <a:off x="7629548" y="2354362"/>
+              <a:ext cx="585787" cy="369332"/>
+            </a:xfrm>
+            <a:prstGeom prst="rect">
+              <a:avLst/>
+            </a:prstGeom>
+            <a:noFill/>
+          </p:spPr>
+          <p:txBody>
+            <a:bodyPr wrap="square" rtlCol="0">
+              <a:spAutoFit/>
+            </a:bodyPr>
+            <a:lstStyle/>
+            <a:p>
+              <a:r>
+                <a:rPr lang="fr-FR" dirty="0"/>
+                <a:t>$</a:t>
+              </a:r>
+            </a:p>
+          </p:txBody>
+        </p:sp>
+      </p:grpSp>
+    </p:spTree>
+    <p:extLst>
+      <p:ext uri="{BB962C8B-B14F-4D97-AF65-F5344CB8AC3E}">
+        <p14:creationId xmlns:p14="http://schemas.microsoft.com/office/powerpoint/2010/main" val="1882253289"/>
+      </p:ext>
+    </p:extLst>
+  </p:cSld>
+  <p:clrMapOvr>
+    <a:masterClrMapping/>
+  </p:clrMapOvr>
+</p:sld>
+</file>
+
+<file path=ppt/slides/slide9.xml><?xml version="1.0" encoding="utf-8"?>
+<p:sld xmlns:a="http://schemas.openxmlformats.org/drawingml/2006/main" xmlns:r="http://schemas.openxmlformats.org/officeDocument/2006/relationships" xmlns:p="http://schemas.openxmlformats.org/presentationml/2006/main">
+  <p:cSld>
+    <p:spTree>
+      <p:nvGrpSpPr>
+        <p:cNvPr id="1" name=""/>
+        <p:cNvGrpSpPr/>
+        <p:nvPr/>
+      </p:nvGrpSpPr>
+      <p:grpSpPr>
+        <a:xfrm>
+          <a:off x="0" y="0"/>
+          <a:ext cx="0" cy="0"/>
+          <a:chOff x="0" y="0"/>
+          <a:chExt cx="0" cy="0"/>
+        </a:xfrm>
+      </p:grpSpPr>
+      <p:grpSp>
+        <p:nvGrpSpPr>
+          <p:cNvPr id="4" name="Groupe 3">
+            <a:extLst>
+              <a:ext uri="{FF2B5EF4-FFF2-40B4-BE49-F238E27FC236}">
+                <a16:creationId xmlns:a16="http://schemas.microsoft.com/office/drawing/2014/main" id="{26A1F131-CF36-3F4C-0AED-20E1FAB53096}"/>
+              </a:ext>
+            </a:extLst>
+          </p:cNvPr>
+          <p:cNvGrpSpPr/>
+          <p:nvPr/>
+        </p:nvGrpSpPr>
+        <p:grpSpPr>
+          <a:xfrm>
+            <a:off x="221467" y="328362"/>
+            <a:ext cx="11694270" cy="6201275"/>
+            <a:chOff x="221467" y="328362"/>
+            <a:chExt cx="11694270" cy="6201275"/>
+          </a:xfrm>
+        </p:grpSpPr>
+        <p:sp>
+          <p:nvSpPr>
+            <p:cNvPr id="5" name="ZoneTexte 4">
+              <a:extLst>
+                <a:ext uri="{FF2B5EF4-FFF2-40B4-BE49-F238E27FC236}">
+                  <a16:creationId xmlns:a16="http://schemas.microsoft.com/office/drawing/2014/main" id="{4513491C-BB44-CBF9-884D-CCEC32B461E9}"/>
+                </a:ext>
+              </a:extLst>
+            </p:cNvPr>
+            <p:cNvSpPr txBox="1"/>
+            <p:nvPr/>
+          </p:nvSpPr>
+          <p:spPr>
+            <a:xfrm>
+              <a:off x="2952761" y="328362"/>
+              <a:ext cx="1585913" cy="369332"/>
+            </a:xfrm>
+            <a:prstGeom prst="rect">
+              <a:avLst/>
+            </a:prstGeom>
+            <a:solidFill>
+              <a:schemeClr val="tx2">
+                <a:lumMod val="10000"/>
+                <a:lumOff val="90000"/>
+              </a:schemeClr>
+            </a:solidFill>
+            <a:ln w="25400">
+              <a:solidFill>
+                <a:schemeClr val="accent1"/>
+              </a:solidFill>
+            </a:ln>
+          </p:spPr>
+          <p:txBody>
+            <a:bodyPr wrap="square" rtlCol="0">
+              <a:spAutoFit/>
+            </a:bodyPr>
+            <a:lstStyle/>
+            <a:p>
+              <a:pPr algn="ctr"/>
+              <a:r>
+                <a:rPr lang="fr-FR" dirty="0"/>
+                <a:t>Seurat Object</a:t>
+              </a:r>
+            </a:p>
+          </p:txBody>
+        </p:sp>
+        <p:sp>
+          <p:nvSpPr>
+            <p:cNvPr id="6" name="ZoneTexte 5">
+              <a:extLst>
+                <a:ext uri="{FF2B5EF4-FFF2-40B4-BE49-F238E27FC236}">
+                  <a16:creationId xmlns:a16="http://schemas.microsoft.com/office/drawing/2014/main" id="{4DF3B5A1-6A2E-B594-ACB4-D0F23AFD4BE6}"/>
+                </a:ext>
+              </a:extLst>
+            </p:cNvPr>
+            <p:cNvSpPr txBox="1"/>
+            <p:nvPr/>
+          </p:nvSpPr>
+          <p:spPr>
+            <a:xfrm>
+              <a:off x="1995495" y="1885700"/>
+              <a:ext cx="1428750" cy="369332"/>
+            </a:xfrm>
+            <a:prstGeom prst="rect">
+              <a:avLst/>
+            </a:prstGeom>
+            <a:solidFill>
+              <a:schemeClr val="accent2">
+                <a:lumMod val="20000"/>
+                <a:lumOff val="80000"/>
+              </a:schemeClr>
+            </a:solidFill>
+            <a:ln w="25400">
+              <a:solidFill>
+                <a:schemeClr val="accent1"/>
+              </a:solidFill>
+            </a:ln>
+          </p:spPr>
+          <p:txBody>
+            <a:bodyPr wrap="square" rtlCol="0">
+              <a:spAutoFit/>
+            </a:bodyPr>
+            <a:lstStyle/>
+            <a:p>
+              <a:pPr algn="ctr"/>
+              <a:r>
+                <a:rPr lang="fr-FR" dirty="0" err="1"/>
+                <a:t>assays</a:t>
+              </a:r>
+              <a:endParaRPr lang="fr-FR" dirty="0"/>
+            </a:p>
+          </p:txBody>
+        </p:sp>
+        <p:sp>
+          <p:nvSpPr>
+            <p:cNvPr id="7" name="ZoneTexte 6">
+              <a:extLst>
+                <a:ext uri="{FF2B5EF4-FFF2-40B4-BE49-F238E27FC236}">
+                  <a16:creationId xmlns:a16="http://schemas.microsoft.com/office/drawing/2014/main" id="{81E3B5DE-715E-F76D-146F-D20CF4FE2E1A}"/>
+                </a:ext>
+              </a:extLst>
+            </p:cNvPr>
+            <p:cNvSpPr txBox="1"/>
+            <p:nvPr/>
+          </p:nvSpPr>
+          <p:spPr>
+            <a:xfrm>
+              <a:off x="3838577" y="1885700"/>
+              <a:ext cx="2528883" cy="646331"/>
+            </a:xfrm>
+            <a:prstGeom prst="rect">
+              <a:avLst/>
+            </a:prstGeom>
+            <a:solidFill>
+              <a:schemeClr val="accent2">
+                <a:lumMod val="20000"/>
+                <a:lumOff val="80000"/>
+              </a:schemeClr>
+            </a:solidFill>
+            <a:ln w="25400">
+              <a:solidFill>
+                <a:schemeClr val="accent1"/>
+              </a:solidFill>
+            </a:ln>
+          </p:spPr>
+          <p:txBody>
+            <a:bodyPr wrap="square" rtlCol="0">
+              <a:spAutoFit/>
+            </a:bodyPr>
+            <a:lstStyle/>
+            <a:p>
+              <a:pPr algn="ctr"/>
+              <a:r>
+                <a:rPr lang="fr-FR" dirty="0" err="1"/>
+                <a:t>meta.data</a:t>
+              </a:r>
+              <a:endParaRPr lang="fr-FR" dirty="0"/>
+            </a:p>
+            <a:p>
+              <a:pPr algn="ctr"/>
+              <a:r>
+                <a:rPr lang="fr-FR" dirty="0"/>
+                <a:t>(info sur les cellules)</a:t>
+              </a:r>
+            </a:p>
+          </p:txBody>
+        </p:sp>
+        <p:cxnSp>
+          <p:nvCxnSpPr>
+            <p:cNvPr id="8" name="Connecteur en angle 7">
+              <a:extLst>
+                <a:ext uri="{FF2B5EF4-FFF2-40B4-BE49-F238E27FC236}">
+                  <a16:creationId xmlns:a16="http://schemas.microsoft.com/office/drawing/2014/main" id="{8E348A3B-A8DA-90CC-A354-611E15BB4161}"/>
+                </a:ext>
+              </a:extLst>
+            </p:cNvPr>
+            <p:cNvCxnSpPr>
+              <a:stCxn id="5" idx="2"/>
+              <a:endCxn id="6" idx="0"/>
+            </p:cNvCxnSpPr>
+            <p:nvPr/>
+          </p:nvCxnSpPr>
+          <p:spPr>
+            <a:xfrm rot="5400000">
+              <a:off x="2633791" y="773773"/>
+              <a:ext cx="1188006" cy="1035848"/>
+            </a:xfrm>
+            <a:prstGeom prst="bentConnector3">
+              <a:avLst/>
+            </a:prstGeom>
+            <a:ln>
+              <a:tailEnd type="triangle"/>
+            </a:ln>
+          </p:spPr>
+          <p:style>
+            <a:lnRef idx="2">
+              <a:schemeClr val="accent1"/>
+            </a:lnRef>
+            <a:fillRef idx="0">
+              <a:schemeClr val="accent1"/>
+            </a:fillRef>
+            <a:effectRef idx="1">
+              <a:schemeClr val="accent1"/>
+            </a:effectRef>
+            <a:fontRef idx="minor">
+              <a:schemeClr val="tx1"/>
+            </a:fontRef>
+          </p:style>
+        </p:cxnSp>
+        <p:cxnSp>
+          <p:nvCxnSpPr>
+            <p:cNvPr id="9" name="Connecteur en angle 8">
+              <a:extLst>
+                <a:ext uri="{FF2B5EF4-FFF2-40B4-BE49-F238E27FC236}">
+                  <a16:creationId xmlns:a16="http://schemas.microsoft.com/office/drawing/2014/main" id="{993C32B2-E1CC-1551-A63F-D268CDEFC313}"/>
+                </a:ext>
+              </a:extLst>
+            </p:cNvPr>
+            <p:cNvCxnSpPr>
+              <a:cxnSpLocks/>
+              <a:endCxn id="7" idx="0"/>
+            </p:cNvCxnSpPr>
+            <p:nvPr/>
+          </p:nvCxnSpPr>
+          <p:spPr>
+            <a:xfrm>
+              <a:off x="3502826" y="1291697"/>
+              <a:ext cx="1600193" cy="594003"/>
+            </a:xfrm>
+            <a:prstGeom prst="bentConnector2">
+              <a:avLst/>
+            </a:prstGeom>
+            <a:ln>
+              <a:tailEnd type="triangle"/>
+            </a:ln>
+          </p:spPr>
+          <p:style>
+            <a:lnRef idx="2">
+              <a:schemeClr val="accent1"/>
+            </a:lnRef>
+            <a:fillRef idx="0">
+              <a:schemeClr val="accent1"/>
+            </a:fillRef>
+            <a:effectRef idx="1">
+              <a:schemeClr val="accent1"/>
+            </a:effectRef>
+            <a:fontRef idx="minor">
+              <a:schemeClr val="tx1"/>
+            </a:fontRef>
+          </p:style>
+        </p:cxnSp>
+        <mc:AlternateContent xmlns:mc="http://schemas.openxmlformats.org/markup-compatibility/2006">
+          <mc:Choice xmlns:a14="http://schemas.microsoft.com/office/drawing/2010/main" Requires="a14">
+            <p:sp>
+              <p:nvSpPr>
+                <p:cNvPr id="10" name="ZoneTexte 9">
+                  <a:extLst>
+                    <a:ext uri="{FF2B5EF4-FFF2-40B4-BE49-F238E27FC236}">
+                      <a16:creationId xmlns:a16="http://schemas.microsoft.com/office/drawing/2014/main" id="{8629F3EA-1517-C831-930B-D6A13606FF73}"/>
+                    </a:ext>
+                  </a:extLst>
+                </p:cNvPr>
+                <p:cNvSpPr txBox="1"/>
+                <p:nvPr/>
+              </p:nvSpPr>
+              <p:spPr>
+                <a:xfrm>
+                  <a:off x="3367101" y="809966"/>
+                  <a:ext cx="1243017" cy="369332"/>
+                </a:xfrm>
+                <a:prstGeom prst="rect">
+                  <a:avLst/>
+                </a:prstGeom>
+                <a:noFill/>
+              </p:spPr>
+              <p:txBody>
+                <a:bodyPr wrap="square" rtlCol="0">
+                  <a:spAutoFit/>
+                </a:bodyPr>
+                <a:lstStyle/>
+                <a:p>
+                  <a14:m>
+                    <m:oMathPara xmlns:m="http://schemas.openxmlformats.org/officeDocument/2006/math">
+                      <m:oMathParaPr>
+                        <m:jc m:val="centerGroup"/>
+                      </m:oMathParaPr>
+                      <m:oMath xmlns:m="http://schemas.openxmlformats.org/officeDocument/2006/math">
+                        <m:r>
+                          <a:rPr lang="fr-FR" b="0" i="1" smtClean="0">
+                            <a:latin typeface="Cambria Math" panose="02040503050406030204" pitchFamily="18" charset="0"/>
+                          </a:rPr>
+                          <m:t>@</m:t>
+                        </m:r>
+                      </m:oMath>
+                    </m:oMathPara>
+                  </a14:m>
+                  <a:endParaRPr lang="fr-FR" dirty="0"/>
+                </a:p>
+              </p:txBody>
+            </p:sp>
+          </mc:Choice>
+          <mc:Fallback>
+            <p:sp>
+              <p:nvSpPr>
+                <p:cNvPr id="10" name="ZoneTexte 9">
+                  <a:extLst>
+                    <a:ext uri="{FF2B5EF4-FFF2-40B4-BE49-F238E27FC236}">
+                      <a16:creationId xmlns:a16="http://schemas.microsoft.com/office/drawing/2014/main" id="{8629F3EA-1517-C831-930B-D6A13606FF73}"/>
+                    </a:ext>
+                  </a:extLst>
+                </p:cNvPr>
+                <p:cNvSpPr txBox="1">
+                  <a:spLocks noRot="1" noChangeAspect="1" noMove="1" noResize="1" noEditPoints="1" noAdjustHandles="1" noChangeArrowheads="1" noChangeShapeType="1" noTextEdit="1"/>
+                </p:cNvSpPr>
+                <p:nvPr/>
+              </p:nvSpPr>
+              <p:spPr>
+                <a:xfrm>
+                  <a:off x="3367101" y="809966"/>
+                  <a:ext cx="1243017" cy="369332"/>
+                </a:xfrm>
+                <a:prstGeom prst="rect">
+                  <a:avLst/>
+                </a:prstGeom>
+                <a:blipFill>
+                  <a:blip r:embed="rId2"/>
+                  <a:stretch>
+                    <a:fillRect/>
+                  </a:stretch>
+                </a:blipFill>
+              </p:spPr>
+              <p:txBody>
+                <a:bodyPr/>
+                <a:lstStyle/>
+                <a:p>
+                  <a:r>
+                    <a:rPr lang="fr-FR">
+                      <a:noFill/>
+                    </a:rPr>
+                    <a:t> </a:t>
+                  </a:r>
+                </a:p>
+              </p:txBody>
+            </p:sp>
+          </mc:Fallback>
+        </mc:AlternateContent>
+        <p:sp>
+          <p:nvSpPr>
+            <p:cNvPr id="11" name="ZoneTexte 10">
+              <a:extLst>
+                <a:ext uri="{FF2B5EF4-FFF2-40B4-BE49-F238E27FC236}">
+                  <a16:creationId xmlns:a16="http://schemas.microsoft.com/office/drawing/2014/main" id="{BFAE199D-0013-E525-1D7D-59D1182C9FE1}"/>
+                </a:ext>
+              </a:extLst>
+            </p:cNvPr>
+            <p:cNvSpPr txBox="1"/>
+            <p:nvPr/>
+          </p:nvSpPr>
+          <p:spPr>
+            <a:xfrm>
+              <a:off x="1995495" y="2799213"/>
+              <a:ext cx="1428750" cy="369332"/>
+            </a:xfrm>
+            <a:prstGeom prst="rect">
+              <a:avLst/>
+            </a:prstGeom>
+            <a:solidFill>
+              <a:schemeClr val="accent3">
+                <a:lumMod val="20000"/>
+                <a:lumOff val="80000"/>
+              </a:schemeClr>
+            </a:solidFill>
+            <a:ln w="25400">
+              <a:solidFill>
+                <a:schemeClr val="accent1"/>
+              </a:solidFill>
+            </a:ln>
+          </p:spPr>
+          <p:txBody>
+            <a:bodyPr wrap="square" rtlCol="0">
+              <a:spAutoFit/>
+            </a:bodyPr>
+            <a:lstStyle/>
+            <a:p>
+              <a:pPr algn="ctr"/>
+              <a:r>
+                <a:rPr lang="fr-FR" dirty="0"/>
+                <a:t>RNA</a:t>
+              </a:r>
+            </a:p>
+          </p:txBody>
+        </p:sp>
+        <p:cxnSp>
+          <p:nvCxnSpPr>
+            <p:cNvPr id="12" name="Connecteur droit avec flèche 11">
+              <a:extLst>
+                <a:ext uri="{FF2B5EF4-FFF2-40B4-BE49-F238E27FC236}">
+                  <a16:creationId xmlns:a16="http://schemas.microsoft.com/office/drawing/2014/main" id="{D2246D79-E391-1DD6-C2CC-D9D07CA64932}"/>
+                </a:ext>
+              </a:extLst>
+            </p:cNvPr>
+            <p:cNvCxnSpPr>
+              <a:stCxn id="6" idx="2"/>
+              <a:endCxn id="11" idx="0"/>
+            </p:cNvCxnSpPr>
+            <p:nvPr/>
+          </p:nvCxnSpPr>
+          <p:spPr>
+            <a:xfrm>
+              <a:off x="2709870" y="2255032"/>
+              <a:ext cx="0" cy="544181"/>
+            </a:xfrm>
+            <a:prstGeom prst="straightConnector1">
+              <a:avLst/>
+            </a:prstGeom>
+            <a:ln>
+              <a:tailEnd type="triangle"/>
+            </a:ln>
+          </p:spPr>
+          <p:style>
+            <a:lnRef idx="2">
+              <a:schemeClr val="accent1"/>
+            </a:lnRef>
+            <a:fillRef idx="0">
+              <a:schemeClr val="accent1"/>
+            </a:fillRef>
+            <a:effectRef idx="1">
+              <a:schemeClr val="accent1"/>
+            </a:effectRef>
+            <a:fontRef idx="minor">
+              <a:schemeClr val="tx1"/>
+            </a:fontRef>
+          </p:style>
+        </p:cxnSp>
+        <p:sp>
+          <p:nvSpPr>
+            <p:cNvPr id="13" name="ZoneTexte 12">
+              <a:extLst>
+                <a:ext uri="{FF2B5EF4-FFF2-40B4-BE49-F238E27FC236}">
+                  <a16:creationId xmlns:a16="http://schemas.microsoft.com/office/drawing/2014/main" id="{CCDF84CF-61DC-9057-752E-B7F9B141A59A}"/>
+                </a:ext>
+              </a:extLst>
+            </p:cNvPr>
+            <p:cNvSpPr txBox="1"/>
+            <p:nvPr/>
+          </p:nvSpPr>
+          <p:spPr>
+            <a:xfrm>
+              <a:off x="2324108" y="2349600"/>
+              <a:ext cx="585787" cy="369332"/>
+            </a:xfrm>
+            <a:prstGeom prst="rect">
+              <a:avLst/>
+            </a:prstGeom>
+            <a:noFill/>
+          </p:spPr>
+          <p:txBody>
+            <a:bodyPr wrap="square" rtlCol="0">
+              <a:spAutoFit/>
+            </a:bodyPr>
+            <a:lstStyle/>
+            <a:p>
+              <a:r>
+                <a:rPr lang="fr-FR" dirty="0"/>
+                <a:t>$</a:t>
+              </a:r>
+            </a:p>
+          </p:txBody>
+        </p:sp>
+        <p:sp>
+          <p:nvSpPr>
+            <p:cNvPr id="14" name="ZoneTexte 13">
+              <a:extLst>
+                <a:ext uri="{FF2B5EF4-FFF2-40B4-BE49-F238E27FC236}">
+                  <a16:creationId xmlns:a16="http://schemas.microsoft.com/office/drawing/2014/main" id="{1CC1F485-0956-C86F-AB5F-3D268BA141A3}"/>
+                </a:ext>
+              </a:extLst>
+            </p:cNvPr>
+            <p:cNvSpPr txBox="1"/>
+            <p:nvPr/>
+          </p:nvSpPr>
+          <p:spPr>
+            <a:xfrm>
+              <a:off x="221467" y="4775311"/>
+              <a:ext cx="4976805" cy="1754326"/>
+            </a:xfrm>
+            <a:prstGeom prst="rect">
+              <a:avLst/>
+            </a:prstGeom>
+            <a:solidFill>
+              <a:schemeClr val="accent3">
+                <a:lumMod val="20000"/>
+                <a:lumOff val="80000"/>
+              </a:schemeClr>
+            </a:solidFill>
+            <a:ln w="25400">
+              <a:solidFill>
+                <a:schemeClr val="accent1"/>
+              </a:solidFill>
+            </a:ln>
+          </p:spPr>
+          <p:txBody>
+            <a:bodyPr wrap="square" rtlCol="0">
+              <a:spAutoFit/>
+            </a:bodyPr>
+            <a:lstStyle/>
+            <a:p>
+              <a:pPr marL="285750" indent="-285750">
+                <a:buFont typeface="Arial" panose="020B0604020202020204" pitchFamily="34" charset="0"/>
+                <a:buChar char="•"/>
+              </a:pPr>
+              <a:r>
+                <a:rPr lang="fr-FR" dirty="0" err="1"/>
+                <a:t>counts</a:t>
+              </a:r>
+              <a:endParaRPr lang="fr-FR" dirty="0"/>
+            </a:p>
+            <a:p>
+              <a:r>
+                <a:rPr lang="fr-FR" dirty="0"/>
+                <a:t>(matrice des comptages bruts G x C)</a:t>
+              </a:r>
+            </a:p>
+            <a:p>
+              <a:pPr marL="285750" indent="-285750">
+                <a:buFont typeface="Arial" panose="020B0604020202020204" pitchFamily="34" charset="0"/>
+                <a:buChar char="•"/>
+              </a:pPr>
+              <a:r>
+                <a:rPr lang="fr-FR" dirty="0"/>
+                <a:t>data</a:t>
+              </a:r>
+            </a:p>
+            <a:p>
+              <a:r>
+                <a:rPr lang="fr-FR" dirty="0"/>
+                <a:t>(matrice des comptages normalisés </a:t>
+              </a:r>
+              <a:r>
+                <a:rPr lang="fr-FR" dirty="0" err="1"/>
+                <a:t>GxC</a:t>
+              </a:r>
+              <a:r>
+                <a:rPr lang="fr-FR" dirty="0"/>
+                <a:t>)</a:t>
+              </a:r>
+            </a:p>
+            <a:p>
+              <a:pPr marL="285750" indent="-285750">
+                <a:buFont typeface="Arial" panose="020B0604020202020204" pitchFamily="34" charset="0"/>
+                <a:buChar char="•"/>
+              </a:pPr>
+              <a:r>
+                <a:rPr lang="fr-FR" dirty="0" err="1"/>
+                <a:t>scale.data</a:t>
+              </a:r>
+              <a:endParaRPr lang="fr-FR" dirty="0"/>
+            </a:p>
+            <a:p>
+              <a:r>
+                <a:rPr lang="fr-FR" dirty="0"/>
+                <a:t>(matrice des données centrées-réduites </a:t>
+              </a:r>
+              <a:r>
+                <a:rPr lang="fr-FR" dirty="0" err="1"/>
+                <a:t>JxC</a:t>
+              </a:r>
+              <a:r>
+                <a:rPr lang="fr-FR" dirty="0"/>
+                <a:t>)</a:t>
+              </a:r>
+            </a:p>
+          </p:txBody>
+        </p:sp>
+        <p:cxnSp>
+          <p:nvCxnSpPr>
+            <p:cNvPr id="15" name="Connecteur droit avec flèche 14">
+              <a:extLst>
+                <a:ext uri="{FF2B5EF4-FFF2-40B4-BE49-F238E27FC236}">
+                  <a16:creationId xmlns:a16="http://schemas.microsoft.com/office/drawing/2014/main" id="{7C599BA4-EF83-BD85-ECE0-B30619A6B5B8}"/>
+                </a:ext>
+              </a:extLst>
+            </p:cNvPr>
+            <p:cNvCxnSpPr>
+              <a:cxnSpLocks/>
+              <a:stCxn id="11" idx="2"/>
+              <a:endCxn id="14" idx="0"/>
+            </p:cNvCxnSpPr>
+            <p:nvPr/>
+          </p:nvCxnSpPr>
+          <p:spPr>
+            <a:xfrm>
+              <a:off x="2709870" y="3168545"/>
+              <a:ext cx="0" cy="1606766"/>
+            </a:xfrm>
+            <a:prstGeom prst="straightConnector1">
+              <a:avLst/>
+            </a:prstGeom>
+            <a:ln>
+              <a:tailEnd type="triangle"/>
+            </a:ln>
+          </p:spPr>
+          <p:style>
+            <a:lnRef idx="2">
+              <a:schemeClr val="accent1"/>
+            </a:lnRef>
+            <a:fillRef idx="0">
+              <a:schemeClr val="accent1"/>
+            </a:fillRef>
+            <a:effectRef idx="1">
+              <a:schemeClr val="accent1"/>
+            </a:effectRef>
+            <a:fontRef idx="minor">
+              <a:schemeClr val="tx1"/>
+            </a:fontRef>
+          </p:style>
+        </p:cxnSp>
+        <p:sp>
+          <p:nvSpPr>
+            <p:cNvPr id="16" name="ZoneTexte 15">
+              <a:extLst>
+                <a:ext uri="{FF2B5EF4-FFF2-40B4-BE49-F238E27FC236}">
+                  <a16:creationId xmlns:a16="http://schemas.microsoft.com/office/drawing/2014/main" id="{94B506E2-A1CA-9EFE-B318-408849293E94}"/>
+                </a:ext>
+              </a:extLst>
+            </p:cNvPr>
+            <p:cNvSpPr txBox="1"/>
+            <p:nvPr/>
+          </p:nvSpPr>
+          <p:spPr>
+            <a:xfrm>
+              <a:off x="2333628" y="3816452"/>
+              <a:ext cx="585787" cy="369332"/>
+            </a:xfrm>
+            <a:prstGeom prst="rect">
+              <a:avLst/>
+            </a:prstGeom>
+            <a:noFill/>
+          </p:spPr>
+          <p:txBody>
+            <a:bodyPr wrap="square" rtlCol="0">
+              <a:spAutoFit/>
+            </a:bodyPr>
+            <a:lstStyle/>
+            <a:p>
+              <a:r>
+                <a:rPr lang="fr-FR" dirty="0"/>
+                <a:t>$</a:t>
+              </a:r>
+            </a:p>
+          </p:txBody>
+        </p:sp>
+        <p:sp>
+          <p:nvSpPr>
+            <p:cNvPr id="17" name="ZoneTexte 16">
+              <a:extLst>
+                <a:ext uri="{FF2B5EF4-FFF2-40B4-BE49-F238E27FC236}">
+                  <a16:creationId xmlns:a16="http://schemas.microsoft.com/office/drawing/2014/main" id="{AD5A01B5-1DA5-E114-A92F-3941C31EF898}"/>
+                </a:ext>
+              </a:extLst>
+            </p:cNvPr>
+            <p:cNvSpPr txBox="1"/>
+            <p:nvPr/>
+          </p:nvSpPr>
+          <p:spPr>
+            <a:xfrm>
+              <a:off x="3874291" y="3190708"/>
+              <a:ext cx="2443157" cy="1477328"/>
+            </a:xfrm>
+            <a:prstGeom prst="rect">
+              <a:avLst/>
+            </a:prstGeom>
+            <a:solidFill>
+              <a:schemeClr val="accent3">
+                <a:lumMod val="20000"/>
+                <a:lumOff val="80000"/>
+              </a:schemeClr>
+            </a:solidFill>
+            <a:ln w="25400">
+              <a:solidFill>
+                <a:schemeClr val="accent1"/>
+              </a:solidFill>
+            </a:ln>
+          </p:spPr>
+          <p:txBody>
+            <a:bodyPr wrap="square" rtlCol="0">
+              <a:spAutoFit/>
+            </a:bodyPr>
+            <a:lstStyle/>
+            <a:p>
+              <a:pPr marL="285750" indent="-285750">
+                <a:buFont typeface="Arial" panose="020B0604020202020204" pitchFamily="34" charset="0"/>
+                <a:buChar char="•"/>
+              </a:pPr>
+              <a:r>
+                <a:rPr lang="fr-FR" dirty="0" err="1"/>
+                <a:t>orig.ident</a:t>
+              </a:r>
+              <a:endParaRPr lang="fr-FR" dirty="0"/>
+            </a:p>
+            <a:p>
+              <a:pPr marL="285750" indent="-285750">
+                <a:buFont typeface="Arial" panose="020B0604020202020204" pitchFamily="34" charset="0"/>
+                <a:buChar char="•"/>
+              </a:pPr>
+              <a:r>
+                <a:rPr lang="fr-FR" dirty="0" err="1"/>
+                <a:t>nCount_RNA</a:t>
+              </a:r>
+              <a:endParaRPr lang="fr-FR" dirty="0"/>
+            </a:p>
+            <a:p>
+              <a:pPr marL="285750" indent="-285750">
+                <a:buFont typeface="Arial" panose="020B0604020202020204" pitchFamily="34" charset="0"/>
+                <a:buChar char="•"/>
+              </a:pPr>
+              <a:r>
+                <a:rPr lang="fr-FR" dirty="0" err="1"/>
+                <a:t>nFeatures_RNA</a:t>
+              </a:r>
+              <a:endParaRPr lang="fr-FR" dirty="0"/>
+            </a:p>
+            <a:p>
+              <a:pPr marL="285750" indent="-285750">
+                <a:buFont typeface="Arial" panose="020B0604020202020204" pitchFamily="34" charset="0"/>
+                <a:buChar char="•"/>
+              </a:pPr>
+              <a:r>
+                <a:rPr lang="fr-FR" dirty="0"/>
+                <a:t>log10GenesPerUMI</a:t>
+              </a:r>
+            </a:p>
+            <a:p>
+              <a:pPr marL="285750" indent="-285750">
+                <a:buFont typeface="Arial" panose="020B0604020202020204" pitchFamily="34" charset="0"/>
+                <a:buChar char="•"/>
+              </a:pPr>
+              <a:r>
+                <a:rPr lang="fr-FR" dirty="0" err="1"/>
+                <a:t>percent.mt</a:t>
+              </a:r>
+              <a:endParaRPr lang="fr-FR" dirty="0"/>
+            </a:p>
+          </p:txBody>
+        </p:sp>
+        <p:cxnSp>
+          <p:nvCxnSpPr>
+            <p:cNvPr id="18" name="Connecteur droit avec flèche 17">
+              <a:extLst>
+                <a:ext uri="{FF2B5EF4-FFF2-40B4-BE49-F238E27FC236}">
+                  <a16:creationId xmlns:a16="http://schemas.microsoft.com/office/drawing/2014/main" id="{AEEEBA9C-3AC5-D9B5-8836-42FB1F9A824D}"/>
+                </a:ext>
+              </a:extLst>
+            </p:cNvPr>
+            <p:cNvCxnSpPr>
+              <a:cxnSpLocks/>
+              <a:stCxn id="7" idx="2"/>
+              <a:endCxn id="17" idx="0"/>
+            </p:cNvCxnSpPr>
+            <p:nvPr/>
+          </p:nvCxnSpPr>
+          <p:spPr>
+            <a:xfrm flipH="1">
+              <a:off x="5095870" y="2532031"/>
+              <a:ext cx="7149" cy="658677"/>
+            </a:xfrm>
+            <a:prstGeom prst="straightConnector1">
+              <a:avLst/>
+            </a:prstGeom>
+            <a:ln>
+              <a:tailEnd type="triangle"/>
+            </a:ln>
+          </p:spPr>
+          <p:style>
+            <a:lnRef idx="2">
+              <a:schemeClr val="accent1"/>
+            </a:lnRef>
+            <a:fillRef idx="0">
+              <a:schemeClr val="accent1"/>
+            </a:fillRef>
+            <a:effectRef idx="1">
+              <a:schemeClr val="accent1"/>
+            </a:effectRef>
+            <a:fontRef idx="minor">
+              <a:schemeClr val="tx1"/>
+            </a:fontRef>
+          </p:style>
+        </p:cxnSp>
+        <p:sp>
+          <p:nvSpPr>
+            <p:cNvPr id="19" name="ZoneTexte 18">
+              <a:extLst>
+                <a:ext uri="{FF2B5EF4-FFF2-40B4-BE49-F238E27FC236}">
+                  <a16:creationId xmlns:a16="http://schemas.microsoft.com/office/drawing/2014/main" id="{440643CA-C4AA-21A3-C5F0-D4AA788C8815}"/>
+                </a:ext>
+              </a:extLst>
+            </p:cNvPr>
+            <p:cNvSpPr txBox="1"/>
+            <p:nvPr/>
+          </p:nvSpPr>
+          <p:spPr>
+            <a:xfrm>
+              <a:off x="4705366" y="2673456"/>
+              <a:ext cx="585787" cy="369332"/>
+            </a:xfrm>
+            <a:prstGeom prst="rect">
+              <a:avLst/>
+            </a:prstGeom>
+            <a:noFill/>
+          </p:spPr>
+          <p:txBody>
+            <a:bodyPr wrap="square" rtlCol="0">
+              <a:spAutoFit/>
+            </a:bodyPr>
+            <a:lstStyle/>
+            <a:p>
+              <a:r>
+                <a:rPr lang="fr-FR" dirty="0"/>
+                <a:t>$</a:t>
+              </a:r>
+            </a:p>
+          </p:txBody>
+        </p:sp>
+        <p:sp>
+          <p:nvSpPr>
+            <p:cNvPr id="20" name="ZoneTexte 19">
+              <a:extLst>
+                <a:ext uri="{FF2B5EF4-FFF2-40B4-BE49-F238E27FC236}">
+                  <a16:creationId xmlns:a16="http://schemas.microsoft.com/office/drawing/2014/main" id="{B970CC8E-6DFD-AD20-5BCA-E82B2CAB90C9}"/>
+                </a:ext>
+              </a:extLst>
+            </p:cNvPr>
+            <p:cNvSpPr txBox="1"/>
+            <p:nvPr/>
+          </p:nvSpPr>
+          <p:spPr>
+            <a:xfrm>
+              <a:off x="10179881" y="1880789"/>
+              <a:ext cx="1345371" cy="369332"/>
+            </a:xfrm>
+            <a:prstGeom prst="rect">
+              <a:avLst/>
+            </a:prstGeom>
+            <a:solidFill>
+              <a:schemeClr val="accent2">
+                <a:lumMod val="20000"/>
+                <a:lumOff val="80000"/>
+              </a:schemeClr>
+            </a:solidFill>
+            <a:ln w="25400">
+              <a:solidFill>
+                <a:schemeClr val="accent1"/>
+              </a:solidFill>
+            </a:ln>
+          </p:spPr>
+          <p:txBody>
+            <a:bodyPr wrap="square" rtlCol="0">
+              <a:spAutoFit/>
+            </a:bodyPr>
+            <a:lstStyle/>
+            <a:p>
+              <a:pPr algn="ctr"/>
+              <a:r>
+                <a:rPr lang="fr-FR" dirty="0" err="1"/>
+                <a:t>commands</a:t>
+              </a:r>
+              <a:endParaRPr lang="fr-FR" dirty="0"/>
+            </a:p>
+          </p:txBody>
+        </p:sp>
+        <p:cxnSp>
+          <p:nvCxnSpPr>
+            <p:cNvPr id="21" name="Connecteur en angle 20">
+              <a:extLst>
+                <a:ext uri="{FF2B5EF4-FFF2-40B4-BE49-F238E27FC236}">
+                  <a16:creationId xmlns:a16="http://schemas.microsoft.com/office/drawing/2014/main" id="{2DD8A3B4-D02E-C706-DA64-1B87899B9959}"/>
+                </a:ext>
+              </a:extLst>
+            </p:cNvPr>
+            <p:cNvCxnSpPr>
+              <a:cxnSpLocks/>
+              <a:stCxn id="5" idx="2"/>
+              <a:endCxn id="20" idx="0"/>
+            </p:cNvCxnSpPr>
+            <p:nvPr/>
+          </p:nvCxnSpPr>
+          <p:spPr>
+            <a:xfrm rot="16200000" flipH="1">
+              <a:off x="6707595" y="-2264184"/>
+              <a:ext cx="1183095" cy="7106849"/>
+            </a:xfrm>
+            <a:prstGeom prst="bentConnector3">
+              <a:avLst/>
+            </a:prstGeom>
+            <a:ln>
+              <a:tailEnd type="triangle"/>
+            </a:ln>
+          </p:spPr>
+          <p:style>
+            <a:lnRef idx="2">
+              <a:schemeClr val="accent1"/>
+            </a:lnRef>
+            <a:fillRef idx="0">
+              <a:schemeClr val="accent1"/>
+            </a:fillRef>
+            <a:effectRef idx="1">
+              <a:schemeClr val="accent1"/>
+            </a:effectRef>
+            <a:fontRef idx="minor">
+              <a:schemeClr val="tx1"/>
+            </a:fontRef>
+          </p:style>
+        </p:cxnSp>
+        <p:sp>
+          <p:nvSpPr>
+            <p:cNvPr id="22" name="ZoneTexte 21">
+              <a:extLst>
+                <a:ext uri="{FF2B5EF4-FFF2-40B4-BE49-F238E27FC236}">
+                  <a16:creationId xmlns:a16="http://schemas.microsoft.com/office/drawing/2014/main" id="{649DACF1-1CF0-FAF1-CE38-9379DDC9A9F1}"/>
+                </a:ext>
+              </a:extLst>
+            </p:cNvPr>
+            <p:cNvSpPr txBox="1"/>
+            <p:nvPr/>
+          </p:nvSpPr>
+          <p:spPr>
+            <a:xfrm>
+              <a:off x="9770285" y="2900186"/>
+              <a:ext cx="2145452" cy="1477328"/>
+            </a:xfrm>
+            <a:prstGeom prst="rect">
+              <a:avLst/>
+            </a:prstGeom>
+            <a:solidFill>
+              <a:schemeClr val="accent3">
+                <a:lumMod val="20000"/>
+                <a:lumOff val="80000"/>
+              </a:schemeClr>
+            </a:solidFill>
+            <a:ln w="25400">
+              <a:solidFill>
+                <a:schemeClr val="accent1"/>
+              </a:solidFill>
+            </a:ln>
+          </p:spPr>
+          <p:txBody>
+            <a:bodyPr wrap="square" rtlCol="0">
+              <a:spAutoFit/>
+            </a:bodyPr>
+            <a:lstStyle/>
+            <a:p>
+              <a:pPr marL="285750" indent="-285750">
+                <a:buFont typeface="Arial" panose="020B0604020202020204" pitchFamily="34" charset="0"/>
+                <a:buChar char="•"/>
+              </a:pPr>
+              <a:r>
+                <a:rPr lang="fr-FR" sz="1000" dirty="0" err="1"/>
+                <a:t>NormalizeData.RNA</a:t>
+              </a:r>
+              <a:r>
+                <a:rPr lang="fr-FR" sz="1000" dirty="0"/>
+                <a:t>$ ……</a:t>
+              </a:r>
+            </a:p>
+            <a:p>
+              <a:pPr marL="285750" indent="-285750">
+                <a:buFont typeface="Arial" panose="020B0604020202020204" pitchFamily="34" charset="0"/>
+                <a:buChar char="•"/>
+              </a:pPr>
+              <a:r>
+                <a:rPr lang="fr-FR" sz="1000" dirty="0" err="1"/>
+                <a:t>FindVariableFeatures.RNA</a:t>
+              </a:r>
+              <a:r>
+                <a:rPr lang="fr-FR" sz="1000" dirty="0"/>
+                <a:t>$...</a:t>
+              </a:r>
+            </a:p>
+            <a:p>
+              <a:pPr marL="285750" indent="-285750">
+                <a:buFont typeface="Arial" panose="020B0604020202020204" pitchFamily="34" charset="0"/>
+                <a:buChar char="•"/>
+              </a:pPr>
+              <a:r>
+                <a:rPr lang="fr-FR" sz="1000" dirty="0" err="1"/>
+                <a:t>ScaleData.RNA</a:t>
+              </a:r>
+              <a:r>
+                <a:rPr lang="fr-FR" sz="1000" dirty="0"/>
+                <a:t>$......</a:t>
+              </a:r>
+            </a:p>
+            <a:p>
+              <a:pPr marL="285750" indent="-285750">
+                <a:buFont typeface="Arial" panose="020B0604020202020204" pitchFamily="34" charset="0"/>
+                <a:buChar char="•"/>
+              </a:pPr>
+              <a:r>
+                <a:rPr lang="fr-FR" sz="1000" dirty="0" err="1"/>
+                <a:t>RunPCA.RNA</a:t>
+              </a:r>
+              <a:r>
+                <a:rPr lang="fr-FR" sz="1000" dirty="0"/>
+                <a:t>$.......</a:t>
+              </a:r>
+            </a:p>
+            <a:p>
+              <a:pPr marL="285750" indent="-285750">
+                <a:buFont typeface="Arial" panose="020B0604020202020204" pitchFamily="34" charset="0"/>
+                <a:buChar char="•"/>
+              </a:pPr>
+              <a:r>
+                <a:rPr lang="fr-FR" sz="1000" dirty="0" err="1"/>
+                <a:t>FindNeighbors.RNA.pca</a:t>
+              </a:r>
+              <a:r>
+                <a:rPr lang="fr-FR" sz="1000" dirty="0"/>
+                <a:t>$.....</a:t>
+              </a:r>
+            </a:p>
+            <a:p>
+              <a:pPr marL="285750" indent="-285750">
+                <a:buFont typeface="Arial" panose="020B0604020202020204" pitchFamily="34" charset="0"/>
+                <a:buChar char="•"/>
+              </a:pPr>
+              <a:r>
+                <a:rPr lang="fr-FR" sz="1000" dirty="0" err="1"/>
+                <a:t>RunTSNE</a:t>
+              </a:r>
+              <a:r>
+                <a:rPr lang="fr-FR" sz="1000" dirty="0"/>
+                <a:t>$.....</a:t>
+              </a:r>
+            </a:p>
+            <a:p>
+              <a:pPr marL="285750" indent="-285750">
+                <a:buFont typeface="Arial" panose="020B0604020202020204" pitchFamily="34" charset="0"/>
+                <a:buChar char="•"/>
+              </a:pPr>
+              <a:r>
+                <a:rPr lang="fr-FR" sz="1000" dirty="0" err="1"/>
+                <a:t>RunUMAP.RNA.pca</a:t>
+              </a:r>
+              <a:r>
+                <a:rPr lang="fr-FR" sz="1000" dirty="0"/>
+                <a:t>$....</a:t>
+              </a:r>
+            </a:p>
+            <a:p>
+              <a:pPr marL="285750" indent="-285750">
+                <a:buFont typeface="Arial" panose="020B0604020202020204" pitchFamily="34" charset="0"/>
+                <a:buChar char="•"/>
+              </a:pPr>
+              <a:endParaRPr lang="fr-FR" sz="1000" dirty="0"/>
+            </a:p>
+            <a:p>
+              <a:pPr marL="285750" indent="-285750">
+                <a:buFont typeface="Arial" panose="020B0604020202020204" pitchFamily="34" charset="0"/>
+                <a:buChar char="•"/>
+              </a:pPr>
+              <a:endParaRPr lang="fr-FR" sz="1000" dirty="0"/>
+            </a:p>
+          </p:txBody>
+        </p:sp>
+        <p:cxnSp>
+          <p:nvCxnSpPr>
+            <p:cNvPr id="23" name="Connecteur droit avec flèche 22">
+              <a:extLst>
+                <a:ext uri="{FF2B5EF4-FFF2-40B4-BE49-F238E27FC236}">
+                  <a16:creationId xmlns:a16="http://schemas.microsoft.com/office/drawing/2014/main" id="{01E53147-5750-96C1-59CF-B31DC599BBE2}"/>
+                </a:ext>
+              </a:extLst>
+            </p:cNvPr>
+            <p:cNvCxnSpPr>
+              <a:cxnSpLocks/>
+              <a:stCxn id="20" idx="2"/>
+              <a:endCxn id="22" idx="0"/>
+            </p:cNvCxnSpPr>
+            <p:nvPr/>
+          </p:nvCxnSpPr>
+          <p:spPr>
+            <a:xfrm flipH="1">
+              <a:off x="10843011" y="2250121"/>
+              <a:ext cx="9556" cy="650065"/>
+            </a:xfrm>
+            <a:prstGeom prst="straightConnector1">
+              <a:avLst/>
+            </a:prstGeom>
+            <a:ln>
+              <a:tailEnd type="triangle"/>
+            </a:ln>
+          </p:spPr>
+          <p:style>
+            <a:lnRef idx="2">
+              <a:schemeClr val="accent1"/>
+            </a:lnRef>
+            <a:fillRef idx="0">
+              <a:schemeClr val="accent1"/>
+            </a:fillRef>
+            <a:effectRef idx="1">
+              <a:schemeClr val="accent1"/>
+            </a:effectRef>
+            <a:fontRef idx="minor">
+              <a:schemeClr val="tx1"/>
+            </a:fontRef>
+          </p:style>
+        </p:cxnSp>
+        <p:sp>
+          <p:nvSpPr>
+            <p:cNvPr id="24" name="ZoneTexte 23">
+              <a:extLst>
+                <a:ext uri="{FF2B5EF4-FFF2-40B4-BE49-F238E27FC236}">
+                  <a16:creationId xmlns:a16="http://schemas.microsoft.com/office/drawing/2014/main" id="{C547AA54-FC12-1DB5-6D1D-C80AED1EE14B}"/>
+                </a:ext>
+              </a:extLst>
+            </p:cNvPr>
+            <p:cNvSpPr txBox="1"/>
+            <p:nvPr/>
+          </p:nvSpPr>
+          <p:spPr>
+            <a:xfrm>
+              <a:off x="10535829" y="2360809"/>
+              <a:ext cx="585787" cy="369332"/>
+            </a:xfrm>
+            <a:prstGeom prst="rect">
+              <a:avLst/>
+            </a:prstGeom>
+            <a:noFill/>
+          </p:spPr>
+          <p:txBody>
+            <a:bodyPr wrap="square" rtlCol="0">
+              <a:spAutoFit/>
+            </a:bodyPr>
+            <a:lstStyle/>
+            <a:p>
+              <a:r>
+                <a:rPr lang="fr-FR" dirty="0"/>
+                <a:t>$</a:t>
+              </a:r>
+            </a:p>
+          </p:txBody>
+        </p:sp>
+        <p:sp>
+          <p:nvSpPr>
+            <p:cNvPr id="25" name="ZoneTexte 24">
+              <a:extLst>
+                <a:ext uri="{FF2B5EF4-FFF2-40B4-BE49-F238E27FC236}">
+                  <a16:creationId xmlns:a16="http://schemas.microsoft.com/office/drawing/2014/main" id="{397C5177-18F8-6DD9-2DA0-2F874B46A9CC}"/>
+                </a:ext>
+              </a:extLst>
+            </p:cNvPr>
+            <p:cNvSpPr txBox="1"/>
+            <p:nvPr/>
+          </p:nvSpPr>
+          <p:spPr>
+            <a:xfrm>
+              <a:off x="7219971" y="1880933"/>
+              <a:ext cx="1428750" cy="369332"/>
+            </a:xfrm>
+            <a:prstGeom prst="rect">
+              <a:avLst/>
+            </a:prstGeom>
+            <a:solidFill>
+              <a:schemeClr val="accent2">
+                <a:lumMod val="20000"/>
+                <a:lumOff val="80000"/>
+              </a:schemeClr>
+            </a:solidFill>
+            <a:ln w="25400">
+              <a:solidFill>
+                <a:schemeClr val="accent1"/>
+              </a:solidFill>
+            </a:ln>
+          </p:spPr>
+          <p:txBody>
+            <a:bodyPr wrap="square" rtlCol="0">
+              <a:spAutoFit/>
+            </a:bodyPr>
+            <a:lstStyle/>
+            <a:p>
+              <a:pPr algn="ctr"/>
+              <a:r>
+                <a:rPr lang="fr-FR" dirty="0" err="1"/>
+                <a:t>reductions</a:t>
+              </a:r>
+              <a:endParaRPr lang="fr-FR" dirty="0"/>
+            </a:p>
+          </p:txBody>
+        </p:sp>
+        <p:cxnSp>
+          <p:nvCxnSpPr>
+            <p:cNvPr id="26" name="Connecteur droit avec flèche 25">
+              <a:extLst>
+                <a:ext uri="{FF2B5EF4-FFF2-40B4-BE49-F238E27FC236}">
+                  <a16:creationId xmlns:a16="http://schemas.microsoft.com/office/drawing/2014/main" id="{25531BE2-2657-DA4B-0D3F-1E855655C61A}"/>
+                </a:ext>
+              </a:extLst>
+            </p:cNvPr>
+            <p:cNvCxnSpPr>
+              <a:cxnSpLocks/>
+              <a:endCxn id="25" idx="0"/>
+            </p:cNvCxnSpPr>
+            <p:nvPr/>
+          </p:nvCxnSpPr>
+          <p:spPr>
+            <a:xfrm>
+              <a:off x="7934346" y="1286930"/>
+              <a:ext cx="0" cy="594003"/>
+            </a:xfrm>
+            <a:prstGeom prst="straightConnector1">
+              <a:avLst/>
+            </a:prstGeom>
+            <a:ln>
+              <a:tailEnd type="triangle"/>
+            </a:ln>
+          </p:spPr>
+          <p:style>
+            <a:lnRef idx="2">
+              <a:schemeClr val="accent1"/>
+            </a:lnRef>
+            <a:fillRef idx="0">
+              <a:schemeClr val="accent1"/>
+            </a:fillRef>
+            <a:effectRef idx="1">
+              <a:schemeClr val="accent1"/>
+            </a:effectRef>
+            <a:fontRef idx="minor">
+              <a:schemeClr val="tx1"/>
+            </a:fontRef>
+          </p:style>
+        </p:cxnSp>
+        <p:sp>
+          <p:nvSpPr>
+            <p:cNvPr id="27" name="ZoneTexte 26">
+              <a:extLst>
+                <a:ext uri="{FF2B5EF4-FFF2-40B4-BE49-F238E27FC236}">
+                  <a16:creationId xmlns:a16="http://schemas.microsoft.com/office/drawing/2014/main" id="{DE81344B-E941-A60C-571F-AF4FA1E7A99B}"/>
+                </a:ext>
+              </a:extLst>
+            </p:cNvPr>
+            <p:cNvSpPr txBox="1"/>
+            <p:nvPr/>
+          </p:nvSpPr>
+          <p:spPr>
+            <a:xfrm>
+              <a:off x="6727033" y="2900190"/>
+              <a:ext cx="2719352" cy="3139321"/>
+            </a:xfrm>
+            <a:prstGeom prst="rect">
+              <a:avLst/>
+            </a:prstGeom>
+            <a:solidFill>
+              <a:schemeClr val="accent3">
+                <a:lumMod val="20000"/>
+                <a:lumOff val="80000"/>
+              </a:schemeClr>
+            </a:solidFill>
+            <a:ln w="25400">
+              <a:solidFill>
+                <a:schemeClr val="accent1"/>
+              </a:solidFill>
+            </a:ln>
+          </p:spPr>
+          <p:txBody>
+            <a:bodyPr wrap="square" rtlCol="0">
+              <a:spAutoFit/>
+            </a:bodyPr>
+            <a:lstStyle/>
+            <a:p>
+              <a:pPr marL="285750" indent="-285750">
+                <a:buFont typeface="Arial" panose="020B0604020202020204" pitchFamily="34" charset="0"/>
+                <a:buChar char="•"/>
+              </a:pPr>
+              <a:r>
+                <a:rPr lang="fr-FR" dirty="0" err="1"/>
+                <a:t>pca</a:t>
+              </a:r>
+              <a:endParaRPr lang="fr-FR" dirty="0"/>
+            </a:p>
+            <a:p>
+              <a:pPr lvl="1"/>
+              <a:r>
+                <a:rPr lang="fr-FR" dirty="0"/>
+                <a:t>$</a:t>
+              </a:r>
+              <a:r>
+                <a:rPr lang="fr-FR" dirty="0" err="1"/>
+                <a:t>PC_k</a:t>
+              </a:r>
+              <a:endParaRPr lang="fr-FR" dirty="0"/>
+            </a:p>
+            <a:p>
+              <a:pPr lvl="1"/>
+              <a:r>
+                <a:rPr lang="fr-FR" dirty="0"/>
+                <a:t>@</a:t>
+              </a:r>
+              <a:r>
+                <a:rPr lang="fr-FR" dirty="0" err="1"/>
+                <a:t>cell.embeddings</a:t>
+              </a:r>
+              <a:endParaRPr lang="fr-FR" dirty="0"/>
+            </a:p>
+            <a:p>
+              <a:pPr lvl="1"/>
+              <a:r>
+                <a:rPr lang="fr-FR" dirty="0"/>
+                <a:t>@</a:t>
+              </a:r>
+              <a:r>
+                <a:rPr lang="fr-FR" dirty="0" err="1"/>
+                <a:t>feature.loadings</a:t>
+              </a:r>
+              <a:endParaRPr lang="fr-FR" dirty="0"/>
+            </a:p>
+            <a:p>
+              <a:pPr lvl="1"/>
+              <a:r>
+                <a:rPr lang="fr-FR" dirty="0"/>
+                <a:t>@</a:t>
+              </a:r>
+              <a:r>
+                <a:rPr lang="fr-FR" dirty="0" err="1"/>
+                <a:t>stdev</a:t>
+              </a:r>
+              <a:endParaRPr lang="fr-FR" dirty="0"/>
+            </a:p>
+            <a:p>
+              <a:pPr marL="285750" indent="-285750">
+                <a:buFont typeface="Arial" panose="020B0604020202020204" pitchFamily="34" charset="0"/>
+                <a:buChar char="•"/>
+              </a:pPr>
+              <a:r>
+                <a:rPr lang="fr-FR" dirty="0" err="1"/>
+                <a:t>tsne</a:t>
+              </a:r>
+              <a:endParaRPr lang="fr-FR" dirty="0"/>
+            </a:p>
+            <a:p>
+              <a:pPr lvl="1"/>
+              <a:r>
+                <a:rPr lang="fr-FR" dirty="0"/>
+                <a:t>$tSNE_1 ou tSNE_2</a:t>
+              </a:r>
+            </a:p>
+            <a:p>
+              <a:pPr lvl="1"/>
+              <a:r>
+                <a:rPr lang="fr-FR" dirty="0"/>
+                <a:t>@</a:t>
+              </a:r>
+              <a:r>
+                <a:rPr lang="fr-FR" dirty="0" err="1"/>
+                <a:t>cell.embeddings</a:t>
+              </a:r>
+              <a:endParaRPr lang="fr-FR" dirty="0"/>
+            </a:p>
+            <a:p>
+              <a:pPr marL="285750" indent="-285750">
+                <a:buFont typeface="Arial" panose="020B0604020202020204" pitchFamily="34" charset="0"/>
+                <a:buChar char="•"/>
+              </a:pPr>
+              <a:r>
+                <a:rPr lang="fr-FR" dirty="0" err="1">
+                  <a:solidFill>
+                    <a:srgbClr val="FF0000"/>
+                  </a:solidFill>
+                </a:rPr>
+                <a:t>umap</a:t>
+              </a:r>
+              <a:endParaRPr lang="fr-FR" dirty="0">
+                <a:solidFill>
+                  <a:srgbClr val="FF0000"/>
+                </a:solidFill>
+              </a:endParaRPr>
+            </a:p>
+            <a:p>
+              <a:r>
+                <a:rPr lang="fr-FR" dirty="0">
+                  <a:solidFill>
+                    <a:srgbClr val="FF0000"/>
+                  </a:solidFill>
+                </a:rPr>
+                <a:t>          $umap_1 et umap_2</a:t>
+              </a:r>
+            </a:p>
+            <a:p>
+              <a:r>
+                <a:rPr lang="fr-FR" dirty="0">
+                  <a:solidFill>
+                    <a:srgbClr val="FF0000"/>
+                  </a:solidFill>
+                </a:rPr>
+                <a:t>          @</a:t>
+              </a:r>
+              <a:r>
+                <a:rPr lang="fr-FR" dirty="0" err="1">
+                  <a:solidFill>
+                    <a:srgbClr val="FF0000"/>
+                  </a:solidFill>
+                </a:rPr>
+                <a:t>cell.embeddings</a:t>
+              </a:r>
+              <a:endParaRPr lang="fr-FR" dirty="0">
+                <a:solidFill>
+                  <a:srgbClr val="FF0000"/>
+                </a:solidFill>
+              </a:endParaRPr>
+            </a:p>
+          </p:txBody>
+        </p:sp>
+        <p:cxnSp>
+          <p:nvCxnSpPr>
+            <p:cNvPr id="28" name="Connecteur droit avec flèche 27">
+              <a:extLst>
+                <a:ext uri="{FF2B5EF4-FFF2-40B4-BE49-F238E27FC236}">
+                  <a16:creationId xmlns:a16="http://schemas.microsoft.com/office/drawing/2014/main" id="{8E271CB9-0560-7E70-7EC1-806B2695D3D0}"/>
+                </a:ext>
+              </a:extLst>
+            </p:cNvPr>
+            <p:cNvCxnSpPr>
+              <a:cxnSpLocks/>
+            </p:cNvCxnSpPr>
+            <p:nvPr/>
+          </p:nvCxnSpPr>
+          <p:spPr>
+            <a:xfrm flipH="1">
+              <a:off x="7948612" y="2241513"/>
+              <a:ext cx="7149" cy="658677"/>
+            </a:xfrm>
+            <a:prstGeom prst="straightConnector1">
+              <a:avLst/>
+            </a:prstGeom>
+            <a:ln>
+              <a:tailEnd type="triangle"/>
+            </a:ln>
+          </p:spPr>
+          <p:style>
+            <a:lnRef idx="2">
+              <a:schemeClr val="accent1"/>
+            </a:lnRef>
+            <a:fillRef idx="0">
+              <a:schemeClr val="accent1"/>
+            </a:fillRef>
+            <a:effectRef idx="1">
+              <a:schemeClr val="accent1"/>
+            </a:effectRef>
+            <a:fontRef idx="minor">
+              <a:schemeClr val="tx1"/>
+            </a:fontRef>
+          </p:style>
+        </p:cxnSp>
+        <p:sp>
+          <p:nvSpPr>
+            <p:cNvPr id="29" name="ZoneTexte 28">
+              <a:extLst>
+                <a:ext uri="{FF2B5EF4-FFF2-40B4-BE49-F238E27FC236}">
+                  <a16:creationId xmlns:a16="http://schemas.microsoft.com/office/drawing/2014/main" id="{54292059-DEB9-7C18-7714-8B54AD0456B6}"/>
+                </a:ext>
+              </a:extLst>
+            </p:cNvPr>
+            <p:cNvSpPr txBox="1"/>
+            <p:nvPr/>
+          </p:nvSpPr>
+          <p:spPr>
+            <a:xfrm>
+              <a:off x="7629548" y="2354362"/>
+              <a:ext cx="585787" cy="369332"/>
+            </a:xfrm>
+            <a:prstGeom prst="rect">
+              <a:avLst/>
+            </a:prstGeom>
+            <a:noFill/>
+          </p:spPr>
+          <p:txBody>
+            <a:bodyPr wrap="square" rtlCol="0">
+              <a:spAutoFit/>
+            </a:bodyPr>
+            <a:lstStyle/>
+            <a:p>
+              <a:r>
+                <a:rPr lang="fr-FR" dirty="0"/>
+                <a:t>$</a:t>
+              </a:r>
+            </a:p>
+          </p:txBody>
+        </p:sp>
+      </p:grpSp>
+    </p:spTree>
+    <p:extLst>
+      <p:ext uri="{BB962C8B-B14F-4D97-AF65-F5344CB8AC3E}">
+        <p14:creationId xmlns:p14="http://schemas.microsoft.com/office/powerpoint/2010/main" val="2873218062"/>
       </p:ext>
     </p:extLst>
   </p:cSld>

--- a/Cours/images/Sources_schemes.pptx
+++ b/Cours/images/Sources_schemes.pptx
@@ -14,6 +14,7 @@
     <p:sldId id="262" r:id="rId8"/>
     <p:sldId id="263" r:id="rId9"/>
     <p:sldId id="264" r:id="rId10"/>
+    <p:sldId id="265" r:id="rId11"/>
   </p:sldIdLst>
   <p:sldSz cx="12192000" cy="6858000"/>
   <p:notesSz cx="6858000" cy="9144000"/>
@@ -112,6 +113,11 @@
       </a:defRPr>
     </a:lvl9pPr>
   </p:defaultTextStyle>
+  <p:extLst>
+    <p:ext uri="{EFAFB233-063F-42B5-8137-9DF3F51BA10A}">
+      <p15:sldGuideLst xmlns:p15="http://schemas.microsoft.com/office/powerpoint/2012/main"/>
+    </p:ext>
+  </p:extLst>
 </p:presentation>
 </file>
 
@@ -262,7 +268,7 @@
           <a:p>
             <a:fld id="{7DA65DEE-C80E-8C45-8061-2C492B0A0DBA}" type="datetimeFigureOut">
               <a:rPr lang="fr-FR" smtClean="0"/>
-              <a:t>01/04/2025</a:t>
+              <a:t>03/04/2025</a:t>
             </a:fld>
             <a:endParaRPr lang="fr-FR"/>
           </a:p>
@@ -460,7 +466,7 @@
           <a:p>
             <a:fld id="{7DA65DEE-C80E-8C45-8061-2C492B0A0DBA}" type="datetimeFigureOut">
               <a:rPr lang="fr-FR" smtClean="0"/>
-              <a:t>01/04/2025</a:t>
+              <a:t>03/04/2025</a:t>
             </a:fld>
             <a:endParaRPr lang="fr-FR"/>
           </a:p>
@@ -668,7 +674,7 @@
           <a:p>
             <a:fld id="{7DA65DEE-C80E-8C45-8061-2C492B0A0DBA}" type="datetimeFigureOut">
               <a:rPr lang="fr-FR" smtClean="0"/>
-              <a:t>01/04/2025</a:t>
+              <a:t>03/04/2025</a:t>
             </a:fld>
             <a:endParaRPr lang="fr-FR"/>
           </a:p>
@@ -866,7 +872,7 @@
           <a:p>
             <a:fld id="{7DA65DEE-C80E-8C45-8061-2C492B0A0DBA}" type="datetimeFigureOut">
               <a:rPr lang="fr-FR" smtClean="0"/>
-              <a:t>01/04/2025</a:t>
+              <a:t>03/04/2025</a:t>
             </a:fld>
             <a:endParaRPr lang="fr-FR"/>
           </a:p>
@@ -1141,7 +1147,7 @@
           <a:p>
             <a:fld id="{7DA65DEE-C80E-8C45-8061-2C492B0A0DBA}" type="datetimeFigureOut">
               <a:rPr lang="fr-FR" smtClean="0"/>
-              <a:t>01/04/2025</a:t>
+              <a:t>03/04/2025</a:t>
             </a:fld>
             <a:endParaRPr lang="fr-FR"/>
           </a:p>
@@ -1406,7 +1412,7 @@
           <a:p>
             <a:fld id="{7DA65DEE-C80E-8C45-8061-2C492B0A0DBA}" type="datetimeFigureOut">
               <a:rPr lang="fr-FR" smtClean="0"/>
-              <a:t>01/04/2025</a:t>
+              <a:t>03/04/2025</a:t>
             </a:fld>
             <a:endParaRPr lang="fr-FR"/>
           </a:p>
@@ -1818,7 +1824,7 @@
           <a:p>
             <a:fld id="{7DA65DEE-C80E-8C45-8061-2C492B0A0DBA}" type="datetimeFigureOut">
               <a:rPr lang="fr-FR" smtClean="0"/>
-              <a:t>01/04/2025</a:t>
+              <a:t>03/04/2025</a:t>
             </a:fld>
             <a:endParaRPr lang="fr-FR"/>
           </a:p>
@@ -1959,7 +1965,7 @@
           <a:p>
             <a:fld id="{7DA65DEE-C80E-8C45-8061-2C492B0A0DBA}" type="datetimeFigureOut">
               <a:rPr lang="fr-FR" smtClean="0"/>
-              <a:t>01/04/2025</a:t>
+              <a:t>03/04/2025</a:t>
             </a:fld>
             <a:endParaRPr lang="fr-FR"/>
           </a:p>
@@ -2072,7 +2078,7 @@
           <a:p>
             <a:fld id="{7DA65DEE-C80E-8C45-8061-2C492B0A0DBA}" type="datetimeFigureOut">
               <a:rPr lang="fr-FR" smtClean="0"/>
-              <a:t>01/04/2025</a:t>
+              <a:t>03/04/2025</a:t>
             </a:fld>
             <a:endParaRPr lang="fr-FR"/>
           </a:p>
@@ -2383,7 +2389,7 @@
           <a:p>
             <a:fld id="{7DA65DEE-C80E-8C45-8061-2C492B0A0DBA}" type="datetimeFigureOut">
               <a:rPr lang="fr-FR" smtClean="0"/>
-              <a:t>01/04/2025</a:t>
+              <a:t>03/04/2025</a:t>
             </a:fld>
             <a:endParaRPr lang="fr-FR"/>
           </a:p>
@@ -2671,7 +2677,7 @@
           <a:p>
             <a:fld id="{7DA65DEE-C80E-8C45-8061-2C492B0A0DBA}" type="datetimeFigureOut">
               <a:rPr lang="fr-FR" smtClean="0"/>
-              <a:t>01/04/2025</a:t>
+              <a:t>03/04/2025</a:t>
             </a:fld>
             <a:endParaRPr lang="fr-FR"/>
           </a:p>
@@ -2912,7 +2918,7 @@
           <a:p>
             <a:fld id="{7DA65DEE-C80E-8C45-8061-2C492B0A0DBA}" type="datetimeFigureOut">
               <a:rPr lang="fr-FR" smtClean="0"/>
-              <a:t>01/04/2025</a:t>
+              <a:t>03/04/2025</a:t>
             </a:fld>
             <a:endParaRPr lang="fr-FR"/>
           </a:p>
@@ -3501,6 +3507,1520 @@
 </p:sld>
 </file>
 
+<file path=ppt/slides/slide10.xml><?xml version="1.0" encoding="utf-8"?>
+<p:sld xmlns:a="http://schemas.openxmlformats.org/drawingml/2006/main" xmlns:r="http://schemas.openxmlformats.org/officeDocument/2006/relationships" xmlns:p="http://schemas.openxmlformats.org/presentationml/2006/main">
+  <p:cSld>
+    <p:spTree>
+      <p:nvGrpSpPr>
+        <p:cNvPr id="1" name=""/>
+        <p:cNvGrpSpPr/>
+        <p:nvPr/>
+      </p:nvGrpSpPr>
+      <p:grpSpPr>
+        <a:xfrm>
+          <a:off x="0" y="0"/>
+          <a:ext cx="0" cy="0"/>
+          <a:chOff x="0" y="0"/>
+          <a:chExt cx="0" cy="0"/>
+        </a:xfrm>
+      </p:grpSpPr>
+      <p:grpSp>
+        <p:nvGrpSpPr>
+          <p:cNvPr id="4" name="Groupe 3">
+            <a:extLst>
+              <a:ext uri="{FF2B5EF4-FFF2-40B4-BE49-F238E27FC236}">
+                <a16:creationId xmlns:a16="http://schemas.microsoft.com/office/drawing/2014/main" id="{87E251D7-8578-DCC5-8237-52DFB9AF5813}"/>
+              </a:ext>
+            </a:extLst>
+          </p:cNvPr>
+          <p:cNvGrpSpPr/>
+          <p:nvPr/>
+        </p:nvGrpSpPr>
+        <p:grpSpPr>
+          <a:xfrm>
+            <a:off x="221467" y="328362"/>
+            <a:ext cx="11694270" cy="6201275"/>
+            <a:chOff x="221467" y="328362"/>
+            <a:chExt cx="11694270" cy="6201275"/>
+          </a:xfrm>
+        </p:grpSpPr>
+        <p:sp>
+          <p:nvSpPr>
+            <p:cNvPr id="5" name="ZoneTexte 4">
+              <a:extLst>
+                <a:ext uri="{FF2B5EF4-FFF2-40B4-BE49-F238E27FC236}">
+                  <a16:creationId xmlns:a16="http://schemas.microsoft.com/office/drawing/2014/main" id="{A810B610-AA97-AE37-37BB-4E89E8A2DCF1}"/>
+                </a:ext>
+              </a:extLst>
+            </p:cNvPr>
+            <p:cNvSpPr txBox="1"/>
+            <p:nvPr/>
+          </p:nvSpPr>
+          <p:spPr>
+            <a:xfrm>
+              <a:off x="2952761" y="328362"/>
+              <a:ext cx="1585913" cy="369332"/>
+            </a:xfrm>
+            <a:prstGeom prst="rect">
+              <a:avLst/>
+            </a:prstGeom>
+            <a:solidFill>
+              <a:schemeClr val="tx2">
+                <a:lumMod val="10000"/>
+                <a:lumOff val="90000"/>
+              </a:schemeClr>
+            </a:solidFill>
+            <a:ln w="25400">
+              <a:solidFill>
+                <a:schemeClr val="accent1"/>
+              </a:solidFill>
+            </a:ln>
+          </p:spPr>
+          <p:txBody>
+            <a:bodyPr wrap="square" rtlCol="0">
+              <a:spAutoFit/>
+            </a:bodyPr>
+            <a:lstStyle/>
+            <a:p>
+              <a:pPr algn="ctr"/>
+              <a:r>
+                <a:rPr lang="fr-FR" dirty="0"/>
+                <a:t>Seurat Object</a:t>
+              </a:r>
+            </a:p>
+          </p:txBody>
+        </p:sp>
+        <p:sp>
+          <p:nvSpPr>
+            <p:cNvPr id="6" name="ZoneTexte 5">
+              <a:extLst>
+                <a:ext uri="{FF2B5EF4-FFF2-40B4-BE49-F238E27FC236}">
+                  <a16:creationId xmlns:a16="http://schemas.microsoft.com/office/drawing/2014/main" id="{DBC6944C-23CB-5920-A2E5-0489CCDA423C}"/>
+                </a:ext>
+              </a:extLst>
+            </p:cNvPr>
+            <p:cNvSpPr txBox="1"/>
+            <p:nvPr/>
+          </p:nvSpPr>
+          <p:spPr>
+            <a:xfrm>
+              <a:off x="1995495" y="1885700"/>
+              <a:ext cx="1428750" cy="369332"/>
+            </a:xfrm>
+            <a:prstGeom prst="rect">
+              <a:avLst/>
+            </a:prstGeom>
+            <a:solidFill>
+              <a:schemeClr val="accent2">
+                <a:lumMod val="20000"/>
+                <a:lumOff val="80000"/>
+              </a:schemeClr>
+            </a:solidFill>
+            <a:ln w="25400">
+              <a:solidFill>
+                <a:schemeClr val="accent1"/>
+              </a:solidFill>
+            </a:ln>
+          </p:spPr>
+          <p:txBody>
+            <a:bodyPr wrap="square" rtlCol="0">
+              <a:spAutoFit/>
+            </a:bodyPr>
+            <a:lstStyle/>
+            <a:p>
+              <a:pPr algn="ctr"/>
+              <a:r>
+                <a:rPr lang="fr-FR" dirty="0" err="1"/>
+                <a:t>assays</a:t>
+              </a:r>
+              <a:endParaRPr lang="fr-FR" dirty="0"/>
+            </a:p>
+          </p:txBody>
+        </p:sp>
+        <p:sp>
+          <p:nvSpPr>
+            <p:cNvPr id="7" name="ZoneTexte 6">
+              <a:extLst>
+                <a:ext uri="{FF2B5EF4-FFF2-40B4-BE49-F238E27FC236}">
+                  <a16:creationId xmlns:a16="http://schemas.microsoft.com/office/drawing/2014/main" id="{87E68EBE-F5A0-5ACE-00FE-DA10300BAA50}"/>
+                </a:ext>
+              </a:extLst>
+            </p:cNvPr>
+            <p:cNvSpPr txBox="1"/>
+            <p:nvPr/>
+          </p:nvSpPr>
+          <p:spPr>
+            <a:xfrm>
+              <a:off x="3838577" y="1885700"/>
+              <a:ext cx="2528883" cy="646331"/>
+            </a:xfrm>
+            <a:prstGeom prst="rect">
+              <a:avLst/>
+            </a:prstGeom>
+            <a:solidFill>
+              <a:schemeClr val="accent2">
+                <a:lumMod val="20000"/>
+                <a:lumOff val="80000"/>
+              </a:schemeClr>
+            </a:solidFill>
+            <a:ln w="25400">
+              <a:solidFill>
+                <a:schemeClr val="accent1"/>
+              </a:solidFill>
+            </a:ln>
+          </p:spPr>
+          <p:txBody>
+            <a:bodyPr wrap="square" rtlCol="0">
+              <a:spAutoFit/>
+            </a:bodyPr>
+            <a:lstStyle/>
+            <a:p>
+              <a:pPr algn="ctr"/>
+              <a:r>
+                <a:rPr lang="fr-FR" dirty="0" err="1"/>
+                <a:t>meta.data</a:t>
+              </a:r>
+              <a:endParaRPr lang="fr-FR" dirty="0"/>
+            </a:p>
+            <a:p>
+              <a:pPr algn="ctr"/>
+              <a:r>
+                <a:rPr lang="fr-FR" dirty="0"/>
+                <a:t>(info sur les cellules)</a:t>
+              </a:r>
+            </a:p>
+          </p:txBody>
+        </p:sp>
+        <p:cxnSp>
+          <p:nvCxnSpPr>
+            <p:cNvPr id="8" name="Connecteur en angle 7">
+              <a:extLst>
+                <a:ext uri="{FF2B5EF4-FFF2-40B4-BE49-F238E27FC236}">
+                  <a16:creationId xmlns:a16="http://schemas.microsoft.com/office/drawing/2014/main" id="{86E76A9E-CD07-2A4B-C108-A2E5DC2CEA53}"/>
+                </a:ext>
+              </a:extLst>
+            </p:cNvPr>
+            <p:cNvCxnSpPr>
+              <a:stCxn id="5" idx="2"/>
+              <a:endCxn id="6" idx="0"/>
+            </p:cNvCxnSpPr>
+            <p:nvPr/>
+          </p:nvCxnSpPr>
+          <p:spPr>
+            <a:xfrm rot="5400000">
+              <a:off x="2633791" y="773773"/>
+              <a:ext cx="1188006" cy="1035848"/>
+            </a:xfrm>
+            <a:prstGeom prst="bentConnector3">
+              <a:avLst/>
+            </a:prstGeom>
+            <a:ln>
+              <a:tailEnd type="triangle"/>
+            </a:ln>
+          </p:spPr>
+          <p:style>
+            <a:lnRef idx="2">
+              <a:schemeClr val="accent1"/>
+            </a:lnRef>
+            <a:fillRef idx="0">
+              <a:schemeClr val="accent1"/>
+            </a:fillRef>
+            <a:effectRef idx="1">
+              <a:schemeClr val="accent1"/>
+            </a:effectRef>
+            <a:fontRef idx="minor">
+              <a:schemeClr val="tx1"/>
+            </a:fontRef>
+          </p:style>
+        </p:cxnSp>
+        <p:cxnSp>
+          <p:nvCxnSpPr>
+            <p:cNvPr id="9" name="Connecteur en angle 8">
+              <a:extLst>
+                <a:ext uri="{FF2B5EF4-FFF2-40B4-BE49-F238E27FC236}">
+                  <a16:creationId xmlns:a16="http://schemas.microsoft.com/office/drawing/2014/main" id="{E981FDC4-C321-CB2E-69C9-DD602EC9F284}"/>
+                </a:ext>
+              </a:extLst>
+            </p:cNvPr>
+            <p:cNvCxnSpPr>
+              <a:cxnSpLocks/>
+              <a:endCxn id="7" idx="0"/>
+            </p:cNvCxnSpPr>
+            <p:nvPr/>
+          </p:nvCxnSpPr>
+          <p:spPr>
+            <a:xfrm>
+              <a:off x="3502826" y="1291697"/>
+              <a:ext cx="1600193" cy="594003"/>
+            </a:xfrm>
+            <a:prstGeom prst="bentConnector2">
+              <a:avLst/>
+            </a:prstGeom>
+            <a:ln>
+              <a:tailEnd type="triangle"/>
+            </a:ln>
+          </p:spPr>
+          <p:style>
+            <a:lnRef idx="2">
+              <a:schemeClr val="accent1"/>
+            </a:lnRef>
+            <a:fillRef idx="0">
+              <a:schemeClr val="accent1"/>
+            </a:fillRef>
+            <a:effectRef idx="1">
+              <a:schemeClr val="accent1"/>
+            </a:effectRef>
+            <a:fontRef idx="minor">
+              <a:schemeClr val="tx1"/>
+            </a:fontRef>
+          </p:style>
+        </p:cxnSp>
+        <mc:AlternateContent xmlns:mc="http://schemas.openxmlformats.org/markup-compatibility/2006" xmlns:a14="http://schemas.microsoft.com/office/drawing/2010/main">
+          <mc:Choice Requires="a14">
+            <p:sp>
+              <p:nvSpPr>
+                <p:cNvPr id="10" name="ZoneTexte 9">
+                  <a:extLst>
+                    <a:ext uri="{FF2B5EF4-FFF2-40B4-BE49-F238E27FC236}">
+                      <a16:creationId xmlns:a16="http://schemas.microsoft.com/office/drawing/2014/main" id="{D074E619-7265-9F43-B3B0-030C3177BFA1}"/>
+                    </a:ext>
+                  </a:extLst>
+                </p:cNvPr>
+                <p:cNvSpPr txBox="1"/>
+                <p:nvPr/>
+              </p:nvSpPr>
+              <p:spPr>
+                <a:xfrm>
+                  <a:off x="3367101" y="809966"/>
+                  <a:ext cx="1243017" cy="369332"/>
+                </a:xfrm>
+                <a:prstGeom prst="rect">
+                  <a:avLst/>
+                </a:prstGeom>
+                <a:noFill/>
+              </p:spPr>
+              <p:txBody>
+                <a:bodyPr wrap="square" rtlCol="0">
+                  <a:spAutoFit/>
+                </a:bodyPr>
+                <a:lstStyle/>
+                <a:p>
+                  <a:pPr/>
+                  <a14:m>
+                    <m:oMathPara xmlns:m="http://schemas.openxmlformats.org/officeDocument/2006/math">
+                      <m:oMathParaPr>
+                        <m:jc m:val="centerGroup"/>
+                      </m:oMathParaPr>
+                      <m:oMath xmlns:m="http://schemas.openxmlformats.org/officeDocument/2006/math">
+                        <m:r>
+                          <a:rPr lang="fr-FR" b="0" i="1" smtClean="0">
+                            <a:latin typeface="Cambria Math" panose="02040503050406030204" pitchFamily="18" charset="0"/>
+                          </a:rPr>
+                          <m:t>@</m:t>
+                        </m:r>
+                      </m:oMath>
+                    </m:oMathPara>
+                  </a14:m>
+                  <a:endParaRPr lang="fr-FR" dirty="0"/>
+                </a:p>
+              </p:txBody>
+            </p:sp>
+          </mc:Choice>
+          <mc:Fallback xmlns="">
+            <p:sp>
+              <p:nvSpPr>
+                <p:cNvPr id="10" name="ZoneTexte 9">
+                  <a:extLst>
+                    <a:ext uri="{FF2B5EF4-FFF2-40B4-BE49-F238E27FC236}">
+                      <a16:creationId xmlns:a16="http://schemas.microsoft.com/office/drawing/2014/main" id="{8629F3EA-1517-C831-930B-D6A13606FF73}"/>
+                    </a:ext>
+                  </a:extLst>
+                </p:cNvPr>
+                <p:cNvSpPr txBox="1">
+                  <a:spLocks noRot="1" noChangeAspect="1" noMove="1" noResize="1" noEditPoints="1" noAdjustHandles="1" noChangeArrowheads="1" noChangeShapeType="1" noTextEdit="1"/>
+                </p:cNvSpPr>
+                <p:nvPr/>
+              </p:nvSpPr>
+              <p:spPr>
+                <a:xfrm>
+                  <a:off x="3367101" y="809966"/>
+                  <a:ext cx="1243017" cy="369332"/>
+                </a:xfrm>
+                <a:prstGeom prst="rect">
+                  <a:avLst/>
+                </a:prstGeom>
+                <a:blipFill>
+                  <a:blip r:embed="rId2"/>
+                  <a:stretch>
+                    <a:fillRect/>
+                  </a:stretch>
+                </a:blipFill>
+              </p:spPr>
+              <p:txBody>
+                <a:bodyPr/>
+                <a:lstStyle/>
+                <a:p>
+                  <a:r>
+                    <a:rPr lang="fr-FR">
+                      <a:noFill/>
+                    </a:rPr>
+                    <a:t> </a:t>
+                  </a:r>
+                </a:p>
+              </p:txBody>
+            </p:sp>
+          </mc:Fallback>
+        </mc:AlternateContent>
+        <p:sp>
+          <p:nvSpPr>
+            <p:cNvPr id="11" name="ZoneTexte 10">
+              <a:extLst>
+                <a:ext uri="{FF2B5EF4-FFF2-40B4-BE49-F238E27FC236}">
+                  <a16:creationId xmlns:a16="http://schemas.microsoft.com/office/drawing/2014/main" id="{0FC74943-70AE-88CA-FC69-C40BB40238A9}"/>
+                </a:ext>
+              </a:extLst>
+            </p:cNvPr>
+            <p:cNvSpPr txBox="1"/>
+            <p:nvPr/>
+          </p:nvSpPr>
+          <p:spPr>
+            <a:xfrm>
+              <a:off x="1995495" y="2799213"/>
+              <a:ext cx="1428750" cy="369332"/>
+            </a:xfrm>
+            <a:prstGeom prst="rect">
+              <a:avLst/>
+            </a:prstGeom>
+            <a:solidFill>
+              <a:schemeClr val="accent3">
+                <a:lumMod val="20000"/>
+                <a:lumOff val="80000"/>
+              </a:schemeClr>
+            </a:solidFill>
+            <a:ln w="25400">
+              <a:solidFill>
+                <a:schemeClr val="accent1"/>
+              </a:solidFill>
+            </a:ln>
+          </p:spPr>
+          <p:txBody>
+            <a:bodyPr wrap="square" rtlCol="0">
+              <a:spAutoFit/>
+            </a:bodyPr>
+            <a:lstStyle/>
+            <a:p>
+              <a:pPr algn="ctr"/>
+              <a:r>
+                <a:rPr lang="fr-FR" dirty="0"/>
+                <a:t>RNA</a:t>
+              </a:r>
+            </a:p>
+          </p:txBody>
+        </p:sp>
+        <p:cxnSp>
+          <p:nvCxnSpPr>
+            <p:cNvPr id="12" name="Connecteur droit avec flèche 11">
+              <a:extLst>
+                <a:ext uri="{FF2B5EF4-FFF2-40B4-BE49-F238E27FC236}">
+                  <a16:creationId xmlns:a16="http://schemas.microsoft.com/office/drawing/2014/main" id="{B037672F-87AB-61B0-2ECB-46CB24882656}"/>
+                </a:ext>
+              </a:extLst>
+            </p:cNvPr>
+            <p:cNvCxnSpPr>
+              <a:stCxn id="6" idx="2"/>
+              <a:endCxn id="11" idx="0"/>
+            </p:cNvCxnSpPr>
+            <p:nvPr/>
+          </p:nvCxnSpPr>
+          <p:spPr>
+            <a:xfrm>
+              <a:off x="2709870" y="2255032"/>
+              <a:ext cx="0" cy="544181"/>
+            </a:xfrm>
+            <a:prstGeom prst="straightConnector1">
+              <a:avLst/>
+            </a:prstGeom>
+            <a:ln>
+              <a:tailEnd type="triangle"/>
+            </a:ln>
+          </p:spPr>
+          <p:style>
+            <a:lnRef idx="2">
+              <a:schemeClr val="accent1"/>
+            </a:lnRef>
+            <a:fillRef idx="0">
+              <a:schemeClr val="accent1"/>
+            </a:fillRef>
+            <a:effectRef idx="1">
+              <a:schemeClr val="accent1"/>
+            </a:effectRef>
+            <a:fontRef idx="minor">
+              <a:schemeClr val="tx1"/>
+            </a:fontRef>
+          </p:style>
+        </p:cxnSp>
+        <p:sp>
+          <p:nvSpPr>
+            <p:cNvPr id="13" name="ZoneTexte 12">
+              <a:extLst>
+                <a:ext uri="{FF2B5EF4-FFF2-40B4-BE49-F238E27FC236}">
+                  <a16:creationId xmlns:a16="http://schemas.microsoft.com/office/drawing/2014/main" id="{42B8BA81-8DFD-223A-9FA6-1978EF8500FA}"/>
+                </a:ext>
+              </a:extLst>
+            </p:cNvPr>
+            <p:cNvSpPr txBox="1"/>
+            <p:nvPr/>
+          </p:nvSpPr>
+          <p:spPr>
+            <a:xfrm>
+              <a:off x="2324108" y="2349600"/>
+              <a:ext cx="585787" cy="369332"/>
+            </a:xfrm>
+            <a:prstGeom prst="rect">
+              <a:avLst/>
+            </a:prstGeom>
+            <a:noFill/>
+          </p:spPr>
+          <p:txBody>
+            <a:bodyPr wrap="square" rtlCol="0">
+              <a:spAutoFit/>
+            </a:bodyPr>
+            <a:lstStyle/>
+            <a:p>
+              <a:r>
+                <a:rPr lang="fr-FR" dirty="0"/>
+                <a:t>$</a:t>
+              </a:r>
+            </a:p>
+          </p:txBody>
+        </p:sp>
+        <p:sp>
+          <p:nvSpPr>
+            <p:cNvPr id="14" name="ZoneTexte 13">
+              <a:extLst>
+                <a:ext uri="{FF2B5EF4-FFF2-40B4-BE49-F238E27FC236}">
+                  <a16:creationId xmlns:a16="http://schemas.microsoft.com/office/drawing/2014/main" id="{11C8BBCA-91E5-A1CA-154F-BC14A6B42176}"/>
+                </a:ext>
+              </a:extLst>
+            </p:cNvPr>
+            <p:cNvSpPr txBox="1"/>
+            <p:nvPr/>
+          </p:nvSpPr>
+          <p:spPr>
+            <a:xfrm>
+              <a:off x="221467" y="4775311"/>
+              <a:ext cx="4976805" cy="1754326"/>
+            </a:xfrm>
+            <a:prstGeom prst="rect">
+              <a:avLst/>
+            </a:prstGeom>
+            <a:solidFill>
+              <a:schemeClr val="accent3">
+                <a:lumMod val="20000"/>
+                <a:lumOff val="80000"/>
+              </a:schemeClr>
+            </a:solidFill>
+            <a:ln w="25400">
+              <a:solidFill>
+                <a:schemeClr val="accent1"/>
+              </a:solidFill>
+            </a:ln>
+          </p:spPr>
+          <p:txBody>
+            <a:bodyPr wrap="square" rtlCol="0">
+              <a:spAutoFit/>
+            </a:bodyPr>
+            <a:lstStyle/>
+            <a:p>
+              <a:pPr marL="285750" indent="-285750">
+                <a:buFont typeface="Arial" panose="020B0604020202020204" pitchFamily="34" charset="0"/>
+                <a:buChar char="•"/>
+              </a:pPr>
+              <a:r>
+                <a:rPr lang="fr-FR" dirty="0" err="1"/>
+                <a:t>counts</a:t>
+              </a:r>
+              <a:endParaRPr lang="fr-FR" dirty="0"/>
+            </a:p>
+            <a:p>
+              <a:r>
+                <a:rPr lang="fr-FR" dirty="0"/>
+                <a:t>(matrice des comptages bruts G x C)</a:t>
+              </a:r>
+            </a:p>
+            <a:p>
+              <a:pPr marL="285750" indent="-285750">
+                <a:buFont typeface="Arial" panose="020B0604020202020204" pitchFamily="34" charset="0"/>
+                <a:buChar char="•"/>
+              </a:pPr>
+              <a:r>
+                <a:rPr lang="fr-FR" dirty="0"/>
+                <a:t>data</a:t>
+              </a:r>
+            </a:p>
+            <a:p>
+              <a:r>
+                <a:rPr lang="fr-FR" dirty="0"/>
+                <a:t>(matrice des comptages normalisés </a:t>
+              </a:r>
+              <a:r>
+                <a:rPr lang="fr-FR" dirty="0" err="1"/>
+                <a:t>GxC</a:t>
+              </a:r>
+              <a:r>
+                <a:rPr lang="fr-FR" dirty="0"/>
+                <a:t>)</a:t>
+              </a:r>
+            </a:p>
+            <a:p>
+              <a:pPr marL="285750" indent="-285750">
+                <a:buFont typeface="Arial" panose="020B0604020202020204" pitchFamily="34" charset="0"/>
+                <a:buChar char="•"/>
+              </a:pPr>
+              <a:r>
+                <a:rPr lang="fr-FR" dirty="0" err="1"/>
+                <a:t>scale.data</a:t>
+              </a:r>
+              <a:endParaRPr lang="fr-FR" dirty="0"/>
+            </a:p>
+            <a:p>
+              <a:r>
+                <a:rPr lang="fr-FR" dirty="0"/>
+                <a:t>(matrice des données centrées-réduites </a:t>
+              </a:r>
+              <a:r>
+                <a:rPr lang="fr-FR" dirty="0" err="1"/>
+                <a:t>JxC</a:t>
+              </a:r>
+              <a:r>
+                <a:rPr lang="fr-FR" dirty="0"/>
+                <a:t>)</a:t>
+              </a:r>
+            </a:p>
+          </p:txBody>
+        </p:sp>
+        <p:cxnSp>
+          <p:nvCxnSpPr>
+            <p:cNvPr id="15" name="Connecteur droit avec flèche 14">
+              <a:extLst>
+                <a:ext uri="{FF2B5EF4-FFF2-40B4-BE49-F238E27FC236}">
+                  <a16:creationId xmlns:a16="http://schemas.microsoft.com/office/drawing/2014/main" id="{6F8BEEE2-1FCD-8BB7-AC95-FBC0A634854B}"/>
+                </a:ext>
+              </a:extLst>
+            </p:cNvPr>
+            <p:cNvCxnSpPr>
+              <a:cxnSpLocks/>
+              <a:stCxn id="11" idx="2"/>
+              <a:endCxn id="14" idx="0"/>
+            </p:cNvCxnSpPr>
+            <p:nvPr/>
+          </p:nvCxnSpPr>
+          <p:spPr>
+            <a:xfrm>
+              <a:off x="2709870" y="3168545"/>
+              <a:ext cx="0" cy="1606766"/>
+            </a:xfrm>
+            <a:prstGeom prst="straightConnector1">
+              <a:avLst/>
+            </a:prstGeom>
+            <a:ln>
+              <a:tailEnd type="triangle"/>
+            </a:ln>
+          </p:spPr>
+          <p:style>
+            <a:lnRef idx="2">
+              <a:schemeClr val="accent1"/>
+            </a:lnRef>
+            <a:fillRef idx="0">
+              <a:schemeClr val="accent1"/>
+            </a:fillRef>
+            <a:effectRef idx="1">
+              <a:schemeClr val="accent1"/>
+            </a:effectRef>
+            <a:fontRef idx="minor">
+              <a:schemeClr val="tx1"/>
+            </a:fontRef>
+          </p:style>
+        </p:cxnSp>
+        <p:sp>
+          <p:nvSpPr>
+            <p:cNvPr id="16" name="ZoneTexte 15">
+              <a:extLst>
+                <a:ext uri="{FF2B5EF4-FFF2-40B4-BE49-F238E27FC236}">
+                  <a16:creationId xmlns:a16="http://schemas.microsoft.com/office/drawing/2014/main" id="{6748F1E9-5007-0474-DE34-5D8DDC013DE2}"/>
+                </a:ext>
+              </a:extLst>
+            </p:cNvPr>
+            <p:cNvSpPr txBox="1"/>
+            <p:nvPr/>
+          </p:nvSpPr>
+          <p:spPr>
+            <a:xfrm>
+              <a:off x="2333628" y="3816452"/>
+              <a:ext cx="585787" cy="369332"/>
+            </a:xfrm>
+            <a:prstGeom prst="rect">
+              <a:avLst/>
+            </a:prstGeom>
+            <a:noFill/>
+          </p:spPr>
+          <p:txBody>
+            <a:bodyPr wrap="square" rtlCol="0">
+              <a:spAutoFit/>
+            </a:bodyPr>
+            <a:lstStyle/>
+            <a:p>
+              <a:r>
+                <a:rPr lang="fr-FR" dirty="0"/>
+                <a:t>$</a:t>
+              </a:r>
+            </a:p>
+          </p:txBody>
+        </p:sp>
+        <p:sp>
+          <p:nvSpPr>
+            <p:cNvPr id="17" name="ZoneTexte 16">
+              <a:extLst>
+                <a:ext uri="{FF2B5EF4-FFF2-40B4-BE49-F238E27FC236}">
+                  <a16:creationId xmlns:a16="http://schemas.microsoft.com/office/drawing/2014/main" id="{D40B2532-72F7-D53F-94CC-3525553B820C}"/>
+                </a:ext>
+              </a:extLst>
+            </p:cNvPr>
+            <p:cNvSpPr txBox="1"/>
+            <p:nvPr/>
+          </p:nvSpPr>
+          <p:spPr>
+            <a:xfrm>
+              <a:off x="3838576" y="3190708"/>
+              <a:ext cx="2528871" cy="1292662"/>
+            </a:xfrm>
+            <a:prstGeom prst="rect">
+              <a:avLst/>
+            </a:prstGeom>
+            <a:solidFill>
+              <a:schemeClr val="accent3">
+                <a:lumMod val="20000"/>
+                <a:lumOff val="80000"/>
+              </a:schemeClr>
+            </a:solidFill>
+            <a:ln w="25400">
+              <a:solidFill>
+                <a:schemeClr val="accent1"/>
+              </a:solidFill>
+            </a:ln>
+          </p:spPr>
+          <p:txBody>
+            <a:bodyPr wrap="square" rtlCol="0">
+              <a:spAutoFit/>
+            </a:bodyPr>
+            <a:lstStyle/>
+            <a:p>
+              <a:pPr marL="285750" indent="-285750">
+                <a:buFont typeface="Arial" panose="020B0604020202020204" pitchFamily="34" charset="0"/>
+                <a:buChar char="•"/>
+              </a:pPr>
+              <a:r>
+                <a:rPr lang="fr-FR" sz="1200" dirty="0" err="1"/>
+                <a:t>orig.ident</a:t>
+              </a:r>
+              <a:endParaRPr lang="fr-FR" sz="1200" dirty="0"/>
+            </a:p>
+            <a:p>
+              <a:pPr marL="285750" indent="-285750">
+                <a:buFont typeface="Arial" panose="020B0604020202020204" pitchFamily="34" charset="0"/>
+                <a:buChar char="•"/>
+              </a:pPr>
+              <a:r>
+                <a:rPr lang="fr-FR" sz="1200" dirty="0" err="1"/>
+                <a:t>nCount_RNA</a:t>
+              </a:r>
+              <a:endParaRPr lang="fr-FR" sz="1200" dirty="0"/>
+            </a:p>
+            <a:p>
+              <a:pPr marL="285750" indent="-285750">
+                <a:buFont typeface="Arial" panose="020B0604020202020204" pitchFamily="34" charset="0"/>
+                <a:buChar char="•"/>
+              </a:pPr>
+              <a:r>
+                <a:rPr lang="fr-FR" sz="1200" dirty="0" err="1"/>
+                <a:t>nFeatures_RNA</a:t>
+              </a:r>
+              <a:endParaRPr lang="fr-FR" sz="1200" dirty="0"/>
+            </a:p>
+            <a:p>
+              <a:pPr marL="285750" indent="-285750">
+                <a:buFont typeface="Arial" panose="020B0604020202020204" pitchFamily="34" charset="0"/>
+                <a:buChar char="•"/>
+              </a:pPr>
+              <a:r>
+                <a:rPr lang="fr-FR" sz="1200" dirty="0"/>
+                <a:t>log10GenesPerUMI</a:t>
+              </a:r>
+            </a:p>
+            <a:p>
+              <a:pPr marL="285750" indent="-285750">
+                <a:buFont typeface="Arial" panose="020B0604020202020204" pitchFamily="34" charset="0"/>
+                <a:buChar char="•"/>
+              </a:pPr>
+              <a:r>
+                <a:rPr lang="fr-FR" sz="1200" dirty="0" err="1"/>
+                <a:t>percent.mt</a:t>
+              </a:r>
+              <a:endParaRPr lang="fr-FR" sz="1200" dirty="0"/>
+            </a:p>
+            <a:p>
+              <a:pPr marL="285750" indent="-285750">
+                <a:buFont typeface="Arial" panose="020B0604020202020204" pitchFamily="34" charset="0"/>
+                <a:buChar char="•"/>
+              </a:pPr>
+              <a:r>
+                <a:rPr lang="fr-FR" b="1" dirty="0" err="1">
+                  <a:solidFill>
+                    <a:srgbClr val="FF0000"/>
+                  </a:solidFill>
+                </a:rPr>
+                <a:t>seurat_clusters</a:t>
+              </a:r>
+              <a:endParaRPr lang="fr-FR" b="1" dirty="0">
+                <a:solidFill>
+                  <a:srgbClr val="FF0000"/>
+                </a:solidFill>
+              </a:endParaRPr>
+            </a:p>
+          </p:txBody>
+        </p:sp>
+        <p:cxnSp>
+          <p:nvCxnSpPr>
+            <p:cNvPr id="18" name="Connecteur droit avec flèche 17">
+              <a:extLst>
+                <a:ext uri="{FF2B5EF4-FFF2-40B4-BE49-F238E27FC236}">
+                  <a16:creationId xmlns:a16="http://schemas.microsoft.com/office/drawing/2014/main" id="{4603186D-BB36-A56D-4F01-BD78DCF9EDE7}"/>
+                </a:ext>
+              </a:extLst>
+            </p:cNvPr>
+            <p:cNvCxnSpPr>
+              <a:cxnSpLocks/>
+              <a:stCxn id="7" idx="2"/>
+              <a:endCxn id="17" idx="0"/>
+            </p:cNvCxnSpPr>
+            <p:nvPr/>
+          </p:nvCxnSpPr>
+          <p:spPr>
+            <a:xfrm flipH="1">
+              <a:off x="5103012" y="2532031"/>
+              <a:ext cx="7" cy="658677"/>
+            </a:xfrm>
+            <a:prstGeom prst="straightConnector1">
+              <a:avLst/>
+            </a:prstGeom>
+            <a:ln>
+              <a:tailEnd type="triangle"/>
+            </a:ln>
+          </p:spPr>
+          <p:style>
+            <a:lnRef idx="2">
+              <a:schemeClr val="accent1"/>
+            </a:lnRef>
+            <a:fillRef idx="0">
+              <a:schemeClr val="accent1"/>
+            </a:fillRef>
+            <a:effectRef idx="1">
+              <a:schemeClr val="accent1"/>
+            </a:effectRef>
+            <a:fontRef idx="minor">
+              <a:schemeClr val="tx1"/>
+            </a:fontRef>
+          </p:style>
+        </p:cxnSp>
+        <p:sp>
+          <p:nvSpPr>
+            <p:cNvPr id="19" name="ZoneTexte 18">
+              <a:extLst>
+                <a:ext uri="{FF2B5EF4-FFF2-40B4-BE49-F238E27FC236}">
+                  <a16:creationId xmlns:a16="http://schemas.microsoft.com/office/drawing/2014/main" id="{B2FFE27E-5D17-CED4-C71D-3EB68E816433}"/>
+                </a:ext>
+              </a:extLst>
+            </p:cNvPr>
+            <p:cNvSpPr txBox="1"/>
+            <p:nvPr/>
+          </p:nvSpPr>
+          <p:spPr>
+            <a:xfrm>
+              <a:off x="4705366" y="2673456"/>
+              <a:ext cx="585787" cy="369332"/>
+            </a:xfrm>
+            <a:prstGeom prst="rect">
+              <a:avLst/>
+            </a:prstGeom>
+            <a:noFill/>
+          </p:spPr>
+          <p:txBody>
+            <a:bodyPr wrap="square" rtlCol="0">
+              <a:spAutoFit/>
+            </a:bodyPr>
+            <a:lstStyle/>
+            <a:p>
+              <a:r>
+                <a:rPr lang="fr-FR" dirty="0"/>
+                <a:t>$</a:t>
+              </a:r>
+            </a:p>
+          </p:txBody>
+        </p:sp>
+        <p:sp>
+          <p:nvSpPr>
+            <p:cNvPr id="20" name="ZoneTexte 19">
+              <a:extLst>
+                <a:ext uri="{FF2B5EF4-FFF2-40B4-BE49-F238E27FC236}">
+                  <a16:creationId xmlns:a16="http://schemas.microsoft.com/office/drawing/2014/main" id="{9E59A87E-D3A4-7852-9533-715C10834143}"/>
+                </a:ext>
+              </a:extLst>
+            </p:cNvPr>
+            <p:cNvSpPr txBox="1"/>
+            <p:nvPr/>
+          </p:nvSpPr>
+          <p:spPr>
+            <a:xfrm>
+              <a:off x="10179881" y="1880789"/>
+              <a:ext cx="1345371" cy="369332"/>
+            </a:xfrm>
+            <a:prstGeom prst="rect">
+              <a:avLst/>
+            </a:prstGeom>
+            <a:solidFill>
+              <a:schemeClr val="accent2">
+                <a:lumMod val="20000"/>
+                <a:lumOff val="80000"/>
+              </a:schemeClr>
+            </a:solidFill>
+            <a:ln w="25400">
+              <a:solidFill>
+                <a:schemeClr val="accent1"/>
+              </a:solidFill>
+            </a:ln>
+          </p:spPr>
+          <p:txBody>
+            <a:bodyPr wrap="square" rtlCol="0">
+              <a:spAutoFit/>
+            </a:bodyPr>
+            <a:lstStyle/>
+            <a:p>
+              <a:pPr algn="ctr"/>
+              <a:r>
+                <a:rPr lang="fr-FR" dirty="0" err="1"/>
+                <a:t>commands</a:t>
+              </a:r>
+              <a:endParaRPr lang="fr-FR" dirty="0"/>
+            </a:p>
+          </p:txBody>
+        </p:sp>
+        <p:cxnSp>
+          <p:nvCxnSpPr>
+            <p:cNvPr id="21" name="Connecteur en angle 20">
+              <a:extLst>
+                <a:ext uri="{FF2B5EF4-FFF2-40B4-BE49-F238E27FC236}">
+                  <a16:creationId xmlns:a16="http://schemas.microsoft.com/office/drawing/2014/main" id="{07F88F78-2F40-2F45-A9D8-3FFF37306960}"/>
+                </a:ext>
+              </a:extLst>
+            </p:cNvPr>
+            <p:cNvCxnSpPr>
+              <a:cxnSpLocks/>
+              <a:stCxn id="5" idx="2"/>
+              <a:endCxn id="20" idx="0"/>
+            </p:cNvCxnSpPr>
+            <p:nvPr/>
+          </p:nvCxnSpPr>
+          <p:spPr>
+            <a:xfrm rot="16200000" flipH="1">
+              <a:off x="6707595" y="-2264184"/>
+              <a:ext cx="1183095" cy="7106849"/>
+            </a:xfrm>
+            <a:prstGeom prst="bentConnector3">
+              <a:avLst/>
+            </a:prstGeom>
+            <a:ln>
+              <a:tailEnd type="triangle"/>
+            </a:ln>
+          </p:spPr>
+          <p:style>
+            <a:lnRef idx="2">
+              <a:schemeClr val="accent1"/>
+            </a:lnRef>
+            <a:fillRef idx="0">
+              <a:schemeClr val="accent1"/>
+            </a:fillRef>
+            <a:effectRef idx="1">
+              <a:schemeClr val="accent1"/>
+            </a:effectRef>
+            <a:fontRef idx="minor">
+              <a:schemeClr val="tx1"/>
+            </a:fontRef>
+          </p:style>
+        </p:cxnSp>
+        <p:sp>
+          <p:nvSpPr>
+            <p:cNvPr id="22" name="ZoneTexte 21">
+              <a:extLst>
+                <a:ext uri="{FF2B5EF4-FFF2-40B4-BE49-F238E27FC236}">
+                  <a16:creationId xmlns:a16="http://schemas.microsoft.com/office/drawing/2014/main" id="{CC369183-1D2F-E6EB-F1EB-AE8EE5B446BC}"/>
+                </a:ext>
+              </a:extLst>
+            </p:cNvPr>
+            <p:cNvSpPr txBox="1"/>
+            <p:nvPr/>
+          </p:nvSpPr>
+          <p:spPr>
+            <a:xfrm>
+              <a:off x="9770285" y="2900186"/>
+              <a:ext cx="2145452" cy="1477328"/>
+            </a:xfrm>
+            <a:prstGeom prst="rect">
+              <a:avLst/>
+            </a:prstGeom>
+            <a:solidFill>
+              <a:schemeClr val="accent3">
+                <a:lumMod val="20000"/>
+                <a:lumOff val="80000"/>
+              </a:schemeClr>
+            </a:solidFill>
+            <a:ln w="25400">
+              <a:solidFill>
+                <a:schemeClr val="accent1"/>
+              </a:solidFill>
+            </a:ln>
+          </p:spPr>
+          <p:txBody>
+            <a:bodyPr wrap="square" rtlCol="0">
+              <a:spAutoFit/>
+            </a:bodyPr>
+            <a:lstStyle/>
+            <a:p>
+              <a:pPr marL="285750" indent="-285750">
+                <a:buFont typeface="Arial" panose="020B0604020202020204" pitchFamily="34" charset="0"/>
+                <a:buChar char="•"/>
+              </a:pPr>
+              <a:r>
+                <a:rPr lang="fr-FR" sz="1000" dirty="0" err="1"/>
+                <a:t>NormalizeData.RNA</a:t>
+              </a:r>
+              <a:r>
+                <a:rPr lang="fr-FR" sz="1000" dirty="0"/>
+                <a:t>$ ……</a:t>
+              </a:r>
+            </a:p>
+            <a:p>
+              <a:pPr marL="285750" indent="-285750">
+                <a:buFont typeface="Arial" panose="020B0604020202020204" pitchFamily="34" charset="0"/>
+                <a:buChar char="•"/>
+              </a:pPr>
+              <a:r>
+                <a:rPr lang="fr-FR" sz="1000" dirty="0" err="1"/>
+                <a:t>FindVariableFeatures.RNA</a:t>
+              </a:r>
+              <a:r>
+                <a:rPr lang="fr-FR" sz="1000" dirty="0"/>
+                <a:t>$...</a:t>
+              </a:r>
+            </a:p>
+            <a:p>
+              <a:pPr marL="285750" indent="-285750">
+                <a:buFont typeface="Arial" panose="020B0604020202020204" pitchFamily="34" charset="0"/>
+                <a:buChar char="•"/>
+              </a:pPr>
+              <a:r>
+                <a:rPr lang="fr-FR" sz="1000" dirty="0" err="1"/>
+                <a:t>ScaleData.RNA</a:t>
+              </a:r>
+              <a:r>
+                <a:rPr lang="fr-FR" sz="1000" dirty="0"/>
+                <a:t>$......</a:t>
+              </a:r>
+            </a:p>
+            <a:p>
+              <a:pPr marL="285750" indent="-285750">
+                <a:buFont typeface="Arial" panose="020B0604020202020204" pitchFamily="34" charset="0"/>
+                <a:buChar char="•"/>
+              </a:pPr>
+              <a:r>
+                <a:rPr lang="fr-FR" sz="1000" dirty="0" err="1"/>
+                <a:t>RunPCA.RNA</a:t>
+              </a:r>
+              <a:r>
+                <a:rPr lang="fr-FR" sz="1000" dirty="0"/>
+                <a:t>$.......</a:t>
+              </a:r>
+            </a:p>
+            <a:p>
+              <a:pPr marL="285750" indent="-285750">
+                <a:buFont typeface="Arial" panose="020B0604020202020204" pitchFamily="34" charset="0"/>
+                <a:buChar char="•"/>
+              </a:pPr>
+              <a:r>
+                <a:rPr lang="fr-FR" sz="1000" dirty="0" err="1"/>
+                <a:t>FindNeighbors.RNA.pca</a:t>
+              </a:r>
+              <a:r>
+                <a:rPr lang="fr-FR" sz="1000" dirty="0"/>
+                <a:t>$.....</a:t>
+              </a:r>
+            </a:p>
+            <a:p>
+              <a:pPr marL="285750" indent="-285750">
+                <a:buFont typeface="Arial" panose="020B0604020202020204" pitchFamily="34" charset="0"/>
+                <a:buChar char="•"/>
+              </a:pPr>
+              <a:r>
+                <a:rPr lang="fr-FR" sz="1000" dirty="0" err="1"/>
+                <a:t>RunTSNE</a:t>
+              </a:r>
+              <a:r>
+                <a:rPr lang="fr-FR" sz="1000" dirty="0"/>
+                <a:t>$.....</a:t>
+              </a:r>
+            </a:p>
+            <a:p>
+              <a:pPr marL="285750" indent="-285750">
+                <a:buFont typeface="Arial" panose="020B0604020202020204" pitchFamily="34" charset="0"/>
+                <a:buChar char="•"/>
+              </a:pPr>
+              <a:r>
+                <a:rPr lang="fr-FR" sz="1000" dirty="0" err="1"/>
+                <a:t>RunUMAP.RNA.pca</a:t>
+              </a:r>
+              <a:r>
+                <a:rPr lang="fr-FR" sz="1000" dirty="0"/>
+                <a:t>$....</a:t>
+              </a:r>
+            </a:p>
+            <a:p>
+              <a:pPr marL="285750" indent="-285750">
+                <a:buFont typeface="Arial" panose="020B0604020202020204" pitchFamily="34" charset="0"/>
+                <a:buChar char="•"/>
+              </a:pPr>
+              <a:endParaRPr lang="fr-FR" sz="1000" dirty="0"/>
+            </a:p>
+            <a:p>
+              <a:pPr marL="285750" indent="-285750">
+                <a:buFont typeface="Arial" panose="020B0604020202020204" pitchFamily="34" charset="0"/>
+                <a:buChar char="•"/>
+              </a:pPr>
+              <a:endParaRPr lang="fr-FR" sz="1000" dirty="0"/>
+            </a:p>
+          </p:txBody>
+        </p:sp>
+        <p:cxnSp>
+          <p:nvCxnSpPr>
+            <p:cNvPr id="23" name="Connecteur droit avec flèche 22">
+              <a:extLst>
+                <a:ext uri="{FF2B5EF4-FFF2-40B4-BE49-F238E27FC236}">
+                  <a16:creationId xmlns:a16="http://schemas.microsoft.com/office/drawing/2014/main" id="{3E2132BB-5E65-55AC-4977-BDFBFE11A617}"/>
+                </a:ext>
+              </a:extLst>
+            </p:cNvPr>
+            <p:cNvCxnSpPr>
+              <a:cxnSpLocks/>
+              <a:stCxn id="20" idx="2"/>
+              <a:endCxn id="22" idx="0"/>
+            </p:cNvCxnSpPr>
+            <p:nvPr/>
+          </p:nvCxnSpPr>
+          <p:spPr>
+            <a:xfrm flipH="1">
+              <a:off x="10843011" y="2250121"/>
+              <a:ext cx="9556" cy="650065"/>
+            </a:xfrm>
+            <a:prstGeom prst="straightConnector1">
+              <a:avLst/>
+            </a:prstGeom>
+            <a:ln>
+              <a:tailEnd type="triangle"/>
+            </a:ln>
+          </p:spPr>
+          <p:style>
+            <a:lnRef idx="2">
+              <a:schemeClr val="accent1"/>
+            </a:lnRef>
+            <a:fillRef idx="0">
+              <a:schemeClr val="accent1"/>
+            </a:fillRef>
+            <a:effectRef idx="1">
+              <a:schemeClr val="accent1"/>
+            </a:effectRef>
+            <a:fontRef idx="minor">
+              <a:schemeClr val="tx1"/>
+            </a:fontRef>
+          </p:style>
+        </p:cxnSp>
+        <p:sp>
+          <p:nvSpPr>
+            <p:cNvPr id="24" name="ZoneTexte 23">
+              <a:extLst>
+                <a:ext uri="{FF2B5EF4-FFF2-40B4-BE49-F238E27FC236}">
+                  <a16:creationId xmlns:a16="http://schemas.microsoft.com/office/drawing/2014/main" id="{22901ED4-F071-7120-4252-74E4DD16817A}"/>
+                </a:ext>
+              </a:extLst>
+            </p:cNvPr>
+            <p:cNvSpPr txBox="1"/>
+            <p:nvPr/>
+          </p:nvSpPr>
+          <p:spPr>
+            <a:xfrm>
+              <a:off x="10535829" y="2360809"/>
+              <a:ext cx="585787" cy="369332"/>
+            </a:xfrm>
+            <a:prstGeom prst="rect">
+              <a:avLst/>
+            </a:prstGeom>
+            <a:noFill/>
+          </p:spPr>
+          <p:txBody>
+            <a:bodyPr wrap="square" rtlCol="0">
+              <a:spAutoFit/>
+            </a:bodyPr>
+            <a:lstStyle/>
+            <a:p>
+              <a:r>
+                <a:rPr lang="fr-FR" dirty="0"/>
+                <a:t>$</a:t>
+              </a:r>
+            </a:p>
+          </p:txBody>
+        </p:sp>
+        <p:sp>
+          <p:nvSpPr>
+            <p:cNvPr id="25" name="ZoneTexte 24">
+              <a:extLst>
+                <a:ext uri="{FF2B5EF4-FFF2-40B4-BE49-F238E27FC236}">
+                  <a16:creationId xmlns:a16="http://schemas.microsoft.com/office/drawing/2014/main" id="{A3DBF10A-062C-1AF8-D2F1-6B957007B27C}"/>
+                </a:ext>
+              </a:extLst>
+            </p:cNvPr>
+            <p:cNvSpPr txBox="1"/>
+            <p:nvPr/>
+          </p:nvSpPr>
+          <p:spPr>
+            <a:xfrm>
+              <a:off x="7219971" y="1880933"/>
+              <a:ext cx="1428750" cy="369332"/>
+            </a:xfrm>
+            <a:prstGeom prst="rect">
+              <a:avLst/>
+            </a:prstGeom>
+            <a:solidFill>
+              <a:schemeClr val="accent2">
+                <a:lumMod val="20000"/>
+                <a:lumOff val="80000"/>
+              </a:schemeClr>
+            </a:solidFill>
+            <a:ln w="25400">
+              <a:solidFill>
+                <a:schemeClr val="accent1"/>
+              </a:solidFill>
+            </a:ln>
+          </p:spPr>
+          <p:txBody>
+            <a:bodyPr wrap="square" rtlCol="0">
+              <a:spAutoFit/>
+            </a:bodyPr>
+            <a:lstStyle/>
+            <a:p>
+              <a:pPr algn="ctr"/>
+              <a:r>
+                <a:rPr lang="fr-FR" dirty="0" err="1"/>
+                <a:t>reductions</a:t>
+              </a:r>
+              <a:endParaRPr lang="fr-FR" dirty="0"/>
+            </a:p>
+          </p:txBody>
+        </p:sp>
+        <p:cxnSp>
+          <p:nvCxnSpPr>
+            <p:cNvPr id="26" name="Connecteur droit avec flèche 25">
+              <a:extLst>
+                <a:ext uri="{FF2B5EF4-FFF2-40B4-BE49-F238E27FC236}">
+                  <a16:creationId xmlns:a16="http://schemas.microsoft.com/office/drawing/2014/main" id="{63C67A9B-D803-503E-30AD-C71F3E2B2053}"/>
+                </a:ext>
+              </a:extLst>
+            </p:cNvPr>
+            <p:cNvCxnSpPr>
+              <a:cxnSpLocks/>
+              <a:endCxn id="25" idx="0"/>
+            </p:cNvCxnSpPr>
+            <p:nvPr/>
+          </p:nvCxnSpPr>
+          <p:spPr>
+            <a:xfrm>
+              <a:off x="7934346" y="1286930"/>
+              <a:ext cx="0" cy="594003"/>
+            </a:xfrm>
+            <a:prstGeom prst="straightConnector1">
+              <a:avLst/>
+            </a:prstGeom>
+            <a:ln>
+              <a:tailEnd type="triangle"/>
+            </a:ln>
+          </p:spPr>
+          <p:style>
+            <a:lnRef idx="2">
+              <a:schemeClr val="accent1"/>
+            </a:lnRef>
+            <a:fillRef idx="0">
+              <a:schemeClr val="accent1"/>
+            </a:fillRef>
+            <a:effectRef idx="1">
+              <a:schemeClr val="accent1"/>
+            </a:effectRef>
+            <a:fontRef idx="minor">
+              <a:schemeClr val="tx1"/>
+            </a:fontRef>
+          </p:style>
+        </p:cxnSp>
+        <p:sp>
+          <p:nvSpPr>
+            <p:cNvPr id="27" name="ZoneTexte 26">
+              <a:extLst>
+                <a:ext uri="{FF2B5EF4-FFF2-40B4-BE49-F238E27FC236}">
+                  <a16:creationId xmlns:a16="http://schemas.microsoft.com/office/drawing/2014/main" id="{032C65E2-5405-B83B-0F05-BD5DECE4B0B6}"/>
+                </a:ext>
+              </a:extLst>
+            </p:cNvPr>
+            <p:cNvSpPr txBox="1"/>
+            <p:nvPr/>
+          </p:nvSpPr>
+          <p:spPr>
+            <a:xfrm>
+              <a:off x="6727033" y="2900190"/>
+              <a:ext cx="2719352" cy="3139321"/>
+            </a:xfrm>
+            <a:prstGeom prst="rect">
+              <a:avLst/>
+            </a:prstGeom>
+            <a:solidFill>
+              <a:schemeClr val="accent3">
+                <a:lumMod val="20000"/>
+                <a:lumOff val="80000"/>
+              </a:schemeClr>
+            </a:solidFill>
+            <a:ln w="25400">
+              <a:solidFill>
+                <a:schemeClr val="accent1"/>
+              </a:solidFill>
+            </a:ln>
+          </p:spPr>
+          <p:txBody>
+            <a:bodyPr wrap="square" rtlCol="0">
+              <a:spAutoFit/>
+            </a:bodyPr>
+            <a:lstStyle/>
+            <a:p>
+              <a:pPr marL="285750" indent="-285750">
+                <a:buFont typeface="Arial" panose="020B0604020202020204" pitchFamily="34" charset="0"/>
+                <a:buChar char="•"/>
+              </a:pPr>
+              <a:r>
+                <a:rPr lang="fr-FR" dirty="0" err="1"/>
+                <a:t>pca</a:t>
+              </a:r>
+              <a:endParaRPr lang="fr-FR" dirty="0"/>
+            </a:p>
+            <a:p>
+              <a:pPr lvl="1"/>
+              <a:r>
+                <a:rPr lang="fr-FR" dirty="0"/>
+                <a:t>$</a:t>
+              </a:r>
+              <a:r>
+                <a:rPr lang="fr-FR" dirty="0" err="1"/>
+                <a:t>PC_k</a:t>
+              </a:r>
+              <a:endParaRPr lang="fr-FR" dirty="0"/>
+            </a:p>
+            <a:p>
+              <a:pPr lvl="1"/>
+              <a:r>
+                <a:rPr lang="fr-FR" dirty="0"/>
+                <a:t>@</a:t>
+              </a:r>
+              <a:r>
+                <a:rPr lang="fr-FR" dirty="0" err="1"/>
+                <a:t>cell.embeddings</a:t>
+              </a:r>
+              <a:endParaRPr lang="fr-FR" dirty="0"/>
+            </a:p>
+            <a:p>
+              <a:pPr lvl="1"/>
+              <a:r>
+                <a:rPr lang="fr-FR" dirty="0"/>
+                <a:t>@</a:t>
+              </a:r>
+              <a:r>
+                <a:rPr lang="fr-FR" dirty="0" err="1"/>
+                <a:t>feature.loadings</a:t>
+              </a:r>
+              <a:endParaRPr lang="fr-FR" dirty="0"/>
+            </a:p>
+            <a:p>
+              <a:pPr lvl="1"/>
+              <a:r>
+                <a:rPr lang="fr-FR" dirty="0"/>
+                <a:t>@</a:t>
+              </a:r>
+              <a:r>
+                <a:rPr lang="fr-FR" dirty="0" err="1"/>
+                <a:t>stdev</a:t>
+              </a:r>
+              <a:endParaRPr lang="fr-FR" dirty="0"/>
+            </a:p>
+            <a:p>
+              <a:pPr marL="285750" indent="-285750">
+                <a:buFont typeface="Arial" panose="020B0604020202020204" pitchFamily="34" charset="0"/>
+                <a:buChar char="•"/>
+              </a:pPr>
+              <a:r>
+                <a:rPr lang="fr-FR" dirty="0" err="1"/>
+                <a:t>tsne</a:t>
+              </a:r>
+              <a:endParaRPr lang="fr-FR" dirty="0"/>
+            </a:p>
+            <a:p>
+              <a:pPr lvl="1"/>
+              <a:r>
+                <a:rPr lang="fr-FR" dirty="0"/>
+                <a:t>$tSNE_1 ou tSNE_2</a:t>
+              </a:r>
+            </a:p>
+            <a:p>
+              <a:pPr lvl="1"/>
+              <a:r>
+                <a:rPr lang="fr-FR" dirty="0"/>
+                <a:t>@</a:t>
+              </a:r>
+              <a:r>
+                <a:rPr lang="fr-FR" dirty="0" err="1"/>
+                <a:t>cell.embeddings</a:t>
+              </a:r>
+              <a:endParaRPr lang="fr-FR" dirty="0"/>
+            </a:p>
+            <a:p>
+              <a:pPr marL="285750" indent="-285750">
+                <a:buFont typeface="Arial" panose="020B0604020202020204" pitchFamily="34" charset="0"/>
+                <a:buChar char="•"/>
+              </a:pPr>
+              <a:r>
+                <a:rPr lang="fr-FR" dirty="0" err="1"/>
+                <a:t>umap</a:t>
+              </a:r>
+              <a:endParaRPr lang="fr-FR" dirty="0"/>
+            </a:p>
+            <a:p>
+              <a:r>
+                <a:rPr lang="fr-FR" dirty="0"/>
+                <a:t>          $umap_1 et umap_2</a:t>
+              </a:r>
+            </a:p>
+            <a:p>
+              <a:r>
+                <a:rPr lang="fr-FR" dirty="0"/>
+                <a:t>          @</a:t>
+              </a:r>
+              <a:r>
+                <a:rPr lang="fr-FR" dirty="0" err="1"/>
+                <a:t>cell.embeddings</a:t>
+              </a:r>
+              <a:endParaRPr lang="fr-FR" dirty="0"/>
+            </a:p>
+          </p:txBody>
+        </p:sp>
+        <p:cxnSp>
+          <p:nvCxnSpPr>
+            <p:cNvPr id="28" name="Connecteur droit avec flèche 27">
+              <a:extLst>
+                <a:ext uri="{FF2B5EF4-FFF2-40B4-BE49-F238E27FC236}">
+                  <a16:creationId xmlns:a16="http://schemas.microsoft.com/office/drawing/2014/main" id="{FD6233F1-65E7-98CD-2197-280C34EEC4E9}"/>
+                </a:ext>
+              </a:extLst>
+            </p:cNvPr>
+            <p:cNvCxnSpPr>
+              <a:cxnSpLocks/>
+            </p:cNvCxnSpPr>
+            <p:nvPr/>
+          </p:nvCxnSpPr>
+          <p:spPr>
+            <a:xfrm flipH="1">
+              <a:off x="7948612" y="2241513"/>
+              <a:ext cx="7149" cy="658677"/>
+            </a:xfrm>
+            <a:prstGeom prst="straightConnector1">
+              <a:avLst/>
+            </a:prstGeom>
+            <a:ln>
+              <a:tailEnd type="triangle"/>
+            </a:ln>
+          </p:spPr>
+          <p:style>
+            <a:lnRef idx="2">
+              <a:schemeClr val="accent1"/>
+            </a:lnRef>
+            <a:fillRef idx="0">
+              <a:schemeClr val="accent1"/>
+            </a:fillRef>
+            <a:effectRef idx="1">
+              <a:schemeClr val="accent1"/>
+            </a:effectRef>
+            <a:fontRef idx="minor">
+              <a:schemeClr val="tx1"/>
+            </a:fontRef>
+          </p:style>
+        </p:cxnSp>
+        <p:sp>
+          <p:nvSpPr>
+            <p:cNvPr id="29" name="ZoneTexte 28">
+              <a:extLst>
+                <a:ext uri="{FF2B5EF4-FFF2-40B4-BE49-F238E27FC236}">
+                  <a16:creationId xmlns:a16="http://schemas.microsoft.com/office/drawing/2014/main" id="{F4755A47-3062-0197-A4A6-FEF51F8DFDE2}"/>
+                </a:ext>
+              </a:extLst>
+            </p:cNvPr>
+            <p:cNvSpPr txBox="1"/>
+            <p:nvPr/>
+          </p:nvSpPr>
+          <p:spPr>
+            <a:xfrm>
+              <a:off x="7629548" y="2354362"/>
+              <a:ext cx="585787" cy="369332"/>
+            </a:xfrm>
+            <a:prstGeom prst="rect">
+              <a:avLst/>
+            </a:prstGeom>
+            <a:noFill/>
+          </p:spPr>
+          <p:txBody>
+            <a:bodyPr wrap="square" rtlCol="0">
+              <a:spAutoFit/>
+            </a:bodyPr>
+            <a:lstStyle/>
+            <a:p>
+              <a:r>
+                <a:rPr lang="fr-FR" dirty="0"/>
+                <a:t>$</a:t>
+              </a:r>
+            </a:p>
+          </p:txBody>
+        </p:sp>
+      </p:grpSp>
+    </p:spTree>
+    <p:extLst>
+      <p:ext uri="{BB962C8B-B14F-4D97-AF65-F5344CB8AC3E}">
+        <p14:creationId xmlns:p14="http://schemas.microsoft.com/office/powerpoint/2010/main" val="376047076"/>
+      </p:ext>
+    </p:extLst>
+  </p:cSld>
+  <p:clrMapOvr>
+    <a:masterClrMapping/>
+  </p:clrMapOvr>
+</p:sld>
+</file>
+
 <file path=ppt/slides/slide2.xml><?xml version="1.0" encoding="utf-8"?>
 <p:sld xmlns:a="http://schemas.openxmlformats.org/drawingml/2006/main" xmlns:r="http://schemas.openxmlformats.org/officeDocument/2006/relationships" xmlns:p="http://schemas.openxmlformats.org/presentationml/2006/main">
   <p:cSld>
@@ -3673,8 +5193,8 @@
             </a:fontRef>
           </p:style>
         </p:cxnSp>
-        <mc:AlternateContent xmlns:mc="http://schemas.openxmlformats.org/markup-compatibility/2006">
-          <mc:Choice xmlns:a14="http://schemas.microsoft.com/office/drawing/2010/main" Requires="a14">
+        <mc:AlternateContent xmlns:mc="http://schemas.openxmlformats.org/markup-compatibility/2006" xmlns:a14="http://schemas.microsoft.com/office/drawing/2010/main">
+          <mc:Choice Requires="a14">
             <p:sp>
               <p:nvSpPr>
                 <p:cNvPr id="9" name="ZoneTexte 8">
@@ -3703,6 +5223,7 @@
                 </a:bodyPr>
                 <a:lstStyle/>
                 <a:p>
+                  <a:pPr/>
                   <a14:m>
                     <m:oMathPara xmlns:m="http://schemas.openxmlformats.org/officeDocument/2006/math">
                       <m:oMathParaPr>
@@ -3723,7 +5244,7 @@
               </p:txBody>
             </p:sp>
           </mc:Choice>
-          <mc:Fallback>
+          <mc:Fallback xmlns="">
             <p:sp>
               <p:nvSpPr>
                 <p:cNvPr id="9" name="ZoneTexte 8">
@@ -4307,8 +5828,8 @@
             </a:fontRef>
           </p:style>
         </p:cxnSp>
-        <mc:AlternateContent xmlns:mc="http://schemas.openxmlformats.org/markup-compatibility/2006">
-          <mc:Choice xmlns:a14="http://schemas.microsoft.com/office/drawing/2010/main" Requires="a14">
+        <mc:AlternateContent xmlns:mc="http://schemas.openxmlformats.org/markup-compatibility/2006" xmlns:a14="http://schemas.microsoft.com/office/drawing/2010/main">
+          <mc:Choice Requires="a14">
             <p:sp>
               <p:nvSpPr>
                 <p:cNvPr id="17" name="ZoneTexte 16">
@@ -4337,6 +5858,7 @@
                 </a:bodyPr>
                 <a:lstStyle/>
                 <a:p>
+                  <a:pPr/>
                   <a14:m>
                     <m:oMathPara xmlns:m="http://schemas.openxmlformats.org/officeDocument/2006/math">
                       <m:oMathParaPr>
@@ -4357,7 +5879,7 @@
               </p:txBody>
             </p:sp>
           </mc:Choice>
-          <mc:Fallback>
+          <mc:Fallback xmlns="">
             <p:sp>
               <p:nvSpPr>
                 <p:cNvPr id="17" name="ZoneTexte 16">
@@ -5096,8 +6618,8 @@
             </a:fontRef>
           </p:style>
         </p:cxnSp>
-        <mc:AlternateContent xmlns:mc="http://schemas.openxmlformats.org/markup-compatibility/2006">
-          <mc:Choice xmlns:a14="http://schemas.microsoft.com/office/drawing/2010/main" Requires="a14">
+        <mc:AlternateContent xmlns:mc="http://schemas.openxmlformats.org/markup-compatibility/2006" xmlns:a14="http://schemas.microsoft.com/office/drawing/2010/main">
+          <mc:Choice Requires="a14">
             <p:sp>
               <p:nvSpPr>
                 <p:cNvPr id="44" name="ZoneTexte 43">
@@ -5126,6 +6648,7 @@
                 </a:bodyPr>
                 <a:lstStyle/>
                 <a:p>
+                  <a:pPr/>
                   <a14:m>
                     <m:oMathPara xmlns:m="http://schemas.openxmlformats.org/officeDocument/2006/math">
                       <m:oMathParaPr>
@@ -5146,7 +6669,7 @@
               </p:txBody>
             </p:sp>
           </mc:Choice>
-          <mc:Fallback>
+          <mc:Fallback xmlns="">
             <p:sp>
               <p:nvSpPr>
                 <p:cNvPr id="44" name="ZoneTexte 43">
@@ -5901,8 +7424,8 @@
             </a:fontRef>
           </p:style>
         </p:cxnSp>
-        <mc:AlternateContent xmlns:mc="http://schemas.openxmlformats.org/markup-compatibility/2006">
-          <mc:Choice xmlns:a14="http://schemas.microsoft.com/office/drawing/2010/main" Requires="a14">
+        <mc:AlternateContent xmlns:mc="http://schemas.openxmlformats.org/markup-compatibility/2006" xmlns:a14="http://schemas.microsoft.com/office/drawing/2010/main">
+          <mc:Choice Requires="a14">
             <p:sp>
               <p:nvSpPr>
                 <p:cNvPr id="10" name="ZoneTexte 9">
@@ -5931,6 +7454,7 @@
                 </a:bodyPr>
                 <a:lstStyle/>
                 <a:p>
+                  <a:pPr/>
                   <a14:m>
                     <m:oMathPara xmlns:m="http://schemas.openxmlformats.org/officeDocument/2006/math">
                       <m:oMathParaPr>
@@ -5951,7 +7475,7 @@
               </p:txBody>
             </p:sp>
           </mc:Choice>
-          <mc:Fallback>
+          <mc:Fallback xmlns="">
             <p:sp>
               <p:nvSpPr>
                 <p:cNvPr id="10" name="ZoneTexte 9">
@@ -6975,8 +8499,8 @@
             </a:fontRef>
           </p:style>
         </p:cxnSp>
-        <mc:AlternateContent xmlns:mc="http://schemas.openxmlformats.org/markup-compatibility/2006">
-          <mc:Choice xmlns:a14="http://schemas.microsoft.com/office/drawing/2010/main" Requires="a14">
+        <mc:AlternateContent xmlns:mc="http://schemas.openxmlformats.org/markup-compatibility/2006" xmlns:a14="http://schemas.microsoft.com/office/drawing/2010/main">
+          <mc:Choice Requires="a14">
             <p:sp>
               <p:nvSpPr>
                 <p:cNvPr id="10" name="ZoneTexte 9">
@@ -7005,6 +8529,7 @@
                 </a:bodyPr>
                 <a:lstStyle/>
                 <a:p>
+                  <a:pPr/>
                   <a14:m>
                     <m:oMathPara xmlns:m="http://schemas.openxmlformats.org/officeDocument/2006/math">
                       <m:oMathParaPr>
@@ -7025,7 +8550,7 @@
               </p:txBody>
             </p:sp>
           </mc:Choice>
-          <mc:Fallback>
+          <mc:Fallback xmlns="">
             <p:sp>
               <p:nvSpPr>
                 <p:cNvPr id="10" name="ZoneTexte 9">
@@ -8039,8 +9564,8 @@
             </a:fontRef>
           </p:style>
         </p:cxnSp>
-        <mc:AlternateContent xmlns:mc="http://schemas.openxmlformats.org/markup-compatibility/2006">
-          <mc:Choice xmlns:a14="http://schemas.microsoft.com/office/drawing/2010/main" Requires="a14">
+        <mc:AlternateContent xmlns:mc="http://schemas.openxmlformats.org/markup-compatibility/2006" xmlns:a14="http://schemas.microsoft.com/office/drawing/2010/main">
+          <mc:Choice Requires="a14">
             <p:sp>
               <p:nvSpPr>
                 <p:cNvPr id="10" name="ZoneTexte 9">
@@ -8069,6 +9594,7 @@
                 </a:bodyPr>
                 <a:lstStyle/>
                 <a:p>
+                  <a:pPr/>
                   <a14:m>
                     <m:oMathPara xmlns:m="http://schemas.openxmlformats.org/officeDocument/2006/math">
                       <m:oMathParaPr>
@@ -8089,7 +9615,7 @@
               </p:txBody>
             </p:sp>
           </mc:Choice>
-          <mc:Fallback>
+          <mc:Fallback xmlns="">
             <p:sp>
               <p:nvSpPr>
                 <p:cNvPr id="10" name="ZoneTexte 9">
@@ -9128,8 +10654,8 @@
             </a:fontRef>
           </p:style>
         </p:cxnSp>
-        <mc:AlternateContent xmlns:mc="http://schemas.openxmlformats.org/markup-compatibility/2006">
-          <mc:Choice xmlns:a14="http://schemas.microsoft.com/office/drawing/2010/main" Requires="a14">
+        <mc:AlternateContent xmlns:mc="http://schemas.openxmlformats.org/markup-compatibility/2006" xmlns:a14="http://schemas.microsoft.com/office/drawing/2010/main">
+          <mc:Choice Requires="a14">
             <p:sp>
               <p:nvSpPr>
                 <p:cNvPr id="10" name="ZoneTexte 9">
@@ -9158,6 +10684,7 @@
                 </a:bodyPr>
                 <a:lstStyle/>
                 <a:p>
+                  <a:pPr/>
                   <a14:m>
                     <m:oMathPara xmlns:m="http://schemas.openxmlformats.org/officeDocument/2006/math">
                       <m:oMathParaPr>
@@ -9178,7 +10705,7 @@
               </p:txBody>
             </p:sp>
           </mc:Choice>
-          <mc:Fallback>
+          <mc:Fallback xmlns="">
             <p:sp>
               <p:nvSpPr>
                 <p:cNvPr id="10" name="ZoneTexte 9">
@@ -10575,8 +12102,8 @@
             </a:fontRef>
           </p:style>
         </p:cxnSp>
-        <mc:AlternateContent xmlns:mc="http://schemas.openxmlformats.org/markup-compatibility/2006">
-          <mc:Choice xmlns:a14="http://schemas.microsoft.com/office/drawing/2010/main" Requires="a14">
+        <mc:AlternateContent xmlns:mc="http://schemas.openxmlformats.org/markup-compatibility/2006" xmlns:a14="http://schemas.microsoft.com/office/drawing/2010/main">
+          <mc:Choice Requires="a14">
             <p:sp>
               <p:nvSpPr>
                 <p:cNvPr id="10" name="ZoneTexte 9">
@@ -10605,6 +12132,7 @@
                 </a:bodyPr>
                 <a:lstStyle/>
                 <a:p>
+                  <a:pPr/>
                   <a14:m>
                     <m:oMathPara xmlns:m="http://schemas.openxmlformats.org/officeDocument/2006/math">
                       <m:oMathParaPr>
@@ -10625,7 +12153,7 @@
               </p:txBody>
             </p:sp>
           </mc:Choice>
-          <mc:Fallback>
+          <mc:Fallback xmlns="">
             <p:sp>
               <p:nvSpPr>
                 <p:cNvPr id="10" name="ZoneTexte 9">
@@ -12059,8 +13587,8 @@
             </a:fontRef>
           </p:style>
         </p:cxnSp>
-        <mc:AlternateContent xmlns:mc="http://schemas.openxmlformats.org/markup-compatibility/2006">
-          <mc:Choice xmlns:a14="http://schemas.microsoft.com/office/drawing/2010/main" Requires="a14">
+        <mc:AlternateContent xmlns:mc="http://schemas.openxmlformats.org/markup-compatibility/2006" xmlns:a14="http://schemas.microsoft.com/office/drawing/2010/main">
+          <mc:Choice Requires="a14">
             <p:sp>
               <p:nvSpPr>
                 <p:cNvPr id="10" name="ZoneTexte 9">
@@ -12089,6 +13617,7 @@
                 </a:bodyPr>
                 <a:lstStyle/>
                 <a:p>
+                  <a:pPr/>
                   <a14:m>
                     <m:oMathPara xmlns:m="http://schemas.openxmlformats.org/officeDocument/2006/math">
                       <m:oMathParaPr>
@@ -12109,7 +13638,7 @@
               </p:txBody>
             </p:sp>
           </mc:Choice>
-          <mc:Fallback>
+          <mc:Fallback xmlns="">
             <p:sp>
               <p:nvSpPr>
                 <p:cNvPr id="10" name="ZoneTexte 9">

--- a/Cours/images/Sources_schemes.pptx
+++ b/Cours/images/Sources_schemes.pptx
@@ -4597,13 +4597,16 @@
                 <a:buFont typeface="Arial" panose="020B0604020202020204" pitchFamily="34" charset="0"/>
                 <a:buChar char="•"/>
               </a:pPr>
-              <a:endParaRPr lang="fr-FR" sz="1000" dirty="0"/>
-            </a:p>
-            <a:p>
-              <a:pPr marL="285750" indent="-285750">
-                <a:buFont typeface="Arial" panose="020B0604020202020204" pitchFamily="34" charset="0"/>
-                <a:buChar char="•"/>
-              </a:pPr>
+              <a:r>
+                <a:rPr lang="fr-FR" sz="1000" dirty="0" err="1"/>
+                <a:t>FindClusters</a:t>
+              </a:r>
+              <a:r>
+                <a:rPr lang="fr-FR" sz="1000" dirty="0"/>
+                <a:t>$......</a:t>
+              </a:r>
+            </a:p>
+            <a:p>
               <a:endParaRPr lang="fr-FR" sz="1000" dirty="0"/>
             </a:p>
           </p:txBody>

--- a/Cours/images/Sources_schemes.pptx
+++ b/Cours/images/Sources_schemes.pptx
@@ -15,6 +15,7 @@
     <p:sldId id="263" r:id="rId9"/>
     <p:sldId id="264" r:id="rId10"/>
     <p:sldId id="265" r:id="rId11"/>
+    <p:sldId id="266" r:id="rId12"/>
   </p:sldIdLst>
   <p:sldSz cx="12192000" cy="6858000"/>
   <p:notesSz cx="6858000" cy="9144000"/>
@@ -268,7 +269,7 @@
           <a:p>
             <a:fld id="{7DA65DEE-C80E-8C45-8061-2C492B0A0DBA}" type="datetimeFigureOut">
               <a:rPr lang="fr-FR" smtClean="0"/>
-              <a:t>03/04/2025</a:t>
+              <a:t>14/04/2025</a:t>
             </a:fld>
             <a:endParaRPr lang="fr-FR"/>
           </a:p>
@@ -466,7 +467,7 @@
           <a:p>
             <a:fld id="{7DA65DEE-C80E-8C45-8061-2C492B0A0DBA}" type="datetimeFigureOut">
               <a:rPr lang="fr-FR" smtClean="0"/>
-              <a:t>03/04/2025</a:t>
+              <a:t>14/04/2025</a:t>
             </a:fld>
             <a:endParaRPr lang="fr-FR"/>
           </a:p>
@@ -674,7 +675,7 @@
           <a:p>
             <a:fld id="{7DA65DEE-C80E-8C45-8061-2C492B0A0DBA}" type="datetimeFigureOut">
               <a:rPr lang="fr-FR" smtClean="0"/>
-              <a:t>03/04/2025</a:t>
+              <a:t>14/04/2025</a:t>
             </a:fld>
             <a:endParaRPr lang="fr-FR"/>
           </a:p>
@@ -872,7 +873,7 @@
           <a:p>
             <a:fld id="{7DA65DEE-C80E-8C45-8061-2C492B0A0DBA}" type="datetimeFigureOut">
               <a:rPr lang="fr-FR" smtClean="0"/>
-              <a:t>03/04/2025</a:t>
+              <a:t>14/04/2025</a:t>
             </a:fld>
             <a:endParaRPr lang="fr-FR"/>
           </a:p>
@@ -1147,7 +1148,7 @@
           <a:p>
             <a:fld id="{7DA65DEE-C80E-8C45-8061-2C492B0A0DBA}" type="datetimeFigureOut">
               <a:rPr lang="fr-FR" smtClean="0"/>
-              <a:t>03/04/2025</a:t>
+              <a:t>14/04/2025</a:t>
             </a:fld>
             <a:endParaRPr lang="fr-FR"/>
           </a:p>
@@ -1412,7 +1413,7 @@
           <a:p>
             <a:fld id="{7DA65DEE-C80E-8C45-8061-2C492B0A0DBA}" type="datetimeFigureOut">
               <a:rPr lang="fr-FR" smtClean="0"/>
-              <a:t>03/04/2025</a:t>
+              <a:t>14/04/2025</a:t>
             </a:fld>
             <a:endParaRPr lang="fr-FR"/>
           </a:p>
@@ -1824,7 +1825,7 @@
           <a:p>
             <a:fld id="{7DA65DEE-C80E-8C45-8061-2C492B0A0DBA}" type="datetimeFigureOut">
               <a:rPr lang="fr-FR" smtClean="0"/>
-              <a:t>03/04/2025</a:t>
+              <a:t>14/04/2025</a:t>
             </a:fld>
             <a:endParaRPr lang="fr-FR"/>
           </a:p>
@@ -1965,7 +1966,7 @@
           <a:p>
             <a:fld id="{7DA65DEE-C80E-8C45-8061-2C492B0A0DBA}" type="datetimeFigureOut">
               <a:rPr lang="fr-FR" smtClean="0"/>
-              <a:t>03/04/2025</a:t>
+              <a:t>14/04/2025</a:t>
             </a:fld>
             <a:endParaRPr lang="fr-FR"/>
           </a:p>
@@ -2078,7 +2079,7 @@
           <a:p>
             <a:fld id="{7DA65DEE-C80E-8C45-8061-2C492B0A0DBA}" type="datetimeFigureOut">
               <a:rPr lang="fr-FR" smtClean="0"/>
-              <a:t>03/04/2025</a:t>
+              <a:t>14/04/2025</a:t>
             </a:fld>
             <a:endParaRPr lang="fr-FR"/>
           </a:p>
@@ -2389,7 +2390,7 @@
           <a:p>
             <a:fld id="{7DA65DEE-C80E-8C45-8061-2C492B0A0DBA}" type="datetimeFigureOut">
               <a:rPr lang="fr-FR" smtClean="0"/>
-              <a:t>03/04/2025</a:t>
+              <a:t>14/04/2025</a:t>
             </a:fld>
             <a:endParaRPr lang="fr-FR"/>
           </a:p>
@@ -2677,7 +2678,7 @@
           <a:p>
             <a:fld id="{7DA65DEE-C80E-8C45-8061-2C492B0A0DBA}" type="datetimeFigureOut">
               <a:rPr lang="fr-FR" smtClean="0"/>
-              <a:t>03/04/2025</a:t>
+              <a:t>14/04/2025</a:t>
             </a:fld>
             <a:endParaRPr lang="fr-FR"/>
           </a:p>
@@ -2918,7 +2919,7 @@
           <a:p>
             <a:fld id="{7DA65DEE-C80E-8C45-8061-2C492B0A0DBA}" type="datetimeFigureOut">
               <a:rPr lang="fr-FR" smtClean="0"/>
-              <a:t>03/04/2025</a:t>
+              <a:t>14/04/2025</a:t>
             </a:fld>
             <a:endParaRPr lang="fr-FR"/>
           </a:p>
@@ -5024,6 +5025,1371 @@
 </p:sld>
 </file>
 
+<file path=ppt/slides/slide11.xml><?xml version="1.0" encoding="utf-8"?>
+<p:sld xmlns:a="http://schemas.openxmlformats.org/drawingml/2006/main" xmlns:r="http://schemas.openxmlformats.org/officeDocument/2006/relationships" xmlns:p="http://schemas.openxmlformats.org/presentationml/2006/main">
+  <p:cSld>
+    <p:spTree>
+      <p:nvGrpSpPr>
+        <p:cNvPr id="1" name=""/>
+        <p:cNvGrpSpPr/>
+        <p:nvPr/>
+      </p:nvGrpSpPr>
+      <p:grpSpPr>
+        <a:xfrm>
+          <a:off x="0" y="0"/>
+          <a:ext cx="0" cy="0"/>
+          <a:chOff x="0" y="0"/>
+          <a:chExt cx="0" cy="0"/>
+        </a:xfrm>
+      </p:grpSpPr>
+      <p:sp>
+        <p:nvSpPr>
+          <p:cNvPr id="15" name="ZoneTexte 14">
+            <a:extLst>
+              <a:ext uri="{FF2B5EF4-FFF2-40B4-BE49-F238E27FC236}">
+                <a16:creationId xmlns:a16="http://schemas.microsoft.com/office/drawing/2014/main" id="{07CDD483-E404-BA61-E71B-9E83B7FAEE5E}"/>
+              </a:ext>
+            </a:extLst>
+          </p:cNvPr>
+          <p:cNvSpPr txBox="1"/>
+          <p:nvPr/>
+        </p:nvSpPr>
+        <p:spPr>
+          <a:xfrm>
+            <a:off x="506627" y="135924"/>
+            <a:ext cx="3200400" cy="369332"/>
+          </a:xfrm>
+          <a:prstGeom prst="rect">
+            <a:avLst/>
+          </a:prstGeom>
+          <a:noFill/>
+        </p:spPr>
+        <p:txBody>
+          <a:bodyPr wrap="square" rtlCol="0">
+            <a:spAutoFit/>
+          </a:bodyPr>
+          <a:lstStyle/>
+          <a:p>
+            <a:r>
+              <a:rPr lang="fr-FR" dirty="0"/>
+              <a:t>Spatial </a:t>
+            </a:r>
+            <a:r>
+              <a:rPr lang="fr-FR" dirty="0" err="1"/>
+              <a:t>Transcriptomic</a:t>
+            </a:r>
+            <a:endParaRPr lang="fr-FR" dirty="0"/>
+          </a:p>
+        </p:txBody>
+      </p:sp>
+      <p:grpSp>
+        <p:nvGrpSpPr>
+          <p:cNvPr id="68" name="Groupe 67">
+            <a:extLst>
+              <a:ext uri="{FF2B5EF4-FFF2-40B4-BE49-F238E27FC236}">
+                <a16:creationId xmlns:a16="http://schemas.microsoft.com/office/drawing/2014/main" id="{11118801-D3A4-C57F-A1C5-1A82734C7BB1}"/>
+              </a:ext>
+            </a:extLst>
+          </p:cNvPr>
+          <p:cNvGrpSpPr/>
+          <p:nvPr/>
+        </p:nvGrpSpPr>
+        <p:grpSpPr>
+          <a:xfrm>
+            <a:off x="2106827" y="751294"/>
+            <a:ext cx="8032857" cy="4848691"/>
+            <a:chOff x="2106827" y="751294"/>
+            <a:chExt cx="8032857" cy="4848691"/>
+          </a:xfrm>
+        </p:grpSpPr>
+        <p:sp>
+          <p:nvSpPr>
+            <p:cNvPr id="17" name="ZoneTexte 16">
+              <a:extLst>
+                <a:ext uri="{FF2B5EF4-FFF2-40B4-BE49-F238E27FC236}">
+                  <a16:creationId xmlns:a16="http://schemas.microsoft.com/office/drawing/2014/main" id="{1A52CA20-B097-D89B-6FFD-7FCEBF1E1192}"/>
+                </a:ext>
+              </a:extLst>
+            </p:cNvPr>
+            <p:cNvSpPr txBox="1"/>
+            <p:nvPr/>
+          </p:nvSpPr>
+          <p:spPr>
+            <a:xfrm>
+              <a:off x="5850432" y="751294"/>
+              <a:ext cx="1585913" cy="369332"/>
+            </a:xfrm>
+            <a:prstGeom prst="rect">
+              <a:avLst/>
+            </a:prstGeom>
+            <a:solidFill>
+              <a:schemeClr val="tx2">
+                <a:lumMod val="10000"/>
+                <a:lumOff val="90000"/>
+              </a:schemeClr>
+            </a:solidFill>
+            <a:ln w="25400">
+              <a:solidFill>
+                <a:schemeClr val="accent1"/>
+              </a:solidFill>
+            </a:ln>
+          </p:spPr>
+          <p:txBody>
+            <a:bodyPr wrap="square" rtlCol="0">
+              <a:spAutoFit/>
+            </a:bodyPr>
+            <a:lstStyle/>
+            <a:p>
+              <a:pPr algn="ctr"/>
+              <a:r>
+                <a:rPr lang="fr-FR" dirty="0"/>
+                <a:t>Seurat Object</a:t>
+              </a:r>
+            </a:p>
+          </p:txBody>
+        </p:sp>
+        <p:sp>
+          <p:nvSpPr>
+            <p:cNvPr id="18" name="ZoneTexte 17">
+              <a:extLst>
+                <a:ext uri="{FF2B5EF4-FFF2-40B4-BE49-F238E27FC236}">
+                  <a16:creationId xmlns:a16="http://schemas.microsoft.com/office/drawing/2014/main" id="{E65774B3-AFD1-6399-4BEE-E2045029D439}"/>
+                </a:ext>
+              </a:extLst>
+            </p:cNvPr>
+            <p:cNvSpPr txBox="1"/>
+            <p:nvPr/>
+          </p:nvSpPr>
+          <p:spPr>
+            <a:xfrm>
+              <a:off x="3535577" y="2219583"/>
+              <a:ext cx="1428750" cy="369332"/>
+            </a:xfrm>
+            <a:prstGeom prst="rect">
+              <a:avLst/>
+            </a:prstGeom>
+            <a:solidFill>
+              <a:schemeClr val="accent2">
+                <a:lumMod val="20000"/>
+                <a:lumOff val="80000"/>
+              </a:schemeClr>
+            </a:solidFill>
+            <a:ln w="25400">
+              <a:solidFill>
+                <a:schemeClr val="accent1"/>
+              </a:solidFill>
+            </a:ln>
+          </p:spPr>
+          <p:txBody>
+            <a:bodyPr wrap="square" rtlCol="0">
+              <a:spAutoFit/>
+            </a:bodyPr>
+            <a:lstStyle/>
+            <a:p>
+              <a:pPr algn="ctr"/>
+              <a:r>
+                <a:rPr lang="fr-FR" dirty="0" err="1"/>
+                <a:t>assays</a:t>
+              </a:r>
+              <a:endParaRPr lang="fr-FR" dirty="0"/>
+            </a:p>
+          </p:txBody>
+        </p:sp>
+        <p:sp>
+          <p:nvSpPr>
+            <p:cNvPr id="19" name="ZoneTexte 18">
+              <a:extLst>
+                <a:ext uri="{FF2B5EF4-FFF2-40B4-BE49-F238E27FC236}">
+                  <a16:creationId xmlns:a16="http://schemas.microsoft.com/office/drawing/2014/main" id="{7935172E-9907-A213-42A4-5CDAFA7F1BDA}"/>
+                </a:ext>
+              </a:extLst>
+            </p:cNvPr>
+            <p:cNvSpPr txBox="1"/>
+            <p:nvPr/>
+          </p:nvSpPr>
+          <p:spPr>
+            <a:xfrm>
+              <a:off x="5378659" y="2219583"/>
+              <a:ext cx="2528883" cy="646331"/>
+            </a:xfrm>
+            <a:prstGeom prst="rect">
+              <a:avLst/>
+            </a:prstGeom>
+            <a:solidFill>
+              <a:schemeClr val="accent2">
+                <a:lumMod val="20000"/>
+                <a:lumOff val="80000"/>
+              </a:schemeClr>
+            </a:solidFill>
+            <a:ln w="25400">
+              <a:solidFill>
+                <a:schemeClr val="accent1"/>
+              </a:solidFill>
+            </a:ln>
+          </p:spPr>
+          <p:txBody>
+            <a:bodyPr wrap="square" rtlCol="0">
+              <a:spAutoFit/>
+            </a:bodyPr>
+            <a:lstStyle/>
+            <a:p>
+              <a:pPr algn="ctr"/>
+              <a:r>
+                <a:rPr lang="fr-FR" dirty="0" err="1"/>
+                <a:t>meta.data</a:t>
+              </a:r>
+              <a:endParaRPr lang="fr-FR" dirty="0"/>
+            </a:p>
+            <a:p>
+              <a:pPr algn="ctr"/>
+              <a:r>
+                <a:rPr lang="fr-FR" dirty="0"/>
+                <a:t>(info sur les spots)</a:t>
+              </a:r>
+            </a:p>
+          </p:txBody>
+        </p:sp>
+        <p:cxnSp>
+          <p:nvCxnSpPr>
+            <p:cNvPr id="20" name="Connecteur en angle 19">
+              <a:extLst>
+                <a:ext uri="{FF2B5EF4-FFF2-40B4-BE49-F238E27FC236}">
+                  <a16:creationId xmlns:a16="http://schemas.microsoft.com/office/drawing/2014/main" id="{A04F8F9B-4C44-8B3A-46D0-C30263728D5C}"/>
+                </a:ext>
+              </a:extLst>
+            </p:cNvPr>
+            <p:cNvCxnSpPr>
+              <a:cxnSpLocks/>
+              <a:endCxn id="18" idx="0"/>
+            </p:cNvCxnSpPr>
+            <p:nvPr/>
+          </p:nvCxnSpPr>
+          <p:spPr>
+            <a:xfrm rot="10800000" flipV="1">
+              <a:off x="4249952" y="1629959"/>
+              <a:ext cx="2380736" cy="589623"/>
+            </a:xfrm>
+            <a:prstGeom prst="bentConnector2">
+              <a:avLst/>
+            </a:prstGeom>
+            <a:ln>
+              <a:tailEnd type="triangle"/>
+            </a:ln>
+          </p:spPr>
+          <p:style>
+            <a:lnRef idx="2">
+              <a:schemeClr val="accent1"/>
+            </a:lnRef>
+            <a:fillRef idx="0">
+              <a:schemeClr val="accent1"/>
+            </a:fillRef>
+            <a:effectRef idx="1">
+              <a:schemeClr val="accent1"/>
+            </a:effectRef>
+            <a:fontRef idx="minor">
+              <a:schemeClr val="tx1"/>
+            </a:fontRef>
+          </p:style>
+        </p:cxnSp>
+        <mc:AlternateContent xmlns:mc="http://schemas.openxmlformats.org/markup-compatibility/2006">
+          <mc:Choice xmlns:a14="http://schemas.microsoft.com/office/drawing/2010/main" Requires="a14">
+            <p:sp>
+              <p:nvSpPr>
+                <p:cNvPr id="22" name="ZoneTexte 21">
+                  <a:extLst>
+                    <a:ext uri="{FF2B5EF4-FFF2-40B4-BE49-F238E27FC236}">
+                      <a16:creationId xmlns:a16="http://schemas.microsoft.com/office/drawing/2014/main" id="{C1341A06-0883-88BF-CA70-31C32F80E04D}"/>
+                    </a:ext>
+                  </a:extLst>
+                </p:cNvPr>
+                <p:cNvSpPr txBox="1"/>
+                <p:nvPr/>
+              </p:nvSpPr>
+              <p:spPr>
+                <a:xfrm>
+                  <a:off x="5850432" y="1227072"/>
+                  <a:ext cx="1243017" cy="369332"/>
+                </a:xfrm>
+                <a:prstGeom prst="rect">
+                  <a:avLst/>
+                </a:prstGeom>
+                <a:noFill/>
+              </p:spPr>
+              <p:txBody>
+                <a:bodyPr wrap="square" rtlCol="0">
+                  <a:spAutoFit/>
+                </a:bodyPr>
+                <a:lstStyle/>
+                <a:p>
+                  <a:pPr/>
+                  <a14:m>
+                    <m:oMathPara xmlns:m="http://schemas.openxmlformats.org/officeDocument/2006/math">
+                      <m:oMathParaPr>
+                        <m:jc m:val="centerGroup"/>
+                      </m:oMathParaPr>
+                      <m:oMath xmlns:m="http://schemas.openxmlformats.org/officeDocument/2006/math">
+                        <m:r>
+                          <a:rPr lang="fr-FR" b="0" i="1" smtClean="0">
+                            <a:latin typeface="Cambria Math" panose="02040503050406030204" pitchFamily="18" charset="0"/>
+                          </a:rPr>
+                          <m:t>@</m:t>
+                        </m:r>
+                      </m:oMath>
+                    </m:oMathPara>
+                  </a14:m>
+                  <a:endParaRPr lang="fr-FR" dirty="0"/>
+                </a:p>
+              </p:txBody>
+            </p:sp>
+          </mc:Choice>
+          <mc:Fallback>
+            <p:sp>
+              <p:nvSpPr>
+                <p:cNvPr id="22" name="ZoneTexte 21">
+                  <a:extLst>
+                    <a:ext uri="{FF2B5EF4-FFF2-40B4-BE49-F238E27FC236}">
+                      <a16:creationId xmlns:a16="http://schemas.microsoft.com/office/drawing/2014/main" id="{C1341A06-0883-88BF-CA70-31C32F80E04D}"/>
+                    </a:ext>
+                  </a:extLst>
+                </p:cNvPr>
+                <p:cNvSpPr txBox="1">
+                  <a:spLocks noRot="1" noChangeAspect="1" noMove="1" noResize="1" noEditPoints="1" noAdjustHandles="1" noChangeArrowheads="1" noChangeShapeType="1" noTextEdit="1"/>
+                </p:cNvSpPr>
+                <p:nvPr/>
+              </p:nvSpPr>
+              <p:spPr>
+                <a:xfrm>
+                  <a:off x="5850432" y="1227072"/>
+                  <a:ext cx="1243017" cy="369332"/>
+                </a:xfrm>
+                <a:prstGeom prst="rect">
+                  <a:avLst/>
+                </a:prstGeom>
+                <a:blipFill>
+                  <a:blip r:embed="rId2"/>
+                  <a:stretch>
+                    <a:fillRect/>
+                  </a:stretch>
+                </a:blipFill>
+              </p:spPr>
+              <p:txBody>
+                <a:bodyPr/>
+                <a:lstStyle/>
+                <a:p>
+                  <a:r>
+                    <a:rPr lang="fr-FR">
+                      <a:noFill/>
+                    </a:rPr>
+                    <a:t> </a:t>
+                  </a:r>
+                </a:p>
+              </p:txBody>
+            </p:sp>
+          </mc:Fallback>
+        </mc:AlternateContent>
+        <p:sp>
+          <p:nvSpPr>
+            <p:cNvPr id="23" name="ZoneTexte 22">
+              <a:extLst>
+                <a:ext uri="{FF2B5EF4-FFF2-40B4-BE49-F238E27FC236}">
+                  <a16:creationId xmlns:a16="http://schemas.microsoft.com/office/drawing/2014/main" id="{1B53BA49-943F-F3C1-8524-1959FCC8CA93}"/>
+                </a:ext>
+              </a:extLst>
+            </p:cNvPr>
+            <p:cNvSpPr txBox="1"/>
+            <p:nvPr/>
+          </p:nvSpPr>
+          <p:spPr>
+            <a:xfrm>
+              <a:off x="3535577" y="3133096"/>
+              <a:ext cx="1428750" cy="369332"/>
+            </a:xfrm>
+            <a:prstGeom prst="rect">
+              <a:avLst/>
+            </a:prstGeom>
+            <a:solidFill>
+              <a:schemeClr val="accent3">
+                <a:lumMod val="20000"/>
+                <a:lumOff val="80000"/>
+              </a:schemeClr>
+            </a:solidFill>
+            <a:ln w="25400">
+              <a:solidFill>
+                <a:schemeClr val="accent1"/>
+              </a:solidFill>
+            </a:ln>
+          </p:spPr>
+          <p:txBody>
+            <a:bodyPr wrap="square" rtlCol="0">
+              <a:spAutoFit/>
+            </a:bodyPr>
+            <a:lstStyle/>
+            <a:p>
+              <a:pPr algn="ctr"/>
+              <a:r>
+                <a:rPr lang="fr-FR" dirty="0"/>
+                <a:t>Spatial</a:t>
+              </a:r>
+            </a:p>
+          </p:txBody>
+        </p:sp>
+        <p:cxnSp>
+          <p:nvCxnSpPr>
+            <p:cNvPr id="24" name="Connecteur droit avec flèche 23">
+              <a:extLst>
+                <a:ext uri="{FF2B5EF4-FFF2-40B4-BE49-F238E27FC236}">
+                  <a16:creationId xmlns:a16="http://schemas.microsoft.com/office/drawing/2014/main" id="{35155B15-2387-09D0-A541-890B000698D6}"/>
+                </a:ext>
+              </a:extLst>
+            </p:cNvPr>
+            <p:cNvCxnSpPr>
+              <a:cxnSpLocks/>
+              <a:stCxn id="18" idx="2"/>
+              <a:endCxn id="23" idx="0"/>
+            </p:cNvCxnSpPr>
+            <p:nvPr/>
+          </p:nvCxnSpPr>
+          <p:spPr>
+            <a:xfrm>
+              <a:off x="4249952" y="2588915"/>
+              <a:ext cx="0" cy="544181"/>
+            </a:xfrm>
+            <a:prstGeom prst="straightConnector1">
+              <a:avLst/>
+            </a:prstGeom>
+            <a:ln>
+              <a:tailEnd type="triangle"/>
+            </a:ln>
+          </p:spPr>
+          <p:style>
+            <a:lnRef idx="2">
+              <a:schemeClr val="accent1"/>
+            </a:lnRef>
+            <a:fillRef idx="0">
+              <a:schemeClr val="accent1"/>
+            </a:fillRef>
+            <a:effectRef idx="1">
+              <a:schemeClr val="accent1"/>
+            </a:effectRef>
+            <a:fontRef idx="minor">
+              <a:schemeClr val="tx1"/>
+            </a:fontRef>
+          </p:style>
+        </p:cxnSp>
+        <p:sp>
+          <p:nvSpPr>
+            <p:cNvPr id="25" name="ZoneTexte 24">
+              <a:extLst>
+                <a:ext uri="{FF2B5EF4-FFF2-40B4-BE49-F238E27FC236}">
+                  <a16:creationId xmlns:a16="http://schemas.microsoft.com/office/drawing/2014/main" id="{209DE354-F17F-9D1C-5614-21E158ED694A}"/>
+                </a:ext>
+              </a:extLst>
+            </p:cNvPr>
+            <p:cNvSpPr txBox="1"/>
+            <p:nvPr/>
+          </p:nvSpPr>
+          <p:spPr>
+            <a:xfrm>
+              <a:off x="3864190" y="2683483"/>
+              <a:ext cx="585787" cy="369332"/>
+            </a:xfrm>
+            <a:prstGeom prst="rect">
+              <a:avLst/>
+            </a:prstGeom>
+            <a:noFill/>
+          </p:spPr>
+          <p:txBody>
+            <a:bodyPr wrap="square" rtlCol="0">
+              <a:spAutoFit/>
+            </a:bodyPr>
+            <a:lstStyle/>
+            <a:p>
+              <a:r>
+                <a:rPr lang="fr-FR" dirty="0"/>
+                <a:t>$</a:t>
+              </a:r>
+            </a:p>
+          </p:txBody>
+        </p:sp>
+        <p:sp>
+          <p:nvSpPr>
+            <p:cNvPr id="26" name="ZoneTexte 25">
+              <a:extLst>
+                <a:ext uri="{FF2B5EF4-FFF2-40B4-BE49-F238E27FC236}">
+                  <a16:creationId xmlns:a16="http://schemas.microsoft.com/office/drawing/2014/main" id="{A90A2EEF-E89C-311C-5C08-053A8B1051B3}"/>
+                </a:ext>
+              </a:extLst>
+            </p:cNvPr>
+            <p:cNvSpPr txBox="1"/>
+            <p:nvPr/>
+          </p:nvSpPr>
+          <p:spPr>
+            <a:xfrm>
+              <a:off x="2106827" y="4748786"/>
+              <a:ext cx="4286250" cy="646331"/>
+            </a:xfrm>
+            <a:prstGeom prst="rect">
+              <a:avLst/>
+            </a:prstGeom>
+            <a:solidFill>
+              <a:schemeClr val="accent3">
+                <a:lumMod val="20000"/>
+                <a:lumOff val="80000"/>
+              </a:schemeClr>
+            </a:solidFill>
+            <a:ln w="25400">
+              <a:solidFill>
+                <a:schemeClr val="accent1"/>
+              </a:solidFill>
+            </a:ln>
+          </p:spPr>
+          <p:txBody>
+            <a:bodyPr wrap="square" rtlCol="0">
+              <a:spAutoFit/>
+            </a:bodyPr>
+            <a:lstStyle/>
+            <a:p>
+              <a:pPr marL="285750" indent="-285750">
+                <a:buFont typeface="Arial" panose="020B0604020202020204" pitchFamily="34" charset="0"/>
+                <a:buChar char="•"/>
+              </a:pPr>
+              <a:r>
+                <a:rPr lang="fr-FR" dirty="0" err="1"/>
+                <a:t>counts</a:t>
+              </a:r>
+              <a:endParaRPr lang="fr-FR" dirty="0"/>
+            </a:p>
+            <a:p>
+              <a:r>
+                <a:rPr lang="fr-FR" dirty="0"/>
+                <a:t>(matrice des comptages bruts G x C)</a:t>
+              </a:r>
+            </a:p>
+          </p:txBody>
+        </p:sp>
+        <p:cxnSp>
+          <p:nvCxnSpPr>
+            <p:cNvPr id="27" name="Connecteur droit avec flèche 26">
+              <a:extLst>
+                <a:ext uri="{FF2B5EF4-FFF2-40B4-BE49-F238E27FC236}">
+                  <a16:creationId xmlns:a16="http://schemas.microsoft.com/office/drawing/2014/main" id="{34ABC92C-9612-5E5C-1C01-E2C9DBF2360E}"/>
+                </a:ext>
+              </a:extLst>
+            </p:cNvPr>
+            <p:cNvCxnSpPr>
+              <a:cxnSpLocks/>
+              <a:stCxn id="23" idx="2"/>
+              <a:endCxn id="26" idx="0"/>
+            </p:cNvCxnSpPr>
+            <p:nvPr/>
+          </p:nvCxnSpPr>
+          <p:spPr>
+            <a:xfrm>
+              <a:off x="4249952" y="3502428"/>
+              <a:ext cx="0" cy="1246358"/>
+            </a:xfrm>
+            <a:prstGeom prst="straightConnector1">
+              <a:avLst/>
+            </a:prstGeom>
+            <a:ln>
+              <a:tailEnd type="triangle"/>
+            </a:ln>
+          </p:spPr>
+          <p:style>
+            <a:lnRef idx="2">
+              <a:schemeClr val="accent1"/>
+            </a:lnRef>
+            <a:fillRef idx="0">
+              <a:schemeClr val="accent1"/>
+            </a:fillRef>
+            <a:effectRef idx="1">
+              <a:schemeClr val="accent1"/>
+            </a:effectRef>
+            <a:fontRef idx="minor">
+              <a:schemeClr val="tx1"/>
+            </a:fontRef>
+          </p:style>
+        </p:cxnSp>
+        <p:sp>
+          <p:nvSpPr>
+            <p:cNvPr id="28" name="ZoneTexte 27">
+              <a:extLst>
+                <a:ext uri="{FF2B5EF4-FFF2-40B4-BE49-F238E27FC236}">
+                  <a16:creationId xmlns:a16="http://schemas.microsoft.com/office/drawing/2014/main" id="{02D68231-E390-9561-2051-20A700FEA9AA}"/>
+                </a:ext>
+              </a:extLst>
+            </p:cNvPr>
+            <p:cNvSpPr txBox="1"/>
+            <p:nvPr/>
+          </p:nvSpPr>
+          <p:spPr>
+            <a:xfrm>
+              <a:off x="3873710" y="3936024"/>
+              <a:ext cx="585787" cy="369332"/>
+            </a:xfrm>
+            <a:prstGeom prst="rect">
+              <a:avLst/>
+            </a:prstGeom>
+            <a:noFill/>
+          </p:spPr>
+          <p:txBody>
+            <a:bodyPr wrap="square" rtlCol="0">
+              <a:spAutoFit/>
+            </a:bodyPr>
+            <a:lstStyle/>
+            <a:p>
+              <a:r>
+                <a:rPr lang="fr-FR" dirty="0"/>
+                <a:t>$</a:t>
+              </a:r>
+            </a:p>
+          </p:txBody>
+        </p:sp>
+        <p:sp>
+          <p:nvSpPr>
+            <p:cNvPr id="29" name="ZoneTexte 28">
+              <a:extLst>
+                <a:ext uri="{FF2B5EF4-FFF2-40B4-BE49-F238E27FC236}">
+                  <a16:creationId xmlns:a16="http://schemas.microsoft.com/office/drawing/2014/main" id="{FEB33EA1-7B49-C7C5-3794-C8AE86F8F64A}"/>
+                </a:ext>
+              </a:extLst>
+            </p:cNvPr>
+            <p:cNvSpPr txBox="1"/>
+            <p:nvPr/>
+          </p:nvSpPr>
+          <p:spPr>
+            <a:xfrm>
+              <a:off x="5557256" y="3507268"/>
+              <a:ext cx="2171701" cy="923330"/>
+            </a:xfrm>
+            <a:prstGeom prst="rect">
+              <a:avLst/>
+            </a:prstGeom>
+            <a:solidFill>
+              <a:schemeClr val="accent3">
+                <a:lumMod val="20000"/>
+                <a:lumOff val="80000"/>
+              </a:schemeClr>
+            </a:solidFill>
+            <a:ln w="25400">
+              <a:solidFill>
+                <a:schemeClr val="accent1"/>
+              </a:solidFill>
+            </a:ln>
+          </p:spPr>
+          <p:txBody>
+            <a:bodyPr wrap="square" rtlCol="0">
+              <a:spAutoFit/>
+            </a:bodyPr>
+            <a:lstStyle/>
+            <a:p>
+              <a:pPr marL="285750" indent="-285750">
+                <a:buFont typeface="Arial" panose="020B0604020202020204" pitchFamily="34" charset="0"/>
+                <a:buChar char="•"/>
+              </a:pPr>
+              <a:r>
+                <a:rPr lang="fr-FR" dirty="0" err="1"/>
+                <a:t>orig.ident</a:t>
+              </a:r>
+              <a:endParaRPr lang="fr-FR" dirty="0"/>
+            </a:p>
+            <a:p>
+              <a:pPr marL="285750" indent="-285750">
+                <a:buFont typeface="Arial" panose="020B0604020202020204" pitchFamily="34" charset="0"/>
+                <a:buChar char="•"/>
+              </a:pPr>
+              <a:r>
+                <a:rPr lang="fr-FR" dirty="0" err="1"/>
+                <a:t>nCount_RNA</a:t>
+              </a:r>
+              <a:endParaRPr lang="fr-FR" dirty="0"/>
+            </a:p>
+            <a:p>
+              <a:pPr marL="285750" indent="-285750">
+                <a:buFont typeface="Arial" panose="020B0604020202020204" pitchFamily="34" charset="0"/>
+                <a:buChar char="•"/>
+              </a:pPr>
+              <a:r>
+                <a:rPr lang="fr-FR" dirty="0" err="1"/>
+                <a:t>nFeatures_RNA</a:t>
+              </a:r>
+              <a:endParaRPr lang="fr-FR" dirty="0"/>
+            </a:p>
+          </p:txBody>
+        </p:sp>
+        <p:cxnSp>
+          <p:nvCxnSpPr>
+            <p:cNvPr id="30" name="Connecteur droit avec flèche 29">
+              <a:extLst>
+                <a:ext uri="{FF2B5EF4-FFF2-40B4-BE49-F238E27FC236}">
+                  <a16:creationId xmlns:a16="http://schemas.microsoft.com/office/drawing/2014/main" id="{05A16931-F0B2-7C7B-1C61-C223AFF55EFB}"/>
+                </a:ext>
+              </a:extLst>
+            </p:cNvPr>
+            <p:cNvCxnSpPr>
+              <a:stCxn id="19" idx="2"/>
+              <a:endCxn id="29" idx="0"/>
+            </p:cNvCxnSpPr>
+            <p:nvPr/>
+          </p:nvCxnSpPr>
+          <p:spPr>
+            <a:xfrm>
+              <a:off x="6643101" y="2865914"/>
+              <a:ext cx="6" cy="641354"/>
+            </a:xfrm>
+            <a:prstGeom prst="straightConnector1">
+              <a:avLst/>
+            </a:prstGeom>
+            <a:ln>
+              <a:tailEnd type="triangle"/>
+            </a:ln>
+          </p:spPr>
+          <p:style>
+            <a:lnRef idx="2">
+              <a:schemeClr val="accent1"/>
+            </a:lnRef>
+            <a:fillRef idx="0">
+              <a:schemeClr val="accent1"/>
+            </a:fillRef>
+            <a:effectRef idx="1">
+              <a:schemeClr val="accent1"/>
+            </a:effectRef>
+            <a:fontRef idx="minor">
+              <a:schemeClr val="tx1"/>
+            </a:fontRef>
+          </p:style>
+        </p:cxnSp>
+        <p:sp>
+          <p:nvSpPr>
+            <p:cNvPr id="31" name="ZoneTexte 30">
+              <a:extLst>
+                <a:ext uri="{FF2B5EF4-FFF2-40B4-BE49-F238E27FC236}">
+                  <a16:creationId xmlns:a16="http://schemas.microsoft.com/office/drawing/2014/main" id="{61D55EE4-C98B-2ED2-99D0-6F049C3BB134}"/>
+                </a:ext>
+              </a:extLst>
+            </p:cNvPr>
+            <p:cNvSpPr txBox="1"/>
+            <p:nvPr/>
+          </p:nvSpPr>
+          <p:spPr>
+            <a:xfrm>
+              <a:off x="6245448" y="3007339"/>
+              <a:ext cx="585787" cy="369332"/>
+            </a:xfrm>
+            <a:prstGeom prst="rect">
+              <a:avLst/>
+            </a:prstGeom>
+            <a:noFill/>
+          </p:spPr>
+          <p:txBody>
+            <a:bodyPr wrap="square" rtlCol="0">
+              <a:spAutoFit/>
+            </a:bodyPr>
+            <a:lstStyle/>
+            <a:p>
+              <a:r>
+                <a:rPr lang="fr-FR" dirty="0"/>
+                <a:t>$</a:t>
+              </a:r>
+            </a:p>
+          </p:txBody>
+        </p:sp>
+        <p:sp>
+          <p:nvSpPr>
+            <p:cNvPr id="32" name="ZoneTexte 31">
+              <a:extLst>
+                <a:ext uri="{FF2B5EF4-FFF2-40B4-BE49-F238E27FC236}">
+                  <a16:creationId xmlns:a16="http://schemas.microsoft.com/office/drawing/2014/main" id="{15F96F92-86DA-D6BE-A659-D3265DEC31ED}"/>
+                </a:ext>
+              </a:extLst>
+            </p:cNvPr>
+            <p:cNvSpPr txBox="1"/>
+            <p:nvPr/>
+          </p:nvSpPr>
+          <p:spPr>
+            <a:xfrm>
+              <a:off x="8315601" y="2217524"/>
+              <a:ext cx="1428750" cy="369332"/>
+            </a:xfrm>
+            <a:prstGeom prst="rect">
+              <a:avLst/>
+            </a:prstGeom>
+            <a:solidFill>
+              <a:schemeClr val="accent2">
+                <a:lumMod val="20000"/>
+                <a:lumOff val="80000"/>
+              </a:schemeClr>
+            </a:solidFill>
+            <a:ln w="25400">
+              <a:solidFill>
+                <a:schemeClr val="accent1"/>
+              </a:solidFill>
+            </a:ln>
+          </p:spPr>
+          <p:txBody>
+            <a:bodyPr wrap="square" rtlCol="0">
+              <a:spAutoFit/>
+            </a:bodyPr>
+            <a:lstStyle/>
+            <a:p>
+              <a:pPr algn="ctr"/>
+              <a:r>
+                <a:rPr lang="fr-FR" dirty="0"/>
+                <a:t>images</a:t>
+              </a:r>
+            </a:p>
+          </p:txBody>
+        </p:sp>
+        <p:cxnSp>
+          <p:nvCxnSpPr>
+            <p:cNvPr id="34" name="Connecteur en angle 33">
+              <a:extLst>
+                <a:ext uri="{FF2B5EF4-FFF2-40B4-BE49-F238E27FC236}">
+                  <a16:creationId xmlns:a16="http://schemas.microsoft.com/office/drawing/2014/main" id="{24A5DD3E-3E37-A734-D35A-20DAAAD0B890}"/>
+                </a:ext>
+              </a:extLst>
+            </p:cNvPr>
+            <p:cNvCxnSpPr>
+              <a:endCxn id="32" idx="0"/>
+            </p:cNvCxnSpPr>
+            <p:nvPr/>
+          </p:nvCxnSpPr>
+          <p:spPr>
+            <a:xfrm>
+              <a:off x="6643100" y="1625580"/>
+              <a:ext cx="2386876" cy="591944"/>
+            </a:xfrm>
+            <a:prstGeom prst="bentConnector2">
+              <a:avLst/>
+            </a:prstGeom>
+            <a:ln>
+              <a:tailEnd type="triangle"/>
+            </a:ln>
+          </p:spPr>
+          <p:style>
+            <a:lnRef idx="2">
+              <a:schemeClr val="accent1"/>
+            </a:lnRef>
+            <a:fillRef idx="0">
+              <a:schemeClr val="accent1"/>
+            </a:fillRef>
+            <a:effectRef idx="1">
+              <a:schemeClr val="accent1"/>
+            </a:effectRef>
+            <a:fontRef idx="minor">
+              <a:schemeClr val="tx1"/>
+            </a:fontRef>
+          </p:style>
+        </p:cxnSp>
+        <p:sp>
+          <p:nvSpPr>
+            <p:cNvPr id="37" name="ZoneTexte 36">
+              <a:extLst>
+                <a:ext uri="{FF2B5EF4-FFF2-40B4-BE49-F238E27FC236}">
+                  <a16:creationId xmlns:a16="http://schemas.microsoft.com/office/drawing/2014/main" id="{648D456D-2B35-F046-36FA-6351A94EA0BF}"/>
+                </a:ext>
+              </a:extLst>
+            </p:cNvPr>
+            <p:cNvSpPr txBox="1"/>
+            <p:nvPr/>
+          </p:nvSpPr>
+          <p:spPr>
+            <a:xfrm>
+              <a:off x="8309984" y="2949146"/>
+              <a:ext cx="1428750" cy="369332"/>
+            </a:xfrm>
+            <a:prstGeom prst="rect">
+              <a:avLst/>
+            </a:prstGeom>
+            <a:solidFill>
+              <a:schemeClr val="accent3">
+                <a:lumMod val="20000"/>
+                <a:lumOff val="80000"/>
+              </a:schemeClr>
+            </a:solidFill>
+            <a:ln w="25400">
+              <a:solidFill>
+                <a:schemeClr val="accent1"/>
+              </a:solidFill>
+            </a:ln>
+          </p:spPr>
+          <p:txBody>
+            <a:bodyPr wrap="square" rtlCol="0">
+              <a:spAutoFit/>
+            </a:bodyPr>
+            <a:lstStyle/>
+            <a:p>
+              <a:pPr algn="ctr"/>
+              <a:r>
+                <a:rPr lang="fr-FR" dirty="0"/>
+                <a:t>……..</a:t>
+              </a:r>
+            </a:p>
+          </p:txBody>
+        </p:sp>
+        <p:sp>
+          <p:nvSpPr>
+            <p:cNvPr id="39" name="ZoneTexte 38">
+              <a:extLst>
+                <a:ext uri="{FF2B5EF4-FFF2-40B4-BE49-F238E27FC236}">
+                  <a16:creationId xmlns:a16="http://schemas.microsoft.com/office/drawing/2014/main" id="{D28C5D65-4974-2670-BA37-E5C0A081BF51}"/>
+                </a:ext>
+              </a:extLst>
+            </p:cNvPr>
+            <p:cNvSpPr txBox="1"/>
+            <p:nvPr/>
+          </p:nvSpPr>
+          <p:spPr>
+            <a:xfrm>
+              <a:off x="8731464" y="3311436"/>
+              <a:ext cx="585787" cy="369332"/>
+            </a:xfrm>
+            <a:prstGeom prst="rect">
+              <a:avLst/>
+            </a:prstGeom>
+            <a:noFill/>
+          </p:spPr>
+          <p:txBody>
+            <a:bodyPr wrap="square" rtlCol="0">
+              <a:spAutoFit/>
+            </a:bodyPr>
+            <a:lstStyle/>
+            <a:p>
+              <a:r>
+                <a:rPr lang="fr-FR" dirty="0"/>
+                <a:t>$</a:t>
+              </a:r>
+            </a:p>
+          </p:txBody>
+        </p:sp>
+        <p:sp>
+          <p:nvSpPr>
+            <p:cNvPr id="40" name="ZoneTexte 39">
+              <a:extLst>
+                <a:ext uri="{FF2B5EF4-FFF2-40B4-BE49-F238E27FC236}">
+                  <a16:creationId xmlns:a16="http://schemas.microsoft.com/office/drawing/2014/main" id="{972CF200-CE3F-CC82-0D15-AB053BDBA06D}"/>
+                </a:ext>
+              </a:extLst>
+            </p:cNvPr>
+            <p:cNvSpPr txBox="1"/>
+            <p:nvPr/>
+          </p:nvSpPr>
+          <p:spPr>
+            <a:xfrm>
+              <a:off x="8330058" y="3672986"/>
+              <a:ext cx="1428750" cy="369332"/>
+            </a:xfrm>
+            <a:prstGeom prst="rect">
+              <a:avLst/>
+            </a:prstGeom>
+            <a:solidFill>
+              <a:schemeClr val="accent3">
+                <a:lumMod val="20000"/>
+                <a:lumOff val="80000"/>
+              </a:schemeClr>
+            </a:solidFill>
+            <a:ln w="25400">
+              <a:solidFill>
+                <a:schemeClr val="accent1"/>
+              </a:solidFill>
+            </a:ln>
+          </p:spPr>
+          <p:txBody>
+            <a:bodyPr wrap="square" rtlCol="0">
+              <a:spAutoFit/>
+            </a:bodyPr>
+            <a:lstStyle/>
+            <a:p>
+              <a:pPr algn="ctr"/>
+              <a:r>
+                <a:rPr lang="fr-FR" dirty="0" err="1"/>
+                <a:t>centroids</a:t>
+              </a:r>
+              <a:endParaRPr lang="fr-FR" dirty="0"/>
+            </a:p>
+          </p:txBody>
+        </p:sp>
+        <p:cxnSp>
+          <p:nvCxnSpPr>
+            <p:cNvPr id="41" name="Connecteur droit avec flèche 40">
+              <a:extLst>
+                <a:ext uri="{FF2B5EF4-FFF2-40B4-BE49-F238E27FC236}">
+                  <a16:creationId xmlns:a16="http://schemas.microsoft.com/office/drawing/2014/main" id="{72BCF2AA-3EC6-601B-01FC-E17A0C635F42}"/>
+                </a:ext>
+              </a:extLst>
+            </p:cNvPr>
+            <p:cNvCxnSpPr/>
+            <p:nvPr/>
+          </p:nvCxnSpPr>
+          <p:spPr>
+            <a:xfrm>
+              <a:off x="9052666" y="4023702"/>
+              <a:ext cx="6" cy="641354"/>
+            </a:xfrm>
+            <a:prstGeom prst="straightConnector1">
+              <a:avLst/>
+            </a:prstGeom>
+            <a:ln>
+              <a:tailEnd type="triangle"/>
+            </a:ln>
+          </p:spPr>
+          <p:style>
+            <a:lnRef idx="2">
+              <a:schemeClr val="accent1"/>
+            </a:lnRef>
+            <a:fillRef idx="0">
+              <a:schemeClr val="accent1"/>
+            </a:fillRef>
+            <a:effectRef idx="1">
+              <a:schemeClr val="accent1"/>
+            </a:effectRef>
+            <a:fontRef idx="minor">
+              <a:schemeClr val="tx1"/>
+            </a:fontRef>
+          </p:style>
+        </p:cxnSp>
+        <mc:AlternateContent xmlns:mc="http://schemas.openxmlformats.org/markup-compatibility/2006">
+          <mc:Choice xmlns:a14="http://schemas.microsoft.com/office/drawing/2010/main" Requires="a14">
+            <p:sp>
+              <p:nvSpPr>
+                <p:cNvPr id="43" name="ZoneTexte 42">
+                  <a:extLst>
+                    <a:ext uri="{FF2B5EF4-FFF2-40B4-BE49-F238E27FC236}">
+                      <a16:creationId xmlns:a16="http://schemas.microsoft.com/office/drawing/2014/main" id="{6960503B-FEA4-1B0D-B003-15E3582C60E1}"/>
+                    </a:ext>
+                  </a:extLst>
+                </p:cNvPr>
+                <p:cNvSpPr txBox="1"/>
+                <p:nvPr/>
+              </p:nvSpPr>
+              <p:spPr>
+                <a:xfrm>
+                  <a:off x="8449703" y="4131844"/>
+                  <a:ext cx="879740" cy="369332"/>
+                </a:xfrm>
+                <a:prstGeom prst="rect">
+                  <a:avLst/>
+                </a:prstGeom>
+                <a:noFill/>
+              </p:spPr>
+              <p:txBody>
+                <a:bodyPr wrap="square" rtlCol="0">
+                  <a:spAutoFit/>
+                </a:bodyPr>
+                <a:lstStyle/>
+                <a:p>
+                  <a:pPr/>
+                  <a14:m>
+                    <m:oMathPara xmlns:m="http://schemas.openxmlformats.org/officeDocument/2006/math">
+                      <m:oMathParaPr>
+                        <m:jc m:val="centerGroup"/>
+                      </m:oMathParaPr>
+                      <m:oMath xmlns:m="http://schemas.openxmlformats.org/officeDocument/2006/math">
+                        <m:r>
+                          <a:rPr lang="fr-FR" b="0" i="1" smtClean="0">
+                            <a:latin typeface="Cambria Math" panose="02040503050406030204" pitchFamily="18" charset="0"/>
+                          </a:rPr>
+                          <m:t>@</m:t>
+                        </m:r>
+                      </m:oMath>
+                    </m:oMathPara>
+                  </a14:m>
+                  <a:endParaRPr lang="fr-FR" dirty="0"/>
+                </a:p>
+              </p:txBody>
+            </p:sp>
+          </mc:Choice>
+          <mc:Fallback>
+            <p:sp>
+              <p:nvSpPr>
+                <p:cNvPr id="43" name="ZoneTexte 42">
+                  <a:extLst>
+                    <a:ext uri="{FF2B5EF4-FFF2-40B4-BE49-F238E27FC236}">
+                      <a16:creationId xmlns:a16="http://schemas.microsoft.com/office/drawing/2014/main" id="{6960503B-FEA4-1B0D-B003-15E3582C60E1}"/>
+                    </a:ext>
+                  </a:extLst>
+                </p:cNvPr>
+                <p:cNvSpPr txBox="1">
+                  <a:spLocks noRot="1" noChangeAspect="1" noMove="1" noResize="1" noEditPoints="1" noAdjustHandles="1" noChangeArrowheads="1" noChangeShapeType="1" noTextEdit="1"/>
+                </p:cNvSpPr>
+                <p:nvPr/>
+              </p:nvSpPr>
+              <p:spPr>
+                <a:xfrm>
+                  <a:off x="8449703" y="4131844"/>
+                  <a:ext cx="879740" cy="369332"/>
+                </a:xfrm>
+                <a:prstGeom prst="rect">
+                  <a:avLst/>
+                </a:prstGeom>
+                <a:blipFill>
+                  <a:blip r:embed="rId3"/>
+                  <a:stretch>
+                    <a:fillRect/>
+                  </a:stretch>
+                </a:blipFill>
+              </p:spPr>
+              <p:txBody>
+                <a:bodyPr/>
+                <a:lstStyle/>
+                <a:p>
+                  <a:r>
+                    <a:rPr lang="fr-FR">
+                      <a:noFill/>
+                    </a:rPr>
+                    <a:t> </a:t>
+                  </a:r>
+                </a:p>
+              </p:txBody>
+            </p:sp>
+          </mc:Fallback>
+        </mc:AlternateContent>
+        <p:sp>
+          <p:nvSpPr>
+            <p:cNvPr id="44" name="ZoneTexte 43">
+              <a:extLst>
+                <a:ext uri="{FF2B5EF4-FFF2-40B4-BE49-F238E27FC236}">
+                  <a16:creationId xmlns:a16="http://schemas.microsoft.com/office/drawing/2014/main" id="{E39297DF-C4E0-0961-3AB0-596ABEB0289D}"/>
+                </a:ext>
+              </a:extLst>
+            </p:cNvPr>
+            <p:cNvSpPr txBox="1"/>
+            <p:nvPr/>
+          </p:nvSpPr>
+          <p:spPr>
+            <a:xfrm>
+              <a:off x="7967983" y="4676655"/>
+              <a:ext cx="2171701" cy="923330"/>
+            </a:xfrm>
+            <a:prstGeom prst="rect">
+              <a:avLst/>
+            </a:prstGeom>
+            <a:solidFill>
+              <a:schemeClr val="accent3">
+                <a:lumMod val="20000"/>
+                <a:lumOff val="80000"/>
+              </a:schemeClr>
+            </a:solidFill>
+            <a:ln w="25400">
+              <a:solidFill>
+                <a:schemeClr val="accent1"/>
+              </a:solidFill>
+            </a:ln>
+          </p:spPr>
+          <p:txBody>
+            <a:bodyPr wrap="square" rtlCol="0">
+              <a:spAutoFit/>
+            </a:bodyPr>
+            <a:lstStyle/>
+            <a:p>
+              <a:pPr marL="285750" indent="-285750">
+                <a:buFont typeface="Arial" panose="020B0604020202020204" pitchFamily="34" charset="0"/>
+                <a:buChar char="•"/>
+              </a:pPr>
+              <a:r>
+                <a:rPr lang="fr-FR" dirty="0" err="1"/>
+                <a:t>coords</a:t>
+              </a:r>
+              <a:endParaRPr lang="fr-FR" dirty="0"/>
+            </a:p>
+            <a:p>
+              <a:pPr marL="285750" indent="-285750">
+                <a:buFont typeface="Arial" panose="020B0604020202020204" pitchFamily="34" charset="0"/>
+                <a:buChar char="•"/>
+              </a:pPr>
+              <a:r>
+                <a:rPr lang="fr-FR" dirty="0" err="1"/>
+                <a:t>bbox</a:t>
+              </a:r>
+              <a:endParaRPr lang="fr-FR" dirty="0"/>
+            </a:p>
+            <a:p>
+              <a:pPr marL="285750" indent="-285750">
+                <a:buFont typeface="Arial" panose="020B0604020202020204" pitchFamily="34" charset="0"/>
+                <a:buChar char="•"/>
+              </a:pPr>
+              <a:r>
+                <a:rPr lang="fr-FR" dirty="0"/>
+                <a:t>…..</a:t>
+              </a:r>
+            </a:p>
+          </p:txBody>
+        </p:sp>
+        <p:cxnSp>
+          <p:nvCxnSpPr>
+            <p:cNvPr id="56" name="Connecteur droit avec flèche 55">
+              <a:extLst>
+                <a:ext uri="{FF2B5EF4-FFF2-40B4-BE49-F238E27FC236}">
+                  <a16:creationId xmlns:a16="http://schemas.microsoft.com/office/drawing/2014/main" id="{F254D900-C35A-F33D-C15E-D10473246468}"/>
+                </a:ext>
+              </a:extLst>
+            </p:cNvPr>
+            <p:cNvCxnSpPr>
+              <a:stCxn id="17" idx="2"/>
+              <a:endCxn id="19" idx="0"/>
+            </p:cNvCxnSpPr>
+            <p:nvPr/>
+          </p:nvCxnSpPr>
+          <p:spPr>
+            <a:xfrm flipH="1">
+              <a:off x="6643101" y="1120626"/>
+              <a:ext cx="288" cy="1098957"/>
+            </a:xfrm>
+            <a:prstGeom prst="straightConnector1">
+              <a:avLst/>
+            </a:prstGeom>
+            <a:ln>
+              <a:tailEnd type="triangle"/>
+            </a:ln>
+          </p:spPr>
+          <p:style>
+            <a:lnRef idx="2">
+              <a:schemeClr val="accent1"/>
+            </a:lnRef>
+            <a:fillRef idx="0">
+              <a:schemeClr val="accent1"/>
+            </a:fillRef>
+            <a:effectRef idx="1">
+              <a:schemeClr val="accent1"/>
+            </a:effectRef>
+            <a:fontRef idx="minor">
+              <a:schemeClr val="tx1"/>
+            </a:fontRef>
+          </p:style>
+        </p:cxnSp>
+        <p:cxnSp>
+          <p:nvCxnSpPr>
+            <p:cNvPr id="63" name="Connecteur droit avec flèche 62">
+              <a:extLst>
+                <a:ext uri="{FF2B5EF4-FFF2-40B4-BE49-F238E27FC236}">
+                  <a16:creationId xmlns:a16="http://schemas.microsoft.com/office/drawing/2014/main" id="{470C0F96-0C88-D506-5874-2DB6B5B0E24F}"/>
+                </a:ext>
+              </a:extLst>
+            </p:cNvPr>
+            <p:cNvCxnSpPr>
+              <a:stCxn id="32" idx="2"/>
+              <a:endCxn id="37" idx="0"/>
+            </p:cNvCxnSpPr>
+            <p:nvPr/>
+          </p:nvCxnSpPr>
+          <p:spPr>
+            <a:xfrm flipH="1">
+              <a:off x="9024359" y="2586856"/>
+              <a:ext cx="5617" cy="362290"/>
+            </a:xfrm>
+            <a:prstGeom prst="straightConnector1">
+              <a:avLst/>
+            </a:prstGeom>
+            <a:ln>
+              <a:tailEnd type="triangle"/>
+            </a:ln>
+          </p:spPr>
+          <p:style>
+            <a:lnRef idx="2">
+              <a:schemeClr val="accent1"/>
+            </a:lnRef>
+            <a:fillRef idx="0">
+              <a:schemeClr val="accent1"/>
+            </a:fillRef>
+            <a:effectRef idx="1">
+              <a:schemeClr val="accent1"/>
+            </a:effectRef>
+            <a:fontRef idx="minor">
+              <a:schemeClr val="tx1"/>
+            </a:fontRef>
+          </p:style>
+        </p:cxnSp>
+        <p:sp>
+          <p:nvSpPr>
+            <p:cNvPr id="64" name="ZoneTexte 63">
+              <a:extLst>
+                <a:ext uri="{FF2B5EF4-FFF2-40B4-BE49-F238E27FC236}">
+                  <a16:creationId xmlns:a16="http://schemas.microsoft.com/office/drawing/2014/main" id="{431674FC-54BC-6A0F-63E6-4DCB6491E319}"/>
+                </a:ext>
+              </a:extLst>
+            </p:cNvPr>
+            <p:cNvSpPr txBox="1"/>
+            <p:nvPr/>
+          </p:nvSpPr>
+          <p:spPr>
+            <a:xfrm>
+              <a:off x="8731465" y="2579814"/>
+              <a:ext cx="585787" cy="369332"/>
+            </a:xfrm>
+            <a:prstGeom prst="rect">
+              <a:avLst/>
+            </a:prstGeom>
+            <a:noFill/>
+          </p:spPr>
+          <p:txBody>
+            <a:bodyPr wrap="square" rtlCol="0">
+              <a:spAutoFit/>
+            </a:bodyPr>
+            <a:lstStyle/>
+            <a:p>
+              <a:r>
+                <a:rPr lang="fr-FR" dirty="0"/>
+                <a:t>$</a:t>
+              </a:r>
+            </a:p>
+          </p:txBody>
+        </p:sp>
+        <p:cxnSp>
+          <p:nvCxnSpPr>
+            <p:cNvPr id="67" name="Connecteur droit avec flèche 66">
+              <a:extLst>
+                <a:ext uri="{FF2B5EF4-FFF2-40B4-BE49-F238E27FC236}">
+                  <a16:creationId xmlns:a16="http://schemas.microsoft.com/office/drawing/2014/main" id="{89032D20-A631-5680-D69F-841F6E720CC7}"/>
+                </a:ext>
+              </a:extLst>
+            </p:cNvPr>
+            <p:cNvCxnSpPr>
+              <a:stCxn id="39" idx="0"/>
+              <a:endCxn id="39" idx="2"/>
+            </p:cNvCxnSpPr>
+            <p:nvPr/>
+          </p:nvCxnSpPr>
+          <p:spPr>
+            <a:xfrm>
+              <a:off x="9024358" y="3311436"/>
+              <a:ext cx="0" cy="369332"/>
+            </a:xfrm>
+            <a:prstGeom prst="straightConnector1">
+              <a:avLst/>
+            </a:prstGeom>
+            <a:ln>
+              <a:tailEnd type="triangle"/>
+            </a:ln>
+          </p:spPr>
+          <p:style>
+            <a:lnRef idx="2">
+              <a:schemeClr val="accent1"/>
+            </a:lnRef>
+            <a:fillRef idx="0">
+              <a:schemeClr val="accent1"/>
+            </a:fillRef>
+            <a:effectRef idx="1">
+              <a:schemeClr val="accent1"/>
+            </a:effectRef>
+            <a:fontRef idx="minor">
+              <a:schemeClr val="tx1"/>
+            </a:fontRef>
+          </p:style>
+        </p:cxnSp>
+      </p:grpSp>
+    </p:spTree>
+    <p:extLst>
+      <p:ext uri="{BB962C8B-B14F-4D97-AF65-F5344CB8AC3E}">
+        <p14:creationId xmlns:p14="http://schemas.microsoft.com/office/powerpoint/2010/main" val="3278621036"/>
+      </p:ext>
+    </p:extLst>
+  </p:cSld>
+  <p:clrMapOvr>
+    <a:masterClrMapping/>
+  </p:clrMapOvr>
+</p:sld>
+</file>
+
 <file path=ppt/slides/slide2.xml><?xml version="1.0" encoding="utf-8"?>
 <p:sld xmlns:a="http://schemas.openxmlformats.org/drawingml/2006/main" xmlns:r="http://schemas.openxmlformats.org/officeDocument/2006/relationships" xmlns:p="http://schemas.openxmlformats.org/presentationml/2006/main">
   <p:cSld>

--- a/Cours/images/Sources_schemes.pptx
+++ b/Cours/images/Sources_schemes.pptx
@@ -16,6 +16,8 @@
     <p:sldId id="264" r:id="rId10"/>
     <p:sldId id="265" r:id="rId11"/>
     <p:sldId id="266" r:id="rId12"/>
+    <p:sldId id="267" r:id="rId13"/>
+    <p:sldId id="268" r:id="rId14"/>
   </p:sldIdLst>
   <p:sldSz cx="12192000" cy="6858000"/>
   <p:notesSz cx="6858000" cy="9144000"/>
@@ -3525,1493 +3527,1472 @@
           <a:chExt cx="0" cy="0"/>
         </a:xfrm>
       </p:grpSpPr>
-      <p:grpSp>
-        <p:nvGrpSpPr>
-          <p:cNvPr id="4" name="Groupe 3">
+      <p:sp>
+        <p:nvSpPr>
+          <p:cNvPr id="5" name="ZoneTexte 4">
             <a:extLst>
               <a:ext uri="{FF2B5EF4-FFF2-40B4-BE49-F238E27FC236}">
-                <a16:creationId xmlns:a16="http://schemas.microsoft.com/office/drawing/2014/main" id="{87E251D7-8578-DCC5-8237-52DFB9AF5813}"/>
+                <a16:creationId xmlns:a16="http://schemas.microsoft.com/office/drawing/2014/main" id="{A810B610-AA97-AE37-37BB-4E89E8A2DCF1}"/>
               </a:ext>
             </a:extLst>
           </p:cNvPr>
-          <p:cNvGrpSpPr/>
+          <p:cNvSpPr txBox="1"/>
           <p:nvPr/>
-        </p:nvGrpSpPr>
-        <p:grpSpPr>
+        </p:nvSpPr>
+        <p:spPr>
           <a:xfrm>
-            <a:off x="221467" y="328362"/>
-            <a:ext cx="11694270" cy="6201275"/>
-            <a:chOff x="221467" y="328362"/>
-            <a:chExt cx="11694270" cy="6201275"/>
+            <a:off x="2952761" y="328362"/>
+            <a:ext cx="1585913" cy="369332"/>
           </a:xfrm>
-        </p:grpSpPr>
-        <p:sp>
-          <p:nvSpPr>
-            <p:cNvPr id="5" name="ZoneTexte 4">
-              <a:extLst>
-                <a:ext uri="{FF2B5EF4-FFF2-40B4-BE49-F238E27FC236}">
-                  <a16:creationId xmlns:a16="http://schemas.microsoft.com/office/drawing/2014/main" id="{A810B610-AA97-AE37-37BB-4E89E8A2DCF1}"/>
-                </a:ext>
-              </a:extLst>
-            </p:cNvPr>
-            <p:cNvSpPr txBox="1"/>
-            <p:nvPr/>
-          </p:nvSpPr>
-          <p:spPr>
-            <a:xfrm>
-              <a:off x="2952761" y="328362"/>
-              <a:ext cx="1585913" cy="369332"/>
-            </a:xfrm>
-            <a:prstGeom prst="rect">
-              <a:avLst/>
-            </a:prstGeom>
+          <a:prstGeom prst="rect">
+            <a:avLst/>
+          </a:prstGeom>
+          <a:solidFill>
+            <a:schemeClr val="tx2">
+              <a:lumMod val="10000"/>
+              <a:lumOff val="90000"/>
+            </a:schemeClr>
+          </a:solidFill>
+          <a:ln w="25400">
             <a:solidFill>
-              <a:schemeClr val="tx2">
-                <a:lumMod val="10000"/>
-                <a:lumOff val="90000"/>
-              </a:schemeClr>
+              <a:schemeClr val="accent1"/>
             </a:solidFill>
-            <a:ln w="25400">
-              <a:solidFill>
-                <a:schemeClr val="accent1"/>
-              </a:solidFill>
-            </a:ln>
-          </p:spPr>
-          <p:txBody>
-            <a:bodyPr wrap="square" rtlCol="0">
-              <a:spAutoFit/>
-            </a:bodyPr>
-            <a:lstStyle/>
-            <a:p>
-              <a:pPr algn="ctr"/>
-              <a:r>
-                <a:rPr lang="fr-FR" dirty="0"/>
-                <a:t>Seurat Object</a:t>
-              </a:r>
-            </a:p>
-          </p:txBody>
-        </p:sp>
-        <p:sp>
-          <p:nvSpPr>
-            <p:cNvPr id="6" name="ZoneTexte 5">
-              <a:extLst>
-                <a:ext uri="{FF2B5EF4-FFF2-40B4-BE49-F238E27FC236}">
-                  <a16:creationId xmlns:a16="http://schemas.microsoft.com/office/drawing/2014/main" id="{DBC6944C-23CB-5920-A2E5-0489CCDA423C}"/>
-                </a:ext>
-              </a:extLst>
-            </p:cNvPr>
-            <p:cNvSpPr txBox="1"/>
-            <p:nvPr/>
-          </p:nvSpPr>
-          <p:spPr>
-            <a:xfrm>
-              <a:off x="1995495" y="1885700"/>
-              <a:ext cx="1428750" cy="369332"/>
-            </a:xfrm>
-            <a:prstGeom prst="rect">
-              <a:avLst/>
-            </a:prstGeom>
+          </a:ln>
+        </p:spPr>
+        <p:txBody>
+          <a:bodyPr wrap="square" rtlCol="0">
+            <a:spAutoFit/>
+          </a:bodyPr>
+          <a:lstStyle/>
+          <a:p>
+            <a:pPr algn="ctr"/>
+            <a:r>
+              <a:rPr lang="fr-FR" dirty="0"/>
+              <a:t>Seurat Object</a:t>
+            </a:r>
+          </a:p>
+        </p:txBody>
+      </p:sp>
+      <p:sp>
+        <p:nvSpPr>
+          <p:cNvPr id="6" name="ZoneTexte 5">
+            <a:extLst>
+              <a:ext uri="{FF2B5EF4-FFF2-40B4-BE49-F238E27FC236}">
+                <a16:creationId xmlns:a16="http://schemas.microsoft.com/office/drawing/2014/main" id="{DBC6944C-23CB-5920-A2E5-0489CCDA423C}"/>
+              </a:ext>
+            </a:extLst>
+          </p:cNvPr>
+          <p:cNvSpPr txBox="1"/>
+          <p:nvPr/>
+        </p:nvSpPr>
+        <p:spPr>
+          <a:xfrm>
+            <a:off x="1995495" y="1885700"/>
+            <a:ext cx="1428750" cy="369332"/>
+          </a:xfrm>
+          <a:prstGeom prst="rect">
+            <a:avLst/>
+          </a:prstGeom>
+          <a:solidFill>
+            <a:schemeClr val="accent2">
+              <a:lumMod val="20000"/>
+              <a:lumOff val="80000"/>
+            </a:schemeClr>
+          </a:solidFill>
+          <a:ln w="25400">
             <a:solidFill>
-              <a:schemeClr val="accent2">
-                <a:lumMod val="20000"/>
-                <a:lumOff val="80000"/>
-              </a:schemeClr>
+              <a:schemeClr val="accent1"/>
             </a:solidFill>
-            <a:ln w="25400">
-              <a:solidFill>
-                <a:schemeClr val="accent1"/>
-              </a:solidFill>
-            </a:ln>
-          </p:spPr>
-          <p:txBody>
-            <a:bodyPr wrap="square" rtlCol="0">
-              <a:spAutoFit/>
-            </a:bodyPr>
-            <a:lstStyle/>
-            <a:p>
-              <a:pPr algn="ctr"/>
-              <a:r>
-                <a:rPr lang="fr-FR" dirty="0" err="1"/>
-                <a:t>assays</a:t>
-              </a:r>
-              <a:endParaRPr lang="fr-FR" dirty="0"/>
-            </a:p>
-          </p:txBody>
-        </p:sp>
-        <p:sp>
-          <p:nvSpPr>
-            <p:cNvPr id="7" name="ZoneTexte 6">
-              <a:extLst>
-                <a:ext uri="{FF2B5EF4-FFF2-40B4-BE49-F238E27FC236}">
-                  <a16:creationId xmlns:a16="http://schemas.microsoft.com/office/drawing/2014/main" id="{87E68EBE-F5A0-5ACE-00FE-DA10300BAA50}"/>
-                </a:ext>
-              </a:extLst>
-            </p:cNvPr>
-            <p:cNvSpPr txBox="1"/>
-            <p:nvPr/>
-          </p:nvSpPr>
-          <p:spPr>
-            <a:xfrm>
-              <a:off x="3838577" y="1885700"/>
-              <a:ext cx="2528883" cy="646331"/>
-            </a:xfrm>
-            <a:prstGeom prst="rect">
-              <a:avLst/>
-            </a:prstGeom>
+          </a:ln>
+        </p:spPr>
+        <p:txBody>
+          <a:bodyPr wrap="square" rtlCol="0">
+            <a:spAutoFit/>
+          </a:bodyPr>
+          <a:lstStyle/>
+          <a:p>
+            <a:pPr algn="ctr"/>
+            <a:r>
+              <a:rPr lang="fr-FR" dirty="0" err="1"/>
+              <a:t>assays</a:t>
+            </a:r>
+            <a:endParaRPr lang="fr-FR" dirty="0"/>
+          </a:p>
+        </p:txBody>
+      </p:sp>
+      <p:sp>
+        <p:nvSpPr>
+          <p:cNvPr id="7" name="ZoneTexte 6">
+            <a:extLst>
+              <a:ext uri="{FF2B5EF4-FFF2-40B4-BE49-F238E27FC236}">
+                <a16:creationId xmlns:a16="http://schemas.microsoft.com/office/drawing/2014/main" id="{87E68EBE-F5A0-5ACE-00FE-DA10300BAA50}"/>
+              </a:ext>
+            </a:extLst>
+          </p:cNvPr>
+          <p:cNvSpPr txBox="1"/>
+          <p:nvPr/>
+        </p:nvSpPr>
+        <p:spPr>
+          <a:xfrm>
+            <a:off x="3838577" y="1885700"/>
+            <a:ext cx="2528883" cy="646331"/>
+          </a:xfrm>
+          <a:prstGeom prst="rect">
+            <a:avLst/>
+          </a:prstGeom>
+          <a:solidFill>
+            <a:schemeClr val="accent2">
+              <a:lumMod val="20000"/>
+              <a:lumOff val="80000"/>
+            </a:schemeClr>
+          </a:solidFill>
+          <a:ln w="25400">
             <a:solidFill>
-              <a:schemeClr val="accent2">
-                <a:lumMod val="20000"/>
-                <a:lumOff val="80000"/>
-              </a:schemeClr>
+              <a:schemeClr val="accent1"/>
             </a:solidFill>
-            <a:ln w="25400">
-              <a:solidFill>
-                <a:schemeClr val="accent1"/>
-              </a:solidFill>
-            </a:ln>
-          </p:spPr>
-          <p:txBody>
-            <a:bodyPr wrap="square" rtlCol="0">
-              <a:spAutoFit/>
-            </a:bodyPr>
-            <a:lstStyle/>
-            <a:p>
-              <a:pPr algn="ctr"/>
-              <a:r>
-                <a:rPr lang="fr-FR" dirty="0" err="1"/>
-                <a:t>meta.data</a:t>
-              </a:r>
-              <a:endParaRPr lang="fr-FR" dirty="0"/>
-            </a:p>
-            <a:p>
-              <a:pPr algn="ctr"/>
-              <a:r>
-                <a:rPr lang="fr-FR" dirty="0"/>
-                <a:t>(info sur les cellules)</a:t>
-              </a:r>
-            </a:p>
-          </p:txBody>
-        </p:sp>
-        <p:cxnSp>
-          <p:nvCxnSpPr>
-            <p:cNvPr id="8" name="Connecteur en angle 7">
-              <a:extLst>
-                <a:ext uri="{FF2B5EF4-FFF2-40B4-BE49-F238E27FC236}">
-                  <a16:creationId xmlns:a16="http://schemas.microsoft.com/office/drawing/2014/main" id="{86E76A9E-CD07-2A4B-C108-A2E5DC2CEA53}"/>
-                </a:ext>
-              </a:extLst>
-            </p:cNvPr>
-            <p:cNvCxnSpPr>
-              <a:stCxn id="5" idx="2"/>
-              <a:endCxn id="6" idx="0"/>
-            </p:cNvCxnSpPr>
-            <p:nvPr/>
-          </p:nvCxnSpPr>
-          <p:spPr>
-            <a:xfrm rot="5400000">
-              <a:off x="2633791" y="773773"/>
-              <a:ext cx="1188006" cy="1035848"/>
-            </a:xfrm>
-            <a:prstGeom prst="bentConnector3">
-              <a:avLst/>
-            </a:prstGeom>
-            <a:ln>
-              <a:tailEnd type="triangle"/>
-            </a:ln>
-          </p:spPr>
-          <p:style>
-            <a:lnRef idx="2">
-              <a:schemeClr val="accent1"/>
-            </a:lnRef>
-            <a:fillRef idx="0">
-              <a:schemeClr val="accent1"/>
-            </a:fillRef>
-            <a:effectRef idx="1">
-              <a:schemeClr val="accent1"/>
-            </a:effectRef>
-            <a:fontRef idx="minor">
-              <a:schemeClr val="tx1"/>
-            </a:fontRef>
-          </p:style>
-        </p:cxnSp>
-        <p:cxnSp>
-          <p:nvCxnSpPr>
-            <p:cNvPr id="9" name="Connecteur en angle 8">
-              <a:extLst>
-                <a:ext uri="{FF2B5EF4-FFF2-40B4-BE49-F238E27FC236}">
-                  <a16:creationId xmlns:a16="http://schemas.microsoft.com/office/drawing/2014/main" id="{E981FDC4-C321-CB2E-69C9-DD602EC9F284}"/>
-                </a:ext>
-              </a:extLst>
-            </p:cNvPr>
-            <p:cNvCxnSpPr>
-              <a:cxnSpLocks/>
-              <a:endCxn id="7" idx="0"/>
-            </p:cNvCxnSpPr>
-            <p:nvPr/>
-          </p:nvCxnSpPr>
-          <p:spPr>
-            <a:xfrm>
-              <a:off x="3502826" y="1291697"/>
-              <a:ext cx="1600193" cy="594003"/>
-            </a:xfrm>
-            <a:prstGeom prst="bentConnector2">
-              <a:avLst/>
-            </a:prstGeom>
-            <a:ln>
-              <a:tailEnd type="triangle"/>
-            </a:ln>
-          </p:spPr>
-          <p:style>
-            <a:lnRef idx="2">
-              <a:schemeClr val="accent1"/>
-            </a:lnRef>
-            <a:fillRef idx="0">
-              <a:schemeClr val="accent1"/>
-            </a:fillRef>
-            <a:effectRef idx="1">
-              <a:schemeClr val="accent1"/>
-            </a:effectRef>
-            <a:fontRef idx="minor">
-              <a:schemeClr val="tx1"/>
-            </a:fontRef>
-          </p:style>
-        </p:cxnSp>
-        <mc:AlternateContent xmlns:mc="http://schemas.openxmlformats.org/markup-compatibility/2006" xmlns:a14="http://schemas.microsoft.com/office/drawing/2010/main">
-          <mc:Choice Requires="a14">
-            <p:sp>
-              <p:nvSpPr>
-                <p:cNvPr id="10" name="ZoneTexte 9">
-                  <a:extLst>
-                    <a:ext uri="{FF2B5EF4-FFF2-40B4-BE49-F238E27FC236}">
-                      <a16:creationId xmlns:a16="http://schemas.microsoft.com/office/drawing/2014/main" id="{D074E619-7265-9F43-B3B0-030C3177BFA1}"/>
-                    </a:ext>
-                  </a:extLst>
-                </p:cNvPr>
-                <p:cNvSpPr txBox="1"/>
-                <p:nvPr/>
-              </p:nvSpPr>
-              <p:spPr>
-                <a:xfrm>
-                  <a:off x="3367101" y="809966"/>
-                  <a:ext cx="1243017" cy="369332"/>
-                </a:xfrm>
-                <a:prstGeom prst="rect">
-                  <a:avLst/>
-                </a:prstGeom>
-                <a:noFill/>
-              </p:spPr>
-              <p:txBody>
-                <a:bodyPr wrap="square" rtlCol="0">
-                  <a:spAutoFit/>
-                </a:bodyPr>
-                <a:lstStyle/>
-                <a:p>
-                  <a:pPr/>
-                  <a14:m>
-                    <m:oMathPara xmlns:m="http://schemas.openxmlformats.org/officeDocument/2006/math">
-                      <m:oMathParaPr>
-                        <m:jc m:val="centerGroup"/>
-                      </m:oMathParaPr>
-                      <m:oMath xmlns:m="http://schemas.openxmlformats.org/officeDocument/2006/math">
-                        <m:r>
-                          <a:rPr lang="fr-FR" b="0" i="1" smtClean="0">
-                            <a:latin typeface="Cambria Math" panose="02040503050406030204" pitchFamily="18" charset="0"/>
-                          </a:rPr>
-                          <m:t>@</m:t>
-                        </m:r>
-                      </m:oMath>
-                    </m:oMathPara>
-                  </a14:m>
-                  <a:endParaRPr lang="fr-FR" dirty="0"/>
-                </a:p>
-              </p:txBody>
-            </p:sp>
-          </mc:Choice>
-          <mc:Fallback xmlns="">
-            <p:sp>
-              <p:nvSpPr>
-                <p:cNvPr id="10" name="ZoneTexte 9">
-                  <a:extLst>
-                    <a:ext uri="{FF2B5EF4-FFF2-40B4-BE49-F238E27FC236}">
-                      <a16:creationId xmlns:a16="http://schemas.microsoft.com/office/drawing/2014/main" id="{8629F3EA-1517-C831-930B-D6A13606FF73}"/>
-                    </a:ext>
-                  </a:extLst>
-                </p:cNvPr>
-                <p:cNvSpPr txBox="1">
-                  <a:spLocks noRot="1" noChangeAspect="1" noMove="1" noResize="1" noEditPoints="1" noAdjustHandles="1" noChangeArrowheads="1" noChangeShapeType="1" noTextEdit="1"/>
-                </p:cNvSpPr>
-                <p:nvPr/>
-              </p:nvSpPr>
-              <p:spPr>
-                <a:xfrm>
-                  <a:off x="3367101" y="809966"/>
-                  <a:ext cx="1243017" cy="369332"/>
-                </a:xfrm>
-                <a:prstGeom prst="rect">
-                  <a:avLst/>
-                </a:prstGeom>
-                <a:blipFill>
-                  <a:blip r:embed="rId2"/>
-                  <a:stretch>
-                    <a:fillRect/>
-                  </a:stretch>
-                </a:blipFill>
-              </p:spPr>
-              <p:txBody>
-                <a:bodyPr/>
-                <a:lstStyle/>
-                <a:p>
-                  <a:r>
-                    <a:rPr lang="fr-FR">
-                      <a:noFill/>
-                    </a:rPr>
-                    <a:t> </a:t>
-                  </a:r>
-                </a:p>
-              </p:txBody>
-            </p:sp>
-          </mc:Fallback>
-        </mc:AlternateContent>
-        <p:sp>
-          <p:nvSpPr>
-            <p:cNvPr id="11" name="ZoneTexte 10">
-              <a:extLst>
-                <a:ext uri="{FF2B5EF4-FFF2-40B4-BE49-F238E27FC236}">
-                  <a16:creationId xmlns:a16="http://schemas.microsoft.com/office/drawing/2014/main" id="{0FC74943-70AE-88CA-FC69-C40BB40238A9}"/>
-                </a:ext>
-              </a:extLst>
-            </p:cNvPr>
-            <p:cNvSpPr txBox="1"/>
-            <p:nvPr/>
-          </p:nvSpPr>
-          <p:spPr>
-            <a:xfrm>
-              <a:off x="1995495" y="2799213"/>
-              <a:ext cx="1428750" cy="369332"/>
-            </a:xfrm>
-            <a:prstGeom prst="rect">
-              <a:avLst/>
-            </a:prstGeom>
+          </a:ln>
+        </p:spPr>
+        <p:txBody>
+          <a:bodyPr wrap="square" rtlCol="0">
+            <a:spAutoFit/>
+          </a:bodyPr>
+          <a:lstStyle/>
+          <a:p>
+            <a:pPr algn="ctr"/>
+            <a:r>
+              <a:rPr lang="fr-FR" dirty="0" err="1"/>
+              <a:t>meta.data</a:t>
+            </a:r>
+            <a:endParaRPr lang="fr-FR" dirty="0"/>
+          </a:p>
+          <a:p>
+            <a:pPr algn="ctr"/>
+            <a:r>
+              <a:rPr lang="fr-FR" dirty="0"/>
+              <a:t>(info sur les cellules)</a:t>
+            </a:r>
+          </a:p>
+        </p:txBody>
+      </p:sp>
+      <p:cxnSp>
+        <p:nvCxnSpPr>
+          <p:cNvPr id="8" name="Connecteur en angle 7">
+            <a:extLst>
+              <a:ext uri="{FF2B5EF4-FFF2-40B4-BE49-F238E27FC236}">
+                <a16:creationId xmlns:a16="http://schemas.microsoft.com/office/drawing/2014/main" id="{86E76A9E-CD07-2A4B-C108-A2E5DC2CEA53}"/>
+              </a:ext>
+            </a:extLst>
+          </p:cNvPr>
+          <p:cNvCxnSpPr>
+            <a:stCxn id="5" idx="2"/>
+            <a:endCxn id="6" idx="0"/>
+          </p:cNvCxnSpPr>
+          <p:nvPr/>
+        </p:nvCxnSpPr>
+        <p:spPr>
+          <a:xfrm rot="5400000">
+            <a:off x="2633791" y="773773"/>
+            <a:ext cx="1188006" cy="1035848"/>
+          </a:xfrm>
+          <a:prstGeom prst="bentConnector3">
+            <a:avLst/>
+          </a:prstGeom>
+          <a:ln>
+            <a:tailEnd type="triangle"/>
+          </a:ln>
+        </p:spPr>
+        <p:style>
+          <a:lnRef idx="2">
+            <a:schemeClr val="accent1"/>
+          </a:lnRef>
+          <a:fillRef idx="0">
+            <a:schemeClr val="accent1"/>
+          </a:fillRef>
+          <a:effectRef idx="1">
+            <a:schemeClr val="accent1"/>
+          </a:effectRef>
+          <a:fontRef idx="minor">
+            <a:schemeClr val="tx1"/>
+          </a:fontRef>
+        </p:style>
+      </p:cxnSp>
+      <p:cxnSp>
+        <p:nvCxnSpPr>
+          <p:cNvPr id="9" name="Connecteur en angle 8">
+            <a:extLst>
+              <a:ext uri="{FF2B5EF4-FFF2-40B4-BE49-F238E27FC236}">
+                <a16:creationId xmlns:a16="http://schemas.microsoft.com/office/drawing/2014/main" id="{E981FDC4-C321-CB2E-69C9-DD602EC9F284}"/>
+              </a:ext>
+            </a:extLst>
+          </p:cNvPr>
+          <p:cNvCxnSpPr>
+            <a:cxnSpLocks/>
+            <a:endCxn id="7" idx="0"/>
+          </p:cNvCxnSpPr>
+          <p:nvPr/>
+        </p:nvCxnSpPr>
+        <p:spPr>
+          <a:xfrm>
+            <a:off x="3502826" y="1291697"/>
+            <a:ext cx="1600193" cy="594003"/>
+          </a:xfrm>
+          <a:prstGeom prst="bentConnector2">
+            <a:avLst/>
+          </a:prstGeom>
+          <a:ln>
+            <a:tailEnd type="triangle"/>
+          </a:ln>
+        </p:spPr>
+        <p:style>
+          <a:lnRef idx="2">
+            <a:schemeClr val="accent1"/>
+          </a:lnRef>
+          <a:fillRef idx="0">
+            <a:schemeClr val="accent1"/>
+          </a:fillRef>
+          <a:effectRef idx="1">
+            <a:schemeClr val="accent1"/>
+          </a:effectRef>
+          <a:fontRef idx="minor">
+            <a:schemeClr val="tx1"/>
+          </a:fontRef>
+        </p:style>
+      </p:cxnSp>
+      <mc:AlternateContent xmlns:mc="http://schemas.openxmlformats.org/markup-compatibility/2006">
+        <mc:Choice xmlns:a14="http://schemas.microsoft.com/office/drawing/2010/main" Requires="a14">
+          <p:sp>
+            <p:nvSpPr>
+              <p:cNvPr id="10" name="ZoneTexte 9">
+                <a:extLst>
+                  <a:ext uri="{FF2B5EF4-FFF2-40B4-BE49-F238E27FC236}">
+                    <a16:creationId xmlns:a16="http://schemas.microsoft.com/office/drawing/2014/main" id="{D074E619-7265-9F43-B3B0-030C3177BFA1}"/>
+                  </a:ext>
+                </a:extLst>
+              </p:cNvPr>
+              <p:cNvSpPr txBox="1"/>
+              <p:nvPr/>
+            </p:nvSpPr>
+            <p:spPr>
+              <a:xfrm>
+                <a:off x="3367101" y="809966"/>
+                <a:ext cx="1243017" cy="369332"/>
+              </a:xfrm>
+              <a:prstGeom prst="rect">
+                <a:avLst/>
+              </a:prstGeom>
+              <a:noFill/>
+            </p:spPr>
+            <p:txBody>
+              <a:bodyPr wrap="square" rtlCol="0">
+                <a:spAutoFit/>
+              </a:bodyPr>
+              <a:lstStyle/>
+              <a:p>
+                <a:pPr/>
+                <a14:m>
+                  <m:oMathPara xmlns:m="http://schemas.openxmlformats.org/officeDocument/2006/math">
+                    <m:oMathParaPr>
+                      <m:jc m:val="centerGroup"/>
+                    </m:oMathParaPr>
+                    <m:oMath xmlns:m="http://schemas.openxmlformats.org/officeDocument/2006/math">
+                      <m:r>
+                        <a:rPr lang="fr-FR" b="0" i="1" smtClean="0">
+                          <a:latin typeface="Cambria Math" panose="02040503050406030204" pitchFamily="18" charset="0"/>
+                        </a:rPr>
+                        <m:t>@</m:t>
+                      </m:r>
+                    </m:oMath>
+                  </m:oMathPara>
+                </a14:m>
+                <a:endParaRPr lang="fr-FR" dirty="0"/>
+              </a:p>
+            </p:txBody>
+          </p:sp>
+        </mc:Choice>
+        <mc:Fallback>
+          <p:sp>
+            <p:nvSpPr>
+              <p:cNvPr id="10" name="ZoneTexte 9">
+                <a:extLst>
+                  <a:ext uri="{FF2B5EF4-FFF2-40B4-BE49-F238E27FC236}">
+                    <a16:creationId xmlns:a16="http://schemas.microsoft.com/office/drawing/2014/main" id="{D074E619-7265-9F43-B3B0-030C3177BFA1}"/>
+                  </a:ext>
+                </a:extLst>
+              </p:cNvPr>
+              <p:cNvSpPr txBox="1">
+                <a:spLocks noRot="1" noChangeAspect="1" noMove="1" noResize="1" noEditPoints="1" noAdjustHandles="1" noChangeArrowheads="1" noChangeShapeType="1" noTextEdit="1"/>
+              </p:cNvSpPr>
+              <p:nvPr/>
+            </p:nvSpPr>
+            <p:spPr>
+              <a:xfrm>
+                <a:off x="3367101" y="809966"/>
+                <a:ext cx="1243017" cy="369332"/>
+              </a:xfrm>
+              <a:prstGeom prst="rect">
+                <a:avLst/>
+              </a:prstGeom>
+              <a:blipFill>
+                <a:blip r:embed="rId2"/>
+                <a:stretch>
+                  <a:fillRect/>
+                </a:stretch>
+              </a:blipFill>
+            </p:spPr>
+            <p:txBody>
+              <a:bodyPr/>
+              <a:lstStyle/>
+              <a:p>
+                <a:r>
+                  <a:rPr lang="fr-FR">
+                    <a:noFill/>
+                  </a:rPr>
+                  <a:t> </a:t>
+                </a:r>
+              </a:p>
+            </p:txBody>
+          </p:sp>
+        </mc:Fallback>
+      </mc:AlternateContent>
+      <p:sp>
+        <p:nvSpPr>
+          <p:cNvPr id="11" name="ZoneTexte 10">
+            <a:extLst>
+              <a:ext uri="{FF2B5EF4-FFF2-40B4-BE49-F238E27FC236}">
+                <a16:creationId xmlns:a16="http://schemas.microsoft.com/office/drawing/2014/main" id="{0FC74943-70AE-88CA-FC69-C40BB40238A9}"/>
+              </a:ext>
+            </a:extLst>
+          </p:cNvPr>
+          <p:cNvSpPr txBox="1"/>
+          <p:nvPr/>
+        </p:nvSpPr>
+        <p:spPr>
+          <a:xfrm>
+            <a:off x="1995495" y="2799213"/>
+            <a:ext cx="1428750" cy="369332"/>
+          </a:xfrm>
+          <a:prstGeom prst="rect">
+            <a:avLst/>
+          </a:prstGeom>
+          <a:solidFill>
+            <a:schemeClr val="accent3">
+              <a:lumMod val="20000"/>
+              <a:lumOff val="80000"/>
+            </a:schemeClr>
+          </a:solidFill>
+          <a:ln w="25400">
             <a:solidFill>
-              <a:schemeClr val="accent3">
-                <a:lumMod val="20000"/>
-                <a:lumOff val="80000"/>
-              </a:schemeClr>
+              <a:schemeClr val="accent1"/>
             </a:solidFill>
-            <a:ln w="25400">
-              <a:solidFill>
-                <a:schemeClr val="accent1"/>
-              </a:solidFill>
-            </a:ln>
-          </p:spPr>
-          <p:txBody>
-            <a:bodyPr wrap="square" rtlCol="0">
-              <a:spAutoFit/>
-            </a:bodyPr>
-            <a:lstStyle/>
-            <a:p>
-              <a:pPr algn="ctr"/>
-              <a:r>
-                <a:rPr lang="fr-FR" dirty="0"/>
-                <a:t>RNA</a:t>
-              </a:r>
-            </a:p>
-          </p:txBody>
-        </p:sp>
-        <p:cxnSp>
-          <p:nvCxnSpPr>
-            <p:cNvPr id="12" name="Connecteur droit avec flèche 11">
-              <a:extLst>
-                <a:ext uri="{FF2B5EF4-FFF2-40B4-BE49-F238E27FC236}">
-                  <a16:creationId xmlns:a16="http://schemas.microsoft.com/office/drawing/2014/main" id="{B037672F-87AB-61B0-2ECB-46CB24882656}"/>
-                </a:ext>
-              </a:extLst>
-            </p:cNvPr>
-            <p:cNvCxnSpPr>
-              <a:stCxn id="6" idx="2"/>
-              <a:endCxn id="11" idx="0"/>
-            </p:cNvCxnSpPr>
-            <p:nvPr/>
-          </p:nvCxnSpPr>
-          <p:spPr>
-            <a:xfrm>
-              <a:off x="2709870" y="2255032"/>
-              <a:ext cx="0" cy="544181"/>
-            </a:xfrm>
-            <a:prstGeom prst="straightConnector1">
-              <a:avLst/>
-            </a:prstGeom>
-            <a:ln>
-              <a:tailEnd type="triangle"/>
-            </a:ln>
-          </p:spPr>
-          <p:style>
-            <a:lnRef idx="2">
-              <a:schemeClr val="accent1"/>
-            </a:lnRef>
-            <a:fillRef idx="0">
-              <a:schemeClr val="accent1"/>
-            </a:fillRef>
-            <a:effectRef idx="1">
-              <a:schemeClr val="accent1"/>
-            </a:effectRef>
-            <a:fontRef idx="minor">
-              <a:schemeClr val="tx1"/>
-            </a:fontRef>
-          </p:style>
-        </p:cxnSp>
-        <p:sp>
-          <p:nvSpPr>
-            <p:cNvPr id="13" name="ZoneTexte 12">
-              <a:extLst>
-                <a:ext uri="{FF2B5EF4-FFF2-40B4-BE49-F238E27FC236}">
-                  <a16:creationId xmlns:a16="http://schemas.microsoft.com/office/drawing/2014/main" id="{42B8BA81-8DFD-223A-9FA6-1978EF8500FA}"/>
-                </a:ext>
-              </a:extLst>
-            </p:cNvPr>
-            <p:cNvSpPr txBox="1"/>
-            <p:nvPr/>
-          </p:nvSpPr>
-          <p:spPr>
-            <a:xfrm>
-              <a:off x="2324108" y="2349600"/>
-              <a:ext cx="585787" cy="369332"/>
-            </a:xfrm>
-            <a:prstGeom prst="rect">
-              <a:avLst/>
-            </a:prstGeom>
-            <a:noFill/>
-          </p:spPr>
-          <p:txBody>
-            <a:bodyPr wrap="square" rtlCol="0">
-              <a:spAutoFit/>
-            </a:bodyPr>
-            <a:lstStyle/>
-            <a:p>
-              <a:r>
-                <a:rPr lang="fr-FR" dirty="0"/>
-                <a:t>$</a:t>
-              </a:r>
-            </a:p>
-          </p:txBody>
-        </p:sp>
-        <p:sp>
-          <p:nvSpPr>
-            <p:cNvPr id="14" name="ZoneTexte 13">
-              <a:extLst>
-                <a:ext uri="{FF2B5EF4-FFF2-40B4-BE49-F238E27FC236}">
-                  <a16:creationId xmlns:a16="http://schemas.microsoft.com/office/drawing/2014/main" id="{11C8BBCA-91E5-A1CA-154F-BC14A6B42176}"/>
-                </a:ext>
-              </a:extLst>
-            </p:cNvPr>
-            <p:cNvSpPr txBox="1"/>
-            <p:nvPr/>
-          </p:nvSpPr>
-          <p:spPr>
-            <a:xfrm>
-              <a:off x="221467" y="4775311"/>
-              <a:ext cx="4976805" cy="1754326"/>
-            </a:xfrm>
-            <a:prstGeom prst="rect">
-              <a:avLst/>
-            </a:prstGeom>
+          </a:ln>
+        </p:spPr>
+        <p:txBody>
+          <a:bodyPr wrap="square" rtlCol="0">
+            <a:spAutoFit/>
+          </a:bodyPr>
+          <a:lstStyle/>
+          <a:p>
+            <a:pPr algn="ctr"/>
+            <a:r>
+              <a:rPr lang="fr-FR" dirty="0"/>
+              <a:t>RNA</a:t>
+            </a:r>
+          </a:p>
+        </p:txBody>
+      </p:sp>
+      <p:cxnSp>
+        <p:nvCxnSpPr>
+          <p:cNvPr id="12" name="Connecteur droit avec flèche 11">
+            <a:extLst>
+              <a:ext uri="{FF2B5EF4-FFF2-40B4-BE49-F238E27FC236}">
+                <a16:creationId xmlns:a16="http://schemas.microsoft.com/office/drawing/2014/main" id="{B037672F-87AB-61B0-2ECB-46CB24882656}"/>
+              </a:ext>
+            </a:extLst>
+          </p:cNvPr>
+          <p:cNvCxnSpPr>
+            <a:stCxn id="6" idx="2"/>
+            <a:endCxn id="11" idx="0"/>
+          </p:cNvCxnSpPr>
+          <p:nvPr/>
+        </p:nvCxnSpPr>
+        <p:spPr>
+          <a:xfrm>
+            <a:off x="2709870" y="2255032"/>
+            <a:ext cx="0" cy="544181"/>
+          </a:xfrm>
+          <a:prstGeom prst="straightConnector1">
+            <a:avLst/>
+          </a:prstGeom>
+          <a:ln>
+            <a:tailEnd type="triangle"/>
+          </a:ln>
+        </p:spPr>
+        <p:style>
+          <a:lnRef idx="2">
+            <a:schemeClr val="accent1"/>
+          </a:lnRef>
+          <a:fillRef idx="0">
+            <a:schemeClr val="accent1"/>
+          </a:fillRef>
+          <a:effectRef idx="1">
+            <a:schemeClr val="accent1"/>
+          </a:effectRef>
+          <a:fontRef idx="minor">
+            <a:schemeClr val="tx1"/>
+          </a:fontRef>
+        </p:style>
+      </p:cxnSp>
+      <p:sp>
+        <p:nvSpPr>
+          <p:cNvPr id="13" name="ZoneTexte 12">
+            <a:extLst>
+              <a:ext uri="{FF2B5EF4-FFF2-40B4-BE49-F238E27FC236}">
+                <a16:creationId xmlns:a16="http://schemas.microsoft.com/office/drawing/2014/main" id="{42B8BA81-8DFD-223A-9FA6-1978EF8500FA}"/>
+              </a:ext>
+            </a:extLst>
+          </p:cNvPr>
+          <p:cNvSpPr txBox="1"/>
+          <p:nvPr/>
+        </p:nvSpPr>
+        <p:spPr>
+          <a:xfrm>
+            <a:off x="2324108" y="2349600"/>
+            <a:ext cx="585787" cy="369332"/>
+          </a:xfrm>
+          <a:prstGeom prst="rect">
+            <a:avLst/>
+          </a:prstGeom>
+          <a:noFill/>
+        </p:spPr>
+        <p:txBody>
+          <a:bodyPr wrap="square" rtlCol="0">
+            <a:spAutoFit/>
+          </a:bodyPr>
+          <a:lstStyle/>
+          <a:p>
+            <a:r>
+              <a:rPr lang="fr-FR" dirty="0"/>
+              <a:t>$</a:t>
+            </a:r>
+          </a:p>
+        </p:txBody>
+      </p:sp>
+      <p:sp>
+        <p:nvSpPr>
+          <p:cNvPr id="14" name="ZoneTexte 13">
+            <a:extLst>
+              <a:ext uri="{FF2B5EF4-FFF2-40B4-BE49-F238E27FC236}">
+                <a16:creationId xmlns:a16="http://schemas.microsoft.com/office/drawing/2014/main" id="{11C8BBCA-91E5-A1CA-154F-BC14A6B42176}"/>
+              </a:ext>
+            </a:extLst>
+          </p:cNvPr>
+          <p:cNvSpPr txBox="1"/>
+          <p:nvPr/>
+        </p:nvSpPr>
+        <p:spPr>
+          <a:xfrm>
+            <a:off x="221467" y="4775311"/>
+            <a:ext cx="4976805" cy="1754326"/>
+          </a:xfrm>
+          <a:prstGeom prst="rect">
+            <a:avLst/>
+          </a:prstGeom>
+          <a:solidFill>
+            <a:schemeClr val="accent3">
+              <a:lumMod val="20000"/>
+              <a:lumOff val="80000"/>
+            </a:schemeClr>
+          </a:solidFill>
+          <a:ln w="25400">
             <a:solidFill>
-              <a:schemeClr val="accent3">
-                <a:lumMod val="20000"/>
-                <a:lumOff val="80000"/>
-              </a:schemeClr>
+              <a:schemeClr val="accent1"/>
             </a:solidFill>
-            <a:ln w="25400">
-              <a:solidFill>
-                <a:schemeClr val="accent1"/>
-              </a:solidFill>
-            </a:ln>
-          </p:spPr>
-          <p:txBody>
-            <a:bodyPr wrap="square" rtlCol="0">
-              <a:spAutoFit/>
-            </a:bodyPr>
-            <a:lstStyle/>
-            <a:p>
-              <a:pPr marL="285750" indent="-285750">
-                <a:buFont typeface="Arial" panose="020B0604020202020204" pitchFamily="34" charset="0"/>
-                <a:buChar char="•"/>
-              </a:pPr>
-              <a:r>
-                <a:rPr lang="fr-FR" dirty="0" err="1"/>
-                <a:t>counts</a:t>
-              </a:r>
-              <a:endParaRPr lang="fr-FR" dirty="0"/>
-            </a:p>
-            <a:p>
-              <a:r>
-                <a:rPr lang="fr-FR" dirty="0"/>
-                <a:t>(matrice des comptages bruts G x C)</a:t>
-              </a:r>
-            </a:p>
-            <a:p>
-              <a:pPr marL="285750" indent="-285750">
-                <a:buFont typeface="Arial" panose="020B0604020202020204" pitchFamily="34" charset="0"/>
-                <a:buChar char="•"/>
-              </a:pPr>
-              <a:r>
-                <a:rPr lang="fr-FR" dirty="0"/>
-                <a:t>data</a:t>
-              </a:r>
-            </a:p>
-            <a:p>
-              <a:r>
-                <a:rPr lang="fr-FR" dirty="0"/>
-                <a:t>(matrice des comptages normalisés </a:t>
-              </a:r>
-              <a:r>
-                <a:rPr lang="fr-FR" dirty="0" err="1"/>
-                <a:t>GxC</a:t>
-              </a:r>
-              <a:r>
-                <a:rPr lang="fr-FR" dirty="0"/>
-                <a:t>)</a:t>
-              </a:r>
-            </a:p>
-            <a:p>
-              <a:pPr marL="285750" indent="-285750">
-                <a:buFont typeface="Arial" panose="020B0604020202020204" pitchFamily="34" charset="0"/>
-                <a:buChar char="•"/>
-              </a:pPr>
-              <a:r>
-                <a:rPr lang="fr-FR" dirty="0" err="1"/>
-                <a:t>scale.data</a:t>
-              </a:r>
-              <a:endParaRPr lang="fr-FR" dirty="0"/>
-            </a:p>
-            <a:p>
-              <a:r>
-                <a:rPr lang="fr-FR" dirty="0"/>
-                <a:t>(matrice des données centrées-réduites </a:t>
-              </a:r>
-              <a:r>
-                <a:rPr lang="fr-FR" dirty="0" err="1"/>
-                <a:t>JxC</a:t>
-              </a:r>
-              <a:r>
-                <a:rPr lang="fr-FR" dirty="0"/>
-                <a:t>)</a:t>
-              </a:r>
-            </a:p>
-          </p:txBody>
-        </p:sp>
-        <p:cxnSp>
-          <p:nvCxnSpPr>
-            <p:cNvPr id="15" name="Connecteur droit avec flèche 14">
-              <a:extLst>
-                <a:ext uri="{FF2B5EF4-FFF2-40B4-BE49-F238E27FC236}">
-                  <a16:creationId xmlns:a16="http://schemas.microsoft.com/office/drawing/2014/main" id="{6F8BEEE2-1FCD-8BB7-AC95-FBC0A634854B}"/>
-                </a:ext>
-              </a:extLst>
-            </p:cNvPr>
-            <p:cNvCxnSpPr>
-              <a:cxnSpLocks/>
-              <a:stCxn id="11" idx="2"/>
-              <a:endCxn id="14" idx="0"/>
-            </p:cNvCxnSpPr>
-            <p:nvPr/>
-          </p:nvCxnSpPr>
-          <p:spPr>
-            <a:xfrm>
-              <a:off x="2709870" y="3168545"/>
-              <a:ext cx="0" cy="1606766"/>
-            </a:xfrm>
-            <a:prstGeom prst="straightConnector1">
-              <a:avLst/>
-            </a:prstGeom>
-            <a:ln>
-              <a:tailEnd type="triangle"/>
-            </a:ln>
-          </p:spPr>
-          <p:style>
-            <a:lnRef idx="2">
-              <a:schemeClr val="accent1"/>
-            </a:lnRef>
-            <a:fillRef idx="0">
-              <a:schemeClr val="accent1"/>
-            </a:fillRef>
-            <a:effectRef idx="1">
-              <a:schemeClr val="accent1"/>
-            </a:effectRef>
-            <a:fontRef idx="minor">
-              <a:schemeClr val="tx1"/>
-            </a:fontRef>
-          </p:style>
-        </p:cxnSp>
-        <p:sp>
-          <p:nvSpPr>
-            <p:cNvPr id="16" name="ZoneTexte 15">
-              <a:extLst>
-                <a:ext uri="{FF2B5EF4-FFF2-40B4-BE49-F238E27FC236}">
-                  <a16:creationId xmlns:a16="http://schemas.microsoft.com/office/drawing/2014/main" id="{6748F1E9-5007-0474-DE34-5D8DDC013DE2}"/>
-                </a:ext>
-              </a:extLst>
-            </p:cNvPr>
-            <p:cNvSpPr txBox="1"/>
-            <p:nvPr/>
-          </p:nvSpPr>
-          <p:spPr>
-            <a:xfrm>
-              <a:off x="2333628" y="3816452"/>
-              <a:ext cx="585787" cy="369332"/>
-            </a:xfrm>
-            <a:prstGeom prst="rect">
-              <a:avLst/>
-            </a:prstGeom>
-            <a:noFill/>
-          </p:spPr>
-          <p:txBody>
-            <a:bodyPr wrap="square" rtlCol="0">
-              <a:spAutoFit/>
-            </a:bodyPr>
-            <a:lstStyle/>
-            <a:p>
-              <a:r>
-                <a:rPr lang="fr-FR" dirty="0"/>
-                <a:t>$</a:t>
-              </a:r>
-            </a:p>
-          </p:txBody>
-        </p:sp>
-        <p:sp>
-          <p:nvSpPr>
-            <p:cNvPr id="17" name="ZoneTexte 16">
-              <a:extLst>
-                <a:ext uri="{FF2B5EF4-FFF2-40B4-BE49-F238E27FC236}">
-                  <a16:creationId xmlns:a16="http://schemas.microsoft.com/office/drawing/2014/main" id="{D40B2532-72F7-D53F-94CC-3525553B820C}"/>
-                </a:ext>
-              </a:extLst>
-            </p:cNvPr>
-            <p:cNvSpPr txBox="1"/>
-            <p:nvPr/>
-          </p:nvSpPr>
-          <p:spPr>
-            <a:xfrm>
-              <a:off x="3838576" y="3190708"/>
-              <a:ext cx="2528871" cy="1292662"/>
-            </a:xfrm>
-            <a:prstGeom prst="rect">
-              <a:avLst/>
-            </a:prstGeom>
+          </a:ln>
+        </p:spPr>
+        <p:txBody>
+          <a:bodyPr wrap="square" rtlCol="0">
+            <a:spAutoFit/>
+          </a:bodyPr>
+          <a:lstStyle/>
+          <a:p>
+            <a:pPr marL="285750" indent="-285750">
+              <a:buFont typeface="Arial" panose="020B0604020202020204" pitchFamily="34" charset="0"/>
+              <a:buChar char="•"/>
+            </a:pPr>
+            <a:r>
+              <a:rPr lang="fr-FR" dirty="0" err="1"/>
+              <a:t>counts</a:t>
+            </a:r>
+            <a:endParaRPr lang="fr-FR" dirty="0"/>
+          </a:p>
+          <a:p>
+            <a:r>
+              <a:rPr lang="fr-FR" dirty="0"/>
+              <a:t>(matrice des comptages bruts G x C)</a:t>
+            </a:r>
+          </a:p>
+          <a:p>
+            <a:pPr marL="285750" indent="-285750">
+              <a:buFont typeface="Arial" panose="020B0604020202020204" pitchFamily="34" charset="0"/>
+              <a:buChar char="•"/>
+            </a:pPr>
+            <a:r>
+              <a:rPr lang="fr-FR" dirty="0"/>
+              <a:t>data</a:t>
+            </a:r>
+          </a:p>
+          <a:p>
+            <a:r>
+              <a:rPr lang="fr-FR" dirty="0"/>
+              <a:t>(matrice des comptages normalisés </a:t>
+            </a:r>
+            <a:r>
+              <a:rPr lang="fr-FR" dirty="0" err="1"/>
+              <a:t>GxC</a:t>
+            </a:r>
+            <a:r>
+              <a:rPr lang="fr-FR" dirty="0"/>
+              <a:t>)</a:t>
+            </a:r>
+          </a:p>
+          <a:p>
+            <a:pPr marL="285750" indent="-285750">
+              <a:buFont typeface="Arial" panose="020B0604020202020204" pitchFamily="34" charset="0"/>
+              <a:buChar char="•"/>
+            </a:pPr>
+            <a:r>
+              <a:rPr lang="fr-FR" dirty="0" err="1"/>
+              <a:t>scale.data</a:t>
+            </a:r>
+            <a:endParaRPr lang="fr-FR" dirty="0"/>
+          </a:p>
+          <a:p>
+            <a:r>
+              <a:rPr lang="fr-FR" dirty="0"/>
+              <a:t>(matrice des données centrées-réduites </a:t>
+            </a:r>
+            <a:r>
+              <a:rPr lang="fr-FR" dirty="0" err="1"/>
+              <a:t>JxC</a:t>
+            </a:r>
+            <a:r>
+              <a:rPr lang="fr-FR" dirty="0"/>
+              <a:t>)</a:t>
+            </a:r>
+          </a:p>
+        </p:txBody>
+      </p:sp>
+      <p:cxnSp>
+        <p:nvCxnSpPr>
+          <p:cNvPr id="15" name="Connecteur droit avec flèche 14">
+            <a:extLst>
+              <a:ext uri="{FF2B5EF4-FFF2-40B4-BE49-F238E27FC236}">
+                <a16:creationId xmlns:a16="http://schemas.microsoft.com/office/drawing/2014/main" id="{6F8BEEE2-1FCD-8BB7-AC95-FBC0A634854B}"/>
+              </a:ext>
+            </a:extLst>
+          </p:cNvPr>
+          <p:cNvCxnSpPr>
+            <a:cxnSpLocks/>
+            <a:stCxn id="11" idx="2"/>
+            <a:endCxn id="14" idx="0"/>
+          </p:cNvCxnSpPr>
+          <p:nvPr/>
+        </p:nvCxnSpPr>
+        <p:spPr>
+          <a:xfrm>
+            <a:off x="2709870" y="3168545"/>
+            <a:ext cx="0" cy="1606766"/>
+          </a:xfrm>
+          <a:prstGeom prst="straightConnector1">
+            <a:avLst/>
+          </a:prstGeom>
+          <a:ln>
+            <a:tailEnd type="triangle"/>
+          </a:ln>
+        </p:spPr>
+        <p:style>
+          <a:lnRef idx="2">
+            <a:schemeClr val="accent1"/>
+          </a:lnRef>
+          <a:fillRef idx="0">
+            <a:schemeClr val="accent1"/>
+          </a:fillRef>
+          <a:effectRef idx="1">
+            <a:schemeClr val="accent1"/>
+          </a:effectRef>
+          <a:fontRef idx="minor">
+            <a:schemeClr val="tx1"/>
+          </a:fontRef>
+        </p:style>
+      </p:cxnSp>
+      <p:sp>
+        <p:nvSpPr>
+          <p:cNvPr id="16" name="ZoneTexte 15">
+            <a:extLst>
+              <a:ext uri="{FF2B5EF4-FFF2-40B4-BE49-F238E27FC236}">
+                <a16:creationId xmlns:a16="http://schemas.microsoft.com/office/drawing/2014/main" id="{6748F1E9-5007-0474-DE34-5D8DDC013DE2}"/>
+              </a:ext>
+            </a:extLst>
+          </p:cNvPr>
+          <p:cNvSpPr txBox="1"/>
+          <p:nvPr/>
+        </p:nvSpPr>
+        <p:spPr>
+          <a:xfrm>
+            <a:off x="2333628" y="3816452"/>
+            <a:ext cx="585787" cy="369332"/>
+          </a:xfrm>
+          <a:prstGeom prst="rect">
+            <a:avLst/>
+          </a:prstGeom>
+          <a:noFill/>
+        </p:spPr>
+        <p:txBody>
+          <a:bodyPr wrap="square" rtlCol="0">
+            <a:spAutoFit/>
+          </a:bodyPr>
+          <a:lstStyle/>
+          <a:p>
+            <a:r>
+              <a:rPr lang="fr-FR" dirty="0"/>
+              <a:t>$</a:t>
+            </a:r>
+          </a:p>
+        </p:txBody>
+      </p:sp>
+      <p:sp>
+        <p:nvSpPr>
+          <p:cNvPr id="17" name="ZoneTexte 16">
+            <a:extLst>
+              <a:ext uri="{FF2B5EF4-FFF2-40B4-BE49-F238E27FC236}">
+                <a16:creationId xmlns:a16="http://schemas.microsoft.com/office/drawing/2014/main" id="{D40B2532-72F7-D53F-94CC-3525553B820C}"/>
+              </a:ext>
+            </a:extLst>
+          </p:cNvPr>
+          <p:cNvSpPr txBox="1"/>
+          <p:nvPr/>
+        </p:nvSpPr>
+        <p:spPr>
+          <a:xfrm>
+            <a:off x="3838576" y="3190708"/>
+            <a:ext cx="2528871" cy="1292662"/>
+          </a:xfrm>
+          <a:prstGeom prst="rect">
+            <a:avLst/>
+          </a:prstGeom>
+          <a:solidFill>
+            <a:schemeClr val="accent3">
+              <a:lumMod val="20000"/>
+              <a:lumOff val="80000"/>
+            </a:schemeClr>
+          </a:solidFill>
+          <a:ln w="25400">
             <a:solidFill>
-              <a:schemeClr val="accent3">
-                <a:lumMod val="20000"/>
-                <a:lumOff val="80000"/>
-              </a:schemeClr>
+              <a:schemeClr val="accent1"/>
             </a:solidFill>
-            <a:ln w="25400">
-              <a:solidFill>
-                <a:schemeClr val="accent1"/>
-              </a:solidFill>
-            </a:ln>
-          </p:spPr>
-          <p:txBody>
-            <a:bodyPr wrap="square" rtlCol="0">
-              <a:spAutoFit/>
-            </a:bodyPr>
-            <a:lstStyle/>
-            <a:p>
-              <a:pPr marL="285750" indent="-285750">
-                <a:buFont typeface="Arial" panose="020B0604020202020204" pitchFamily="34" charset="0"/>
-                <a:buChar char="•"/>
-              </a:pPr>
-              <a:r>
-                <a:rPr lang="fr-FR" sz="1200" dirty="0" err="1"/>
-                <a:t>orig.ident</a:t>
-              </a:r>
-              <a:endParaRPr lang="fr-FR" sz="1200" dirty="0"/>
-            </a:p>
-            <a:p>
-              <a:pPr marL="285750" indent="-285750">
-                <a:buFont typeface="Arial" panose="020B0604020202020204" pitchFamily="34" charset="0"/>
-                <a:buChar char="•"/>
-              </a:pPr>
-              <a:r>
-                <a:rPr lang="fr-FR" sz="1200" dirty="0" err="1"/>
-                <a:t>nCount_RNA</a:t>
-              </a:r>
-              <a:endParaRPr lang="fr-FR" sz="1200" dirty="0"/>
-            </a:p>
-            <a:p>
-              <a:pPr marL="285750" indent="-285750">
-                <a:buFont typeface="Arial" panose="020B0604020202020204" pitchFamily="34" charset="0"/>
-                <a:buChar char="•"/>
-              </a:pPr>
-              <a:r>
-                <a:rPr lang="fr-FR" sz="1200" dirty="0" err="1"/>
-                <a:t>nFeatures_RNA</a:t>
-              </a:r>
-              <a:endParaRPr lang="fr-FR" sz="1200" dirty="0"/>
-            </a:p>
-            <a:p>
-              <a:pPr marL="285750" indent="-285750">
-                <a:buFont typeface="Arial" panose="020B0604020202020204" pitchFamily="34" charset="0"/>
-                <a:buChar char="•"/>
-              </a:pPr>
-              <a:r>
-                <a:rPr lang="fr-FR" sz="1200" dirty="0"/>
-                <a:t>log10GenesPerUMI</a:t>
-              </a:r>
-            </a:p>
-            <a:p>
-              <a:pPr marL="285750" indent="-285750">
-                <a:buFont typeface="Arial" panose="020B0604020202020204" pitchFamily="34" charset="0"/>
-                <a:buChar char="•"/>
-              </a:pPr>
-              <a:r>
-                <a:rPr lang="fr-FR" sz="1200" dirty="0" err="1"/>
-                <a:t>percent.mt</a:t>
-              </a:r>
-              <a:endParaRPr lang="fr-FR" sz="1200" dirty="0"/>
-            </a:p>
-            <a:p>
-              <a:pPr marL="285750" indent="-285750">
-                <a:buFont typeface="Arial" panose="020B0604020202020204" pitchFamily="34" charset="0"/>
-                <a:buChar char="•"/>
-              </a:pPr>
-              <a:r>
-                <a:rPr lang="fr-FR" b="1" dirty="0" err="1">
-                  <a:solidFill>
-                    <a:srgbClr val="FF0000"/>
-                  </a:solidFill>
-                </a:rPr>
-                <a:t>seurat_clusters</a:t>
-              </a:r>
-              <a:endParaRPr lang="fr-FR" b="1" dirty="0">
+          </a:ln>
+        </p:spPr>
+        <p:txBody>
+          <a:bodyPr wrap="square" rtlCol="0">
+            <a:spAutoFit/>
+          </a:bodyPr>
+          <a:lstStyle/>
+          <a:p>
+            <a:pPr marL="285750" indent="-285750">
+              <a:buFont typeface="Arial" panose="020B0604020202020204" pitchFamily="34" charset="0"/>
+              <a:buChar char="•"/>
+            </a:pPr>
+            <a:r>
+              <a:rPr lang="fr-FR" sz="1200" dirty="0" err="1"/>
+              <a:t>orig.ident</a:t>
+            </a:r>
+            <a:endParaRPr lang="fr-FR" sz="1200" dirty="0"/>
+          </a:p>
+          <a:p>
+            <a:pPr marL="285750" indent="-285750">
+              <a:buFont typeface="Arial" panose="020B0604020202020204" pitchFamily="34" charset="0"/>
+              <a:buChar char="•"/>
+            </a:pPr>
+            <a:r>
+              <a:rPr lang="fr-FR" sz="1200" dirty="0" err="1"/>
+              <a:t>nCount_RNA</a:t>
+            </a:r>
+            <a:endParaRPr lang="fr-FR" sz="1200" dirty="0"/>
+          </a:p>
+          <a:p>
+            <a:pPr marL="285750" indent="-285750">
+              <a:buFont typeface="Arial" panose="020B0604020202020204" pitchFamily="34" charset="0"/>
+              <a:buChar char="•"/>
+            </a:pPr>
+            <a:r>
+              <a:rPr lang="fr-FR" sz="1200" dirty="0" err="1"/>
+              <a:t>nFeatures_RNA</a:t>
+            </a:r>
+            <a:endParaRPr lang="fr-FR" sz="1200" dirty="0"/>
+          </a:p>
+          <a:p>
+            <a:pPr marL="285750" indent="-285750">
+              <a:buFont typeface="Arial" panose="020B0604020202020204" pitchFamily="34" charset="0"/>
+              <a:buChar char="•"/>
+            </a:pPr>
+            <a:r>
+              <a:rPr lang="fr-FR" sz="1200" dirty="0"/>
+              <a:t>log10GenesPerUMI</a:t>
+            </a:r>
+          </a:p>
+          <a:p>
+            <a:pPr marL="285750" indent="-285750">
+              <a:buFont typeface="Arial" panose="020B0604020202020204" pitchFamily="34" charset="0"/>
+              <a:buChar char="•"/>
+            </a:pPr>
+            <a:r>
+              <a:rPr lang="fr-FR" sz="1200" dirty="0" err="1"/>
+              <a:t>percent.mt</a:t>
+            </a:r>
+            <a:endParaRPr lang="fr-FR" sz="1200" dirty="0"/>
+          </a:p>
+          <a:p>
+            <a:pPr marL="285750" indent="-285750">
+              <a:buFont typeface="Arial" panose="020B0604020202020204" pitchFamily="34" charset="0"/>
+              <a:buChar char="•"/>
+            </a:pPr>
+            <a:r>
+              <a:rPr lang="fr-FR" b="1" dirty="0" err="1">
                 <a:solidFill>
                   <a:srgbClr val="FF0000"/>
                 </a:solidFill>
-              </a:endParaRPr>
-            </a:p>
-          </p:txBody>
-        </p:sp>
-        <p:cxnSp>
-          <p:nvCxnSpPr>
-            <p:cNvPr id="18" name="Connecteur droit avec flèche 17">
-              <a:extLst>
-                <a:ext uri="{FF2B5EF4-FFF2-40B4-BE49-F238E27FC236}">
-                  <a16:creationId xmlns:a16="http://schemas.microsoft.com/office/drawing/2014/main" id="{4603186D-BB36-A56D-4F01-BD78DCF9EDE7}"/>
-                </a:ext>
-              </a:extLst>
-            </p:cNvPr>
-            <p:cNvCxnSpPr>
-              <a:cxnSpLocks/>
-              <a:stCxn id="7" idx="2"/>
-              <a:endCxn id="17" idx="0"/>
-            </p:cNvCxnSpPr>
-            <p:nvPr/>
-          </p:nvCxnSpPr>
-          <p:spPr>
-            <a:xfrm flipH="1">
-              <a:off x="5103012" y="2532031"/>
-              <a:ext cx="7" cy="658677"/>
-            </a:xfrm>
-            <a:prstGeom prst="straightConnector1">
-              <a:avLst/>
-            </a:prstGeom>
-            <a:ln>
-              <a:tailEnd type="triangle"/>
-            </a:ln>
-          </p:spPr>
-          <p:style>
-            <a:lnRef idx="2">
-              <a:schemeClr val="accent1"/>
-            </a:lnRef>
-            <a:fillRef idx="0">
-              <a:schemeClr val="accent1"/>
-            </a:fillRef>
-            <a:effectRef idx="1">
-              <a:schemeClr val="accent1"/>
-            </a:effectRef>
-            <a:fontRef idx="minor">
-              <a:schemeClr val="tx1"/>
-            </a:fontRef>
-          </p:style>
-        </p:cxnSp>
-        <p:sp>
-          <p:nvSpPr>
-            <p:cNvPr id="19" name="ZoneTexte 18">
-              <a:extLst>
-                <a:ext uri="{FF2B5EF4-FFF2-40B4-BE49-F238E27FC236}">
-                  <a16:creationId xmlns:a16="http://schemas.microsoft.com/office/drawing/2014/main" id="{B2FFE27E-5D17-CED4-C71D-3EB68E816433}"/>
-                </a:ext>
-              </a:extLst>
-            </p:cNvPr>
-            <p:cNvSpPr txBox="1"/>
-            <p:nvPr/>
-          </p:nvSpPr>
-          <p:spPr>
-            <a:xfrm>
-              <a:off x="4705366" y="2673456"/>
-              <a:ext cx="585787" cy="369332"/>
-            </a:xfrm>
-            <a:prstGeom prst="rect">
-              <a:avLst/>
-            </a:prstGeom>
-            <a:noFill/>
-          </p:spPr>
-          <p:txBody>
-            <a:bodyPr wrap="square" rtlCol="0">
-              <a:spAutoFit/>
-            </a:bodyPr>
-            <a:lstStyle/>
-            <a:p>
-              <a:r>
-                <a:rPr lang="fr-FR" dirty="0"/>
-                <a:t>$</a:t>
-              </a:r>
-            </a:p>
-          </p:txBody>
-        </p:sp>
-        <p:sp>
-          <p:nvSpPr>
-            <p:cNvPr id="20" name="ZoneTexte 19">
-              <a:extLst>
-                <a:ext uri="{FF2B5EF4-FFF2-40B4-BE49-F238E27FC236}">
-                  <a16:creationId xmlns:a16="http://schemas.microsoft.com/office/drawing/2014/main" id="{9E59A87E-D3A4-7852-9533-715C10834143}"/>
-                </a:ext>
-              </a:extLst>
-            </p:cNvPr>
-            <p:cNvSpPr txBox="1"/>
-            <p:nvPr/>
-          </p:nvSpPr>
-          <p:spPr>
-            <a:xfrm>
-              <a:off x="10179881" y="1880789"/>
-              <a:ext cx="1345371" cy="369332"/>
-            </a:xfrm>
-            <a:prstGeom prst="rect">
-              <a:avLst/>
-            </a:prstGeom>
+              </a:rPr>
+              <a:t>seurat_clusters</a:t>
+            </a:r>
+            <a:endParaRPr lang="fr-FR" b="1" dirty="0">
+              <a:solidFill>
+                <a:srgbClr val="FF0000"/>
+              </a:solidFill>
+            </a:endParaRPr>
+          </a:p>
+        </p:txBody>
+      </p:sp>
+      <p:cxnSp>
+        <p:nvCxnSpPr>
+          <p:cNvPr id="18" name="Connecteur droit avec flèche 17">
+            <a:extLst>
+              <a:ext uri="{FF2B5EF4-FFF2-40B4-BE49-F238E27FC236}">
+                <a16:creationId xmlns:a16="http://schemas.microsoft.com/office/drawing/2014/main" id="{4603186D-BB36-A56D-4F01-BD78DCF9EDE7}"/>
+              </a:ext>
+            </a:extLst>
+          </p:cNvPr>
+          <p:cNvCxnSpPr>
+            <a:cxnSpLocks/>
+            <a:stCxn id="7" idx="2"/>
+            <a:endCxn id="17" idx="0"/>
+          </p:cNvCxnSpPr>
+          <p:nvPr/>
+        </p:nvCxnSpPr>
+        <p:spPr>
+          <a:xfrm flipH="1">
+            <a:off x="5103012" y="2532031"/>
+            <a:ext cx="7" cy="658677"/>
+          </a:xfrm>
+          <a:prstGeom prst="straightConnector1">
+            <a:avLst/>
+          </a:prstGeom>
+          <a:ln>
+            <a:tailEnd type="triangle"/>
+          </a:ln>
+        </p:spPr>
+        <p:style>
+          <a:lnRef idx="2">
+            <a:schemeClr val="accent1"/>
+          </a:lnRef>
+          <a:fillRef idx="0">
+            <a:schemeClr val="accent1"/>
+          </a:fillRef>
+          <a:effectRef idx="1">
+            <a:schemeClr val="accent1"/>
+          </a:effectRef>
+          <a:fontRef idx="minor">
+            <a:schemeClr val="tx1"/>
+          </a:fontRef>
+        </p:style>
+      </p:cxnSp>
+      <p:sp>
+        <p:nvSpPr>
+          <p:cNvPr id="19" name="ZoneTexte 18">
+            <a:extLst>
+              <a:ext uri="{FF2B5EF4-FFF2-40B4-BE49-F238E27FC236}">
+                <a16:creationId xmlns:a16="http://schemas.microsoft.com/office/drawing/2014/main" id="{B2FFE27E-5D17-CED4-C71D-3EB68E816433}"/>
+              </a:ext>
+            </a:extLst>
+          </p:cNvPr>
+          <p:cNvSpPr txBox="1"/>
+          <p:nvPr/>
+        </p:nvSpPr>
+        <p:spPr>
+          <a:xfrm>
+            <a:off x="4705366" y="2673456"/>
+            <a:ext cx="585787" cy="369332"/>
+          </a:xfrm>
+          <a:prstGeom prst="rect">
+            <a:avLst/>
+          </a:prstGeom>
+          <a:noFill/>
+        </p:spPr>
+        <p:txBody>
+          <a:bodyPr wrap="square" rtlCol="0">
+            <a:spAutoFit/>
+          </a:bodyPr>
+          <a:lstStyle/>
+          <a:p>
+            <a:r>
+              <a:rPr lang="fr-FR" dirty="0"/>
+              <a:t>$</a:t>
+            </a:r>
+          </a:p>
+        </p:txBody>
+      </p:sp>
+      <p:sp>
+        <p:nvSpPr>
+          <p:cNvPr id="20" name="ZoneTexte 19">
+            <a:extLst>
+              <a:ext uri="{FF2B5EF4-FFF2-40B4-BE49-F238E27FC236}">
+                <a16:creationId xmlns:a16="http://schemas.microsoft.com/office/drawing/2014/main" id="{9E59A87E-D3A4-7852-9533-715C10834143}"/>
+              </a:ext>
+            </a:extLst>
+          </p:cNvPr>
+          <p:cNvSpPr txBox="1"/>
+          <p:nvPr/>
+        </p:nvSpPr>
+        <p:spPr>
+          <a:xfrm>
+            <a:off x="10179881" y="1880789"/>
+            <a:ext cx="1345371" cy="369332"/>
+          </a:xfrm>
+          <a:prstGeom prst="rect">
+            <a:avLst/>
+          </a:prstGeom>
+          <a:solidFill>
+            <a:schemeClr val="accent2">
+              <a:lumMod val="20000"/>
+              <a:lumOff val="80000"/>
+            </a:schemeClr>
+          </a:solidFill>
+          <a:ln w="25400">
             <a:solidFill>
-              <a:schemeClr val="accent2">
-                <a:lumMod val="20000"/>
-                <a:lumOff val="80000"/>
-              </a:schemeClr>
+              <a:schemeClr val="accent1"/>
             </a:solidFill>
-            <a:ln w="25400">
-              <a:solidFill>
-                <a:schemeClr val="accent1"/>
-              </a:solidFill>
-            </a:ln>
-          </p:spPr>
-          <p:txBody>
-            <a:bodyPr wrap="square" rtlCol="0">
-              <a:spAutoFit/>
-            </a:bodyPr>
-            <a:lstStyle/>
-            <a:p>
-              <a:pPr algn="ctr"/>
-              <a:r>
-                <a:rPr lang="fr-FR" dirty="0" err="1"/>
-                <a:t>commands</a:t>
-              </a:r>
-              <a:endParaRPr lang="fr-FR" dirty="0"/>
-            </a:p>
-          </p:txBody>
-        </p:sp>
-        <p:cxnSp>
-          <p:nvCxnSpPr>
-            <p:cNvPr id="21" name="Connecteur en angle 20">
-              <a:extLst>
-                <a:ext uri="{FF2B5EF4-FFF2-40B4-BE49-F238E27FC236}">
-                  <a16:creationId xmlns:a16="http://schemas.microsoft.com/office/drawing/2014/main" id="{07F88F78-2F40-2F45-A9D8-3FFF37306960}"/>
-                </a:ext>
-              </a:extLst>
-            </p:cNvPr>
-            <p:cNvCxnSpPr>
-              <a:cxnSpLocks/>
-              <a:stCxn id="5" idx="2"/>
-              <a:endCxn id="20" idx="0"/>
-            </p:cNvCxnSpPr>
-            <p:nvPr/>
-          </p:nvCxnSpPr>
-          <p:spPr>
-            <a:xfrm rot="16200000" flipH="1">
-              <a:off x="6707595" y="-2264184"/>
-              <a:ext cx="1183095" cy="7106849"/>
-            </a:xfrm>
-            <a:prstGeom prst="bentConnector3">
-              <a:avLst/>
-            </a:prstGeom>
-            <a:ln>
-              <a:tailEnd type="triangle"/>
-            </a:ln>
-          </p:spPr>
-          <p:style>
-            <a:lnRef idx="2">
-              <a:schemeClr val="accent1"/>
-            </a:lnRef>
-            <a:fillRef idx="0">
-              <a:schemeClr val="accent1"/>
-            </a:fillRef>
-            <a:effectRef idx="1">
-              <a:schemeClr val="accent1"/>
-            </a:effectRef>
-            <a:fontRef idx="minor">
-              <a:schemeClr val="tx1"/>
-            </a:fontRef>
-          </p:style>
-        </p:cxnSp>
-        <p:sp>
-          <p:nvSpPr>
-            <p:cNvPr id="22" name="ZoneTexte 21">
-              <a:extLst>
-                <a:ext uri="{FF2B5EF4-FFF2-40B4-BE49-F238E27FC236}">
-                  <a16:creationId xmlns:a16="http://schemas.microsoft.com/office/drawing/2014/main" id="{CC369183-1D2F-E6EB-F1EB-AE8EE5B446BC}"/>
-                </a:ext>
-              </a:extLst>
-            </p:cNvPr>
-            <p:cNvSpPr txBox="1"/>
-            <p:nvPr/>
-          </p:nvSpPr>
-          <p:spPr>
-            <a:xfrm>
-              <a:off x="9770285" y="2900186"/>
-              <a:ext cx="2145452" cy="1477328"/>
-            </a:xfrm>
-            <a:prstGeom prst="rect">
-              <a:avLst/>
-            </a:prstGeom>
+          </a:ln>
+        </p:spPr>
+        <p:txBody>
+          <a:bodyPr wrap="square" rtlCol="0">
+            <a:spAutoFit/>
+          </a:bodyPr>
+          <a:lstStyle/>
+          <a:p>
+            <a:pPr algn="ctr"/>
+            <a:r>
+              <a:rPr lang="fr-FR" dirty="0" err="1"/>
+              <a:t>commands</a:t>
+            </a:r>
+            <a:endParaRPr lang="fr-FR" dirty="0"/>
+          </a:p>
+        </p:txBody>
+      </p:sp>
+      <p:cxnSp>
+        <p:nvCxnSpPr>
+          <p:cNvPr id="21" name="Connecteur en angle 20">
+            <a:extLst>
+              <a:ext uri="{FF2B5EF4-FFF2-40B4-BE49-F238E27FC236}">
+                <a16:creationId xmlns:a16="http://schemas.microsoft.com/office/drawing/2014/main" id="{07F88F78-2F40-2F45-A9D8-3FFF37306960}"/>
+              </a:ext>
+            </a:extLst>
+          </p:cNvPr>
+          <p:cNvCxnSpPr>
+            <a:cxnSpLocks/>
+            <a:stCxn id="5" idx="2"/>
+            <a:endCxn id="20" idx="0"/>
+          </p:cNvCxnSpPr>
+          <p:nvPr/>
+        </p:nvCxnSpPr>
+        <p:spPr>
+          <a:xfrm rot="16200000" flipH="1">
+            <a:off x="6707595" y="-2264184"/>
+            <a:ext cx="1183095" cy="7106849"/>
+          </a:xfrm>
+          <a:prstGeom prst="bentConnector3">
+            <a:avLst/>
+          </a:prstGeom>
+          <a:ln>
+            <a:tailEnd type="triangle"/>
+          </a:ln>
+        </p:spPr>
+        <p:style>
+          <a:lnRef idx="2">
+            <a:schemeClr val="accent1"/>
+          </a:lnRef>
+          <a:fillRef idx="0">
+            <a:schemeClr val="accent1"/>
+          </a:fillRef>
+          <a:effectRef idx="1">
+            <a:schemeClr val="accent1"/>
+          </a:effectRef>
+          <a:fontRef idx="minor">
+            <a:schemeClr val="tx1"/>
+          </a:fontRef>
+        </p:style>
+      </p:cxnSp>
+      <p:sp>
+        <p:nvSpPr>
+          <p:cNvPr id="22" name="ZoneTexte 21">
+            <a:extLst>
+              <a:ext uri="{FF2B5EF4-FFF2-40B4-BE49-F238E27FC236}">
+                <a16:creationId xmlns:a16="http://schemas.microsoft.com/office/drawing/2014/main" id="{CC369183-1D2F-E6EB-F1EB-AE8EE5B446BC}"/>
+              </a:ext>
+            </a:extLst>
+          </p:cNvPr>
+          <p:cNvSpPr txBox="1"/>
+          <p:nvPr/>
+        </p:nvSpPr>
+        <p:spPr>
+          <a:xfrm>
+            <a:off x="9770285" y="2900186"/>
+            <a:ext cx="2145452" cy="1477328"/>
+          </a:xfrm>
+          <a:prstGeom prst="rect">
+            <a:avLst/>
+          </a:prstGeom>
+          <a:solidFill>
+            <a:schemeClr val="accent3">
+              <a:lumMod val="20000"/>
+              <a:lumOff val="80000"/>
+            </a:schemeClr>
+          </a:solidFill>
+          <a:ln w="25400">
             <a:solidFill>
-              <a:schemeClr val="accent3">
-                <a:lumMod val="20000"/>
-                <a:lumOff val="80000"/>
-              </a:schemeClr>
+              <a:schemeClr val="accent1"/>
             </a:solidFill>
-            <a:ln w="25400">
-              <a:solidFill>
-                <a:schemeClr val="accent1"/>
-              </a:solidFill>
-            </a:ln>
-          </p:spPr>
-          <p:txBody>
-            <a:bodyPr wrap="square" rtlCol="0">
-              <a:spAutoFit/>
-            </a:bodyPr>
-            <a:lstStyle/>
-            <a:p>
-              <a:pPr marL="285750" indent="-285750">
-                <a:buFont typeface="Arial" panose="020B0604020202020204" pitchFamily="34" charset="0"/>
-                <a:buChar char="•"/>
-              </a:pPr>
-              <a:r>
-                <a:rPr lang="fr-FR" sz="1000" dirty="0" err="1"/>
-                <a:t>NormalizeData.RNA</a:t>
-              </a:r>
-              <a:r>
-                <a:rPr lang="fr-FR" sz="1000" dirty="0"/>
-                <a:t>$ ……</a:t>
-              </a:r>
-            </a:p>
-            <a:p>
-              <a:pPr marL="285750" indent="-285750">
-                <a:buFont typeface="Arial" panose="020B0604020202020204" pitchFamily="34" charset="0"/>
-                <a:buChar char="•"/>
-              </a:pPr>
-              <a:r>
-                <a:rPr lang="fr-FR" sz="1000" dirty="0" err="1"/>
-                <a:t>FindVariableFeatures.RNA</a:t>
-              </a:r>
-              <a:r>
-                <a:rPr lang="fr-FR" sz="1000" dirty="0"/>
-                <a:t>$...</a:t>
-              </a:r>
-            </a:p>
-            <a:p>
-              <a:pPr marL="285750" indent="-285750">
-                <a:buFont typeface="Arial" panose="020B0604020202020204" pitchFamily="34" charset="0"/>
-                <a:buChar char="•"/>
-              </a:pPr>
-              <a:r>
-                <a:rPr lang="fr-FR" sz="1000" dirty="0" err="1"/>
-                <a:t>ScaleData.RNA</a:t>
-              </a:r>
-              <a:r>
-                <a:rPr lang="fr-FR" sz="1000" dirty="0"/>
-                <a:t>$......</a:t>
-              </a:r>
-            </a:p>
-            <a:p>
-              <a:pPr marL="285750" indent="-285750">
-                <a:buFont typeface="Arial" panose="020B0604020202020204" pitchFamily="34" charset="0"/>
-                <a:buChar char="•"/>
-              </a:pPr>
-              <a:r>
-                <a:rPr lang="fr-FR" sz="1000" dirty="0" err="1"/>
-                <a:t>RunPCA.RNA</a:t>
-              </a:r>
-              <a:r>
-                <a:rPr lang="fr-FR" sz="1000" dirty="0"/>
-                <a:t>$.......</a:t>
-              </a:r>
-            </a:p>
-            <a:p>
-              <a:pPr marL="285750" indent="-285750">
-                <a:buFont typeface="Arial" panose="020B0604020202020204" pitchFamily="34" charset="0"/>
-                <a:buChar char="•"/>
-              </a:pPr>
-              <a:r>
-                <a:rPr lang="fr-FR" sz="1000" dirty="0" err="1"/>
-                <a:t>FindNeighbors.RNA.pca</a:t>
-              </a:r>
-              <a:r>
-                <a:rPr lang="fr-FR" sz="1000" dirty="0"/>
-                <a:t>$.....</a:t>
-              </a:r>
-            </a:p>
-            <a:p>
-              <a:pPr marL="285750" indent="-285750">
-                <a:buFont typeface="Arial" panose="020B0604020202020204" pitchFamily="34" charset="0"/>
-                <a:buChar char="•"/>
-              </a:pPr>
-              <a:r>
-                <a:rPr lang="fr-FR" sz="1000" dirty="0" err="1"/>
-                <a:t>RunTSNE</a:t>
-              </a:r>
-              <a:r>
-                <a:rPr lang="fr-FR" sz="1000" dirty="0"/>
-                <a:t>$.....</a:t>
-              </a:r>
-            </a:p>
-            <a:p>
-              <a:pPr marL="285750" indent="-285750">
-                <a:buFont typeface="Arial" panose="020B0604020202020204" pitchFamily="34" charset="0"/>
-                <a:buChar char="•"/>
-              </a:pPr>
-              <a:r>
-                <a:rPr lang="fr-FR" sz="1000" dirty="0" err="1"/>
-                <a:t>RunUMAP.RNA.pca</a:t>
-              </a:r>
-              <a:r>
-                <a:rPr lang="fr-FR" sz="1000" dirty="0"/>
-                <a:t>$....</a:t>
-              </a:r>
-            </a:p>
-            <a:p>
-              <a:pPr marL="285750" indent="-285750">
-                <a:buFont typeface="Arial" panose="020B0604020202020204" pitchFamily="34" charset="0"/>
-                <a:buChar char="•"/>
-              </a:pPr>
-              <a:r>
-                <a:rPr lang="fr-FR" sz="1000" dirty="0" err="1"/>
-                <a:t>FindClusters</a:t>
-              </a:r>
-              <a:r>
-                <a:rPr lang="fr-FR" sz="1000" dirty="0"/>
-                <a:t>$......</a:t>
-              </a:r>
-            </a:p>
-            <a:p>
-              <a:endParaRPr lang="fr-FR" sz="1000" dirty="0"/>
-            </a:p>
-          </p:txBody>
-        </p:sp>
-        <p:cxnSp>
-          <p:nvCxnSpPr>
-            <p:cNvPr id="23" name="Connecteur droit avec flèche 22">
-              <a:extLst>
-                <a:ext uri="{FF2B5EF4-FFF2-40B4-BE49-F238E27FC236}">
-                  <a16:creationId xmlns:a16="http://schemas.microsoft.com/office/drawing/2014/main" id="{3E2132BB-5E65-55AC-4977-BDFBFE11A617}"/>
-                </a:ext>
-              </a:extLst>
-            </p:cNvPr>
-            <p:cNvCxnSpPr>
-              <a:cxnSpLocks/>
-              <a:stCxn id="20" idx="2"/>
-              <a:endCxn id="22" idx="0"/>
-            </p:cNvCxnSpPr>
-            <p:nvPr/>
-          </p:nvCxnSpPr>
-          <p:spPr>
-            <a:xfrm flipH="1">
-              <a:off x="10843011" y="2250121"/>
-              <a:ext cx="9556" cy="650065"/>
-            </a:xfrm>
-            <a:prstGeom prst="straightConnector1">
-              <a:avLst/>
-            </a:prstGeom>
-            <a:ln>
-              <a:tailEnd type="triangle"/>
-            </a:ln>
-          </p:spPr>
-          <p:style>
-            <a:lnRef idx="2">
-              <a:schemeClr val="accent1"/>
-            </a:lnRef>
-            <a:fillRef idx="0">
-              <a:schemeClr val="accent1"/>
-            </a:fillRef>
-            <a:effectRef idx="1">
-              <a:schemeClr val="accent1"/>
-            </a:effectRef>
-            <a:fontRef idx="minor">
-              <a:schemeClr val="tx1"/>
-            </a:fontRef>
-          </p:style>
-        </p:cxnSp>
-        <p:sp>
-          <p:nvSpPr>
-            <p:cNvPr id="24" name="ZoneTexte 23">
-              <a:extLst>
-                <a:ext uri="{FF2B5EF4-FFF2-40B4-BE49-F238E27FC236}">
-                  <a16:creationId xmlns:a16="http://schemas.microsoft.com/office/drawing/2014/main" id="{22901ED4-F071-7120-4252-74E4DD16817A}"/>
-                </a:ext>
-              </a:extLst>
-            </p:cNvPr>
-            <p:cNvSpPr txBox="1"/>
-            <p:nvPr/>
-          </p:nvSpPr>
-          <p:spPr>
-            <a:xfrm>
-              <a:off x="10535829" y="2360809"/>
-              <a:ext cx="585787" cy="369332"/>
-            </a:xfrm>
-            <a:prstGeom prst="rect">
-              <a:avLst/>
-            </a:prstGeom>
-            <a:noFill/>
-          </p:spPr>
-          <p:txBody>
-            <a:bodyPr wrap="square" rtlCol="0">
-              <a:spAutoFit/>
-            </a:bodyPr>
-            <a:lstStyle/>
-            <a:p>
-              <a:r>
-                <a:rPr lang="fr-FR" dirty="0"/>
-                <a:t>$</a:t>
-              </a:r>
-            </a:p>
-          </p:txBody>
-        </p:sp>
-        <p:sp>
-          <p:nvSpPr>
-            <p:cNvPr id="25" name="ZoneTexte 24">
-              <a:extLst>
-                <a:ext uri="{FF2B5EF4-FFF2-40B4-BE49-F238E27FC236}">
-                  <a16:creationId xmlns:a16="http://schemas.microsoft.com/office/drawing/2014/main" id="{A3DBF10A-062C-1AF8-D2F1-6B957007B27C}"/>
-                </a:ext>
-              </a:extLst>
-            </p:cNvPr>
-            <p:cNvSpPr txBox="1"/>
-            <p:nvPr/>
-          </p:nvSpPr>
-          <p:spPr>
-            <a:xfrm>
-              <a:off x="7219971" y="1880933"/>
-              <a:ext cx="1428750" cy="369332"/>
-            </a:xfrm>
-            <a:prstGeom prst="rect">
-              <a:avLst/>
-            </a:prstGeom>
+          </a:ln>
+        </p:spPr>
+        <p:txBody>
+          <a:bodyPr wrap="square" rtlCol="0">
+            <a:spAutoFit/>
+          </a:bodyPr>
+          <a:lstStyle/>
+          <a:p>
+            <a:pPr marL="285750" indent="-285750">
+              <a:buFont typeface="Arial" panose="020B0604020202020204" pitchFamily="34" charset="0"/>
+              <a:buChar char="•"/>
+            </a:pPr>
+            <a:r>
+              <a:rPr lang="fr-FR" sz="1000" dirty="0" err="1"/>
+              <a:t>NormalizeData.RNA</a:t>
+            </a:r>
+            <a:r>
+              <a:rPr lang="fr-FR" sz="1000" dirty="0"/>
+              <a:t>$ ……</a:t>
+            </a:r>
+          </a:p>
+          <a:p>
+            <a:pPr marL="285750" indent="-285750">
+              <a:buFont typeface="Arial" panose="020B0604020202020204" pitchFamily="34" charset="0"/>
+              <a:buChar char="•"/>
+            </a:pPr>
+            <a:r>
+              <a:rPr lang="fr-FR" sz="1000" dirty="0" err="1"/>
+              <a:t>FindVariableFeatures.RNA</a:t>
+            </a:r>
+            <a:r>
+              <a:rPr lang="fr-FR" sz="1000" dirty="0"/>
+              <a:t>$...</a:t>
+            </a:r>
+          </a:p>
+          <a:p>
+            <a:pPr marL="285750" indent="-285750">
+              <a:buFont typeface="Arial" panose="020B0604020202020204" pitchFamily="34" charset="0"/>
+              <a:buChar char="•"/>
+            </a:pPr>
+            <a:r>
+              <a:rPr lang="fr-FR" sz="1000" dirty="0" err="1"/>
+              <a:t>ScaleData.RNA</a:t>
+            </a:r>
+            <a:r>
+              <a:rPr lang="fr-FR" sz="1000" dirty="0"/>
+              <a:t>$......</a:t>
+            </a:r>
+          </a:p>
+          <a:p>
+            <a:pPr marL="285750" indent="-285750">
+              <a:buFont typeface="Arial" panose="020B0604020202020204" pitchFamily="34" charset="0"/>
+              <a:buChar char="•"/>
+            </a:pPr>
+            <a:r>
+              <a:rPr lang="fr-FR" sz="1000" dirty="0" err="1"/>
+              <a:t>RunPCA.RNA</a:t>
+            </a:r>
+            <a:r>
+              <a:rPr lang="fr-FR" sz="1000" dirty="0"/>
+              <a:t>$.......</a:t>
+            </a:r>
+          </a:p>
+          <a:p>
+            <a:pPr marL="285750" indent="-285750">
+              <a:buFont typeface="Arial" panose="020B0604020202020204" pitchFamily="34" charset="0"/>
+              <a:buChar char="•"/>
+            </a:pPr>
+            <a:r>
+              <a:rPr lang="fr-FR" sz="1000" dirty="0" err="1"/>
+              <a:t>FindNeighbors.RNA.pca</a:t>
+            </a:r>
+            <a:r>
+              <a:rPr lang="fr-FR" sz="1000" dirty="0"/>
+              <a:t>$.....</a:t>
+            </a:r>
+          </a:p>
+          <a:p>
+            <a:pPr marL="285750" indent="-285750">
+              <a:buFont typeface="Arial" panose="020B0604020202020204" pitchFamily="34" charset="0"/>
+              <a:buChar char="•"/>
+            </a:pPr>
+            <a:r>
+              <a:rPr lang="fr-FR" sz="1000" dirty="0" err="1"/>
+              <a:t>RunTSNE</a:t>
+            </a:r>
+            <a:r>
+              <a:rPr lang="fr-FR" sz="1000" dirty="0"/>
+              <a:t>$.....</a:t>
+            </a:r>
+          </a:p>
+          <a:p>
+            <a:pPr marL="285750" indent="-285750">
+              <a:buFont typeface="Arial" panose="020B0604020202020204" pitchFamily="34" charset="0"/>
+              <a:buChar char="•"/>
+            </a:pPr>
+            <a:r>
+              <a:rPr lang="fr-FR" sz="1000" dirty="0" err="1"/>
+              <a:t>RunUMAP.RNA.pca</a:t>
+            </a:r>
+            <a:r>
+              <a:rPr lang="fr-FR" sz="1000" dirty="0"/>
+              <a:t>$....</a:t>
+            </a:r>
+          </a:p>
+          <a:p>
+            <a:pPr marL="285750" indent="-285750">
+              <a:buFont typeface="Arial" panose="020B0604020202020204" pitchFamily="34" charset="0"/>
+              <a:buChar char="•"/>
+            </a:pPr>
+            <a:r>
+              <a:rPr lang="fr-FR" sz="1000" dirty="0" err="1"/>
+              <a:t>FindClusters</a:t>
+            </a:r>
+            <a:r>
+              <a:rPr lang="fr-FR" sz="1000" dirty="0"/>
+              <a:t>$......</a:t>
+            </a:r>
+          </a:p>
+          <a:p>
+            <a:endParaRPr lang="fr-FR" sz="1000" dirty="0"/>
+          </a:p>
+        </p:txBody>
+      </p:sp>
+      <p:cxnSp>
+        <p:nvCxnSpPr>
+          <p:cNvPr id="23" name="Connecteur droit avec flèche 22">
+            <a:extLst>
+              <a:ext uri="{FF2B5EF4-FFF2-40B4-BE49-F238E27FC236}">
+                <a16:creationId xmlns:a16="http://schemas.microsoft.com/office/drawing/2014/main" id="{3E2132BB-5E65-55AC-4977-BDFBFE11A617}"/>
+              </a:ext>
+            </a:extLst>
+          </p:cNvPr>
+          <p:cNvCxnSpPr>
+            <a:cxnSpLocks/>
+            <a:stCxn id="20" idx="2"/>
+            <a:endCxn id="22" idx="0"/>
+          </p:cNvCxnSpPr>
+          <p:nvPr/>
+        </p:nvCxnSpPr>
+        <p:spPr>
+          <a:xfrm flipH="1">
+            <a:off x="10843011" y="2250121"/>
+            <a:ext cx="9556" cy="650065"/>
+          </a:xfrm>
+          <a:prstGeom prst="straightConnector1">
+            <a:avLst/>
+          </a:prstGeom>
+          <a:ln>
+            <a:tailEnd type="triangle"/>
+          </a:ln>
+        </p:spPr>
+        <p:style>
+          <a:lnRef idx="2">
+            <a:schemeClr val="accent1"/>
+          </a:lnRef>
+          <a:fillRef idx="0">
+            <a:schemeClr val="accent1"/>
+          </a:fillRef>
+          <a:effectRef idx="1">
+            <a:schemeClr val="accent1"/>
+          </a:effectRef>
+          <a:fontRef idx="minor">
+            <a:schemeClr val="tx1"/>
+          </a:fontRef>
+        </p:style>
+      </p:cxnSp>
+      <p:sp>
+        <p:nvSpPr>
+          <p:cNvPr id="24" name="ZoneTexte 23">
+            <a:extLst>
+              <a:ext uri="{FF2B5EF4-FFF2-40B4-BE49-F238E27FC236}">
+                <a16:creationId xmlns:a16="http://schemas.microsoft.com/office/drawing/2014/main" id="{22901ED4-F071-7120-4252-74E4DD16817A}"/>
+              </a:ext>
+            </a:extLst>
+          </p:cNvPr>
+          <p:cNvSpPr txBox="1"/>
+          <p:nvPr/>
+        </p:nvSpPr>
+        <p:spPr>
+          <a:xfrm>
+            <a:off x="10535829" y="2360809"/>
+            <a:ext cx="585787" cy="369332"/>
+          </a:xfrm>
+          <a:prstGeom prst="rect">
+            <a:avLst/>
+          </a:prstGeom>
+          <a:noFill/>
+        </p:spPr>
+        <p:txBody>
+          <a:bodyPr wrap="square" rtlCol="0">
+            <a:spAutoFit/>
+          </a:bodyPr>
+          <a:lstStyle/>
+          <a:p>
+            <a:r>
+              <a:rPr lang="fr-FR" dirty="0"/>
+              <a:t>$</a:t>
+            </a:r>
+          </a:p>
+        </p:txBody>
+      </p:sp>
+      <p:sp>
+        <p:nvSpPr>
+          <p:cNvPr id="25" name="ZoneTexte 24">
+            <a:extLst>
+              <a:ext uri="{FF2B5EF4-FFF2-40B4-BE49-F238E27FC236}">
+                <a16:creationId xmlns:a16="http://schemas.microsoft.com/office/drawing/2014/main" id="{A3DBF10A-062C-1AF8-D2F1-6B957007B27C}"/>
+              </a:ext>
+            </a:extLst>
+          </p:cNvPr>
+          <p:cNvSpPr txBox="1"/>
+          <p:nvPr/>
+        </p:nvSpPr>
+        <p:spPr>
+          <a:xfrm>
+            <a:off x="7219971" y="1880933"/>
+            <a:ext cx="1428750" cy="369332"/>
+          </a:xfrm>
+          <a:prstGeom prst="rect">
+            <a:avLst/>
+          </a:prstGeom>
+          <a:solidFill>
+            <a:schemeClr val="accent2">
+              <a:lumMod val="20000"/>
+              <a:lumOff val="80000"/>
+            </a:schemeClr>
+          </a:solidFill>
+          <a:ln w="25400">
             <a:solidFill>
-              <a:schemeClr val="accent2">
-                <a:lumMod val="20000"/>
-                <a:lumOff val="80000"/>
-              </a:schemeClr>
+              <a:schemeClr val="accent1"/>
             </a:solidFill>
-            <a:ln w="25400">
-              <a:solidFill>
-                <a:schemeClr val="accent1"/>
-              </a:solidFill>
-            </a:ln>
-          </p:spPr>
-          <p:txBody>
-            <a:bodyPr wrap="square" rtlCol="0">
-              <a:spAutoFit/>
-            </a:bodyPr>
-            <a:lstStyle/>
-            <a:p>
-              <a:pPr algn="ctr"/>
-              <a:r>
-                <a:rPr lang="fr-FR" dirty="0" err="1"/>
-                <a:t>reductions</a:t>
-              </a:r>
-              <a:endParaRPr lang="fr-FR" dirty="0"/>
-            </a:p>
-          </p:txBody>
-        </p:sp>
-        <p:cxnSp>
-          <p:nvCxnSpPr>
-            <p:cNvPr id="26" name="Connecteur droit avec flèche 25">
-              <a:extLst>
-                <a:ext uri="{FF2B5EF4-FFF2-40B4-BE49-F238E27FC236}">
-                  <a16:creationId xmlns:a16="http://schemas.microsoft.com/office/drawing/2014/main" id="{63C67A9B-D803-503E-30AD-C71F3E2B2053}"/>
-                </a:ext>
-              </a:extLst>
-            </p:cNvPr>
-            <p:cNvCxnSpPr>
-              <a:cxnSpLocks/>
-              <a:endCxn id="25" idx="0"/>
-            </p:cNvCxnSpPr>
-            <p:nvPr/>
-          </p:nvCxnSpPr>
-          <p:spPr>
-            <a:xfrm>
-              <a:off x="7934346" y="1286930"/>
-              <a:ext cx="0" cy="594003"/>
-            </a:xfrm>
-            <a:prstGeom prst="straightConnector1">
-              <a:avLst/>
-            </a:prstGeom>
-            <a:ln>
-              <a:tailEnd type="triangle"/>
-            </a:ln>
-          </p:spPr>
-          <p:style>
-            <a:lnRef idx="2">
-              <a:schemeClr val="accent1"/>
-            </a:lnRef>
-            <a:fillRef idx="0">
-              <a:schemeClr val="accent1"/>
-            </a:fillRef>
-            <a:effectRef idx="1">
-              <a:schemeClr val="accent1"/>
-            </a:effectRef>
-            <a:fontRef idx="minor">
-              <a:schemeClr val="tx1"/>
-            </a:fontRef>
-          </p:style>
-        </p:cxnSp>
-        <p:sp>
-          <p:nvSpPr>
-            <p:cNvPr id="27" name="ZoneTexte 26">
-              <a:extLst>
-                <a:ext uri="{FF2B5EF4-FFF2-40B4-BE49-F238E27FC236}">
-                  <a16:creationId xmlns:a16="http://schemas.microsoft.com/office/drawing/2014/main" id="{032C65E2-5405-B83B-0F05-BD5DECE4B0B6}"/>
-                </a:ext>
-              </a:extLst>
-            </p:cNvPr>
-            <p:cNvSpPr txBox="1"/>
-            <p:nvPr/>
-          </p:nvSpPr>
-          <p:spPr>
-            <a:xfrm>
-              <a:off x="6727033" y="2900190"/>
-              <a:ext cx="2719352" cy="3139321"/>
-            </a:xfrm>
-            <a:prstGeom prst="rect">
-              <a:avLst/>
-            </a:prstGeom>
+          </a:ln>
+        </p:spPr>
+        <p:txBody>
+          <a:bodyPr wrap="square" rtlCol="0">
+            <a:spAutoFit/>
+          </a:bodyPr>
+          <a:lstStyle/>
+          <a:p>
+            <a:pPr algn="ctr"/>
+            <a:r>
+              <a:rPr lang="fr-FR" dirty="0" err="1"/>
+              <a:t>reductions</a:t>
+            </a:r>
+            <a:endParaRPr lang="fr-FR" dirty="0"/>
+          </a:p>
+        </p:txBody>
+      </p:sp>
+      <p:cxnSp>
+        <p:nvCxnSpPr>
+          <p:cNvPr id="26" name="Connecteur droit avec flèche 25">
+            <a:extLst>
+              <a:ext uri="{FF2B5EF4-FFF2-40B4-BE49-F238E27FC236}">
+                <a16:creationId xmlns:a16="http://schemas.microsoft.com/office/drawing/2014/main" id="{63C67A9B-D803-503E-30AD-C71F3E2B2053}"/>
+              </a:ext>
+            </a:extLst>
+          </p:cNvPr>
+          <p:cNvCxnSpPr>
+            <a:cxnSpLocks/>
+            <a:endCxn id="25" idx="0"/>
+          </p:cNvCxnSpPr>
+          <p:nvPr/>
+        </p:nvCxnSpPr>
+        <p:spPr>
+          <a:xfrm>
+            <a:off x="7934346" y="1286930"/>
+            <a:ext cx="0" cy="594003"/>
+          </a:xfrm>
+          <a:prstGeom prst="straightConnector1">
+            <a:avLst/>
+          </a:prstGeom>
+          <a:ln>
+            <a:tailEnd type="triangle"/>
+          </a:ln>
+        </p:spPr>
+        <p:style>
+          <a:lnRef idx="2">
+            <a:schemeClr val="accent1"/>
+          </a:lnRef>
+          <a:fillRef idx="0">
+            <a:schemeClr val="accent1"/>
+          </a:fillRef>
+          <a:effectRef idx="1">
+            <a:schemeClr val="accent1"/>
+          </a:effectRef>
+          <a:fontRef idx="minor">
+            <a:schemeClr val="tx1"/>
+          </a:fontRef>
+        </p:style>
+      </p:cxnSp>
+      <p:sp>
+        <p:nvSpPr>
+          <p:cNvPr id="27" name="ZoneTexte 26">
+            <a:extLst>
+              <a:ext uri="{FF2B5EF4-FFF2-40B4-BE49-F238E27FC236}">
+                <a16:creationId xmlns:a16="http://schemas.microsoft.com/office/drawing/2014/main" id="{032C65E2-5405-B83B-0F05-BD5DECE4B0B6}"/>
+              </a:ext>
+            </a:extLst>
+          </p:cNvPr>
+          <p:cNvSpPr txBox="1"/>
+          <p:nvPr/>
+        </p:nvSpPr>
+        <p:spPr>
+          <a:xfrm>
+            <a:off x="6727033" y="2900190"/>
+            <a:ext cx="2719352" cy="3139321"/>
+          </a:xfrm>
+          <a:prstGeom prst="rect">
+            <a:avLst/>
+          </a:prstGeom>
+          <a:solidFill>
+            <a:schemeClr val="accent3">
+              <a:lumMod val="20000"/>
+              <a:lumOff val="80000"/>
+            </a:schemeClr>
+          </a:solidFill>
+          <a:ln w="25400">
             <a:solidFill>
-              <a:schemeClr val="accent3">
-                <a:lumMod val="20000"/>
-                <a:lumOff val="80000"/>
-              </a:schemeClr>
+              <a:schemeClr val="accent1"/>
             </a:solidFill>
-            <a:ln w="25400">
-              <a:solidFill>
-                <a:schemeClr val="accent1"/>
-              </a:solidFill>
-            </a:ln>
-          </p:spPr>
-          <p:txBody>
-            <a:bodyPr wrap="square" rtlCol="0">
-              <a:spAutoFit/>
-            </a:bodyPr>
-            <a:lstStyle/>
-            <a:p>
-              <a:pPr marL="285750" indent="-285750">
-                <a:buFont typeface="Arial" panose="020B0604020202020204" pitchFamily="34" charset="0"/>
-                <a:buChar char="•"/>
-              </a:pPr>
-              <a:r>
-                <a:rPr lang="fr-FR" dirty="0" err="1"/>
-                <a:t>pca</a:t>
-              </a:r>
-              <a:endParaRPr lang="fr-FR" dirty="0"/>
-            </a:p>
-            <a:p>
-              <a:pPr lvl="1"/>
-              <a:r>
-                <a:rPr lang="fr-FR" dirty="0"/>
-                <a:t>$</a:t>
-              </a:r>
-              <a:r>
-                <a:rPr lang="fr-FR" dirty="0" err="1"/>
-                <a:t>PC_k</a:t>
-              </a:r>
-              <a:endParaRPr lang="fr-FR" dirty="0"/>
-            </a:p>
-            <a:p>
-              <a:pPr lvl="1"/>
-              <a:r>
-                <a:rPr lang="fr-FR" dirty="0"/>
-                <a:t>@</a:t>
-              </a:r>
-              <a:r>
-                <a:rPr lang="fr-FR" dirty="0" err="1"/>
-                <a:t>cell.embeddings</a:t>
-              </a:r>
-              <a:endParaRPr lang="fr-FR" dirty="0"/>
-            </a:p>
-            <a:p>
-              <a:pPr lvl="1"/>
-              <a:r>
-                <a:rPr lang="fr-FR" dirty="0"/>
-                <a:t>@</a:t>
-              </a:r>
-              <a:r>
-                <a:rPr lang="fr-FR" dirty="0" err="1"/>
-                <a:t>feature.loadings</a:t>
-              </a:r>
-              <a:endParaRPr lang="fr-FR" dirty="0"/>
-            </a:p>
-            <a:p>
-              <a:pPr lvl="1"/>
-              <a:r>
-                <a:rPr lang="fr-FR" dirty="0"/>
-                <a:t>@</a:t>
-              </a:r>
-              <a:r>
-                <a:rPr lang="fr-FR" dirty="0" err="1"/>
-                <a:t>stdev</a:t>
-              </a:r>
-              <a:endParaRPr lang="fr-FR" dirty="0"/>
-            </a:p>
-            <a:p>
-              <a:pPr marL="285750" indent="-285750">
-                <a:buFont typeface="Arial" panose="020B0604020202020204" pitchFamily="34" charset="0"/>
-                <a:buChar char="•"/>
-              </a:pPr>
-              <a:r>
-                <a:rPr lang="fr-FR" dirty="0" err="1"/>
-                <a:t>tsne</a:t>
-              </a:r>
-              <a:endParaRPr lang="fr-FR" dirty="0"/>
-            </a:p>
-            <a:p>
-              <a:pPr lvl="1"/>
-              <a:r>
-                <a:rPr lang="fr-FR" dirty="0"/>
-                <a:t>$tSNE_1 ou tSNE_2</a:t>
-              </a:r>
-            </a:p>
-            <a:p>
-              <a:pPr lvl="1"/>
-              <a:r>
-                <a:rPr lang="fr-FR" dirty="0"/>
-                <a:t>@</a:t>
-              </a:r>
-              <a:r>
-                <a:rPr lang="fr-FR" dirty="0" err="1"/>
-                <a:t>cell.embeddings</a:t>
-              </a:r>
-              <a:endParaRPr lang="fr-FR" dirty="0"/>
-            </a:p>
-            <a:p>
-              <a:pPr marL="285750" indent="-285750">
-                <a:buFont typeface="Arial" panose="020B0604020202020204" pitchFamily="34" charset="0"/>
-                <a:buChar char="•"/>
-              </a:pPr>
-              <a:r>
-                <a:rPr lang="fr-FR" dirty="0" err="1"/>
-                <a:t>umap</a:t>
-              </a:r>
-              <a:endParaRPr lang="fr-FR" dirty="0"/>
-            </a:p>
-            <a:p>
-              <a:r>
-                <a:rPr lang="fr-FR" dirty="0"/>
-                <a:t>          $umap_1 et umap_2</a:t>
-              </a:r>
-            </a:p>
-            <a:p>
-              <a:r>
-                <a:rPr lang="fr-FR" dirty="0"/>
-                <a:t>          @</a:t>
-              </a:r>
-              <a:r>
-                <a:rPr lang="fr-FR" dirty="0" err="1"/>
-                <a:t>cell.embeddings</a:t>
-              </a:r>
-              <a:endParaRPr lang="fr-FR" dirty="0"/>
-            </a:p>
-          </p:txBody>
-        </p:sp>
-        <p:cxnSp>
-          <p:nvCxnSpPr>
-            <p:cNvPr id="28" name="Connecteur droit avec flèche 27">
-              <a:extLst>
-                <a:ext uri="{FF2B5EF4-FFF2-40B4-BE49-F238E27FC236}">
-                  <a16:creationId xmlns:a16="http://schemas.microsoft.com/office/drawing/2014/main" id="{FD6233F1-65E7-98CD-2197-280C34EEC4E9}"/>
-                </a:ext>
-              </a:extLst>
-            </p:cNvPr>
-            <p:cNvCxnSpPr>
-              <a:cxnSpLocks/>
-            </p:cNvCxnSpPr>
-            <p:nvPr/>
-          </p:nvCxnSpPr>
-          <p:spPr>
-            <a:xfrm flipH="1">
-              <a:off x="7948612" y="2241513"/>
-              <a:ext cx="7149" cy="658677"/>
-            </a:xfrm>
-            <a:prstGeom prst="straightConnector1">
-              <a:avLst/>
-            </a:prstGeom>
-            <a:ln>
-              <a:tailEnd type="triangle"/>
-            </a:ln>
-          </p:spPr>
-          <p:style>
-            <a:lnRef idx="2">
-              <a:schemeClr val="accent1"/>
-            </a:lnRef>
-            <a:fillRef idx="0">
-              <a:schemeClr val="accent1"/>
-            </a:fillRef>
-            <a:effectRef idx="1">
-              <a:schemeClr val="accent1"/>
-            </a:effectRef>
-            <a:fontRef idx="minor">
-              <a:schemeClr val="tx1"/>
-            </a:fontRef>
-          </p:style>
-        </p:cxnSp>
-        <p:sp>
-          <p:nvSpPr>
-            <p:cNvPr id="29" name="ZoneTexte 28">
-              <a:extLst>
-                <a:ext uri="{FF2B5EF4-FFF2-40B4-BE49-F238E27FC236}">
-                  <a16:creationId xmlns:a16="http://schemas.microsoft.com/office/drawing/2014/main" id="{F4755A47-3062-0197-A4A6-FEF51F8DFDE2}"/>
-                </a:ext>
-              </a:extLst>
-            </p:cNvPr>
-            <p:cNvSpPr txBox="1"/>
-            <p:nvPr/>
-          </p:nvSpPr>
-          <p:spPr>
-            <a:xfrm>
-              <a:off x="7629548" y="2354362"/>
-              <a:ext cx="585787" cy="369332"/>
-            </a:xfrm>
-            <a:prstGeom prst="rect">
-              <a:avLst/>
-            </a:prstGeom>
-            <a:noFill/>
-          </p:spPr>
-          <p:txBody>
-            <a:bodyPr wrap="square" rtlCol="0">
-              <a:spAutoFit/>
-            </a:bodyPr>
-            <a:lstStyle/>
-            <a:p>
-              <a:r>
-                <a:rPr lang="fr-FR" dirty="0"/>
-                <a:t>$</a:t>
-              </a:r>
-            </a:p>
-          </p:txBody>
-        </p:sp>
-      </p:grpSp>
+          </a:ln>
+        </p:spPr>
+        <p:txBody>
+          <a:bodyPr wrap="square" rtlCol="0">
+            <a:spAutoFit/>
+          </a:bodyPr>
+          <a:lstStyle/>
+          <a:p>
+            <a:pPr marL="285750" indent="-285750">
+              <a:buFont typeface="Arial" panose="020B0604020202020204" pitchFamily="34" charset="0"/>
+              <a:buChar char="•"/>
+            </a:pPr>
+            <a:r>
+              <a:rPr lang="fr-FR" dirty="0" err="1"/>
+              <a:t>pca</a:t>
+            </a:r>
+            <a:endParaRPr lang="fr-FR" dirty="0"/>
+          </a:p>
+          <a:p>
+            <a:pPr lvl="1"/>
+            <a:r>
+              <a:rPr lang="fr-FR" dirty="0"/>
+              <a:t>$</a:t>
+            </a:r>
+            <a:r>
+              <a:rPr lang="fr-FR" dirty="0" err="1"/>
+              <a:t>PC_k</a:t>
+            </a:r>
+            <a:endParaRPr lang="fr-FR" dirty="0"/>
+          </a:p>
+          <a:p>
+            <a:pPr lvl="1"/>
+            <a:r>
+              <a:rPr lang="fr-FR" dirty="0"/>
+              <a:t>@</a:t>
+            </a:r>
+            <a:r>
+              <a:rPr lang="fr-FR" dirty="0" err="1"/>
+              <a:t>cell.embeddings</a:t>
+            </a:r>
+            <a:endParaRPr lang="fr-FR" dirty="0"/>
+          </a:p>
+          <a:p>
+            <a:pPr lvl="1"/>
+            <a:r>
+              <a:rPr lang="fr-FR" dirty="0"/>
+              <a:t>@</a:t>
+            </a:r>
+            <a:r>
+              <a:rPr lang="fr-FR" dirty="0" err="1"/>
+              <a:t>feature.loadings</a:t>
+            </a:r>
+            <a:endParaRPr lang="fr-FR" dirty="0"/>
+          </a:p>
+          <a:p>
+            <a:pPr lvl="1"/>
+            <a:r>
+              <a:rPr lang="fr-FR" dirty="0"/>
+              <a:t>@</a:t>
+            </a:r>
+            <a:r>
+              <a:rPr lang="fr-FR" dirty="0" err="1"/>
+              <a:t>stdev</a:t>
+            </a:r>
+            <a:endParaRPr lang="fr-FR" dirty="0"/>
+          </a:p>
+          <a:p>
+            <a:pPr marL="285750" indent="-285750">
+              <a:buFont typeface="Arial" panose="020B0604020202020204" pitchFamily="34" charset="0"/>
+              <a:buChar char="•"/>
+            </a:pPr>
+            <a:r>
+              <a:rPr lang="fr-FR" dirty="0" err="1"/>
+              <a:t>tsne</a:t>
+            </a:r>
+            <a:endParaRPr lang="fr-FR" dirty="0"/>
+          </a:p>
+          <a:p>
+            <a:pPr lvl="1"/>
+            <a:r>
+              <a:rPr lang="fr-FR" dirty="0"/>
+              <a:t>$tSNE_1 ou tSNE_2</a:t>
+            </a:r>
+          </a:p>
+          <a:p>
+            <a:pPr lvl="1"/>
+            <a:r>
+              <a:rPr lang="fr-FR" dirty="0"/>
+              <a:t>@</a:t>
+            </a:r>
+            <a:r>
+              <a:rPr lang="fr-FR" dirty="0" err="1"/>
+              <a:t>cell.embeddings</a:t>
+            </a:r>
+            <a:endParaRPr lang="fr-FR" dirty="0"/>
+          </a:p>
+          <a:p>
+            <a:pPr marL="285750" indent="-285750">
+              <a:buFont typeface="Arial" panose="020B0604020202020204" pitchFamily="34" charset="0"/>
+              <a:buChar char="•"/>
+            </a:pPr>
+            <a:r>
+              <a:rPr lang="fr-FR" dirty="0" err="1"/>
+              <a:t>umap</a:t>
+            </a:r>
+            <a:endParaRPr lang="fr-FR" dirty="0"/>
+          </a:p>
+          <a:p>
+            <a:r>
+              <a:rPr lang="fr-FR" dirty="0"/>
+              <a:t>          $umap_1 et umap_2</a:t>
+            </a:r>
+          </a:p>
+          <a:p>
+            <a:r>
+              <a:rPr lang="fr-FR" dirty="0"/>
+              <a:t>          @</a:t>
+            </a:r>
+            <a:r>
+              <a:rPr lang="fr-FR" dirty="0" err="1"/>
+              <a:t>cell.embeddings</a:t>
+            </a:r>
+            <a:endParaRPr lang="fr-FR" dirty="0"/>
+          </a:p>
+        </p:txBody>
+      </p:sp>
+      <p:cxnSp>
+        <p:nvCxnSpPr>
+          <p:cNvPr id="28" name="Connecteur droit avec flèche 27">
+            <a:extLst>
+              <a:ext uri="{FF2B5EF4-FFF2-40B4-BE49-F238E27FC236}">
+                <a16:creationId xmlns:a16="http://schemas.microsoft.com/office/drawing/2014/main" id="{FD6233F1-65E7-98CD-2197-280C34EEC4E9}"/>
+              </a:ext>
+            </a:extLst>
+          </p:cNvPr>
+          <p:cNvCxnSpPr>
+            <a:cxnSpLocks/>
+          </p:cNvCxnSpPr>
+          <p:nvPr/>
+        </p:nvCxnSpPr>
+        <p:spPr>
+          <a:xfrm flipH="1">
+            <a:off x="7948612" y="2241513"/>
+            <a:ext cx="7149" cy="658677"/>
+          </a:xfrm>
+          <a:prstGeom prst="straightConnector1">
+            <a:avLst/>
+          </a:prstGeom>
+          <a:ln>
+            <a:tailEnd type="triangle"/>
+          </a:ln>
+        </p:spPr>
+        <p:style>
+          <a:lnRef idx="2">
+            <a:schemeClr val="accent1"/>
+          </a:lnRef>
+          <a:fillRef idx="0">
+            <a:schemeClr val="accent1"/>
+          </a:fillRef>
+          <a:effectRef idx="1">
+            <a:schemeClr val="accent1"/>
+          </a:effectRef>
+          <a:fontRef idx="minor">
+            <a:schemeClr val="tx1"/>
+          </a:fontRef>
+        </p:style>
+      </p:cxnSp>
+      <p:sp>
+        <p:nvSpPr>
+          <p:cNvPr id="29" name="ZoneTexte 28">
+            <a:extLst>
+              <a:ext uri="{FF2B5EF4-FFF2-40B4-BE49-F238E27FC236}">
+                <a16:creationId xmlns:a16="http://schemas.microsoft.com/office/drawing/2014/main" id="{F4755A47-3062-0197-A4A6-FEF51F8DFDE2}"/>
+              </a:ext>
+            </a:extLst>
+          </p:cNvPr>
+          <p:cNvSpPr txBox="1"/>
+          <p:nvPr/>
+        </p:nvSpPr>
+        <p:spPr>
+          <a:xfrm>
+            <a:off x="7629548" y="2354362"/>
+            <a:ext cx="585787" cy="369332"/>
+          </a:xfrm>
+          <a:prstGeom prst="rect">
+            <a:avLst/>
+          </a:prstGeom>
+          <a:noFill/>
+        </p:spPr>
+        <p:txBody>
+          <a:bodyPr wrap="square" rtlCol="0">
+            <a:spAutoFit/>
+          </a:bodyPr>
+          <a:lstStyle/>
+          <a:p>
+            <a:r>
+              <a:rPr lang="fr-FR" dirty="0"/>
+              <a:t>$</a:t>
+            </a:r>
+          </a:p>
+        </p:txBody>
+      </p:sp>
     </p:spTree>
     <p:extLst>
       <p:ext uri="{BB962C8B-B14F-4D97-AF65-F5344CB8AC3E}">
@@ -5084,10 +5065,10 @@
       </p:sp>
       <p:grpSp>
         <p:nvGrpSpPr>
-          <p:cNvPr id="68" name="Groupe 67">
+          <p:cNvPr id="70" name="Groupe 69">
             <a:extLst>
               <a:ext uri="{FF2B5EF4-FFF2-40B4-BE49-F238E27FC236}">
-                <a16:creationId xmlns:a16="http://schemas.microsoft.com/office/drawing/2014/main" id="{11118801-D3A4-C57F-A1C5-1A82734C7BB1}"/>
+                <a16:creationId xmlns:a16="http://schemas.microsoft.com/office/drawing/2014/main" id="{98AFD52D-6F98-57DD-3B2A-2BBE7399449F}"/>
               </a:ext>
             </a:extLst>
           </p:cNvPr>
@@ -5659,8 +5640,8 @@
           </p:nvSpPr>
           <p:spPr>
             <a:xfrm>
-              <a:off x="5557256" y="3507268"/>
-              <a:ext cx="2171701" cy="923330"/>
+              <a:off x="5481056" y="3507268"/>
+              <a:ext cx="2331227" cy="923330"/>
             </a:xfrm>
             <a:prstGeom prst="rect">
               <a:avLst/>
@@ -5700,7 +5681,7 @@
               </a:pPr>
               <a:r>
                 <a:rPr lang="fr-FR" dirty="0" err="1"/>
-                <a:t>nCount_RNA</a:t>
+                <a:t>nCount_Spatial</a:t>
               </a:r>
               <a:endParaRPr lang="fr-FR" dirty="0"/>
             </a:p>
@@ -5711,7 +5692,7 @@
               </a:pPr>
               <a:r>
                 <a:rPr lang="fr-FR" dirty="0" err="1"/>
-                <a:t>nFeatures_RNA</a:t>
+                <a:t>nFeature_Spatial</a:t>
               </a:r>
               <a:endParaRPr lang="fr-FR" dirty="0"/>
             </a:p>
@@ -5727,6 +5708,7 @@
               </a:extLst>
             </p:cNvPr>
             <p:cNvCxnSpPr>
+              <a:cxnSpLocks/>
               <a:stCxn id="19" idx="2"/>
               <a:endCxn id="29" idx="0"/>
             </p:cNvCxnSpPr>
@@ -5735,7 +5717,7 @@
           <p:spPr>
             <a:xfrm>
               <a:off x="6643101" y="2865914"/>
-              <a:ext cx="6" cy="641354"/>
+              <a:ext cx="3569" cy="641354"/>
             </a:xfrm>
             <a:prstGeom prst="straightConnector1">
               <a:avLst/>
@@ -6381,6 +6363,3535 @@
     <p:extLst>
       <p:ext uri="{BB962C8B-B14F-4D97-AF65-F5344CB8AC3E}">
         <p14:creationId xmlns:p14="http://schemas.microsoft.com/office/powerpoint/2010/main" val="3278621036"/>
+      </p:ext>
+    </p:extLst>
+  </p:cSld>
+  <p:clrMapOvr>
+    <a:masterClrMapping/>
+  </p:clrMapOvr>
+</p:sld>
+</file>
+
+<file path=ppt/slides/slide12.xml><?xml version="1.0" encoding="utf-8"?>
+<p:sld xmlns:a="http://schemas.openxmlformats.org/drawingml/2006/main" xmlns:r="http://schemas.openxmlformats.org/officeDocument/2006/relationships" xmlns:p="http://schemas.openxmlformats.org/presentationml/2006/main">
+  <p:cSld>
+    <p:spTree>
+      <p:nvGrpSpPr>
+        <p:cNvPr id="1" name=""/>
+        <p:cNvGrpSpPr/>
+        <p:nvPr/>
+      </p:nvGrpSpPr>
+      <p:grpSpPr>
+        <a:xfrm>
+          <a:off x="0" y="0"/>
+          <a:ext cx="0" cy="0"/>
+          <a:chOff x="0" y="0"/>
+          <a:chExt cx="0" cy="0"/>
+        </a:xfrm>
+      </p:grpSpPr>
+      <p:grpSp>
+        <p:nvGrpSpPr>
+          <p:cNvPr id="47" name="Groupe 46">
+            <a:extLst>
+              <a:ext uri="{FF2B5EF4-FFF2-40B4-BE49-F238E27FC236}">
+                <a16:creationId xmlns:a16="http://schemas.microsoft.com/office/drawing/2014/main" id="{FA0F4594-7C02-F14C-FF7E-C0BB69859CA8}"/>
+              </a:ext>
+            </a:extLst>
+          </p:cNvPr>
+          <p:cNvGrpSpPr/>
+          <p:nvPr/>
+        </p:nvGrpSpPr>
+        <p:grpSpPr>
+          <a:xfrm>
+            <a:off x="219197" y="87618"/>
+            <a:ext cx="9920487" cy="6140277"/>
+            <a:chOff x="219197" y="87618"/>
+            <a:chExt cx="9920487" cy="6140277"/>
+          </a:xfrm>
+        </p:grpSpPr>
+        <p:sp>
+          <p:nvSpPr>
+            <p:cNvPr id="5" name="ZoneTexte 4">
+              <a:extLst>
+                <a:ext uri="{FF2B5EF4-FFF2-40B4-BE49-F238E27FC236}">
+                  <a16:creationId xmlns:a16="http://schemas.microsoft.com/office/drawing/2014/main" id="{BDB67FAB-7292-A628-754C-6795545C9625}"/>
+                </a:ext>
+              </a:extLst>
+            </p:cNvPr>
+            <p:cNvSpPr txBox="1"/>
+            <p:nvPr/>
+          </p:nvSpPr>
+          <p:spPr>
+            <a:xfrm>
+              <a:off x="5850432" y="87618"/>
+              <a:ext cx="1585913" cy="369332"/>
+            </a:xfrm>
+            <a:prstGeom prst="rect">
+              <a:avLst/>
+            </a:prstGeom>
+            <a:solidFill>
+              <a:schemeClr val="tx2">
+                <a:lumMod val="10000"/>
+                <a:lumOff val="90000"/>
+              </a:schemeClr>
+            </a:solidFill>
+            <a:ln w="25400">
+              <a:solidFill>
+                <a:schemeClr val="accent1"/>
+              </a:solidFill>
+            </a:ln>
+          </p:spPr>
+          <p:txBody>
+            <a:bodyPr wrap="square" rtlCol="0">
+              <a:spAutoFit/>
+            </a:bodyPr>
+            <a:lstStyle/>
+            <a:p>
+              <a:pPr algn="ctr"/>
+              <a:r>
+                <a:rPr lang="fr-FR" dirty="0"/>
+                <a:t>Seurat Object</a:t>
+              </a:r>
+            </a:p>
+          </p:txBody>
+        </p:sp>
+        <p:sp>
+          <p:nvSpPr>
+            <p:cNvPr id="6" name="ZoneTexte 5">
+              <a:extLst>
+                <a:ext uri="{FF2B5EF4-FFF2-40B4-BE49-F238E27FC236}">
+                  <a16:creationId xmlns:a16="http://schemas.microsoft.com/office/drawing/2014/main" id="{AA26D8CF-1C09-CBAB-6CB8-A891B4DF7D9A}"/>
+                </a:ext>
+              </a:extLst>
+            </p:cNvPr>
+            <p:cNvSpPr txBox="1"/>
+            <p:nvPr/>
+          </p:nvSpPr>
+          <p:spPr>
+            <a:xfrm>
+              <a:off x="3535577" y="1555907"/>
+              <a:ext cx="1428750" cy="369332"/>
+            </a:xfrm>
+            <a:prstGeom prst="rect">
+              <a:avLst/>
+            </a:prstGeom>
+            <a:solidFill>
+              <a:schemeClr val="accent2">
+                <a:lumMod val="20000"/>
+                <a:lumOff val="80000"/>
+              </a:schemeClr>
+            </a:solidFill>
+            <a:ln w="25400">
+              <a:solidFill>
+                <a:schemeClr val="accent1"/>
+              </a:solidFill>
+            </a:ln>
+          </p:spPr>
+          <p:txBody>
+            <a:bodyPr wrap="square" rtlCol="0">
+              <a:spAutoFit/>
+            </a:bodyPr>
+            <a:lstStyle/>
+            <a:p>
+              <a:pPr algn="ctr"/>
+              <a:r>
+                <a:rPr lang="fr-FR" dirty="0" err="1"/>
+                <a:t>assays</a:t>
+              </a:r>
+              <a:endParaRPr lang="fr-FR" dirty="0"/>
+            </a:p>
+          </p:txBody>
+        </p:sp>
+        <p:sp>
+          <p:nvSpPr>
+            <p:cNvPr id="7" name="ZoneTexte 6">
+              <a:extLst>
+                <a:ext uri="{FF2B5EF4-FFF2-40B4-BE49-F238E27FC236}">
+                  <a16:creationId xmlns:a16="http://schemas.microsoft.com/office/drawing/2014/main" id="{4643C23D-5641-98F4-1FA0-1EE0CD02905C}"/>
+                </a:ext>
+              </a:extLst>
+            </p:cNvPr>
+            <p:cNvSpPr txBox="1"/>
+            <p:nvPr/>
+          </p:nvSpPr>
+          <p:spPr>
+            <a:xfrm>
+              <a:off x="5378659" y="1555907"/>
+              <a:ext cx="2528883" cy="646331"/>
+            </a:xfrm>
+            <a:prstGeom prst="rect">
+              <a:avLst/>
+            </a:prstGeom>
+            <a:solidFill>
+              <a:schemeClr val="accent2">
+                <a:lumMod val="20000"/>
+                <a:lumOff val="80000"/>
+              </a:schemeClr>
+            </a:solidFill>
+            <a:ln w="25400">
+              <a:solidFill>
+                <a:schemeClr val="accent1"/>
+              </a:solidFill>
+            </a:ln>
+          </p:spPr>
+          <p:txBody>
+            <a:bodyPr wrap="square" rtlCol="0">
+              <a:spAutoFit/>
+            </a:bodyPr>
+            <a:lstStyle/>
+            <a:p>
+              <a:pPr algn="ctr"/>
+              <a:r>
+                <a:rPr lang="fr-FR" dirty="0" err="1"/>
+                <a:t>meta.data</a:t>
+              </a:r>
+              <a:endParaRPr lang="fr-FR" dirty="0"/>
+            </a:p>
+            <a:p>
+              <a:pPr algn="ctr"/>
+              <a:r>
+                <a:rPr lang="fr-FR" dirty="0"/>
+                <a:t>(info sur les spots)</a:t>
+              </a:r>
+            </a:p>
+          </p:txBody>
+        </p:sp>
+        <p:cxnSp>
+          <p:nvCxnSpPr>
+            <p:cNvPr id="8" name="Connecteur en angle 7">
+              <a:extLst>
+                <a:ext uri="{FF2B5EF4-FFF2-40B4-BE49-F238E27FC236}">
+                  <a16:creationId xmlns:a16="http://schemas.microsoft.com/office/drawing/2014/main" id="{36FB8BC5-8AD7-5226-919C-60E9BAFC2A2B}"/>
+                </a:ext>
+              </a:extLst>
+            </p:cNvPr>
+            <p:cNvCxnSpPr>
+              <a:cxnSpLocks/>
+              <a:endCxn id="6" idx="0"/>
+            </p:cNvCxnSpPr>
+            <p:nvPr/>
+          </p:nvCxnSpPr>
+          <p:spPr>
+            <a:xfrm rot="10800000" flipV="1">
+              <a:off x="4249952" y="966283"/>
+              <a:ext cx="2380736" cy="589623"/>
+            </a:xfrm>
+            <a:prstGeom prst="bentConnector2">
+              <a:avLst/>
+            </a:prstGeom>
+            <a:ln>
+              <a:tailEnd type="triangle"/>
+            </a:ln>
+          </p:spPr>
+          <p:style>
+            <a:lnRef idx="2">
+              <a:schemeClr val="accent1"/>
+            </a:lnRef>
+            <a:fillRef idx="0">
+              <a:schemeClr val="accent1"/>
+            </a:fillRef>
+            <a:effectRef idx="1">
+              <a:schemeClr val="accent1"/>
+            </a:effectRef>
+            <a:fontRef idx="minor">
+              <a:schemeClr val="tx1"/>
+            </a:fontRef>
+          </p:style>
+        </p:cxnSp>
+        <mc:AlternateContent xmlns:mc="http://schemas.openxmlformats.org/markup-compatibility/2006">
+          <mc:Choice xmlns:a14="http://schemas.microsoft.com/office/drawing/2010/main" Requires="a14">
+            <p:sp>
+              <p:nvSpPr>
+                <p:cNvPr id="9" name="ZoneTexte 8">
+                  <a:extLst>
+                    <a:ext uri="{FF2B5EF4-FFF2-40B4-BE49-F238E27FC236}">
+                      <a16:creationId xmlns:a16="http://schemas.microsoft.com/office/drawing/2014/main" id="{2C37962A-6DB5-22D4-AEDA-877FE05C043E}"/>
+                    </a:ext>
+                  </a:extLst>
+                </p:cNvPr>
+                <p:cNvSpPr txBox="1"/>
+                <p:nvPr/>
+              </p:nvSpPr>
+              <p:spPr>
+                <a:xfrm>
+                  <a:off x="5850432" y="563396"/>
+                  <a:ext cx="1243017" cy="369332"/>
+                </a:xfrm>
+                <a:prstGeom prst="rect">
+                  <a:avLst/>
+                </a:prstGeom>
+                <a:noFill/>
+              </p:spPr>
+              <p:txBody>
+                <a:bodyPr wrap="square" rtlCol="0">
+                  <a:spAutoFit/>
+                </a:bodyPr>
+                <a:lstStyle/>
+                <a:p>
+                  <a:pPr/>
+                  <a14:m>
+                    <m:oMathPara xmlns:m="http://schemas.openxmlformats.org/officeDocument/2006/math">
+                      <m:oMathParaPr>
+                        <m:jc m:val="centerGroup"/>
+                      </m:oMathParaPr>
+                      <m:oMath xmlns:m="http://schemas.openxmlformats.org/officeDocument/2006/math">
+                        <m:r>
+                          <a:rPr lang="fr-FR" b="0" i="1" smtClean="0">
+                            <a:latin typeface="Cambria Math" panose="02040503050406030204" pitchFamily="18" charset="0"/>
+                          </a:rPr>
+                          <m:t>@</m:t>
+                        </m:r>
+                      </m:oMath>
+                    </m:oMathPara>
+                  </a14:m>
+                  <a:endParaRPr lang="fr-FR" dirty="0"/>
+                </a:p>
+              </p:txBody>
+            </p:sp>
+          </mc:Choice>
+          <mc:Fallback>
+            <p:sp>
+              <p:nvSpPr>
+                <p:cNvPr id="9" name="ZoneTexte 8">
+                  <a:extLst>
+                    <a:ext uri="{FF2B5EF4-FFF2-40B4-BE49-F238E27FC236}">
+                      <a16:creationId xmlns:a16="http://schemas.microsoft.com/office/drawing/2014/main" id="{2C37962A-6DB5-22D4-AEDA-877FE05C043E}"/>
+                    </a:ext>
+                  </a:extLst>
+                </p:cNvPr>
+                <p:cNvSpPr txBox="1">
+                  <a:spLocks noRot="1" noChangeAspect="1" noMove="1" noResize="1" noEditPoints="1" noAdjustHandles="1" noChangeArrowheads="1" noChangeShapeType="1" noTextEdit="1"/>
+                </p:cNvSpPr>
+                <p:nvPr/>
+              </p:nvSpPr>
+              <p:spPr>
+                <a:xfrm>
+                  <a:off x="5850432" y="563396"/>
+                  <a:ext cx="1243017" cy="369332"/>
+                </a:xfrm>
+                <a:prstGeom prst="rect">
+                  <a:avLst/>
+                </a:prstGeom>
+                <a:blipFill>
+                  <a:blip r:embed="rId2"/>
+                  <a:stretch>
+                    <a:fillRect/>
+                  </a:stretch>
+                </a:blipFill>
+              </p:spPr>
+              <p:txBody>
+                <a:bodyPr/>
+                <a:lstStyle/>
+                <a:p>
+                  <a:r>
+                    <a:rPr lang="fr-FR">
+                      <a:noFill/>
+                    </a:rPr>
+                    <a:t> </a:t>
+                  </a:r>
+                </a:p>
+              </p:txBody>
+            </p:sp>
+          </mc:Fallback>
+        </mc:AlternateContent>
+        <p:sp>
+          <p:nvSpPr>
+            <p:cNvPr id="10" name="ZoneTexte 9">
+              <a:extLst>
+                <a:ext uri="{FF2B5EF4-FFF2-40B4-BE49-F238E27FC236}">
+                  <a16:creationId xmlns:a16="http://schemas.microsoft.com/office/drawing/2014/main" id="{631A7673-6B8A-D965-54AE-D02692A12724}"/>
+                </a:ext>
+              </a:extLst>
+            </p:cNvPr>
+            <p:cNvSpPr txBox="1"/>
+            <p:nvPr/>
+          </p:nvSpPr>
+          <p:spPr>
+            <a:xfrm>
+              <a:off x="3535577" y="2469420"/>
+              <a:ext cx="1428750" cy="369332"/>
+            </a:xfrm>
+            <a:prstGeom prst="rect">
+              <a:avLst/>
+            </a:prstGeom>
+            <a:solidFill>
+              <a:schemeClr val="accent3">
+                <a:lumMod val="20000"/>
+                <a:lumOff val="80000"/>
+              </a:schemeClr>
+            </a:solidFill>
+            <a:ln w="25400">
+              <a:solidFill>
+                <a:schemeClr val="accent1"/>
+              </a:solidFill>
+            </a:ln>
+          </p:spPr>
+          <p:txBody>
+            <a:bodyPr wrap="square" rtlCol="0">
+              <a:spAutoFit/>
+            </a:bodyPr>
+            <a:lstStyle/>
+            <a:p>
+              <a:pPr algn="ctr"/>
+              <a:r>
+                <a:rPr lang="fr-FR" dirty="0"/>
+                <a:t>Spatial</a:t>
+              </a:r>
+            </a:p>
+          </p:txBody>
+        </p:sp>
+        <p:cxnSp>
+          <p:nvCxnSpPr>
+            <p:cNvPr id="11" name="Connecteur droit avec flèche 10">
+              <a:extLst>
+                <a:ext uri="{FF2B5EF4-FFF2-40B4-BE49-F238E27FC236}">
+                  <a16:creationId xmlns:a16="http://schemas.microsoft.com/office/drawing/2014/main" id="{B5A27266-44E3-EDBA-7CD4-5C00A5E38E4F}"/>
+                </a:ext>
+              </a:extLst>
+            </p:cNvPr>
+            <p:cNvCxnSpPr>
+              <a:cxnSpLocks/>
+              <a:stCxn id="6" idx="2"/>
+              <a:endCxn id="10" idx="0"/>
+            </p:cNvCxnSpPr>
+            <p:nvPr/>
+          </p:nvCxnSpPr>
+          <p:spPr>
+            <a:xfrm>
+              <a:off x="4249952" y="1925239"/>
+              <a:ext cx="0" cy="544181"/>
+            </a:xfrm>
+            <a:prstGeom prst="straightConnector1">
+              <a:avLst/>
+            </a:prstGeom>
+            <a:ln>
+              <a:tailEnd type="triangle"/>
+            </a:ln>
+          </p:spPr>
+          <p:style>
+            <a:lnRef idx="2">
+              <a:schemeClr val="accent1"/>
+            </a:lnRef>
+            <a:fillRef idx="0">
+              <a:schemeClr val="accent1"/>
+            </a:fillRef>
+            <a:effectRef idx="1">
+              <a:schemeClr val="accent1"/>
+            </a:effectRef>
+            <a:fontRef idx="minor">
+              <a:schemeClr val="tx1"/>
+            </a:fontRef>
+          </p:style>
+        </p:cxnSp>
+        <p:sp>
+          <p:nvSpPr>
+            <p:cNvPr id="12" name="ZoneTexte 11">
+              <a:extLst>
+                <a:ext uri="{FF2B5EF4-FFF2-40B4-BE49-F238E27FC236}">
+                  <a16:creationId xmlns:a16="http://schemas.microsoft.com/office/drawing/2014/main" id="{7348919E-4DC6-65C0-7B10-E6F562D57A09}"/>
+                </a:ext>
+              </a:extLst>
+            </p:cNvPr>
+            <p:cNvSpPr txBox="1"/>
+            <p:nvPr/>
+          </p:nvSpPr>
+          <p:spPr>
+            <a:xfrm>
+              <a:off x="4232896" y="2019807"/>
+              <a:ext cx="585787" cy="369332"/>
+            </a:xfrm>
+            <a:prstGeom prst="rect">
+              <a:avLst/>
+            </a:prstGeom>
+            <a:noFill/>
+          </p:spPr>
+          <p:txBody>
+            <a:bodyPr wrap="square" rtlCol="0">
+              <a:spAutoFit/>
+            </a:bodyPr>
+            <a:lstStyle/>
+            <a:p>
+              <a:r>
+                <a:rPr lang="fr-FR" dirty="0"/>
+                <a:t>$</a:t>
+              </a:r>
+            </a:p>
+          </p:txBody>
+        </p:sp>
+        <p:sp>
+          <p:nvSpPr>
+            <p:cNvPr id="13" name="ZoneTexte 12">
+              <a:extLst>
+                <a:ext uri="{FF2B5EF4-FFF2-40B4-BE49-F238E27FC236}">
+                  <a16:creationId xmlns:a16="http://schemas.microsoft.com/office/drawing/2014/main" id="{B19A4716-559F-CCB3-6DF5-29AC6C1FCEE7}"/>
+                </a:ext>
+              </a:extLst>
+            </p:cNvPr>
+            <p:cNvSpPr txBox="1"/>
+            <p:nvPr/>
+          </p:nvSpPr>
+          <p:spPr>
+            <a:xfrm>
+              <a:off x="2958375" y="3639533"/>
+              <a:ext cx="2580977" cy="646331"/>
+            </a:xfrm>
+            <a:prstGeom prst="rect">
+              <a:avLst/>
+            </a:prstGeom>
+            <a:solidFill>
+              <a:schemeClr val="accent3">
+                <a:lumMod val="20000"/>
+                <a:lumOff val="80000"/>
+              </a:schemeClr>
+            </a:solidFill>
+            <a:ln w="25400">
+              <a:solidFill>
+                <a:schemeClr val="accent1"/>
+              </a:solidFill>
+            </a:ln>
+          </p:spPr>
+          <p:txBody>
+            <a:bodyPr wrap="square" rtlCol="0">
+              <a:spAutoFit/>
+            </a:bodyPr>
+            <a:lstStyle/>
+            <a:p>
+              <a:pPr marL="285750" indent="-285750">
+                <a:buFont typeface="Arial" panose="020B0604020202020204" pitchFamily="34" charset="0"/>
+                <a:buChar char="•"/>
+              </a:pPr>
+              <a:r>
+                <a:rPr lang="fr-FR" dirty="0" err="1"/>
+                <a:t>counts</a:t>
+              </a:r>
+              <a:endParaRPr lang="fr-FR" dirty="0"/>
+            </a:p>
+            <a:p>
+              <a:r>
+                <a:rPr lang="fr-FR" dirty="0"/>
+                <a:t>(comptages bruts G x C)</a:t>
+              </a:r>
+            </a:p>
+          </p:txBody>
+        </p:sp>
+        <p:cxnSp>
+          <p:nvCxnSpPr>
+            <p:cNvPr id="14" name="Connecteur droit avec flèche 13">
+              <a:extLst>
+                <a:ext uri="{FF2B5EF4-FFF2-40B4-BE49-F238E27FC236}">
+                  <a16:creationId xmlns:a16="http://schemas.microsoft.com/office/drawing/2014/main" id="{27B9B1B0-52B5-8216-5666-8495E917D695}"/>
+                </a:ext>
+              </a:extLst>
+            </p:cNvPr>
+            <p:cNvCxnSpPr>
+              <a:cxnSpLocks/>
+              <a:stCxn id="10" idx="2"/>
+              <a:endCxn id="13" idx="0"/>
+            </p:cNvCxnSpPr>
+            <p:nvPr/>
+          </p:nvCxnSpPr>
+          <p:spPr>
+            <a:xfrm flipH="1">
+              <a:off x="4248864" y="2838752"/>
+              <a:ext cx="1088" cy="800781"/>
+            </a:xfrm>
+            <a:prstGeom prst="straightConnector1">
+              <a:avLst/>
+            </a:prstGeom>
+            <a:ln>
+              <a:tailEnd type="triangle"/>
+            </a:ln>
+          </p:spPr>
+          <p:style>
+            <a:lnRef idx="2">
+              <a:schemeClr val="accent1"/>
+            </a:lnRef>
+            <a:fillRef idx="0">
+              <a:schemeClr val="accent1"/>
+            </a:fillRef>
+            <a:effectRef idx="1">
+              <a:schemeClr val="accent1"/>
+            </a:effectRef>
+            <a:fontRef idx="minor">
+              <a:schemeClr val="tx1"/>
+            </a:fontRef>
+          </p:style>
+        </p:cxnSp>
+        <p:sp>
+          <p:nvSpPr>
+            <p:cNvPr id="15" name="ZoneTexte 14">
+              <a:extLst>
+                <a:ext uri="{FF2B5EF4-FFF2-40B4-BE49-F238E27FC236}">
+                  <a16:creationId xmlns:a16="http://schemas.microsoft.com/office/drawing/2014/main" id="{AEED2EE3-3D40-383D-9596-1AF7EA774AD4}"/>
+                </a:ext>
+              </a:extLst>
+            </p:cNvPr>
+            <p:cNvSpPr txBox="1"/>
+            <p:nvPr/>
+          </p:nvSpPr>
+          <p:spPr>
+            <a:xfrm>
+              <a:off x="3873710" y="3272348"/>
+              <a:ext cx="585787" cy="369332"/>
+            </a:xfrm>
+            <a:prstGeom prst="rect">
+              <a:avLst/>
+            </a:prstGeom>
+            <a:noFill/>
+          </p:spPr>
+          <p:txBody>
+            <a:bodyPr wrap="square" rtlCol="0">
+              <a:spAutoFit/>
+            </a:bodyPr>
+            <a:lstStyle/>
+            <a:p>
+              <a:r>
+                <a:rPr lang="fr-FR" dirty="0"/>
+                <a:t>$</a:t>
+              </a:r>
+            </a:p>
+          </p:txBody>
+        </p:sp>
+        <p:sp>
+          <p:nvSpPr>
+            <p:cNvPr id="16" name="ZoneTexte 15">
+              <a:extLst>
+                <a:ext uri="{FF2B5EF4-FFF2-40B4-BE49-F238E27FC236}">
+                  <a16:creationId xmlns:a16="http://schemas.microsoft.com/office/drawing/2014/main" id="{692E9A23-8EEB-39E5-58CF-B1F274684323}"/>
+                </a:ext>
+              </a:extLst>
+            </p:cNvPr>
+            <p:cNvSpPr txBox="1"/>
+            <p:nvPr/>
+          </p:nvSpPr>
+          <p:spPr>
+            <a:xfrm>
+              <a:off x="5481056" y="2696112"/>
+              <a:ext cx="2331227" cy="923330"/>
+            </a:xfrm>
+            <a:prstGeom prst="rect">
+              <a:avLst/>
+            </a:prstGeom>
+            <a:solidFill>
+              <a:schemeClr val="accent3">
+                <a:lumMod val="20000"/>
+                <a:lumOff val="80000"/>
+              </a:schemeClr>
+            </a:solidFill>
+            <a:ln w="25400">
+              <a:solidFill>
+                <a:schemeClr val="accent1"/>
+              </a:solidFill>
+            </a:ln>
+          </p:spPr>
+          <p:txBody>
+            <a:bodyPr wrap="square" rtlCol="0">
+              <a:spAutoFit/>
+            </a:bodyPr>
+            <a:lstStyle/>
+            <a:p>
+              <a:pPr marL="285750" indent="-285750">
+                <a:buFont typeface="Arial" panose="020B0604020202020204" pitchFamily="34" charset="0"/>
+                <a:buChar char="•"/>
+              </a:pPr>
+              <a:r>
+                <a:rPr lang="fr-FR" dirty="0" err="1"/>
+                <a:t>orig.ident</a:t>
+              </a:r>
+              <a:endParaRPr lang="fr-FR" dirty="0"/>
+            </a:p>
+            <a:p>
+              <a:pPr marL="285750" indent="-285750">
+                <a:buFont typeface="Arial" panose="020B0604020202020204" pitchFamily="34" charset="0"/>
+                <a:buChar char="•"/>
+              </a:pPr>
+              <a:r>
+                <a:rPr lang="fr-FR" dirty="0" err="1"/>
+                <a:t>nCount_Spatial</a:t>
+              </a:r>
+              <a:endParaRPr lang="fr-FR" dirty="0"/>
+            </a:p>
+            <a:p>
+              <a:pPr marL="285750" indent="-285750">
+                <a:buFont typeface="Arial" panose="020B0604020202020204" pitchFamily="34" charset="0"/>
+                <a:buChar char="•"/>
+              </a:pPr>
+              <a:r>
+                <a:rPr lang="fr-FR" dirty="0" err="1"/>
+                <a:t>nFeature_Spatial</a:t>
+              </a:r>
+              <a:endParaRPr lang="fr-FR" dirty="0"/>
+            </a:p>
+          </p:txBody>
+        </p:sp>
+        <p:cxnSp>
+          <p:nvCxnSpPr>
+            <p:cNvPr id="17" name="Connecteur droit avec flèche 16">
+              <a:extLst>
+                <a:ext uri="{FF2B5EF4-FFF2-40B4-BE49-F238E27FC236}">
+                  <a16:creationId xmlns:a16="http://schemas.microsoft.com/office/drawing/2014/main" id="{F7330E5E-C82B-1EE2-4A59-4E1795FE774B}"/>
+                </a:ext>
+              </a:extLst>
+            </p:cNvPr>
+            <p:cNvCxnSpPr>
+              <a:cxnSpLocks/>
+              <a:stCxn id="7" idx="2"/>
+              <a:endCxn id="16" idx="0"/>
+            </p:cNvCxnSpPr>
+            <p:nvPr/>
+          </p:nvCxnSpPr>
+          <p:spPr>
+            <a:xfrm>
+              <a:off x="6643101" y="2202238"/>
+              <a:ext cx="3569" cy="493874"/>
+            </a:xfrm>
+            <a:prstGeom prst="straightConnector1">
+              <a:avLst/>
+            </a:prstGeom>
+            <a:ln>
+              <a:tailEnd type="triangle"/>
+            </a:ln>
+          </p:spPr>
+          <p:style>
+            <a:lnRef idx="2">
+              <a:schemeClr val="accent1"/>
+            </a:lnRef>
+            <a:fillRef idx="0">
+              <a:schemeClr val="accent1"/>
+            </a:fillRef>
+            <a:effectRef idx="1">
+              <a:schemeClr val="accent1"/>
+            </a:effectRef>
+            <a:fontRef idx="minor">
+              <a:schemeClr val="tx1"/>
+            </a:fontRef>
+          </p:style>
+        </p:cxnSp>
+        <p:sp>
+          <p:nvSpPr>
+            <p:cNvPr id="18" name="ZoneTexte 17">
+              <a:extLst>
+                <a:ext uri="{FF2B5EF4-FFF2-40B4-BE49-F238E27FC236}">
+                  <a16:creationId xmlns:a16="http://schemas.microsoft.com/office/drawing/2014/main" id="{8ABF331E-61C6-D488-8225-406110993B47}"/>
+                </a:ext>
+              </a:extLst>
+            </p:cNvPr>
+            <p:cNvSpPr txBox="1"/>
+            <p:nvPr/>
+          </p:nvSpPr>
+          <p:spPr>
+            <a:xfrm>
+              <a:off x="6245448" y="2343663"/>
+              <a:ext cx="585787" cy="369332"/>
+            </a:xfrm>
+            <a:prstGeom prst="rect">
+              <a:avLst/>
+            </a:prstGeom>
+            <a:noFill/>
+          </p:spPr>
+          <p:txBody>
+            <a:bodyPr wrap="square" rtlCol="0">
+              <a:spAutoFit/>
+            </a:bodyPr>
+            <a:lstStyle/>
+            <a:p>
+              <a:r>
+                <a:rPr lang="fr-FR" dirty="0"/>
+                <a:t>$</a:t>
+              </a:r>
+            </a:p>
+          </p:txBody>
+        </p:sp>
+        <p:sp>
+          <p:nvSpPr>
+            <p:cNvPr id="19" name="ZoneTexte 18">
+              <a:extLst>
+                <a:ext uri="{FF2B5EF4-FFF2-40B4-BE49-F238E27FC236}">
+                  <a16:creationId xmlns:a16="http://schemas.microsoft.com/office/drawing/2014/main" id="{565917C4-ED73-928C-D0BC-C3732B8B1931}"/>
+                </a:ext>
+              </a:extLst>
+            </p:cNvPr>
+            <p:cNvSpPr txBox="1"/>
+            <p:nvPr/>
+          </p:nvSpPr>
+          <p:spPr>
+            <a:xfrm>
+              <a:off x="8315601" y="1553848"/>
+              <a:ext cx="1428750" cy="369332"/>
+            </a:xfrm>
+            <a:prstGeom prst="rect">
+              <a:avLst/>
+            </a:prstGeom>
+            <a:solidFill>
+              <a:schemeClr val="accent2">
+                <a:lumMod val="20000"/>
+                <a:lumOff val="80000"/>
+              </a:schemeClr>
+            </a:solidFill>
+            <a:ln w="25400">
+              <a:solidFill>
+                <a:schemeClr val="accent1"/>
+              </a:solidFill>
+            </a:ln>
+          </p:spPr>
+          <p:txBody>
+            <a:bodyPr wrap="square" rtlCol="0">
+              <a:spAutoFit/>
+            </a:bodyPr>
+            <a:lstStyle/>
+            <a:p>
+              <a:pPr algn="ctr"/>
+              <a:r>
+                <a:rPr lang="fr-FR" dirty="0"/>
+                <a:t>images</a:t>
+              </a:r>
+            </a:p>
+          </p:txBody>
+        </p:sp>
+        <p:cxnSp>
+          <p:nvCxnSpPr>
+            <p:cNvPr id="20" name="Connecteur en angle 19">
+              <a:extLst>
+                <a:ext uri="{FF2B5EF4-FFF2-40B4-BE49-F238E27FC236}">
+                  <a16:creationId xmlns:a16="http://schemas.microsoft.com/office/drawing/2014/main" id="{A7D92D40-310A-ED2F-1283-0A907BD84374}"/>
+                </a:ext>
+              </a:extLst>
+            </p:cNvPr>
+            <p:cNvCxnSpPr>
+              <a:endCxn id="19" idx="0"/>
+            </p:cNvCxnSpPr>
+            <p:nvPr/>
+          </p:nvCxnSpPr>
+          <p:spPr>
+            <a:xfrm>
+              <a:off x="6643100" y="961904"/>
+              <a:ext cx="2386876" cy="591944"/>
+            </a:xfrm>
+            <a:prstGeom prst="bentConnector2">
+              <a:avLst/>
+            </a:prstGeom>
+            <a:ln>
+              <a:tailEnd type="triangle"/>
+            </a:ln>
+          </p:spPr>
+          <p:style>
+            <a:lnRef idx="2">
+              <a:schemeClr val="accent1"/>
+            </a:lnRef>
+            <a:fillRef idx="0">
+              <a:schemeClr val="accent1"/>
+            </a:fillRef>
+            <a:effectRef idx="1">
+              <a:schemeClr val="accent1"/>
+            </a:effectRef>
+            <a:fontRef idx="minor">
+              <a:schemeClr val="tx1"/>
+            </a:fontRef>
+          </p:style>
+        </p:cxnSp>
+        <p:sp>
+          <p:nvSpPr>
+            <p:cNvPr id="21" name="ZoneTexte 20">
+              <a:extLst>
+                <a:ext uri="{FF2B5EF4-FFF2-40B4-BE49-F238E27FC236}">
+                  <a16:creationId xmlns:a16="http://schemas.microsoft.com/office/drawing/2014/main" id="{13C46C24-5297-94E3-6D70-5A58D0D33A85}"/>
+                </a:ext>
+              </a:extLst>
+            </p:cNvPr>
+            <p:cNvSpPr txBox="1"/>
+            <p:nvPr/>
+          </p:nvSpPr>
+          <p:spPr>
+            <a:xfrm>
+              <a:off x="8309984" y="2285470"/>
+              <a:ext cx="1428750" cy="369332"/>
+            </a:xfrm>
+            <a:prstGeom prst="rect">
+              <a:avLst/>
+            </a:prstGeom>
+            <a:solidFill>
+              <a:schemeClr val="accent3">
+                <a:lumMod val="20000"/>
+                <a:lumOff val="80000"/>
+              </a:schemeClr>
+            </a:solidFill>
+            <a:ln w="25400">
+              <a:solidFill>
+                <a:schemeClr val="accent1"/>
+              </a:solidFill>
+            </a:ln>
+          </p:spPr>
+          <p:txBody>
+            <a:bodyPr wrap="square" rtlCol="0">
+              <a:spAutoFit/>
+            </a:bodyPr>
+            <a:lstStyle/>
+            <a:p>
+              <a:pPr algn="ctr"/>
+              <a:r>
+                <a:rPr lang="fr-FR" dirty="0"/>
+                <a:t>……..</a:t>
+              </a:r>
+            </a:p>
+          </p:txBody>
+        </p:sp>
+        <p:sp>
+          <p:nvSpPr>
+            <p:cNvPr id="22" name="ZoneTexte 21">
+              <a:extLst>
+                <a:ext uri="{FF2B5EF4-FFF2-40B4-BE49-F238E27FC236}">
+                  <a16:creationId xmlns:a16="http://schemas.microsoft.com/office/drawing/2014/main" id="{D9680E56-AEBD-568D-4944-870102BA5B77}"/>
+                </a:ext>
+              </a:extLst>
+            </p:cNvPr>
+            <p:cNvSpPr txBox="1"/>
+            <p:nvPr/>
+          </p:nvSpPr>
+          <p:spPr>
+            <a:xfrm>
+              <a:off x="8731464" y="2647760"/>
+              <a:ext cx="585787" cy="369332"/>
+            </a:xfrm>
+            <a:prstGeom prst="rect">
+              <a:avLst/>
+            </a:prstGeom>
+            <a:noFill/>
+          </p:spPr>
+          <p:txBody>
+            <a:bodyPr wrap="square" rtlCol="0">
+              <a:spAutoFit/>
+            </a:bodyPr>
+            <a:lstStyle/>
+            <a:p>
+              <a:r>
+                <a:rPr lang="fr-FR" dirty="0"/>
+                <a:t>$</a:t>
+              </a:r>
+            </a:p>
+          </p:txBody>
+        </p:sp>
+        <p:sp>
+          <p:nvSpPr>
+            <p:cNvPr id="23" name="ZoneTexte 22">
+              <a:extLst>
+                <a:ext uri="{FF2B5EF4-FFF2-40B4-BE49-F238E27FC236}">
+                  <a16:creationId xmlns:a16="http://schemas.microsoft.com/office/drawing/2014/main" id="{818F98A4-7B1C-7173-5F7F-8F850FAC4EA0}"/>
+                </a:ext>
+              </a:extLst>
+            </p:cNvPr>
+            <p:cNvSpPr txBox="1"/>
+            <p:nvPr/>
+          </p:nvSpPr>
+          <p:spPr>
+            <a:xfrm>
+              <a:off x="8330058" y="3009310"/>
+              <a:ext cx="1428750" cy="369332"/>
+            </a:xfrm>
+            <a:prstGeom prst="rect">
+              <a:avLst/>
+            </a:prstGeom>
+            <a:solidFill>
+              <a:schemeClr val="accent3">
+                <a:lumMod val="20000"/>
+                <a:lumOff val="80000"/>
+              </a:schemeClr>
+            </a:solidFill>
+            <a:ln w="25400">
+              <a:solidFill>
+                <a:schemeClr val="accent1"/>
+              </a:solidFill>
+            </a:ln>
+          </p:spPr>
+          <p:txBody>
+            <a:bodyPr wrap="square" rtlCol="0">
+              <a:spAutoFit/>
+            </a:bodyPr>
+            <a:lstStyle/>
+            <a:p>
+              <a:pPr algn="ctr"/>
+              <a:r>
+                <a:rPr lang="fr-FR" dirty="0" err="1"/>
+                <a:t>centroids</a:t>
+              </a:r>
+              <a:endParaRPr lang="fr-FR" dirty="0"/>
+            </a:p>
+          </p:txBody>
+        </p:sp>
+        <p:cxnSp>
+          <p:nvCxnSpPr>
+            <p:cNvPr id="24" name="Connecteur droit avec flèche 23">
+              <a:extLst>
+                <a:ext uri="{FF2B5EF4-FFF2-40B4-BE49-F238E27FC236}">
+                  <a16:creationId xmlns:a16="http://schemas.microsoft.com/office/drawing/2014/main" id="{6C8D2A82-682D-B33F-CB3E-A9BC6DFE025D}"/>
+                </a:ext>
+              </a:extLst>
+            </p:cNvPr>
+            <p:cNvCxnSpPr/>
+            <p:nvPr/>
+          </p:nvCxnSpPr>
+          <p:spPr>
+            <a:xfrm>
+              <a:off x="9052666" y="3360026"/>
+              <a:ext cx="6" cy="641354"/>
+            </a:xfrm>
+            <a:prstGeom prst="straightConnector1">
+              <a:avLst/>
+            </a:prstGeom>
+            <a:ln>
+              <a:tailEnd type="triangle"/>
+            </a:ln>
+          </p:spPr>
+          <p:style>
+            <a:lnRef idx="2">
+              <a:schemeClr val="accent1"/>
+            </a:lnRef>
+            <a:fillRef idx="0">
+              <a:schemeClr val="accent1"/>
+            </a:fillRef>
+            <a:effectRef idx="1">
+              <a:schemeClr val="accent1"/>
+            </a:effectRef>
+            <a:fontRef idx="minor">
+              <a:schemeClr val="tx1"/>
+            </a:fontRef>
+          </p:style>
+        </p:cxnSp>
+        <mc:AlternateContent xmlns:mc="http://schemas.openxmlformats.org/markup-compatibility/2006">
+          <mc:Choice xmlns:a14="http://schemas.microsoft.com/office/drawing/2010/main" Requires="a14">
+            <p:sp>
+              <p:nvSpPr>
+                <p:cNvPr id="25" name="ZoneTexte 24">
+                  <a:extLst>
+                    <a:ext uri="{FF2B5EF4-FFF2-40B4-BE49-F238E27FC236}">
+                      <a16:creationId xmlns:a16="http://schemas.microsoft.com/office/drawing/2014/main" id="{EB5B2036-63F5-A314-5C64-7E3C366EA271}"/>
+                    </a:ext>
+                  </a:extLst>
+                </p:cNvPr>
+                <p:cNvSpPr txBox="1"/>
+                <p:nvPr/>
+              </p:nvSpPr>
+              <p:spPr>
+                <a:xfrm>
+                  <a:off x="8449703" y="3468168"/>
+                  <a:ext cx="879740" cy="369332"/>
+                </a:xfrm>
+                <a:prstGeom prst="rect">
+                  <a:avLst/>
+                </a:prstGeom>
+                <a:noFill/>
+              </p:spPr>
+              <p:txBody>
+                <a:bodyPr wrap="square" rtlCol="0">
+                  <a:spAutoFit/>
+                </a:bodyPr>
+                <a:lstStyle/>
+                <a:p>
+                  <a:pPr/>
+                  <a14:m>
+                    <m:oMathPara xmlns:m="http://schemas.openxmlformats.org/officeDocument/2006/math">
+                      <m:oMathParaPr>
+                        <m:jc m:val="centerGroup"/>
+                      </m:oMathParaPr>
+                      <m:oMath xmlns:m="http://schemas.openxmlformats.org/officeDocument/2006/math">
+                        <m:r>
+                          <a:rPr lang="fr-FR" b="0" i="1" smtClean="0">
+                            <a:latin typeface="Cambria Math" panose="02040503050406030204" pitchFamily="18" charset="0"/>
+                          </a:rPr>
+                          <m:t>@</m:t>
+                        </m:r>
+                      </m:oMath>
+                    </m:oMathPara>
+                  </a14:m>
+                  <a:endParaRPr lang="fr-FR" dirty="0"/>
+                </a:p>
+              </p:txBody>
+            </p:sp>
+          </mc:Choice>
+          <mc:Fallback>
+            <p:sp>
+              <p:nvSpPr>
+                <p:cNvPr id="25" name="ZoneTexte 24">
+                  <a:extLst>
+                    <a:ext uri="{FF2B5EF4-FFF2-40B4-BE49-F238E27FC236}">
+                      <a16:creationId xmlns:a16="http://schemas.microsoft.com/office/drawing/2014/main" id="{EB5B2036-63F5-A314-5C64-7E3C366EA271}"/>
+                    </a:ext>
+                  </a:extLst>
+                </p:cNvPr>
+                <p:cNvSpPr txBox="1">
+                  <a:spLocks noRot="1" noChangeAspect="1" noMove="1" noResize="1" noEditPoints="1" noAdjustHandles="1" noChangeArrowheads="1" noChangeShapeType="1" noTextEdit="1"/>
+                </p:cNvSpPr>
+                <p:nvPr/>
+              </p:nvSpPr>
+              <p:spPr>
+                <a:xfrm>
+                  <a:off x="8449703" y="3468168"/>
+                  <a:ext cx="879740" cy="369332"/>
+                </a:xfrm>
+                <a:prstGeom prst="rect">
+                  <a:avLst/>
+                </a:prstGeom>
+                <a:blipFill>
+                  <a:blip r:embed="rId3"/>
+                  <a:stretch>
+                    <a:fillRect/>
+                  </a:stretch>
+                </a:blipFill>
+              </p:spPr>
+              <p:txBody>
+                <a:bodyPr/>
+                <a:lstStyle/>
+                <a:p>
+                  <a:r>
+                    <a:rPr lang="fr-FR">
+                      <a:noFill/>
+                    </a:rPr>
+                    <a:t> </a:t>
+                  </a:r>
+                </a:p>
+              </p:txBody>
+            </p:sp>
+          </mc:Fallback>
+        </mc:AlternateContent>
+        <p:sp>
+          <p:nvSpPr>
+            <p:cNvPr id="26" name="ZoneTexte 25">
+              <a:extLst>
+                <a:ext uri="{FF2B5EF4-FFF2-40B4-BE49-F238E27FC236}">
+                  <a16:creationId xmlns:a16="http://schemas.microsoft.com/office/drawing/2014/main" id="{C52DC95A-3780-E848-6D9B-67AF95B16AE0}"/>
+                </a:ext>
+              </a:extLst>
+            </p:cNvPr>
+            <p:cNvSpPr txBox="1"/>
+            <p:nvPr/>
+          </p:nvSpPr>
+          <p:spPr>
+            <a:xfrm>
+              <a:off x="7967983" y="4012979"/>
+              <a:ext cx="2171701" cy="923330"/>
+            </a:xfrm>
+            <a:prstGeom prst="rect">
+              <a:avLst/>
+            </a:prstGeom>
+            <a:solidFill>
+              <a:schemeClr val="accent3">
+                <a:lumMod val="20000"/>
+                <a:lumOff val="80000"/>
+              </a:schemeClr>
+            </a:solidFill>
+            <a:ln w="25400">
+              <a:solidFill>
+                <a:schemeClr val="accent1"/>
+              </a:solidFill>
+            </a:ln>
+          </p:spPr>
+          <p:txBody>
+            <a:bodyPr wrap="square" rtlCol="0">
+              <a:spAutoFit/>
+            </a:bodyPr>
+            <a:lstStyle/>
+            <a:p>
+              <a:pPr marL="285750" indent="-285750">
+                <a:buFont typeface="Arial" panose="020B0604020202020204" pitchFamily="34" charset="0"/>
+                <a:buChar char="•"/>
+              </a:pPr>
+              <a:r>
+                <a:rPr lang="fr-FR" dirty="0" err="1"/>
+                <a:t>coords</a:t>
+              </a:r>
+              <a:endParaRPr lang="fr-FR" dirty="0"/>
+            </a:p>
+            <a:p>
+              <a:pPr marL="285750" indent="-285750">
+                <a:buFont typeface="Arial" panose="020B0604020202020204" pitchFamily="34" charset="0"/>
+                <a:buChar char="•"/>
+              </a:pPr>
+              <a:r>
+                <a:rPr lang="fr-FR" dirty="0" err="1"/>
+                <a:t>bbox</a:t>
+              </a:r>
+              <a:endParaRPr lang="fr-FR" dirty="0"/>
+            </a:p>
+            <a:p>
+              <a:pPr marL="285750" indent="-285750">
+                <a:buFont typeface="Arial" panose="020B0604020202020204" pitchFamily="34" charset="0"/>
+                <a:buChar char="•"/>
+              </a:pPr>
+              <a:r>
+                <a:rPr lang="fr-FR" dirty="0"/>
+                <a:t>…..</a:t>
+              </a:r>
+            </a:p>
+          </p:txBody>
+        </p:sp>
+        <p:cxnSp>
+          <p:nvCxnSpPr>
+            <p:cNvPr id="27" name="Connecteur droit avec flèche 26">
+              <a:extLst>
+                <a:ext uri="{FF2B5EF4-FFF2-40B4-BE49-F238E27FC236}">
+                  <a16:creationId xmlns:a16="http://schemas.microsoft.com/office/drawing/2014/main" id="{9C9E988A-9A4E-E4C7-2BF7-6609C59E86F6}"/>
+                </a:ext>
+              </a:extLst>
+            </p:cNvPr>
+            <p:cNvCxnSpPr>
+              <a:stCxn id="5" idx="2"/>
+              <a:endCxn id="7" idx="0"/>
+            </p:cNvCxnSpPr>
+            <p:nvPr/>
+          </p:nvCxnSpPr>
+          <p:spPr>
+            <a:xfrm flipH="1">
+              <a:off x="6643101" y="456950"/>
+              <a:ext cx="288" cy="1098957"/>
+            </a:xfrm>
+            <a:prstGeom prst="straightConnector1">
+              <a:avLst/>
+            </a:prstGeom>
+            <a:ln>
+              <a:tailEnd type="triangle"/>
+            </a:ln>
+          </p:spPr>
+          <p:style>
+            <a:lnRef idx="2">
+              <a:schemeClr val="accent1"/>
+            </a:lnRef>
+            <a:fillRef idx="0">
+              <a:schemeClr val="accent1"/>
+            </a:fillRef>
+            <a:effectRef idx="1">
+              <a:schemeClr val="accent1"/>
+            </a:effectRef>
+            <a:fontRef idx="minor">
+              <a:schemeClr val="tx1"/>
+            </a:fontRef>
+          </p:style>
+        </p:cxnSp>
+        <p:cxnSp>
+          <p:nvCxnSpPr>
+            <p:cNvPr id="28" name="Connecteur droit avec flèche 27">
+              <a:extLst>
+                <a:ext uri="{FF2B5EF4-FFF2-40B4-BE49-F238E27FC236}">
+                  <a16:creationId xmlns:a16="http://schemas.microsoft.com/office/drawing/2014/main" id="{6B4FB5D1-B54C-E95D-4D33-B69497593BFB}"/>
+                </a:ext>
+              </a:extLst>
+            </p:cNvPr>
+            <p:cNvCxnSpPr>
+              <a:stCxn id="19" idx="2"/>
+              <a:endCxn id="21" idx="0"/>
+            </p:cNvCxnSpPr>
+            <p:nvPr/>
+          </p:nvCxnSpPr>
+          <p:spPr>
+            <a:xfrm flipH="1">
+              <a:off x="9024359" y="1923180"/>
+              <a:ext cx="5617" cy="362290"/>
+            </a:xfrm>
+            <a:prstGeom prst="straightConnector1">
+              <a:avLst/>
+            </a:prstGeom>
+            <a:ln>
+              <a:tailEnd type="triangle"/>
+            </a:ln>
+          </p:spPr>
+          <p:style>
+            <a:lnRef idx="2">
+              <a:schemeClr val="accent1"/>
+            </a:lnRef>
+            <a:fillRef idx="0">
+              <a:schemeClr val="accent1"/>
+            </a:fillRef>
+            <a:effectRef idx="1">
+              <a:schemeClr val="accent1"/>
+            </a:effectRef>
+            <a:fontRef idx="minor">
+              <a:schemeClr val="tx1"/>
+            </a:fontRef>
+          </p:style>
+        </p:cxnSp>
+        <p:sp>
+          <p:nvSpPr>
+            <p:cNvPr id="29" name="ZoneTexte 28">
+              <a:extLst>
+                <a:ext uri="{FF2B5EF4-FFF2-40B4-BE49-F238E27FC236}">
+                  <a16:creationId xmlns:a16="http://schemas.microsoft.com/office/drawing/2014/main" id="{E5C2F012-93CD-65D5-CB68-FFEA8892249A}"/>
+                </a:ext>
+              </a:extLst>
+            </p:cNvPr>
+            <p:cNvSpPr txBox="1"/>
+            <p:nvPr/>
+          </p:nvSpPr>
+          <p:spPr>
+            <a:xfrm>
+              <a:off x="8731465" y="1916138"/>
+              <a:ext cx="585787" cy="369332"/>
+            </a:xfrm>
+            <a:prstGeom prst="rect">
+              <a:avLst/>
+            </a:prstGeom>
+            <a:noFill/>
+          </p:spPr>
+          <p:txBody>
+            <a:bodyPr wrap="square" rtlCol="0">
+              <a:spAutoFit/>
+            </a:bodyPr>
+            <a:lstStyle/>
+            <a:p>
+              <a:r>
+                <a:rPr lang="fr-FR" dirty="0"/>
+                <a:t>$</a:t>
+              </a:r>
+            </a:p>
+          </p:txBody>
+        </p:sp>
+        <p:cxnSp>
+          <p:nvCxnSpPr>
+            <p:cNvPr id="30" name="Connecteur droit avec flèche 29">
+              <a:extLst>
+                <a:ext uri="{FF2B5EF4-FFF2-40B4-BE49-F238E27FC236}">
+                  <a16:creationId xmlns:a16="http://schemas.microsoft.com/office/drawing/2014/main" id="{788FCDFD-7EE0-3739-96AA-61C74DDBE639}"/>
+                </a:ext>
+              </a:extLst>
+            </p:cNvPr>
+            <p:cNvCxnSpPr>
+              <a:stCxn id="22" idx="0"/>
+              <a:endCxn id="22" idx="2"/>
+            </p:cNvCxnSpPr>
+            <p:nvPr/>
+          </p:nvCxnSpPr>
+          <p:spPr>
+            <a:xfrm>
+              <a:off x="9024358" y="2647760"/>
+              <a:ext cx="0" cy="369332"/>
+            </a:xfrm>
+            <a:prstGeom prst="straightConnector1">
+              <a:avLst/>
+            </a:prstGeom>
+            <a:ln>
+              <a:tailEnd type="triangle"/>
+            </a:ln>
+          </p:spPr>
+          <p:style>
+            <a:lnRef idx="2">
+              <a:schemeClr val="accent1"/>
+            </a:lnRef>
+            <a:fillRef idx="0">
+              <a:schemeClr val="accent1"/>
+            </a:fillRef>
+            <a:effectRef idx="1">
+              <a:schemeClr val="accent1"/>
+            </a:effectRef>
+            <a:fontRef idx="minor">
+              <a:schemeClr val="tx1"/>
+            </a:fontRef>
+          </p:style>
+        </p:cxnSp>
+        <p:sp>
+          <p:nvSpPr>
+            <p:cNvPr id="31" name="ZoneTexte 30">
+              <a:extLst>
+                <a:ext uri="{FF2B5EF4-FFF2-40B4-BE49-F238E27FC236}">
+                  <a16:creationId xmlns:a16="http://schemas.microsoft.com/office/drawing/2014/main" id="{15E8D953-2A70-13E2-EBCD-78A455297564}"/>
+                </a:ext>
+              </a:extLst>
+            </p:cNvPr>
+            <p:cNvSpPr txBox="1"/>
+            <p:nvPr/>
+          </p:nvSpPr>
+          <p:spPr>
+            <a:xfrm>
+              <a:off x="1665270" y="2463094"/>
+              <a:ext cx="1428750" cy="369332"/>
+            </a:xfrm>
+            <a:prstGeom prst="rect">
+              <a:avLst/>
+            </a:prstGeom>
+            <a:solidFill>
+              <a:schemeClr val="accent3">
+                <a:lumMod val="20000"/>
+                <a:lumOff val="80000"/>
+              </a:schemeClr>
+            </a:solidFill>
+            <a:ln w="25400">
+              <a:solidFill>
+                <a:schemeClr val="accent1"/>
+              </a:solidFill>
+            </a:ln>
+          </p:spPr>
+          <p:txBody>
+            <a:bodyPr wrap="square" rtlCol="0">
+              <a:spAutoFit/>
+            </a:bodyPr>
+            <a:lstStyle/>
+            <a:p>
+              <a:pPr algn="ctr"/>
+              <a:r>
+                <a:rPr lang="fr-FR" b="1" dirty="0">
+                  <a:solidFill>
+                    <a:srgbClr val="FF0000"/>
+                  </a:solidFill>
+                </a:rPr>
+                <a:t>SCT</a:t>
+              </a:r>
+            </a:p>
+          </p:txBody>
+        </p:sp>
+        <p:sp>
+          <p:nvSpPr>
+            <p:cNvPr id="33" name="ZoneTexte 32">
+              <a:extLst>
+                <a:ext uri="{FF2B5EF4-FFF2-40B4-BE49-F238E27FC236}">
+                  <a16:creationId xmlns:a16="http://schemas.microsoft.com/office/drawing/2014/main" id="{22F3CCB0-8512-3F42-1E18-C0071585DEC5}"/>
+                </a:ext>
+              </a:extLst>
+            </p:cNvPr>
+            <p:cNvSpPr txBox="1"/>
+            <p:nvPr/>
+          </p:nvSpPr>
+          <p:spPr>
+            <a:xfrm>
+              <a:off x="219197" y="4473569"/>
+              <a:ext cx="5078074" cy="1754326"/>
+            </a:xfrm>
+            <a:prstGeom prst="rect">
+              <a:avLst/>
+            </a:prstGeom>
+            <a:solidFill>
+              <a:schemeClr val="accent3">
+                <a:lumMod val="20000"/>
+                <a:lumOff val="80000"/>
+              </a:schemeClr>
+            </a:solidFill>
+            <a:ln w="25400">
+              <a:solidFill>
+                <a:schemeClr val="accent1"/>
+              </a:solidFill>
+            </a:ln>
+          </p:spPr>
+          <p:txBody>
+            <a:bodyPr wrap="square" rtlCol="0">
+              <a:spAutoFit/>
+            </a:bodyPr>
+            <a:lstStyle/>
+            <a:p>
+              <a:pPr marL="285750" indent="-285750">
+                <a:buFont typeface="Arial" panose="020B0604020202020204" pitchFamily="34" charset="0"/>
+                <a:buChar char="•"/>
+              </a:pPr>
+              <a:r>
+                <a:rPr lang="fr-FR" b="1" dirty="0" err="1">
+                  <a:solidFill>
+                    <a:srgbClr val="FF0000"/>
+                  </a:solidFill>
+                </a:rPr>
+                <a:t>counts</a:t>
+              </a:r>
+              <a:endParaRPr lang="fr-FR" b="1" dirty="0">
+                <a:solidFill>
+                  <a:srgbClr val="FF0000"/>
+                </a:solidFill>
+              </a:endParaRPr>
+            </a:p>
+            <a:p>
+              <a:r>
+                <a:rPr lang="fr-FR" dirty="0">
+                  <a:solidFill>
+                    <a:srgbClr val="FF0000"/>
+                  </a:solidFill>
+                </a:rPr>
+                <a:t>(matrice des comptages bruts G x C)</a:t>
+              </a:r>
+            </a:p>
+            <a:p>
+              <a:pPr marL="285750" indent="-285750">
+                <a:buFont typeface="Arial" panose="020B0604020202020204" pitchFamily="34" charset="0"/>
+                <a:buChar char="•"/>
+              </a:pPr>
+              <a:r>
+                <a:rPr lang="fr-FR" b="1" dirty="0">
+                  <a:solidFill>
+                    <a:srgbClr val="FF0000"/>
+                  </a:solidFill>
+                </a:rPr>
+                <a:t>data</a:t>
+              </a:r>
+            </a:p>
+            <a:p>
+              <a:r>
+                <a:rPr lang="fr-FR" dirty="0">
+                  <a:solidFill>
+                    <a:srgbClr val="FF0000"/>
+                  </a:solidFill>
+                </a:rPr>
+                <a:t>(matrice des comptages normalisés G x C)</a:t>
+              </a:r>
+            </a:p>
+            <a:p>
+              <a:pPr marL="285750" indent="-285750">
+                <a:buFont typeface="Arial" panose="020B0604020202020204" pitchFamily="34" charset="0"/>
+                <a:buChar char="•"/>
+              </a:pPr>
+              <a:r>
+                <a:rPr lang="fr-FR" b="1" dirty="0" err="1">
+                  <a:solidFill>
+                    <a:srgbClr val="FF0000"/>
+                  </a:solidFill>
+                </a:rPr>
+                <a:t>scaled.data</a:t>
+              </a:r>
+              <a:endParaRPr lang="fr-FR" b="1" dirty="0">
+                <a:solidFill>
+                  <a:srgbClr val="FF0000"/>
+                </a:solidFill>
+              </a:endParaRPr>
+            </a:p>
+            <a:p>
+              <a:r>
+                <a:rPr lang="fr-FR" dirty="0">
+                  <a:solidFill>
+                    <a:srgbClr val="FF0000"/>
+                  </a:solidFill>
+                </a:rPr>
+                <a:t>(matrice des données normalisées réduites J x C)</a:t>
+              </a:r>
+            </a:p>
+          </p:txBody>
+        </p:sp>
+        <p:cxnSp>
+          <p:nvCxnSpPr>
+            <p:cNvPr id="34" name="Connecteur droit avec flèche 33">
+              <a:extLst>
+                <a:ext uri="{FF2B5EF4-FFF2-40B4-BE49-F238E27FC236}">
+                  <a16:creationId xmlns:a16="http://schemas.microsoft.com/office/drawing/2014/main" id="{CB24408C-0044-6CCB-15FC-732D41B1C610}"/>
+                </a:ext>
+              </a:extLst>
+            </p:cNvPr>
+            <p:cNvCxnSpPr>
+              <a:cxnSpLocks/>
+              <a:stCxn id="31" idx="2"/>
+            </p:cNvCxnSpPr>
+            <p:nvPr/>
+          </p:nvCxnSpPr>
+          <p:spPr>
+            <a:xfrm flipH="1">
+              <a:off x="2372692" y="2832426"/>
+              <a:ext cx="6953" cy="1641143"/>
+            </a:xfrm>
+            <a:prstGeom prst="straightConnector1">
+              <a:avLst/>
+            </a:prstGeom>
+            <a:ln>
+              <a:tailEnd type="triangle"/>
+            </a:ln>
+          </p:spPr>
+          <p:style>
+            <a:lnRef idx="2">
+              <a:schemeClr val="accent1"/>
+            </a:lnRef>
+            <a:fillRef idx="0">
+              <a:schemeClr val="accent1"/>
+            </a:fillRef>
+            <a:effectRef idx="1">
+              <a:schemeClr val="accent1"/>
+            </a:effectRef>
+            <a:fontRef idx="minor">
+              <a:schemeClr val="tx1"/>
+            </a:fontRef>
+          </p:style>
+        </p:cxnSp>
+        <p:sp>
+          <p:nvSpPr>
+            <p:cNvPr id="35" name="ZoneTexte 34">
+              <a:extLst>
+                <a:ext uri="{FF2B5EF4-FFF2-40B4-BE49-F238E27FC236}">
+                  <a16:creationId xmlns:a16="http://schemas.microsoft.com/office/drawing/2014/main" id="{835FA5CB-B421-36A5-850F-7C92ACB281D5}"/>
+                </a:ext>
+              </a:extLst>
+            </p:cNvPr>
+            <p:cNvSpPr txBox="1"/>
+            <p:nvPr/>
+          </p:nvSpPr>
+          <p:spPr>
+            <a:xfrm>
+              <a:off x="2005586" y="3247772"/>
+              <a:ext cx="585787" cy="369332"/>
+            </a:xfrm>
+            <a:prstGeom prst="rect">
+              <a:avLst/>
+            </a:prstGeom>
+            <a:noFill/>
+          </p:spPr>
+          <p:txBody>
+            <a:bodyPr wrap="square" rtlCol="0">
+              <a:spAutoFit/>
+            </a:bodyPr>
+            <a:lstStyle/>
+            <a:p>
+              <a:r>
+                <a:rPr lang="fr-FR" dirty="0"/>
+                <a:t>$</a:t>
+              </a:r>
+            </a:p>
+          </p:txBody>
+        </p:sp>
+        <p:cxnSp>
+          <p:nvCxnSpPr>
+            <p:cNvPr id="37" name="Connecteur en angle 36">
+              <a:extLst>
+                <a:ext uri="{FF2B5EF4-FFF2-40B4-BE49-F238E27FC236}">
+                  <a16:creationId xmlns:a16="http://schemas.microsoft.com/office/drawing/2014/main" id="{6DC89BC3-6954-12C2-446E-0E8B001E61D3}"/>
+                </a:ext>
+              </a:extLst>
+            </p:cNvPr>
+            <p:cNvCxnSpPr>
+              <a:cxnSpLocks/>
+              <a:stCxn id="6" idx="2"/>
+              <a:endCxn id="31" idx="0"/>
+            </p:cNvCxnSpPr>
+            <p:nvPr/>
+          </p:nvCxnSpPr>
+          <p:spPr>
+            <a:xfrm rot="5400000">
+              <a:off x="3045872" y="1259013"/>
+              <a:ext cx="537855" cy="1870307"/>
+            </a:xfrm>
+            <a:prstGeom prst="bentConnector3">
+              <a:avLst/>
+            </a:prstGeom>
+            <a:ln>
+              <a:tailEnd type="triangle"/>
+            </a:ln>
+          </p:spPr>
+          <p:style>
+            <a:lnRef idx="2">
+              <a:schemeClr val="accent1"/>
+            </a:lnRef>
+            <a:fillRef idx="0">
+              <a:schemeClr val="accent1"/>
+            </a:fillRef>
+            <a:effectRef idx="1">
+              <a:schemeClr val="accent1"/>
+            </a:effectRef>
+            <a:fontRef idx="minor">
+              <a:schemeClr val="tx1"/>
+            </a:fontRef>
+          </p:style>
+        </p:cxnSp>
+      </p:grpSp>
+    </p:spTree>
+    <p:extLst>
+      <p:ext uri="{BB962C8B-B14F-4D97-AF65-F5344CB8AC3E}">
+        <p14:creationId xmlns:p14="http://schemas.microsoft.com/office/powerpoint/2010/main" val="3139009984"/>
+      </p:ext>
+    </p:extLst>
+  </p:cSld>
+  <p:clrMapOvr>
+    <a:masterClrMapping/>
+  </p:clrMapOvr>
+</p:sld>
+</file>
+
+<file path=ppt/slides/slide13.xml><?xml version="1.0" encoding="utf-8"?>
+<p:sld xmlns:a="http://schemas.openxmlformats.org/drawingml/2006/main" xmlns:r="http://schemas.openxmlformats.org/officeDocument/2006/relationships" xmlns:p="http://schemas.openxmlformats.org/presentationml/2006/main">
+  <p:cSld>
+    <p:spTree>
+      <p:nvGrpSpPr>
+        <p:cNvPr id="1" name=""/>
+        <p:cNvGrpSpPr/>
+        <p:nvPr/>
+      </p:nvGrpSpPr>
+      <p:grpSpPr>
+        <a:xfrm>
+          <a:off x="0" y="0"/>
+          <a:ext cx="0" cy="0"/>
+          <a:chOff x="0" y="0"/>
+          <a:chExt cx="0" cy="0"/>
+        </a:xfrm>
+      </p:grpSpPr>
+      <p:sp>
+        <p:nvSpPr>
+          <p:cNvPr id="5" name="ZoneTexte 4">
+            <a:extLst>
+              <a:ext uri="{FF2B5EF4-FFF2-40B4-BE49-F238E27FC236}">
+                <a16:creationId xmlns:a16="http://schemas.microsoft.com/office/drawing/2014/main" id="{93AA5D89-F448-B2F4-5FE1-0301D3B83D5A}"/>
+              </a:ext>
+            </a:extLst>
+          </p:cNvPr>
+          <p:cNvSpPr txBox="1"/>
+          <p:nvPr/>
+        </p:nvSpPr>
+        <p:spPr>
+          <a:xfrm>
+            <a:off x="5009778" y="87618"/>
+            <a:ext cx="1585913" cy="369332"/>
+          </a:xfrm>
+          <a:prstGeom prst="rect">
+            <a:avLst/>
+          </a:prstGeom>
+          <a:solidFill>
+            <a:schemeClr val="tx2">
+              <a:lumMod val="10000"/>
+              <a:lumOff val="90000"/>
+            </a:schemeClr>
+          </a:solidFill>
+          <a:ln w="25400">
+            <a:solidFill>
+              <a:schemeClr val="accent1"/>
+            </a:solidFill>
+          </a:ln>
+        </p:spPr>
+        <p:txBody>
+          <a:bodyPr wrap="square" rtlCol="0">
+            <a:spAutoFit/>
+          </a:bodyPr>
+          <a:lstStyle/>
+          <a:p>
+            <a:pPr algn="ctr"/>
+            <a:r>
+              <a:rPr lang="fr-FR" dirty="0"/>
+              <a:t>Seurat Object</a:t>
+            </a:r>
+          </a:p>
+        </p:txBody>
+      </p:sp>
+      <p:sp>
+        <p:nvSpPr>
+          <p:cNvPr id="6" name="ZoneTexte 5">
+            <a:extLst>
+              <a:ext uri="{FF2B5EF4-FFF2-40B4-BE49-F238E27FC236}">
+                <a16:creationId xmlns:a16="http://schemas.microsoft.com/office/drawing/2014/main" id="{701C0740-2A6E-983A-6640-D1F7B79D997E}"/>
+              </a:ext>
+            </a:extLst>
+          </p:cNvPr>
+          <p:cNvSpPr txBox="1"/>
+          <p:nvPr/>
+        </p:nvSpPr>
+        <p:spPr>
+          <a:xfrm>
+            <a:off x="1662531" y="1555907"/>
+            <a:ext cx="1428750" cy="369332"/>
+          </a:xfrm>
+          <a:prstGeom prst="rect">
+            <a:avLst/>
+          </a:prstGeom>
+          <a:solidFill>
+            <a:schemeClr val="accent2">
+              <a:lumMod val="20000"/>
+              <a:lumOff val="80000"/>
+            </a:schemeClr>
+          </a:solidFill>
+          <a:ln w="25400">
+            <a:solidFill>
+              <a:schemeClr val="accent1"/>
+            </a:solidFill>
+          </a:ln>
+        </p:spPr>
+        <p:txBody>
+          <a:bodyPr wrap="square" rtlCol="0">
+            <a:spAutoFit/>
+          </a:bodyPr>
+          <a:lstStyle/>
+          <a:p>
+            <a:pPr algn="ctr"/>
+            <a:r>
+              <a:rPr lang="fr-FR" dirty="0" err="1"/>
+              <a:t>assays</a:t>
+            </a:r>
+            <a:endParaRPr lang="fr-FR" dirty="0"/>
+          </a:p>
+        </p:txBody>
+      </p:sp>
+      <p:sp>
+        <p:nvSpPr>
+          <p:cNvPr id="7" name="ZoneTexte 6">
+            <a:extLst>
+              <a:ext uri="{FF2B5EF4-FFF2-40B4-BE49-F238E27FC236}">
+                <a16:creationId xmlns:a16="http://schemas.microsoft.com/office/drawing/2014/main" id="{0CB8082A-1532-5974-1080-8596C75F76C6}"/>
+              </a:ext>
+            </a:extLst>
+          </p:cNvPr>
+          <p:cNvSpPr txBox="1"/>
+          <p:nvPr/>
+        </p:nvSpPr>
+        <p:spPr>
+          <a:xfrm>
+            <a:off x="4538004" y="1555907"/>
+            <a:ext cx="2528883" cy="646331"/>
+          </a:xfrm>
+          <a:prstGeom prst="rect">
+            <a:avLst/>
+          </a:prstGeom>
+          <a:solidFill>
+            <a:schemeClr val="accent2">
+              <a:lumMod val="20000"/>
+              <a:lumOff val="80000"/>
+            </a:schemeClr>
+          </a:solidFill>
+          <a:ln w="25400">
+            <a:solidFill>
+              <a:schemeClr val="accent1"/>
+            </a:solidFill>
+          </a:ln>
+        </p:spPr>
+        <p:txBody>
+          <a:bodyPr wrap="square" rtlCol="0">
+            <a:spAutoFit/>
+          </a:bodyPr>
+          <a:lstStyle/>
+          <a:p>
+            <a:pPr algn="ctr"/>
+            <a:r>
+              <a:rPr lang="fr-FR" dirty="0" err="1"/>
+              <a:t>meta.data</a:t>
+            </a:r>
+            <a:endParaRPr lang="fr-FR" dirty="0"/>
+          </a:p>
+          <a:p>
+            <a:pPr algn="ctr"/>
+            <a:r>
+              <a:rPr lang="fr-FR" dirty="0"/>
+              <a:t>(info sur les spots)</a:t>
+            </a:r>
+          </a:p>
+        </p:txBody>
+      </p:sp>
+      <p:cxnSp>
+        <p:nvCxnSpPr>
+          <p:cNvPr id="8" name="Connecteur en angle 7">
+            <a:extLst>
+              <a:ext uri="{FF2B5EF4-FFF2-40B4-BE49-F238E27FC236}">
+                <a16:creationId xmlns:a16="http://schemas.microsoft.com/office/drawing/2014/main" id="{74EBB2D7-2B11-0113-9F46-8C89C55A3687}"/>
+              </a:ext>
+            </a:extLst>
+          </p:cNvPr>
+          <p:cNvCxnSpPr>
+            <a:cxnSpLocks/>
+            <a:endCxn id="6" idx="0"/>
+          </p:cNvCxnSpPr>
+          <p:nvPr/>
+        </p:nvCxnSpPr>
+        <p:spPr>
+          <a:xfrm rot="10800000" flipV="1">
+            <a:off x="2376907" y="966281"/>
+            <a:ext cx="3414359" cy="589625"/>
+          </a:xfrm>
+          <a:prstGeom prst="bentConnector2">
+            <a:avLst/>
+          </a:prstGeom>
+          <a:ln>
+            <a:tailEnd type="triangle"/>
+          </a:ln>
+        </p:spPr>
+        <p:style>
+          <a:lnRef idx="2">
+            <a:schemeClr val="accent1"/>
+          </a:lnRef>
+          <a:fillRef idx="0">
+            <a:schemeClr val="accent1"/>
+          </a:fillRef>
+          <a:effectRef idx="1">
+            <a:schemeClr val="accent1"/>
+          </a:effectRef>
+          <a:fontRef idx="minor">
+            <a:schemeClr val="tx1"/>
+          </a:fontRef>
+        </p:style>
+      </p:cxnSp>
+      <mc:AlternateContent xmlns:mc="http://schemas.openxmlformats.org/markup-compatibility/2006">
+        <mc:Choice xmlns:a14="http://schemas.microsoft.com/office/drawing/2010/main" Requires="a14">
+          <p:sp>
+            <p:nvSpPr>
+              <p:cNvPr id="9" name="ZoneTexte 8">
+                <a:extLst>
+                  <a:ext uri="{FF2B5EF4-FFF2-40B4-BE49-F238E27FC236}">
+                    <a16:creationId xmlns:a16="http://schemas.microsoft.com/office/drawing/2014/main" id="{00C30095-3D03-09C4-6E8C-AC7BD3147F3F}"/>
+                  </a:ext>
+                </a:extLst>
+              </p:cNvPr>
+              <p:cNvSpPr txBox="1"/>
+              <p:nvPr/>
+            </p:nvSpPr>
+            <p:spPr>
+              <a:xfrm>
+                <a:off x="4951862" y="529232"/>
+                <a:ext cx="1243017" cy="369332"/>
+              </a:xfrm>
+              <a:prstGeom prst="rect">
+                <a:avLst/>
+              </a:prstGeom>
+              <a:noFill/>
+            </p:spPr>
+            <p:txBody>
+              <a:bodyPr wrap="square" rtlCol="0">
+                <a:spAutoFit/>
+              </a:bodyPr>
+              <a:lstStyle/>
+              <a:p>
+                <a:pPr/>
+                <a14:m>
+                  <m:oMathPara xmlns:m="http://schemas.openxmlformats.org/officeDocument/2006/math">
+                    <m:oMathParaPr>
+                      <m:jc m:val="centerGroup"/>
+                    </m:oMathParaPr>
+                    <m:oMath xmlns:m="http://schemas.openxmlformats.org/officeDocument/2006/math">
+                      <m:r>
+                        <a:rPr lang="fr-FR" b="0" i="1" smtClean="0">
+                          <a:latin typeface="Cambria Math" panose="02040503050406030204" pitchFamily="18" charset="0"/>
+                        </a:rPr>
+                        <m:t>@</m:t>
+                      </m:r>
+                    </m:oMath>
+                  </m:oMathPara>
+                </a14:m>
+                <a:endParaRPr lang="fr-FR" dirty="0"/>
+              </a:p>
+            </p:txBody>
+          </p:sp>
+        </mc:Choice>
+        <mc:Fallback>
+          <p:sp>
+            <p:nvSpPr>
+              <p:cNvPr id="9" name="ZoneTexte 8">
+                <a:extLst>
+                  <a:ext uri="{FF2B5EF4-FFF2-40B4-BE49-F238E27FC236}">
+                    <a16:creationId xmlns:a16="http://schemas.microsoft.com/office/drawing/2014/main" id="{00C30095-3D03-09C4-6E8C-AC7BD3147F3F}"/>
+                  </a:ext>
+                </a:extLst>
+              </p:cNvPr>
+              <p:cNvSpPr txBox="1">
+                <a:spLocks noRot="1" noChangeAspect="1" noMove="1" noResize="1" noEditPoints="1" noAdjustHandles="1" noChangeArrowheads="1" noChangeShapeType="1" noTextEdit="1"/>
+              </p:cNvSpPr>
+              <p:nvPr/>
+            </p:nvSpPr>
+            <p:spPr>
+              <a:xfrm>
+                <a:off x="4951862" y="529232"/>
+                <a:ext cx="1243017" cy="369332"/>
+              </a:xfrm>
+              <a:prstGeom prst="rect">
+                <a:avLst/>
+              </a:prstGeom>
+              <a:blipFill>
+                <a:blip r:embed="rId2"/>
+                <a:stretch>
+                  <a:fillRect/>
+                </a:stretch>
+              </a:blipFill>
+            </p:spPr>
+            <p:txBody>
+              <a:bodyPr/>
+              <a:lstStyle/>
+              <a:p>
+                <a:r>
+                  <a:rPr lang="fr-FR">
+                    <a:noFill/>
+                  </a:rPr>
+                  <a:t> </a:t>
+                </a:r>
+              </a:p>
+            </p:txBody>
+          </p:sp>
+        </mc:Fallback>
+      </mc:AlternateContent>
+      <p:sp>
+        <p:nvSpPr>
+          <p:cNvPr id="10" name="ZoneTexte 9">
+            <a:extLst>
+              <a:ext uri="{FF2B5EF4-FFF2-40B4-BE49-F238E27FC236}">
+                <a16:creationId xmlns:a16="http://schemas.microsoft.com/office/drawing/2014/main" id="{700FBED4-D328-043D-5B80-5E97B86277E6}"/>
+              </a:ext>
+            </a:extLst>
+          </p:cNvPr>
+          <p:cNvSpPr txBox="1"/>
+          <p:nvPr/>
+        </p:nvSpPr>
+        <p:spPr>
+          <a:xfrm>
+            <a:off x="2768661" y="2469420"/>
+            <a:ext cx="1428750" cy="369332"/>
+          </a:xfrm>
+          <a:prstGeom prst="rect">
+            <a:avLst/>
+          </a:prstGeom>
+          <a:solidFill>
+            <a:schemeClr val="accent3">
+              <a:lumMod val="20000"/>
+              <a:lumOff val="80000"/>
+            </a:schemeClr>
+          </a:solidFill>
+          <a:ln w="25400">
+            <a:solidFill>
+              <a:schemeClr val="accent1"/>
+            </a:solidFill>
+          </a:ln>
+        </p:spPr>
+        <p:txBody>
+          <a:bodyPr wrap="square" rtlCol="0">
+            <a:spAutoFit/>
+          </a:bodyPr>
+          <a:lstStyle/>
+          <a:p>
+            <a:pPr algn="ctr"/>
+            <a:r>
+              <a:rPr lang="fr-FR" dirty="0"/>
+              <a:t>Spatial</a:t>
+            </a:r>
+          </a:p>
+        </p:txBody>
+      </p:sp>
+      <p:sp>
+        <p:nvSpPr>
+          <p:cNvPr id="12" name="ZoneTexte 11">
+            <a:extLst>
+              <a:ext uri="{FF2B5EF4-FFF2-40B4-BE49-F238E27FC236}">
+                <a16:creationId xmlns:a16="http://schemas.microsoft.com/office/drawing/2014/main" id="{8EA490F9-D523-64BD-B830-D46559E5A452}"/>
+              </a:ext>
+            </a:extLst>
+          </p:cNvPr>
+          <p:cNvSpPr txBox="1"/>
+          <p:nvPr/>
+        </p:nvSpPr>
+        <p:spPr>
+          <a:xfrm>
+            <a:off x="1986997" y="1909097"/>
+            <a:ext cx="585787" cy="369332"/>
+          </a:xfrm>
+          <a:prstGeom prst="rect">
+            <a:avLst/>
+          </a:prstGeom>
+          <a:noFill/>
+        </p:spPr>
+        <p:txBody>
+          <a:bodyPr wrap="square" rtlCol="0">
+            <a:spAutoFit/>
+          </a:bodyPr>
+          <a:lstStyle/>
+          <a:p>
+            <a:r>
+              <a:rPr lang="fr-FR" dirty="0"/>
+              <a:t>$</a:t>
+            </a:r>
+          </a:p>
+        </p:txBody>
+      </p:sp>
+      <p:sp>
+        <p:nvSpPr>
+          <p:cNvPr id="13" name="ZoneTexte 12">
+            <a:extLst>
+              <a:ext uri="{FF2B5EF4-FFF2-40B4-BE49-F238E27FC236}">
+                <a16:creationId xmlns:a16="http://schemas.microsoft.com/office/drawing/2014/main" id="{BC35F8EF-0BFC-2824-DE2D-B1ACA43CC43F}"/>
+              </a:ext>
+            </a:extLst>
+          </p:cNvPr>
+          <p:cNvSpPr txBox="1"/>
+          <p:nvPr/>
+        </p:nvSpPr>
+        <p:spPr>
+          <a:xfrm>
+            <a:off x="2191459" y="3639533"/>
+            <a:ext cx="2580977" cy="646331"/>
+          </a:xfrm>
+          <a:prstGeom prst="rect">
+            <a:avLst/>
+          </a:prstGeom>
+          <a:solidFill>
+            <a:schemeClr val="accent3">
+              <a:lumMod val="20000"/>
+              <a:lumOff val="80000"/>
+            </a:schemeClr>
+          </a:solidFill>
+          <a:ln w="25400">
+            <a:solidFill>
+              <a:schemeClr val="accent1"/>
+            </a:solidFill>
+          </a:ln>
+        </p:spPr>
+        <p:txBody>
+          <a:bodyPr wrap="square" rtlCol="0">
+            <a:spAutoFit/>
+          </a:bodyPr>
+          <a:lstStyle/>
+          <a:p>
+            <a:pPr marL="285750" indent="-285750">
+              <a:buFont typeface="Arial" panose="020B0604020202020204" pitchFamily="34" charset="0"/>
+              <a:buChar char="•"/>
+            </a:pPr>
+            <a:r>
+              <a:rPr lang="fr-FR" dirty="0" err="1"/>
+              <a:t>counts</a:t>
+            </a:r>
+            <a:endParaRPr lang="fr-FR" dirty="0"/>
+          </a:p>
+          <a:p>
+            <a:r>
+              <a:rPr lang="fr-FR" dirty="0"/>
+              <a:t>(comptages bruts G x C)</a:t>
+            </a:r>
+          </a:p>
+        </p:txBody>
+      </p:sp>
+      <p:cxnSp>
+        <p:nvCxnSpPr>
+          <p:cNvPr id="14" name="Connecteur droit avec flèche 13">
+            <a:extLst>
+              <a:ext uri="{FF2B5EF4-FFF2-40B4-BE49-F238E27FC236}">
+                <a16:creationId xmlns:a16="http://schemas.microsoft.com/office/drawing/2014/main" id="{200A8ACF-8249-A72D-7186-CCB6C70DF61F}"/>
+              </a:ext>
+            </a:extLst>
+          </p:cNvPr>
+          <p:cNvCxnSpPr>
+            <a:cxnSpLocks/>
+            <a:stCxn id="10" idx="2"/>
+            <a:endCxn id="13" idx="0"/>
+          </p:cNvCxnSpPr>
+          <p:nvPr/>
+        </p:nvCxnSpPr>
+        <p:spPr>
+          <a:xfrm flipH="1">
+            <a:off x="3481948" y="2838752"/>
+            <a:ext cx="1088" cy="800781"/>
+          </a:xfrm>
+          <a:prstGeom prst="straightConnector1">
+            <a:avLst/>
+          </a:prstGeom>
+          <a:ln>
+            <a:tailEnd type="triangle"/>
+          </a:ln>
+        </p:spPr>
+        <p:style>
+          <a:lnRef idx="2">
+            <a:schemeClr val="accent1"/>
+          </a:lnRef>
+          <a:fillRef idx="0">
+            <a:schemeClr val="accent1"/>
+          </a:fillRef>
+          <a:effectRef idx="1">
+            <a:schemeClr val="accent1"/>
+          </a:effectRef>
+          <a:fontRef idx="minor">
+            <a:schemeClr val="tx1"/>
+          </a:fontRef>
+        </p:style>
+      </p:cxnSp>
+      <p:sp>
+        <p:nvSpPr>
+          <p:cNvPr id="15" name="ZoneTexte 14">
+            <a:extLst>
+              <a:ext uri="{FF2B5EF4-FFF2-40B4-BE49-F238E27FC236}">
+                <a16:creationId xmlns:a16="http://schemas.microsoft.com/office/drawing/2014/main" id="{BF0B9BDE-0D4D-7C9F-17B3-9DC9E0B9DECE}"/>
+              </a:ext>
+            </a:extLst>
+          </p:cNvPr>
+          <p:cNvSpPr txBox="1"/>
+          <p:nvPr/>
+        </p:nvSpPr>
+        <p:spPr>
+          <a:xfrm>
+            <a:off x="2991320" y="2973111"/>
+            <a:ext cx="585787" cy="369332"/>
+          </a:xfrm>
+          <a:prstGeom prst="rect">
+            <a:avLst/>
+          </a:prstGeom>
+          <a:noFill/>
+        </p:spPr>
+        <p:txBody>
+          <a:bodyPr wrap="square" rtlCol="0">
+            <a:spAutoFit/>
+          </a:bodyPr>
+          <a:lstStyle/>
+          <a:p>
+            <a:r>
+              <a:rPr lang="fr-FR" dirty="0"/>
+              <a:t>$</a:t>
+            </a:r>
+          </a:p>
+        </p:txBody>
+      </p:sp>
+      <p:sp>
+        <p:nvSpPr>
+          <p:cNvPr id="16" name="ZoneTexte 15">
+            <a:extLst>
+              <a:ext uri="{FF2B5EF4-FFF2-40B4-BE49-F238E27FC236}">
+                <a16:creationId xmlns:a16="http://schemas.microsoft.com/office/drawing/2014/main" id="{46DD8E58-9E9C-54FF-34A8-1BAC22BF2D66}"/>
+              </a:ext>
+            </a:extLst>
+          </p:cNvPr>
+          <p:cNvSpPr txBox="1"/>
+          <p:nvPr/>
+        </p:nvSpPr>
+        <p:spPr>
+          <a:xfrm>
+            <a:off x="4625652" y="2637120"/>
+            <a:ext cx="2331227" cy="923330"/>
+          </a:xfrm>
+          <a:prstGeom prst="rect">
+            <a:avLst/>
+          </a:prstGeom>
+          <a:solidFill>
+            <a:schemeClr val="accent3">
+              <a:lumMod val="20000"/>
+              <a:lumOff val="80000"/>
+            </a:schemeClr>
+          </a:solidFill>
+          <a:ln w="25400">
+            <a:solidFill>
+              <a:schemeClr val="accent1"/>
+            </a:solidFill>
+          </a:ln>
+        </p:spPr>
+        <p:txBody>
+          <a:bodyPr wrap="square" rtlCol="0">
+            <a:spAutoFit/>
+          </a:bodyPr>
+          <a:lstStyle/>
+          <a:p>
+            <a:pPr marL="285750" indent="-285750">
+              <a:buFont typeface="Arial" panose="020B0604020202020204" pitchFamily="34" charset="0"/>
+              <a:buChar char="•"/>
+            </a:pPr>
+            <a:r>
+              <a:rPr lang="fr-FR" dirty="0" err="1"/>
+              <a:t>orig.ident</a:t>
+            </a:r>
+            <a:endParaRPr lang="fr-FR" dirty="0"/>
+          </a:p>
+          <a:p>
+            <a:pPr marL="285750" indent="-285750">
+              <a:buFont typeface="Arial" panose="020B0604020202020204" pitchFamily="34" charset="0"/>
+              <a:buChar char="•"/>
+            </a:pPr>
+            <a:r>
+              <a:rPr lang="fr-FR" dirty="0" err="1"/>
+              <a:t>nCount_Spatial</a:t>
+            </a:r>
+            <a:endParaRPr lang="fr-FR" dirty="0"/>
+          </a:p>
+          <a:p>
+            <a:pPr marL="285750" indent="-285750">
+              <a:buFont typeface="Arial" panose="020B0604020202020204" pitchFamily="34" charset="0"/>
+              <a:buChar char="•"/>
+            </a:pPr>
+            <a:r>
+              <a:rPr lang="fr-FR" dirty="0" err="1"/>
+              <a:t>nFeature_Spatial</a:t>
+            </a:r>
+            <a:endParaRPr lang="fr-FR" dirty="0"/>
+          </a:p>
+        </p:txBody>
+      </p:sp>
+      <p:cxnSp>
+        <p:nvCxnSpPr>
+          <p:cNvPr id="17" name="Connecteur droit avec flèche 16">
+            <a:extLst>
+              <a:ext uri="{FF2B5EF4-FFF2-40B4-BE49-F238E27FC236}">
+                <a16:creationId xmlns:a16="http://schemas.microsoft.com/office/drawing/2014/main" id="{AE97C9C0-2608-10F6-1B23-A5AD8A90C543}"/>
+              </a:ext>
+            </a:extLst>
+          </p:cNvPr>
+          <p:cNvCxnSpPr>
+            <a:cxnSpLocks/>
+            <a:stCxn id="7" idx="2"/>
+            <a:endCxn id="16" idx="0"/>
+          </p:cNvCxnSpPr>
+          <p:nvPr/>
+        </p:nvCxnSpPr>
+        <p:spPr>
+          <a:xfrm flipH="1">
+            <a:off x="5791266" y="2202238"/>
+            <a:ext cx="11180" cy="434882"/>
+          </a:xfrm>
+          <a:prstGeom prst="straightConnector1">
+            <a:avLst/>
+          </a:prstGeom>
+          <a:ln>
+            <a:tailEnd type="triangle"/>
+          </a:ln>
+        </p:spPr>
+        <p:style>
+          <a:lnRef idx="2">
+            <a:schemeClr val="accent1"/>
+          </a:lnRef>
+          <a:fillRef idx="0">
+            <a:schemeClr val="accent1"/>
+          </a:fillRef>
+          <a:effectRef idx="1">
+            <a:schemeClr val="accent1"/>
+          </a:effectRef>
+          <a:fontRef idx="minor">
+            <a:schemeClr val="tx1"/>
+          </a:fontRef>
+        </p:style>
+      </p:cxnSp>
+      <p:sp>
+        <p:nvSpPr>
+          <p:cNvPr id="18" name="ZoneTexte 17">
+            <a:extLst>
+              <a:ext uri="{FF2B5EF4-FFF2-40B4-BE49-F238E27FC236}">
+                <a16:creationId xmlns:a16="http://schemas.microsoft.com/office/drawing/2014/main" id="{4415A3DD-F710-9AD0-C471-A4BC830B5DE8}"/>
+              </a:ext>
+            </a:extLst>
+          </p:cNvPr>
+          <p:cNvSpPr txBox="1"/>
+          <p:nvPr/>
+        </p:nvSpPr>
+        <p:spPr>
+          <a:xfrm>
+            <a:off x="5891488" y="2240427"/>
+            <a:ext cx="585787" cy="369332"/>
+          </a:xfrm>
+          <a:prstGeom prst="rect">
+            <a:avLst/>
+          </a:prstGeom>
+          <a:noFill/>
+        </p:spPr>
+        <p:txBody>
+          <a:bodyPr wrap="square" rtlCol="0">
+            <a:spAutoFit/>
+          </a:bodyPr>
+          <a:lstStyle/>
+          <a:p>
+            <a:r>
+              <a:rPr lang="fr-FR" dirty="0"/>
+              <a:t>$</a:t>
+            </a:r>
+          </a:p>
+        </p:txBody>
+      </p:sp>
+      <p:sp>
+        <p:nvSpPr>
+          <p:cNvPr id="19" name="ZoneTexte 18">
+            <a:extLst>
+              <a:ext uri="{FF2B5EF4-FFF2-40B4-BE49-F238E27FC236}">
+                <a16:creationId xmlns:a16="http://schemas.microsoft.com/office/drawing/2014/main" id="{639C5B60-9AE0-FDCC-7AB9-3F841D6162AC}"/>
+              </a:ext>
+            </a:extLst>
+          </p:cNvPr>
+          <p:cNvSpPr txBox="1"/>
+          <p:nvPr/>
+        </p:nvSpPr>
+        <p:spPr>
+          <a:xfrm>
+            <a:off x="10675341" y="1553848"/>
+            <a:ext cx="1428750" cy="369332"/>
+          </a:xfrm>
+          <a:prstGeom prst="rect">
+            <a:avLst/>
+          </a:prstGeom>
+          <a:solidFill>
+            <a:schemeClr val="accent2">
+              <a:lumMod val="20000"/>
+              <a:lumOff val="80000"/>
+            </a:schemeClr>
+          </a:solidFill>
+          <a:ln w="25400">
+            <a:solidFill>
+              <a:schemeClr val="accent1"/>
+            </a:solidFill>
+          </a:ln>
+        </p:spPr>
+        <p:txBody>
+          <a:bodyPr wrap="square" rtlCol="0">
+            <a:spAutoFit/>
+          </a:bodyPr>
+          <a:lstStyle/>
+          <a:p>
+            <a:pPr algn="ctr"/>
+            <a:r>
+              <a:rPr lang="fr-FR" dirty="0"/>
+              <a:t>images</a:t>
+            </a:r>
+          </a:p>
+        </p:txBody>
+      </p:sp>
+      <p:cxnSp>
+        <p:nvCxnSpPr>
+          <p:cNvPr id="20" name="Connecteur en angle 19">
+            <a:extLst>
+              <a:ext uri="{FF2B5EF4-FFF2-40B4-BE49-F238E27FC236}">
+                <a16:creationId xmlns:a16="http://schemas.microsoft.com/office/drawing/2014/main" id="{D91E6C76-7A48-8BF6-13AA-C5955EB4DC8B}"/>
+              </a:ext>
+            </a:extLst>
+          </p:cNvPr>
+          <p:cNvCxnSpPr>
+            <a:cxnSpLocks/>
+            <a:endCxn id="19" idx="0"/>
+          </p:cNvCxnSpPr>
+          <p:nvPr/>
+        </p:nvCxnSpPr>
+        <p:spPr>
+          <a:xfrm>
+            <a:off x="5813915" y="966280"/>
+            <a:ext cx="5575801" cy="587568"/>
+          </a:xfrm>
+          <a:prstGeom prst="bentConnector2">
+            <a:avLst/>
+          </a:prstGeom>
+          <a:ln>
+            <a:tailEnd type="triangle"/>
+          </a:ln>
+        </p:spPr>
+        <p:style>
+          <a:lnRef idx="2">
+            <a:schemeClr val="accent1"/>
+          </a:lnRef>
+          <a:fillRef idx="0">
+            <a:schemeClr val="accent1"/>
+          </a:fillRef>
+          <a:effectRef idx="1">
+            <a:schemeClr val="accent1"/>
+          </a:effectRef>
+          <a:fontRef idx="minor">
+            <a:schemeClr val="tx1"/>
+          </a:fontRef>
+        </p:style>
+      </p:cxnSp>
+      <p:sp>
+        <p:nvSpPr>
+          <p:cNvPr id="21" name="ZoneTexte 20">
+            <a:extLst>
+              <a:ext uri="{FF2B5EF4-FFF2-40B4-BE49-F238E27FC236}">
+                <a16:creationId xmlns:a16="http://schemas.microsoft.com/office/drawing/2014/main" id="{256851F1-A8B5-C837-F132-6E814F165C31}"/>
+              </a:ext>
+            </a:extLst>
+          </p:cNvPr>
+          <p:cNvSpPr txBox="1"/>
+          <p:nvPr/>
+        </p:nvSpPr>
+        <p:spPr>
+          <a:xfrm>
+            <a:off x="10669724" y="2285470"/>
+            <a:ext cx="1428750" cy="369332"/>
+          </a:xfrm>
+          <a:prstGeom prst="rect">
+            <a:avLst/>
+          </a:prstGeom>
+          <a:solidFill>
+            <a:schemeClr val="accent3">
+              <a:lumMod val="20000"/>
+              <a:lumOff val="80000"/>
+            </a:schemeClr>
+          </a:solidFill>
+          <a:ln w="25400">
+            <a:solidFill>
+              <a:schemeClr val="accent1"/>
+            </a:solidFill>
+          </a:ln>
+        </p:spPr>
+        <p:txBody>
+          <a:bodyPr wrap="square" rtlCol="0">
+            <a:spAutoFit/>
+          </a:bodyPr>
+          <a:lstStyle/>
+          <a:p>
+            <a:pPr algn="ctr"/>
+            <a:r>
+              <a:rPr lang="fr-FR" dirty="0"/>
+              <a:t>……..</a:t>
+            </a:r>
+          </a:p>
+        </p:txBody>
+      </p:sp>
+      <p:sp>
+        <p:nvSpPr>
+          <p:cNvPr id="22" name="ZoneTexte 21">
+            <a:extLst>
+              <a:ext uri="{FF2B5EF4-FFF2-40B4-BE49-F238E27FC236}">
+                <a16:creationId xmlns:a16="http://schemas.microsoft.com/office/drawing/2014/main" id="{0FF0468A-80EA-A43E-A024-092DD36D355C}"/>
+              </a:ext>
+            </a:extLst>
+          </p:cNvPr>
+          <p:cNvSpPr txBox="1"/>
+          <p:nvPr/>
+        </p:nvSpPr>
+        <p:spPr>
+          <a:xfrm>
+            <a:off x="11091204" y="2647760"/>
+            <a:ext cx="585787" cy="369332"/>
+          </a:xfrm>
+          <a:prstGeom prst="rect">
+            <a:avLst/>
+          </a:prstGeom>
+          <a:noFill/>
+        </p:spPr>
+        <p:txBody>
+          <a:bodyPr wrap="square" rtlCol="0">
+            <a:spAutoFit/>
+          </a:bodyPr>
+          <a:lstStyle/>
+          <a:p>
+            <a:r>
+              <a:rPr lang="fr-FR" dirty="0"/>
+              <a:t>$</a:t>
+            </a:r>
+          </a:p>
+        </p:txBody>
+      </p:sp>
+      <p:sp>
+        <p:nvSpPr>
+          <p:cNvPr id="23" name="ZoneTexte 22">
+            <a:extLst>
+              <a:ext uri="{FF2B5EF4-FFF2-40B4-BE49-F238E27FC236}">
+                <a16:creationId xmlns:a16="http://schemas.microsoft.com/office/drawing/2014/main" id="{AF98CA16-6902-C46E-22CF-808F0CA06B94}"/>
+              </a:ext>
+            </a:extLst>
+          </p:cNvPr>
+          <p:cNvSpPr txBox="1"/>
+          <p:nvPr/>
+        </p:nvSpPr>
+        <p:spPr>
+          <a:xfrm>
+            <a:off x="10689798" y="3009310"/>
+            <a:ext cx="1428750" cy="369332"/>
+          </a:xfrm>
+          <a:prstGeom prst="rect">
+            <a:avLst/>
+          </a:prstGeom>
+          <a:solidFill>
+            <a:schemeClr val="accent3">
+              <a:lumMod val="20000"/>
+              <a:lumOff val="80000"/>
+            </a:schemeClr>
+          </a:solidFill>
+          <a:ln w="25400">
+            <a:solidFill>
+              <a:schemeClr val="accent1"/>
+            </a:solidFill>
+          </a:ln>
+        </p:spPr>
+        <p:txBody>
+          <a:bodyPr wrap="square" rtlCol="0">
+            <a:spAutoFit/>
+          </a:bodyPr>
+          <a:lstStyle/>
+          <a:p>
+            <a:pPr algn="ctr"/>
+            <a:r>
+              <a:rPr lang="fr-FR" dirty="0" err="1"/>
+              <a:t>centroids</a:t>
+            </a:r>
+            <a:endParaRPr lang="fr-FR" dirty="0"/>
+          </a:p>
+        </p:txBody>
+      </p:sp>
+      <p:cxnSp>
+        <p:nvCxnSpPr>
+          <p:cNvPr id="24" name="Connecteur droit avec flèche 23">
+            <a:extLst>
+              <a:ext uri="{FF2B5EF4-FFF2-40B4-BE49-F238E27FC236}">
+                <a16:creationId xmlns:a16="http://schemas.microsoft.com/office/drawing/2014/main" id="{11CDC6EF-8E1F-5514-8607-C9056896D4CB}"/>
+              </a:ext>
+            </a:extLst>
+          </p:cNvPr>
+          <p:cNvCxnSpPr/>
+          <p:nvPr/>
+        </p:nvCxnSpPr>
+        <p:spPr>
+          <a:xfrm>
+            <a:off x="11412406" y="3360026"/>
+            <a:ext cx="6" cy="641354"/>
+          </a:xfrm>
+          <a:prstGeom prst="straightConnector1">
+            <a:avLst/>
+          </a:prstGeom>
+          <a:ln>
+            <a:tailEnd type="triangle"/>
+          </a:ln>
+        </p:spPr>
+        <p:style>
+          <a:lnRef idx="2">
+            <a:schemeClr val="accent1"/>
+          </a:lnRef>
+          <a:fillRef idx="0">
+            <a:schemeClr val="accent1"/>
+          </a:fillRef>
+          <a:effectRef idx="1">
+            <a:schemeClr val="accent1"/>
+          </a:effectRef>
+          <a:fontRef idx="minor">
+            <a:schemeClr val="tx1"/>
+          </a:fontRef>
+        </p:style>
+      </p:cxnSp>
+      <mc:AlternateContent xmlns:mc="http://schemas.openxmlformats.org/markup-compatibility/2006">
+        <mc:Choice xmlns:a14="http://schemas.microsoft.com/office/drawing/2010/main" Requires="a14">
+          <p:sp>
+            <p:nvSpPr>
+              <p:cNvPr id="25" name="ZoneTexte 24">
+                <a:extLst>
+                  <a:ext uri="{FF2B5EF4-FFF2-40B4-BE49-F238E27FC236}">
+                    <a16:creationId xmlns:a16="http://schemas.microsoft.com/office/drawing/2014/main" id="{F66E12FF-4620-935C-D689-9442D1207645}"/>
+                  </a:ext>
+                </a:extLst>
+              </p:cNvPr>
+              <p:cNvSpPr txBox="1"/>
+              <p:nvPr/>
+            </p:nvSpPr>
+            <p:spPr>
+              <a:xfrm>
+                <a:off x="10809443" y="3468168"/>
+                <a:ext cx="879740" cy="369332"/>
+              </a:xfrm>
+              <a:prstGeom prst="rect">
+                <a:avLst/>
+              </a:prstGeom>
+              <a:noFill/>
+            </p:spPr>
+            <p:txBody>
+              <a:bodyPr wrap="square" rtlCol="0">
+                <a:spAutoFit/>
+              </a:bodyPr>
+              <a:lstStyle/>
+              <a:p>
+                <a:pPr/>
+                <a14:m>
+                  <m:oMathPara xmlns:m="http://schemas.openxmlformats.org/officeDocument/2006/math">
+                    <m:oMathParaPr>
+                      <m:jc m:val="centerGroup"/>
+                    </m:oMathParaPr>
+                    <m:oMath xmlns:m="http://schemas.openxmlformats.org/officeDocument/2006/math">
+                      <m:r>
+                        <a:rPr lang="fr-FR" b="0" i="1" smtClean="0">
+                          <a:latin typeface="Cambria Math" panose="02040503050406030204" pitchFamily="18" charset="0"/>
+                        </a:rPr>
+                        <m:t>@</m:t>
+                      </m:r>
+                    </m:oMath>
+                  </m:oMathPara>
+                </a14:m>
+                <a:endParaRPr lang="fr-FR" dirty="0"/>
+              </a:p>
+            </p:txBody>
+          </p:sp>
+        </mc:Choice>
+        <mc:Fallback>
+          <p:sp>
+            <p:nvSpPr>
+              <p:cNvPr id="25" name="ZoneTexte 24">
+                <a:extLst>
+                  <a:ext uri="{FF2B5EF4-FFF2-40B4-BE49-F238E27FC236}">
+                    <a16:creationId xmlns:a16="http://schemas.microsoft.com/office/drawing/2014/main" id="{F66E12FF-4620-935C-D689-9442D1207645}"/>
+                  </a:ext>
+                </a:extLst>
+              </p:cNvPr>
+              <p:cNvSpPr txBox="1">
+                <a:spLocks noRot="1" noChangeAspect="1" noMove="1" noResize="1" noEditPoints="1" noAdjustHandles="1" noChangeArrowheads="1" noChangeShapeType="1" noTextEdit="1"/>
+              </p:cNvSpPr>
+              <p:nvPr/>
+            </p:nvSpPr>
+            <p:spPr>
+              <a:xfrm>
+                <a:off x="10809443" y="3468168"/>
+                <a:ext cx="879740" cy="369332"/>
+              </a:xfrm>
+              <a:prstGeom prst="rect">
+                <a:avLst/>
+              </a:prstGeom>
+              <a:blipFill>
+                <a:blip r:embed="rId3"/>
+                <a:stretch>
+                  <a:fillRect/>
+                </a:stretch>
+              </a:blipFill>
+            </p:spPr>
+            <p:txBody>
+              <a:bodyPr/>
+              <a:lstStyle/>
+              <a:p>
+                <a:r>
+                  <a:rPr lang="fr-FR">
+                    <a:noFill/>
+                  </a:rPr>
+                  <a:t> </a:t>
+                </a:r>
+              </a:p>
+            </p:txBody>
+          </p:sp>
+        </mc:Fallback>
+      </mc:AlternateContent>
+      <p:sp>
+        <p:nvSpPr>
+          <p:cNvPr id="26" name="ZoneTexte 25">
+            <a:extLst>
+              <a:ext uri="{FF2B5EF4-FFF2-40B4-BE49-F238E27FC236}">
+                <a16:creationId xmlns:a16="http://schemas.microsoft.com/office/drawing/2014/main" id="{60F304EE-8E7C-8FBA-516C-09A70A97C2D3}"/>
+              </a:ext>
+            </a:extLst>
+          </p:cNvPr>
+          <p:cNvSpPr txBox="1"/>
+          <p:nvPr/>
+        </p:nvSpPr>
+        <p:spPr>
+          <a:xfrm>
+            <a:off x="10814419" y="4012979"/>
+            <a:ext cx="1190761" cy="923330"/>
+          </a:xfrm>
+          <a:prstGeom prst="rect">
+            <a:avLst/>
+          </a:prstGeom>
+          <a:solidFill>
+            <a:schemeClr val="accent3">
+              <a:lumMod val="20000"/>
+              <a:lumOff val="80000"/>
+            </a:schemeClr>
+          </a:solidFill>
+          <a:ln w="25400">
+            <a:solidFill>
+              <a:schemeClr val="accent1"/>
+            </a:solidFill>
+          </a:ln>
+        </p:spPr>
+        <p:txBody>
+          <a:bodyPr wrap="square" rtlCol="0">
+            <a:spAutoFit/>
+          </a:bodyPr>
+          <a:lstStyle/>
+          <a:p>
+            <a:pPr marL="285750" indent="-285750">
+              <a:buFont typeface="Arial" panose="020B0604020202020204" pitchFamily="34" charset="0"/>
+              <a:buChar char="•"/>
+            </a:pPr>
+            <a:r>
+              <a:rPr lang="fr-FR" dirty="0" err="1"/>
+              <a:t>coords</a:t>
+            </a:r>
+            <a:endParaRPr lang="fr-FR" dirty="0"/>
+          </a:p>
+          <a:p>
+            <a:pPr marL="285750" indent="-285750">
+              <a:buFont typeface="Arial" panose="020B0604020202020204" pitchFamily="34" charset="0"/>
+              <a:buChar char="•"/>
+            </a:pPr>
+            <a:r>
+              <a:rPr lang="fr-FR" dirty="0" err="1"/>
+              <a:t>bbox</a:t>
+            </a:r>
+            <a:endParaRPr lang="fr-FR" dirty="0"/>
+          </a:p>
+          <a:p>
+            <a:pPr marL="285750" indent="-285750">
+              <a:buFont typeface="Arial" panose="020B0604020202020204" pitchFamily="34" charset="0"/>
+              <a:buChar char="•"/>
+            </a:pPr>
+            <a:r>
+              <a:rPr lang="fr-FR" dirty="0"/>
+              <a:t>…..</a:t>
+            </a:r>
+          </a:p>
+        </p:txBody>
+      </p:sp>
+      <p:cxnSp>
+        <p:nvCxnSpPr>
+          <p:cNvPr id="27" name="Connecteur droit avec flèche 26">
+            <a:extLst>
+              <a:ext uri="{FF2B5EF4-FFF2-40B4-BE49-F238E27FC236}">
+                <a16:creationId xmlns:a16="http://schemas.microsoft.com/office/drawing/2014/main" id="{5C553B18-E74E-E74A-4A93-CE77F9E4F248}"/>
+              </a:ext>
+            </a:extLst>
+          </p:cNvPr>
+          <p:cNvCxnSpPr>
+            <a:stCxn id="5" idx="2"/>
+            <a:endCxn id="7" idx="0"/>
+          </p:cNvCxnSpPr>
+          <p:nvPr/>
+        </p:nvCxnSpPr>
+        <p:spPr>
+          <a:xfrm flipH="1">
+            <a:off x="5802446" y="456950"/>
+            <a:ext cx="289" cy="1098957"/>
+          </a:xfrm>
+          <a:prstGeom prst="straightConnector1">
+            <a:avLst/>
+          </a:prstGeom>
+          <a:ln>
+            <a:tailEnd type="triangle"/>
+          </a:ln>
+        </p:spPr>
+        <p:style>
+          <a:lnRef idx="2">
+            <a:schemeClr val="accent1"/>
+          </a:lnRef>
+          <a:fillRef idx="0">
+            <a:schemeClr val="accent1"/>
+          </a:fillRef>
+          <a:effectRef idx="1">
+            <a:schemeClr val="accent1"/>
+          </a:effectRef>
+          <a:fontRef idx="minor">
+            <a:schemeClr val="tx1"/>
+          </a:fontRef>
+        </p:style>
+      </p:cxnSp>
+      <p:cxnSp>
+        <p:nvCxnSpPr>
+          <p:cNvPr id="28" name="Connecteur droit avec flèche 27">
+            <a:extLst>
+              <a:ext uri="{FF2B5EF4-FFF2-40B4-BE49-F238E27FC236}">
+                <a16:creationId xmlns:a16="http://schemas.microsoft.com/office/drawing/2014/main" id="{883F5DCC-1F6A-AF58-B379-180B1A67244B}"/>
+              </a:ext>
+            </a:extLst>
+          </p:cNvPr>
+          <p:cNvCxnSpPr>
+            <a:stCxn id="19" idx="2"/>
+            <a:endCxn id="21" idx="0"/>
+          </p:cNvCxnSpPr>
+          <p:nvPr/>
+        </p:nvCxnSpPr>
+        <p:spPr>
+          <a:xfrm flipH="1">
+            <a:off x="11384099" y="1923180"/>
+            <a:ext cx="5617" cy="362290"/>
+          </a:xfrm>
+          <a:prstGeom prst="straightConnector1">
+            <a:avLst/>
+          </a:prstGeom>
+          <a:ln>
+            <a:tailEnd type="triangle"/>
+          </a:ln>
+        </p:spPr>
+        <p:style>
+          <a:lnRef idx="2">
+            <a:schemeClr val="accent1"/>
+          </a:lnRef>
+          <a:fillRef idx="0">
+            <a:schemeClr val="accent1"/>
+          </a:fillRef>
+          <a:effectRef idx="1">
+            <a:schemeClr val="accent1"/>
+          </a:effectRef>
+          <a:fontRef idx="minor">
+            <a:schemeClr val="tx1"/>
+          </a:fontRef>
+        </p:style>
+      </p:cxnSp>
+      <p:sp>
+        <p:nvSpPr>
+          <p:cNvPr id="29" name="ZoneTexte 28">
+            <a:extLst>
+              <a:ext uri="{FF2B5EF4-FFF2-40B4-BE49-F238E27FC236}">
+                <a16:creationId xmlns:a16="http://schemas.microsoft.com/office/drawing/2014/main" id="{B919526F-9162-D651-6484-130729B4157E}"/>
+              </a:ext>
+            </a:extLst>
+          </p:cNvPr>
+          <p:cNvSpPr txBox="1"/>
+          <p:nvPr/>
+        </p:nvSpPr>
+        <p:spPr>
+          <a:xfrm>
+            <a:off x="11091205" y="1916138"/>
+            <a:ext cx="585787" cy="369332"/>
+          </a:xfrm>
+          <a:prstGeom prst="rect">
+            <a:avLst/>
+          </a:prstGeom>
+          <a:noFill/>
+        </p:spPr>
+        <p:txBody>
+          <a:bodyPr wrap="square" rtlCol="0">
+            <a:spAutoFit/>
+          </a:bodyPr>
+          <a:lstStyle/>
+          <a:p>
+            <a:r>
+              <a:rPr lang="fr-FR" dirty="0"/>
+              <a:t>$</a:t>
+            </a:r>
+          </a:p>
+        </p:txBody>
+      </p:sp>
+      <p:cxnSp>
+        <p:nvCxnSpPr>
+          <p:cNvPr id="30" name="Connecteur droit avec flèche 29">
+            <a:extLst>
+              <a:ext uri="{FF2B5EF4-FFF2-40B4-BE49-F238E27FC236}">
+                <a16:creationId xmlns:a16="http://schemas.microsoft.com/office/drawing/2014/main" id="{7C9A13BD-A8BD-E254-FEB5-F037633EB906}"/>
+              </a:ext>
+            </a:extLst>
+          </p:cNvPr>
+          <p:cNvCxnSpPr>
+            <a:stCxn id="22" idx="0"/>
+            <a:endCxn id="22" idx="2"/>
+          </p:cNvCxnSpPr>
+          <p:nvPr/>
+        </p:nvCxnSpPr>
+        <p:spPr>
+          <a:xfrm>
+            <a:off x="11384098" y="2647760"/>
+            <a:ext cx="0" cy="369332"/>
+          </a:xfrm>
+          <a:prstGeom prst="straightConnector1">
+            <a:avLst/>
+          </a:prstGeom>
+          <a:ln>
+            <a:tailEnd type="triangle"/>
+          </a:ln>
+        </p:spPr>
+        <p:style>
+          <a:lnRef idx="2">
+            <a:schemeClr val="accent1"/>
+          </a:lnRef>
+          <a:fillRef idx="0">
+            <a:schemeClr val="accent1"/>
+          </a:fillRef>
+          <a:effectRef idx="1">
+            <a:schemeClr val="accent1"/>
+          </a:effectRef>
+          <a:fontRef idx="minor">
+            <a:schemeClr val="tx1"/>
+          </a:fontRef>
+        </p:style>
+      </p:cxnSp>
+      <p:sp>
+        <p:nvSpPr>
+          <p:cNvPr id="31" name="ZoneTexte 30">
+            <a:extLst>
+              <a:ext uri="{FF2B5EF4-FFF2-40B4-BE49-F238E27FC236}">
+                <a16:creationId xmlns:a16="http://schemas.microsoft.com/office/drawing/2014/main" id="{E0566D70-8958-15A7-C769-4287528638B4}"/>
+              </a:ext>
+            </a:extLst>
+          </p:cNvPr>
+          <p:cNvSpPr txBox="1"/>
+          <p:nvPr/>
+        </p:nvSpPr>
+        <p:spPr>
+          <a:xfrm>
+            <a:off x="278925" y="2463094"/>
+            <a:ext cx="1428750" cy="369332"/>
+          </a:xfrm>
+          <a:prstGeom prst="rect">
+            <a:avLst/>
+          </a:prstGeom>
+          <a:solidFill>
+            <a:schemeClr val="accent3">
+              <a:lumMod val="20000"/>
+              <a:lumOff val="80000"/>
+            </a:schemeClr>
+          </a:solidFill>
+          <a:ln w="25400">
+            <a:solidFill>
+              <a:schemeClr val="accent1"/>
+            </a:solidFill>
+          </a:ln>
+        </p:spPr>
+        <p:txBody>
+          <a:bodyPr wrap="square" rtlCol="0">
+            <a:spAutoFit/>
+          </a:bodyPr>
+          <a:lstStyle/>
+          <a:p>
+            <a:pPr algn="ctr"/>
+            <a:r>
+              <a:rPr lang="fr-FR" b="1" dirty="0">
+                <a:solidFill>
+                  <a:srgbClr val="FF0000"/>
+                </a:solidFill>
+              </a:rPr>
+              <a:t>SCT</a:t>
+            </a:r>
+          </a:p>
+        </p:txBody>
+      </p:sp>
+      <p:sp>
+        <p:nvSpPr>
+          <p:cNvPr id="32" name="ZoneTexte 31">
+            <a:extLst>
+              <a:ext uri="{FF2B5EF4-FFF2-40B4-BE49-F238E27FC236}">
+                <a16:creationId xmlns:a16="http://schemas.microsoft.com/office/drawing/2014/main" id="{2DB9ACD2-F5AD-4EEF-0B9D-ABEEB7E8F50B}"/>
+              </a:ext>
+            </a:extLst>
+          </p:cNvPr>
+          <p:cNvSpPr txBox="1"/>
+          <p:nvPr/>
+        </p:nvSpPr>
+        <p:spPr>
+          <a:xfrm>
+            <a:off x="219197" y="4473569"/>
+            <a:ext cx="5078074" cy="1754326"/>
+          </a:xfrm>
+          <a:prstGeom prst="rect">
+            <a:avLst/>
+          </a:prstGeom>
+          <a:solidFill>
+            <a:schemeClr val="accent3">
+              <a:lumMod val="20000"/>
+              <a:lumOff val="80000"/>
+            </a:schemeClr>
+          </a:solidFill>
+          <a:ln w="25400">
+            <a:solidFill>
+              <a:schemeClr val="accent1"/>
+            </a:solidFill>
+          </a:ln>
+        </p:spPr>
+        <p:txBody>
+          <a:bodyPr wrap="square" rtlCol="0">
+            <a:spAutoFit/>
+          </a:bodyPr>
+          <a:lstStyle/>
+          <a:p>
+            <a:pPr marL="285750" indent="-285750">
+              <a:buFont typeface="Arial" panose="020B0604020202020204" pitchFamily="34" charset="0"/>
+              <a:buChar char="•"/>
+            </a:pPr>
+            <a:r>
+              <a:rPr lang="fr-FR" b="1" dirty="0" err="1">
+                <a:solidFill>
+                  <a:srgbClr val="FF0000"/>
+                </a:solidFill>
+              </a:rPr>
+              <a:t>counts</a:t>
+            </a:r>
+            <a:endParaRPr lang="fr-FR" b="1" dirty="0">
+              <a:solidFill>
+                <a:srgbClr val="FF0000"/>
+              </a:solidFill>
+            </a:endParaRPr>
+          </a:p>
+          <a:p>
+            <a:r>
+              <a:rPr lang="fr-FR" dirty="0">
+                <a:solidFill>
+                  <a:srgbClr val="FF0000"/>
+                </a:solidFill>
+              </a:rPr>
+              <a:t>(matrice des comptages bruts G x C)</a:t>
+            </a:r>
+          </a:p>
+          <a:p>
+            <a:pPr marL="285750" indent="-285750">
+              <a:buFont typeface="Arial" panose="020B0604020202020204" pitchFamily="34" charset="0"/>
+              <a:buChar char="•"/>
+            </a:pPr>
+            <a:r>
+              <a:rPr lang="fr-FR" b="1" dirty="0">
+                <a:solidFill>
+                  <a:srgbClr val="FF0000"/>
+                </a:solidFill>
+              </a:rPr>
+              <a:t>data</a:t>
+            </a:r>
+          </a:p>
+          <a:p>
+            <a:r>
+              <a:rPr lang="fr-FR" dirty="0">
+                <a:solidFill>
+                  <a:srgbClr val="FF0000"/>
+                </a:solidFill>
+              </a:rPr>
+              <a:t>(matrice des comptages normalisés G x C)</a:t>
+            </a:r>
+          </a:p>
+          <a:p>
+            <a:pPr marL="285750" indent="-285750">
+              <a:buFont typeface="Arial" panose="020B0604020202020204" pitchFamily="34" charset="0"/>
+              <a:buChar char="•"/>
+            </a:pPr>
+            <a:r>
+              <a:rPr lang="fr-FR" b="1" dirty="0" err="1">
+                <a:solidFill>
+                  <a:srgbClr val="FF0000"/>
+                </a:solidFill>
+              </a:rPr>
+              <a:t>scaled.data</a:t>
+            </a:r>
+            <a:endParaRPr lang="fr-FR" b="1" dirty="0">
+              <a:solidFill>
+                <a:srgbClr val="FF0000"/>
+              </a:solidFill>
+            </a:endParaRPr>
+          </a:p>
+          <a:p>
+            <a:r>
+              <a:rPr lang="fr-FR" dirty="0">
+                <a:solidFill>
+                  <a:srgbClr val="FF0000"/>
+                </a:solidFill>
+              </a:rPr>
+              <a:t>(matrice des données normalisées réduites J x C)</a:t>
+            </a:r>
+          </a:p>
+        </p:txBody>
+      </p:sp>
+      <p:cxnSp>
+        <p:nvCxnSpPr>
+          <p:cNvPr id="33" name="Connecteur droit avec flèche 32">
+            <a:extLst>
+              <a:ext uri="{FF2B5EF4-FFF2-40B4-BE49-F238E27FC236}">
+                <a16:creationId xmlns:a16="http://schemas.microsoft.com/office/drawing/2014/main" id="{5FC45CCA-CCDD-EA85-5F7B-F2EA7421E5C3}"/>
+              </a:ext>
+            </a:extLst>
+          </p:cNvPr>
+          <p:cNvCxnSpPr>
+            <a:cxnSpLocks/>
+            <a:stCxn id="31" idx="2"/>
+          </p:cNvCxnSpPr>
+          <p:nvPr/>
+        </p:nvCxnSpPr>
+        <p:spPr>
+          <a:xfrm flipH="1">
+            <a:off x="986347" y="2832426"/>
+            <a:ext cx="6953" cy="1641143"/>
+          </a:xfrm>
+          <a:prstGeom prst="straightConnector1">
+            <a:avLst/>
+          </a:prstGeom>
+          <a:ln>
+            <a:tailEnd type="triangle"/>
+          </a:ln>
+        </p:spPr>
+        <p:style>
+          <a:lnRef idx="2">
+            <a:schemeClr val="accent1"/>
+          </a:lnRef>
+          <a:fillRef idx="0">
+            <a:schemeClr val="accent1"/>
+          </a:fillRef>
+          <a:effectRef idx="1">
+            <a:schemeClr val="accent1"/>
+          </a:effectRef>
+          <a:fontRef idx="minor">
+            <a:schemeClr val="tx1"/>
+          </a:fontRef>
+        </p:style>
+      </p:cxnSp>
+      <p:sp>
+        <p:nvSpPr>
+          <p:cNvPr id="34" name="ZoneTexte 33">
+            <a:extLst>
+              <a:ext uri="{FF2B5EF4-FFF2-40B4-BE49-F238E27FC236}">
+                <a16:creationId xmlns:a16="http://schemas.microsoft.com/office/drawing/2014/main" id="{CF7C13C6-0005-0A01-F0ED-9A6058843B9F}"/>
+              </a:ext>
+            </a:extLst>
+          </p:cNvPr>
+          <p:cNvSpPr txBox="1"/>
+          <p:nvPr/>
+        </p:nvSpPr>
+        <p:spPr>
+          <a:xfrm>
+            <a:off x="648737" y="3188780"/>
+            <a:ext cx="585787" cy="369332"/>
+          </a:xfrm>
+          <a:prstGeom prst="rect">
+            <a:avLst/>
+          </a:prstGeom>
+          <a:noFill/>
+        </p:spPr>
+        <p:txBody>
+          <a:bodyPr wrap="square" rtlCol="0">
+            <a:spAutoFit/>
+          </a:bodyPr>
+          <a:lstStyle/>
+          <a:p>
+            <a:r>
+              <a:rPr lang="fr-FR" dirty="0"/>
+              <a:t>$</a:t>
+            </a:r>
+          </a:p>
+        </p:txBody>
+      </p:sp>
+      <p:cxnSp>
+        <p:nvCxnSpPr>
+          <p:cNvPr id="35" name="Connecteur en angle 34">
+            <a:extLst>
+              <a:ext uri="{FF2B5EF4-FFF2-40B4-BE49-F238E27FC236}">
+                <a16:creationId xmlns:a16="http://schemas.microsoft.com/office/drawing/2014/main" id="{EA1F0D9C-8976-E48A-86A9-6EA71CC7FB80}"/>
+              </a:ext>
+            </a:extLst>
+          </p:cNvPr>
+          <p:cNvCxnSpPr>
+            <a:cxnSpLocks/>
+            <a:stCxn id="6" idx="2"/>
+            <a:endCxn id="31" idx="0"/>
+          </p:cNvCxnSpPr>
+          <p:nvPr/>
+        </p:nvCxnSpPr>
+        <p:spPr>
+          <a:xfrm rot="5400000">
+            <a:off x="1416176" y="1502363"/>
+            <a:ext cx="537855" cy="1383606"/>
+          </a:xfrm>
+          <a:prstGeom prst="bentConnector3">
+            <a:avLst/>
+          </a:prstGeom>
+          <a:ln>
+            <a:tailEnd type="triangle"/>
+          </a:ln>
+        </p:spPr>
+        <p:style>
+          <a:lnRef idx="2">
+            <a:schemeClr val="accent1"/>
+          </a:lnRef>
+          <a:fillRef idx="0">
+            <a:schemeClr val="accent1"/>
+          </a:fillRef>
+          <a:effectRef idx="1">
+            <a:schemeClr val="accent1"/>
+          </a:effectRef>
+          <a:fontRef idx="minor">
+            <a:schemeClr val="tx1"/>
+          </a:fontRef>
+        </p:style>
+      </p:cxnSp>
+      <p:sp>
+        <p:nvSpPr>
+          <p:cNvPr id="37" name="ZoneTexte 36">
+            <a:extLst>
+              <a:ext uri="{FF2B5EF4-FFF2-40B4-BE49-F238E27FC236}">
+                <a16:creationId xmlns:a16="http://schemas.microsoft.com/office/drawing/2014/main" id="{2EB0BFA6-3C39-CD3B-1D0F-155A0461652C}"/>
+              </a:ext>
+            </a:extLst>
+          </p:cNvPr>
+          <p:cNvSpPr txBox="1"/>
+          <p:nvPr/>
+        </p:nvSpPr>
+        <p:spPr>
+          <a:xfrm>
+            <a:off x="8016384" y="1541708"/>
+            <a:ext cx="1428750" cy="369332"/>
+          </a:xfrm>
+          <a:prstGeom prst="rect">
+            <a:avLst/>
+          </a:prstGeom>
+          <a:solidFill>
+            <a:schemeClr val="accent2">
+              <a:lumMod val="20000"/>
+              <a:lumOff val="80000"/>
+            </a:schemeClr>
+          </a:solidFill>
+          <a:ln w="25400">
+            <a:solidFill>
+              <a:schemeClr val="accent1"/>
+            </a:solidFill>
+          </a:ln>
+        </p:spPr>
+        <p:txBody>
+          <a:bodyPr wrap="square" rtlCol="0">
+            <a:spAutoFit/>
+          </a:bodyPr>
+          <a:lstStyle/>
+          <a:p>
+            <a:pPr algn="ctr"/>
+            <a:r>
+              <a:rPr lang="fr-FR" b="1" dirty="0" err="1">
+                <a:solidFill>
+                  <a:srgbClr val="FF0000"/>
+                </a:solidFill>
+              </a:rPr>
+              <a:t>reductions</a:t>
+            </a:r>
+            <a:endParaRPr lang="fr-FR" b="1" dirty="0">
+              <a:solidFill>
+                <a:srgbClr val="FF0000"/>
+              </a:solidFill>
+            </a:endParaRPr>
+          </a:p>
+        </p:txBody>
+      </p:sp>
+      <p:sp>
+        <p:nvSpPr>
+          <p:cNvPr id="38" name="ZoneTexte 37">
+            <a:extLst>
+              <a:ext uri="{FF2B5EF4-FFF2-40B4-BE49-F238E27FC236}">
+                <a16:creationId xmlns:a16="http://schemas.microsoft.com/office/drawing/2014/main" id="{6CA1ACD3-EBDD-0DEE-5822-C6AF3B06621D}"/>
+              </a:ext>
+            </a:extLst>
+          </p:cNvPr>
+          <p:cNvSpPr txBox="1"/>
+          <p:nvPr/>
+        </p:nvSpPr>
+        <p:spPr>
+          <a:xfrm>
+            <a:off x="7493950" y="2560965"/>
+            <a:ext cx="2719352" cy="2308324"/>
+          </a:xfrm>
+          <a:prstGeom prst="rect">
+            <a:avLst/>
+          </a:prstGeom>
+          <a:solidFill>
+            <a:schemeClr val="accent3">
+              <a:lumMod val="20000"/>
+              <a:lumOff val="80000"/>
+            </a:schemeClr>
+          </a:solidFill>
+          <a:ln w="25400">
+            <a:solidFill>
+              <a:schemeClr val="accent1"/>
+            </a:solidFill>
+          </a:ln>
+        </p:spPr>
+        <p:txBody>
+          <a:bodyPr wrap="square" rtlCol="0">
+            <a:spAutoFit/>
+          </a:bodyPr>
+          <a:lstStyle/>
+          <a:p>
+            <a:pPr marL="285750" indent="-285750">
+              <a:buFont typeface="Arial" panose="020B0604020202020204" pitchFamily="34" charset="0"/>
+              <a:buChar char="•"/>
+            </a:pPr>
+            <a:r>
+              <a:rPr lang="fr-FR" b="1" dirty="0" err="1">
+                <a:solidFill>
+                  <a:srgbClr val="FF0000"/>
+                </a:solidFill>
+              </a:rPr>
+              <a:t>pca</a:t>
+            </a:r>
+            <a:endParaRPr lang="fr-FR" b="1" dirty="0">
+              <a:solidFill>
+                <a:srgbClr val="FF0000"/>
+              </a:solidFill>
+            </a:endParaRPr>
+          </a:p>
+          <a:p>
+            <a:pPr lvl="1"/>
+            <a:r>
+              <a:rPr lang="fr-FR" dirty="0"/>
+              <a:t>$</a:t>
+            </a:r>
+            <a:r>
+              <a:rPr lang="fr-FR" dirty="0" err="1"/>
+              <a:t>PC_k</a:t>
+            </a:r>
+            <a:endParaRPr lang="fr-FR" dirty="0"/>
+          </a:p>
+          <a:p>
+            <a:pPr lvl="1"/>
+            <a:r>
+              <a:rPr lang="fr-FR" dirty="0"/>
+              <a:t>@</a:t>
+            </a:r>
+            <a:r>
+              <a:rPr lang="fr-FR" dirty="0" err="1"/>
+              <a:t>cell.embeddings</a:t>
+            </a:r>
+            <a:endParaRPr lang="fr-FR" dirty="0"/>
+          </a:p>
+          <a:p>
+            <a:pPr lvl="1"/>
+            <a:r>
+              <a:rPr lang="fr-FR" dirty="0"/>
+              <a:t>@</a:t>
+            </a:r>
+            <a:r>
+              <a:rPr lang="fr-FR" dirty="0" err="1"/>
+              <a:t>feature.loadings</a:t>
+            </a:r>
+            <a:endParaRPr lang="fr-FR" dirty="0"/>
+          </a:p>
+          <a:p>
+            <a:pPr lvl="1"/>
+            <a:r>
+              <a:rPr lang="fr-FR" dirty="0"/>
+              <a:t>@</a:t>
+            </a:r>
+            <a:r>
+              <a:rPr lang="fr-FR" dirty="0" err="1"/>
+              <a:t>stdev</a:t>
+            </a:r>
+            <a:endParaRPr lang="fr-FR" dirty="0"/>
+          </a:p>
+          <a:p>
+            <a:pPr marL="285750" indent="-285750">
+              <a:buFont typeface="Arial" panose="020B0604020202020204" pitchFamily="34" charset="0"/>
+              <a:buChar char="•"/>
+            </a:pPr>
+            <a:r>
+              <a:rPr lang="fr-FR" b="1" dirty="0" err="1">
+                <a:solidFill>
+                  <a:srgbClr val="FF0000"/>
+                </a:solidFill>
+              </a:rPr>
+              <a:t>umap</a:t>
+            </a:r>
+            <a:endParaRPr lang="fr-FR" b="1" dirty="0">
+              <a:solidFill>
+                <a:srgbClr val="FF0000"/>
+              </a:solidFill>
+            </a:endParaRPr>
+          </a:p>
+          <a:p>
+            <a:r>
+              <a:rPr lang="fr-FR" dirty="0"/>
+              <a:t>          $umap_1 et umap_2</a:t>
+            </a:r>
+          </a:p>
+          <a:p>
+            <a:r>
+              <a:rPr lang="fr-FR" dirty="0"/>
+              <a:t>          @</a:t>
+            </a:r>
+            <a:r>
+              <a:rPr lang="fr-FR" dirty="0" err="1"/>
+              <a:t>cell.embeddings</a:t>
+            </a:r>
+            <a:endParaRPr lang="fr-FR" dirty="0"/>
+          </a:p>
+        </p:txBody>
+      </p:sp>
+      <p:cxnSp>
+        <p:nvCxnSpPr>
+          <p:cNvPr id="39" name="Connecteur droit avec flèche 38">
+            <a:extLst>
+              <a:ext uri="{FF2B5EF4-FFF2-40B4-BE49-F238E27FC236}">
+                <a16:creationId xmlns:a16="http://schemas.microsoft.com/office/drawing/2014/main" id="{214FCC09-C3F8-25D4-4F69-8E70F01FAD70}"/>
+              </a:ext>
+            </a:extLst>
+          </p:cNvPr>
+          <p:cNvCxnSpPr>
+            <a:cxnSpLocks/>
+          </p:cNvCxnSpPr>
+          <p:nvPr/>
+        </p:nvCxnSpPr>
+        <p:spPr>
+          <a:xfrm flipH="1">
+            <a:off x="8715529" y="1902288"/>
+            <a:ext cx="7149" cy="658677"/>
+          </a:xfrm>
+          <a:prstGeom prst="straightConnector1">
+            <a:avLst/>
+          </a:prstGeom>
+          <a:ln>
+            <a:tailEnd type="triangle"/>
+          </a:ln>
+        </p:spPr>
+        <p:style>
+          <a:lnRef idx="2">
+            <a:schemeClr val="accent1"/>
+          </a:lnRef>
+          <a:fillRef idx="0">
+            <a:schemeClr val="accent1"/>
+          </a:fillRef>
+          <a:effectRef idx="1">
+            <a:schemeClr val="accent1"/>
+          </a:effectRef>
+          <a:fontRef idx="minor">
+            <a:schemeClr val="tx1"/>
+          </a:fontRef>
+        </p:style>
+      </p:cxnSp>
+      <p:sp>
+        <p:nvSpPr>
+          <p:cNvPr id="40" name="ZoneTexte 39">
+            <a:extLst>
+              <a:ext uri="{FF2B5EF4-FFF2-40B4-BE49-F238E27FC236}">
+                <a16:creationId xmlns:a16="http://schemas.microsoft.com/office/drawing/2014/main" id="{E9773625-133A-0472-5D93-4FD64CB91133}"/>
+              </a:ext>
+            </a:extLst>
+          </p:cNvPr>
+          <p:cNvSpPr txBox="1"/>
+          <p:nvPr/>
+        </p:nvSpPr>
+        <p:spPr>
+          <a:xfrm>
+            <a:off x="8396465" y="2015137"/>
+            <a:ext cx="585787" cy="369332"/>
+          </a:xfrm>
+          <a:prstGeom prst="rect">
+            <a:avLst/>
+          </a:prstGeom>
+          <a:noFill/>
+        </p:spPr>
+        <p:txBody>
+          <a:bodyPr wrap="square" rtlCol="0">
+            <a:spAutoFit/>
+          </a:bodyPr>
+          <a:lstStyle/>
+          <a:p>
+            <a:r>
+              <a:rPr lang="fr-FR" dirty="0"/>
+              <a:t>$</a:t>
+            </a:r>
+          </a:p>
+        </p:txBody>
+      </p:sp>
+      <p:cxnSp>
+        <p:nvCxnSpPr>
+          <p:cNvPr id="42" name="Connecteur en angle 41">
+            <a:extLst>
+              <a:ext uri="{FF2B5EF4-FFF2-40B4-BE49-F238E27FC236}">
+                <a16:creationId xmlns:a16="http://schemas.microsoft.com/office/drawing/2014/main" id="{D81B61A7-70E1-AA51-A067-43B6861E6E11}"/>
+              </a:ext>
+            </a:extLst>
+          </p:cNvPr>
+          <p:cNvCxnSpPr>
+            <a:cxnSpLocks/>
+            <a:stCxn id="6" idx="2"/>
+            <a:endCxn id="10" idx="0"/>
+          </p:cNvCxnSpPr>
+          <p:nvPr/>
+        </p:nvCxnSpPr>
+        <p:spPr>
+          <a:xfrm rot="16200000" flipH="1">
+            <a:off x="2657881" y="1644264"/>
+            <a:ext cx="544181" cy="1106130"/>
+          </a:xfrm>
+          <a:prstGeom prst="bentConnector3">
+            <a:avLst/>
+          </a:prstGeom>
+          <a:ln>
+            <a:tailEnd type="triangle"/>
+          </a:ln>
+        </p:spPr>
+        <p:style>
+          <a:lnRef idx="2">
+            <a:schemeClr val="accent1"/>
+          </a:lnRef>
+          <a:fillRef idx="0">
+            <a:schemeClr val="accent1"/>
+          </a:fillRef>
+          <a:effectRef idx="1">
+            <a:schemeClr val="accent1"/>
+          </a:effectRef>
+          <a:fontRef idx="minor">
+            <a:schemeClr val="tx1"/>
+          </a:fontRef>
+        </p:style>
+      </p:cxnSp>
+      <p:cxnSp>
+        <p:nvCxnSpPr>
+          <p:cNvPr id="47" name="Connecteur droit avec flèche 46">
+            <a:extLst>
+              <a:ext uri="{FF2B5EF4-FFF2-40B4-BE49-F238E27FC236}">
+                <a16:creationId xmlns:a16="http://schemas.microsoft.com/office/drawing/2014/main" id="{BDD531F0-21FE-D24D-7B43-52D057510F8C}"/>
+              </a:ext>
+            </a:extLst>
+          </p:cNvPr>
+          <p:cNvCxnSpPr>
+            <a:cxnSpLocks/>
+            <a:endCxn id="37" idx="0"/>
+          </p:cNvCxnSpPr>
+          <p:nvPr/>
+        </p:nvCxnSpPr>
+        <p:spPr>
+          <a:xfrm>
+            <a:off x="8730759" y="964221"/>
+            <a:ext cx="0" cy="577487"/>
+          </a:xfrm>
+          <a:prstGeom prst="straightConnector1">
+            <a:avLst/>
+          </a:prstGeom>
+          <a:ln>
+            <a:tailEnd type="triangle"/>
+          </a:ln>
+        </p:spPr>
+        <p:style>
+          <a:lnRef idx="2">
+            <a:schemeClr val="accent1"/>
+          </a:lnRef>
+          <a:fillRef idx="0">
+            <a:schemeClr val="accent1"/>
+          </a:fillRef>
+          <a:effectRef idx="1">
+            <a:schemeClr val="accent1"/>
+          </a:effectRef>
+          <a:fontRef idx="minor">
+            <a:schemeClr val="tx1"/>
+          </a:fontRef>
+        </p:style>
+      </p:cxnSp>
+    </p:spTree>
+    <p:extLst>
+      <p:ext uri="{BB962C8B-B14F-4D97-AF65-F5344CB8AC3E}">
+        <p14:creationId xmlns:p14="http://schemas.microsoft.com/office/powerpoint/2010/main" val="2620660118"/>
       </p:ext>
     </p:extLst>
   </p:cSld>

--- a/Cours/images/Sources_schemes.pptx
+++ b/Cours/images/Sources_schemes.pptx
@@ -8006,1888 +8006,1909 @@
           <a:chExt cx="0" cy="0"/>
         </a:xfrm>
       </p:grpSpPr>
-      <p:sp>
-        <p:nvSpPr>
-          <p:cNvPr id="5" name="ZoneTexte 4">
+      <p:grpSp>
+        <p:nvGrpSpPr>
+          <p:cNvPr id="49" name="Groupe 48">
             <a:extLst>
               <a:ext uri="{FF2B5EF4-FFF2-40B4-BE49-F238E27FC236}">
-                <a16:creationId xmlns:a16="http://schemas.microsoft.com/office/drawing/2014/main" id="{93AA5D89-F448-B2F4-5FE1-0301D3B83D5A}"/>
+                <a16:creationId xmlns:a16="http://schemas.microsoft.com/office/drawing/2014/main" id="{32B884C7-9368-6E74-0B56-9D086F0F4CB7}"/>
               </a:ext>
             </a:extLst>
           </p:cNvPr>
-          <p:cNvSpPr txBox="1"/>
+          <p:cNvGrpSpPr/>
           <p:nvPr/>
-        </p:nvSpPr>
-        <p:spPr>
+        </p:nvGrpSpPr>
+        <p:grpSpPr>
           <a:xfrm>
-            <a:off x="5009778" y="87618"/>
-            <a:ext cx="1585913" cy="369332"/>
+            <a:off x="219197" y="87618"/>
+            <a:ext cx="11899351" cy="6140277"/>
+            <a:chOff x="219197" y="87618"/>
+            <a:chExt cx="11899351" cy="6140277"/>
           </a:xfrm>
-          <a:prstGeom prst="rect">
-            <a:avLst/>
-          </a:prstGeom>
-          <a:solidFill>
-            <a:schemeClr val="tx2">
-              <a:lumMod val="10000"/>
-              <a:lumOff val="90000"/>
-            </a:schemeClr>
-          </a:solidFill>
-          <a:ln w="25400">
+        </p:grpSpPr>
+        <p:sp>
+          <p:nvSpPr>
+            <p:cNvPr id="5" name="ZoneTexte 4">
+              <a:extLst>
+                <a:ext uri="{FF2B5EF4-FFF2-40B4-BE49-F238E27FC236}">
+                  <a16:creationId xmlns:a16="http://schemas.microsoft.com/office/drawing/2014/main" id="{93AA5D89-F448-B2F4-5FE1-0301D3B83D5A}"/>
+                </a:ext>
+              </a:extLst>
+            </p:cNvPr>
+            <p:cNvSpPr txBox="1"/>
+            <p:nvPr/>
+          </p:nvSpPr>
+          <p:spPr>
+            <a:xfrm>
+              <a:off x="5009778" y="87618"/>
+              <a:ext cx="1585913" cy="369332"/>
+            </a:xfrm>
+            <a:prstGeom prst="rect">
+              <a:avLst/>
+            </a:prstGeom>
             <a:solidFill>
-              <a:schemeClr val="accent1"/>
+              <a:schemeClr val="tx2">
+                <a:lumMod val="10000"/>
+                <a:lumOff val="90000"/>
+              </a:schemeClr>
             </a:solidFill>
-          </a:ln>
-        </p:spPr>
-        <p:txBody>
-          <a:bodyPr wrap="square" rtlCol="0">
-            <a:spAutoFit/>
-          </a:bodyPr>
-          <a:lstStyle/>
-          <a:p>
-            <a:pPr algn="ctr"/>
-            <a:r>
-              <a:rPr lang="fr-FR" dirty="0"/>
-              <a:t>Seurat Object</a:t>
-            </a:r>
-          </a:p>
-        </p:txBody>
-      </p:sp>
-      <p:sp>
-        <p:nvSpPr>
-          <p:cNvPr id="6" name="ZoneTexte 5">
-            <a:extLst>
-              <a:ext uri="{FF2B5EF4-FFF2-40B4-BE49-F238E27FC236}">
-                <a16:creationId xmlns:a16="http://schemas.microsoft.com/office/drawing/2014/main" id="{701C0740-2A6E-983A-6640-D1F7B79D997E}"/>
-              </a:ext>
-            </a:extLst>
-          </p:cNvPr>
-          <p:cNvSpPr txBox="1"/>
-          <p:nvPr/>
-        </p:nvSpPr>
-        <p:spPr>
-          <a:xfrm>
-            <a:off x="1662531" y="1555907"/>
-            <a:ext cx="1428750" cy="369332"/>
-          </a:xfrm>
-          <a:prstGeom prst="rect">
-            <a:avLst/>
-          </a:prstGeom>
-          <a:solidFill>
-            <a:schemeClr val="accent2">
-              <a:lumMod val="20000"/>
-              <a:lumOff val="80000"/>
-            </a:schemeClr>
-          </a:solidFill>
-          <a:ln w="25400">
+            <a:ln w="25400">
+              <a:solidFill>
+                <a:schemeClr val="accent1"/>
+              </a:solidFill>
+            </a:ln>
+          </p:spPr>
+          <p:txBody>
+            <a:bodyPr wrap="square" rtlCol="0">
+              <a:spAutoFit/>
+            </a:bodyPr>
+            <a:lstStyle/>
+            <a:p>
+              <a:pPr algn="ctr"/>
+              <a:r>
+                <a:rPr lang="fr-FR" dirty="0"/>
+                <a:t>Seurat Object</a:t>
+              </a:r>
+            </a:p>
+          </p:txBody>
+        </p:sp>
+        <p:sp>
+          <p:nvSpPr>
+            <p:cNvPr id="6" name="ZoneTexte 5">
+              <a:extLst>
+                <a:ext uri="{FF2B5EF4-FFF2-40B4-BE49-F238E27FC236}">
+                  <a16:creationId xmlns:a16="http://schemas.microsoft.com/office/drawing/2014/main" id="{701C0740-2A6E-983A-6640-D1F7B79D997E}"/>
+                </a:ext>
+              </a:extLst>
+            </p:cNvPr>
+            <p:cNvSpPr txBox="1"/>
+            <p:nvPr/>
+          </p:nvSpPr>
+          <p:spPr>
+            <a:xfrm>
+              <a:off x="1662531" y="1555907"/>
+              <a:ext cx="1428750" cy="369332"/>
+            </a:xfrm>
+            <a:prstGeom prst="rect">
+              <a:avLst/>
+            </a:prstGeom>
             <a:solidFill>
-              <a:schemeClr val="accent1"/>
+              <a:schemeClr val="accent2">
+                <a:lumMod val="20000"/>
+                <a:lumOff val="80000"/>
+              </a:schemeClr>
             </a:solidFill>
-          </a:ln>
-        </p:spPr>
-        <p:txBody>
-          <a:bodyPr wrap="square" rtlCol="0">
-            <a:spAutoFit/>
-          </a:bodyPr>
-          <a:lstStyle/>
-          <a:p>
-            <a:pPr algn="ctr"/>
-            <a:r>
-              <a:rPr lang="fr-FR" dirty="0" err="1"/>
-              <a:t>assays</a:t>
-            </a:r>
-            <a:endParaRPr lang="fr-FR" dirty="0"/>
-          </a:p>
-        </p:txBody>
-      </p:sp>
-      <p:sp>
-        <p:nvSpPr>
-          <p:cNvPr id="7" name="ZoneTexte 6">
-            <a:extLst>
-              <a:ext uri="{FF2B5EF4-FFF2-40B4-BE49-F238E27FC236}">
-                <a16:creationId xmlns:a16="http://schemas.microsoft.com/office/drawing/2014/main" id="{0CB8082A-1532-5974-1080-8596C75F76C6}"/>
-              </a:ext>
-            </a:extLst>
-          </p:cNvPr>
-          <p:cNvSpPr txBox="1"/>
-          <p:nvPr/>
-        </p:nvSpPr>
-        <p:spPr>
-          <a:xfrm>
-            <a:off x="4538004" y="1555907"/>
-            <a:ext cx="2528883" cy="646331"/>
-          </a:xfrm>
-          <a:prstGeom prst="rect">
-            <a:avLst/>
-          </a:prstGeom>
-          <a:solidFill>
-            <a:schemeClr val="accent2">
-              <a:lumMod val="20000"/>
-              <a:lumOff val="80000"/>
-            </a:schemeClr>
-          </a:solidFill>
-          <a:ln w="25400">
+            <a:ln w="25400">
+              <a:solidFill>
+                <a:schemeClr val="accent1"/>
+              </a:solidFill>
+            </a:ln>
+          </p:spPr>
+          <p:txBody>
+            <a:bodyPr wrap="square" rtlCol="0">
+              <a:spAutoFit/>
+            </a:bodyPr>
+            <a:lstStyle/>
+            <a:p>
+              <a:pPr algn="ctr"/>
+              <a:r>
+                <a:rPr lang="fr-FR" dirty="0" err="1"/>
+                <a:t>assays</a:t>
+              </a:r>
+              <a:endParaRPr lang="fr-FR" dirty="0"/>
+            </a:p>
+          </p:txBody>
+        </p:sp>
+        <p:sp>
+          <p:nvSpPr>
+            <p:cNvPr id="7" name="ZoneTexte 6">
+              <a:extLst>
+                <a:ext uri="{FF2B5EF4-FFF2-40B4-BE49-F238E27FC236}">
+                  <a16:creationId xmlns:a16="http://schemas.microsoft.com/office/drawing/2014/main" id="{0CB8082A-1532-5974-1080-8596C75F76C6}"/>
+                </a:ext>
+              </a:extLst>
+            </p:cNvPr>
+            <p:cNvSpPr txBox="1"/>
+            <p:nvPr/>
+          </p:nvSpPr>
+          <p:spPr>
+            <a:xfrm>
+              <a:off x="4538004" y="1555907"/>
+              <a:ext cx="2528883" cy="646331"/>
+            </a:xfrm>
+            <a:prstGeom prst="rect">
+              <a:avLst/>
+            </a:prstGeom>
             <a:solidFill>
-              <a:schemeClr val="accent1"/>
+              <a:schemeClr val="accent2">
+                <a:lumMod val="20000"/>
+                <a:lumOff val="80000"/>
+              </a:schemeClr>
             </a:solidFill>
-          </a:ln>
-        </p:spPr>
-        <p:txBody>
-          <a:bodyPr wrap="square" rtlCol="0">
-            <a:spAutoFit/>
-          </a:bodyPr>
-          <a:lstStyle/>
-          <a:p>
-            <a:pPr algn="ctr"/>
-            <a:r>
-              <a:rPr lang="fr-FR" dirty="0" err="1"/>
-              <a:t>meta.data</a:t>
-            </a:r>
-            <a:endParaRPr lang="fr-FR" dirty="0"/>
-          </a:p>
-          <a:p>
-            <a:pPr algn="ctr"/>
-            <a:r>
-              <a:rPr lang="fr-FR" dirty="0"/>
-              <a:t>(info sur les spots)</a:t>
-            </a:r>
-          </a:p>
-        </p:txBody>
-      </p:sp>
-      <p:cxnSp>
-        <p:nvCxnSpPr>
-          <p:cNvPr id="8" name="Connecteur en angle 7">
-            <a:extLst>
-              <a:ext uri="{FF2B5EF4-FFF2-40B4-BE49-F238E27FC236}">
-                <a16:creationId xmlns:a16="http://schemas.microsoft.com/office/drawing/2014/main" id="{74EBB2D7-2B11-0113-9F46-8C89C55A3687}"/>
-              </a:ext>
-            </a:extLst>
-          </p:cNvPr>
-          <p:cNvCxnSpPr>
-            <a:cxnSpLocks/>
-            <a:endCxn id="6" idx="0"/>
-          </p:cNvCxnSpPr>
-          <p:nvPr/>
-        </p:nvCxnSpPr>
-        <p:spPr>
-          <a:xfrm rot="10800000" flipV="1">
-            <a:off x="2376907" y="966281"/>
-            <a:ext cx="3414359" cy="589625"/>
-          </a:xfrm>
-          <a:prstGeom prst="bentConnector2">
-            <a:avLst/>
-          </a:prstGeom>
-          <a:ln>
-            <a:tailEnd type="triangle"/>
-          </a:ln>
-        </p:spPr>
-        <p:style>
-          <a:lnRef idx="2">
-            <a:schemeClr val="accent1"/>
-          </a:lnRef>
-          <a:fillRef idx="0">
-            <a:schemeClr val="accent1"/>
-          </a:fillRef>
-          <a:effectRef idx="1">
-            <a:schemeClr val="accent1"/>
-          </a:effectRef>
-          <a:fontRef idx="minor">
-            <a:schemeClr val="tx1"/>
-          </a:fontRef>
-        </p:style>
-      </p:cxnSp>
-      <mc:AlternateContent xmlns:mc="http://schemas.openxmlformats.org/markup-compatibility/2006">
-        <mc:Choice xmlns:a14="http://schemas.microsoft.com/office/drawing/2010/main" Requires="a14">
-          <p:sp>
-            <p:nvSpPr>
-              <p:cNvPr id="9" name="ZoneTexte 8">
-                <a:extLst>
-                  <a:ext uri="{FF2B5EF4-FFF2-40B4-BE49-F238E27FC236}">
-                    <a16:creationId xmlns:a16="http://schemas.microsoft.com/office/drawing/2014/main" id="{00C30095-3D03-09C4-6E8C-AC7BD3147F3F}"/>
-                  </a:ext>
-                </a:extLst>
-              </p:cNvPr>
-              <p:cNvSpPr txBox="1"/>
-              <p:nvPr/>
-            </p:nvSpPr>
-            <p:spPr>
-              <a:xfrm>
-                <a:off x="4951862" y="529232"/>
-                <a:ext cx="1243017" cy="369332"/>
-              </a:xfrm>
-              <a:prstGeom prst="rect">
-                <a:avLst/>
-              </a:prstGeom>
-              <a:noFill/>
-            </p:spPr>
-            <p:txBody>
-              <a:bodyPr wrap="square" rtlCol="0">
-                <a:spAutoFit/>
-              </a:bodyPr>
-              <a:lstStyle/>
-              <a:p>
-                <a:pPr/>
-                <a14:m>
-                  <m:oMathPara xmlns:m="http://schemas.openxmlformats.org/officeDocument/2006/math">
-                    <m:oMathParaPr>
-                      <m:jc m:val="centerGroup"/>
-                    </m:oMathParaPr>
-                    <m:oMath xmlns:m="http://schemas.openxmlformats.org/officeDocument/2006/math">
-                      <m:r>
-                        <a:rPr lang="fr-FR" b="0" i="1" smtClean="0">
-                          <a:latin typeface="Cambria Math" panose="02040503050406030204" pitchFamily="18" charset="0"/>
-                        </a:rPr>
-                        <m:t>@</m:t>
-                      </m:r>
-                    </m:oMath>
-                  </m:oMathPara>
-                </a14:m>
-                <a:endParaRPr lang="fr-FR" dirty="0"/>
-              </a:p>
-            </p:txBody>
-          </p:sp>
-        </mc:Choice>
-        <mc:Fallback>
-          <p:sp>
-            <p:nvSpPr>
-              <p:cNvPr id="9" name="ZoneTexte 8">
-                <a:extLst>
-                  <a:ext uri="{FF2B5EF4-FFF2-40B4-BE49-F238E27FC236}">
-                    <a16:creationId xmlns:a16="http://schemas.microsoft.com/office/drawing/2014/main" id="{00C30095-3D03-09C4-6E8C-AC7BD3147F3F}"/>
-                  </a:ext>
-                </a:extLst>
-              </p:cNvPr>
-              <p:cNvSpPr txBox="1">
-                <a:spLocks noRot="1" noChangeAspect="1" noMove="1" noResize="1" noEditPoints="1" noAdjustHandles="1" noChangeArrowheads="1" noChangeShapeType="1" noTextEdit="1"/>
-              </p:cNvSpPr>
-              <p:nvPr/>
-            </p:nvSpPr>
-            <p:spPr>
-              <a:xfrm>
-                <a:off x="4951862" y="529232"/>
-                <a:ext cx="1243017" cy="369332"/>
-              </a:xfrm>
-              <a:prstGeom prst="rect">
-                <a:avLst/>
-              </a:prstGeom>
-              <a:blipFill>
-                <a:blip r:embed="rId2"/>
-                <a:stretch>
-                  <a:fillRect/>
-                </a:stretch>
-              </a:blipFill>
-            </p:spPr>
-            <p:txBody>
-              <a:bodyPr/>
-              <a:lstStyle/>
-              <a:p>
-                <a:r>
-                  <a:rPr lang="fr-FR">
-                    <a:noFill/>
-                  </a:rPr>
-                  <a:t> </a:t>
-                </a:r>
-              </a:p>
-            </p:txBody>
-          </p:sp>
-        </mc:Fallback>
-      </mc:AlternateContent>
-      <p:sp>
-        <p:nvSpPr>
-          <p:cNvPr id="10" name="ZoneTexte 9">
-            <a:extLst>
-              <a:ext uri="{FF2B5EF4-FFF2-40B4-BE49-F238E27FC236}">
-                <a16:creationId xmlns:a16="http://schemas.microsoft.com/office/drawing/2014/main" id="{700FBED4-D328-043D-5B80-5E97B86277E6}"/>
-              </a:ext>
-            </a:extLst>
-          </p:cNvPr>
-          <p:cNvSpPr txBox="1"/>
-          <p:nvPr/>
-        </p:nvSpPr>
-        <p:spPr>
-          <a:xfrm>
-            <a:off x="2768661" y="2469420"/>
-            <a:ext cx="1428750" cy="369332"/>
-          </a:xfrm>
-          <a:prstGeom prst="rect">
-            <a:avLst/>
-          </a:prstGeom>
-          <a:solidFill>
-            <a:schemeClr val="accent3">
-              <a:lumMod val="20000"/>
-              <a:lumOff val="80000"/>
-            </a:schemeClr>
-          </a:solidFill>
-          <a:ln w="25400">
+            <a:ln w="25400">
+              <a:solidFill>
+                <a:schemeClr val="accent1"/>
+              </a:solidFill>
+            </a:ln>
+          </p:spPr>
+          <p:txBody>
+            <a:bodyPr wrap="square" rtlCol="0">
+              <a:spAutoFit/>
+            </a:bodyPr>
+            <a:lstStyle/>
+            <a:p>
+              <a:pPr algn="ctr"/>
+              <a:r>
+                <a:rPr lang="fr-FR" dirty="0" err="1"/>
+                <a:t>meta.data</a:t>
+              </a:r>
+              <a:endParaRPr lang="fr-FR" dirty="0"/>
+            </a:p>
+            <a:p>
+              <a:pPr algn="ctr"/>
+              <a:r>
+                <a:rPr lang="fr-FR" dirty="0"/>
+                <a:t>(info sur les spots)</a:t>
+              </a:r>
+            </a:p>
+          </p:txBody>
+        </p:sp>
+        <p:cxnSp>
+          <p:nvCxnSpPr>
+            <p:cNvPr id="8" name="Connecteur en angle 7">
+              <a:extLst>
+                <a:ext uri="{FF2B5EF4-FFF2-40B4-BE49-F238E27FC236}">
+                  <a16:creationId xmlns:a16="http://schemas.microsoft.com/office/drawing/2014/main" id="{74EBB2D7-2B11-0113-9F46-8C89C55A3687}"/>
+                </a:ext>
+              </a:extLst>
+            </p:cNvPr>
+            <p:cNvCxnSpPr>
+              <a:cxnSpLocks/>
+              <a:endCxn id="6" idx="0"/>
+            </p:cNvCxnSpPr>
+            <p:nvPr/>
+          </p:nvCxnSpPr>
+          <p:spPr>
+            <a:xfrm rot="10800000" flipV="1">
+              <a:off x="2376907" y="966281"/>
+              <a:ext cx="3414359" cy="589625"/>
+            </a:xfrm>
+            <a:prstGeom prst="bentConnector2">
+              <a:avLst/>
+            </a:prstGeom>
+            <a:ln>
+              <a:tailEnd type="triangle"/>
+            </a:ln>
+          </p:spPr>
+          <p:style>
+            <a:lnRef idx="2">
+              <a:schemeClr val="accent1"/>
+            </a:lnRef>
+            <a:fillRef idx="0">
+              <a:schemeClr val="accent1"/>
+            </a:fillRef>
+            <a:effectRef idx="1">
+              <a:schemeClr val="accent1"/>
+            </a:effectRef>
+            <a:fontRef idx="minor">
+              <a:schemeClr val="tx1"/>
+            </a:fontRef>
+          </p:style>
+        </p:cxnSp>
+        <mc:AlternateContent xmlns:mc="http://schemas.openxmlformats.org/markup-compatibility/2006">
+          <mc:Choice xmlns:a14="http://schemas.microsoft.com/office/drawing/2010/main" Requires="a14">
+            <p:sp>
+              <p:nvSpPr>
+                <p:cNvPr id="9" name="ZoneTexte 8">
+                  <a:extLst>
+                    <a:ext uri="{FF2B5EF4-FFF2-40B4-BE49-F238E27FC236}">
+                      <a16:creationId xmlns:a16="http://schemas.microsoft.com/office/drawing/2014/main" id="{00C30095-3D03-09C4-6E8C-AC7BD3147F3F}"/>
+                    </a:ext>
+                  </a:extLst>
+                </p:cNvPr>
+                <p:cNvSpPr txBox="1"/>
+                <p:nvPr/>
+              </p:nvSpPr>
+              <p:spPr>
+                <a:xfrm>
+                  <a:off x="4951862" y="529232"/>
+                  <a:ext cx="1243017" cy="369332"/>
+                </a:xfrm>
+                <a:prstGeom prst="rect">
+                  <a:avLst/>
+                </a:prstGeom>
+                <a:noFill/>
+              </p:spPr>
+              <p:txBody>
+                <a:bodyPr wrap="square" rtlCol="0">
+                  <a:spAutoFit/>
+                </a:bodyPr>
+                <a:lstStyle/>
+                <a:p>
+                  <a:pPr/>
+                  <a14:m>
+                    <m:oMathPara xmlns:m="http://schemas.openxmlformats.org/officeDocument/2006/math">
+                      <m:oMathParaPr>
+                        <m:jc m:val="centerGroup"/>
+                      </m:oMathParaPr>
+                      <m:oMath xmlns:m="http://schemas.openxmlformats.org/officeDocument/2006/math">
+                        <m:r>
+                          <a:rPr lang="fr-FR" b="0" i="1" smtClean="0">
+                            <a:latin typeface="Cambria Math" panose="02040503050406030204" pitchFamily="18" charset="0"/>
+                          </a:rPr>
+                          <m:t>@</m:t>
+                        </m:r>
+                      </m:oMath>
+                    </m:oMathPara>
+                  </a14:m>
+                  <a:endParaRPr lang="fr-FR" dirty="0"/>
+                </a:p>
+              </p:txBody>
+            </p:sp>
+          </mc:Choice>
+          <mc:Fallback>
+            <p:sp>
+              <p:nvSpPr>
+                <p:cNvPr id="9" name="ZoneTexte 8">
+                  <a:extLst>
+                    <a:ext uri="{FF2B5EF4-FFF2-40B4-BE49-F238E27FC236}">
+                      <a16:creationId xmlns:a16="http://schemas.microsoft.com/office/drawing/2014/main" id="{00C30095-3D03-09C4-6E8C-AC7BD3147F3F}"/>
+                    </a:ext>
+                  </a:extLst>
+                </p:cNvPr>
+                <p:cNvSpPr txBox="1">
+                  <a:spLocks noRot="1" noChangeAspect="1" noMove="1" noResize="1" noEditPoints="1" noAdjustHandles="1" noChangeArrowheads="1" noChangeShapeType="1" noTextEdit="1"/>
+                </p:cNvSpPr>
+                <p:nvPr/>
+              </p:nvSpPr>
+              <p:spPr>
+                <a:xfrm>
+                  <a:off x="4951862" y="529232"/>
+                  <a:ext cx="1243017" cy="369332"/>
+                </a:xfrm>
+                <a:prstGeom prst="rect">
+                  <a:avLst/>
+                </a:prstGeom>
+                <a:blipFill>
+                  <a:blip r:embed="rId2"/>
+                  <a:stretch>
+                    <a:fillRect/>
+                  </a:stretch>
+                </a:blipFill>
+              </p:spPr>
+              <p:txBody>
+                <a:bodyPr/>
+                <a:lstStyle/>
+                <a:p>
+                  <a:r>
+                    <a:rPr lang="fr-FR">
+                      <a:noFill/>
+                    </a:rPr>
+                    <a:t> </a:t>
+                  </a:r>
+                </a:p>
+              </p:txBody>
+            </p:sp>
+          </mc:Fallback>
+        </mc:AlternateContent>
+        <p:sp>
+          <p:nvSpPr>
+            <p:cNvPr id="10" name="ZoneTexte 9">
+              <a:extLst>
+                <a:ext uri="{FF2B5EF4-FFF2-40B4-BE49-F238E27FC236}">
+                  <a16:creationId xmlns:a16="http://schemas.microsoft.com/office/drawing/2014/main" id="{700FBED4-D328-043D-5B80-5E97B86277E6}"/>
+                </a:ext>
+              </a:extLst>
+            </p:cNvPr>
+            <p:cNvSpPr txBox="1"/>
+            <p:nvPr/>
+          </p:nvSpPr>
+          <p:spPr>
+            <a:xfrm>
+              <a:off x="2768661" y="2469420"/>
+              <a:ext cx="1428750" cy="369332"/>
+            </a:xfrm>
+            <a:prstGeom prst="rect">
+              <a:avLst/>
+            </a:prstGeom>
             <a:solidFill>
-              <a:schemeClr val="accent1"/>
+              <a:schemeClr val="accent3">
+                <a:lumMod val="20000"/>
+                <a:lumOff val="80000"/>
+              </a:schemeClr>
             </a:solidFill>
-          </a:ln>
-        </p:spPr>
-        <p:txBody>
-          <a:bodyPr wrap="square" rtlCol="0">
-            <a:spAutoFit/>
-          </a:bodyPr>
-          <a:lstStyle/>
-          <a:p>
-            <a:pPr algn="ctr"/>
-            <a:r>
-              <a:rPr lang="fr-FR" dirty="0"/>
-              <a:t>Spatial</a:t>
-            </a:r>
-          </a:p>
-        </p:txBody>
-      </p:sp>
-      <p:sp>
-        <p:nvSpPr>
-          <p:cNvPr id="12" name="ZoneTexte 11">
-            <a:extLst>
-              <a:ext uri="{FF2B5EF4-FFF2-40B4-BE49-F238E27FC236}">
-                <a16:creationId xmlns:a16="http://schemas.microsoft.com/office/drawing/2014/main" id="{8EA490F9-D523-64BD-B830-D46559E5A452}"/>
-              </a:ext>
-            </a:extLst>
-          </p:cNvPr>
-          <p:cNvSpPr txBox="1"/>
-          <p:nvPr/>
-        </p:nvSpPr>
-        <p:spPr>
-          <a:xfrm>
-            <a:off x="1986997" y="1909097"/>
-            <a:ext cx="585787" cy="369332"/>
-          </a:xfrm>
-          <a:prstGeom prst="rect">
-            <a:avLst/>
-          </a:prstGeom>
-          <a:noFill/>
-        </p:spPr>
-        <p:txBody>
-          <a:bodyPr wrap="square" rtlCol="0">
-            <a:spAutoFit/>
-          </a:bodyPr>
-          <a:lstStyle/>
-          <a:p>
-            <a:r>
-              <a:rPr lang="fr-FR" dirty="0"/>
-              <a:t>$</a:t>
-            </a:r>
-          </a:p>
-        </p:txBody>
-      </p:sp>
-      <p:sp>
-        <p:nvSpPr>
-          <p:cNvPr id="13" name="ZoneTexte 12">
-            <a:extLst>
-              <a:ext uri="{FF2B5EF4-FFF2-40B4-BE49-F238E27FC236}">
-                <a16:creationId xmlns:a16="http://schemas.microsoft.com/office/drawing/2014/main" id="{BC35F8EF-0BFC-2824-DE2D-B1ACA43CC43F}"/>
-              </a:ext>
-            </a:extLst>
-          </p:cNvPr>
-          <p:cNvSpPr txBox="1"/>
-          <p:nvPr/>
-        </p:nvSpPr>
-        <p:spPr>
-          <a:xfrm>
-            <a:off x="2191459" y="3639533"/>
-            <a:ext cx="2580977" cy="646331"/>
-          </a:xfrm>
-          <a:prstGeom prst="rect">
-            <a:avLst/>
-          </a:prstGeom>
-          <a:solidFill>
-            <a:schemeClr val="accent3">
-              <a:lumMod val="20000"/>
-              <a:lumOff val="80000"/>
-            </a:schemeClr>
-          </a:solidFill>
-          <a:ln w="25400">
+            <a:ln w="25400">
+              <a:solidFill>
+                <a:schemeClr val="accent1"/>
+              </a:solidFill>
+            </a:ln>
+          </p:spPr>
+          <p:txBody>
+            <a:bodyPr wrap="square" rtlCol="0">
+              <a:spAutoFit/>
+            </a:bodyPr>
+            <a:lstStyle/>
+            <a:p>
+              <a:pPr algn="ctr"/>
+              <a:r>
+                <a:rPr lang="fr-FR" dirty="0"/>
+                <a:t>Spatial</a:t>
+              </a:r>
+            </a:p>
+          </p:txBody>
+        </p:sp>
+        <p:sp>
+          <p:nvSpPr>
+            <p:cNvPr id="12" name="ZoneTexte 11">
+              <a:extLst>
+                <a:ext uri="{FF2B5EF4-FFF2-40B4-BE49-F238E27FC236}">
+                  <a16:creationId xmlns:a16="http://schemas.microsoft.com/office/drawing/2014/main" id="{8EA490F9-D523-64BD-B830-D46559E5A452}"/>
+                </a:ext>
+              </a:extLst>
+            </p:cNvPr>
+            <p:cNvSpPr txBox="1"/>
+            <p:nvPr/>
+          </p:nvSpPr>
+          <p:spPr>
+            <a:xfrm>
+              <a:off x="1986997" y="1909097"/>
+              <a:ext cx="585787" cy="369332"/>
+            </a:xfrm>
+            <a:prstGeom prst="rect">
+              <a:avLst/>
+            </a:prstGeom>
+            <a:noFill/>
+          </p:spPr>
+          <p:txBody>
+            <a:bodyPr wrap="square" rtlCol="0">
+              <a:spAutoFit/>
+            </a:bodyPr>
+            <a:lstStyle/>
+            <a:p>
+              <a:r>
+                <a:rPr lang="fr-FR" dirty="0"/>
+                <a:t>$</a:t>
+              </a:r>
+            </a:p>
+          </p:txBody>
+        </p:sp>
+        <p:sp>
+          <p:nvSpPr>
+            <p:cNvPr id="13" name="ZoneTexte 12">
+              <a:extLst>
+                <a:ext uri="{FF2B5EF4-FFF2-40B4-BE49-F238E27FC236}">
+                  <a16:creationId xmlns:a16="http://schemas.microsoft.com/office/drawing/2014/main" id="{BC35F8EF-0BFC-2824-DE2D-B1ACA43CC43F}"/>
+                </a:ext>
+              </a:extLst>
+            </p:cNvPr>
+            <p:cNvSpPr txBox="1"/>
+            <p:nvPr/>
+          </p:nvSpPr>
+          <p:spPr>
+            <a:xfrm>
+              <a:off x="2191459" y="3639533"/>
+              <a:ext cx="2580977" cy="646331"/>
+            </a:xfrm>
+            <a:prstGeom prst="rect">
+              <a:avLst/>
+            </a:prstGeom>
             <a:solidFill>
-              <a:schemeClr val="accent1"/>
+              <a:schemeClr val="accent3">
+                <a:lumMod val="20000"/>
+                <a:lumOff val="80000"/>
+              </a:schemeClr>
             </a:solidFill>
-          </a:ln>
-        </p:spPr>
-        <p:txBody>
-          <a:bodyPr wrap="square" rtlCol="0">
-            <a:spAutoFit/>
-          </a:bodyPr>
-          <a:lstStyle/>
-          <a:p>
-            <a:pPr marL="285750" indent="-285750">
-              <a:buFont typeface="Arial" panose="020B0604020202020204" pitchFamily="34" charset="0"/>
-              <a:buChar char="•"/>
-            </a:pPr>
-            <a:r>
-              <a:rPr lang="fr-FR" dirty="0" err="1"/>
-              <a:t>counts</a:t>
-            </a:r>
-            <a:endParaRPr lang="fr-FR" dirty="0"/>
-          </a:p>
-          <a:p>
-            <a:r>
-              <a:rPr lang="fr-FR" dirty="0"/>
-              <a:t>(comptages bruts G x C)</a:t>
-            </a:r>
-          </a:p>
-        </p:txBody>
-      </p:sp>
-      <p:cxnSp>
-        <p:nvCxnSpPr>
-          <p:cNvPr id="14" name="Connecteur droit avec flèche 13">
-            <a:extLst>
-              <a:ext uri="{FF2B5EF4-FFF2-40B4-BE49-F238E27FC236}">
-                <a16:creationId xmlns:a16="http://schemas.microsoft.com/office/drawing/2014/main" id="{200A8ACF-8249-A72D-7186-CCB6C70DF61F}"/>
-              </a:ext>
-            </a:extLst>
-          </p:cNvPr>
-          <p:cNvCxnSpPr>
-            <a:cxnSpLocks/>
-            <a:stCxn id="10" idx="2"/>
-            <a:endCxn id="13" idx="0"/>
-          </p:cNvCxnSpPr>
-          <p:nvPr/>
-        </p:nvCxnSpPr>
-        <p:spPr>
-          <a:xfrm flipH="1">
-            <a:off x="3481948" y="2838752"/>
-            <a:ext cx="1088" cy="800781"/>
-          </a:xfrm>
-          <a:prstGeom prst="straightConnector1">
-            <a:avLst/>
-          </a:prstGeom>
-          <a:ln>
-            <a:tailEnd type="triangle"/>
-          </a:ln>
-        </p:spPr>
-        <p:style>
-          <a:lnRef idx="2">
-            <a:schemeClr val="accent1"/>
-          </a:lnRef>
-          <a:fillRef idx="0">
-            <a:schemeClr val="accent1"/>
-          </a:fillRef>
-          <a:effectRef idx="1">
-            <a:schemeClr val="accent1"/>
-          </a:effectRef>
-          <a:fontRef idx="minor">
-            <a:schemeClr val="tx1"/>
-          </a:fontRef>
-        </p:style>
-      </p:cxnSp>
-      <p:sp>
-        <p:nvSpPr>
-          <p:cNvPr id="15" name="ZoneTexte 14">
-            <a:extLst>
-              <a:ext uri="{FF2B5EF4-FFF2-40B4-BE49-F238E27FC236}">
-                <a16:creationId xmlns:a16="http://schemas.microsoft.com/office/drawing/2014/main" id="{BF0B9BDE-0D4D-7C9F-17B3-9DC9E0B9DECE}"/>
-              </a:ext>
-            </a:extLst>
-          </p:cNvPr>
-          <p:cNvSpPr txBox="1"/>
-          <p:nvPr/>
-        </p:nvSpPr>
-        <p:spPr>
-          <a:xfrm>
-            <a:off x="2991320" y="2973111"/>
-            <a:ext cx="585787" cy="369332"/>
-          </a:xfrm>
-          <a:prstGeom prst="rect">
-            <a:avLst/>
-          </a:prstGeom>
-          <a:noFill/>
-        </p:spPr>
-        <p:txBody>
-          <a:bodyPr wrap="square" rtlCol="0">
-            <a:spAutoFit/>
-          </a:bodyPr>
-          <a:lstStyle/>
-          <a:p>
-            <a:r>
-              <a:rPr lang="fr-FR" dirty="0"/>
-              <a:t>$</a:t>
-            </a:r>
-          </a:p>
-        </p:txBody>
-      </p:sp>
-      <p:sp>
-        <p:nvSpPr>
-          <p:cNvPr id="16" name="ZoneTexte 15">
-            <a:extLst>
-              <a:ext uri="{FF2B5EF4-FFF2-40B4-BE49-F238E27FC236}">
-                <a16:creationId xmlns:a16="http://schemas.microsoft.com/office/drawing/2014/main" id="{46DD8E58-9E9C-54FF-34A8-1BAC22BF2D66}"/>
-              </a:ext>
-            </a:extLst>
-          </p:cNvPr>
-          <p:cNvSpPr txBox="1"/>
-          <p:nvPr/>
-        </p:nvSpPr>
-        <p:spPr>
-          <a:xfrm>
-            <a:off x="4625652" y="2637120"/>
-            <a:ext cx="2331227" cy="923330"/>
-          </a:xfrm>
-          <a:prstGeom prst="rect">
-            <a:avLst/>
-          </a:prstGeom>
-          <a:solidFill>
-            <a:schemeClr val="accent3">
-              <a:lumMod val="20000"/>
-              <a:lumOff val="80000"/>
-            </a:schemeClr>
-          </a:solidFill>
-          <a:ln w="25400">
+            <a:ln w="25400">
+              <a:solidFill>
+                <a:schemeClr val="accent1"/>
+              </a:solidFill>
+            </a:ln>
+          </p:spPr>
+          <p:txBody>
+            <a:bodyPr wrap="square" rtlCol="0">
+              <a:spAutoFit/>
+            </a:bodyPr>
+            <a:lstStyle/>
+            <a:p>
+              <a:pPr marL="285750" indent="-285750">
+                <a:buFont typeface="Arial" panose="020B0604020202020204" pitchFamily="34" charset="0"/>
+                <a:buChar char="•"/>
+              </a:pPr>
+              <a:r>
+                <a:rPr lang="fr-FR" dirty="0" err="1"/>
+                <a:t>counts</a:t>
+              </a:r>
+              <a:endParaRPr lang="fr-FR" dirty="0"/>
+            </a:p>
+            <a:p>
+              <a:r>
+                <a:rPr lang="fr-FR" dirty="0"/>
+                <a:t>(comptages bruts G x C)</a:t>
+              </a:r>
+            </a:p>
+          </p:txBody>
+        </p:sp>
+        <p:cxnSp>
+          <p:nvCxnSpPr>
+            <p:cNvPr id="14" name="Connecteur droit avec flèche 13">
+              <a:extLst>
+                <a:ext uri="{FF2B5EF4-FFF2-40B4-BE49-F238E27FC236}">
+                  <a16:creationId xmlns:a16="http://schemas.microsoft.com/office/drawing/2014/main" id="{200A8ACF-8249-A72D-7186-CCB6C70DF61F}"/>
+                </a:ext>
+              </a:extLst>
+            </p:cNvPr>
+            <p:cNvCxnSpPr>
+              <a:cxnSpLocks/>
+              <a:stCxn id="10" idx="2"/>
+              <a:endCxn id="13" idx="0"/>
+            </p:cNvCxnSpPr>
+            <p:nvPr/>
+          </p:nvCxnSpPr>
+          <p:spPr>
+            <a:xfrm flipH="1">
+              <a:off x="3481948" y="2838752"/>
+              <a:ext cx="1088" cy="800781"/>
+            </a:xfrm>
+            <a:prstGeom prst="straightConnector1">
+              <a:avLst/>
+            </a:prstGeom>
+            <a:ln>
+              <a:tailEnd type="triangle"/>
+            </a:ln>
+          </p:spPr>
+          <p:style>
+            <a:lnRef idx="2">
+              <a:schemeClr val="accent1"/>
+            </a:lnRef>
+            <a:fillRef idx="0">
+              <a:schemeClr val="accent1"/>
+            </a:fillRef>
+            <a:effectRef idx="1">
+              <a:schemeClr val="accent1"/>
+            </a:effectRef>
+            <a:fontRef idx="minor">
+              <a:schemeClr val="tx1"/>
+            </a:fontRef>
+          </p:style>
+        </p:cxnSp>
+        <p:sp>
+          <p:nvSpPr>
+            <p:cNvPr id="15" name="ZoneTexte 14">
+              <a:extLst>
+                <a:ext uri="{FF2B5EF4-FFF2-40B4-BE49-F238E27FC236}">
+                  <a16:creationId xmlns:a16="http://schemas.microsoft.com/office/drawing/2014/main" id="{BF0B9BDE-0D4D-7C9F-17B3-9DC9E0B9DECE}"/>
+                </a:ext>
+              </a:extLst>
+            </p:cNvPr>
+            <p:cNvSpPr txBox="1"/>
+            <p:nvPr/>
+          </p:nvSpPr>
+          <p:spPr>
+            <a:xfrm>
+              <a:off x="2991320" y="2973111"/>
+              <a:ext cx="585787" cy="369332"/>
+            </a:xfrm>
+            <a:prstGeom prst="rect">
+              <a:avLst/>
+            </a:prstGeom>
+            <a:noFill/>
+          </p:spPr>
+          <p:txBody>
+            <a:bodyPr wrap="square" rtlCol="0">
+              <a:spAutoFit/>
+            </a:bodyPr>
+            <a:lstStyle/>
+            <a:p>
+              <a:r>
+                <a:rPr lang="fr-FR" dirty="0"/>
+                <a:t>$</a:t>
+              </a:r>
+            </a:p>
+          </p:txBody>
+        </p:sp>
+        <p:sp>
+          <p:nvSpPr>
+            <p:cNvPr id="16" name="ZoneTexte 15">
+              <a:extLst>
+                <a:ext uri="{FF2B5EF4-FFF2-40B4-BE49-F238E27FC236}">
+                  <a16:creationId xmlns:a16="http://schemas.microsoft.com/office/drawing/2014/main" id="{46DD8E58-9E9C-54FF-34A8-1BAC22BF2D66}"/>
+                </a:ext>
+              </a:extLst>
+            </p:cNvPr>
+            <p:cNvSpPr txBox="1"/>
+            <p:nvPr/>
+          </p:nvSpPr>
+          <p:spPr>
+            <a:xfrm>
+              <a:off x="4625652" y="2637120"/>
+              <a:ext cx="2331227" cy="923330"/>
+            </a:xfrm>
+            <a:prstGeom prst="rect">
+              <a:avLst/>
+            </a:prstGeom>
             <a:solidFill>
-              <a:schemeClr val="accent1"/>
+              <a:schemeClr val="accent3">
+                <a:lumMod val="20000"/>
+                <a:lumOff val="80000"/>
+              </a:schemeClr>
             </a:solidFill>
-          </a:ln>
-        </p:spPr>
-        <p:txBody>
-          <a:bodyPr wrap="square" rtlCol="0">
-            <a:spAutoFit/>
-          </a:bodyPr>
-          <a:lstStyle/>
-          <a:p>
-            <a:pPr marL="285750" indent="-285750">
-              <a:buFont typeface="Arial" panose="020B0604020202020204" pitchFamily="34" charset="0"/>
-              <a:buChar char="•"/>
-            </a:pPr>
-            <a:r>
-              <a:rPr lang="fr-FR" dirty="0" err="1"/>
-              <a:t>orig.ident</a:t>
-            </a:r>
-            <a:endParaRPr lang="fr-FR" dirty="0"/>
-          </a:p>
-          <a:p>
-            <a:pPr marL="285750" indent="-285750">
-              <a:buFont typeface="Arial" panose="020B0604020202020204" pitchFamily="34" charset="0"/>
-              <a:buChar char="•"/>
-            </a:pPr>
-            <a:r>
-              <a:rPr lang="fr-FR" dirty="0" err="1"/>
-              <a:t>nCount_Spatial</a:t>
-            </a:r>
-            <a:endParaRPr lang="fr-FR" dirty="0"/>
-          </a:p>
-          <a:p>
-            <a:pPr marL="285750" indent="-285750">
-              <a:buFont typeface="Arial" panose="020B0604020202020204" pitchFamily="34" charset="0"/>
-              <a:buChar char="•"/>
-            </a:pPr>
-            <a:r>
-              <a:rPr lang="fr-FR" dirty="0" err="1"/>
-              <a:t>nFeature_Spatial</a:t>
-            </a:r>
-            <a:endParaRPr lang="fr-FR" dirty="0"/>
-          </a:p>
-        </p:txBody>
-      </p:sp>
-      <p:cxnSp>
-        <p:nvCxnSpPr>
-          <p:cNvPr id="17" name="Connecteur droit avec flèche 16">
-            <a:extLst>
-              <a:ext uri="{FF2B5EF4-FFF2-40B4-BE49-F238E27FC236}">
-                <a16:creationId xmlns:a16="http://schemas.microsoft.com/office/drawing/2014/main" id="{AE97C9C0-2608-10F6-1B23-A5AD8A90C543}"/>
-              </a:ext>
-            </a:extLst>
-          </p:cNvPr>
-          <p:cNvCxnSpPr>
-            <a:cxnSpLocks/>
-            <a:stCxn id="7" idx="2"/>
-            <a:endCxn id="16" idx="0"/>
-          </p:cNvCxnSpPr>
-          <p:nvPr/>
-        </p:nvCxnSpPr>
-        <p:spPr>
-          <a:xfrm flipH="1">
-            <a:off x="5791266" y="2202238"/>
-            <a:ext cx="11180" cy="434882"/>
-          </a:xfrm>
-          <a:prstGeom prst="straightConnector1">
-            <a:avLst/>
-          </a:prstGeom>
-          <a:ln>
-            <a:tailEnd type="triangle"/>
-          </a:ln>
-        </p:spPr>
-        <p:style>
-          <a:lnRef idx="2">
-            <a:schemeClr val="accent1"/>
-          </a:lnRef>
-          <a:fillRef idx="0">
-            <a:schemeClr val="accent1"/>
-          </a:fillRef>
-          <a:effectRef idx="1">
-            <a:schemeClr val="accent1"/>
-          </a:effectRef>
-          <a:fontRef idx="minor">
-            <a:schemeClr val="tx1"/>
-          </a:fontRef>
-        </p:style>
-      </p:cxnSp>
-      <p:sp>
-        <p:nvSpPr>
-          <p:cNvPr id="18" name="ZoneTexte 17">
-            <a:extLst>
-              <a:ext uri="{FF2B5EF4-FFF2-40B4-BE49-F238E27FC236}">
-                <a16:creationId xmlns:a16="http://schemas.microsoft.com/office/drawing/2014/main" id="{4415A3DD-F710-9AD0-C471-A4BC830B5DE8}"/>
-              </a:ext>
-            </a:extLst>
-          </p:cNvPr>
-          <p:cNvSpPr txBox="1"/>
-          <p:nvPr/>
-        </p:nvSpPr>
-        <p:spPr>
-          <a:xfrm>
-            <a:off x="5891488" y="2240427"/>
-            <a:ext cx="585787" cy="369332"/>
-          </a:xfrm>
-          <a:prstGeom prst="rect">
-            <a:avLst/>
-          </a:prstGeom>
-          <a:noFill/>
-        </p:spPr>
-        <p:txBody>
-          <a:bodyPr wrap="square" rtlCol="0">
-            <a:spAutoFit/>
-          </a:bodyPr>
-          <a:lstStyle/>
-          <a:p>
-            <a:r>
-              <a:rPr lang="fr-FR" dirty="0"/>
-              <a:t>$</a:t>
-            </a:r>
-          </a:p>
-        </p:txBody>
-      </p:sp>
-      <p:sp>
-        <p:nvSpPr>
-          <p:cNvPr id="19" name="ZoneTexte 18">
-            <a:extLst>
-              <a:ext uri="{FF2B5EF4-FFF2-40B4-BE49-F238E27FC236}">
-                <a16:creationId xmlns:a16="http://schemas.microsoft.com/office/drawing/2014/main" id="{639C5B60-9AE0-FDCC-7AB9-3F841D6162AC}"/>
-              </a:ext>
-            </a:extLst>
-          </p:cNvPr>
-          <p:cNvSpPr txBox="1"/>
-          <p:nvPr/>
-        </p:nvSpPr>
-        <p:spPr>
-          <a:xfrm>
-            <a:off x="10675341" y="1553848"/>
-            <a:ext cx="1428750" cy="369332"/>
-          </a:xfrm>
-          <a:prstGeom prst="rect">
-            <a:avLst/>
-          </a:prstGeom>
-          <a:solidFill>
-            <a:schemeClr val="accent2">
-              <a:lumMod val="20000"/>
-              <a:lumOff val="80000"/>
-            </a:schemeClr>
-          </a:solidFill>
-          <a:ln w="25400">
+            <a:ln w="25400">
+              <a:solidFill>
+                <a:schemeClr val="accent1"/>
+              </a:solidFill>
+            </a:ln>
+          </p:spPr>
+          <p:txBody>
+            <a:bodyPr wrap="square" rtlCol="0">
+              <a:spAutoFit/>
+            </a:bodyPr>
+            <a:lstStyle/>
+            <a:p>
+              <a:pPr marL="285750" indent="-285750">
+                <a:buFont typeface="Arial" panose="020B0604020202020204" pitchFamily="34" charset="0"/>
+                <a:buChar char="•"/>
+              </a:pPr>
+              <a:r>
+                <a:rPr lang="fr-FR" dirty="0" err="1"/>
+                <a:t>orig.ident</a:t>
+              </a:r>
+              <a:endParaRPr lang="fr-FR" dirty="0"/>
+            </a:p>
+            <a:p>
+              <a:pPr marL="285750" indent="-285750">
+                <a:buFont typeface="Arial" panose="020B0604020202020204" pitchFamily="34" charset="0"/>
+                <a:buChar char="•"/>
+              </a:pPr>
+              <a:r>
+                <a:rPr lang="fr-FR" dirty="0" err="1"/>
+                <a:t>nCount_Spatial</a:t>
+              </a:r>
+              <a:endParaRPr lang="fr-FR" dirty="0"/>
+            </a:p>
+            <a:p>
+              <a:pPr marL="285750" indent="-285750">
+                <a:buFont typeface="Arial" panose="020B0604020202020204" pitchFamily="34" charset="0"/>
+                <a:buChar char="•"/>
+              </a:pPr>
+              <a:r>
+                <a:rPr lang="fr-FR" dirty="0" err="1"/>
+                <a:t>nFeature_Spatial</a:t>
+              </a:r>
+              <a:endParaRPr lang="fr-FR" dirty="0"/>
+            </a:p>
+          </p:txBody>
+        </p:sp>
+        <p:cxnSp>
+          <p:nvCxnSpPr>
+            <p:cNvPr id="17" name="Connecteur droit avec flèche 16">
+              <a:extLst>
+                <a:ext uri="{FF2B5EF4-FFF2-40B4-BE49-F238E27FC236}">
+                  <a16:creationId xmlns:a16="http://schemas.microsoft.com/office/drawing/2014/main" id="{AE97C9C0-2608-10F6-1B23-A5AD8A90C543}"/>
+                </a:ext>
+              </a:extLst>
+            </p:cNvPr>
+            <p:cNvCxnSpPr>
+              <a:cxnSpLocks/>
+              <a:stCxn id="7" idx="2"/>
+              <a:endCxn id="16" idx="0"/>
+            </p:cNvCxnSpPr>
+            <p:nvPr/>
+          </p:nvCxnSpPr>
+          <p:spPr>
+            <a:xfrm flipH="1">
+              <a:off x="5791266" y="2202238"/>
+              <a:ext cx="11180" cy="434882"/>
+            </a:xfrm>
+            <a:prstGeom prst="straightConnector1">
+              <a:avLst/>
+            </a:prstGeom>
+            <a:ln>
+              <a:tailEnd type="triangle"/>
+            </a:ln>
+          </p:spPr>
+          <p:style>
+            <a:lnRef idx="2">
+              <a:schemeClr val="accent1"/>
+            </a:lnRef>
+            <a:fillRef idx="0">
+              <a:schemeClr val="accent1"/>
+            </a:fillRef>
+            <a:effectRef idx="1">
+              <a:schemeClr val="accent1"/>
+            </a:effectRef>
+            <a:fontRef idx="minor">
+              <a:schemeClr val="tx1"/>
+            </a:fontRef>
+          </p:style>
+        </p:cxnSp>
+        <p:sp>
+          <p:nvSpPr>
+            <p:cNvPr id="18" name="ZoneTexte 17">
+              <a:extLst>
+                <a:ext uri="{FF2B5EF4-FFF2-40B4-BE49-F238E27FC236}">
+                  <a16:creationId xmlns:a16="http://schemas.microsoft.com/office/drawing/2014/main" id="{4415A3DD-F710-9AD0-C471-A4BC830B5DE8}"/>
+                </a:ext>
+              </a:extLst>
+            </p:cNvPr>
+            <p:cNvSpPr txBox="1"/>
+            <p:nvPr/>
+          </p:nvSpPr>
+          <p:spPr>
+            <a:xfrm>
+              <a:off x="5891488" y="2240427"/>
+              <a:ext cx="585787" cy="369332"/>
+            </a:xfrm>
+            <a:prstGeom prst="rect">
+              <a:avLst/>
+            </a:prstGeom>
+            <a:noFill/>
+          </p:spPr>
+          <p:txBody>
+            <a:bodyPr wrap="square" rtlCol="0">
+              <a:spAutoFit/>
+            </a:bodyPr>
+            <a:lstStyle/>
+            <a:p>
+              <a:r>
+                <a:rPr lang="fr-FR" dirty="0"/>
+                <a:t>$</a:t>
+              </a:r>
+            </a:p>
+          </p:txBody>
+        </p:sp>
+        <p:sp>
+          <p:nvSpPr>
+            <p:cNvPr id="19" name="ZoneTexte 18">
+              <a:extLst>
+                <a:ext uri="{FF2B5EF4-FFF2-40B4-BE49-F238E27FC236}">
+                  <a16:creationId xmlns:a16="http://schemas.microsoft.com/office/drawing/2014/main" id="{639C5B60-9AE0-FDCC-7AB9-3F841D6162AC}"/>
+                </a:ext>
+              </a:extLst>
+            </p:cNvPr>
+            <p:cNvSpPr txBox="1"/>
+            <p:nvPr/>
+          </p:nvSpPr>
+          <p:spPr>
+            <a:xfrm>
+              <a:off x="10675341" y="1553848"/>
+              <a:ext cx="1428750" cy="369332"/>
+            </a:xfrm>
+            <a:prstGeom prst="rect">
+              <a:avLst/>
+            </a:prstGeom>
             <a:solidFill>
-              <a:schemeClr val="accent1"/>
+              <a:schemeClr val="accent2">
+                <a:lumMod val="20000"/>
+                <a:lumOff val="80000"/>
+              </a:schemeClr>
             </a:solidFill>
-          </a:ln>
-        </p:spPr>
-        <p:txBody>
-          <a:bodyPr wrap="square" rtlCol="0">
-            <a:spAutoFit/>
-          </a:bodyPr>
-          <a:lstStyle/>
-          <a:p>
-            <a:pPr algn="ctr"/>
-            <a:r>
-              <a:rPr lang="fr-FR" dirty="0"/>
-              <a:t>images</a:t>
-            </a:r>
-          </a:p>
-        </p:txBody>
-      </p:sp>
-      <p:cxnSp>
-        <p:nvCxnSpPr>
-          <p:cNvPr id="20" name="Connecteur en angle 19">
-            <a:extLst>
-              <a:ext uri="{FF2B5EF4-FFF2-40B4-BE49-F238E27FC236}">
-                <a16:creationId xmlns:a16="http://schemas.microsoft.com/office/drawing/2014/main" id="{D91E6C76-7A48-8BF6-13AA-C5955EB4DC8B}"/>
-              </a:ext>
-            </a:extLst>
-          </p:cNvPr>
-          <p:cNvCxnSpPr>
-            <a:cxnSpLocks/>
-            <a:endCxn id="19" idx="0"/>
-          </p:cNvCxnSpPr>
-          <p:nvPr/>
-        </p:nvCxnSpPr>
-        <p:spPr>
-          <a:xfrm>
-            <a:off x="5813915" y="966280"/>
-            <a:ext cx="5575801" cy="587568"/>
-          </a:xfrm>
-          <a:prstGeom prst="bentConnector2">
-            <a:avLst/>
-          </a:prstGeom>
-          <a:ln>
-            <a:tailEnd type="triangle"/>
-          </a:ln>
-        </p:spPr>
-        <p:style>
-          <a:lnRef idx="2">
-            <a:schemeClr val="accent1"/>
-          </a:lnRef>
-          <a:fillRef idx="0">
-            <a:schemeClr val="accent1"/>
-          </a:fillRef>
-          <a:effectRef idx="1">
-            <a:schemeClr val="accent1"/>
-          </a:effectRef>
-          <a:fontRef idx="minor">
-            <a:schemeClr val="tx1"/>
-          </a:fontRef>
-        </p:style>
-      </p:cxnSp>
-      <p:sp>
-        <p:nvSpPr>
-          <p:cNvPr id="21" name="ZoneTexte 20">
-            <a:extLst>
-              <a:ext uri="{FF2B5EF4-FFF2-40B4-BE49-F238E27FC236}">
-                <a16:creationId xmlns:a16="http://schemas.microsoft.com/office/drawing/2014/main" id="{256851F1-A8B5-C837-F132-6E814F165C31}"/>
-              </a:ext>
-            </a:extLst>
-          </p:cNvPr>
-          <p:cNvSpPr txBox="1"/>
-          <p:nvPr/>
-        </p:nvSpPr>
-        <p:spPr>
-          <a:xfrm>
-            <a:off x="10669724" y="2285470"/>
-            <a:ext cx="1428750" cy="369332"/>
-          </a:xfrm>
-          <a:prstGeom prst="rect">
-            <a:avLst/>
-          </a:prstGeom>
-          <a:solidFill>
-            <a:schemeClr val="accent3">
-              <a:lumMod val="20000"/>
-              <a:lumOff val="80000"/>
-            </a:schemeClr>
-          </a:solidFill>
-          <a:ln w="25400">
+            <a:ln w="25400">
+              <a:solidFill>
+                <a:schemeClr val="accent1"/>
+              </a:solidFill>
+            </a:ln>
+          </p:spPr>
+          <p:txBody>
+            <a:bodyPr wrap="square" rtlCol="0">
+              <a:spAutoFit/>
+            </a:bodyPr>
+            <a:lstStyle/>
+            <a:p>
+              <a:pPr algn="ctr"/>
+              <a:r>
+                <a:rPr lang="fr-FR" dirty="0"/>
+                <a:t>images</a:t>
+              </a:r>
+            </a:p>
+          </p:txBody>
+        </p:sp>
+        <p:cxnSp>
+          <p:nvCxnSpPr>
+            <p:cNvPr id="20" name="Connecteur en angle 19">
+              <a:extLst>
+                <a:ext uri="{FF2B5EF4-FFF2-40B4-BE49-F238E27FC236}">
+                  <a16:creationId xmlns:a16="http://schemas.microsoft.com/office/drawing/2014/main" id="{D91E6C76-7A48-8BF6-13AA-C5955EB4DC8B}"/>
+                </a:ext>
+              </a:extLst>
+            </p:cNvPr>
+            <p:cNvCxnSpPr>
+              <a:cxnSpLocks/>
+              <a:endCxn id="19" idx="0"/>
+            </p:cNvCxnSpPr>
+            <p:nvPr/>
+          </p:nvCxnSpPr>
+          <p:spPr>
+            <a:xfrm>
+              <a:off x="5813915" y="966280"/>
+              <a:ext cx="5575801" cy="587568"/>
+            </a:xfrm>
+            <a:prstGeom prst="bentConnector2">
+              <a:avLst/>
+            </a:prstGeom>
+            <a:ln>
+              <a:tailEnd type="triangle"/>
+            </a:ln>
+          </p:spPr>
+          <p:style>
+            <a:lnRef idx="2">
+              <a:schemeClr val="accent1"/>
+            </a:lnRef>
+            <a:fillRef idx="0">
+              <a:schemeClr val="accent1"/>
+            </a:fillRef>
+            <a:effectRef idx="1">
+              <a:schemeClr val="accent1"/>
+            </a:effectRef>
+            <a:fontRef idx="minor">
+              <a:schemeClr val="tx1"/>
+            </a:fontRef>
+          </p:style>
+        </p:cxnSp>
+        <p:sp>
+          <p:nvSpPr>
+            <p:cNvPr id="21" name="ZoneTexte 20">
+              <a:extLst>
+                <a:ext uri="{FF2B5EF4-FFF2-40B4-BE49-F238E27FC236}">
+                  <a16:creationId xmlns:a16="http://schemas.microsoft.com/office/drawing/2014/main" id="{256851F1-A8B5-C837-F132-6E814F165C31}"/>
+                </a:ext>
+              </a:extLst>
+            </p:cNvPr>
+            <p:cNvSpPr txBox="1"/>
+            <p:nvPr/>
+          </p:nvSpPr>
+          <p:spPr>
+            <a:xfrm>
+              <a:off x="10669724" y="2285470"/>
+              <a:ext cx="1428750" cy="369332"/>
+            </a:xfrm>
+            <a:prstGeom prst="rect">
+              <a:avLst/>
+            </a:prstGeom>
             <a:solidFill>
-              <a:schemeClr val="accent1"/>
+              <a:schemeClr val="accent3">
+                <a:lumMod val="20000"/>
+                <a:lumOff val="80000"/>
+              </a:schemeClr>
             </a:solidFill>
-          </a:ln>
-        </p:spPr>
-        <p:txBody>
-          <a:bodyPr wrap="square" rtlCol="0">
-            <a:spAutoFit/>
-          </a:bodyPr>
-          <a:lstStyle/>
-          <a:p>
-            <a:pPr algn="ctr"/>
-            <a:r>
-              <a:rPr lang="fr-FR" dirty="0"/>
-              <a:t>……..</a:t>
-            </a:r>
-          </a:p>
-        </p:txBody>
-      </p:sp>
-      <p:sp>
-        <p:nvSpPr>
-          <p:cNvPr id="22" name="ZoneTexte 21">
-            <a:extLst>
-              <a:ext uri="{FF2B5EF4-FFF2-40B4-BE49-F238E27FC236}">
-                <a16:creationId xmlns:a16="http://schemas.microsoft.com/office/drawing/2014/main" id="{0FF0468A-80EA-A43E-A024-092DD36D355C}"/>
-              </a:ext>
-            </a:extLst>
-          </p:cNvPr>
-          <p:cNvSpPr txBox="1"/>
-          <p:nvPr/>
-        </p:nvSpPr>
-        <p:spPr>
-          <a:xfrm>
-            <a:off x="11091204" y="2647760"/>
-            <a:ext cx="585787" cy="369332"/>
-          </a:xfrm>
-          <a:prstGeom prst="rect">
-            <a:avLst/>
-          </a:prstGeom>
-          <a:noFill/>
-        </p:spPr>
-        <p:txBody>
-          <a:bodyPr wrap="square" rtlCol="0">
-            <a:spAutoFit/>
-          </a:bodyPr>
-          <a:lstStyle/>
-          <a:p>
-            <a:r>
-              <a:rPr lang="fr-FR" dirty="0"/>
-              <a:t>$</a:t>
-            </a:r>
-          </a:p>
-        </p:txBody>
-      </p:sp>
-      <p:sp>
-        <p:nvSpPr>
-          <p:cNvPr id="23" name="ZoneTexte 22">
-            <a:extLst>
-              <a:ext uri="{FF2B5EF4-FFF2-40B4-BE49-F238E27FC236}">
-                <a16:creationId xmlns:a16="http://schemas.microsoft.com/office/drawing/2014/main" id="{AF98CA16-6902-C46E-22CF-808F0CA06B94}"/>
-              </a:ext>
-            </a:extLst>
-          </p:cNvPr>
-          <p:cNvSpPr txBox="1"/>
-          <p:nvPr/>
-        </p:nvSpPr>
-        <p:spPr>
-          <a:xfrm>
-            <a:off x="10689798" y="3009310"/>
-            <a:ext cx="1428750" cy="369332"/>
-          </a:xfrm>
-          <a:prstGeom prst="rect">
-            <a:avLst/>
-          </a:prstGeom>
-          <a:solidFill>
-            <a:schemeClr val="accent3">
-              <a:lumMod val="20000"/>
-              <a:lumOff val="80000"/>
-            </a:schemeClr>
-          </a:solidFill>
-          <a:ln w="25400">
+            <a:ln w="25400">
+              <a:solidFill>
+                <a:schemeClr val="accent1"/>
+              </a:solidFill>
+            </a:ln>
+          </p:spPr>
+          <p:txBody>
+            <a:bodyPr wrap="square" rtlCol="0">
+              <a:spAutoFit/>
+            </a:bodyPr>
+            <a:lstStyle/>
+            <a:p>
+              <a:pPr algn="ctr"/>
+              <a:r>
+                <a:rPr lang="fr-FR" dirty="0"/>
+                <a:t>……..</a:t>
+              </a:r>
+            </a:p>
+          </p:txBody>
+        </p:sp>
+        <p:sp>
+          <p:nvSpPr>
+            <p:cNvPr id="22" name="ZoneTexte 21">
+              <a:extLst>
+                <a:ext uri="{FF2B5EF4-FFF2-40B4-BE49-F238E27FC236}">
+                  <a16:creationId xmlns:a16="http://schemas.microsoft.com/office/drawing/2014/main" id="{0FF0468A-80EA-A43E-A024-092DD36D355C}"/>
+                </a:ext>
+              </a:extLst>
+            </p:cNvPr>
+            <p:cNvSpPr txBox="1"/>
+            <p:nvPr/>
+          </p:nvSpPr>
+          <p:spPr>
+            <a:xfrm>
+              <a:off x="11091204" y="2647760"/>
+              <a:ext cx="585787" cy="369332"/>
+            </a:xfrm>
+            <a:prstGeom prst="rect">
+              <a:avLst/>
+            </a:prstGeom>
+            <a:noFill/>
+          </p:spPr>
+          <p:txBody>
+            <a:bodyPr wrap="square" rtlCol="0">
+              <a:spAutoFit/>
+            </a:bodyPr>
+            <a:lstStyle/>
+            <a:p>
+              <a:r>
+                <a:rPr lang="fr-FR" dirty="0"/>
+                <a:t>$</a:t>
+              </a:r>
+            </a:p>
+          </p:txBody>
+        </p:sp>
+        <p:sp>
+          <p:nvSpPr>
+            <p:cNvPr id="23" name="ZoneTexte 22">
+              <a:extLst>
+                <a:ext uri="{FF2B5EF4-FFF2-40B4-BE49-F238E27FC236}">
+                  <a16:creationId xmlns:a16="http://schemas.microsoft.com/office/drawing/2014/main" id="{AF98CA16-6902-C46E-22CF-808F0CA06B94}"/>
+                </a:ext>
+              </a:extLst>
+            </p:cNvPr>
+            <p:cNvSpPr txBox="1"/>
+            <p:nvPr/>
+          </p:nvSpPr>
+          <p:spPr>
+            <a:xfrm>
+              <a:off x="10689798" y="3009310"/>
+              <a:ext cx="1428750" cy="369332"/>
+            </a:xfrm>
+            <a:prstGeom prst="rect">
+              <a:avLst/>
+            </a:prstGeom>
             <a:solidFill>
-              <a:schemeClr val="accent1"/>
+              <a:schemeClr val="accent3">
+                <a:lumMod val="20000"/>
+                <a:lumOff val="80000"/>
+              </a:schemeClr>
             </a:solidFill>
-          </a:ln>
-        </p:spPr>
-        <p:txBody>
-          <a:bodyPr wrap="square" rtlCol="0">
-            <a:spAutoFit/>
-          </a:bodyPr>
-          <a:lstStyle/>
-          <a:p>
-            <a:pPr algn="ctr"/>
-            <a:r>
-              <a:rPr lang="fr-FR" dirty="0" err="1"/>
-              <a:t>centroids</a:t>
-            </a:r>
-            <a:endParaRPr lang="fr-FR" dirty="0"/>
-          </a:p>
-        </p:txBody>
-      </p:sp>
-      <p:cxnSp>
-        <p:nvCxnSpPr>
-          <p:cNvPr id="24" name="Connecteur droit avec flèche 23">
-            <a:extLst>
-              <a:ext uri="{FF2B5EF4-FFF2-40B4-BE49-F238E27FC236}">
-                <a16:creationId xmlns:a16="http://schemas.microsoft.com/office/drawing/2014/main" id="{11CDC6EF-8E1F-5514-8607-C9056896D4CB}"/>
-              </a:ext>
-            </a:extLst>
-          </p:cNvPr>
-          <p:cNvCxnSpPr/>
-          <p:nvPr/>
-        </p:nvCxnSpPr>
-        <p:spPr>
-          <a:xfrm>
-            <a:off x="11412406" y="3360026"/>
-            <a:ext cx="6" cy="641354"/>
-          </a:xfrm>
-          <a:prstGeom prst="straightConnector1">
-            <a:avLst/>
-          </a:prstGeom>
-          <a:ln>
-            <a:tailEnd type="triangle"/>
-          </a:ln>
-        </p:spPr>
-        <p:style>
-          <a:lnRef idx="2">
-            <a:schemeClr val="accent1"/>
-          </a:lnRef>
-          <a:fillRef idx="0">
-            <a:schemeClr val="accent1"/>
-          </a:fillRef>
-          <a:effectRef idx="1">
-            <a:schemeClr val="accent1"/>
-          </a:effectRef>
-          <a:fontRef idx="minor">
-            <a:schemeClr val="tx1"/>
-          </a:fontRef>
-        </p:style>
-      </p:cxnSp>
-      <mc:AlternateContent xmlns:mc="http://schemas.openxmlformats.org/markup-compatibility/2006">
-        <mc:Choice xmlns:a14="http://schemas.microsoft.com/office/drawing/2010/main" Requires="a14">
-          <p:sp>
-            <p:nvSpPr>
-              <p:cNvPr id="25" name="ZoneTexte 24">
-                <a:extLst>
-                  <a:ext uri="{FF2B5EF4-FFF2-40B4-BE49-F238E27FC236}">
-                    <a16:creationId xmlns:a16="http://schemas.microsoft.com/office/drawing/2014/main" id="{F66E12FF-4620-935C-D689-9442D1207645}"/>
-                  </a:ext>
-                </a:extLst>
-              </p:cNvPr>
-              <p:cNvSpPr txBox="1"/>
-              <p:nvPr/>
-            </p:nvSpPr>
-            <p:spPr>
-              <a:xfrm>
-                <a:off x="10809443" y="3468168"/>
-                <a:ext cx="879740" cy="369332"/>
-              </a:xfrm>
-              <a:prstGeom prst="rect">
-                <a:avLst/>
-              </a:prstGeom>
-              <a:noFill/>
-            </p:spPr>
-            <p:txBody>
-              <a:bodyPr wrap="square" rtlCol="0">
-                <a:spAutoFit/>
-              </a:bodyPr>
-              <a:lstStyle/>
-              <a:p>
-                <a:pPr/>
-                <a14:m>
-                  <m:oMathPara xmlns:m="http://schemas.openxmlformats.org/officeDocument/2006/math">
-                    <m:oMathParaPr>
-                      <m:jc m:val="centerGroup"/>
-                    </m:oMathParaPr>
-                    <m:oMath xmlns:m="http://schemas.openxmlformats.org/officeDocument/2006/math">
-                      <m:r>
-                        <a:rPr lang="fr-FR" b="0" i="1" smtClean="0">
-                          <a:latin typeface="Cambria Math" panose="02040503050406030204" pitchFamily="18" charset="0"/>
-                        </a:rPr>
-                        <m:t>@</m:t>
-                      </m:r>
-                    </m:oMath>
-                  </m:oMathPara>
-                </a14:m>
-                <a:endParaRPr lang="fr-FR" dirty="0"/>
-              </a:p>
-            </p:txBody>
-          </p:sp>
-        </mc:Choice>
-        <mc:Fallback>
-          <p:sp>
-            <p:nvSpPr>
-              <p:cNvPr id="25" name="ZoneTexte 24">
-                <a:extLst>
-                  <a:ext uri="{FF2B5EF4-FFF2-40B4-BE49-F238E27FC236}">
-                    <a16:creationId xmlns:a16="http://schemas.microsoft.com/office/drawing/2014/main" id="{F66E12FF-4620-935C-D689-9442D1207645}"/>
-                  </a:ext>
-                </a:extLst>
-              </p:cNvPr>
-              <p:cNvSpPr txBox="1">
-                <a:spLocks noRot="1" noChangeAspect="1" noMove="1" noResize="1" noEditPoints="1" noAdjustHandles="1" noChangeArrowheads="1" noChangeShapeType="1" noTextEdit="1"/>
-              </p:cNvSpPr>
-              <p:nvPr/>
-            </p:nvSpPr>
-            <p:spPr>
-              <a:xfrm>
-                <a:off x="10809443" y="3468168"/>
-                <a:ext cx="879740" cy="369332"/>
-              </a:xfrm>
-              <a:prstGeom prst="rect">
-                <a:avLst/>
-              </a:prstGeom>
-              <a:blipFill>
-                <a:blip r:embed="rId3"/>
-                <a:stretch>
-                  <a:fillRect/>
-                </a:stretch>
-              </a:blipFill>
-            </p:spPr>
-            <p:txBody>
-              <a:bodyPr/>
-              <a:lstStyle/>
-              <a:p>
-                <a:r>
-                  <a:rPr lang="fr-FR">
-                    <a:noFill/>
-                  </a:rPr>
-                  <a:t> </a:t>
-                </a:r>
-              </a:p>
-            </p:txBody>
-          </p:sp>
-        </mc:Fallback>
-      </mc:AlternateContent>
-      <p:sp>
-        <p:nvSpPr>
-          <p:cNvPr id="26" name="ZoneTexte 25">
-            <a:extLst>
-              <a:ext uri="{FF2B5EF4-FFF2-40B4-BE49-F238E27FC236}">
-                <a16:creationId xmlns:a16="http://schemas.microsoft.com/office/drawing/2014/main" id="{60F304EE-8E7C-8FBA-516C-09A70A97C2D3}"/>
-              </a:ext>
-            </a:extLst>
-          </p:cNvPr>
-          <p:cNvSpPr txBox="1"/>
-          <p:nvPr/>
-        </p:nvSpPr>
-        <p:spPr>
-          <a:xfrm>
-            <a:off x="10814419" y="4012979"/>
-            <a:ext cx="1190761" cy="923330"/>
-          </a:xfrm>
-          <a:prstGeom prst="rect">
-            <a:avLst/>
-          </a:prstGeom>
-          <a:solidFill>
-            <a:schemeClr val="accent3">
-              <a:lumMod val="20000"/>
-              <a:lumOff val="80000"/>
-            </a:schemeClr>
-          </a:solidFill>
-          <a:ln w="25400">
+            <a:ln w="25400">
+              <a:solidFill>
+                <a:schemeClr val="accent1"/>
+              </a:solidFill>
+            </a:ln>
+          </p:spPr>
+          <p:txBody>
+            <a:bodyPr wrap="square" rtlCol="0">
+              <a:spAutoFit/>
+            </a:bodyPr>
+            <a:lstStyle/>
+            <a:p>
+              <a:pPr algn="ctr"/>
+              <a:r>
+                <a:rPr lang="fr-FR" dirty="0" err="1"/>
+                <a:t>centroids</a:t>
+              </a:r>
+              <a:endParaRPr lang="fr-FR" dirty="0"/>
+            </a:p>
+          </p:txBody>
+        </p:sp>
+        <p:cxnSp>
+          <p:nvCxnSpPr>
+            <p:cNvPr id="24" name="Connecteur droit avec flèche 23">
+              <a:extLst>
+                <a:ext uri="{FF2B5EF4-FFF2-40B4-BE49-F238E27FC236}">
+                  <a16:creationId xmlns:a16="http://schemas.microsoft.com/office/drawing/2014/main" id="{11CDC6EF-8E1F-5514-8607-C9056896D4CB}"/>
+                </a:ext>
+              </a:extLst>
+            </p:cNvPr>
+            <p:cNvCxnSpPr/>
+            <p:nvPr/>
+          </p:nvCxnSpPr>
+          <p:spPr>
+            <a:xfrm>
+              <a:off x="11412406" y="3360026"/>
+              <a:ext cx="6" cy="641354"/>
+            </a:xfrm>
+            <a:prstGeom prst="straightConnector1">
+              <a:avLst/>
+            </a:prstGeom>
+            <a:ln>
+              <a:tailEnd type="triangle"/>
+            </a:ln>
+          </p:spPr>
+          <p:style>
+            <a:lnRef idx="2">
+              <a:schemeClr val="accent1"/>
+            </a:lnRef>
+            <a:fillRef idx="0">
+              <a:schemeClr val="accent1"/>
+            </a:fillRef>
+            <a:effectRef idx="1">
+              <a:schemeClr val="accent1"/>
+            </a:effectRef>
+            <a:fontRef idx="minor">
+              <a:schemeClr val="tx1"/>
+            </a:fontRef>
+          </p:style>
+        </p:cxnSp>
+        <mc:AlternateContent xmlns:mc="http://schemas.openxmlformats.org/markup-compatibility/2006">
+          <mc:Choice xmlns:a14="http://schemas.microsoft.com/office/drawing/2010/main" Requires="a14">
+            <p:sp>
+              <p:nvSpPr>
+                <p:cNvPr id="25" name="ZoneTexte 24">
+                  <a:extLst>
+                    <a:ext uri="{FF2B5EF4-FFF2-40B4-BE49-F238E27FC236}">
+                      <a16:creationId xmlns:a16="http://schemas.microsoft.com/office/drawing/2014/main" id="{F66E12FF-4620-935C-D689-9442D1207645}"/>
+                    </a:ext>
+                  </a:extLst>
+                </p:cNvPr>
+                <p:cNvSpPr txBox="1"/>
+                <p:nvPr/>
+              </p:nvSpPr>
+              <p:spPr>
+                <a:xfrm>
+                  <a:off x="10809443" y="3468168"/>
+                  <a:ext cx="879740" cy="369332"/>
+                </a:xfrm>
+                <a:prstGeom prst="rect">
+                  <a:avLst/>
+                </a:prstGeom>
+                <a:noFill/>
+              </p:spPr>
+              <p:txBody>
+                <a:bodyPr wrap="square" rtlCol="0">
+                  <a:spAutoFit/>
+                </a:bodyPr>
+                <a:lstStyle/>
+                <a:p>
+                  <a:pPr/>
+                  <a14:m>
+                    <m:oMathPara xmlns:m="http://schemas.openxmlformats.org/officeDocument/2006/math">
+                      <m:oMathParaPr>
+                        <m:jc m:val="centerGroup"/>
+                      </m:oMathParaPr>
+                      <m:oMath xmlns:m="http://schemas.openxmlformats.org/officeDocument/2006/math">
+                        <m:r>
+                          <a:rPr lang="fr-FR" b="0" i="1" smtClean="0">
+                            <a:latin typeface="Cambria Math" panose="02040503050406030204" pitchFamily="18" charset="0"/>
+                          </a:rPr>
+                          <m:t>@</m:t>
+                        </m:r>
+                      </m:oMath>
+                    </m:oMathPara>
+                  </a14:m>
+                  <a:endParaRPr lang="fr-FR" dirty="0"/>
+                </a:p>
+              </p:txBody>
+            </p:sp>
+          </mc:Choice>
+          <mc:Fallback>
+            <p:sp>
+              <p:nvSpPr>
+                <p:cNvPr id="25" name="ZoneTexte 24">
+                  <a:extLst>
+                    <a:ext uri="{FF2B5EF4-FFF2-40B4-BE49-F238E27FC236}">
+                      <a16:creationId xmlns:a16="http://schemas.microsoft.com/office/drawing/2014/main" id="{F66E12FF-4620-935C-D689-9442D1207645}"/>
+                    </a:ext>
+                  </a:extLst>
+                </p:cNvPr>
+                <p:cNvSpPr txBox="1">
+                  <a:spLocks noRot="1" noChangeAspect="1" noMove="1" noResize="1" noEditPoints="1" noAdjustHandles="1" noChangeArrowheads="1" noChangeShapeType="1" noTextEdit="1"/>
+                </p:cNvSpPr>
+                <p:nvPr/>
+              </p:nvSpPr>
+              <p:spPr>
+                <a:xfrm>
+                  <a:off x="10809443" y="3468168"/>
+                  <a:ext cx="879740" cy="369332"/>
+                </a:xfrm>
+                <a:prstGeom prst="rect">
+                  <a:avLst/>
+                </a:prstGeom>
+                <a:blipFill>
+                  <a:blip r:embed="rId3"/>
+                  <a:stretch>
+                    <a:fillRect/>
+                  </a:stretch>
+                </a:blipFill>
+              </p:spPr>
+              <p:txBody>
+                <a:bodyPr/>
+                <a:lstStyle/>
+                <a:p>
+                  <a:r>
+                    <a:rPr lang="fr-FR">
+                      <a:noFill/>
+                    </a:rPr>
+                    <a:t> </a:t>
+                  </a:r>
+                </a:p>
+              </p:txBody>
+            </p:sp>
+          </mc:Fallback>
+        </mc:AlternateContent>
+        <p:sp>
+          <p:nvSpPr>
+            <p:cNvPr id="26" name="ZoneTexte 25">
+              <a:extLst>
+                <a:ext uri="{FF2B5EF4-FFF2-40B4-BE49-F238E27FC236}">
+                  <a16:creationId xmlns:a16="http://schemas.microsoft.com/office/drawing/2014/main" id="{60F304EE-8E7C-8FBA-516C-09A70A97C2D3}"/>
+                </a:ext>
+              </a:extLst>
+            </p:cNvPr>
+            <p:cNvSpPr txBox="1"/>
+            <p:nvPr/>
+          </p:nvSpPr>
+          <p:spPr>
+            <a:xfrm>
+              <a:off x="10814419" y="4012979"/>
+              <a:ext cx="1190761" cy="923330"/>
+            </a:xfrm>
+            <a:prstGeom prst="rect">
+              <a:avLst/>
+            </a:prstGeom>
             <a:solidFill>
-              <a:schemeClr val="accent1"/>
+              <a:schemeClr val="accent3">
+                <a:lumMod val="20000"/>
+                <a:lumOff val="80000"/>
+              </a:schemeClr>
             </a:solidFill>
-          </a:ln>
-        </p:spPr>
-        <p:txBody>
-          <a:bodyPr wrap="square" rtlCol="0">
-            <a:spAutoFit/>
-          </a:bodyPr>
-          <a:lstStyle/>
-          <a:p>
-            <a:pPr marL="285750" indent="-285750">
-              <a:buFont typeface="Arial" panose="020B0604020202020204" pitchFamily="34" charset="0"/>
-              <a:buChar char="•"/>
-            </a:pPr>
-            <a:r>
-              <a:rPr lang="fr-FR" dirty="0" err="1"/>
-              <a:t>coords</a:t>
-            </a:r>
-            <a:endParaRPr lang="fr-FR" dirty="0"/>
-          </a:p>
-          <a:p>
-            <a:pPr marL="285750" indent="-285750">
-              <a:buFont typeface="Arial" panose="020B0604020202020204" pitchFamily="34" charset="0"/>
-              <a:buChar char="•"/>
-            </a:pPr>
-            <a:r>
-              <a:rPr lang="fr-FR" dirty="0" err="1"/>
-              <a:t>bbox</a:t>
-            </a:r>
-            <a:endParaRPr lang="fr-FR" dirty="0"/>
-          </a:p>
-          <a:p>
-            <a:pPr marL="285750" indent="-285750">
-              <a:buFont typeface="Arial" panose="020B0604020202020204" pitchFamily="34" charset="0"/>
-              <a:buChar char="•"/>
-            </a:pPr>
-            <a:r>
-              <a:rPr lang="fr-FR" dirty="0"/>
-              <a:t>…..</a:t>
-            </a:r>
-          </a:p>
-        </p:txBody>
-      </p:sp>
-      <p:cxnSp>
-        <p:nvCxnSpPr>
-          <p:cNvPr id="27" name="Connecteur droit avec flèche 26">
-            <a:extLst>
-              <a:ext uri="{FF2B5EF4-FFF2-40B4-BE49-F238E27FC236}">
-                <a16:creationId xmlns:a16="http://schemas.microsoft.com/office/drawing/2014/main" id="{5C553B18-E74E-E74A-4A93-CE77F9E4F248}"/>
-              </a:ext>
-            </a:extLst>
-          </p:cNvPr>
-          <p:cNvCxnSpPr>
-            <a:stCxn id="5" idx="2"/>
-            <a:endCxn id="7" idx="0"/>
-          </p:cNvCxnSpPr>
-          <p:nvPr/>
-        </p:nvCxnSpPr>
-        <p:spPr>
-          <a:xfrm flipH="1">
-            <a:off x="5802446" y="456950"/>
-            <a:ext cx="289" cy="1098957"/>
-          </a:xfrm>
-          <a:prstGeom prst="straightConnector1">
-            <a:avLst/>
-          </a:prstGeom>
-          <a:ln>
-            <a:tailEnd type="triangle"/>
-          </a:ln>
-        </p:spPr>
-        <p:style>
-          <a:lnRef idx="2">
-            <a:schemeClr val="accent1"/>
-          </a:lnRef>
-          <a:fillRef idx="0">
-            <a:schemeClr val="accent1"/>
-          </a:fillRef>
-          <a:effectRef idx="1">
-            <a:schemeClr val="accent1"/>
-          </a:effectRef>
-          <a:fontRef idx="minor">
-            <a:schemeClr val="tx1"/>
-          </a:fontRef>
-        </p:style>
-      </p:cxnSp>
-      <p:cxnSp>
-        <p:nvCxnSpPr>
-          <p:cNvPr id="28" name="Connecteur droit avec flèche 27">
-            <a:extLst>
-              <a:ext uri="{FF2B5EF4-FFF2-40B4-BE49-F238E27FC236}">
-                <a16:creationId xmlns:a16="http://schemas.microsoft.com/office/drawing/2014/main" id="{883F5DCC-1F6A-AF58-B379-180B1A67244B}"/>
-              </a:ext>
-            </a:extLst>
-          </p:cNvPr>
-          <p:cNvCxnSpPr>
-            <a:stCxn id="19" idx="2"/>
-            <a:endCxn id="21" idx="0"/>
-          </p:cNvCxnSpPr>
-          <p:nvPr/>
-        </p:nvCxnSpPr>
-        <p:spPr>
-          <a:xfrm flipH="1">
-            <a:off x="11384099" y="1923180"/>
-            <a:ext cx="5617" cy="362290"/>
-          </a:xfrm>
-          <a:prstGeom prst="straightConnector1">
-            <a:avLst/>
-          </a:prstGeom>
-          <a:ln>
-            <a:tailEnd type="triangle"/>
-          </a:ln>
-        </p:spPr>
-        <p:style>
-          <a:lnRef idx="2">
-            <a:schemeClr val="accent1"/>
-          </a:lnRef>
-          <a:fillRef idx="0">
-            <a:schemeClr val="accent1"/>
-          </a:fillRef>
-          <a:effectRef idx="1">
-            <a:schemeClr val="accent1"/>
-          </a:effectRef>
-          <a:fontRef idx="minor">
-            <a:schemeClr val="tx1"/>
-          </a:fontRef>
-        </p:style>
-      </p:cxnSp>
-      <p:sp>
-        <p:nvSpPr>
-          <p:cNvPr id="29" name="ZoneTexte 28">
-            <a:extLst>
-              <a:ext uri="{FF2B5EF4-FFF2-40B4-BE49-F238E27FC236}">
-                <a16:creationId xmlns:a16="http://schemas.microsoft.com/office/drawing/2014/main" id="{B919526F-9162-D651-6484-130729B4157E}"/>
-              </a:ext>
-            </a:extLst>
-          </p:cNvPr>
-          <p:cNvSpPr txBox="1"/>
-          <p:nvPr/>
-        </p:nvSpPr>
-        <p:spPr>
-          <a:xfrm>
-            <a:off x="11091205" y="1916138"/>
-            <a:ext cx="585787" cy="369332"/>
-          </a:xfrm>
-          <a:prstGeom prst="rect">
-            <a:avLst/>
-          </a:prstGeom>
-          <a:noFill/>
-        </p:spPr>
-        <p:txBody>
-          <a:bodyPr wrap="square" rtlCol="0">
-            <a:spAutoFit/>
-          </a:bodyPr>
-          <a:lstStyle/>
-          <a:p>
-            <a:r>
-              <a:rPr lang="fr-FR" dirty="0"/>
-              <a:t>$</a:t>
-            </a:r>
-          </a:p>
-        </p:txBody>
-      </p:sp>
-      <p:cxnSp>
-        <p:nvCxnSpPr>
-          <p:cNvPr id="30" name="Connecteur droit avec flèche 29">
-            <a:extLst>
-              <a:ext uri="{FF2B5EF4-FFF2-40B4-BE49-F238E27FC236}">
-                <a16:creationId xmlns:a16="http://schemas.microsoft.com/office/drawing/2014/main" id="{7C9A13BD-A8BD-E254-FEB5-F037633EB906}"/>
-              </a:ext>
-            </a:extLst>
-          </p:cNvPr>
-          <p:cNvCxnSpPr>
-            <a:stCxn id="22" idx="0"/>
-            <a:endCxn id="22" idx="2"/>
-          </p:cNvCxnSpPr>
-          <p:nvPr/>
-        </p:nvCxnSpPr>
-        <p:spPr>
-          <a:xfrm>
-            <a:off x="11384098" y="2647760"/>
-            <a:ext cx="0" cy="369332"/>
-          </a:xfrm>
-          <a:prstGeom prst="straightConnector1">
-            <a:avLst/>
-          </a:prstGeom>
-          <a:ln>
-            <a:tailEnd type="triangle"/>
-          </a:ln>
-        </p:spPr>
-        <p:style>
-          <a:lnRef idx="2">
-            <a:schemeClr val="accent1"/>
-          </a:lnRef>
-          <a:fillRef idx="0">
-            <a:schemeClr val="accent1"/>
-          </a:fillRef>
-          <a:effectRef idx="1">
-            <a:schemeClr val="accent1"/>
-          </a:effectRef>
-          <a:fontRef idx="minor">
-            <a:schemeClr val="tx1"/>
-          </a:fontRef>
-        </p:style>
-      </p:cxnSp>
-      <p:sp>
-        <p:nvSpPr>
-          <p:cNvPr id="31" name="ZoneTexte 30">
-            <a:extLst>
-              <a:ext uri="{FF2B5EF4-FFF2-40B4-BE49-F238E27FC236}">
-                <a16:creationId xmlns:a16="http://schemas.microsoft.com/office/drawing/2014/main" id="{E0566D70-8958-15A7-C769-4287528638B4}"/>
-              </a:ext>
-            </a:extLst>
-          </p:cNvPr>
-          <p:cNvSpPr txBox="1"/>
-          <p:nvPr/>
-        </p:nvSpPr>
-        <p:spPr>
-          <a:xfrm>
-            <a:off x="278925" y="2463094"/>
-            <a:ext cx="1428750" cy="369332"/>
-          </a:xfrm>
-          <a:prstGeom prst="rect">
-            <a:avLst/>
-          </a:prstGeom>
-          <a:solidFill>
-            <a:schemeClr val="accent3">
-              <a:lumMod val="20000"/>
-              <a:lumOff val="80000"/>
-            </a:schemeClr>
-          </a:solidFill>
-          <a:ln w="25400">
+            <a:ln w="25400">
+              <a:solidFill>
+                <a:schemeClr val="accent1"/>
+              </a:solidFill>
+            </a:ln>
+          </p:spPr>
+          <p:txBody>
+            <a:bodyPr wrap="square" rtlCol="0">
+              <a:spAutoFit/>
+            </a:bodyPr>
+            <a:lstStyle/>
+            <a:p>
+              <a:pPr marL="285750" indent="-285750">
+                <a:buFont typeface="Arial" panose="020B0604020202020204" pitchFamily="34" charset="0"/>
+                <a:buChar char="•"/>
+              </a:pPr>
+              <a:r>
+                <a:rPr lang="fr-FR" dirty="0" err="1"/>
+                <a:t>coords</a:t>
+              </a:r>
+              <a:endParaRPr lang="fr-FR" dirty="0"/>
+            </a:p>
+            <a:p>
+              <a:pPr marL="285750" indent="-285750">
+                <a:buFont typeface="Arial" panose="020B0604020202020204" pitchFamily="34" charset="0"/>
+                <a:buChar char="•"/>
+              </a:pPr>
+              <a:r>
+                <a:rPr lang="fr-FR" dirty="0" err="1"/>
+                <a:t>bbox</a:t>
+              </a:r>
+              <a:endParaRPr lang="fr-FR" dirty="0"/>
+            </a:p>
+            <a:p>
+              <a:pPr marL="285750" indent="-285750">
+                <a:buFont typeface="Arial" panose="020B0604020202020204" pitchFamily="34" charset="0"/>
+                <a:buChar char="•"/>
+              </a:pPr>
+              <a:r>
+                <a:rPr lang="fr-FR" dirty="0"/>
+                <a:t>…..</a:t>
+              </a:r>
+            </a:p>
+          </p:txBody>
+        </p:sp>
+        <p:cxnSp>
+          <p:nvCxnSpPr>
+            <p:cNvPr id="27" name="Connecteur droit avec flèche 26">
+              <a:extLst>
+                <a:ext uri="{FF2B5EF4-FFF2-40B4-BE49-F238E27FC236}">
+                  <a16:creationId xmlns:a16="http://schemas.microsoft.com/office/drawing/2014/main" id="{5C553B18-E74E-E74A-4A93-CE77F9E4F248}"/>
+                </a:ext>
+              </a:extLst>
+            </p:cNvPr>
+            <p:cNvCxnSpPr>
+              <a:stCxn id="5" idx="2"/>
+              <a:endCxn id="7" idx="0"/>
+            </p:cNvCxnSpPr>
+            <p:nvPr/>
+          </p:nvCxnSpPr>
+          <p:spPr>
+            <a:xfrm flipH="1">
+              <a:off x="5802446" y="456950"/>
+              <a:ext cx="289" cy="1098957"/>
+            </a:xfrm>
+            <a:prstGeom prst="straightConnector1">
+              <a:avLst/>
+            </a:prstGeom>
+            <a:ln>
+              <a:tailEnd type="triangle"/>
+            </a:ln>
+          </p:spPr>
+          <p:style>
+            <a:lnRef idx="2">
+              <a:schemeClr val="accent1"/>
+            </a:lnRef>
+            <a:fillRef idx="0">
+              <a:schemeClr val="accent1"/>
+            </a:fillRef>
+            <a:effectRef idx="1">
+              <a:schemeClr val="accent1"/>
+            </a:effectRef>
+            <a:fontRef idx="minor">
+              <a:schemeClr val="tx1"/>
+            </a:fontRef>
+          </p:style>
+        </p:cxnSp>
+        <p:cxnSp>
+          <p:nvCxnSpPr>
+            <p:cNvPr id="28" name="Connecteur droit avec flèche 27">
+              <a:extLst>
+                <a:ext uri="{FF2B5EF4-FFF2-40B4-BE49-F238E27FC236}">
+                  <a16:creationId xmlns:a16="http://schemas.microsoft.com/office/drawing/2014/main" id="{883F5DCC-1F6A-AF58-B379-180B1A67244B}"/>
+                </a:ext>
+              </a:extLst>
+            </p:cNvPr>
+            <p:cNvCxnSpPr>
+              <a:stCxn id="19" idx="2"/>
+              <a:endCxn id="21" idx="0"/>
+            </p:cNvCxnSpPr>
+            <p:nvPr/>
+          </p:nvCxnSpPr>
+          <p:spPr>
+            <a:xfrm flipH="1">
+              <a:off x="11384099" y="1923180"/>
+              <a:ext cx="5617" cy="362290"/>
+            </a:xfrm>
+            <a:prstGeom prst="straightConnector1">
+              <a:avLst/>
+            </a:prstGeom>
+            <a:ln>
+              <a:tailEnd type="triangle"/>
+            </a:ln>
+          </p:spPr>
+          <p:style>
+            <a:lnRef idx="2">
+              <a:schemeClr val="accent1"/>
+            </a:lnRef>
+            <a:fillRef idx="0">
+              <a:schemeClr val="accent1"/>
+            </a:fillRef>
+            <a:effectRef idx="1">
+              <a:schemeClr val="accent1"/>
+            </a:effectRef>
+            <a:fontRef idx="minor">
+              <a:schemeClr val="tx1"/>
+            </a:fontRef>
+          </p:style>
+        </p:cxnSp>
+        <p:sp>
+          <p:nvSpPr>
+            <p:cNvPr id="29" name="ZoneTexte 28">
+              <a:extLst>
+                <a:ext uri="{FF2B5EF4-FFF2-40B4-BE49-F238E27FC236}">
+                  <a16:creationId xmlns:a16="http://schemas.microsoft.com/office/drawing/2014/main" id="{B919526F-9162-D651-6484-130729B4157E}"/>
+                </a:ext>
+              </a:extLst>
+            </p:cNvPr>
+            <p:cNvSpPr txBox="1"/>
+            <p:nvPr/>
+          </p:nvSpPr>
+          <p:spPr>
+            <a:xfrm>
+              <a:off x="11091205" y="1916138"/>
+              <a:ext cx="585787" cy="369332"/>
+            </a:xfrm>
+            <a:prstGeom prst="rect">
+              <a:avLst/>
+            </a:prstGeom>
+            <a:noFill/>
+          </p:spPr>
+          <p:txBody>
+            <a:bodyPr wrap="square" rtlCol="0">
+              <a:spAutoFit/>
+            </a:bodyPr>
+            <a:lstStyle/>
+            <a:p>
+              <a:r>
+                <a:rPr lang="fr-FR" dirty="0"/>
+                <a:t>$</a:t>
+              </a:r>
+            </a:p>
+          </p:txBody>
+        </p:sp>
+        <p:cxnSp>
+          <p:nvCxnSpPr>
+            <p:cNvPr id="30" name="Connecteur droit avec flèche 29">
+              <a:extLst>
+                <a:ext uri="{FF2B5EF4-FFF2-40B4-BE49-F238E27FC236}">
+                  <a16:creationId xmlns:a16="http://schemas.microsoft.com/office/drawing/2014/main" id="{7C9A13BD-A8BD-E254-FEB5-F037633EB906}"/>
+                </a:ext>
+              </a:extLst>
+            </p:cNvPr>
+            <p:cNvCxnSpPr>
+              <a:stCxn id="22" idx="0"/>
+              <a:endCxn id="22" idx="2"/>
+            </p:cNvCxnSpPr>
+            <p:nvPr/>
+          </p:nvCxnSpPr>
+          <p:spPr>
+            <a:xfrm>
+              <a:off x="11384098" y="2647760"/>
+              <a:ext cx="0" cy="369332"/>
+            </a:xfrm>
+            <a:prstGeom prst="straightConnector1">
+              <a:avLst/>
+            </a:prstGeom>
+            <a:ln>
+              <a:tailEnd type="triangle"/>
+            </a:ln>
+          </p:spPr>
+          <p:style>
+            <a:lnRef idx="2">
+              <a:schemeClr val="accent1"/>
+            </a:lnRef>
+            <a:fillRef idx="0">
+              <a:schemeClr val="accent1"/>
+            </a:fillRef>
+            <a:effectRef idx="1">
+              <a:schemeClr val="accent1"/>
+            </a:effectRef>
+            <a:fontRef idx="minor">
+              <a:schemeClr val="tx1"/>
+            </a:fontRef>
+          </p:style>
+        </p:cxnSp>
+        <p:sp>
+          <p:nvSpPr>
+            <p:cNvPr id="31" name="ZoneTexte 30">
+              <a:extLst>
+                <a:ext uri="{FF2B5EF4-FFF2-40B4-BE49-F238E27FC236}">
+                  <a16:creationId xmlns:a16="http://schemas.microsoft.com/office/drawing/2014/main" id="{E0566D70-8958-15A7-C769-4287528638B4}"/>
+                </a:ext>
+              </a:extLst>
+            </p:cNvPr>
+            <p:cNvSpPr txBox="1"/>
+            <p:nvPr/>
+          </p:nvSpPr>
+          <p:spPr>
+            <a:xfrm>
+              <a:off x="278925" y="2463094"/>
+              <a:ext cx="1428750" cy="369332"/>
+            </a:xfrm>
+            <a:prstGeom prst="rect">
+              <a:avLst/>
+            </a:prstGeom>
             <a:solidFill>
-              <a:schemeClr val="accent1"/>
+              <a:schemeClr val="accent3">
+                <a:lumMod val="20000"/>
+                <a:lumOff val="80000"/>
+              </a:schemeClr>
             </a:solidFill>
-          </a:ln>
-        </p:spPr>
-        <p:txBody>
-          <a:bodyPr wrap="square" rtlCol="0">
-            <a:spAutoFit/>
-          </a:bodyPr>
-          <a:lstStyle/>
-          <a:p>
-            <a:pPr algn="ctr"/>
-            <a:r>
-              <a:rPr lang="fr-FR" b="1" dirty="0">
+            <a:ln w="25400">
+              <a:solidFill>
+                <a:schemeClr val="accent1"/>
+              </a:solidFill>
+            </a:ln>
+          </p:spPr>
+          <p:txBody>
+            <a:bodyPr wrap="square" rtlCol="0">
+              <a:spAutoFit/>
+            </a:bodyPr>
+            <a:lstStyle/>
+            <a:p>
+              <a:pPr algn="ctr"/>
+              <a:r>
+                <a:rPr lang="fr-FR" b="1" dirty="0">
+                  <a:solidFill>
+                    <a:srgbClr val="FF0000"/>
+                  </a:solidFill>
+                </a:rPr>
+                <a:t>SCT</a:t>
+              </a:r>
+            </a:p>
+          </p:txBody>
+        </p:sp>
+        <p:sp>
+          <p:nvSpPr>
+            <p:cNvPr id="32" name="ZoneTexte 31">
+              <a:extLst>
+                <a:ext uri="{FF2B5EF4-FFF2-40B4-BE49-F238E27FC236}">
+                  <a16:creationId xmlns:a16="http://schemas.microsoft.com/office/drawing/2014/main" id="{2DB9ACD2-F5AD-4EEF-0B9D-ABEEB7E8F50B}"/>
+                </a:ext>
+              </a:extLst>
+            </p:cNvPr>
+            <p:cNvSpPr txBox="1"/>
+            <p:nvPr/>
+          </p:nvSpPr>
+          <p:spPr>
+            <a:xfrm>
+              <a:off x="219197" y="4473569"/>
+              <a:ext cx="5078074" cy="1754326"/>
+            </a:xfrm>
+            <a:prstGeom prst="rect">
+              <a:avLst/>
+            </a:prstGeom>
+            <a:solidFill>
+              <a:schemeClr val="accent3">
+                <a:lumMod val="20000"/>
+                <a:lumOff val="80000"/>
+              </a:schemeClr>
+            </a:solidFill>
+            <a:ln w="25400">
+              <a:solidFill>
+                <a:schemeClr val="accent1"/>
+              </a:solidFill>
+            </a:ln>
+          </p:spPr>
+          <p:txBody>
+            <a:bodyPr wrap="square" rtlCol="0">
+              <a:spAutoFit/>
+            </a:bodyPr>
+            <a:lstStyle/>
+            <a:p>
+              <a:pPr marL="285750" indent="-285750">
+                <a:buFont typeface="Arial" panose="020B0604020202020204" pitchFamily="34" charset="0"/>
+                <a:buChar char="•"/>
+              </a:pPr>
+              <a:r>
+                <a:rPr lang="fr-FR" b="1" dirty="0" err="1">
+                  <a:solidFill>
+                    <a:srgbClr val="FF0000"/>
+                  </a:solidFill>
+                </a:rPr>
+                <a:t>counts</a:t>
+              </a:r>
+              <a:endParaRPr lang="fr-FR" b="1" dirty="0">
                 <a:solidFill>
                   <a:srgbClr val="FF0000"/>
                 </a:solidFill>
-              </a:rPr>
-              <a:t>SCT</a:t>
-            </a:r>
-          </a:p>
-        </p:txBody>
-      </p:sp>
-      <p:sp>
-        <p:nvSpPr>
-          <p:cNvPr id="32" name="ZoneTexte 31">
-            <a:extLst>
-              <a:ext uri="{FF2B5EF4-FFF2-40B4-BE49-F238E27FC236}">
-                <a16:creationId xmlns:a16="http://schemas.microsoft.com/office/drawing/2014/main" id="{2DB9ACD2-F5AD-4EEF-0B9D-ABEEB7E8F50B}"/>
-              </a:ext>
-            </a:extLst>
-          </p:cNvPr>
-          <p:cNvSpPr txBox="1"/>
-          <p:nvPr/>
-        </p:nvSpPr>
-        <p:spPr>
-          <a:xfrm>
-            <a:off x="219197" y="4473569"/>
-            <a:ext cx="5078074" cy="1754326"/>
-          </a:xfrm>
-          <a:prstGeom prst="rect">
-            <a:avLst/>
-          </a:prstGeom>
-          <a:solidFill>
-            <a:schemeClr val="accent3">
-              <a:lumMod val="20000"/>
-              <a:lumOff val="80000"/>
-            </a:schemeClr>
-          </a:solidFill>
-          <a:ln w="25400">
-            <a:solidFill>
-              <a:schemeClr val="accent1"/>
-            </a:solidFill>
-          </a:ln>
-        </p:spPr>
-        <p:txBody>
-          <a:bodyPr wrap="square" rtlCol="0">
-            <a:spAutoFit/>
-          </a:bodyPr>
-          <a:lstStyle/>
-          <a:p>
-            <a:pPr marL="285750" indent="-285750">
-              <a:buFont typeface="Arial" panose="020B0604020202020204" pitchFamily="34" charset="0"/>
-              <a:buChar char="•"/>
-            </a:pPr>
-            <a:r>
-              <a:rPr lang="fr-FR" b="1" dirty="0" err="1">
+              </a:endParaRPr>
+            </a:p>
+            <a:p>
+              <a:r>
+                <a:rPr lang="fr-FR" dirty="0">
+                  <a:solidFill>
+                    <a:srgbClr val="FF0000"/>
+                  </a:solidFill>
+                </a:rPr>
+                <a:t>(matrice des comptages bruts G x C)</a:t>
+              </a:r>
+            </a:p>
+            <a:p>
+              <a:pPr marL="285750" indent="-285750">
+                <a:buFont typeface="Arial" panose="020B0604020202020204" pitchFamily="34" charset="0"/>
+                <a:buChar char="•"/>
+              </a:pPr>
+              <a:r>
+                <a:rPr lang="fr-FR" b="1" dirty="0">
+                  <a:solidFill>
+                    <a:srgbClr val="FF0000"/>
+                  </a:solidFill>
+                </a:rPr>
+                <a:t>data</a:t>
+              </a:r>
+            </a:p>
+            <a:p>
+              <a:r>
+                <a:rPr lang="fr-FR" dirty="0">
+                  <a:solidFill>
+                    <a:srgbClr val="FF0000"/>
+                  </a:solidFill>
+                </a:rPr>
+                <a:t>(matrice des comptages normalisés G x C)</a:t>
+              </a:r>
+            </a:p>
+            <a:p>
+              <a:pPr marL="285750" indent="-285750">
+                <a:buFont typeface="Arial" panose="020B0604020202020204" pitchFamily="34" charset="0"/>
+                <a:buChar char="•"/>
+              </a:pPr>
+              <a:r>
+                <a:rPr lang="fr-FR" b="1" dirty="0" err="1">
+                  <a:solidFill>
+                    <a:srgbClr val="FF0000"/>
+                  </a:solidFill>
+                </a:rPr>
+                <a:t>scaled.data</a:t>
+              </a:r>
+              <a:endParaRPr lang="fr-FR" b="1" dirty="0">
                 <a:solidFill>
                   <a:srgbClr val="FF0000"/>
                 </a:solidFill>
-              </a:rPr>
-              <a:t>counts</a:t>
-            </a:r>
-            <a:endParaRPr lang="fr-FR" b="1" dirty="0">
+              </a:endParaRPr>
+            </a:p>
+            <a:p>
+              <a:r>
+                <a:rPr lang="fr-FR" dirty="0">
+                  <a:solidFill>
+                    <a:srgbClr val="FF0000"/>
+                  </a:solidFill>
+                </a:rPr>
+                <a:t>(matrice des données normalisées réduites J x C)</a:t>
+              </a:r>
+            </a:p>
+          </p:txBody>
+        </p:sp>
+        <p:cxnSp>
+          <p:nvCxnSpPr>
+            <p:cNvPr id="33" name="Connecteur droit avec flèche 32">
+              <a:extLst>
+                <a:ext uri="{FF2B5EF4-FFF2-40B4-BE49-F238E27FC236}">
+                  <a16:creationId xmlns:a16="http://schemas.microsoft.com/office/drawing/2014/main" id="{5FC45CCA-CCDD-EA85-5F7B-F2EA7421E5C3}"/>
+                </a:ext>
+              </a:extLst>
+            </p:cNvPr>
+            <p:cNvCxnSpPr>
+              <a:cxnSpLocks/>
+              <a:stCxn id="31" idx="2"/>
+            </p:cNvCxnSpPr>
+            <p:nvPr/>
+          </p:nvCxnSpPr>
+          <p:spPr>
+            <a:xfrm flipH="1">
+              <a:off x="986347" y="2832426"/>
+              <a:ext cx="6953" cy="1641143"/>
+            </a:xfrm>
+            <a:prstGeom prst="straightConnector1">
+              <a:avLst/>
+            </a:prstGeom>
+            <a:ln>
+              <a:tailEnd type="triangle"/>
+            </a:ln>
+          </p:spPr>
+          <p:style>
+            <a:lnRef idx="2">
+              <a:schemeClr val="accent1"/>
+            </a:lnRef>
+            <a:fillRef idx="0">
+              <a:schemeClr val="accent1"/>
+            </a:fillRef>
+            <a:effectRef idx="1">
+              <a:schemeClr val="accent1"/>
+            </a:effectRef>
+            <a:fontRef idx="minor">
+              <a:schemeClr val="tx1"/>
+            </a:fontRef>
+          </p:style>
+        </p:cxnSp>
+        <p:sp>
+          <p:nvSpPr>
+            <p:cNvPr id="34" name="ZoneTexte 33">
+              <a:extLst>
+                <a:ext uri="{FF2B5EF4-FFF2-40B4-BE49-F238E27FC236}">
+                  <a16:creationId xmlns:a16="http://schemas.microsoft.com/office/drawing/2014/main" id="{CF7C13C6-0005-0A01-F0ED-9A6058843B9F}"/>
+                </a:ext>
+              </a:extLst>
+            </p:cNvPr>
+            <p:cNvSpPr txBox="1"/>
+            <p:nvPr/>
+          </p:nvSpPr>
+          <p:spPr>
+            <a:xfrm>
+              <a:off x="648737" y="3188780"/>
+              <a:ext cx="585787" cy="369332"/>
+            </a:xfrm>
+            <a:prstGeom prst="rect">
+              <a:avLst/>
+            </a:prstGeom>
+            <a:noFill/>
+          </p:spPr>
+          <p:txBody>
+            <a:bodyPr wrap="square" rtlCol="0">
+              <a:spAutoFit/>
+            </a:bodyPr>
+            <a:lstStyle/>
+            <a:p>
+              <a:r>
+                <a:rPr lang="fr-FR" dirty="0"/>
+                <a:t>$</a:t>
+              </a:r>
+            </a:p>
+          </p:txBody>
+        </p:sp>
+        <p:cxnSp>
+          <p:nvCxnSpPr>
+            <p:cNvPr id="35" name="Connecteur en angle 34">
+              <a:extLst>
+                <a:ext uri="{FF2B5EF4-FFF2-40B4-BE49-F238E27FC236}">
+                  <a16:creationId xmlns:a16="http://schemas.microsoft.com/office/drawing/2014/main" id="{EA1F0D9C-8976-E48A-86A9-6EA71CC7FB80}"/>
+                </a:ext>
+              </a:extLst>
+            </p:cNvPr>
+            <p:cNvCxnSpPr>
+              <a:cxnSpLocks/>
+              <a:stCxn id="6" idx="2"/>
+              <a:endCxn id="31" idx="0"/>
+            </p:cNvCxnSpPr>
+            <p:nvPr/>
+          </p:nvCxnSpPr>
+          <p:spPr>
+            <a:xfrm rot="5400000">
+              <a:off x="1416176" y="1502363"/>
+              <a:ext cx="537855" cy="1383606"/>
+            </a:xfrm>
+            <a:prstGeom prst="bentConnector3">
+              <a:avLst/>
+            </a:prstGeom>
+            <a:ln>
+              <a:tailEnd type="triangle"/>
+            </a:ln>
+          </p:spPr>
+          <p:style>
+            <a:lnRef idx="2">
+              <a:schemeClr val="accent1"/>
+            </a:lnRef>
+            <a:fillRef idx="0">
+              <a:schemeClr val="accent1"/>
+            </a:fillRef>
+            <a:effectRef idx="1">
+              <a:schemeClr val="accent1"/>
+            </a:effectRef>
+            <a:fontRef idx="minor">
+              <a:schemeClr val="tx1"/>
+            </a:fontRef>
+          </p:style>
+        </p:cxnSp>
+        <p:sp>
+          <p:nvSpPr>
+            <p:cNvPr id="37" name="ZoneTexte 36">
+              <a:extLst>
+                <a:ext uri="{FF2B5EF4-FFF2-40B4-BE49-F238E27FC236}">
+                  <a16:creationId xmlns:a16="http://schemas.microsoft.com/office/drawing/2014/main" id="{2EB0BFA6-3C39-CD3B-1D0F-155A0461652C}"/>
+                </a:ext>
+              </a:extLst>
+            </p:cNvPr>
+            <p:cNvSpPr txBox="1"/>
+            <p:nvPr/>
+          </p:nvSpPr>
+          <p:spPr>
+            <a:xfrm>
+              <a:off x="8016384" y="1541708"/>
+              <a:ext cx="1428750" cy="369332"/>
+            </a:xfrm>
+            <a:prstGeom prst="rect">
+              <a:avLst/>
+            </a:prstGeom>
+            <a:solidFill>
+              <a:schemeClr val="accent2">
+                <a:lumMod val="20000"/>
+                <a:lumOff val="80000"/>
+              </a:schemeClr>
+            </a:solidFill>
+            <a:ln w="25400">
               <a:solidFill>
-                <a:srgbClr val="FF0000"/>
+                <a:schemeClr val="accent1"/>
               </a:solidFill>
-            </a:endParaRPr>
-          </a:p>
-          <a:p>
-            <a:r>
-              <a:rPr lang="fr-FR" dirty="0">
+            </a:ln>
+          </p:spPr>
+          <p:txBody>
+            <a:bodyPr wrap="square" rtlCol="0">
+              <a:spAutoFit/>
+            </a:bodyPr>
+            <a:lstStyle/>
+            <a:p>
+              <a:pPr algn="ctr"/>
+              <a:r>
+                <a:rPr lang="fr-FR" b="1" dirty="0" err="1">
+                  <a:solidFill>
+                    <a:srgbClr val="FF0000"/>
+                  </a:solidFill>
+                </a:rPr>
+                <a:t>reductions</a:t>
+              </a:r>
+              <a:endParaRPr lang="fr-FR" b="1" dirty="0">
                 <a:solidFill>
                   <a:srgbClr val="FF0000"/>
                 </a:solidFill>
-              </a:rPr>
-              <a:t>(matrice des comptages bruts G x C)</a:t>
-            </a:r>
-          </a:p>
-          <a:p>
-            <a:pPr marL="285750" indent="-285750">
-              <a:buFont typeface="Arial" panose="020B0604020202020204" pitchFamily="34" charset="0"/>
-              <a:buChar char="•"/>
-            </a:pPr>
-            <a:r>
-              <a:rPr lang="fr-FR" b="1" dirty="0">
+              </a:endParaRPr>
+            </a:p>
+          </p:txBody>
+        </p:sp>
+        <p:sp>
+          <p:nvSpPr>
+            <p:cNvPr id="38" name="ZoneTexte 37">
+              <a:extLst>
+                <a:ext uri="{FF2B5EF4-FFF2-40B4-BE49-F238E27FC236}">
+                  <a16:creationId xmlns:a16="http://schemas.microsoft.com/office/drawing/2014/main" id="{6CA1ACD3-EBDD-0DEE-5822-C6AF3B06621D}"/>
+                </a:ext>
+              </a:extLst>
+            </p:cNvPr>
+            <p:cNvSpPr txBox="1"/>
+            <p:nvPr/>
+          </p:nvSpPr>
+          <p:spPr>
+            <a:xfrm>
+              <a:off x="7493950" y="2560965"/>
+              <a:ext cx="2719352" cy="2308324"/>
+            </a:xfrm>
+            <a:prstGeom prst="rect">
+              <a:avLst/>
+            </a:prstGeom>
+            <a:solidFill>
+              <a:schemeClr val="accent3">
+                <a:lumMod val="20000"/>
+                <a:lumOff val="80000"/>
+              </a:schemeClr>
+            </a:solidFill>
+            <a:ln w="25400">
+              <a:solidFill>
+                <a:schemeClr val="accent1"/>
+              </a:solidFill>
+            </a:ln>
+          </p:spPr>
+          <p:txBody>
+            <a:bodyPr wrap="square" rtlCol="0">
+              <a:spAutoFit/>
+            </a:bodyPr>
+            <a:lstStyle/>
+            <a:p>
+              <a:pPr marL="285750" indent="-285750">
+                <a:buFont typeface="Arial" panose="020B0604020202020204" pitchFamily="34" charset="0"/>
+                <a:buChar char="•"/>
+              </a:pPr>
+              <a:r>
+                <a:rPr lang="fr-FR" b="1" dirty="0" err="1">
+                  <a:solidFill>
+                    <a:srgbClr val="FF0000"/>
+                  </a:solidFill>
+                </a:rPr>
+                <a:t>pca</a:t>
+              </a:r>
+              <a:endParaRPr lang="fr-FR" b="1" dirty="0">
                 <a:solidFill>
                   <a:srgbClr val="FF0000"/>
                 </a:solidFill>
-              </a:rPr>
-              <a:t>data</a:t>
-            </a:r>
-          </a:p>
-          <a:p>
-            <a:r>
-              <a:rPr lang="fr-FR" dirty="0">
+              </a:endParaRPr>
+            </a:p>
+            <a:p>
+              <a:pPr lvl="1"/>
+              <a:r>
+                <a:rPr lang="fr-FR" dirty="0"/>
+                <a:t>$</a:t>
+              </a:r>
+              <a:r>
+                <a:rPr lang="fr-FR" dirty="0" err="1"/>
+                <a:t>PC_k</a:t>
+              </a:r>
+              <a:endParaRPr lang="fr-FR" dirty="0"/>
+            </a:p>
+            <a:p>
+              <a:pPr lvl="1"/>
+              <a:r>
+                <a:rPr lang="fr-FR" dirty="0"/>
+                <a:t>@</a:t>
+              </a:r>
+              <a:r>
+                <a:rPr lang="fr-FR" dirty="0" err="1"/>
+                <a:t>cell.embeddings</a:t>
+              </a:r>
+              <a:endParaRPr lang="fr-FR" dirty="0"/>
+            </a:p>
+            <a:p>
+              <a:pPr lvl="1"/>
+              <a:r>
+                <a:rPr lang="fr-FR" dirty="0"/>
+                <a:t>@</a:t>
+              </a:r>
+              <a:r>
+                <a:rPr lang="fr-FR" dirty="0" err="1"/>
+                <a:t>feature.loadings</a:t>
+              </a:r>
+              <a:endParaRPr lang="fr-FR" dirty="0"/>
+            </a:p>
+            <a:p>
+              <a:pPr lvl="1"/>
+              <a:r>
+                <a:rPr lang="fr-FR" dirty="0"/>
+                <a:t>@</a:t>
+              </a:r>
+              <a:r>
+                <a:rPr lang="fr-FR" dirty="0" err="1"/>
+                <a:t>stdev</a:t>
+              </a:r>
+              <a:endParaRPr lang="fr-FR" dirty="0"/>
+            </a:p>
+            <a:p>
+              <a:pPr marL="285750" indent="-285750">
+                <a:buFont typeface="Arial" panose="020B0604020202020204" pitchFamily="34" charset="0"/>
+                <a:buChar char="•"/>
+              </a:pPr>
+              <a:r>
+                <a:rPr lang="fr-FR" b="1" dirty="0" err="1">
+                  <a:solidFill>
+                    <a:srgbClr val="FF0000"/>
+                  </a:solidFill>
+                </a:rPr>
+                <a:t>umap</a:t>
+              </a:r>
+              <a:endParaRPr lang="fr-FR" b="1" dirty="0">
                 <a:solidFill>
                   <a:srgbClr val="FF0000"/>
                 </a:solidFill>
-              </a:rPr>
-              <a:t>(matrice des comptages normalisés G x C)</a:t>
-            </a:r>
-          </a:p>
-          <a:p>
-            <a:pPr marL="285750" indent="-285750">
-              <a:buFont typeface="Arial" panose="020B0604020202020204" pitchFamily="34" charset="0"/>
-              <a:buChar char="•"/>
-            </a:pPr>
-            <a:r>
-              <a:rPr lang="fr-FR" b="1" dirty="0" err="1">
-                <a:solidFill>
-                  <a:srgbClr val="FF0000"/>
-                </a:solidFill>
-              </a:rPr>
-              <a:t>scaled.data</a:t>
-            </a:r>
-            <a:endParaRPr lang="fr-FR" b="1" dirty="0">
-              <a:solidFill>
-                <a:srgbClr val="FF0000"/>
-              </a:solidFill>
-            </a:endParaRPr>
-          </a:p>
-          <a:p>
-            <a:r>
-              <a:rPr lang="fr-FR" dirty="0">
-                <a:solidFill>
-                  <a:srgbClr val="FF0000"/>
-                </a:solidFill>
-              </a:rPr>
-              <a:t>(matrice des données normalisées réduites J x C)</a:t>
-            </a:r>
-          </a:p>
-        </p:txBody>
-      </p:sp>
-      <p:cxnSp>
-        <p:nvCxnSpPr>
-          <p:cNvPr id="33" name="Connecteur droit avec flèche 32">
-            <a:extLst>
-              <a:ext uri="{FF2B5EF4-FFF2-40B4-BE49-F238E27FC236}">
-                <a16:creationId xmlns:a16="http://schemas.microsoft.com/office/drawing/2014/main" id="{5FC45CCA-CCDD-EA85-5F7B-F2EA7421E5C3}"/>
-              </a:ext>
-            </a:extLst>
-          </p:cNvPr>
-          <p:cNvCxnSpPr>
-            <a:cxnSpLocks/>
-            <a:stCxn id="31" idx="2"/>
-          </p:cNvCxnSpPr>
-          <p:nvPr/>
-        </p:nvCxnSpPr>
-        <p:spPr>
-          <a:xfrm flipH="1">
-            <a:off x="986347" y="2832426"/>
-            <a:ext cx="6953" cy="1641143"/>
-          </a:xfrm>
-          <a:prstGeom prst="straightConnector1">
-            <a:avLst/>
-          </a:prstGeom>
-          <a:ln>
-            <a:tailEnd type="triangle"/>
-          </a:ln>
-        </p:spPr>
-        <p:style>
-          <a:lnRef idx="2">
-            <a:schemeClr val="accent1"/>
-          </a:lnRef>
-          <a:fillRef idx="0">
-            <a:schemeClr val="accent1"/>
-          </a:fillRef>
-          <a:effectRef idx="1">
-            <a:schemeClr val="accent1"/>
-          </a:effectRef>
-          <a:fontRef idx="minor">
-            <a:schemeClr val="tx1"/>
-          </a:fontRef>
-        </p:style>
-      </p:cxnSp>
-      <p:sp>
-        <p:nvSpPr>
-          <p:cNvPr id="34" name="ZoneTexte 33">
-            <a:extLst>
-              <a:ext uri="{FF2B5EF4-FFF2-40B4-BE49-F238E27FC236}">
-                <a16:creationId xmlns:a16="http://schemas.microsoft.com/office/drawing/2014/main" id="{CF7C13C6-0005-0A01-F0ED-9A6058843B9F}"/>
-              </a:ext>
-            </a:extLst>
-          </p:cNvPr>
-          <p:cNvSpPr txBox="1"/>
-          <p:nvPr/>
-        </p:nvSpPr>
-        <p:spPr>
-          <a:xfrm>
-            <a:off x="648737" y="3188780"/>
-            <a:ext cx="585787" cy="369332"/>
-          </a:xfrm>
-          <a:prstGeom prst="rect">
-            <a:avLst/>
-          </a:prstGeom>
-          <a:noFill/>
-        </p:spPr>
-        <p:txBody>
-          <a:bodyPr wrap="square" rtlCol="0">
-            <a:spAutoFit/>
-          </a:bodyPr>
-          <a:lstStyle/>
-          <a:p>
-            <a:r>
-              <a:rPr lang="fr-FR" dirty="0"/>
-              <a:t>$</a:t>
-            </a:r>
-          </a:p>
-        </p:txBody>
-      </p:sp>
-      <p:cxnSp>
-        <p:nvCxnSpPr>
-          <p:cNvPr id="35" name="Connecteur en angle 34">
-            <a:extLst>
-              <a:ext uri="{FF2B5EF4-FFF2-40B4-BE49-F238E27FC236}">
-                <a16:creationId xmlns:a16="http://schemas.microsoft.com/office/drawing/2014/main" id="{EA1F0D9C-8976-E48A-86A9-6EA71CC7FB80}"/>
-              </a:ext>
-            </a:extLst>
-          </p:cNvPr>
-          <p:cNvCxnSpPr>
-            <a:cxnSpLocks/>
-            <a:stCxn id="6" idx="2"/>
-            <a:endCxn id="31" idx="0"/>
-          </p:cNvCxnSpPr>
-          <p:nvPr/>
-        </p:nvCxnSpPr>
-        <p:spPr>
-          <a:xfrm rot="5400000">
-            <a:off x="1416176" y="1502363"/>
-            <a:ext cx="537855" cy="1383606"/>
-          </a:xfrm>
-          <a:prstGeom prst="bentConnector3">
-            <a:avLst/>
-          </a:prstGeom>
-          <a:ln>
-            <a:tailEnd type="triangle"/>
-          </a:ln>
-        </p:spPr>
-        <p:style>
-          <a:lnRef idx="2">
-            <a:schemeClr val="accent1"/>
-          </a:lnRef>
-          <a:fillRef idx="0">
-            <a:schemeClr val="accent1"/>
-          </a:fillRef>
-          <a:effectRef idx="1">
-            <a:schemeClr val="accent1"/>
-          </a:effectRef>
-          <a:fontRef idx="minor">
-            <a:schemeClr val="tx1"/>
-          </a:fontRef>
-        </p:style>
-      </p:cxnSp>
-      <p:sp>
-        <p:nvSpPr>
-          <p:cNvPr id="37" name="ZoneTexte 36">
-            <a:extLst>
-              <a:ext uri="{FF2B5EF4-FFF2-40B4-BE49-F238E27FC236}">
-                <a16:creationId xmlns:a16="http://schemas.microsoft.com/office/drawing/2014/main" id="{2EB0BFA6-3C39-CD3B-1D0F-155A0461652C}"/>
-              </a:ext>
-            </a:extLst>
-          </p:cNvPr>
-          <p:cNvSpPr txBox="1"/>
-          <p:nvPr/>
-        </p:nvSpPr>
-        <p:spPr>
-          <a:xfrm>
-            <a:off x="8016384" y="1541708"/>
-            <a:ext cx="1428750" cy="369332"/>
-          </a:xfrm>
-          <a:prstGeom prst="rect">
-            <a:avLst/>
-          </a:prstGeom>
-          <a:solidFill>
-            <a:schemeClr val="accent2">
-              <a:lumMod val="20000"/>
-              <a:lumOff val="80000"/>
-            </a:schemeClr>
-          </a:solidFill>
-          <a:ln w="25400">
-            <a:solidFill>
-              <a:schemeClr val="accent1"/>
-            </a:solidFill>
-          </a:ln>
-        </p:spPr>
-        <p:txBody>
-          <a:bodyPr wrap="square" rtlCol="0">
-            <a:spAutoFit/>
-          </a:bodyPr>
-          <a:lstStyle/>
-          <a:p>
-            <a:pPr algn="ctr"/>
-            <a:r>
-              <a:rPr lang="fr-FR" b="1" dirty="0" err="1">
-                <a:solidFill>
-                  <a:srgbClr val="FF0000"/>
-                </a:solidFill>
-              </a:rPr>
-              <a:t>reductions</a:t>
-            </a:r>
-            <a:endParaRPr lang="fr-FR" b="1" dirty="0">
-              <a:solidFill>
-                <a:srgbClr val="FF0000"/>
-              </a:solidFill>
-            </a:endParaRPr>
-          </a:p>
-        </p:txBody>
-      </p:sp>
-      <p:sp>
-        <p:nvSpPr>
-          <p:cNvPr id="38" name="ZoneTexte 37">
-            <a:extLst>
-              <a:ext uri="{FF2B5EF4-FFF2-40B4-BE49-F238E27FC236}">
-                <a16:creationId xmlns:a16="http://schemas.microsoft.com/office/drawing/2014/main" id="{6CA1ACD3-EBDD-0DEE-5822-C6AF3B06621D}"/>
-              </a:ext>
-            </a:extLst>
-          </p:cNvPr>
-          <p:cNvSpPr txBox="1"/>
-          <p:nvPr/>
-        </p:nvSpPr>
-        <p:spPr>
-          <a:xfrm>
-            <a:off x="7493950" y="2560965"/>
-            <a:ext cx="2719352" cy="2308324"/>
-          </a:xfrm>
-          <a:prstGeom prst="rect">
-            <a:avLst/>
-          </a:prstGeom>
-          <a:solidFill>
-            <a:schemeClr val="accent3">
-              <a:lumMod val="20000"/>
-              <a:lumOff val="80000"/>
-            </a:schemeClr>
-          </a:solidFill>
-          <a:ln w="25400">
-            <a:solidFill>
-              <a:schemeClr val="accent1"/>
-            </a:solidFill>
-          </a:ln>
-        </p:spPr>
-        <p:txBody>
-          <a:bodyPr wrap="square" rtlCol="0">
-            <a:spAutoFit/>
-          </a:bodyPr>
-          <a:lstStyle/>
-          <a:p>
-            <a:pPr marL="285750" indent="-285750">
-              <a:buFont typeface="Arial" panose="020B0604020202020204" pitchFamily="34" charset="0"/>
-              <a:buChar char="•"/>
-            </a:pPr>
-            <a:r>
-              <a:rPr lang="fr-FR" b="1" dirty="0" err="1">
-                <a:solidFill>
-                  <a:srgbClr val="FF0000"/>
-                </a:solidFill>
-              </a:rPr>
-              <a:t>pca</a:t>
-            </a:r>
-            <a:endParaRPr lang="fr-FR" b="1" dirty="0">
-              <a:solidFill>
-                <a:srgbClr val="FF0000"/>
-              </a:solidFill>
-            </a:endParaRPr>
-          </a:p>
-          <a:p>
-            <a:pPr lvl="1"/>
-            <a:r>
-              <a:rPr lang="fr-FR" dirty="0"/>
-              <a:t>$</a:t>
-            </a:r>
-            <a:r>
-              <a:rPr lang="fr-FR" dirty="0" err="1"/>
-              <a:t>PC_k</a:t>
-            </a:r>
-            <a:endParaRPr lang="fr-FR" dirty="0"/>
-          </a:p>
-          <a:p>
-            <a:pPr lvl="1"/>
-            <a:r>
-              <a:rPr lang="fr-FR" dirty="0"/>
-              <a:t>@</a:t>
-            </a:r>
-            <a:r>
-              <a:rPr lang="fr-FR" dirty="0" err="1"/>
-              <a:t>cell.embeddings</a:t>
-            </a:r>
-            <a:endParaRPr lang="fr-FR" dirty="0"/>
-          </a:p>
-          <a:p>
-            <a:pPr lvl="1"/>
-            <a:r>
-              <a:rPr lang="fr-FR" dirty="0"/>
-              <a:t>@</a:t>
-            </a:r>
-            <a:r>
-              <a:rPr lang="fr-FR" dirty="0" err="1"/>
-              <a:t>feature.loadings</a:t>
-            </a:r>
-            <a:endParaRPr lang="fr-FR" dirty="0"/>
-          </a:p>
-          <a:p>
-            <a:pPr lvl="1"/>
-            <a:r>
-              <a:rPr lang="fr-FR" dirty="0"/>
-              <a:t>@</a:t>
-            </a:r>
-            <a:r>
-              <a:rPr lang="fr-FR" dirty="0" err="1"/>
-              <a:t>stdev</a:t>
-            </a:r>
-            <a:endParaRPr lang="fr-FR" dirty="0"/>
-          </a:p>
-          <a:p>
-            <a:pPr marL="285750" indent="-285750">
-              <a:buFont typeface="Arial" panose="020B0604020202020204" pitchFamily="34" charset="0"/>
-              <a:buChar char="•"/>
-            </a:pPr>
-            <a:r>
-              <a:rPr lang="fr-FR" b="1" dirty="0" err="1">
-                <a:solidFill>
-                  <a:srgbClr val="FF0000"/>
-                </a:solidFill>
-              </a:rPr>
-              <a:t>umap</a:t>
-            </a:r>
-            <a:endParaRPr lang="fr-FR" b="1" dirty="0">
-              <a:solidFill>
-                <a:srgbClr val="FF0000"/>
-              </a:solidFill>
-            </a:endParaRPr>
-          </a:p>
-          <a:p>
-            <a:r>
-              <a:rPr lang="fr-FR" dirty="0"/>
-              <a:t>          $umap_1 et umap_2</a:t>
-            </a:r>
-          </a:p>
-          <a:p>
-            <a:r>
-              <a:rPr lang="fr-FR" dirty="0"/>
-              <a:t>          @</a:t>
-            </a:r>
-            <a:r>
-              <a:rPr lang="fr-FR" dirty="0" err="1"/>
-              <a:t>cell.embeddings</a:t>
-            </a:r>
-            <a:endParaRPr lang="fr-FR" dirty="0"/>
-          </a:p>
-        </p:txBody>
-      </p:sp>
-      <p:cxnSp>
-        <p:nvCxnSpPr>
-          <p:cNvPr id="39" name="Connecteur droit avec flèche 38">
-            <a:extLst>
-              <a:ext uri="{FF2B5EF4-FFF2-40B4-BE49-F238E27FC236}">
-                <a16:creationId xmlns:a16="http://schemas.microsoft.com/office/drawing/2014/main" id="{214FCC09-C3F8-25D4-4F69-8E70F01FAD70}"/>
-              </a:ext>
-            </a:extLst>
-          </p:cNvPr>
-          <p:cNvCxnSpPr>
-            <a:cxnSpLocks/>
-          </p:cNvCxnSpPr>
-          <p:nvPr/>
-        </p:nvCxnSpPr>
-        <p:spPr>
-          <a:xfrm flipH="1">
-            <a:off x="8715529" y="1902288"/>
-            <a:ext cx="7149" cy="658677"/>
-          </a:xfrm>
-          <a:prstGeom prst="straightConnector1">
-            <a:avLst/>
-          </a:prstGeom>
-          <a:ln>
-            <a:tailEnd type="triangle"/>
-          </a:ln>
-        </p:spPr>
-        <p:style>
-          <a:lnRef idx="2">
-            <a:schemeClr val="accent1"/>
-          </a:lnRef>
-          <a:fillRef idx="0">
-            <a:schemeClr val="accent1"/>
-          </a:fillRef>
-          <a:effectRef idx="1">
-            <a:schemeClr val="accent1"/>
-          </a:effectRef>
-          <a:fontRef idx="minor">
-            <a:schemeClr val="tx1"/>
-          </a:fontRef>
-        </p:style>
-      </p:cxnSp>
-      <p:sp>
-        <p:nvSpPr>
-          <p:cNvPr id="40" name="ZoneTexte 39">
-            <a:extLst>
-              <a:ext uri="{FF2B5EF4-FFF2-40B4-BE49-F238E27FC236}">
-                <a16:creationId xmlns:a16="http://schemas.microsoft.com/office/drawing/2014/main" id="{E9773625-133A-0472-5D93-4FD64CB91133}"/>
-              </a:ext>
-            </a:extLst>
-          </p:cNvPr>
-          <p:cNvSpPr txBox="1"/>
-          <p:nvPr/>
-        </p:nvSpPr>
-        <p:spPr>
-          <a:xfrm>
-            <a:off x="8396465" y="2015137"/>
-            <a:ext cx="585787" cy="369332"/>
-          </a:xfrm>
-          <a:prstGeom prst="rect">
-            <a:avLst/>
-          </a:prstGeom>
-          <a:noFill/>
-        </p:spPr>
-        <p:txBody>
-          <a:bodyPr wrap="square" rtlCol="0">
-            <a:spAutoFit/>
-          </a:bodyPr>
-          <a:lstStyle/>
-          <a:p>
-            <a:r>
-              <a:rPr lang="fr-FR" dirty="0"/>
-              <a:t>$</a:t>
-            </a:r>
-          </a:p>
-        </p:txBody>
-      </p:sp>
-      <p:cxnSp>
-        <p:nvCxnSpPr>
-          <p:cNvPr id="42" name="Connecteur en angle 41">
-            <a:extLst>
-              <a:ext uri="{FF2B5EF4-FFF2-40B4-BE49-F238E27FC236}">
-                <a16:creationId xmlns:a16="http://schemas.microsoft.com/office/drawing/2014/main" id="{D81B61A7-70E1-AA51-A067-43B6861E6E11}"/>
-              </a:ext>
-            </a:extLst>
-          </p:cNvPr>
-          <p:cNvCxnSpPr>
-            <a:cxnSpLocks/>
-            <a:stCxn id="6" idx="2"/>
-            <a:endCxn id="10" idx="0"/>
-          </p:cNvCxnSpPr>
-          <p:nvPr/>
-        </p:nvCxnSpPr>
-        <p:spPr>
-          <a:xfrm rot="16200000" flipH="1">
-            <a:off x="2657881" y="1644264"/>
-            <a:ext cx="544181" cy="1106130"/>
-          </a:xfrm>
-          <a:prstGeom prst="bentConnector3">
-            <a:avLst/>
-          </a:prstGeom>
-          <a:ln>
-            <a:tailEnd type="triangle"/>
-          </a:ln>
-        </p:spPr>
-        <p:style>
-          <a:lnRef idx="2">
-            <a:schemeClr val="accent1"/>
-          </a:lnRef>
-          <a:fillRef idx="0">
-            <a:schemeClr val="accent1"/>
-          </a:fillRef>
-          <a:effectRef idx="1">
-            <a:schemeClr val="accent1"/>
-          </a:effectRef>
-          <a:fontRef idx="minor">
-            <a:schemeClr val="tx1"/>
-          </a:fontRef>
-        </p:style>
-      </p:cxnSp>
-      <p:cxnSp>
-        <p:nvCxnSpPr>
-          <p:cNvPr id="47" name="Connecteur droit avec flèche 46">
-            <a:extLst>
-              <a:ext uri="{FF2B5EF4-FFF2-40B4-BE49-F238E27FC236}">
-                <a16:creationId xmlns:a16="http://schemas.microsoft.com/office/drawing/2014/main" id="{BDD531F0-21FE-D24D-7B43-52D057510F8C}"/>
-              </a:ext>
-            </a:extLst>
-          </p:cNvPr>
-          <p:cNvCxnSpPr>
-            <a:cxnSpLocks/>
-            <a:endCxn id="37" idx="0"/>
-          </p:cNvCxnSpPr>
-          <p:nvPr/>
-        </p:nvCxnSpPr>
-        <p:spPr>
-          <a:xfrm>
-            <a:off x="8730759" y="964221"/>
-            <a:ext cx="0" cy="577487"/>
-          </a:xfrm>
-          <a:prstGeom prst="straightConnector1">
-            <a:avLst/>
-          </a:prstGeom>
-          <a:ln>
-            <a:tailEnd type="triangle"/>
-          </a:ln>
-        </p:spPr>
-        <p:style>
-          <a:lnRef idx="2">
-            <a:schemeClr val="accent1"/>
-          </a:lnRef>
-          <a:fillRef idx="0">
-            <a:schemeClr val="accent1"/>
-          </a:fillRef>
-          <a:effectRef idx="1">
-            <a:schemeClr val="accent1"/>
-          </a:effectRef>
-          <a:fontRef idx="minor">
-            <a:schemeClr val="tx1"/>
-          </a:fontRef>
-        </p:style>
-      </p:cxnSp>
+              </a:endParaRPr>
+            </a:p>
+            <a:p>
+              <a:r>
+                <a:rPr lang="fr-FR" dirty="0"/>
+                <a:t>          $umap_1 et umap_2</a:t>
+              </a:r>
+            </a:p>
+            <a:p>
+              <a:r>
+                <a:rPr lang="fr-FR" dirty="0"/>
+                <a:t>          @</a:t>
+              </a:r>
+              <a:r>
+                <a:rPr lang="fr-FR" dirty="0" err="1"/>
+                <a:t>cell.embeddings</a:t>
+              </a:r>
+              <a:endParaRPr lang="fr-FR" dirty="0"/>
+            </a:p>
+          </p:txBody>
+        </p:sp>
+        <p:cxnSp>
+          <p:nvCxnSpPr>
+            <p:cNvPr id="39" name="Connecteur droit avec flèche 38">
+              <a:extLst>
+                <a:ext uri="{FF2B5EF4-FFF2-40B4-BE49-F238E27FC236}">
+                  <a16:creationId xmlns:a16="http://schemas.microsoft.com/office/drawing/2014/main" id="{214FCC09-C3F8-25D4-4F69-8E70F01FAD70}"/>
+                </a:ext>
+              </a:extLst>
+            </p:cNvPr>
+            <p:cNvCxnSpPr>
+              <a:cxnSpLocks/>
+            </p:cNvCxnSpPr>
+            <p:nvPr/>
+          </p:nvCxnSpPr>
+          <p:spPr>
+            <a:xfrm flipH="1">
+              <a:off x="8715529" y="1902288"/>
+              <a:ext cx="7149" cy="658677"/>
+            </a:xfrm>
+            <a:prstGeom prst="straightConnector1">
+              <a:avLst/>
+            </a:prstGeom>
+            <a:ln>
+              <a:tailEnd type="triangle"/>
+            </a:ln>
+          </p:spPr>
+          <p:style>
+            <a:lnRef idx="2">
+              <a:schemeClr val="accent1"/>
+            </a:lnRef>
+            <a:fillRef idx="0">
+              <a:schemeClr val="accent1"/>
+            </a:fillRef>
+            <a:effectRef idx="1">
+              <a:schemeClr val="accent1"/>
+            </a:effectRef>
+            <a:fontRef idx="minor">
+              <a:schemeClr val="tx1"/>
+            </a:fontRef>
+          </p:style>
+        </p:cxnSp>
+        <p:sp>
+          <p:nvSpPr>
+            <p:cNvPr id="40" name="ZoneTexte 39">
+              <a:extLst>
+                <a:ext uri="{FF2B5EF4-FFF2-40B4-BE49-F238E27FC236}">
+                  <a16:creationId xmlns:a16="http://schemas.microsoft.com/office/drawing/2014/main" id="{E9773625-133A-0472-5D93-4FD64CB91133}"/>
+                </a:ext>
+              </a:extLst>
+            </p:cNvPr>
+            <p:cNvSpPr txBox="1"/>
+            <p:nvPr/>
+          </p:nvSpPr>
+          <p:spPr>
+            <a:xfrm>
+              <a:off x="8396465" y="2015137"/>
+              <a:ext cx="585787" cy="369332"/>
+            </a:xfrm>
+            <a:prstGeom prst="rect">
+              <a:avLst/>
+            </a:prstGeom>
+            <a:noFill/>
+          </p:spPr>
+          <p:txBody>
+            <a:bodyPr wrap="square" rtlCol="0">
+              <a:spAutoFit/>
+            </a:bodyPr>
+            <a:lstStyle/>
+            <a:p>
+              <a:r>
+                <a:rPr lang="fr-FR" dirty="0"/>
+                <a:t>$</a:t>
+              </a:r>
+            </a:p>
+          </p:txBody>
+        </p:sp>
+        <p:cxnSp>
+          <p:nvCxnSpPr>
+            <p:cNvPr id="42" name="Connecteur en angle 41">
+              <a:extLst>
+                <a:ext uri="{FF2B5EF4-FFF2-40B4-BE49-F238E27FC236}">
+                  <a16:creationId xmlns:a16="http://schemas.microsoft.com/office/drawing/2014/main" id="{D81B61A7-70E1-AA51-A067-43B6861E6E11}"/>
+                </a:ext>
+              </a:extLst>
+            </p:cNvPr>
+            <p:cNvCxnSpPr>
+              <a:cxnSpLocks/>
+              <a:stCxn id="6" idx="2"/>
+              <a:endCxn id="10" idx="0"/>
+            </p:cNvCxnSpPr>
+            <p:nvPr/>
+          </p:nvCxnSpPr>
+          <p:spPr>
+            <a:xfrm rot="16200000" flipH="1">
+              <a:off x="2657881" y="1644264"/>
+              <a:ext cx="544181" cy="1106130"/>
+            </a:xfrm>
+            <a:prstGeom prst="bentConnector3">
+              <a:avLst/>
+            </a:prstGeom>
+            <a:ln>
+              <a:tailEnd type="triangle"/>
+            </a:ln>
+          </p:spPr>
+          <p:style>
+            <a:lnRef idx="2">
+              <a:schemeClr val="accent1"/>
+            </a:lnRef>
+            <a:fillRef idx="0">
+              <a:schemeClr val="accent1"/>
+            </a:fillRef>
+            <a:effectRef idx="1">
+              <a:schemeClr val="accent1"/>
+            </a:effectRef>
+            <a:fontRef idx="minor">
+              <a:schemeClr val="tx1"/>
+            </a:fontRef>
+          </p:style>
+        </p:cxnSp>
+        <p:cxnSp>
+          <p:nvCxnSpPr>
+            <p:cNvPr id="47" name="Connecteur droit avec flèche 46">
+              <a:extLst>
+                <a:ext uri="{FF2B5EF4-FFF2-40B4-BE49-F238E27FC236}">
+                  <a16:creationId xmlns:a16="http://schemas.microsoft.com/office/drawing/2014/main" id="{BDD531F0-21FE-D24D-7B43-52D057510F8C}"/>
+                </a:ext>
+              </a:extLst>
+            </p:cNvPr>
+            <p:cNvCxnSpPr>
+              <a:cxnSpLocks/>
+              <a:endCxn id="37" idx="0"/>
+            </p:cNvCxnSpPr>
+            <p:nvPr/>
+          </p:nvCxnSpPr>
+          <p:spPr>
+            <a:xfrm>
+              <a:off x="8730759" y="964221"/>
+              <a:ext cx="0" cy="577487"/>
+            </a:xfrm>
+            <a:prstGeom prst="straightConnector1">
+              <a:avLst/>
+            </a:prstGeom>
+            <a:ln>
+              <a:tailEnd type="triangle"/>
+            </a:ln>
+          </p:spPr>
+          <p:style>
+            <a:lnRef idx="2">
+              <a:schemeClr val="accent1"/>
+            </a:lnRef>
+            <a:fillRef idx="0">
+              <a:schemeClr val="accent1"/>
+            </a:fillRef>
+            <a:effectRef idx="1">
+              <a:schemeClr val="accent1"/>
+            </a:effectRef>
+            <a:fontRef idx="minor">
+              <a:schemeClr val="tx1"/>
+            </a:fontRef>
+          </p:style>
+        </p:cxnSp>
+      </p:grpSp>
     </p:spTree>
     <p:extLst>
       <p:ext uri="{BB962C8B-B14F-4D97-AF65-F5344CB8AC3E}">
